--- a/content/downloads/notebooks/spatial.pptx
+++ b/content/downloads/notebooks/spatial.pptx
@@ -5,12 +5,13 @@
     <p:sldMasterId id="2147483648" r:id="rId1"/>
   </p:sldMasterIdLst>
   <p:sldIdLst>
-    <p:sldId id="259" r:id="rId2"/>
-    <p:sldId id="260" r:id="rId3"/>
-    <p:sldId id="261" r:id="rId4"/>
-    <p:sldId id="256" r:id="rId5"/>
-    <p:sldId id="257" r:id="rId6"/>
-    <p:sldId id="258" r:id="rId7"/>
+    <p:sldId id="262" r:id="rId2"/>
+    <p:sldId id="259" r:id="rId3"/>
+    <p:sldId id="260" r:id="rId4"/>
+    <p:sldId id="261" r:id="rId5"/>
+    <p:sldId id="256" r:id="rId6"/>
+    <p:sldId id="257" r:id="rId7"/>
+    <p:sldId id="258" r:id="rId8"/>
   </p:sldIdLst>
   <p:sldSz cx="12192000" cy="6858000"/>
   <p:notesSz cx="6858000" cy="9144000"/>
@@ -3331,6 +3332,1347 @@
           <a:chExt cx="0" cy="0"/>
         </a:xfrm>
       </p:grpSpPr>
+      <p:grpSp>
+        <p:nvGrpSpPr>
+          <p:cNvPr id="44" name="Group 43">
+            <a:extLst>
+              <a:ext uri="{FF2B5EF4-FFF2-40B4-BE49-F238E27FC236}">
+                <a16:creationId xmlns:a16="http://schemas.microsoft.com/office/drawing/2014/main" id="{274D8B48-40C4-41CF-B156-59E3C3CE8C21}"/>
+              </a:ext>
+            </a:extLst>
+          </p:cNvPr>
+          <p:cNvGrpSpPr/>
+          <p:nvPr/>
+        </p:nvGrpSpPr>
+        <p:grpSpPr>
+          <a:xfrm>
+            <a:off x="1903761" y="748377"/>
+            <a:ext cx="8751371" cy="5416683"/>
+            <a:chOff x="1903761" y="748377"/>
+            <a:chExt cx="8751371" cy="5416683"/>
+          </a:xfrm>
+        </p:grpSpPr>
+        <p:cxnSp>
+          <p:nvCxnSpPr>
+            <p:cNvPr id="28" name="Straight Connector 27">
+              <a:extLst>
+                <a:ext uri="{FF2B5EF4-FFF2-40B4-BE49-F238E27FC236}">
+                  <a16:creationId xmlns:a16="http://schemas.microsoft.com/office/drawing/2014/main" id="{450293C0-D40A-4D8B-AD54-1BA09452C637}"/>
+                </a:ext>
+              </a:extLst>
+            </p:cNvPr>
+            <p:cNvCxnSpPr>
+              <a:cxnSpLocks/>
+            </p:cNvCxnSpPr>
+            <p:nvPr/>
+          </p:nvCxnSpPr>
+          <p:spPr>
+            <a:xfrm flipH="1">
+              <a:off x="2652081" y="2288083"/>
+              <a:ext cx="7877807" cy="49298"/>
+            </a:xfrm>
+            <a:prstGeom prst="line">
+              <a:avLst/>
+            </a:prstGeom>
+            <a:ln w="25400">
+              <a:solidFill>
+                <a:schemeClr val="tx1"/>
+              </a:solidFill>
+              <a:prstDash val="sysDash"/>
+            </a:ln>
+          </p:spPr>
+          <p:style>
+            <a:lnRef idx="1">
+              <a:schemeClr val="accent1"/>
+            </a:lnRef>
+            <a:fillRef idx="0">
+              <a:schemeClr val="accent1"/>
+            </a:fillRef>
+            <a:effectRef idx="0">
+              <a:schemeClr val="accent1"/>
+            </a:effectRef>
+            <a:fontRef idx="minor">
+              <a:schemeClr val="tx1"/>
+            </a:fontRef>
+          </p:style>
+        </p:cxnSp>
+        <p:cxnSp>
+          <p:nvCxnSpPr>
+            <p:cNvPr id="6" name="Straight Connector 5">
+              <a:extLst>
+                <a:ext uri="{FF2B5EF4-FFF2-40B4-BE49-F238E27FC236}">
+                  <a16:creationId xmlns:a16="http://schemas.microsoft.com/office/drawing/2014/main" id="{93003AD5-C2C4-41E1-A4BC-EADE090A6449}"/>
+                </a:ext>
+              </a:extLst>
+            </p:cNvPr>
+            <p:cNvCxnSpPr>
+              <a:cxnSpLocks/>
+            </p:cNvCxnSpPr>
+            <p:nvPr/>
+          </p:nvCxnSpPr>
+          <p:spPr>
+            <a:xfrm>
+              <a:off x="2653412" y="1230198"/>
+              <a:ext cx="0" cy="4322874"/>
+            </a:xfrm>
+            <a:prstGeom prst="line">
+              <a:avLst/>
+            </a:prstGeom>
+            <a:ln w="34925">
+              <a:solidFill>
+                <a:schemeClr val="tx1"/>
+              </a:solidFill>
+            </a:ln>
+          </p:spPr>
+          <p:style>
+            <a:lnRef idx="1">
+              <a:schemeClr val="accent1"/>
+            </a:lnRef>
+            <a:fillRef idx="0">
+              <a:schemeClr val="accent1"/>
+            </a:fillRef>
+            <a:effectRef idx="0">
+              <a:schemeClr val="accent1"/>
+            </a:effectRef>
+            <a:fontRef idx="minor">
+              <a:schemeClr val="tx1"/>
+            </a:fontRef>
+          </p:style>
+        </p:cxnSp>
+        <p:cxnSp>
+          <p:nvCxnSpPr>
+            <p:cNvPr id="7" name="Straight Connector 6">
+              <a:extLst>
+                <a:ext uri="{FF2B5EF4-FFF2-40B4-BE49-F238E27FC236}">
+                  <a16:creationId xmlns:a16="http://schemas.microsoft.com/office/drawing/2014/main" id="{A7AD6B4F-152B-4E20-9770-9B5C546E02BB}"/>
+                </a:ext>
+              </a:extLst>
+            </p:cNvPr>
+            <p:cNvCxnSpPr>
+              <a:cxnSpLocks/>
+            </p:cNvCxnSpPr>
+            <p:nvPr/>
+          </p:nvCxnSpPr>
+          <p:spPr>
+            <a:xfrm flipH="1">
+              <a:off x="2653412" y="5553072"/>
+              <a:ext cx="7023042" cy="0"/>
+            </a:xfrm>
+            <a:prstGeom prst="line">
+              <a:avLst/>
+            </a:prstGeom>
+            <a:ln w="38100">
+              <a:solidFill>
+                <a:schemeClr val="tx1"/>
+              </a:solidFill>
+            </a:ln>
+          </p:spPr>
+          <p:style>
+            <a:lnRef idx="1">
+              <a:schemeClr val="accent1"/>
+            </a:lnRef>
+            <a:fillRef idx="0">
+              <a:schemeClr val="accent1"/>
+            </a:fillRef>
+            <a:effectRef idx="0">
+              <a:schemeClr val="accent1"/>
+            </a:effectRef>
+            <a:fontRef idx="minor">
+              <a:schemeClr val="tx1"/>
+            </a:fontRef>
+          </p:style>
+        </p:cxnSp>
+        <p:cxnSp>
+          <p:nvCxnSpPr>
+            <p:cNvPr id="11" name="Straight Connector 10">
+              <a:extLst>
+                <a:ext uri="{FF2B5EF4-FFF2-40B4-BE49-F238E27FC236}">
+                  <a16:creationId xmlns:a16="http://schemas.microsoft.com/office/drawing/2014/main" id="{36776216-05B7-491D-94AC-FAB3817AAB2D}"/>
+                </a:ext>
+              </a:extLst>
+            </p:cNvPr>
+            <p:cNvCxnSpPr>
+              <a:cxnSpLocks/>
+            </p:cNvCxnSpPr>
+            <p:nvPr/>
+          </p:nvCxnSpPr>
+          <p:spPr>
+            <a:xfrm>
+              <a:off x="6544308" y="2273194"/>
+              <a:ext cx="0" cy="3279878"/>
+            </a:xfrm>
+            <a:prstGeom prst="line">
+              <a:avLst/>
+            </a:prstGeom>
+            <a:ln w="25400">
+              <a:solidFill>
+                <a:schemeClr val="tx1"/>
+              </a:solidFill>
+              <a:prstDash val="sysDash"/>
+            </a:ln>
+          </p:spPr>
+          <p:style>
+            <a:lnRef idx="1">
+              <a:schemeClr val="accent1"/>
+            </a:lnRef>
+            <a:fillRef idx="0">
+              <a:schemeClr val="accent1"/>
+            </a:fillRef>
+            <a:effectRef idx="0">
+              <a:schemeClr val="accent1"/>
+            </a:effectRef>
+            <a:fontRef idx="minor">
+              <a:schemeClr val="tx1"/>
+            </a:fontRef>
+          </p:style>
+        </p:cxnSp>
+        <p:sp>
+          <p:nvSpPr>
+            <p:cNvPr id="15" name="Oval 14">
+              <a:extLst>
+                <a:ext uri="{FF2B5EF4-FFF2-40B4-BE49-F238E27FC236}">
+                  <a16:creationId xmlns:a16="http://schemas.microsoft.com/office/drawing/2014/main" id="{B11AB632-8A13-4DDE-9723-569A4397ED1F}"/>
+                </a:ext>
+              </a:extLst>
+            </p:cNvPr>
+            <p:cNvSpPr/>
+            <p:nvPr/>
+          </p:nvSpPr>
+          <p:spPr>
+            <a:xfrm>
+              <a:off x="2819689" y="3886034"/>
+              <a:ext cx="101997" cy="101997"/>
+            </a:xfrm>
+            <a:prstGeom prst="ellipse">
+              <a:avLst/>
+            </a:prstGeom>
+            <a:solidFill>
+              <a:schemeClr val="accent1"/>
+            </a:solidFill>
+            <a:ln>
+              <a:noFill/>
+            </a:ln>
+          </p:spPr>
+          <p:style>
+            <a:lnRef idx="2">
+              <a:schemeClr val="accent1">
+                <a:shade val="50000"/>
+              </a:schemeClr>
+            </a:lnRef>
+            <a:fillRef idx="1">
+              <a:schemeClr val="accent1"/>
+            </a:fillRef>
+            <a:effectRef idx="0">
+              <a:schemeClr val="accent1"/>
+            </a:effectRef>
+            <a:fontRef idx="minor">
+              <a:schemeClr val="lt1"/>
+            </a:fontRef>
+          </p:style>
+          <p:txBody>
+            <a:bodyPr rtlCol="0" anchor="ctr"/>
+            <a:lstStyle/>
+            <a:p>
+              <a:pPr algn="ctr"/>
+              <a:endParaRPr lang="en-US"/>
+            </a:p>
+          </p:txBody>
+        </p:sp>
+        <p:sp>
+          <p:nvSpPr>
+            <p:cNvPr id="16" name="Oval 15">
+              <a:extLst>
+                <a:ext uri="{FF2B5EF4-FFF2-40B4-BE49-F238E27FC236}">
+                  <a16:creationId xmlns:a16="http://schemas.microsoft.com/office/drawing/2014/main" id="{FB32A82E-0D1E-43E6-B0E4-4BDB78E5F371}"/>
+                </a:ext>
+              </a:extLst>
+            </p:cNvPr>
+            <p:cNvSpPr/>
+            <p:nvPr/>
+          </p:nvSpPr>
+          <p:spPr>
+            <a:xfrm>
+              <a:off x="3212284" y="3365416"/>
+              <a:ext cx="101997" cy="101997"/>
+            </a:xfrm>
+            <a:prstGeom prst="ellipse">
+              <a:avLst/>
+            </a:prstGeom>
+            <a:solidFill>
+              <a:schemeClr val="accent1"/>
+            </a:solidFill>
+            <a:ln>
+              <a:noFill/>
+            </a:ln>
+          </p:spPr>
+          <p:style>
+            <a:lnRef idx="2">
+              <a:schemeClr val="accent1">
+                <a:shade val="50000"/>
+              </a:schemeClr>
+            </a:lnRef>
+            <a:fillRef idx="1">
+              <a:schemeClr val="accent1"/>
+            </a:fillRef>
+            <a:effectRef idx="0">
+              <a:schemeClr val="accent1"/>
+            </a:effectRef>
+            <a:fontRef idx="minor">
+              <a:schemeClr val="lt1"/>
+            </a:fontRef>
+          </p:style>
+          <p:txBody>
+            <a:bodyPr rtlCol="0" anchor="ctr"/>
+            <a:lstStyle/>
+            <a:p>
+              <a:pPr algn="ctr"/>
+              <a:endParaRPr lang="en-US"/>
+            </a:p>
+          </p:txBody>
+        </p:sp>
+        <p:sp>
+          <p:nvSpPr>
+            <p:cNvPr id="17" name="Oval 16">
+              <a:extLst>
+                <a:ext uri="{FF2B5EF4-FFF2-40B4-BE49-F238E27FC236}">
+                  <a16:creationId xmlns:a16="http://schemas.microsoft.com/office/drawing/2014/main" id="{340C2D9A-BF1C-48A4-B4AF-244D9C796C0B}"/>
+                </a:ext>
+              </a:extLst>
+            </p:cNvPr>
+            <p:cNvSpPr/>
+            <p:nvPr/>
+          </p:nvSpPr>
+          <p:spPr>
+            <a:xfrm>
+              <a:off x="3617080" y="2879855"/>
+              <a:ext cx="101997" cy="101997"/>
+            </a:xfrm>
+            <a:prstGeom prst="ellipse">
+              <a:avLst/>
+            </a:prstGeom>
+            <a:solidFill>
+              <a:schemeClr val="accent1"/>
+            </a:solidFill>
+            <a:ln>
+              <a:noFill/>
+            </a:ln>
+          </p:spPr>
+          <p:style>
+            <a:lnRef idx="2">
+              <a:schemeClr val="accent1">
+                <a:shade val="50000"/>
+              </a:schemeClr>
+            </a:lnRef>
+            <a:fillRef idx="1">
+              <a:schemeClr val="accent1"/>
+            </a:fillRef>
+            <a:effectRef idx="0">
+              <a:schemeClr val="accent1"/>
+            </a:effectRef>
+            <a:fontRef idx="minor">
+              <a:schemeClr val="lt1"/>
+            </a:fontRef>
+          </p:style>
+          <p:txBody>
+            <a:bodyPr rtlCol="0" anchor="ctr"/>
+            <a:lstStyle/>
+            <a:p>
+              <a:pPr algn="ctr"/>
+              <a:endParaRPr lang="en-US"/>
+            </a:p>
+          </p:txBody>
+        </p:sp>
+        <p:sp>
+          <p:nvSpPr>
+            <p:cNvPr id="18" name="Oval 17">
+              <a:extLst>
+                <a:ext uri="{FF2B5EF4-FFF2-40B4-BE49-F238E27FC236}">
+                  <a16:creationId xmlns:a16="http://schemas.microsoft.com/office/drawing/2014/main" id="{58BBAED9-4937-4283-BAE2-481EAFC37D21}"/>
+                </a:ext>
+              </a:extLst>
+            </p:cNvPr>
+            <p:cNvSpPr/>
+            <p:nvPr/>
+          </p:nvSpPr>
+          <p:spPr>
+            <a:xfrm>
+              <a:off x="4277159" y="2622741"/>
+              <a:ext cx="101997" cy="101997"/>
+            </a:xfrm>
+            <a:prstGeom prst="ellipse">
+              <a:avLst/>
+            </a:prstGeom>
+            <a:solidFill>
+              <a:schemeClr val="accent1"/>
+            </a:solidFill>
+            <a:ln>
+              <a:noFill/>
+            </a:ln>
+          </p:spPr>
+          <p:style>
+            <a:lnRef idx="2">
+              <a:schemeClr val="accent1">
+                <a:shade val="50000"/>
+              </a:schemeClr>
+            </a:lnRef>
+            <a:fillRef idx="1">
+              <a:schemeClr val="accent1"/>
+            </a:fillRef>
+            <a:effectRef idx="0">
+              <a:schemeClr val="accent1"/>
+            </a:effectRef>
+            <a:fontRef idx="minor">
+              <a:schemeClr val="lt1"/>
+            </a:fontRef>
+          </p:style>
+          <p:txBody>
+            <a:bodyPr rtlCol="0" anchor="ctr"/>
+            <a:lstStyle/>
+            <a:p>
+              <a:pPr algn="ctr"/>
+              <a:endParaRPr lang="en-US"/>
+            </a:p>
+          </p:txBody>
+        </p:sp>
+        <p:sp>
+          <p:nvSpPr>
+            <p:cNvPr id="19" name="Oval 18">
+              <a:extLst>
+                <a:ext uri="{FF2B5EF4-FFF2-40B4-BE49-F238E27FC236}">
+                  <a16:creationId xmlns:a16="http://schemas.microsoft.com/office/drawing/2014/main" id="{08FC8F1C-783F-4E8F-95A4-47A6667F9876}"/>
+                </a:ext>
+              </a:extLst>
+            </p:cNvPr>
+            <p:cNvSpPr/>
+            <p:nvPr/>
+          </p:nvSpPr>
+          <p:spPr>
+            <a:xfrm>
+              <a:off x="5133786" y="2473984"/>
+              <a:ext cx="101997" cy="101997"/>
+            </a:xfrm>
+            <a:prstGeom prst="ellipse">
+              <a:avLst/>
+            </a:prstGeom>
+            <a:solidFill>
+              <a:schemeClr val="accent1"/>
+            </a:solidFill>
+            <a:ln>
+              <a:noFill/>
+            </a:ln>
+          </p:spPr>
+          <p:style>
+            <a:lnRef idx="2">
+              <a:schemeClr val="accent1">
+                <a:shade val="50000"/>
+              </a:schemeClr>
+            </a:lnRef>
+            <a:fillRef idx="1">
+              <a:schemeClr val="accent1"/>
+            </a:fillRef>
+            <a:effectRef idx="0">
+              <a:schemeClr val="accent1"/>
+            </a:effectRef>
+            <a:fontRef idx="minor">
+              <a:schemeClr val="lt1"/>
+            </a:fontRef>
+          </p:style>
+          <p:txBody>
+            <a:bodyPr rtlCol="0" anchor="ctr"/>
+            <a:lstStyle/>
+            <a:p>
+              <a:pPr algn="ctr"/>
+              <a:endParaRPr lang="en-US"/>
+            </a:p>
+          </p:txBody>
+        </p:sp>
+        <p:sp>
+          <p:nvSpPr>
+            <p:cNvPr id="20" name="Oval 19">
+              <a:extLst>
+                <a:ext uri="{FF2B5EF4-FFF2-40B4-BE49-F238E27FC236}">
+                  <a16:creationId xmlns:a16="http://schemas.microsoft.com/office/drawing/2014/main" id="{E3D55192-2882-425C-95CB-D7029779009E}"/>
+                </a:ext>
+              </a:extLst>
+            </p:cNvPr>
+            <p:cNvSpPr/>
+            <p:nvPr/>
+          </p:nvSpPr>
+          <p:spPr>
+            <a:xfrm>
+              <a:off x="6102775" y="2360301"/>
+              <a:ext cx="101997" cy="101997"/>
+            </a:xfrm>
+            <a:prstGeom prst="ellipse">
+              <a:avLst/>
+            </a:prstGeom>
+            <a:solidFill>
+              <a:schemeClr val="accent1"/>
+            </a:solidFill>
+            <a:ln>
+              <a:noFill/>
+            </a:ln>
+          </p:spPr>
+          <p:style>
+            <a:lnRef idx="2">
+              <a:schemeClr val="accent1">
+                <a:shade val="50000"/>
+              </a:schemeClr>
+            </a:lnRef>
+            <a:fillRef idx="1">
+              <a:schemeClr val="accent1"/>
+            </a:fillRef>
+            <a:effectRef idx="0">
+              <a:schemeClr val="accent1"/>
+            </a:effectRef>
+            <a:fontRef idx="minor">
+              <a:schemeClr val="lt1"/>
+            </a:fontRef>
+          </p:style>
+          <p:txBody>
+            <a:bodyPr rtlCol="0" anchor="ctr"/>
+            <a:lstStyle/>
+            <a:p>
+              <a:pPr algn="ctr"/>
+              <a:endParaRPr lang="en-US"/>
+            </a:p>
+          </p:txBody>
+        </p:sp>
+        <p:sp>
+          <p:nvSpPr>
+            <p:cNvPr id="22" name="Oval 21">
+              <a:extLst>
+                <a:ext uri="{FF2B5EF4-FFF2-40B4-BE49-F238E27FC236}">
+                  <a16:creationId xmlns:a16="http://schemas.microsoft.com/office/drawing/2014/main" id="{F467529B-210D-43FA-8EB5-71827E7C635D}"/>
+                </a:ext>
+              </a:extLst>
+            </p:cNvPr>
+            <p:cNvSpPr/>
+            <p:nvPr/>
+          </p:nvSpPr>
+          <p:spPr>
+            <a:xfrm>
+              <a:off x="6682366" y="2486749"/>
+              <a:ext cx="101997" cy="101997"/>
+            </a:xfrm>
+            <a:prstGeom prst="ellipse">
+              <a:avLst/>
+            </a:prstGeom>
+            <a:solidFill>
+              <a:schemeClr val="accent1"/>
+            </a:solidFill>
+            <a:ln>
+              <a:noFill/>
+            </a:ln>
+          </p:spPr>
+          <p:style>
+            <a:lnRef idx="2">
+              <a:schemeClr val="accent1">
+                <a:shade val="50000"/>
+              </a:schemeClr>
+            </a:lnRef>
+            <a:fillRef idx="1">
+              <a:schemeClr val="accent1"/>
+            </a:fillRef>
+            <a:effectRef idx="0">
+              <a:schemeClr val="accent1"/>
+            </a:effectRef>
+            <a:fontRef idx="minor">
+              <a:schemeClr val="lt1"/>
+            </a:fontRef>
+          </p:style>
+          <p:txBody>
+            <a:bodyPr rtlCol="0" anchor="ctr"/>
+            <a:lstStyle/>
+            <a:p>
+              <a:pPr algn="ctr"/>
+              <a:endParaRPr lang="en-US"/>
+            </a:p>
+          </p:txBody>
+        </p:sp>
+        <p:sp>
+          <p:nvSpPr>
+            <p:cNvPr id="23" name="Oval 22">
+              <a:extLst>
+                <a:ext uri="{FF2B5EF4-FFF2-40B4-BE49-F238E27FC236}">
+                  <a16:creationId xmlns:a16="http://schemas.microsoft.com/office/drawing/2014/main" id="{C28D520F-839F-4AE7-8979-EACE872950B8}"/>
+                </a:ext>
+              </a:extLst>
+            </p:cNvPr>
+            <p:cNvSpPr/>
+            <p:nvPr/>
+          </p:nvSpPr>
+          <p:spPr>
+            <a:xfrm>
+              <a:off x="7207764" y="2258305"/>
+              <a:ext cx="101997" cy="101997"/>
+            </a:xfrm>
+            <a:prstGeom prst="ellipse">
+              <a:avLst/>
+            </a:prstGeom>
+            <a:solidFill>
+              <a:schemeClr val="accent1"/>
+            </a:solidFill>
+            <a:ln>
+              <a:noFill/>
+            </a:ln>
+          </p:spPr>
+          <p:style>
+            <a:lnRef idx="2">
+              <a:schemeClr val="accent1">
+                <a:shade val="50000"/>
+              </a:schemeClr>
+            </a:lnRef>
+            <a:fillRef idx="1">
+              <a:schemeClr val="accent1"/>
+            </a:fillRef>
+            <a:effectRef idx="0">
+              <a:schemeClr val="accent1"/>
+            </a:effectRef>
+            <a:fontRef idx="minor">
+              <a:schemeClr val="lt1"/>
+            </a:fontRef>
+          </p:style>
+          <p:txBody>
+            <a:bodyPr rtlCol="0" anchor="ctr"/>
+            <a:lstStyle/>
+            <a:p>
+              <a:pPr algn="ctr"/>
+              <a:endParaRPr lang="en-US"/>
+            </a:p>
+          </p:txBody>
+        </p:sp>
+        <p:sp>
+          <p:nvSpPr>
+            <p:cNvPr id="24" name="Oval 23">
+              <a:extLst>
+                <a:ext uri="{FF2B5EF4-FFF2-40B4-BE49-F238E27FC236}">
+                  <a16:creationId xmlns:a16="http://schemas.microsoft.com/office/drawing/2014/main" id="{7F5B8700-CF12-4E8C-A71B-00C910B7B83C}"/>
+                </a:ext>
+              </a:extLst>
+            </p:cNvPr>
+            <p:cNvSpPr/>
+            <p:nvPr/>
+          </p:nvSpPr>
+          <p:spPr>
+            <a:xfrm>
+              <a:off x="7749632" y="2171197"/>
+              <a:ext cx="101997" cy="101997"/>
+            </a:xfrm>
+            <a:prstGeom prst="ellipse">
+              <a:avLst/>
+            </a:prstGeom>
+            <a:solidFill>
+              <a:schemeClr val="accent1"/>
+            </a:solidFill>
+            <a:ln>
+              <a:noFill/>
+            </a:ln>
+          </p:spPr>
+          <p:style>
+            <a:lnRef idx="2">
+              <a:schemeClr val="accent1">
+                <a:shade val="50000"/>
+              </a:schemeClr>
+            </a:lnRef>
+            <a:fillRef idx="1">
+              <a:schemeClr val="accent1"/>
+            </a:fillRef>
+            <a:effectRef idx="0">
+              <a:schemeClr val="accent1"/>
+            </a:effectRef>
+            <a:fontRef idx="minor">
+              <a:schemeClr val="lt1"/>
+            </a:fontRef>
+          </p:style>
+          <p:txBody>
+            <a:bodyPr rtlCol="0" anchor="ctr"/>
+            <a:lstStyle/>
+            <a:p>
+              <a:pPr algn="ctr"/>
+              <a:endParaRPr lang="en-US"/>
+            </a:p>
+          </p:txBody>
+        </p:sp>
+        <p:sp>
+          <p:nvSpPr>
+            <p:cNvPr id="25" name="Oval 24">
+              <a:extLst>
+                <a:ext uri="{FF2B5EF4-FFF2-40B4-BE49-F238E27FC236}">
+                  <a16:creationId xmlns:a16="http://schemas.microsoft.com/office/drawing/2014/main" id="{A79D1911-0B92-4274-8319-F738D7A505C5}"/>
+                </a:ext>
+              </a:extLst>
+            </p:cNvPr>
+            <p:cNvSpPr/>
+            <p:nvPr/>
+          </p:nvSpPr>
+          <p:spPr>
+            <a:xfrm>
+              <a:off x="8179946" y="2377317"/>
+              <a:ext cx="101997" cy="101997"/>
+            </a:xfrm>
+            <a:prstGeom prst="ellipse">
+              <a:avLst/>
+            </a:prstGeom>
+            <a:solidFill>
+              <a:schemeClr val="accent1"/>
+            </a:solidFill>
+            <a:ln>
+              <a:noFill/>
+            </a:ln>
+          </p:spPr>
+          <p:style>
+            <a:lnRef idx="2">
+              <a:schemeClr val="accent1">
+                <a:shade val="50000"/>
+              </a:schemeClr>
+            </a:lnRef>
+            <a:fillRef idx="1">
+              <a:schemeClr val="accent1"/>
+            </a:fillRef>
+            <a:effectRef idx="0">
+              <a:schemeClr val="accent1"/>
+            </a:effectRef>
+            <a:fontRef idx="minor">
+              <a:schemeClr val="lt1"/>
+            </a:fontRef>
+          </p:style>
+          <p:txBody>
+            <a:bodyPr rtlCol="0" anchor="ctr"/>
+            <a:lstStyle/>
+            <a:p>
+              <a:pPr algn="ctr"/>
+              <a:endParaRPr lang="en-US"/>
+            </a:p>
+          </p:txBody>
+        </p:sp>
+        <p:sp>
+          <p:nvSpPr>
+            <p:cNvPr id="26" name="Oval 25">
+              <a:extLst>
+                <a:ext uri="{FF2B5EF4-FFF2-40B4-BE49-F238E27FC236}">
+                  <a16:creationId xmlns:a16="http://schemas.microsoft.com/office/drawing/2014/main" id="{87828C48-0D23-4705-9A63-34844B055602}"/>
+                </a:ext>
+              </a:extLst>
+            </p:cNvPr>
+            <p:cNvSpPr/>
+            <p:nvPr/>
+          </p:nvSpPr>
+          <p:spPr>
+            <a:xfrm>
+              <a:off x="8895532" y="2454862"/>
+              <a:ext cx="101997" cy="101997"/>
+            </a:xfrm>
+            <a:prstGeom prst="ellipse">
+              <a:avLst/>
+            </a:prstGeom>
+            <a:solidFill>
+              <a:schemeClr val="accent1"/>
+            </a:solidFill>
+            <a:ln>
+              <a:noFill/>
+            </a:ln>
+          </p:spPr>
+          <p:style>
+            <a:lnRef idx="2">
+              <a:schemeClr val="accent1">
+                <a:shade val="50000"/>
+              </a:schemeClr>
+            </a:lnRef>
+            <a:fillRef idx="1">
+              <a:schemeClr val="accent1"/>
+            </a:fillRef>
+            <a:effectRef idx="0">
+              <a:schemeClr val="accent1"/>
+            </a:effectRef>
+            <a:fontRef idx="minor">
+              <a:schemeClr val="lt1"/>
+            </a:fontRef>
+          </p:style>
+          <p:txBody>
+            <a:bodyPr rtlCol="0" anchor="ctr"/>
+            <a:lstStyle/>
+            <a:p>
+              <a:pPr algn="ctr"/>
+              <a:endParaRPr lang="en-US"/>
+            </a:p>
+          </p:txBody>
+        </p:sp>
+        <p:sp>
+          <p:nvSpPr>
+            <p:cNvPr id="27" name="Oval 26">
+              <a:extLst>
+                <a:ext uri="{FF2B5EF4-FFF2-40B4-BE49-F238E27FC236}">
+                  <a16:creationId xmlns:a16="http://schemas.microsoft.com/office/drawing/2014/main" id="{E6125F15-A5F2-46D2-8E4D-D61708510DCB}"/>
+                </a:ext>
+              </a:extLst>
+            </p:cNvPr>
+            <p:cNvSpPr/>
+            <p:nvPr/>
+          </p:nvSpPr>
+          <p:spPr>
+            <a:xfrm>
+              <a:off x="9268990" y="2069201"/>
+              <a:ext cx="101997" cy="101997"/>
+            </a:xfrm>
+            <a:prstGeom prst="ellipse">
+              <a:avLst/>
+            </a:prstGeom>
+            <a:solidFill>
+              <a:schemeClr val="accent1"/>
+            </a:solidFill>
+            <a:ln>
+              <a:noFill/>
+            </a:ln>
+          </p:spPr>
+          <p:style>
+            <a:lnRef idx="2">
+              <a:schemeClr val="accent1">
+                <a:shade val="50000"/>
+              </a:schemeClr>
+            </a:lnRef>
+            <a:fillRef idx="1">
+              <a:schemeClr val="accent1"/>
+            </a:fillRef>
+            <a:effectRef idx="0">
+              <a:schemeClr val="accent1"/>
+            </a:effectRef>
+            <a:fontRef idx="minor">
+              <a:schemeClr val="lt1"/>
+            </a:fontRef>
+          </p:style>
+          <p:txBody>
+            <a:bodyPr rtlCol="0" anchor="ctr"/>
+            <a:lstStyle/>
+            <a:p>
+              <a:pPr algn="ctr"/>
+              <a:endParaRPr lang="en-US"/>
+            </a:p>
+          </p:txBody>
+        </p:sp>
+        <p:sp>
+          <p:nvSpPr>
+            <p:cNvPr id="39" name="Freeform: Shape 38">
+              <a:extLst>
+                <a:ext uri="{FF2B5EF4-FFF2-40B4-BE49-F238E27FC236}">
+                  <a16:creationId xmlns:a16="http://schemas.microsoft.com/office/drawing/2014/main" id="{9A121E77-0159-4891-B8C4-C990FF04E231}"/>
+                </a:ext>
+              </a:extLst>
+            </p:cNvPr>
+            <p:cNvSpPr/>
+            <p:nvPr/>
+          </p:nvSpPr>
+          <p:spPr>
+            <a:xfrm>
+              <a:off x="2665627" y="2273194"/>
+              <a:ext cx="6874294" cy="1746424"/>
+            </a:xfrm>
+            <a:custGeom>
+              <a:avLst/>
+              <a:gdLst>
+                <a:gd name="connsiteX0" fmla="*/ 0 w 3081337"/>
+                <a:gd name="connsiteY0" fmla="*/ 782818 h 782818"/>
+                <a:gd name="connsiteX1" fmla="*/ 923925 w 3081337"/>
+                <a:gd name="connsiteY1" fmla="*/ 106543 h 782818"/>
+                <a:gd name="connsiteX2" fmla="*/ 3081337 w 3081337"/>
+                <a:gd name="connsiteY2" fmla="*/ 11293 h 782818"/>
+              </a:gdLst>
+              <a:ahLst/>
+              <a:cxnLst>
+                <a:cxn ang="0">
+                  <a:pos x="connsiteX0" y="connsiteY0"/>
+                </a:cxn>
+                <a:cxn ang="0">
+                  <a:pos x="connsiteX1" y="connsiteY1"/>
+                </a:cxn>
+                <a:cxn ang="0">
+                  <a:pos x="connsiteX2" y="connsiteY2"/>
+                </a:cxn>
+              </a:cxnLst>
+              <a:rect l="l" t="t" r="r" b="b"/>
+              <a:pathLst>
+                <a:path w="3081337" h="782818">
+                  <a:moveTo>
+                    <a:pt x="0" y="782818"/>
+                  </a:moveTo>
+                  <a:cubicBezTo>
+                    <a:pt x="205184" y="508974"/>
+                    <a:pt x="410369" y="235130"/>
+                    <a:pt x="923925" y="106543"/>
+                  </a:cubicBezTo>
+                  <a:cubicBezTo>
+                    <a:pt x="1437481" y="-22044"/>
+                    <a:pt x="2259409" y="-5376"/>
+                    <a:pt x="3081337" y="11293"/>
+                  </a:cubicBezTo>
+                </a:path>
+              </a:pathLst>
+            </a:custGeom>
+            <a:noFill/>
+            <a:ln w="34925">
+              <a:solidFill>
+                <a:srgbClr val="FF0000"/>
+              </a:solidFill>
+            </a:ln>
+          </p:spPr>
+          <p:style>
+            <a:lnRef idx="2">
+              <a:schemeClr val="accent1">
+                <a:shade val="50000"/>
+              </a:schemeClr>
+            </a:lnRef>
+            <a:fillRef idx="1">
+              <a:schemeClr val="accent1"/>
+            </a:fillRef>
+            <a:effectRef idx="0">
+              <a:schemeClr val="accent1"/>
+            </a:effectRef>
+            <a:fontRef idx="minor">
+              <a:schemeClr val="lt1"/>
+            </a:fontRef>
+          </p:style>
+          <p:txBody>
+            <a:bodyPr rtlCol="0" anchor="ctr"/>
+            <a:lstStyle/>
+            <a:p>
+              <a:pPr algn="ctr"/>
+              <a:endParaRPr lang="en-US"/>
+            </a:p>
+          </p:txBody>
+        </p:sp>
+        <mc:AlternateContent xmlns:mc="http://schemas.openxmlformats.org/markup-compatibility/2006">
+          <mc:Choice xmlns:a14="http://schemas.microsoft.com/office/drawing/2010/main" Requires="a14">
+            <p:sp>
+              <p:nvSpPr>
+                <p:cNvPr id="9" name="TextBox 8">
+                  <a:extLst>
+                    <a:ext uri="{FF2B5EF4-FFF2-40B4-BE49-F238E27FC236}">
+                      <a16:creationId xmlns:a16="http://schemas.microsoft.com/office/drawing/2014/main" id="{1036F6E6-0F7B-46E8-A6D8-27B41A0728E7}"/>
+                    </a:ext>
+                  </a:extLst>
+                </p:cNvPr>
+                <p:cNvSpPr txBox="1"/>
+                <p:nvPr/>
+              </p:nvSpPr>
+              <p:spPr>
+                <a:xfrm>
+                  <a:off x="9651887" y="2441339"/>
+                  <a:ext cx="1003245" cy="400111"/>
+                </a:xfrm>
+                <a:prstGeom prst="rect">
+                  <a:avLst/>
+                </a:prstGeom>
+                <a:noFill/>
+              </p:spPr>
+              <p:txBody>
+                <a:bodyPr wrap="square" rtlCol="0">
+                  <a:spAutoFit/>
+                </a:bodyPr>
+                <a:lstStyle/>
+                <a:p>
+                  <a:r>
+                    <a:rPr lang="en-US" sz="2000" dirty="0">
+                      <a:solidFill>
+                        <a:schemeClr val="accent5">
+                          <a:lumMod val="50000"/>
+                        </a:schemeClr>
+                      </a:solidFill>
+                      <a:latin typeface="Ebrima" panose="02000000000000000000" pitchFamily="2" charset="0"/>
+                      <a:ea typeface="Ebrima" panose="02000000000000000000" pitchFamily="2" charset="0"/>
+                      <a:cs typeface="Ebrima" panose="02000000000000000000" pitchFamily="2" charset="0"/>
+                    </a:rPr>
+                    <a:t>sill (</a:t>
+                  </a:r>
+                  <a14:m>
+                    <m:oMath xmlns:m="http://schemas.openxmlformats.org/officeDocument/2006/math">
+                      <m:sSup>
+                        <m:sSupPr>
+                          <m:ctrlPr>
+                            <a:rPr lang="el-GR" sz="2000" i="1" smtClean="0">
+                              <a:solidFill>
+                                <a:schemeClr val="accent5">
+                                  <a:lumMod val="50000"/>
+                                </a:schemeClr>
+                              </a:solidFill>
+                              <a:latin typeface="Cambria Math" panose="02040503050406030204" pitchFamily="18" charset="0"/>
+                            </a:rPr>
+                          </m:ctrlPr>
+                        </m:sSupPr>
+                        <m:e>
+                          <m:r>
+                            <a:rPr lang="el-GR" sz="2000" i="1" smtClean="0">
+                              <a:solidFill>
+                                <a:schemeClr val="accent5">
+                                  <a:lumMod val="50000"/>
+                                </a:schemeClr>
+                              </a:solidFill>
+                              <a:latin typeface="Cambria Math" panose="02040503050406030204" pitchFamily="18" charset="0"/>
+                              <a:ea typeface="Cambria Math" panose="02040503050406030204" pitchFamily="18" charset="0"/>
+                            </a:rPr>
+                            <m:t>𝜎</m:t>
+                          </m:r>
+                        </m:e>
+                        <m:sup>
+                          <m:r>
+                            <a:rPr lang="en-US" sz="2000" b="0" i="1" smtClean="0">
+                              <a:solidFill>
+                                <a:schemeClr val="accent5">
+                                  <a:lumMod val="50000"/>
+                                </a:schemeClr>
+                              </a:solidFill>
+                              <a:latin typeface="Cambria Math" panose="02040503050406030204" pitchFamily="18" charset="0"/>
+                            </a:rPr>
+                            <m:t>2</m:t>
+                          </m:r>
+                        </m:sup>
+                      </m:sSup>
+                    </m:oMath>
+                  </a14:m>
+                  <a:r>
+                    <a:rPr lang="en-US" sz="2000" dirty="0">
+                      <a:solidFill>
+                        <a:schemeClr val="accent5">
+                          <a:lumMod val="50000"/>
+                        </a:schemeClr>
+                      </a:solidFill>
+                      <a:latin typeface="Ebrima" panose="02000000000000000000" pitchFamily="2" charset="0"/>
+                      <a:ea typeface="Ebrima" panose="02000000000000000000" pitchFamily="2" charset="0"/>
+                      <a:cs typeface="Ebrima" panose="02000000000000000000" pitchFamily="2" charset="0"/>
+                    </a:rPr>
+                    <a:t>)</a:t>
+                  </a:r>
+                </a:p>
+              </p:txBody>
+            </p:sp>
+          </mc:Choice>
+          <mc:Fallback>
+            <p:sp>
+              <p:nvSpPr>
+                <p:cNvPr id="9" name="TextBox 8">
+                  <a:extLst>
+                    <a:ext uri="{FF2B5EF4-FFF2-40B4-BE49-F238E27FC236}">
+                      <a16:creationId xmlns:a16="http://schemas.microsoft.com/office/drawing/2014/main" id="{1036F6E6-0F7B-46E8-A6D8-27B41A0728E7}"/>
+                    </a:ext>
+                  </a:extLst>
+                </p:cNvPr>
+                <p:cNvSpPr txBox="1">
+                  <a:spLocks noRot="1" noChangeAspect="1" noMove="1" noResize="1" noEditPoints="1" noAdjustHandles="1" noChangeArrowheads="1" noChangeShapeType="1" noTextEdit="1"/>
+                </p:cNvSpPr>
+                <p:nvPr/>
+              </p:nvSpPr>
+              <p:spPr>
+                <a:xfrm>
+                  <a:off x="9651887" y="2441339"/>
+                  <a:ext cx="1003245" cy="400111"/>
+                </a:xfrm>
+                <a:prstGeom prst="rect">
+                  <a:avLst/>
+                </a:prstGeom>
+                <a:blipFill>
+                  <a:blip r:embed="rId2"/>
+                  <a:stretch>
+                    <a:fillRect l="-6061" t="-6061" r="-4848" b="-27273"/>
+                  </a:stretch>
+                </a:blipFill>
+              </p:spPr>
+              <p:txBody>
+                <a:bodyPr/>
+                <a:lstStyle/>
+                <a:p>
+                  <a:r>
+                    <a:rPr lang="en-US">
+                      <a:noFill/>
+                    </a:rPr>
+                    <a:t> </a:t>
+                  </a:r>
+                </a:p>
+              </p:txBody>
+            </p:sp>
+          </mc:Fallback>
+        </mc:AlternateContent>
+        <p:sp>
+          <p:nvSpPr>
+            <p:cNvPr id="29" name="TextBox 28">
+              <a:extLst>
+                <a:ext uri="{FF2B5EF4-FFF2-40B4-BE49-F238E27FC236}">
+                  <a16:creationId xmlns:a16="http://schemas.microsoft.com/office/drawing/2014/main" id="{566CE07A-B3AE-40B3-B9BC-FB4543C93951}"/>
+                </a:ext>
+              </a:extLst>
+            </p:cNvPr>
+            <p:cNvSpPr txBox="1"/>
+            <p:nvPr/>
+          </p:nvSpPr>
+          <p:spPr>
+            <a:xfrm>
+              <a:off x="4033608" y="4627507"/>
+              <a:ext cx="2597286" cy="400111"/>
+            </a:xfrm>
+            <a:prstGeom prst="rect">
+              <a:avLst/>
+            </a:prstGeom>
+            <a:noFill/>
+          </p:spPr>
+          <p:txBody>
+            <a:bodyPr wrap="square" rtlCol="0">
+              <a:spAutoFit/>
+            </a:bodyPr>
+            <a:lstStyle/>
+            <a:p>
+              <a:r>
+                <a:rPr lang="en-US" sz="2000" dirty="0">
+                  <a:solidFill>
+                    <a:schemeClr val="accent5">
+                      <a:lumMod val="50000"/>
+                    </a:schemeClr>
+                  </a:solidFill>
+                  <a:latin typeface="Ebrima" panose="02000000000000000000" pitchFamily="2" charset="0"/>
+                  <a:ea typeface="Ebrima" panose="02000000000000000000" pitchFamily="2" charset="0"/>
+                  <a:cs typeface="Ebrima" panose="02000000000000000000" pitchFamily="2" charset="0"/>
+                </a:rPr>
+                <a:t>range</a:t>
+              </a:r>
+            </a:p>
+          </p:txBody>
+        </p:sp>
+        <p:sp>
+          <p:nvSpPr>
+            <p:cNvPr id="32" name="TextBox 31">
+              <a:extLst>
+                <a:ext uri="{FF2B5EF4-FFF2-40B4-BE49-F238E27FC236}">
+                  <a16:creationId xmlns:a16="http://schemas.microsoft.com/office/drawing/2014/main" id="{54008610-23E9-4FB7-8E6A-DCEA44C2B70C}"/>
+                </a:ext>
+              </a:extLst>
+            </p:cNvPr>
+            <p:cNvSpPr txBox="1"/>
+            <p:nvPr/>
+          </p:nvSpPr>
+          <p:spPr>
+            <a:xfrm>
+              <a:off x="5235783" y="5688006"/>
+              <a:ext cx="3412967" cy="477054"/>
+            </a:xfrm>
+            <a:prstGeom prst="rect">
+              <a:avLst/>
+            </a:prstGeom>
+            <a:noFill/>
+          </p:spPr>
+          <p:txBody>
+            <a:bodyPr wrap="square" rtlCol="0">
+              <a:spAutoFit/>
+            </a:bodyPr>
+            <a:lstStyle/>
+            <a:p>
+              <a:r>
+                <a:rPr lang="en-US" sz="2500" dirty="0">
+                  <a:solidFill>
+                    <a:schemeClr val="accent5">
+                      <a:lumMod val="50000"/>
+                    </a:schemeClr>
+                  </a:solidFill>
+                  <a:latin typeface="Ebrima" panose="02000000000000000000" pitchFamily="2" charset="0"/>
+                  <a:ea typeface="Ebrima" panose="02000000000000000000" pitchFamily="2" charset="0"/>
+                  <a:cs typeface="Ebrima" panose="02000000000000000000" pitchFamily="2" charset="0"/>
+                </a:rPr>
+                <a:t>lag distance (h)</a:t>
+              </a:r>
+            </a:p>
+          </p:txBody>
+        </p:sp>
+        <mc:AlternateContent xmlns:mc="http://schemas.openxmlformats.org/markup-compatibility/2006">
+          <mc:Choice xmlns:a14="http://schemas.microsoft.com/office/drawing/2010/main" Requires="a14">
+            <p:sp>
+              <p:nvSpPr>
+                <p:cNvPr id="33" name="TextBox 32">
+                  <a:extLst>
+                    <a:ext uri="{FF2B5EF4-FFF2-40B4-BE49-F238E27FC236}">
+                      <a16:creationId xmlns:a16="http://schemas.microsoft.com/office/drawing/2014/main" id="{7B00410E-95DF-4F0A-A8AB-9839BC82BE97}"/>
+                    </a:ext>
+                  </a:extLst>
+                </p:cNvPr>
+                <p:cNvSpPr txBox="1"/>
+                <p:nvPr/>
+              </p:nvSpPr>
+              <p:spPr>
+                <a:xfrm rot="16200000">
+                  <a:off x="435804" y="2216334"/>
+                  <a:ext cx="3412967" cy="477054"/>
+                </a:xfrm>
+                <a:prstGeom prst="rect">
+                  <a:avLst/>
+                </a:prstGeom>
+                <a:noFill/>
+              </p:spPr>
+              <p:txBody>
+                <a:bodyPr wrap="square" rtlCol="0">
+                  <a:spAutoFit/>
+                </a:bodyPr>
+                <a:lstStyle/>
+                <a:p>
+                  <a:r>
+                    <a:rPr lang="en-US" sz="2500" dirty="0">
+                      <a:solidFill>
+                        <a:schemeClr val="accent5">
+                          <a:lumMod val="50000"/>
+                        </a:schemeClr>
+                      </a:solidFill>
+                      <a:latin typeface="Ebrima" panose="02000000000000000000" pitchFamily="2" charset="0"/>
+                      <a:ea typeface="Ebrima" panose="02000000000000000000" pitchFamily="2" charset="0"/>
+                      <a:cs typeface="Ebrima" panose="02000000000000000000" pitchFamily="2" charset="0"/>
+                    </a:rPr>
+                    <a:t>variance (</a:t>
+                  </a:r>
+                  <a14:m>
+                    <m:oMath xmlns:m="http://schemas.openxmlformats.org/officeDocument/2006/math">
+                      <m:r>
+                        <a:rPr lang="en-US" sz="2500" i="1" smtClean="0">
+                          <a:solidFill>
+                            <a:schemeClr val="accent5">
+                              <a:lumMod val="50000"/>
+                            </a:schemeClr>
+                          </a:solidFill>
+                          <a:latin typeface="Cambria Math" panose="02040503050406030204" pitchFamily="18" charset="0"/>
+                          <a:ea typeface="Cambria Math" panose="02040503050406030204" pitchFamily="18" charset="0"/>
+                          <a:cs typeface="Ebrima" panose="02000000000000000000" pitchFamily="2" charset="0"/>
+                        </a:rPr>
+                        <m:t>𝛾</m:t>
+                      </m:r>
+                    </m:oMath>
+                  </a14:m>
+                  <a:r>
+                    <a:rPr lang="en-US" sz="2500" dirty="0">
+                      <a:solidFill>
+                        <a:schemeClr val="accent5">
+                          <a:lumMod val="50000"/>
+                        </a:schemeClr>
+                      </a:solidFill>
+                      <a:latin typeface="Ebrima" panose="02000000000000000000" pitchFamily="2" charset="0"/>
+                      <a:ea typeface="Ebrima" panose="02000000000000000000" pitchFamily="2" charset="0"/>
+                      <a:cs typeface="Ebrima" panose="02000000000000000000" pitchFamily="2" charset="0"/>
+                    </a:rPr>
+                    <a:t>)</a:t>
+                  </a:r>
+                </a:p>
+              </p:txBody>
+            </p:sp>
+          </mc:Choice>
+          <mc:Fallback>
+            <p:sp>
+              <p:nvSpPr>
+                <p:cNvPr id="33" name="TextBox 32">
+                  <a:extLst>
+                    <a:ext uri="{FF2B5EF4-FFF2-40B4-BE49-F238E27FC236}">
+                      <a16:creationId xmlns:a16="http://schemas.microsoft.com/office/drawing/2014/main" id="{7B00410E-95DF-4F0A-A8AB-9839BC82BE97}"/>
+                    </a:ext>
+                  </a:extLst>
+                </p:cNvPr>
+                <p:cNvSpPr txBox="1">
+                  <a:spLocks noRot="1" noChangeAspect="1" noMove="1" noResize="1" noEditPoints="1" noAdjustHandles="1" noChangeArrowheads="1" noChangeShapeType="1" noTextEdit="1"/>
+                </p:cNvSpPr>
+                <p:nvPr/>
+              </p:nvSpPr>
+              <p:spPr>
+                <a:xfrm rot="16200000">
+                  <a:off x="435804" y="2216334"/>
+                  <a:ext cx="3412967" cy="477054"/>
+                </a:xfrm>
+                <a:prstGeom prst="rect">
+                  <a:avLst/>
+                </a:prstGeom>
+                <a:blipFill>
+                  <a:blip r:embed="rId3"/>
+                  <a:stretch>
+                    <a:fillRect l="-8861" r="-29114" b="-2857"/>
+                  </a:stretch>
+                </a:blipFill>
+              </p:spPr>
+              <p:txBody>
+                <a:bodyPr/>
+                <a:lstStyle/>
+                <a:p>
+                  <a:r>
+                    <a:rPr lang="en-US">
+                      <a:noFill/>
+                    </a:rPr>
+                    <a:t> </a:t>
+                  </a:r>
+                </a:p>
+              </p:txBody>
+            </p:sp>
+          </mc:Fallback>
+        </mc:AlternateContent>
+      </p:grpSp>
+      <p:cxnSp>
+        <p:nvCxnSpPr>
+          <p:cNvPr id="4" name="Straight Arrow Connector 3">
+            <a:extLst>
+              <a:ext uri="{FF2B5EF4-FFF2-40B4-BE49-F238E27FC236}">
+                <a16:creationId xmlns:a16="http://schemas.microsoft.com/office/drawing/2014/main" id="{15169AB8-DD96-4C47-81C2-816FC345C51B}"/>
+              </a:ext>
+            </a:extLst>
+          </p:cNvPr>
+          <p:cNvCxnSpPr>
+            <a:cxnSpLocks/>
+          </p:cNvCxnSpPr>
+          <p:nvPr/>
+        </p:nvCxnSpPr>
+        <p:spPr>
+          <a:xfrm>
+            <a:off x="2719388" y="5162551"/>
+            <a:ext cx="3724275" cy="0"/>
+          </a:xfrm>
+          <a:prstGeom prst="straightConnector1">
+            <a:avLst/>
+          </a:prstGeom>
+          <a:ln w="38100">
+            <a:headEnd type="triangle"/>
+            <a:tailEnd type="triangle"/>
+          </a:ln>
+        </p:spPr>
+        <p:style>
+          <a:lnRef idx="1">
+            <a:schemeClr val="accent1"/>
+          </a:lnRef>
+          <a:fillRef idx="0">
+            <a:schemeClr val="accent1"/>
+          </a:fillRef>
+          <a:effectRef idx="0">
+            <a:schemeClr val="accent1"/>
+          </a:effectRef>
+          <a:fontRef idx="minor">
+            <a:schemeClr val="tx1"/>
+          </a:fontRef>
+        </p:style>
+      </p:cxnSp>
+    </p:spTree>
+    <p:extLst>
+      <p:ext uri="{BB962C8B-B14F-4D97-AF65-F5344CB8AC3E}">
+        <p14:creationId xmlns:p14="http://schemas.microsoft.com/office/powerpoint/2010/main" val="3289089611"/>
+      </p:ext>
+    </p:extLst>
+  </p:cSld>
+  <p:clrMapOvr>
+    <a:masterClrMapping/>
+  </p:clrMapOvr>
+</p:sld>
+</file>
+
+<file path=ppt/slides/slide2.xml><?xml version="1.0" encoding="utf-8"?>
+<p:sld xmlns:a="http://schemas.openxmlformats.org/drawingml/2006/main" xmlns:r="http://schemas.openxmlformats.org/officeDocument/2006/relationships" xmlns:p="http://schemas.openxmlformats.org/presentationml/2006/main">
+  <p:cSld>
+    <p:spTree>
+      <p:nvGrpSpPr>
+        <p:cNvPr id="1" name=""/>
+        <p:cNvGrpSpPr/>
+        <p:nvPr/>
+      </p:nvGrpSpPr>
+      <p:grpSpPr>
+        <a:xfrm>
+          <a:off x="0" y="0"/>
+          <a:ext cx="0" cy="0"/>
+          <a:chOff x="0" y="0"/>
+          <a:chExt cx="0" cy="0"/>
+        </a:xfrm>
+      </p:grpSpPr>
       <p:pic>
         <p:nvPicPr>
           <p:cNvPr id="5" name="Picture 4">
@@ -4433,7 +5775,7 @@
           </p:nvSpPr>
           <p:spPr>
             <a:xfrm>
-              <a:off x="6743471" y="4931945"/>
+              <a:off x="3947022" y="4516917"/>
               <a:ext cx="2597286" cy="504778"/>
             </a:xfrm>
             <a:prstGeom prst="rect">
@@ -7188,6 +8530,48 @@
           </p:sp>
         </mc:Fallback>
       </mc:AlternateContent>
+      <p:cxnSp>
+        <p:nvCxnSpPr>
+          <p:cNvPr id="93" name="Straight Arrow Connector 92">
+            <a:extLst>
+              <a:ext uri="{FF2B5EF4-FFF2-40B4-BE49-F238E27FC236}">
+                <a16:creationId xmlns:a16="http://schemas.microsoft.com/office/drawing/2014/main" id="{72F58FA3-407D-48C5-8E0F-6C526ADB2046}"/>
+              </a:ext>
+            </a:extLst>
+          </p:cNvPr>
+          <p:cNvCxnSpPr>
+            <a:cxnSpLocks/>
+          </p:cNvCxnSpPr>
+          <p:nvPr/>
+        </p:nvCxnSpPr>
+        <p:spPr>
+          <a:xfrm>
+            <a:off x="818721" y="4645564"/>
+            <a:ext cx="2719673" cy="0"/>
+          </a:xfrm>
+          <a:prstGeom prst="straightConnector1">
+            <a:avLst/>
+          </a:prstGeom>
+          <a:ln w="38100">
+            <a:headEnd type="triangle"/>
+            <a:tailEnd type="triangle"/>
+          </a:ln>
+        </p:spPr>
+        <p:style>
+          <a:lnRef idx="1">
+            <a:schemeClr val="accent1"/>
+          </a:lnRef>
+          <a:fillRef idx="0">
+            <a:schemeClr val="accent1"/>
+          </a:fillRef>
+          <a:effectRef idx="0">
+            <a:schemeClr val="accent1"/>
+          </a:effectRef>
+          <a:fontRef idx="minor">
+            <a:schemeClr val="tx1"/>
+          </a:fontRef>
+        </p:style>
+      </p:cxnSp>
     </p:spTree>
     <p:extLst>
       <p:ext uri="{BB962C8B-B14F-4D97-AF65-F5344CB8AC3E}">
@@ -7201,7 +8585,7 @@
 </p:sld>
 </file>
 
-<file path=ppt/slides/slide2.xml><?xml version="1.0" encoding="utf-8"?>
+<file path=ppt/slides/slide3.xml><?xml version="1.0" encoding="utf-8"?>
 <p:sld xmlns:a="http://schemas.openxmlformats.org/drawingml/2006/main" xmlns:r="http://schemas.openxmlformats.org/officeDocument/2006/relationships" xmlns:p="http://schemas.openxmlformats.org/presentationml/2006/main">
   <p:cSld>
     <p:spTree>
@@ -11048,6 +12432,92 @@
           </mc:Fallback>
         </mc:AlternateContent>
       </p:grpSp>
+      <p:cxnSp>
+        <p:nvCxnSpPr>
+          <p:cNvPr id="104" name="Straight Arrow Connector 103">
+            <a:extLst>
+              <a:ext uri="{FF2B5EF4-FFF2-40B4-BE49-F238E27FC236}">
+                <a16:creationId xmlns:a16="http://schemas.microsoft.com/office/drawing/2014/main" id="{6EC787FD-FD62-4AA4-9989-66C548FF5180}"/>
+              </a:ext>
+            </a:extLst>
+          </p:cNvPr>
+          <p:cNvCxnSpPr>
+            <a:cxnSpLocks/>
+          </p:cNvCxnSpPr>
+          <p:nvPr/>
+        </p:nvCxnSpPr>
+        <p:spPr>
+          <a:xfrm>
+            <a:off x="818721" y="4645564"/>
+            <a:ext cx="2719673" cy="0"/>
+          </a:xfrm>
+          <a:prstGeom prst="straightConnector1">
+            <a:avLst/>
+          </a:prstGeom>
+          <a:ln w="38100">
+            <a:headEnd type="triangle"/>
+            <a:tailEnd type="triangle"/>
+          </a:ln>
+        </p:spPr>
+        <p:style>
+          <a:lnRef idx="1">
+            <a:schemeClr val="accent1"/>
+          </a:lnRef>
+          <a:fillRef idx="0">
+            <a:schemeClr val="accent1"/>
+          </a:fillRef>
+          <a:effectRef idx="0">
+            <a:schemeClr val="accent1"/>
+          </a:effectRef>
+          <a:fontRef idx="minor">
+            <a:schemeClr val="tx1"/>
+          </a:fontRef>
+        </p:style>
+      </p:cxnSp>
+      <p:sp>
+        <p:nvSpPr>
+          <p:cNvPr id="105" name="TextBox 104">
+            <a:extLst>
+              <a:ext uri="{FF2B5EF4-FFF2-40B4-BE49-F238E27FC236}">
+                <a16:creationId xmlns:a16="http://schemas.microsoft.com/office/drawing/2014/main" id="{45348EB0-8B49-4D83-911D-6A5FEB756F18}"/>
+              </a:ext>
+            </a:extLst>
+          </p:cNvPr>
+          <p:cNvSpPr txBox="1"/>
+          <p:nvPr/>
+        </p:nvSpPr>
+        <p:spPr>
+          <a:xfrm>
+            <a:off x="1717216" y="4172395"/>
+            <a:ext cx="1821178" cy="353943"/>
+          </a:xfrm>
+          <a:prstGeom prst="rect">
+            <a:avLst/>
+          </a:prstGeom>
+          <a:noFill/>
+        </p:spPr>
+        <p:txBody>
+          <a:bodyPr wrap="square" rtlCol="0">
+            <a:spAutoFit/>
+          </a:bodyPr>
+          <a:lstStyle/>
+          <a:p>
+            <a:r>
+              <a:rPr lang="en-US" sz="1700" dirty="0">
+                <a:solidFill>
+                  <a:schemeClr val="accent5">
+                    <a:lumMod val="50000"/>
+                  </a:schemeClr>
+                </a:solidFill>
+                <a:latin typeface="Ebrima" panose="02000000000000000000" pitchFamily="2" charset="0"/>
+                <a:ea typeface="Ebrima" panose="02000000000000000000" pitchFamily="2" charset="0"/>
+                <a:cs typeface="Ebrima" panose="02000000000000000000" pitchFamily="2" charset="0"/>
+              </a:rPr>
+              <a:t>range</a:t>
+            </a:r>
+          </a:p>
+        </p:txBody>
+      </p:sp>
     </p:spTree>
     <p:extLst>
       <p:ext uri="{BB962C8B-B14F-4D97-AF65-F5344CB8AC3E}">
@@ -11061,7 +12531,7 @@
 </p:sld>
 </file>
 
-<file path=ppt/slides/slide3.xml><?xml version="1.0" encoding="utf-8"?>
+<file path=ppt/slides/slide4.xml><?xml version="1.0" encoding="utf-8"?>
 <p:sld xmlns:a="http://schemas.openxmlformats.org/drawingml/2006/main" xmlns:r="http://schemas.openxmlformats.org/officeDocument/2006/relationships" xmlns:p="http://schemas.openxmlformats.org/presentationml/2006/main">
   <p:cSld>
     <p:spTree>
@@ -14329,6 +15799,92 @@
           </mc:Fallback>
         </mc:AlternateContent>
       </p:grpSp>
+      <p:cxnSp>
+        <p:nvCxnSpPr>
+          <p:cNvPr id="105" name="Straight Arrow Connector 104">
+            <a:extLst>
+              <a:ext uri="{FF2B5EF4-FFF2-40B4-BE49-F238E27FC236}">
+                <a16:creationId xmlns:a16="http://schemas.microsoft.com/office/drawing/2014/main" id="{1E0B2F50-484D-4FE4-8656-EADA0CFBF665}"/>
+              </a:ext>
+            </a:extLst>
+          </p:cNvPr>
+          <p:cNvCxnSpPr>
+            <a:cxnSpLocks/>
+          </p:cNvCxnSpPr>
+          <p:nvPr/>
+        </p:nvCxnSpPr>
+        <p:spPr>
+          <a:xfrm>
+            <a:off x="818721" y="4645564"/>
+            <a:ext cx="2719673" cy="0"/>
+          </a:xfrm>
+          <a:prstGeom prst="straightConnector1">
+            <a:avLst/>
+          </a:prstGeom>
+          <a:ln w="38100">
+            <a:headEnd type="triangle"/>
+            <a:tailEnd type="triangle"/>
+          </a:ln>
+        </p:spPr>
+        <p:style>
+          <a:lnRef idx="1">
+            <a:schemeClr val="accent1"/>
+          </a:lnRef>
+          <a:fillRef idx="0">
+            <a:schemeClr val="accent1"/>
+          </a:fillRef>
+          <a:effectRef idx="0">
+            <a:schemeClr val="accent1"/>
+          </a:effectRef>
+          <a:fontRef idx="minor">
+            <a:schemeClr val="tx1"/>
+          </a:fontRef>
+        </p:style>
+      </p:cxnSp>
+      <p:sp>
+        <p:nvSpPr>
+          <p:cNvPr id="106" name="TextBox 105">
+            <a:extLst>
+              <a:ext uri="{FF2B5EF4-FFF2-40B4-BE49-F238E27FC236}">
+                <a16:creationId xmlns:a16="http://schemas.microsoft.com/office/drawing/2014/main" id="{B019925A-F627-438F-936C-135642B23EF2}"/>
+              </a:ext>
+            </a:extLst>
+          </p:cNvPr>
+          <p:cNvSpPr txBox="1"/>
+          <p:nvPr/>
+        </p:nvSpPr>
+        <p:spPr>
+          <a:xfrm>
+            <a:off x="1717216" y="4172395"/>
+            <a:ext cx="1821178" cy="353943"/>
+          </a:xfrm>
+          <a:prstGeom prst="rect">
+            <a:avLst/>
+          </a:prstGeom>
+          <a:noFill/>
+        </p:spPr>
+        <p:txBody>
+          <a:bodyPr wrap="square" rtlCol="0">
+            <a:spAutoFit/>
+          </a:bodyPr>
+          <a:lstStyle/>
+          <a:p>
+            <a:r>
+              <a:rPr lang="en-US" sz="1700" dirty="0">
+                <a:solidFill>
+                  <a:schemeClr val="accent5">
+                    <a:lumMod val="50000"/>
+                  </a:schemeClr>
+                </a:solidFill>
+                <a:latin typeface="Ebrima" panose="02000000000000000000" pitchFamily="2" charset="0"/>
+                <a:ea typeface="Ebrima" panose="02000000000000000000" pitchFamily="2" charset="0"/>
+                <a:cs typeface="Ebrima" panose="02000000000000000000" pitchFamily="2" charset="0"/>
+              </a:rPr>
+              <a:t>range</a:t>
+            </a:r>
+          </a:p>
+        </p:txBody>
+      </p:sp>
     </p:spTree>
     <p:extLst>
       <p:ext uri="{BB962C8B-B14F-4D97-AF65-F5344CB8AC3E}">
@@ -14342,7 +15898,7 @@
 </p:sld>
 </file>
 
-<file path=ppt/slides/slide4.xml><?xml version="1.0" encoding="utf-8"?>
+<file path=ppt/slides/slide5.xml><?xml version="1.0" encoding="utf-8"?>
 <p:sld xmlns:a="http://schemas.openxmlformats.org/drawingml/2006/main" xmlns:r="http://schemas.openxmlformats.org/officeDocument/2006/relationships" xmlns:p="http://schemas.openxmlformats.org/presentationml/2006/main">
   <p:cSld>
     <p:bg>
@@ -15425,50 +16981,6 @@
             </p:sp>
           </mc:Fallback>
         </mc:AlternateContent>
-        <p:sp>
-          <p:nvSpPr>
-            <p:cNvPr id="29" name="TextBox 28">
-              <a:extLst>
-                <a:ext uri="{FF2B5EF4-FFF2-40B4-BE49-F238E27FC236}">
-                  <a16:creationId xmlns:a16="http://schemas.microsoft.com/office/drawing/2014/main" id="{566CE07A-B3AE-40B3-B9BC-FB4543C93951}"/>
-                </a:ext>
-              </a:extLst>
-            </p:cNvPr>
-            <p:cNvSpPr txBox="1"/>
-            <p:nvPr/>
-          </p:nvSpPr>
-          <p:spPr>
-            <a:xfrm>
-              <a:off x="6743471" y="4931945"/>
-              <a:ext cx="2597286" cy="400111"/>
-            </a:xfrm>
-            <a:prstGeom prst="rect">
-              <a:avLst/>
-            </a:prstGeom>
-            <a:noFill/>
-          </p:spPr>
-          <p:txBody>
-            <a:bodyPr wrap="square" rtlCol="0">
-              <a:spAutoFit/>
-            </a:bodyPr>
-            <a:lstStyle/>
-            <a:p>
-              <a:r>
-                <a:rPr lang="en-US" sz="2000" dirty="0">
-                  <a:solidFill>
-                    <a:schemeClr val="accent5">
-                      <a:lumMod val="50000"/>
-                    </a:schemeClr>
-                  </a:solidFill>
-                  <a:latin typeface="Ebrima" panose="02000000000000000000" pitchFamily="2" charset="0"/>
-                  <a:ea typeface="Ebrima" panose="02000000000000000000" pitchFamily="2" charset="0"/>
-                  <a:cs typeface="Ebrima" panose="02000000000000000000" pitchFamily="2" charset="0"/>
-                </a:rPr>
-                <a:t>range</a:t>
-              </a:r>
-            </a:p>
-          </p:txBody>
-        </p:sp>
         <p:sp>
           <p:nvSpPr>
             <p:cNvPr id="32" name="TextBox 31">
@@ -15636,6 +17148,92 @@
           </mc:Fallback>
         </mc:AlternateContent>
       </p:grpSp>
+      <p:cxnSp>
+        <p:nvCxnSpPr>
+          <p:cNvPr id="45" name="Straight Arrow Connector 44">
+            <a:extLst>
+              <a:ext uri="{FF2B5EF4-FFF2-40B4-BE49-F238E27FC236}">
+                <a16:creationId xmlns:a16="http://schemas.microsoft.com/office/drawing/2014/main" id="{57E57FD7-BA75-4DF6-983F-094664DBAA3F}"/>
+              </a:ext>
+            </a:extLst>
+          </p:cNvPr>
+          <p:cNvCxnSpPr>
+            <a:cxnSpLocks/>
+          </p:cNvCxnSpPr>
+          <p:nvPr/>
+        </p:nvCxnSpPr>
+        <p:spPr>
+          <a:xfrm>
+            <a:off x="2719388" y="5162551"/>
+            <a:ext cx="3724275" cy="0"/>
+          </a:xfrm>
+          <a:prstGeom prst="straightConnector1">
+            <a:avLst/>
+          </a:prstGeom>
+          <a:ln w="38100">
+            <a:headEnd type="triangle"/>
+            <a:tailEnd type="triangle"/>
+          </a:ln>
+        </p:spPr>
+        <p:style>
+          <a:lnRef idx="1">
+            <a:schemeClr val="accent1"/>
+          </a:lnRef>
+          <a:fillRef idx="0">
+            <a:schemeClr val="accent1"/>
+          </a:fillRef>
+          <a:effectRef idx="0">
+            <a:schemeClr val="accent1"/>
+          </a:effectRef>
+          <a:fontRef idx="minor">
+            <a:schemeClr val="tx1"/>
+          </a:fontRef>
+        </p:style>
+      </p:cxnSp>
+      <p:sp>
+        <p:nvSpPr>
+          <p:cNvPr id="46" name="TextBox 45">
+            <a:extLst>
+              <a:ext uri="{FF2B5EF4-FFF2-40B4-BE49-F238E27FC236}">
+                <a16:creationId xmlns:a16="http://schemas.microsoft.com/office/drawing/2014/main" id="{BF2B8C43-DD73-401B-A7F4-21FAA2FDA34D}"/>
+              </a:ext>
+            </a:extLst>
+          </p:cNvPr>
+          <p:cNvSpPr txBox="1"/>
+          <p:nvPr/>
+        </p:nvSpPr>
+        <p:spPr>
+          <a:xfrm>
+            <a:off x="4033608" y="4627507"/>
+            <a:ext cx="2597286" cy="400111"/>
+          </a:xfrm>
+          <a:prstGeom prst="rect">
+            <a:avLst/>
+          </a:prstGeom>
+          <a:noFill/>
+        </p:spPr>
+        <p:txBody>
+          <a:bodyPr wrap="square" rtlCol="0">
+            <a:spAutoFit/>
+          </a:bodyPr>
+          <a:lstStyle/>
+          <a:p>
+            <a:r>
+              <a:rPr lang="en-US" sz="2000" dirty="0">
+                <a:solidFill>
+                  <a:schemeClr val="accent5">
+                    <a:lumMod val="50000"/>
+                  </a:schemeClr>
+                </a:solidFill>
+                <a:latin typeface="Ebrima" panose="02000000000000000000" pitchFamily="2" charset="0"/>
+                <a:ea typeface="Ebrima" panose="02000000000000000000" pitchFamily="2" charset="0"/>
+                <a:cs typeface="Ebrima" panose="02000000000000000000" pitchFamily="2" charset="0"/>
+              </a:rPr>
+              <a:t>range</a:t>
+            </a:r>
+          </a:p>
+        </p:txBody>
+      </p:sp>
     </p:spTree>
     <p:extLst>
       <p:ext uri="{BB962C8B-B14F-4D97-AF65-F5344CB8AC3E}">
@@ -15649,7 +17247,7 @@
 </p:sld>
 </file>
 
-<file path=ppt/slides/slide5.xml><?xml version="1.0" encoding="utf-8"?>
+<file path=ppt/slides/slide6.xml><?xml version="1.0" encoding="utf-8"?>
 <p:sld xmlns:a="http://schemas.openxmlformats.org/drawingml/2006/main" xmlns:r="http://schemas.openxmlformats.org/officeDocument/2006/relationships" xmlns:p="http://schemas.openxmlformats.org/presentationml/2006/main">
   <p:cSld>
     <p:spTree>
@@ -16202,7 +17800,7 @@
 </p:sld>
 </file>
 
-<file path=ppt/slides/slide6.xml><?xml version="1.0" encoding="utf-8"?>
+<file path=ppt/slides/slide7.xml><?xml version="1.0" encoding="utf-8"?>
 <p:sld xmlns:a="http://schemas.openxmlformats.org/drawingml/2006/main" xmlns:r="http://schemas.openxmlformats.org/officeDocument/2006/relationships" xmlns:p="http://schemas.openxmlformats.org/presentationml/2006/main">
   <p:cSld>
     <p:spTree>

--- a/content/downloads/notebooks/spatial.pptx
+++ b/content/downloads/notebooks/spatial.pptx
@@ -13,7 +13,9 @@
     <p:sldId id="258" r:id="rId7"/>
     <p:sldId id="262" r:id="rId8"/>
     <p:sldId id="263" r:id="rId9"/>
-    <p:sldId id="264" r:id="rId10"/>
+    <p:sldId id="265" r:id="rId10"/>
+    <p:sldId id="264" r:id="rId11"/>
+    <p:sldId id="266" r:id="rId12"/>
   </p:sldIdLst>
   <p:sldSz cx="12192000" cy="6858000"/>
   <p:notesSz cx="6858000" cy="9144000"/>
@@ -267,7 +269,7 @@
           <a:p>
             <a:fld id="{ACE35D2E-2B05-4733-9312-EE9E9D5A91AC}" type="datetimeFigureOut">
               <a:rPr lang="en-US" smtClean="0"/>
-              <a:t>2/8/2019</a:t>
+              <a:t>2/10/2019</a:t>
             </a:fld>
             <a:endParaRPr lang="en-US"/>
           </a:p>
@@ -465,7 +467,7 @@
           <a:p>
             <a:fld id="{ACE35D2E-2B05-4733-9312-EE9E9D5A91AC}" type="datetimeFigureOut">
               <a:rPr lang="en-US" smtClean="0"/>
-              <a:t>2/8/2019</a:t>
+              <a:t>2/10/2019</a:t>
             </a:fld>
             <a:endParaRPr lang="en-US"/>
           </a:p>
@@ -673,7 +675,7 @@
           <a:p>
             <a:fld id="{ACE35D2E-2B05-4733-9312-EE9E9D5A91AC}" type="datetimeFigureOut">
               <a:rPr lang="en-US" smtClean="0"/>
-              <a:t>2/8/2019</a:t>
+              <a:t>2/10/2019</a:t>
             </a:fld>
             <a:endParaRPr lang="en-US"/>
           </a:p>
@@ -871,7 +873,7 @@
           <a:p>
             <a:fld id="{ACE35D2E-2B05-4733-9312-EE9E9D5A91AC}" type="datetimeFigureOut">
               <a:rPr lang="en-US" smtClean="0"/>
-              <a:t>2/8/2019</a:t>
+              <a:t>2/10/2019</a:t>
             </a:fld>
             <a:endParaRPr lang="en-US"/>
           </a:p>
@@ -1146,7 +1148,7 @@
           <a:p>
             <a:fld id="{ACE35D2E-2B05-4733-9312-EE9E9D5A91AC}" type="datetimeFigureOut">
               <a:rPr lang="en-US" smtClean="0"/>
-              <a:t>2/8/2019</a:t>
+              <a:t>2/10/2019</a:t>
             </a:fld>
             <a:endParaRPr lang="en-US"/>
           </a:p>
@@ -1411,7 +1413,7 @@
           <a:p>
             <a:fld id="{ACE35D2E-2B05-4733-9312-EE9E9D5A91AC}" type="datetimeFigureOut">
               <a:rPr lang="en-US" smtClean="0"/>
-              <a:t>2/8/2019</a:t>
+              <a:t>2/10/2019</a:t>
             </a:fld>
             <a:endParaRPr lang="en-US"/>
           </a:p>
@@ -1823,7 +1825,7 @@
           <a:p>
             <a:fld id="{ACE35D2E-2B05-4733-9312-EE9E9D5A91AC}" type="datetimeFigureOut">
               <a:rPr lang="en-US" smtClean="0"/>
-              <a:t>2/8/2019</a:t>
+              <a:t>2/10/2019</a:t>
             </a:fld>
             <a:endParaRPr lang="en-US"/>
           </a:p>
@@ -1964,7 +1966,7 @@
           <a:p>
             <a:fld id="{ACE35D2E-2B05-4733-9312-EE9E9D5A91AC}" type="datetimeFigureOut">
               <a:rPr lang="en-US" smtClean="0"/>
-              <a:t>2/8/2019</a:t>
+              <a:t>2/10/2019</a:t>
             </a:fld>
             <a:endParaRPr lang="en-US"/>
           </a:p>
@@ -2077,7 +2079,7 @@
           <a:p>
             <a:fld id="{ACE35D2E-2B05-4733-9312-EE9E9D5A91AC}" type="datetimeFigureOut">
               <a:rPr lang="en-US" smtClean="0"/>
-              <a:t>2/8/2019</a:t>
+              <a:t>2/10/2019</a:t>
             </a:fld>
             <a:endParaRPr lang="en-US"/>
           </a:p>
@@ -2388,7 +2390,7 @@
           <a:p>
             <a:fld id="{ACE35D2E-2B05-4733-9312-EE9E9D5A91AC}" type="datetimeFigureOut">
               <a:rPr lang="en-US" smtClean="0"/>
-              <a:t>2/8/2019</a:t>
+              <a:t>2/10/2019</a:t>
             </a:fld>
             <a:endParaRPr lang="en-US"/>
           </a:p>
@@ -2676,7 +2678,7 @@
           <a:p>
             <a:fld id="{ACE35D2E-2B05-4733-9312-EE9E9D5A91AC}" type="datetimeFigureOut">
               <a:rPr lang="en-US" smtClean="0"/>
-              <a:t>2/8/2019</a:t>
+              <a:t>2/10/2019</a:t>
             </a:fld>
             <a:endParaRPr lang="en-US"/>
           </a:p>
@@ -2917,7 +2919,7 @@
           <a:p>
             <a:fld id="{ACE35D2E-2B05-4733-9312-EE9E9D5A91AC}" type="datetimeFigureOut">
               <a:rPr lang="en-US" smtClean="0"/>
-              <a:t>2/8/2019</a:t>
+              <a:t>2/10/2019</a:t>
             </a:fld>
             <a:endParaRPr lang="en-US"/>
           </a:p>
@@ -7192,8 +7194,8 @@
           </a:fontRef>
         </p:style>
       </p:cxnSp>
-      <mc:AlternateContent xmlns:mc="http://schemas.openxmlformats.org/markup-compatibility/2006">
-        <mc:Choice xmlns:a14="http://schemas.microsoft.com/office/drawing/2010/main" Requires="a14">
+      <mc:AlternateContent xmlns:mc="http://schemas.openxmlformats.org/markup-compatibility/2006" xmlns:a14="http://schemas.microsoft.com/office/drawing/2010/main">
+        <mc:Choice Requires="a14">
           <p:sp>
             <p:nvSpPr>
               <p:cNvPr id="57" name="TextBox 56">
@@ -7302,7 +7304,7 @@
             </p:txBody>
           </p:sp>
         </mc:Choice>
-        <mc:Fallback>
+        <mc:Fallback xmlns="">
           <p:sp>
             <p:nvSpPr>
               <p:cNvPr id="57" name="TextBox 56">
@@ -7389,8 +7391,8 @@
           </a:fontRef>
         </p:style>
       </p:cxnSp>
-      <mc:AlternateContent xmlns:mc="http://schemas.openxmlformats.org/markup-compatibility/2006">
-        <mc:Choice xmlns:a14="http://schemas.microsoft.com/office/drawing/2010/main" Requires="a14">
+      <mc:AlternateContent xmlns:mc="http://schemas.openxmlformats.org/markup-compatibility/2006" xmlns:a14="http://schemas.microsoft.com/office/drawing/2010/main">
+        <mc:Choice Requires="a14">
           <p:sp>
             <p:nvSpPr>
               <p:cNvPr id="66" name="TextBox 65">
@@ -7466,7 +7468,7 @@
             </p:txBody>
           </p:sp>
         </mc:Choice>
-        <mc:Fallback>
+        <mc:Fallback xmlns="">
           <p:sp>
             <p:nvSpPr>
               <p:cNvPr id="66" name="TextBox 65">
@@ -7515,6 +7517,1141 @@
     <p:extLst>
       <p:ext uri="{BB962C8B-B14F-4D97-AF65-F5344CB8AC3E}">
         <p14:creationId xmlns:p14="http://schemas.microsoft.com/office/powerpoint/2010/main" val="572330341"/>
+      </p:ext>
+    </p:extLst>
+  </p:cSld>
+  <p:clrMapOvr>
+    <a:masterClrMapping/>
+  </p:clrMapOvr>
+</p:sld>
+</file>
+
+<file path=ppt/slides/slide10.xml><?xml version="1.0" encoding="utf-8"?>
+<p:sld xmlns:a="http://schemas.openxmlformats.org/drawingml/2006/main" xmlns:r="http://schemas.openxmlformats.org/officeDocument/2006/relationships" xmlns:p="http://schemas.openxmlformats.org/presentationml/2006/main">
+  <p:cSld>
+    <p:spTree>
+      <p:nvGrpSpPr>
+        <p:cNvPr id="1" name=""/>
+        <p:cNvGrpSpPr/>
+        <p:nvPr/>
+      </p:nvGrpSpPr>
+      <p:grpSpPr>
+        <a:xfrm>
+          <a:off x="0" y="0"/>
+          <a:ext cx="0" cy="0"/>
+          <a:chOff x="0" y="0"/>
+          <a:chExt cx="0" cy="0"/>
+        </a:xfrm>
+      </p:grpSpPr>
+      <p:grpSp>
+        <p:nvGrpSpPr>
+          <p:cNvPr id="42" name="Group 41">
+            <a:extLst>
+              <a:ext uri="{FF2B5EF4-FFF2-40B4-BE49-F238E27FC236}">
+                <a16:creationId xmlns:a16="http://schemas.microsoft.com/office/drawing/2014/main" id="{F9BEB150-158B-4937-8724-26D51CEE9DF1}"/>
+              </a:ext>
+            </a:extLst>
+          </p:cNvPr>
+          <p:cNvGrpSpPr/>
+          <p:nvPr/>
+        </p:nvGrpSpPr>
+        <p:grpSpPr>
+          <a:xfrm>
+            <a:off x="5641789" y="591670"/>
+            <a:ext cx="4912650" cy="4912650"/>
+            <a:chOff x="4703483" y="310768"/>
+            <a:chExt cx="6400800" cy="6400800"/>
+          </a:xfrm>
+        </p:grpSpPr>
+        <p:cxnSp>
+          <p:nvCxnSpPr>
+            <p:cNvPr id="43" name="Straight Arrow Connector 42">
+              <a:extLst>
+                <a:ext uri="{FF2B5EF4-FFF2-40B4-BE49-F238E27FC236}">
+                  <a16:creationId xmlns:a16="http://schemas.microsoft.com/office/drawing/2014/main" id="{553429AF-727A-441C-BB0F-2D3D45A36747}"/>
+                </a:ext>
+              </a:extLst>
+            </p:cNvPr>
+            <p:cNvCxnSpPr>
+              <a:cxnSpLocks/>
+            </p:cNvCxnSpPr>
+            <p:nvPr/>
+          </p:nvCxnSpPr>
+          <p:spPr>
+            <a:xfrm>
+              <a:off x="4703483" y="6711568"/>
+              <a:ext cx="6400800" cy="0"/>
+            </a:xfrm>
+            <a:prstGeom prst="straightConnector1">
+              <a:avLst/>
+            </a:prstGeom>
+            <a:ln w="44450">
+              <a:solidFill>
+                <a:schemeClr val="tx1"/>
+              </a:solidFill>
+              <a:tailEnd type="triangle"/>
+            </a:ln>
+          </p:spPr>
+          <p:style>
+            <a:lnRef idx="1">
+              <a:schemeClr val="accent1"/>
+            </a:lnRef>
+            <a:fillRef idx="0">
+              <a:schemeClr val="accent1"/>
+            </a:fillRef>
+            <a:effectRef idx="0">
+              <a:schemeClr val="accent1"/>
+            </a:effectRef>
+            <a:fontRef idx="minor">
+              <a:schemeClr val="tx1"/>
+            </a:fontRef>
+          </p:style>
+        </p:cxnSp>
+        <p:cxnSp>
+          <p:nvCxnSpPr>
+            <p:cNvPr id="44" name="Straight Arrow Connector 43">
+              <a:extLst>
+                <a:ext uri="{FF2B5EF4-FFF2-40B4-BE49-F238E27FC236}">
+                  <a16:creationId xmlns:a16="http://schemas.microsoft.com/office/drawing/2014/main" id="{E2185AB1-C602-4D17-9F5F-D55503776322}"/>
+                </a:ext>
+              </a:extLst>
+            </p:cNvPr>
+            <p:cNvCxnSpPr>
+              <a:cxnSpLocks/>
+            </p:cNvCxnSpPr>
+            <p:nvPr/>
+          </p:nvCxnSpPr>
+          <p:spPr>
+            <a:xfrm flipV="1">
+              <a:off x="4703483" y="310768"/>
+              <a:ext cx="0" cy="6400800"/>
+            </a:xfrm>
+            <a:prstGeom prst="straightConnector1">
+              <a:avLst/>
+            </a:prstGeom>
+            <a:ln w="44450">
+              <a:solidFill>
+                <a:schemeClr val="tx1"/>
+              </a:solidFill>
+              <a:tailEnd type="triangle"/>
+            </a:ln>
+          </p:spPr>
+          <p:style>
+            <a:lnRef idx="1">
+              <a:schemeClr val="accent1"/>
+            </a:lnRef>
+            <a:fillRef idx="0">
+              <a:schemeClr val="accent1"/>
+            </a:fillRef>
+            <a:effectRef idx="0">
+              <a:schemeClr val="accent1"/>
+            </a:effectRef>
+            <a:fontRef idx="minor">
+              <a:schemeClr val="tx1"/>
+            </a:fontRef>
+          </p:style>
+        </p:cxnSp>
+        <p:cxnSp>
+          <p:nvCxnSpPr>
+            <p:cNvPr id="45" name="Straight Arrow Connector 44">
+              <a:extLst>
+                <a:ext uri="{FF2B5EF4-FFF2-40B4-BE49-F238E27FC236}">
+                  <a16:creationId xmlns:a16="http://schemas.microsoft.com/office/drawing/2014/main" id="{78CF55F6-C20C-4D6C-AC5A-20949072F0E4}"/>
+                </a:ext>
+              </a:extLst>
+            </p:cNvPr>
+            <p:cNvCxnSpPr>
+              <a:cxnSpLocks/>
+            </p:cNvCxnSpPr>
+            <p:nvPr/>
+          </p:nvCxnSpPr>
+          <p:spPr>
+            <a:xfrm flipV="1">
+              <a:off x="4703483" y="2474259"/>
+              <a:ext cx="6227482" cy="4237309"/>
+            </a:xfrm>
+            <a:prstGeom prst="straightConnector1">
+              <a:avLst/>
+            </a:prstGeom>
+            <a:ln w="44450">
+              <a:solidFill>
+                <a:schemeClr val="tx1"/>
+              </a:solidFill>
+              <a:tailEnd type="triangle"/>
+            </a:ln>
+          </p:spPr>
+          <p:style>
+            <a:lnRef idx="1">
+              <a:schemeClr val="accent1"/>
+            </a:lnRef>
+            <a:fillRef idx="0">
+              <a:schemeClr val="accent1"/>
+            </a:fillRef>
+            <a:effectRef idx="0">
+              <a:schemeClr val="accent1"/>
+            </a:effectRef>
+            <a:fontRef idx="minor">
+              <a:schemeClr val="tx1"/>
+            </a:fontRef>
+          </p:style>
+        </p:cxnSp>
+      </p:grpSp>
+      <p:cxnSp>
+        <p:nvCxnSpPr>
+          <p:cNvPr id="46" name="Straight Connector 45">
+            <a:extLst>
+              <a:ext uri="{FF2B5EF4-FFF2-40B4-BE49-F238E27FC236}">
+                <a16:creationId xmlns:a16="http://schemas.microsoft.com/office/drawing/2014/main" id="{7F98AA37-4EF5-47C6-9634-B1521432DB0A}"/>
+              </a:ext>
+            </a:extLst>
+          </p:cNvPr>
+          <p:cNvCxnSpPr>
+            <a:cxnSpLocks/>
+          </p:cNvCxnSpPr>
+          <p:nvPr/>
+        </p:nvCxnSpPr>
+        <p:spPr>
+          <a:xfrm flipV="1">
+            <a:off x="7459626" y="1276643"/>
+            <a:ext cx="2332104" cy="1564714"/>
+          </a:xfrm>
+          <a:prstGeom prst="line">
+            <a:avLst/>
+          </a:prstGeom>
+          <a:ln w="22225">
+            <a:solidFill>
+              <a:schemeClr val="tx1"/>
+            </a:solidFill>
+          </a:ln>
+        </p:spPr>
+        <p:style>
+          <a:lnRef idx="1">
+            <a:schemeClr val="accent1"/>
+          </a:lnRef>
+          <a:fillRef idx="0">
+            <a:schemeClr val="accent1"/>
+          </a:fillRef>
+          <a:effectRef idx="0">
+            <a:schemeClr val="accent1"/>
+          </a:effectRef>
+          <a:fontRef idx="minor">
+            <a:schemeClr val="tx1"/>
+          </a:fontRef>
+        </p:style>
+      </p:cxnSp>
+      <p:cxnSp>
+        <p:nvCxnSpPr>
+          <p:cNvPr id="47" name="Straight Connector 46">
+            <a:extLst>
+              <a:ext uri="{FF2B5EF4-FFF2-40B4-BE49-F238E27FC236}">
+                <a16:creationId xmlns:a16="http://schemas.microsoft.com/office/drawing/2014/main" id="{6625304D-3E77-4888-BA7A-6072938853AF}"/>
+              </a:ext>
+            </a:extLst>
+          </p:cNvPr>
+          <p:cNvCxnSpPr>
+            <a:cxnSpLocks/>
+          </p:cNvCxnSpPr>
+          <p:nvPr/>
+        </p:nvCxnSpPr>
+        <p:spPr>
+          <a:xfrm flipV="1">
+            <a:off x="8749927" y="3298029"/>
+            <a:ext cx="2259036" cy="1507533"/>
+          </a:xfrm>
+          <a:prstGeom prst="line">
+            <a:avLst/>
+          </a:prstGeom>
+          <a:ln w="22225">
+            <a:solidFill>
+              <a:schemeClr val="tx1"/>
+            </a:solidFill>
+          </a:ln>
+        </p:spPr>
+        <p:style>
+          <a:lnRef idx="1">
+            <a:schemeClr val="accent1"/>
+          </a:lnRef>
+          <a:fillRef idx="0">
+            <a:schemeClr val="accent1"/>
+          </a:fillRef>
+          <a:effectRef idx="0">
+            <a:schemeClr val="accent1"/>
+          </a:effectRef>
+          <a:fontRef idx="minor">
+            <a:schemeClr val="tx1"/>
+          </a:fontRef>
+        </p:style>
+      </p:cxnSp>
+      <p:cxnSp>
+        <p:nvCxnSpPr>
+          <p:cNvPr id="48" name="Straight Connector 47">
+            <a:extLst>
+              <a:ext uri="{FF2B5EF4-FFF2-40B4-BE49-F238E27FC236}">
+                <a16:creationId xmlns:a16="http://schemas.microsoft.com/office/drawing/2014/main" id="{BDF8B9F6-DC93-48B1-91EE-D7A7132CBB0F}"/>
+              </a:ext>
+            </a:extLst>
+          </p:cNvPr>
+          <p:cNvCxnSpPr>
+            <a:cxnSpLocks/>
+          </p:cNvCxnSpPr>
+          <p:nvPr/>
+        </p:nvCxnSpPr>
+        <p:spPr>
+          <a:xfrm flipV="1">
+            <a:off x="5652020" y="2841357"/>
+            <a:ext cx="1807606" cy="2614046"/>
+          </a:xfrm>
+          <a:prstGeom prst="line">
+            <a:avLst/>
+          </a:prstGeom>
+          <a:ln w="22225">
+            <a:solidFill>
+              <a:schemeClr val="tx1"/>
+            </a:solidFill>
+          </a:ln>
+        </p:spPr>
+        <p:style>
+          <a:lnRef idx="1">
+            <a:schemeClr val="accent1"/>
+          </a:lnRef>
+          <a:fillRef idx="0">
+            <a:schemeClr val="accent1"/>
+          </a:fillRef>
+          <a:effectRef idx="0">
+            <a:schemeClr val="accent1"/>
+          </a:effectRef>
+          <a:fontRef idx="minor">
+            <a:schemeClr val="tx1"/>
+          </a:fontRef>
+        </p:style>
+      </p:cxnSp>
+      <p:cxnSp>
+        <p:nvCxnSpPr>
+          <p:cNvPr id="49" name="Straight Connector 48">
+            <a:extLst>
+              <a:ext uri="{FF2B5EF4-FFF2-40B4-BE49-F238E27FC236}">
+                <a16:creationId xmlns:a16="http://schemas.microsoft.com/office/drawing/2014/main" id="{1B8FB292-2A40-4AB0-B869-1A8485175EDE}"/>
+              </a:ext>
+            </a:extLst>
+          </p:cNvPr>
+          <p:cNvCxnSpPr>
+            <a:cxnSpLocks/>
+          </p:cNvCxnSpPr>
+          <p:nvPr/>
+        </p:nvCxnSpPr>
+        <p:spPr>
+          <a:xfrm flipV="1">
+            <a:off x="5687878" y="4805562"/>
+            <a:ext cx="3062049" cy="698758"/>
+          </a:xfrm>
+          <a:prstGeom prst="line">
+            <a:avLst/>
+          </a:prstGeom>
+          <a:ln w="22225">
+            <a:solidFill>
+              <a:schemeClr val="tx1"/>
+            </a:solidFill>
+          </a:ln>
+        </p:spPr>
+        <p:style>
+          <a:lnRef idx="1">
+            <a:schemeClr val="accent1"/>
+          </a:lnRef>
+          <a:fillRef idx="0">
+            <a:schemeClr val="accent1"/>
+          </a:fillRef>
+          <a:effectRef idx="0">
+            <a:schemeClr val="accent1"/>
+          </a:effectRef>
+          <a:fontRef idx="minor">
+            <a:schemeClr val="tx1"/>
+          </a:fontRef>
+        </p:style>
+      </p:cxnSp>
+      <p:sp>
+        <p:nvSpPr>
+          <p:cNvPr id="68" name="TextBox 67">
+            <a:extLst>
+              <a:ext uri="{FF2B5EF4-FFF2-40B4-BE49-F238E27FC236}">
+                <a16:creationId xmlns:a16="http://schemas.microsoft.com/office/drawing/2014/main" id="{00F08D6B-2121-4161-91A6-CDC6F950EB2C}"/>
+              </a:ext>
+            </a:extLst>
+          </p:cNvPr>
+          <p:cNvSpPr txBox="1"/>
+          <p:nvPr/>
+        </p:nvSpPr>
+        <p:spPr>
+          <a:xfrm>
+            <a:off x="9676781" y="5666763"/>
+            <a:ext cx="1489269" cy="369332"/>
+          </a:xfrm>
+          <a:prstGeom prst="rect">
+            <a:avLst/>
+          </a:prstGeom>
+          <a:noFill/>
+        </p:spPr>
+        <p:txBody>
+          <a:bodyPr wrap="square" rtlCol="0">
+            <a:spAutoFit/>
+          </a:bodyPr>
+          <a:lstStyle/>
+          <a:p>
+            <a:r>
+              <a:rPr lang="en-US" dirty="0"/>
+              <a:t>X axis (East)</a:t>
+            </a:r>
+          </a:p>
+        </p:txBody>
+      </p:sp>
+      <p:sp>
+        <p:nvSpPr>
+          <p:cNvPr id="69" name="TextBox 68">
+            <a:extLst>
+              <a:ext uri="{FF2B5EF4-FFF2-40B4-BE49-F238E27FC236}">
+                <a16:creationId xmlns:a16="http://schemas.microsoft.com/office/drawing/2014/main" id="{E603D396-2294-4315-AE97-951C9A073CB8}"/>
+              </a:ext>
+            </a:extLst>
+          </p:cNvPr>
+          <p:cNvSpPr txBox="1"/>
+          <p:nvPr/>
+        </p:nvSpPr>
+        <p:spPr>
+          <a:xfrm rot="16200000">
+            <a:off x="4398035" y="916390"/>
+            <a:ext cx="1489269" cy="369332"/>
+          </a:xfrm>
+          <a:prstGeom prst="rect">
+            <a:avLst/>
+          </a:prstGeom>
+          <a:noFill/>
+        </p:spPr>
+        <p:txBody>
+          <a:bodyPr wrap="square" rtlCol="0">
+            <a:spAutoFit/>
+          </a:bodyPr>
+          <a:lstStyle/>
+          <a:p>
+            <a:r>
+              <a:rPr lang="en-US" dirty="0"/>
+              <a:t>Y axis (North)</a:t>
+            </a:r>
+          </a:p>
+        </p:txBody>
+      </p:sp>
+      <p:sp>
+        <p:nvSpPr>
+          <p:cNvPr id="70" name="Arc 69">
+            <a:extLst>
+              <a:ext uri="{FF2B5EF4-FFF2-40B4-BE49-F238E27FC236}">
+                <a16:creationId xmlns:a16="http://schemas.microsoft.com/office/drawing/2014/main" id="{4F2254CB-3D16-4230-B56D-7CA2563FA6C6}"/>
+              </a:ext>
+            </a:extLst>
+          </p:cNvPr>
+          <p:cNvSpPr/>
+          <p:nvPr/>
+        </p:nvSpPr>
+        <p:spPr>
+          <a:xfrm rot="1689484">
+            <a:off x="3366477" y="3974916"/>
+            <a:ext cx="3615334" cy="3615334"/>
+          </a:xfrm>
+          <a:prstGeom prst="arc">
+            <a:avLst>
+              <a:gd name="adj1" fmla="val 16969189"/>
+              <a:gd name="adj2" fmla="val 18870991"/>
+            </a:avLst>
+          </a:prstGeom>
+          <a:ln w="22225">
+            <a:solidFill>
+              <a:schemeClr val="tx1"/>
+            </a:solidFill>
+            <a:prstDash val="dash"/>
+            <a:headEnd type="triangle"/>
+            <a:tailEnd type="triangle"/>
+          </a:ln>
+        </p:spPr>
+        <p:style>
+          <a:lnRef idx="1">
+            <a:schemeClr val="accent1"/>
+          </a:lnRef>
+          <a:fillRef idx="0">
+            <a:schemeClr val="accent1"/>
+          </a:fillRef>
+          <a:effectRef idx="0">
+            <a:schemeClr val="accent1"/>
+          </a:effectRef>
+          <a:fontRef idx="minor">
+            <a:schemeClr val="tx1"/>
+          </a:fontRef>
+        </p:style>
+        <p:txBody>
+          <a:bodyPr rtlCol="0" anchor="ctr"/>
+          <a:lstStyle/>
+          <a:p>
+            <a:pPr algn="ctr"/>
+            <a:endParaRPr lang="en-US" dirty="0"/>
+          </a:p>
+        </p:txBody>
+      </p:sp>
+      <p:sp>
+        <p:nvSpPr>
+          <p:cNvPr id="78" name="Arc 77">
+            <a:extLst>
+              <a:ext uri="{FF2B5EF4-FFF2-40B4-BE49-F238E27FC236}">
+                <a16:creationId xmlns:a16="http://schemas.microsoft.com/office/drawing/2014/main" id="{401F540E-ABF1-40D1-9374-7ACEE5EDD880}"/>
+              </a:ext>
+            </a:extLst>
+          </p:cNvPr>
+          <p:cNvSpPr/>
+          <p:nvPr/>
+        </p:nvSpPr>
+        <p:spPr>
+          <a:xfrm rot="1689484">
+            <a:off x="4957352" y="2849424"/>
+            <a:ext cx="3615334" cy="3615334"/>
+          </a:xfrm>
+          <a:prstGeom prst="arc">
+            <a:avLst>
+              <a:gd name="adj1" fmla="val 15711720"/>
+              <a:gd name="adj2" fmla="val 20301338"/>
+            </a:avLst>
+          </a:prstGeom>
+          <a:ln w="38100">
+            <a:solidFill>
+              <a:schemeClr val="tx1"/>
+            </a:solidFill>
+            <a:headEnd type="triangle"/>
+            <a:tailEnd type="triangle"/>
+          </a:ln>
+        </p:spPr>
+        <p:style>
+          <a:lnRef idx="1">
+            <a:schemeClr val="accent1"/>
+          </a:lnRef>
+          <a:fillRef idx="0">
+            <a:schemeClr val="accent1"/>
+          </a:fillRef>
+          <a:effectRef idx="0">
+            <a:schemeClr val="accent1"/>
+          </a:effectRef>
+          <a:fontRef idx="minor">
+            <a:schemeClr val="tx1"/>
+          </a:fontRef>
+        </p:style>
+        <p:txBody>
+          <a:bodyPr rtlCol="0" anchor="ctr"/>
+          <a:lstStyle/>
+          <a:p>
+            <a:pPr algn="ctr"/>
+            <a:endParaRPr lang="en-US" dirty="0"/>
+          </a:p>
+        </p:txBody>
+      </p:sp>
+      <p:sp>
+        <p:nvSpPr>
+          <p:cNvPr id="80" name="Arc 79">
+            <a:extLst>
+              <a:ext uri="{FF2B5EF4-FFF2-40B4-BE49-F238E27FC236}">
+                <a16:creationId xmlns:a16="http://schemas.microsoft.com/office/drawing/2014/main" id="{2B7B725C-0EF1-443D-B89A-304DBFD4BE6B}"/>
+              </a:ext>
+            </a:extLst>
+          </p:cNvPr>
+          <p:cNvSpPr/>
+          <p:nvPr/>
+        </p:nvSpPr>
+        <p:spPr>
+          <a:xfrm rot="1689484">
+            <a:off x="4679139" y="3038340"/>
+            <a:ext cx="3615334" cy="3615334"/>
+          </a:xfrm>
+          <a:prstGeom prst="arc">
+            <a:avLst>
+              <a:gd name="adj1" fmla="val 15924026"/>
+              <a:gd name="adj2" fmla="val 20039046"/>
+            </a:avLst>
+          </a:prstGeom>
+          <a:ln w="22225">
+            <a:solidFill>
+              <a:schemeClr val="tx1"/>
+            </a:solidFill>
+            <a:prstDash val="dash"/>
+            <a:headEnd type="triangle"/>
+            <a:tailEnd type="triangle"/>
+          </a:ln>
+        </p:spPr>
+        <p:style>
+          <a:lnRef idx="1">
+            <a:schemeClr val="accent1"/>
+          </a:lnRef>
+          <a:fillRef idx="0">
+            <a:schemeClr val="accent1"/>
+          </a:fillRef>
+          <a:effectRef idx="0">
+            <a:schemeClr val="accent1"/>
+          </a:effectRef>
+          <a:fontRef idx="minor">
+            <a:schemeClr val="tx1"/>
+          </a:fontRef>
+        </p:style>
+        <p:txBody>
+          <a:bodyPr rtlCol="0" anchor="ctr"/>
+          <a:lstStyle/>
+          <a:p>
+            <a:pPr algn="ctr"/>
+            <a:endParaRPr lang="en-US" dirty="0"/>
+          </a:p>
+        </p:txBody>
+      </p:sp>
+      <p:sp>
+        <p:nvSpPr>
+          <p:cNvPr id="81" name="Arc 80">
+            <a:extLst>
+              <a:ext uri="{FF2B5EF4-FFF2-40B4-BE49-F238E27FC236}">
+                <a16:creationId xmlns:a16="http://schemas.microsoft.com/office/drawing/2014/main" id="{AA7B60CB-49FF-4D03-9856-1B12B5B81DAE}"/>
+              </a:ext>
+            </a:extLst>
+          </p:cNvPr>
+          <p:cNvSpPr/>
+          <p:nvPr/>
+        </p:nvSpPr>
+        <p:spPr>
+          <a:xfrm rot="1689484">
+            <a:off x="5215679" y="2692361"/>
+            <a:ext cx="3615334" cy="3615334"/>
+          </a:xfrm>
+          <a:prstGeom prst="arc">
+            <a:avLst>
+              <a:gd name="adj1" fmla="val 15569352"/>
+              <a:gd name="adj2" fmla="val 20427772"/>
+            </a:avLst>
+          </a:prstGeom>
+          <a:ln w="22225">
+            <a:solidFill>
+              <a:schemeClr val="tx1"/>
+            </a:solidFill>
+            <a:prstDash val="dash"/>
+            <a:headEnd type="triangle"/>
+            <a:tailEnd type="triangle"/>
+          </a:ln>
+        </p:spPr>
+        <p:style>
+          <a:lnRef idx="1">
+            <a:schemeClr val="accent1"/>
+          </a:lnRef>
+          <a:fillRef idx="0">
+            <a:schemeClr val="accent1"/>
+          </a:fillRef>
+          <a:effectRef idx="0">
+            <a:schemeClr val="accent1"/>
+          </a:effectRef>
+          <a:fontRef idx="minor">
+            <a:schemeClr val="tx1"/>
+          </a:fontRef>
+        </p:style>
+        <p:txBody>
+          <a:bodyPr rtlCol="0" anchor="ctr"/>
+          <a:lstStyle/>
+          <a:p>
+            <a:pPr algn="ctr"/>
+            <a:endParaRPr lang="en-US" dirty="0"/>
+          </a:p>
+        </p:txBody>
+      </p:sp>
+      <p:sp>
+        <p:nvSpPr>
+          <p:cNvPr id="82" name="Arc 81">
+            <a:extLst>
+              <a:ext uri="{FF2B5EF4-FFF2-40B4-BE49-F238E27FC236}">
+                <a16:creationId xmlns:a16="http://schemas.microsoft.com/office/drawing/2014/main" id="{69BF22C8-76DB-4C9E-A50A-B084CFA2484F}"/>
+              </a:ext>
+            </a:extLst>
+          </p:cNvPr>
+          <p:cNvSpPr/>
+          <p:nvPr/>
+        </p:nvSpPr>
+        <p:spPr>
+          <a:xfrm rot="1689484">
+            <a:off x="6133614" y="2070574"/>
+            <a:ext cx="3615334" cy="3615334"/>
+          </a:xfrm>
+          <a:prstGeom prst="arc">
+            <a:avLst>
+              <a:gd name="adj1" fmla="val 15556524"/>
+              <a:gd name="adj2" fmla="val 20415230"/>
+            </a:avLst>
+          </a:prstGeom>
+          <a:ln w="22225">
+            <a:solidFill>
+              <a:schemeClr val="tx1"/>
+            </a:solidFill>
+            <a:prstDash val="dash"/>
+            <a:headEnd type="triangle"/>
+            <a:tailEnd type="triangle"/>
+          </a:ln>
+        </p:spPr>
+        <p:style>
+          <a:lnRef idx="1">
+            <a:schemeClr val="accent1"/>
+          </a:lnRef>
+          <a:fillRef idx="0">
+            <a:schemeClr val="accent1"/>
+          </a:fillRef>
+          <a:effectRef idx="0">
+            <a:schemeClr val="accent1"/>
+          </a:effectRef>
+          <a:fontRef idx="minor">
+            <a:schemeClr val="tx1"/>
+          </a:fontRef>
+        </p:style>
+        <p:txBody>
+          <a:bodyPr rtlCol="0" anchor="ctr"/>
+          <a:lstStyle/>
+          <a:p>
+            <a:pPr algn="ctr"/>
+            <a:endParaRPr lang="en-US" dirty="0"/>
+          </a:p>
+        </p:txBody>
+      </p:sp>
+      <p:sp>
+        <p:nvSpPr>
+          <p:cNvPr id="83" name="Arc 82">
+            <a:extLst>
+              <a:ext uri="{FF2B5EF4-FFF2-40B4-BE49-F238E27FC236}">
+                <a16:creationId xmlns:a16="http://schemas.microsoft.com/office/drawing/2014/main" id="{1B312F59-361D-4D27-B46C-A2EC8FB4225A}"/>
+              </a:ext>
+            </a:extLst>
+          </p:cNvPr>
+          <p:cNvSpPr/>
+          <p:nvPr/>
+        </p:nvSpPr>
+        <p:spPr>
+          <a:xfrm rot="1689484">
+            <a:off x="6387105" y="1912386"/>
+            <a:ext cx="3615334" cy="3615334"/>
+          </a:xfrm>
+          <a:prstGeom prst="arc">
+            <a:avLst>
+              <a:gd name="adj1" fmla="val 15521600"/>
+              <a:gd name="adj2" fmla="val 20427772"/>
+            </a:avLst>
+          </a:prstGeom>
+          <a:ln w="38100">
+            <a:solidFill>
+              <a:schemeClr val="tx1"/>
+            </a:solidFill>
+            <a:headEnd type="triangle"/>
+            <a:tailEnd type="triangle"/>
+          </a:ln>
+        </p:spPr>
+        <p:style>
+          <a:lnRef idx="1">
+            <a:schemeClr val="accent1"/>
+          </a:lnRef>
+          <a:fillRef idx="0">
+            <a:schemeClr val="accent1"/>
+          </a:fillRef>
+          <a:effectRef idx="0">
+            <a:schemeClr val="accent1"/>
+          </a:effectRef>
+          <a:fontRef idx="minor">
+            <a:schemeClr val="tx1"/>
+          </a:fontRef>
+        </p:style>
+        <p:txBody>
+          <a:bodyPr rtlCol="0" anchor="ctr"/>
+          <a:lstStyle/>
+          <a:p>
+            <a:pPr algn="ctr"/>
+            <a:endParaRPr lang="en-US" dirty="0"/>
+          </a:p>
+        </p:txBody>
+      </p:sp>
+      <p:sp>
+        <p:nvSpPr>
+          <p:cNvPr id="84" name="Arc 83">
+            <a:extLst>
+              <a:ext uri="{FF2B5EF4-FFF2-40B4-BE49-F238E27FC236}">
+                <a16:creationId xmlns:a16="http://schemas.microsoft.com/office/drawing/2014/main" id="{9EB5E488-0628-4526-9586-A0DCF502892D}"/>
+              </a:ext>
+            </a:extLst>
+          </p:cNvPr>
+          <p:cNvSpPr/>
+          <p:nvPr/>
+        </p:nvSpPr>
+        <p:spPr>
+          <a:xfrm rot="1689484">
+            <a:off x="6628953" y="1740165"/>
+            <a:ext cx="3615334" cy="3615334"/>
+          </a:xfrm>
+          <a:prstGeom prst="arc">
+            <a:avLst>
+              <a:gd name="adj1" fmla="val 15546465"/>
+              <a:gd name="adj2" fmla="val 20439613"/>
+            </a:avLst>
+          </a:prstGeom>
+          <a:ln w="22225">
+            <a:solidFill>
+              <a:schemeClr val="tx1"/>
+            </a:solidFill>
+            <a:prstDash val="dash"/>
+            <a:headEnd type="triangle"/>
+            <a:tailEnd type="triangle"/>
+          </a:ln>
+        </p:spPr>
+        <p:style>
+          <a:lnRef idx="1">
+            <a:schemeClr val="accent1"/>
+          </a:lnRef>
+          <a:fillRef idx="0">
+            <a:schemeClr val="accent1"/>
+          </a:fillRef>
+          <a:effectRef idx="0">
+            <a:schemeClr val="accent1"/>
+          </a:effectRef>
+          <a:fontRef idx="minor">
+            <a:schemeClr val="tx1"/>
+          </a:fontRef>
+        </p:style>
+        <p:txBody>
+          <a:bodyPr rtlCol="0" anchor="ctr"/>
+          <a:lstStyle/>
+          <a:p>
+            <a:pPr algn="ctr"/>
+            <a:endParaRPr lang="en-US" dirty="0"/>
+          </a:p>
+        </p:txBody>
+      </p:sp>
+      <p:sp>
+        <p:nvSpPr>
+          <p:cNvPr id="86" name="Arc 85">
+            <a:extLst>
+              <a:ext uri="{FF2B5EF4-FFF2-40B4-BE49-F238E27FC236}">
+                <a16:creationId xmlns:a16="http://schemas.microsoft.com/office/drawing/2014/main" id="{C78C1E76-7D47-4DFE-A441-A702F85F6743}"/>
+              </a:ext>
+            </a:extLst>
+          </p:cNvPr>
+          <p:cNvSpPr/>
+          <p:nvPr/>
+        </p:nvSpPr>
+        <p:spPr>
+          <a:xfrm rot="1689484">
+            <a:off x="3591753" y="3826445"/>
+            <a:ext cx="3615334" cy="3615334"/>
+          </a:xfrm>
+          <a:prstGeom prst="arc">
+            <a:avLst>
+              <a:gd name="adj1" fmla="val 16787817"/>
+              <a:gd name="adj2" fmla="val 19014163"/>
+            </a:avLst>
+          </a:prstGeom>
+          <a:ln w="38100">
+            <a:solidFill>
+              <a:schemeClr val="tx1"/>
+            </a:solidFill>
+            <a:headEnd type="triangle"/>
+            <a:tailEnd type="triangle"/>
+          </a:ln>
+        </p:spPr>
+        <p:style>
+          <a:lnRef idx="1">
+            <a:schemeClr val="accent1"/>
+          </a:lnRef>
+          <a:fillRef idx="0">
+            <a:schemeClr val="accent1"/>
+          </a:fillRef>
+          <a:effectRef idx="0">
+            <a:schemeClr val="accent1"/>
+          </a:effectRef>
+          <a:fontRef idx="minor">
+            <a:schemeClr val="tx1"/>
+          </a:fontRef>
+        </p:style>
+        <p:txBody>
+          <a:bodyPr rtlCol="0" anchor="ctr"/>
+          <a:lstStyle/>
+          <a:p>
+            <a:pPr algn="ctr"/>
+            <a:endParaRPr lang="en-US" dirty="0"/>
+          </a:p>
+        </p:txBody>
+      </p:sp>
+      <p:sp>
+        <p:nvSpPr>
+          <p:cNvPr id="87" name="Arc 86">
+            <a:extLst>
+              <a:ext uri="{FF2B5EF4-FFF2-40B4-BE49-F238E27FC236}">
+                <a16:creationId xmlns:a16="http://schemas.microsoft.com/office/drawing/2014/main" id="{7B68ABEA-410F-416A-ABF9-C226DF7FC379}"/>
+              </a:ext>
+            </a:extLst>
+          </p:cNvPr>
+          <p:cNvSpPr/>
+          <p:nvPr/>
+        </p:nvSpPr>
+        <p:spPr>
+          <a:xfrm rot="1689484">
+            <a:off x="3854004" y="3618869"/>
+            <a:ext cx="3615334" cy="3615334"/>
+          </a:xfrm>
+          <a:prstGeom prst="arc">
+            <a:avLst>
+              <a:gd name="adj1" fmla="val 16614944"/>
+              <a:gd name="adj2" fmla="val 19281586"/>
+            </a:avLst>
+          </a:prstGeom>
+          <a:ln w="22225">
+            <a:solidFill>
+              <a:schemeClr val="tx1"/>
+            </a:solidFill>
+            <a:prstDash val="dash"/>
+            <a:headEnd type="triangle"/>
+            <a:tailEnd type="triangle"/>
+          </a:ln>
+        </p:spPr>
+        <p:style>
+          <a:lnRef idx="1">
+            <a:schemeClr val="accent1"/>
+          </a:lnRef>
+          <a:fillRef idx="0">
+            <a:schemeClr val="accent1"/>
+          </a:fillRef>
+          <a:effectRef idx="0">
+            <a:schemeClr val="accent1"/>
+          </a:effectRef>
+          <a:fontRef idx="minor">
+            <a:schemeClr val="tx1"/>
+          </a:fontRef>
+        </p:style>
+        <p:txBody>
+          <a:bodyPr rtlCol="0" anchor="ctr"/>
+          <a:lstStyle/>
+          <a:p>
+            <a:pPr algn="ctr"/>
+            <a:endParaRPr lang="en-US" dirty="0"/>
+          </a:p>
+        </p:txBody>
+      </p:sp>
+      <p:sp>
+        <p:nvSpPr>
+          <p:cNvPr id="88" name="TextBox 87">
+            <a:extLst>
+              <a:ext uri="{FF2B5EF4-FFF2-40B4-BE49-F238E27FC236}">
+                <a16:creationId xmlns:a16="http://schemas.microsoft.com/office/drawing/2014/main" id="{FDA111DA-8236-4683-9BB4-96580138653D}"/>
+              </a:ext>
+            </a:extLst>
+          </p:cNvPr>
+          <p:cNvSpPr txBox="1"/>
+          <p:nvPr/>
+        </p:nvSpPr>
+        <p:spPr>
+          <a:xfrm rot="19626388">
+            <a:off x="6605776" y="4448708"/>
+            <a:ext cx="668552" cy="369332"/>
+          </a:xfrm>
+          <a:prstGeom prst="rect">
+            <a:avLst/>
+          </a:prstGeom>
+          <a:solidFill>
+            <a:schemeClr val="bg1"/>
+          </a:solidFill>
+        </p:spPr>
+        <p:txBody>
+          <a:bodyPr wrap="square" rtlCol="0">
+            <a:spAutoFit/>
+          </a:bodyPr>
+          <a:lstStyle/>
+          <a:p>
+            <a:r>
+              <a:rPr lang="en-US" dirty="0"/>
+              <a:t>Lag 1</a:t>
+            </a:r>
+          </a:p>
+        </p:txBody>
+      </p:sp>
+      <p:sp>
+        <p:nvSpPr>
+          <p:cNvPr id="89" name="TextBox 88">
+            <a:extLst>
+              <a:ext uri="{FF2B5EF4-FFF2-40B4-BE49-F238E27FC236}">
+                <a16:creationId xmlns:a16="http://schemas.microsoft.com/office/drawing/2014/main" id="{D890B40F-4D52-497A-93DB-408DA81E20E3}"/>
+              </a:ext>
+            </a:extLst>
+          </p:cNvPr>
+          <p:cNvSpPr txBox="1"/>
+          <p:nvPr/>
+        </p:nvSpPr>
+        <p:spPr>
+          <a:xfrm rot="19626388">
+            <a:off x="7958620" y="3521676"/>
+            <a:ext cx="668552" cy="369332"/>
+          </a:xfrm>
+          <a:prstGeom prst="rect">
+            <a:avLst/>
+          </a:prstGeom>
+          <a:solidFill>
+            <a:schemeClr val="bg1"/>
+          </a:solidFill>
+        </p:spPr>
+        <p:txBody>
+          <a:bodyPr wrap="square" rtlCol="0">
+            <a:spAutoFit/>
+          </a:bodyPr>
+          <a:lstStyle/>
+          <a:p>
+            <a:r>
+              <a:rPr lang="en-US" dirty="0"/>
+              <a:t>Lag 2</a:t>
+            </a:r>
+          </a:p>
+        </p:txBody>
+      </p:sp>
+      <p:sp>
+        <p:nvSpPr>
+          <p:cNvPr id="90" name="TextBox 89">
+            <a:extLst>
+              <a:ext uri="{FF2B5EF4-FFF2-40B4-BE49-F238E27FC236}">
+                <a16:creationId xmlns:a16="http://schemas.microsoft.com/office/drawing/2014/main" id="{19CA89E8-9978-4850-BD04-404E457CDAB1}"/>
+              </a:ext>
+            </a:extLst>
+          </p:cNvPr>
+          <p:cNvSpPr txBox="1"/>
+          <p:nvPr/>
+        </p:nvSpPr>
+        <p:spPr>
+          <a:xfrm rot="19626388">
+            <a:off x="9423287" y="2536960"/>
+            <a:ext cx="668552" cy="369332"/>
+          </a:xfrm>
+          <a:prstGeom prst="rect">
+            <a:avLst/>
+          </a:prstGeom>
+          <a:solidFill>
+            <a:schemeClr val="bg1"/>
+          </a:solidFill>
+        </p:spPr>
+        <p:txBody>
+          <a:bodyPr wrap="square" rtlCol="0">
+            <a:spAutoFit/>
+          </a:bodyPr>
+          <a:lstStyle/>
+          <a:p>
+            <a:r>
+              <a:rPr lang="en-US" dirty="0"/>
+              <a:t>Lag 3</a:t>
+            </a:r>
+          </a:p>
+        </p:txBody>
+      </p:sp>
+      <p:sp>
+        <p:nvSpPr>
+          <p:cNvPr id="92" name="Rectangle 91">
+            <a:extLst>
+              <a:ext uri="{FF2B5EF4-FFF2-40B4-BE49-F238E27FC236}">
+                <a16:creationId xmlns:a16="http://schemas.microsoft.com/office/drawing/2014/main" id="{11DF00C3-614B-4788-8C46-B4ECE9582EC0}"/>
+              </a:ext>
+            </a:extLst>
+          </p:cNvPr>
+          <p:cNvSpPr/>
+          <p:nvPr/>
+        </p:nvSpPr>
+        <p:spPr>
+          <a:xfrm>
+            <a:off x="4757738" y="285750"/>
+            <a:ext cx="6519862" cy="5929313"/>
+          </a:xfrm>
+          <a:prstGeom prst="rect">
+            <a:avLst/>
+          </a:prstGeom>
+          <a:noFill/>
+        </p:spPr>
+        <p:style>
+          <a:lnRef idx="2">
+            <a:schemeClr val="accent1">
+              <a:shade val="50000"/>
+            </a:schemeClr>
+          </a:lnRef>
+          <a:fillRef idx="1">
+            <a:schemeClr val="accent1"/>
+          </a:fillRef>
+          <a:effectRef idx="0">
+            <a:schemeClr val="accent1"/>
+          </a:effectRef>
+          <a:fontRef idx="minor">
+            <a:schemeClr val="lt1"/>
+          </a:fontRef>
+        </p:style>
+        <p:txBody>
+          <a:bodyPr rtlCol="0" anchor="ctr"/>
+          <a:lstStyle/>
+          <a:p>
+            <a:pPr algn="ctr"/>
+            <a:endParaRPr lang="en-US"/>
+          </a:p>
+        </p:txBody>
+      </p:sp>
+    </p:spTree>
+    <p:extLst>
+      <p:ext uri="{BB962C8B-B14F-4D97-AF65-F5344CB8AC3E}">
+        <p14:creationId xmlns:p14="http://schemas.microsoft.com/office/powerpoint/2010/main" val="2489597832"/>
+      </p:ext>
+    </p:extLst>
+  </p:cSld>
+  <p:clrMapOvr>
+    <a:masterClrMapping/>
+  </p:clrMapOvr>
+</p:sld>
+</file>
+
+<file path=ppt/slides/slide11.xml><?xml version="1.0" encoding="utf-8"?>
+<p:sld xmlns:a="http://schemas.openxmlformats.org/drawingml/2006/main" xmlns:r="http://schemas.openxmlformats.org/officeDocument/2006/relationships" xmlns:p="http://schemas.openxmlformats.org/presentationml/2006/main">
+  <p:cSld>
+    <p:spTree>
+      <p:nvGrpSpPr>
+        <p:cNvPr id="1" name=""/>
+        <p:cNvGrpSpPr/>
+        <p:nvPr/>
+      </p:nvGrpSpPr>
+      <p:grpSpPr>
+        <a:xfrm>
+          <a:off x="0" y="0"/>
+          <a:ext cx="0" cy="0"/>
+          <a:chOff x="0" y="0"/>
+          <a:chExt cx="0" cy="0"/>
+        </a:xfrm>
+      </p:grpSpPr>
+      <p:pic>
+        <p:nvPicPr>
+          <p:cNvPr id="4" name="Picture 3">
+            <a:extLst>
+              <a:ext uri="{FF2B5EF4-FFF2-40B4-BE49-F238E27FC236}">
+                <a16:creationId xmlns:a16="http://schemas.microsoft.com/office/drawing/2014/main" id="{50E4397C-DB7B-4C73-96A6-42B631A3185A}"/>
+              </a:ext>
+            </a:extLst>
+          </p:cNvPr>
+          <p:cNvPicPr>
+            <a:picLocks noChangeAspect="1"/>
+          </p:cNvPicPr>
+          <p:nvPr/>
+        </p:nvPicPr>
+        <p:blipFill>
+          <a:blip r:embed="rId2"/>
+          <a:stretch>
+            <a:fillRect/>
+          </a:stretch>
+        </p:blipFill>
+        <p:spPr>
+          <a:xfrm>
+            <a:off x="263247" y="0"/>
+            <a:ext cx="11665506" cy="6858000"/>
+          </a:xfrm>
+          <a:prstGeom prst="rect">
+            <a:avLst/>
+          </a:prstGeom>
+        </p:spPr>
+      </p:pic>
+    </p:spTree>
+    <p:extLst>
+      <p:ext uri="{BB962C8B-B14F-4D97-AF65-F5344CB8AC3E}">
+        <p14:creationId xmlns:p14="http://schemas.microsoft.com/office/powerpoint/2010/main" val="2708254202"/>
       </p:ext>
     </p:extLst>
   </p:cSld>
@@ -11412,8 +12549,8 @@
           </a:fontRef>
         </p:style>
       </p:cxnSp>
-      <mc:AlternateContent xmlns:mc="http://schemas.openxmlformats.org/markup-compatibility/2006">
-        <mc:Choice xmlns:a14="http://schemas.microsoft.com/office/drawing/2010/main" Requires="a14">
+      <mc:AlternateContent xmlns:mc="http://schemas.openxmlformats.org/markup-compatibility/2006" xmlns:a14="http://schemas.microsoft.com/office/drawing/2010/main">
+        <mc:Choice Requires="a14">
           <p:sp>
             <p:nvSpPr>
               <p:cNvPr id="59" name="TextBox 58">
@@ -11489,7 +12626,7 @@
             </p:txBody>
           </p:sp>
         </mc:Choice>
-        <mc:Fallback>
+        <mc:Fallback xmlns="">
           <p:sp>
             <p:nvSpPr>
               <p:cNvPr id="59" name="TextBox 58">
@@ -11534,8 +12671,8 @@
           </p:sp>
         </mc:Fallback>
       </mc:AlternateContent>
-      <mc:AlternateContent xmlns:mc="http://schemas.openxmlformats.org/markup-compatibility/2006">
-        <mc:Choice xmlns:a14="http://schemas.microsoft.com/office/drawing/2010/main" Requires="a14">
+      <mc:AlternateContent xmlns:mc="http://schemas.openxmlformats.org/markup-compatibility/2006" xmlns:a14="http://schemas.microsoft.com/office/drawing/2010/main">
+        <mc:Choice Requires="a14">
           <p:sp>
             <p:nvSpPr>
               <p:cNvPr id="60" name="TextBox 59">
@@ -11644,7 +12781,7 @@
             </p:txBody>
           </p:sp>
         </mc:Choice>
-        <mc:Fallback>
+        <mc:Fallback xmlns="">
           <p:sp>
             <p:nvSpPr>
               <p:cNvPr id="60" name="TextBox 59">
@@ -15053,8 +16190,8 @@
           </a:fontRef>
         </p:style>
       </p:cxnSp>
-      <mc:AlternateContent xmlns:mc="http://schemas.openxmlformats.org/markup-compatibility/2006">
-        <mc:Choice xmlns:a14="http://schemas.microsoft.com/office/drawing/2010/main" Requires="a14">
+      <mc:AlternateContent xmlns:mc="http://schemas.openxmlformats.org/markup-compatibility/2006" xmlns:a14="http://schemas.microsoft.com/office/drawing/2010/main">
+        <mc:Choice Requires="a14">
           <p:sp>
             <p:nvSpPr>
               <p:cNvPr id="51" name="TextBox 50">
@@ -15130,7 +16267,7 @@
             </p:txBody>
           </p:sp>
         </mc:Choice>
-        <mc:Fallback>
+        <mc:Fallback xmlns="">
           <p:sp>
             <p:nvSpPr>
               <p:cNvPr id="51" name="TextBox 50">
@@ -15175,8 +16312,8 @@
           </p:sp>
         </mc:Fallback>
       </mc:AlternateContent>
-      <mc:AlternateContent xmlns:mc="http://schemas.openxmlformats.org/markup-compatibility/2006">
-        <mc:Choice xmlns:a14="http://schemas.microsoft.com/office/drawing/2010/main" Requires="a14">
+      <mc:AlternateContent xmlns:mc="http://schemas.openxmlformats.org/markup-compatibility/2006" xmlns:a14="http://schemas.microsoft.com/office/drawing/2010/main">
+        <mc:Choice Requires="a14">
           <p:sp>
             <p:nvSpPr>
               <p:cNvPr id="52" name="TextBox 51">
@@ -15285,7 +16422,7 @@
             </p:txBody>
           </p:sp>
         </mc:Choice>
-        <mc:Fallback>
+        <mc:Fallback xmlns="">
           <p:sp>
             <p:nvSpPr>
               <p:cNvPr id="52" name="TextBox 51">
@@ -15860,7 +16997,7 @@
             <a:lstStyle/>
             <a:p>
               <a:pPr algn="ctr"/>
-              <a:endParaRPr lang="en-US"/>
+              <a:endParaRPr lang="en-US" dirty="0"/>
             </a:p>
           </p:txBody>
         </p:sp>
@@ -16677,8 +17814,8 @@
           </a:fontRef>
         </p:style>
       </p:cxnSp>
-      <mc:AlternateContent xmlns:mc="http://schemas.openxmlformats.org/markup-compatibility/2006">
-        <mc:Choice xmlns:a14="http://schemas.microsoft.com/office/drawing/2010/main" Requires="a14">
+      <mc:AlternateContent xmlns:mc="http://schemas.openxmlformats.org/markup-compatibility/2006" xmlns:a14="http://schemas.microsoft.com/office/drawing/2010/main">
+        <mc:Choice Requires="a14">
           <p:sp>
             <p:nvSpPr>
               <p:cNvPr id="46" name="TextBox 45">
@@ -16754,7 +17891,7 @@
             </p:txBody>
           </p:sp>
         </mc:Choice>
-        <mc:Fallback>
+        <mc:Fallback xmlns="">
           <p:sp>
             <p:nvSpPr>
               <p:cNvPr id="46" name="TextBox 45">
@@ -16799,8 +17936,8 @@
           </p:sp>
         </mc:Fallback>
       </mc:AlternateContent>
-      <mc:AlternateContent xmlns:mc="http://schemas.openxmlformats.org/markup-compatibility/2006">
-        <mc:Choice xmlns:a14="http://schemas.microsoft.com/office/drawing/2010/main" Requires="a14">
+      <mc:AlternateContent xmlns:mc="http://schemas.openxmlformats.org/markup-compatibility/2006" xmlns:a14="http://schemas.microsoft.com/office/drawing/2010/main">
+        <mc:Choice Requires="a14">
           <p:sp>
             <p:nvSpPr>
               <p:cNvPr id="30" name="TextBox 29">
@@ -16909,7 +18046,7 @@
             </p:txBody>
           </p:sp>
         </mc:Choice>
-        <mc:Fallback>
+        <mc:Fallback xmlns="">
           <p:sp>
             <p:nvSpPr>
               <p:cNvPr id="30" name="TextBox 29">
@@ -26129,8 +27266,8 @@
           </a:xfrm>
           <a:prstGeom prst="arc">
             <a:avLst>
-              <a:gd name="adj1" fmla="val 16200000"/>
-              <a:gd name="adj2" fmla="val 19528674"/>
+              <a:gd name="adj1" fmla="val 16435558"/>
+              <a:gd name="adj2" fmla="val 19251323"/>
             </a:avLst>
           </a:prstGeom>
           <a:ln w="38100">
@@ -26161,6 +27298,53 @@
           <a:p>
             <a:pPr algn="ctr"/>
             <a:endParaRPr lang="en-US" dirty="0"/>
+          </a:p>
+        </p:txBody>
+      </p:sp>
+      <p:sp>
+        <p:nvSpPr>
+          <p:cNvPr id="114" name="Rectangle 113">
+            <a:extLst>
+              <a:ext uri="{FF2B5EF4-FFF2-40B4-BE49-F238E27FC236}">
+                <a16:creationId xmlns:a16="http://schemas.microsoft.com/office/drawing/2014/main" id="{203F90CD-48FD-44D5-A341-84A71F3FDB92}"/>
+              </a:ext>
+            </a:extLst>
+          </p:cNvPr>
+          <p:cNvSpPr/>
+          <p:nvPr/>
+        </p:nvSpPr>
+        <p:spPr>
+          <a:xfrm>
+            <a:off x="4757738" y="285750"/>
+            <a:ext cx="6519862" cy="5929313"/>
+          </a:xfrm>
+          <a:prstGeom prst="rect">
+            <a:avLst/>
+          </a:prstGeom>
+          <a:noFill/>
+        </p:spPr>
+        <p:style>
+          <a:lnRef idx="2">
+            <a:schemeClr val="accent1">
+              <a:shade val="50000"/>
+            </a:schemeClr>
+          </a:lnRef>
+          <a:fillRef idx="1">
+            <a:schemeClr val="accent1"/>
+          </a:fillRef>
+          <a:effectRef idx="0">
+            <a:schemeClr val="accent1"/>
+          </a:effectRef>
+          <a:fontRef idx="minor">
+            <a:schemeClr val="lt1"/>
+          </a:fontRef>
+        </p:style>
+        <p:txBody>
+          <a:bodyPr rtlCol="0" anchor="ctr"/>
+          <a:lstStyle/>
+          <a:p>
+            <a:pPr algn="ctr"/>
+            <a:endParaRPr lang="en-US"/>
           </a:p>
         </p:txBody>
       </p:sp>
@@ -26194,165 +27378,113 @@
           <a:chExt cx="0" cy="0"/>
         </a:xfrm>
       </p:grpSpPr>
-      <p:grpSp>
-        <p:nvGrpSpPr>
-          <p:cNvPr id="42" name="Group 41">
+      <p:sp>
+        <p:nvSpPr>
+          <p:cNvPr id="7" name="Oval 6">
             <a:extLst>
               <a:ext uri="{FF2B5EF4-FFF2-40B4-BE49-F238E27FC236}">
-                <a16:creationId xmlns:a16="http://schemas.microsoft.com/office/drawing/2014/main" id="{F9BEB150-158B-4937-8724-26D51CEE9DF1}"/>
+                <a16:creationId xmlns:a16="http://schemas.microsoft.com/office/drawing/2014/main" id="{B727A85D-FE9C-4B39-AF15-5DA270F2D41F}"/>
               </a:ext>
             </a:extLst>
           </p:cNvPr>
-          <p:cNvGrpSpPr/>
+          <p:cNvSpPr/>
           <p:nvPr/>
-        </p:nvGrpSpPr>
-        <p:grpSpPr>
-          <a:xfrm>
-            <a:off x="5641789" y="591670"/>
-            <a:ext cx="4912650" cy="4912650"/>
-            <a:chOff x="4703483" y="310768"/>
-            <a:chExt cx="6400800" cy="6400800"/>
+        </p:nvSpPr>
+        <p:spPr>
+          <a:xfrm rot="19705373">
+            <a:off x="1215142" y="2926987"/>
+            <a:ext cx="6620382" cy="2995059"/>
           </a:xfrm>
-        </p:grpSpPr>
-        <p:cxnSp>
-          <p:nvCxnSpPr>
-            <p:cNvPr id="43" name="Straight Arrow Connector 42">
-              <a:extLst>
-                <a:ext uri="{FF2B5EF4-FFF2-40B4-BE49-F238E27FC236}">
-                  <a16:creationId xmlns:a16="http://schemas.microsoft.com/office/drawing/2014/main" id="{553429AF-727A-441C-BB0F-2D3D45A36747}"/>
-                </a:ext>
-              </a:extLst>
-            </p:cNvPr>
-            <p:cNvCxnSpPr>
-              <a:cxnSpLocks/>
-            </p:cNvCxnSpPr>
-            <p:nvPr/>
-          </p:nvCxnSpPr>
-          <p:spPr>
-            <a:xfrm>
-              <a:off x="4703483" y="6711568"/>
-              <a:ext cx="6400800" cy="0"/>
-            </a:xfrm>
-            <a:prstGeom prst="straightConnector1">
-              <a:avLst/>
-            </a:prstGeom>
-            <a:ln w="44450">
-              <a:solidFill>
-                <a:schemeClr val="tx1"/>
-              </a:solidFill>
-              <a:tailEnd type="triangle"/>
-            </a:ln>
-          </p:spPr>
-          <p:style>
-            <a:lnRef idx="1">
-              <a:schemeClr val="accent1"/>
-            </a:lnRef>
-            <a:fillRef idx="0">
-              <a:schemeClr val="accent1"/>
-            </a:fillRef>
-            <a:effectRef idx="0">
-              <a:schemeClr val="accent1"/>
-            </a:effectRef>
-            <a:fontRef idx="minor">
+          <a:prstGeom prst="ellipse">
+            <a:avLst/>
+          </a:prstGeom>
+          <a:solidFill>
+            <a:schemeClr val="bg2">
+              <a:lumMod val="50000"/>
+              <a:alpha val="62000"/>
+            </a:schemeClr>
+          </a:solidFill>
+          <a:ln>
+            <a:solidFill>
               <a:schemeClr val="tx1"/>
-            </a:fontRef>
-          </p:style>
-        </p:cxnSp>
-        <p:cxnSp>
-          <p:nvCxnSpPr>
-            <p:cNvPr id="44" name="Straight Arrow Connector 43">
-              <a:extLst>
-                <a:ext uri="{FF2B5EF4-FFF2-40B4-BE49-F238E27FC236}">
-                  <a16:creationId xmlns:a16="http://schemas.microsoft.com/office/drawing/2014/main" id="{E2185AB1-C602-4D17-9F5F-D55503776322}"/>
-                </a:ext>
-              </a:extLst>
-            </p:cNvPr>
-            <p:cNvCxnSpPr>
-              <a:cxnSpLocks/>
-            </p:cNvCxnSpPr>
-            <p:nvPr/>
-          </p:nvCxnSpPr>
-          <p:spPr>
-            <a:xfrm flipV="1">
-              <a:off x="4703483" y="310768"/>
-              <a:ext cx="0" cy="6400800"/>
-            </a:xfrm>
-            <a:prstGeom prst="straightConnector1">
-              <a:avLst/>
-            </a:prstGeom>
-            <a:ln w="44450">
-              <a:solidFill>
-                <a:schemeClr val="tx1"/>
-              </a:solidFill>
-              <a:tailEnd type="triangle"/>
-            </a:ln>
-          </p:spPr>
-          <p:style>
-            <a:lnRef idx="1">
-              <a:schemeClr val="accent1"/>
-            </a:lnRef>
-            <a:fillRef idx="0">
-              <a:schemeClr val="accent1"/>
-            </a:fillRef>
-            <a:effectRef idx="0">
-              <a:schemeClr val="accent1"/>
-            </a:effectRef>
-            <a:fontRef idx="minor">
-              <a:schemeClr val="tx1"/>
-            </a:fontRef>
-          </p:style>
-        </p:cxnSp>
-        <p:cxnSp>
-          <p:nvCxnSpPr>
-            <p:cNvPr id="45" name="Straight Arrow Connector 44">
-              <a:extLst>
-                <a:ext uri="{FF2B5EF4-FFF2-40B4-BE49-F238E27FC236}">
-                  <a16:creationId xmlns:a16="http://schemas.microsoft.com/office/drawing/2014/main" id="{78CF55F6-C20C-4D6C-AC5A-20949072F0E4}"/>
-                </a:ext>
-              </a:extLst>
-            </p:cNvPr>
-            <p:cNvCxnSpPr>
-              <a:cxnSpLocks/>
-            </p:cNvCxnSpPr>
-            <p:nvPr/>
-          </p:nvCxnSpPr>
-          <p:spPr>
-            <a:xfrm flipV="1">
-              <a:off x="4703483" y="2474259"/>
-              <a:ext cx="6227482" cy="4237309"/>
-            </a:xfrm>
-            <a:prstGeom prst="straightConnector1">
-              <a:avLst/>
-            </a:prstGeom>
-            <a:ln w="44450">
-              <a:solidFill>
-                <a:schemeClr val="tx1"/>
-              </a:solidFill>
-              <a:tailEnd type="triangle"/>
-            </a:ln>
-          </p:spPr>
-          <p:style>
-            <a:lnRef idx="1">
-              <a:schemeClr val="accent1"/>
-            </a:lnRef>
-            <a:fillRef idx="0">
-              <a:schemeClr val="accent1"/>
-            </a:fillRef>
-            <a:effectRef idx="0">
-              <a:schemeClr val="accent1"/>
-            </a:effectRef>
-            <a:fontRef idx="minor">
-              <a:schemeClr val="tx1"/>
-            </a:fontRef>
-          </p:style>
-        </p:cxnSp>
-      </p:grpSp>
+            </a:solidFill>
+          </a:ln>
+        </p:spPr>
+        <p:style>
+          <a:lnRef idx="2">
+            <a:schemeClr val="accent1">
+              <a:shade val="50000"/>
+            </a:schemeClr>
+          </a:lnRef>
+          <a:fillRef idx="1">
+            <a:schemeClr val="accent1"/>
+          </a:fillRef>
+          <a:effectRef idx="0">
+            <a:schemeClr val="accent1"/>
+          </a:effectRef>
+          <a:fontRef idx="minor">
+            <a:schemeClr val="lt1"/>
+          </a:fontRef>
+        </p:style>
+        <p:txBody>
+          <a:bodyPr rtlCol="0" anchor="ctr"/>
+          <a:lstStyle/>
+          <a:p>
+            <a:pPr algn="ctr"/>
+            <a:endParaRPr lang="en-US" dirty="0"/>
+          </a:p>
+        </p:txBody>
+      </p:sp>
       <p:cxnSp>
         <p:nvCxnSpPr>
-          <p:cNvPr id="46" name="Straight Connector 45">
+          <p:cNvPr id="6" name="Straight Arrow Connector 5">
             <a:extLst>
               <a:ext uri="{FF2B5EF4-FFF2-40B4-BE49-F238E27FC236}">
-                <a16:creationId xmlns:a16="http://schemas.microsoft.com/office/drawing/2014/main" id="{7F98AA37-4EF5-47C6-9634-B1521432DB0A}"/>
+                <a16:creationId xmlns:a16="http://schemas.microsoft.com/office/drawing/2014/main" id="{7781D4D5-4F32-40A0-88CC-01F5F090FA84}"/>
+              </a:ext>
+            </a:extLst>
+          </p:cNvPr>
+          <p:cNvCxnSpPr>
+            <a:cxnSpLocks/>
+          </p:cNvCxnSpPr>
+          <p:nvPr/>
+        </p:nvCxnSpPr>
+        <p:spPr>
+          <a:xfrm>
+            <a:off x="4680544" y="4329325"/>
+            <a:ext cx="3836072" cy="0"/>
+          </a:xfrm>
+          <a:prstGeom prst="straightConnector1">
+            <a:avLst/>
+          </a:prstGeom>
+          <a:ln w="44450">
+            <a:solidFill>
+              <a:schemeClr val="tx1"/>
+            </a:solidFill>
+            <a:tailEnd type="triangle"/>
+          </a:ln>
+        </p:spPr>
+        <p:style>
+          <a:lnRef idx="1">
+            <a:schemeClr val="accent1"/>
+          </a:lnRef>
+          <a:fillRef idx="0">
+            <a:schemeClr val="accent1"/>
+          </a:fillRef>
+          <a:effectRef idx="0">
+            <a:schemeClr val="accent1"/>
+          </a:effectRef>
+          <a:fontRef idx="minor">
+            <a:schemeClr val="tx1"/>
+          </a:fontRef>
+        </p:style>
+      </p:cxnSp>
+      <p:cxnSp>
+        <p:nvCxnSpPr>
+          <p:cNvPr id="10" name="Straight Arrow Connector 9">
+            <a:extLst>
+              <a:ext uri="{FF2B5EF4-FFF2-40B4-BE49-F238E27FC236}">
+                <a16:creationId xmlns:a16="http://schemas.microsoft.com/office/drawing/2014/main" id="{93158E70-B466-4EA7-8BE2-820D81A70C65}"/>
               </a:ext>
             </a:extLst>
           </p:cNvPr>
@@ -26363,16 +27495,17 @@
         </p:nvCxnSpPr>
         <p:spPr>
           <a:xfrm flipV="1">
-            <a:off x="7459626" y="1276643"/>
-            <a:ext cx="2332104" cy="1564714"/>
+            <a:off x="4680544" y="493253"/>
+            <a:ext cx="0" cy="3836072"/>
           </a:xfrm>
-          <a:prstGeom prst="line">
+          <a:prstGeom prst="straightConnector1">
             <a:avLst/>
           </a:prstGeom>
-          <a:ln w="22225">
+          <a:ln w="44450">
             <a:solidFill>
               <a:schemeClr val="tx1"/>
             </a:solidFill>
+            <a:tailEnd type="triangle"/>
           </a:ln>
         </p:spPr>
         <p:style>
@@ -26392,10 +27525,10 @@
       </p:cxnSp>
       <p:cxnSp>
         <p:nvCxnSpPr>
-          <p:cNvPr id="47" name="Straight Connector 46">
+          <p:cNvPr id="14" name="Straight Arrow Connector 13">
             <a:extLst>
               <a:ext uri="{FF2B5EF4-FFF2-40B4-BE49-F238E27FC236}">
-                <a16:creationId xmlns:a16="http://schemas.microsoft.com/office/drawing/2014/main" id="{6625304D-3E77-4888-BA7A-6072938853AF}"/>
+                <a16:creationId xmlns:a16="http://schemas.microsoft.com/office/drawing/2014/main" id="{F6C2F67A-776B-4564-B969-2B3B61C3C930}"/>
               </a:ext>
             </a:extLst>
           </p:cNvPr>
@@ -26406,102 +27539,19 @@
         </p:nvCxnSpPr>
         <p:spPr>
           <a:xfrm flipV="1">
-            <a:off x="8749927" y="3298029"/>
-            <a:ext cx="2259036" cy="1507533"/>
+            <a:off x="1167670" y="1789860"/>
+            <a:ext cx="7245074" cy="4929699"/>
           </a:xfrm>
-          <a:prstGeom prst="line">
+          <a:prstGeom prst="straightConnector1">
             <a:avLst/>
           </a:prstGeom>
-          <a:ln w="22225">
+          <a:ln w="44450">
             <a:solidFill>
-              <a:schemeClr val="tx1"/>
+              <a:srgbClr val="0070C0"/>
             </a:solidFill>
-          </a:ln>
-        </p:spPr>
-        <p:style>
-          <a:lnRef idx="1">
-            <a:schemeClr val="accent1"/>
-          </a:lnRef>
-          <a:fillRef idx="0">
-            <a:schemeClr val="accent1"/>
-          </a:fillRef>
-          <a:effectRef idx="0">
-            <a:schemeClr val="accent1"/>
-          </a:effectRef>
-          <a:fontRef idx="minor">
-            <a:schemeClr val="tx1"/>
-          </a:fontRef>
-        </p:style>
-      </p:cxnSp>
-      <p:cxnSp>
-        <p:nvCxnSpPr>
-          <p:cNvPr id="48" name="Straight Connector 47">
-            <a:extLst>
-              <a:ext uri="{FF2B5EF4-FFF2-40B4-BE49-F238E27FC236}">
-                <a16:creationId xmlns:a16="http://schemas.microsoft.com/office/drawing/2014/main" id="{BDF8B9F6-DC93-48B1-91EE-D7A7132CBB0F}"/>
-              </a:ext>
-            </a:extLst>
-          </p:cNvPr>
-          <p:cNvCxnSpPr>
-            <a:cxnSpLocks/>
-          </p:cNvCxnSpPr>
-          <p:nvPr/>
-        </p:nvCxnSpPr>
-        <p:spPr>
-          <a:xfrm flipV="1">
-            <a:off x="5652020" y="2841357"/>
-            <a:ext cx="1807606" cy="2614046"/>
-          </a:xfrm>
-          <a:prstGeom prst="line">
-            <a:avLst/>
-          </a:prstGeom>
-          <a:ln w="22225">
-            <a:solidFill>
-              <a:schemeClr val="tx1"/>
-            </a:solidFill>
-          </a:ln>
-        </p:spPr>
-        <p:style>
-          <a:lnRef idx="1">
-            <a:schemeClr val="accent1"/>
-          </a:lnRef>
-          <a:fillRef idx="0">
-            <a:schemeClr val="accent1"/>
-          </a:fillRef>
-          <a:effectRef idx="0">
-            <a:schemeClr val="accent1"/>
-          </a:effectRef>
-          <a:fontRef idx="minor">
-            <a:schemeClr val="tx1"/>
-          </a:fontRef>
-        </p:style>
-      </p:cxnSp>
-      <p:cxnSp>
-        <p:nvCxnSpPr>
-          <p:cNvPr id="49" name="Straight Connector 48">
-            <a:extLst>
-              <a:ext uri="{FF2B5EF4-FFF2-40B4-BE49-F238E27FC236}">
-                <a16:creationId xmlns:a16="http://schemas.microsoft.com/office/drawing/2014/main" id="{1B8FB292-2A40-4AB0-B869-1A8485175EDE}"/>
-              </a:ext>
-            </a:extLst>
-          </p:cNvPr>
-          <p:cNvCxnSpPr>
-            <a:cxnSpLocks/>
-          </p:cNvCxnSpPr>
-          <p:nvPr/>
-        </p:nvCxnSpPr>
-        <p:spPr>
-          <a:xfrm flipV="1">
-            <a:off x="5687878" y="4805562"/>
-            <a:ext cx="3062049" cy="698758"/>
-          </a:xfrm>
-          <a:prstGeom prst="line">
-            <a:avLst/>
-          </a:prstGeom>
-          <a:ln w="22225">
-            <a:solidFill>
-              <a:schemeClr val="tx1"/>
-            </a:solidFill>
+            <a:prstDash val="dash"/>
+            <a:headEnd type="triangle"/>
+            <a:tailEnd type="triangle"/>
           </a:ln>
         </p:spPr>
         <p:style>
@@ -26521,10 +27571,10 @@
       </p:cxnSp>
       <p:sp>
         <p:nvSpPr>
-          <p:cNvPr id="68" name="TextBox 67">
+          <p:cNvPr id="99" name="TextBox 98">
             <a:extLst>
               <a:ext uri="{FF2B5EF4-FFF2-40B4-BE49-F238E27FC236}">
-                <a16:creationId xmlns:a16="http://schemas.microsoft.com/office/drawing/2014/main" id="{00F08D6B-2121-4161-91A6-CDC6F950EB2C}"/>
+                <a16:creationId xmlns:a16="http://schemas.microsoft.com/office/drawing/2014/main" id="{EF9FD691-D356-48E2-BED3-E561A9565CD7}"/>
               </a:ext>
             </a:extLst>
           </p:cNvPr>
@@ -26533,8 +27583,8 @@
         </p:nvSpPr>
         <p:spPr>
           <a:xfrm>
-            <a:off x="9676781" y="5666763"/>
-            <a:ext cx="1489269" cy="369332"/>
+            <a:off x="5004466" y="2644389"/>
+            <a:ext cx="1088166" cy="307777"/>
           </a:xfrm>
           <a:prstGeom prst="rect">
             <a:avLst/>
@@ -26548,18 +27598,18 @@
           <a:lstStyle/>
           <a:p>
             <a:r>
-              <a:rPr lang="en-US" dirty="0"/>
-              <a:t>X axis (East)</a:t>
+              <a:rPr lang="en-US" sz="1400" dirty="0"/>
+              <a:t>Azimuth</a:t>
             </a:r>
           </a:p>
         </p:txBody>
       </p:sp>
       <p:sp>
         <p:nvSpPr>
-          <p:cNvPr id="69" name="TextBox 68">
+          <p:cNvPr id="109" name="TextBox 108">
             <a:extLst>
               <a:ext uri="{FF2B5EF4-FFF2-40B4-BE49-F238E27FC236}">
-                <a16:creationId xmlns:a16="http://schemas.microsoft.com/office/drawing/2014/main" id="{E603D396-2294-4315-AE97-951C9A073CB8}"/>
+                <a16:creationId xmlns:a16="http://schemas.microsoft.com/office/drawing/2014/main" id="{3846C1ED-F83D-47EF-B7FD-7694847B5FE4}"/>
               </a:ext>
             </a:extLst>
           </p:cNvPr>
@@ -26567,9 +27617,9 @@
           <p:nvPr/>
         </p:nvSpPr>
         <p:spPr>
-          <a:xfrm rot="16200000">
-            <a:off x="4398035" y="916390"/>
-            <a:ext cx="1489269" cy="369332"/>
+          <a:xfrm>
+            <a:off x="7666668" y="4465954"/>
+            <a:ext cx="1162904" cy="307777"/>
           </a:xfrm>
           <a:prstGeom prst="rect">
             <a:avLst/>
@@ -26583,18 +27633,53 @@
           <a:lstStyle/>
           <a:p>
             <a:r>
-              <a:rPr lang="en-US" dirty="0"/>
-              <a:t>Y axis (North)</a:t>
+              <a:rPr lang="en-US" sz="1400" dirty="0"/>
+              <a:t>X axis (East)</a:t>
             </a:r>
           </a:p>
         </p:txBody>
       </p:sp>
       <p:sp>
         <p:nvSpPr>
-          <p:cNvPr id="70" name="Arc 69">
+          <p:cNvPr id="110" name="TextBox 109">
             <a:extLst>
               <a:ext uri="{FF2B5EF4-FFF2-40B4-BE49-F238E27FC236}">
-                <a16:creationId xmlns:a16="http://schemas.microsoft.com/office/drawing/2014/main" id="{4F2254CB-3D16-4230-B56D-7CA2563FA6C6}"/>
+                <a16:creationId xmlns:a16="http://schemas.microsoft.com/office/drawing/2014/main" id="{F450314A-41BC-44D6-AC35-6DBA9F648554}"/>
+              </a:ext>
+            </a:extLst>
+          </p:cNvPr>
+          <p:cNvSpPr txBox="1"/>
+          <p:nvPr/>
+        </p:nvSpPr>
+        <p:spPr>
+          <a:xfrm rot="16200000">
+            <a:off x="3792005" y="1005192"/>
+            <a:ext cx="1261558" cy="307777"/>
+          </a:xfrm>
+          <a:prstGeom prst="rect">
+            <a:avLst/>
+          </a:prstGeom>
+          <a:noFill/>
+        </p:spPr>
+        <p:txBody>
+          <a:bodyPr wrap="square" rtlCol="0">
+            <a:spAutoFit/>
+          </a:bodyPr>
+          <a:lstStyle/>
+          <a:p>
+            <a:r>
+              <a:rPr lang="en-US" sz="1400" dirty="0"/>
+              <a:t>Z axis (vertical)</a:t>
+            </a:r>
+          </a:p>
+        </p:txBody>
+      </p:sp>
+      <p:sp>
+        <p:nvSpPr>
+          <p:cNvPr id="111" name="Arc 110">
+            <a:extLst>
+              <a:ext uri="{FF2B5EF4-FFF2-40B4-BE49-F238E27FC236}">
+                <a16:creationId xmlns:a16="http://schemas.microsoft.com/office/drawing/2014/main" id="{88C35A20-DB1F-4ED6-8784-104BF772BB66}"/>
               </a:ext>
             </a:extLst>
           </p:cNvPr>
@@ -26602,21 +27687,20 @@
           <p:nvPr/>
         </p:nvSpPr>
         <p:spPr>
-          <a:xfrm rot="1689484">
-            <a:off x="3366477" y="3974916"/>
-            <a:ext cx="3615334" cy="3615334"/>
+          <a:xfrm>
+            <a:off x="3240219" y="2950070"/>
+            <a:ext cx="2823055" cy="2823055"/>
           </a:xfrm>
           <a:prstGeom prst="arc">
             <a:avLst>
-              <a:gd name="adj1" fmla="val 16969189"/>
-              <a:gd name="adj2" fmla="val 18870991"/>
+              <a:gd name="adj1" fmla="val 16435558"/>
+              <a:gd name="adj2" fmla="val 19251323"/>
             </a:avLst>
           </a:prstGeom>
-          <a:ln w="22225">
+          <a:ln w="38100">
             <a:solidFill>
               <a:schemeClr val="tx1"/>
             </a:solidFill>
-            <a:prstDash val="dash"/>
             <a:headEnd type="triangle"/>
             <a:tailEnd type="triangle"/>
           </a:ln>
@@ -26646,10 +27730,10 @@
       </p:sp>
       <p:sp>
         <p:nvSpPr>
-          <p:cNvPr id="78" name="Arc 77">
+          <p:cNvPr id="114" name="Rectangle 113">
             <a:extLst>
               <a:ext uri="{FF2B5EF4-FFF2-40B4-BE49-F238E27FC236}">
-                <a16:creationId xmlns:a16="http://schemas.microsoft.com/office/drawing/2014/main" id="{401F540E-ABF1-40D1-9374-7ACEE5EDD880}"/>
+                <a16:creationId xmlns:a16="http://schemas.microsoft.com/office/drawing/2014/main" id="{203F90CD-48FD-44D5-A341-84A71F3FDB92}"/>
               </a:ext>
             </a:extLst>
           </p:cNvPr>
@@ -26657,36 +27741,32 @@
           <p:nvPr/>
         </p:nvSpPr>
         <p:spPr>
-          <a:xfrm rot="1689484">
-            <a:off x="4957352" y="2849424"/>
-            <a:ext cx="3615334" cy="3615334"/>
+          <a:xfrm>
+            <a:off x="3062680" y="254374"/>
+            <a:ext cx="6010632" cy="4629939"/>
           </a:xfrm>
-          <a:prstGeom prst="arc">
-            <a:avLst>
-              <a:gd name="adj1" fmla="val 15711720"/>
-              <a:gd name="adj2" fmla="val 20301338"/>
-            </a:avLst>
+          <a:prstGeom prst="rect">
+            <a:avLst/>
           </a:prstGeom>
-          <a:ln w="38100">
-            <a:solidFill>
-              <a:schemeClr val="tx1"/>
-            </a:solidFill>
-            <a:headEnd type="triangle"/>
-            <a:tailEnd type="triangle"/>
+          <a:noFill/>
+          <a:ln>
+            <a:noFill/>
           </a:ln>
         </p:spPr>
         <p:style>
-          <a:lnRef idx="1">
-            <a:schemeClr val="accent1"/>
+          <a:lnRef idx="2">
+            <a:schemeClr val="accent1">
+              <a:shade val="50000"/>
+            </a:schemeClr>
           </a:lnRef>
-          <a:fillRef idx="0">
+          <a:fillRef idx="1">
             <a:schemeClr val="accent1"/>
           </a:fillRef>
           <a:effectRef idx="0">
             <a:schemeClr val="accent1"/>
           </a:effectRef>
           <a:fontRef idx="minor">
-            <a:schemeClr val="tx1"/>
+            <a:schemeClr val="lt1"/>
           </a:fontRef>
         </p:style>
         <p:txBody>
@@ -26698,32 +27778,31 @@
           </a:p>
         </p:txBody>
       </p:sp>
-      <p:sp>
-        <p:nvSpPr>
-          <p:cNvPr id="80" name="Arc 79">
+      <p:cxnSp>
+        <p:nvCxnSpPr>
+          <p:cNvPr id="33" name="Straight Arrow Connector 32">
             <a:extLst>
               <a:ext uri="{FF2B5EF4-FFF2-40B4-BE49-F238E27FC236}">
-                <a16:creationId xmlns:a16="http://schemas.microsoft.com/office/drawing/2014/main" id="{2B7B725C-0EF1-443D-B89A-304DBFD4BE6B}"/>
+                <a16:creationId xmlns:a16="http://schemas.microsoft.com/office/drawing/2014/main" id="{69C63A14-DC27-4974-BB77-D0B91B6BB009}"/>
               </a:ext>
             </a:extLst>
           </p:cNvPr>
-          <p:cNvSpPr/>
+          <p:cNvCxnSpPr>
+            <a:cxnSpLocks/>
+          </p:cNvCxnSpPr>
           <p:nvPr/>
-        </p:nvSpPr>
+        </p:nvCxnSpPr>
         <p:spPr>
-          <a:xfrm rot="1689484">
-            <a:off x="4679139" y="3038340"/>
-            <a:ext cx="3615334" cy="3615334"/>
+          <a:xfrm flipH="1" flipV="1">
+            <a:off x="3371469" y="2394418"/>
+            <a:ext cx="2538492" cy="3797177"/>
           </a:xfrm>
-          <a:prstGeom prst="arc">
-            <a:avLst>
-              <a:gd name="adj1" fmla="val 15924026"/>
-              <a:gd name="adj2" fmla="val 20039046"/>
-            </a:avLst>
+          <a:prstGeom prst="straightConnector1">
+            <a:avLst/>
           </a:prstGeom>
-          <a:ln w="22225">
+          <a:ln w="44450">
             <a:solidFill>
-              <a:schemeClr val="tx1"/>
+              <a:srgbClr val="0070C0"/>
             </a:solidFill>
             <a:prstDash val="dash"/>
             <a:headEnd type="triangle"/>
@@ -26744,349 +27823,13 @@
             <a:schemeClr val="tx1"/>
           </a:fontRef>
         </p:style>
-        <p:txBody>
-          <a:bodyPr rtlCol="0" anchor="ctr"/>
-          <a:lstStyle/>
-          <a:p>
-            <a:pPr algn="ctr"/>
-            <a:endParaRPr lang="en-US" dirty="0"/>
-          </a:p>
-        </p:txBody>
-      </p:sp>
+      </p:cxnSp>
       <p:sp>
         <p:nvSpPr>
-          <p:cNvPr id="81" name="Arc 80">
+          <p:cNvPr id="37" name="TextBox 36">
             <a:extLst>
               <a:ext uri="{FF2B5EF4-FFF2-40B4-BE49-F238E27FC236}">
-                <a16:creationId xmlns:a16="http://schemas.microsoft.com/office/drawing/2014/main" id="{AA7B60CB-49FF-4D03-9856-1B12B5B81DAE}"/>
-              </a:ext>
-            </a:extLst>
-          </p:cNvPr>
-          <p:cNvSpPr/>
-          <p:nvPr/>
-        </p:nvSpPr>
-        <p:spPr>
-          <a:xfrm rot="1689484">
-            <a:off x="5215679" y="2692361"/>
-            <a:ext cx="3615334" cy="3615334"/>
-          </a:xfrm>
-          <a:prstGeom prst="arc">
-            <a:avLst>
-              <a:gd name="adj1" fmla="val 15569352"/>
-              <a:gd name="adj2" fmla="val 20427772"/>
-            </a:avLst>
-          </a:prstGeom>
-          <a:ln w="22225">
-            <a:solidFill>
-              <a:schemeClr val="tx1"/>
-            </a:solidFill>
-            <a:prstDash val="dash"/>
-            <a:headEnd type="triangle"/>
-            <a:tailEnd type="triangle"/>
-          </a:ln>
-        </p:spPr>
-        <p:style>
-          <a:lnRef idx="1">
-            <a:schemeClr val="accent1"/>
-          </a:lnRef>
-          <a:fillRef idx="0">
-            <a:schemeClr val="accent1"/>
-          </a:fillRef>
-          <a:effectRef idx="0">
-            <a:schemeClr val="accent1"/>
-          </a:effectRef>
-          <a:fontRef idx="minor">
-            <a:schemeClr val="tx1"/>
-          </a:fontRef>
-        </p:style>
-        <p:txBody>
-          <a:bodyPr rtlCol="0" anchor="ctr"/>
-          <a:lstStyle/>
-          <a:p>
-            <a:pPr algn="ctr"/>
-            <a:endParaRPr lang="en-US" dirty="0"/>
-          </a:p>
-        </p:txBody>
-      </p:sp>
-      <p:sp>
-        <p:nvSpPr>
-          <p:cNvPr id="82" name="Arc 81">
-            <a:extLst>
-              <a:ext uri="{FF2B5EF4-FFF2-40B4-BE49-F238E27FC236}">
-                <a16:creationId xmlns:a16="http://schemas.microsoft.com/office/drawing/2014/main" id="{69BF22C8-76DB-4C9E-A50A-B084CFA2484F}"/>
-              </a:ext>
-            </a:extLst>
-          </p:cNvPr>
-          <p:cNvSpPr/>
-          <p:nvPr/>
-        </p:nvSpPr>
-        <p:spPr>
-          <a:xfrm rot="1689484">
-            <a:off x="6133614" y="2070574"/>
-            <a:ext cx="3615334" cy="3615334"/>
-          </a:xfrm>
-          <a:prstGeom prst="arc">
-            <a:avLst>
-              <a:gd name="adj1" fmla="val 15556524"/>
-              <a:gd name="adj2" fmla="val 20415230"/>
-            </a:avLst>
-          </a:prstGeom>
-          <a:ln w="22225">
-            <a:solidFill>
-              <a:schemeClr val="tx1"/>
-            </a:solidFill>
-            <a:prstDash val="dash"/>
-            <a:headEnd type="triangle"/>
-            <a:tailEnd type="triangle"/>
-          </a:ln>
-        </p:spPr>
-        <p:style>
-          <a:lnRef idx="1">
-            <a:schemeClr val="accent1"/>
-          </a:lnRef>
-          <a:fillRef idx="0">
-            <a:schemeClr val="accent1"/>
-          </a:fillRef>
-          <a:effectRef idx="0">
-            <a:schemeClr val="accent1"/>
-          </a:effectRef>
-          <a:fontRef idx="minor">
-            <a:schemeClr val="tx1"/>
-          </a:fontRef>
-        </p:style>
-        <p:txBody>
-          <a:bodyPr rtlCol="0" anchor="ctr"/>
-          <a:lstStyle/>
-          <a:p>
-            <a:pPr algn="ctr"/>
-            <a:endParaRPr lang="en-US" dirty="0"/>
-          </a:p>
-        </p:txBody>
-      </p:sp>
-      <p:sp>
-        <p:nvSpPr>
-          <p:cNvPr id="83" name="Arc 82">
-            <a:extLst>
-              <a:ext uri="{FF2B5EF4-FFF2-40B4-BE49-F238E27FC236}">
-                <a16:creationId xmlns:a16="http://schemas.microsoft.com/office/drawing/2014/main" id="{1B312F59-361D-4D27-B46C-A2EC8FB4225A}"/>
-              </a:ext>
-            </a:extLst>
-          </p:cNvPr>
-          <p:cNvSpPr/>
-          <p:nvPr/>
-        </p:nvSpPr>
-        <p:spPr>
-          <a:xfrm rot="1689484">
-            <a:off x="6387105" y="1912386"/>
-            <a:ext cx="3615334" cy="3615334"/>
-          </a:xfrm>
-          <a:prstGeom prst="arc">
-            <a:avLst>
-              <a:gd name="adj1" fmla="val 15521600"/>
-              <a:gd name="adj2" fmla="val 20427772"/>
-            </a:avLst>
-          </a:prstGeom>
-          <a:ln w="38100">
-            <a:solidFill>
-              <a:schemeClr val="tx1"/>
-            </a:solidFill>
-            <a:headEnd type="triangle"/>
-            <a:tailEnd type="triangle"/>
-          </a:ln>
-        </p:spPr>
-        <p:style>
-          <a:lnRef idx="1">
-            <a:schemeClr val="accent1"/>
-          </a:lnRef>
-          <a:fillRef idx="0">
-            <a:schemeClr val="accent1"/>
-          </a:fillRef>
-          <a:effectRef idx="0">
-            <a:schemeClr val="accent1"/>
-          </a:effectRef>
-          <a:fontRef idx="minor">
-            <a:schemeClr val="tx1"/>
-          </a:fontRef>
-        </p:style>
-        <p:txBody>
-          <a:bodyPr rtlCol="0" anchor="ctr"/>
-          <a:lstStyle/>
-          <a:p>
-            <a:pPr algn="ctr"/>
-            <a:endParaRPr lang="en-US" dirty="0"/>
-          </a:p>
-        </p:txBody>
-      </p:sp>
-      <p:sp>
-        <p:nvSpPr>
-          <p:cNvPr id="84" name="Arc 83">
-            <a:extLst>
-              <a:ext uri="{FF2B5EF4-FFF2-40B4-BE49-F238E27FC236}">
-                <a16:creationId xmlns:a16="http://schemas.microsoft.com/office/drawing/2014/main" id="{9EB5E488-0628-4526-9586-A0DCF502892D}"/>
-              </a:ext>
-            </a:extLst>
-          </p:cNvPr>
-          <p:cNvSpPr/>
-          <p:nvPr/>
-        </p:nvSpPr>
-        <p:spPr>
-          <a:xfrm rot="1689484">
-            <a:off x="6628953" y="1740165"/>
-            <a:ext cx="3615334" cy="3615334"/>
-          </a:xfrm>
-          <a:prstGeom prst="arc">
-            <a:avLst>
-              <a:gd name="adj1" fmla="val 15546465"/>
-              <a:gd name="adj2" fmla="val 20439613"/>
-            </a:avLst>
-          </a:prstGeom>
-          <a:ln w="22225">
-            <a:solidFill>
-              <a:schemeClr val="tx1"/>
-            </a:solidFill>
-            <a:prstDash val="dash"/>
-            <a:headEnd type="triangle"/>
-            <a:tailEnd type="triangle"/>
-          </a:ln>
-        </p:spPr>
-        <p:style>
-          <a:lnRef idx="1">
-            <a:schemeClr val="accent1"/>
-          </a:lnRef>
-          <a:fillRef idx="0">
-            <a:schemeClr val="accent1"/>
-          </a:fillRef>
-          <a:effectRef idx="0">
-            <a:schemeClr val="accent1"/>
-          </a:effectRef>
-          <a:fontRef idx="minor">
-            <a:schemeClr val="tx1"/>
-          </a:fontRef>
-        </p:style>
-        <p:txBody>
-          <a:bodyPr rtlCol="0" anchor="ctr"/>
-          <a:lstStyle/>
-          <a:p>
-            <a:pPr algn="ctr"/>
-            <a:endParaRPr lang="en-US" dirty="0"/>
-          </a:p>
-        </p:txBody>
-      </p:sp>
-      <p:sp>
-        <p:nvSpPr>
-          <p:cNvPr id="86" name="Arc 85">
-            <a:extLst>
-              <a:ext uri="{FF2B5EF4-FFF2-40B4-BE49-F238E27FC236}">
-                <a16:creationId xmlns:a16="http://schemas.microsoft.com/office/drawing/2014/main" id="{C78C1E76-7D47-4DFE-A441-A702F85F6743}"/>
-              </a:ext>
-            </a:extLst>
-          </p:cNvPr>
-          <p:cNvSpPr/>
-          <p:nvPr/>
-        </p:nvSpPr>
-        <p:spPr>
-          <a:xfrm rot="1689484">
-            <a:off x="3591753" y="3826445"/>
-            <a:ext cx="3615334" cy="3615334"/>
-          </a:xfrm>
-          <a:prstGeom prst="arc">
-            <a:avLst>
-              <a:gd name="adj1" fmla="val 16787817"/>
-              <a:gd name="adj2" fmla="val 19014163"/>
-            </a:avLst>
-          </a:prstGeom>
-          <a:ln w="38100">
-            <a:solidFill>
-              <a:schemeClr val="tx1"/>
-            </a:solidFill>
-            <a:headEnd type="triangle"/>
-            <a:tailEnd type="triangle"/>
-          </a:ln>
-        </p:spPr>
-        <p:style>
-          <a:lnRef idx="1">
-            <a:schemeClr val="accent1"/>
-          </a:lnRef>
-          <a:fillRef idx="0">
-            <a:schemeClr val="accent1"/>
-          </a:fillRef>
-          <a:effectRef idx="0">
-            <a:schemeClr val="accent1"/>
-          </a:effectRef>
-          <a:fontRef idx="minor">
-            <a:schemeClr val="tx1"/>
-          </a:fontRef>
-        </p:style>
-        <p:txBody>
-          <a:bodyPr rtlCol="0" anchor="ctr"/>
-          <a:lstStyle/>
-          <a:p>
-            <a:pPr algn="ctr"/>
-            <a:endParaRPr lang="en-US" dirty="0"/>
-          </a:p>
-        </p:txBody>
-      </p:sp>
-      <p:sp>
-        <p:nvSpPr>
-          <p:cNvPr id="87" name="Arc 86">
-            <a:extLst>
-              <a:ext uri="{FF2B5EF4-FFF2-40B4-BE49-F238E27FC236}">
-                <a16:creationId xmlns:a16="http://schemas.microsoft.com/office/drawing/2014/main" id="{7B68ABEA-410F-416A-ABF9-C226DF7FC379}"/>
-              </a:ext>
-            </a:extLst>
-          </p:cNvPr>
-          <p:cNvSpPr/>
-          <p:nvPr/>
-        </p:nvSpPr>
-        <p:spPr>
-          <a:xfrm rot="1689484">
-            <a:off x="3854004" y="3618869"/>
-            <a:ext cx="3615334" cy="3615334"/>
-          </a:xfrm>
-          <a:prstGeom prst="arc">
-            <a:avLst>
-              <a:gd name="adj1" fmla="val 16614944"/>
-              <a:gd name="adj2" fmla="val 19281586"/>
-            </a:avLst>
-          </a:prstGeom>
-          <a:ln w="22225">
-            <a:solidFill>
-              <a:schemeClr val="tx1"/>
-            </a:solidFill>
-            <a:prstDash val="dash"/>
-            <a:headEnd type="triangle"/>
-            <a:tailEnd type="triangle"/>
-          </a:ln>
-        </p:spPr>
-        <p:style>
-          <a:lnRef idx="1">
-            <a:schemeClr val="accent1"/>
-          </a:lnRef>
-          <a:fillRef idx="0">
-            <a:schemeClr val="accent1"/>
-          </a:fillRef>
-          <a:effectRef idx="0">
-            <a:schemeClr val="accent1"/>
-          </a:effectRef>
-          <a:fontRef idx="minor">
-            <a:schemeClr val="tx1"/>
-          </a:fontRef>
-        </p:style>
-        <p:txBody>
-          <a:bodyPr rtlCol="0" anchor="ctr"/>
-          <a:lstStyle/>
-          <a:p>
-            <a:pPr algn="ctr"/>
-            <a:endParaRPr lang="en-US" dirty="0"/>
-          </a:p>
-        </p:txBody>
-      </p:sp>
-      <p:sp>
-        <p:nvSpPr>
-          <p:cNvPr id="88" name="TextBox 87">
-            <a:extLst>
-              <a:ext uri="{FF2B5EF4-FFF2-40B4-BE49-F238E27FC236}">
-                <a16:creationId xmlns:a16="http://schemas.microsoft.com/office/drawing/2014/main" id="{FDA111DA-8236-4683-9BB4-96580138653D}"/>
+                <a16:creationId xmlns:a16="http://schemas.microsoft.com/office/drawing/2014/main" id="{F3418041-4C78-414F-B295-E5F985006347}"/>
               </a:ext>
             </a:extLst>
           </p:cNvPr>
@@ -27094,16 +27837,14 @@
           <p:nvPr/>
         </p:nvSpPr>
         <p:spPr>
-          <a:xfrm rot="19626388">
-            <a:off x="6605776" y="4448708"/>
-            <a:ext cx="668552" cy="369332"/>
+          <a:xfrm rot="19523963">
+            <a:off x="6922309" y="1896720"/>
+            <a:ext cx="1408964" cy="307777"/>
           </a:xfrm>
           <a:prstGeom prst="rect">
             <a:avLst/>
           </a:prstGeom>
-          <a:solidFill>
-            <a:schemeClr val="bg1"/>
-          </a:solidFill>
+          <a:noFill/>
         </p:spPr>
         <p:txBody>
           <a:bodyPr wrap="square" rtlCol="0">
@@ -27112,18 +27853,22 @@
           <a:lstStyle/>
           <a:p>
             <a:r>
-              <a:rPr lang="en-US" dirty="0"/>
-              <a:t>Lag 1</a:t>
+              <a:rPr lang="en-US" sz="1400" dirty="0">
+                <a:solidFill>
+                  <a:srgbClr val="00B050"/>
+                </a:solidFill>
+              </a:rPr>
+              <a:t>Horizontal Major</a:t>
             </a:r>
           </a:p>
         </p:txBody>
       </p:sp>
       <p:sp>
         <p:nvSpPr>
-          <p:cNvPr id="89" name="TextBox 88">
+          <p:cNvPr id="38" name="TextBox 37">
             <a:extLst>
               <a:ext uri="{FF2B5EF4-FFF2-40B4-BE49-F238E27FC236}">
-                <a16:creationId xmlns:a16="http://schemas.microsoft.com/office/drawing/2014/main" id="{D890B40F-4D52-497A-93DB-408DA81E20E3}"/>
+                <a16:creationId xmlns:a16="http://schemas.microsoft.com/office/drawing/2014/main" id="{DD5F83FE-B02E-4663-8AA6-07D08390DDA6}"/>
               </a:ext>
             </a:extLst>
           </p:cNvPr>
@@ -27131,16 +27876,14 @@
           <p:nvPr/>
         </p:nvSpPr>
         <p:spPr>
-          <a:xfrm rot="19626388">
-            <a:off x="7958620" y="3521676"/>
-            <a:ext cx="668552" cy="369332"/>
+          <a:xfrm rot="3366254">
+            <a:off x="3356512" y="3051366"/>
+            <a:ext cx="1759939" cy="307777"/>
           </a:xfrm>
           <a:prstGeom prst="rect">
             <a:avLst/>
           </a:prstGeom>
-          <a:solidFill>
-            <a:schemeClr val="bg1"/>
-          </a:solidFill>
+          <a:noFill/>
         </p:spPr>
         <p:txBody>
           <a:bodyPr wrap="square" rtlCol="0">
@@ -27149,18 +27892,159 @@
           <a:lstStyle/>
           <a:p>
             <a:r>
-              <a:rPr lang="en-US" dirty="0"/>
-              <a:t>Lag 2</a:t>
+              <a:rPr lang="en-US" sz="1400" dirty="0"/>
+              <a:t>Horizontal Minor</a:t>
             </a:r>
           </a:p>
         </p:txBody>
       </p:sp>
+      <mc:AlternateContent xmlns:mc="http://schemas.openxmlformats.org/markup-compatibility/2006">
+        <mc:Choice xmlns:a14="http://schemas.microsoft.com/office/drawing/2010/main" Requires="a14">
+          <p:sp>
+            <p:nvSpPr>
+              <p:cNvPr id="5" name="TextBox 4">
+                <a:extLst>
+                  <a:ext uri="{FF2B5EF4-FFF2-40B4-BE49-F238E27FC236}">
+                    <a16:creationId xmlns:a16="http://schemas.microsoft.com/office/drawing/2014/main" id="{2F4B2B12-5B47-43D0-8167-C6DF2B13655F}"/>
+                  </a:ext>
+                </a:extLst>
+              </p:cNvPr>
+              <p:cNvSpPr txBox="1"/>
+              <p:nvPr/>
+            </p:nvSpPr>
+            <p:spPr>
+              <a:xfrm>
+                <a:off x="4938108" y="3411378"/>
+                <a:ext cx="205081" cy="300412"/>
+              </a:xfrm>
+              <a:prstGeom prst="rect">
+                <a:avLst/>
+              </a:prstGeom>
+              <a:noFill/>
+            </p:spPr>
+            <p:txBody>
+              <a:bodyPr wrap="none" lIns="0" tIns="0" rIns="0" bIns="0" rtlCol="0">
+                <a:spAutoFit/>
+              </a:bodyPr>
+              <a:lstStyle/>
+              <a:p>
+                <a:pPr/>
+                <a14:m>
+                  <m:oMathPara xmlns:m="http://schemas.openxmlformats.org/officeDocument/2006/math">
+                    <m:oMathParaPr>
+                      <m:jc m:val="centerGroup"/>
+                    </m:oMathParaPr>
+                    <m:oMath xmlns:m="http://schemas.openxmlformats.org/officeDocument/2006/math">
+                      <m:r>
+                        <a:rPr lang="en-US" sz="2500" i="1" smtClean="0">
+                          <a:latin typeface="Cambria Math" panose="02040503050406030204" pitchFamily="18" charset="0"/>
+                          <a:ea typeface="Cambria Math" panose="02040503050406030204" pitchFamily="18" charset="0"/>
+                        </a:rPr>
+                        <m:t>𝜃</m:t>
+                      </m:r>
+                    </m:oMath>
+                  </m:oMathPara>
+                </a14:m>
+                <a:endParaRPr lang="en-US" sz="2500" dirty="0"/>
+              </a:p>
+            </p:txBody>
+          </p:sp>
+        </mc:Choice>
+        <mc:Fallback>
+          <p:sp>
+            <p:nvSpPr>
+              <p:cNvPr id="5" name="TextBox 4">
+                <a:extLst>
+                  <a:ext uri="{FF2B5EF4-FFF2-40B4-BE49-F238E27FC236}">
+                    <a16:creationId xmlns:a16="http://schemas.microsoft.com/office/drawing/2014/main" id="{2F4B2B12-5B47-43D0-8167-C6DF2B13655F}"/>
+                  </a:ext>
+                </a:extLst>
+              </p:cNvPr>
+              <p:cNvSpPr txBox="1">
+                <a:spLocks noRot="1" noChangeAspect="1" noMove="1" noResize="1" noEditPoints="1" noAdjustHandles="1" noChangeArrowheads="1" noChangeShapeType="1" noTextEdit="1"/>
+              </p:cNvSpPr>
+              <p:nvPr/>
+            </p:nvSpPr>
+            <p:spPr>
+              <a:xfrm>
+                <a:off x="4938108" y="3411378"/>
+                <a:ext cx="205081" cy="300412"/>
+              </a:xfrm>
+              <a:prstGeom prst="rect">
+                <a:avLst/>
+              </a:prstGeom>
+              <a:blipFill>
+                <a:blip r:embed="rId2"/>
+                <a:stretch>
+                  <a:fillRect l="-50000" r="-44118" b="-36735"/>
+                </a:stretch>
+              </a:blipFill>
+            </p:spPr>
+            <p:txBody>
+              <a:bodyPr/>
+              <a:lstStyle/>
+              <a:p>
+                <a:r>
+                  <a:rPr lang="en-US">
+                    <a:noFill/>
+                  </a:rPr>
+                  <a:t> </a:t>
+                </a:r>
+              </a:p>
+            </p:txBody>
+          </p:sp>
+        </mc:Fallback>
+      </mc:AlternateContent>
+      <p:cxnSp>
+        <p:nvCxnSpPr>
+          <p:cNvPr id="16" name="Straight Arrow Connector 15">
+            <a:extLst>
+              <a:ext uri="{FF2B5EF4-FFF2-40B4-BE49-F238E27FC236}">
+                <a16:creationId xmlns:a16="http://schemas.microsoft.com/office/drawing/2014/main" id="{3D49FA43-E94F-4CE8-B637-73DB21046ED8}"/>
+              </a:ext>
+            </a:extLst>
+          </p:cNvPr>
+          <p:cNvCxnSpPr>
+            <a:cxnSpLocks/>
+          </p:cNvCxnSpPr>
+          <p:nvPr/>
+        </p:nvCxnSpPr>
+        <p:spPr>
+          <a:xfrm flipH="1">
+            <a:off x="3653118" y="4327179"/>
+            <a:ext cx="1023275" cy="1558735"/>
+          </a:xfrm>
+          <a:prstGeom prst="straightConnector1">
+            <a:avLst/>
+          </a:prstGeom>
+          <a:ln w="44450">
+            <a:solidFill>
+              <a:schemeClr val="tx1"/>
+            </a:solidFill>
+            <a:tailEnd type="triangle"/>
+          </a:ln>
+        </p:spPr>
+        <p:style>
+          <a:lnRef idx="1">
+            <a:schemeClr val="accent1"/>
+          </a:lnRef>
+          <a:fillRef idx="0">
+            <a:schemeClr val="accent1"/>
+          </a:fillRef>
+          <a:effectRef idx="0">
+            <a:schemeClr val="accent1"/>
+          </a:effectRef>
+          <a:fontRef idx="minor">
+            <a:schemeClr val="tx1"/>
+          </a:fontRef>
+        </p:style>
+      </p:cxnSp>
       <p:sp>
         <p:nvSpPr>
-          <p:cNvPr id="90" name="TextBox 89">
+          <p:cNvPr id="21" name="TextBox 20">
             <a:extLst>
               <a:ext uri="{FF2B5EF4-FFF2-40B4-BE49-F238E27FC236}">
-                <a16:creationId xmlns:a16="http://schemas.microsoft.com/office/drawing/2014/main" id="{19CA89E8-9978-4850-BD04-404E457CDAB1}"/>
+                <a16:creationId xmlns:a16="http://schemas.microsoft.com/office/drawing/2014/main" id="{0D198AE6-CBD3-4F99-97F6-170D754BC22E}"/>
               </a:ext>
             </a:extLst>
           </p:cNvPr>
@@ -27168,16 +28052,14 @@
           <p:nvPr/>
         </p:nvSpPr>
         <p:spPr>
-          <a:xfrm rot="19626388">
-            <a:off x="9423287" y="2536960"/>
-            <a:ext cx="668552" cy="369332"/>
+          <a:xfrm rot="3366254">
+            <a:off x="3356511" y="3051367"/>
+            <a:ext cx="1759939" cy="307777"/>
           </a:xfrm>
           <a:prstGeom prst="rect">
             <a:avLst/>
           </a:prstGeom>
-          <a:solidFill>
-            <a:schemeClr val="bg1"/>
-          </a:solidFill>
+          <a:noFill/>
         </p:spPr>
         <p:txBody>
           <a:bodyPr wrap="square" rtlCol="0">
@@ -27186,8 +28068,125 @@
           <a:lstStyle/>
           <a:p>
             <a:r>
-              <a:rPr lang="en-US" dirty="0"/>
-              <a:t>Lag 3</a:t>
+              <a:rPr lang="en-US" sz="1400" dirty="0">
+                <a:solidFill>
+                  <a:srgbClr val="00B050"/>
+                </a:solidFill>
+              </a:rPr>
+              <a:t>Horizontal Minor</a:t>
+            </a:r>
+          </a:p>
+        </p:txBody>
+      </p:sp>
+      <p:sp>
+        <p:nvSpPr>
+          <p:cNvPr id="22" name="TextBox 21">
+            <a:extLst>
+              <a:ext uri="{FF2B5EF4-FFF2-40B4-BE49-F238E27FC236}">
+                <a16:creationId xmlns:a16="http://schemas.microsoft.com/office/drawing/2014/main" id="{31DCE6AF-7C19-4BF7-B59D-367F32CBE7F0}"/>
+              </a:ext>
+            </a:extLst>
+          </p:cNvPr>
+          <p:cNvSpPr txBox="1"/>
+          <p:nvPr/>
+        </p:nvSpPr>
+        <p:spPr>
+          <a:xfrm rot="19523963">
+            <a:off x="6922308" y="1896721"/>
+            <a:ext cx="1408964" cy="307777"/>
+          </a:xfrm>
+          <a:prstGeom prst="rect">
+            <a:avLst/>
+          </a:prstGeom>
+          <a:noFill/>
+        </p:spPr>
+        <p:txBody>
+          <a:bodyPr wrap="square" rtlCol="0">
+            <a:spAutoFit/>
+          </a:bodyPr>
+          <a:lstStyle/>
+          <a:p>
+            <a:r>
+              <a:rPr lang="en-US" sz="1400" dirty="0">
+                <a:solidFill>
+                  <a:srgbClr val="0070C0"/>
+                </a:solidFill>
+              </a:rPr>
+              <a:t>Horizontal Major</a:t>
+            </a:r>
+          </a:p>
+        </p:txBody>
+      </p:sp>
+      <p:sp>
+        <p:nvSpPr>
+          <p:cNvPr id="23" name="TextBox 22">
+            <a:extLst>
+              <a:ext uri="{FF2B5EF4-FFF2-40B4-BE49-F238E27FC236}">
+                <a16:creationId xmlns:a16="http://schemas.microsoft.com/office/drawing/2014/main" id="{3AF40026-44F6-4D1A-A0BC-6842B9ED3C93}"/>
+              </a:ext>
+            </a:extLst>
+          </p:cNvPr>
+          <p:cNvSpPr txBox="1"/>
+          <p:nvPr/>
+        </p:nvSpPr>
+        <p:spPr>
+          <a:xfrm rot="3366254">
+            <a:off x="3356510" y="3051368"/>
+            <a:ext cx="1759939" cy="307777"/>
+          </a:xfrm>
+          <a:prstGeom prst="rect">
+            <a:avLst/>
+          </a:prstGeom>
+          <a:noFill/>
+        </p:spPr>
+        <p:txBody>
+          <a:bodyPr wrap="square" rtlCol="0">
+            <a:spAutoFit/>
+          </a:bodyPr>
+          <a:lstStyle/>
+          <a:p>
+            <a:r>
+              <a:rPr lang="en-US" sz="1400" dirty="0">
+                <a:solidFill>
+                  <a:srgbClr val="0070C0"/>
+                </a:solidFill>
+              </a:rPr>
+              <a:t>Horizontal Minor</a:t>
+            </a:r>
+          </a:p>
+        </p:txBody>
+      </p:sp>
+      <p:sp>
+        <p:nvSpPr>
+          <p:cNvPr id="24" name="TextBox 23">
+            <a:extLst>
+              <a:ext uri="{FF2B5EF4-FFF2-40B4-BE49-F238E27FC236}">
+                <a16:creationId xmlns:a16="http://schemas.microsoft.com/office/drawing/2014/main" id="{5AACFAD7-84BE-4D0B-9DDB-16D374AE3B1A}"/>
+              </a:ext>
+            </a:extLst>
+          </p:cNvPr>
+          <p:cNvSpPr txBox="1"/>
+          <p:nvPr/>
+        </p:nvSpPr>
+        <p:spPr>
+          <a:xfrm rot="18220079">
+            <a:off x="3715336" y="5254875"/>
+            <a:ext cx="1261558" cy="307777"/>
+          </a:xfrm>
+          <a:prstGeom prst="rect">
+            <a:avLst/>
+          </a:prstGeom>
+          <a:noFill/>
+        </p:spPr>
+        <p:txBody>
+          <a:bodyPr wrap="square" rtlCol="0">
+            <a:spAutoFit/>
+          </a:bodyPr>
+          <a:lstStyle/>
+          <a:p>
+            <a:r>
+              <a:rPr lang="en-US" sz="1400" dirty="0"/>
+              <a:t>Y axis (North)</a:t>
             </a:r>
           </a:p>
         </p:txBody>
@@ -27195,7 +28194,7 @@
     </p:spTree>
     <p:extLst>
       <p:ext uri="{BB962C8B-B14F-4D97-AF65-F5344CB8AC3E}">
-        <p14:creationId xmlns:p14="http://schemas.microsoft.com/office/powerpoint/2010/main" val="2489597832"/>
+        <p14:creationId xmlns:p14="http://schemas.microsoft.com/office/powerpoint/2010/main" val="286754527"/>
       </p:ext>
     </p:extLst>
   </p:cSld>

--- a/content/downloads/notebooks/spatial.pptx
+++ b/content/downloads/notebooks/spatial.pptx
@@ -6,16 +6,18 @@
   </p:sldMasterIdLst>
   <p:sldIdLst>
     <p:sldId id="259" r:id="rId2"/>
-    <p:sldId id="260" r:id="rId3"/>
-    <p:sldId id="261" r:id="rId4"/>
-    <p:sldId id="256" r:id="rId5"/>
-    <p:sldId id="257" r:id="rId6"/>
-    <p:sldId id="258" r:id="rId7"/>
-    <p:sldId id="262" r:id="rId8"/>
-    <p:sldId id="263" r:id="rId9"/>
-    <p:sldId id="265" r:id="rId10"/>
-    <p:sldId id="264" r:id="rId11"/>
-    <p:sldId id="266" r:id="rId12"/>
+    <p:sldId id="267" r:id="rId3"/>
+    <p:sldId id="268" r:id="rId4"/>
+    <p:sldId id="260" r:id="rId5"/>
+    <p:sldId id="261" r:id="rId6"/>
+    <p:sldId id="256" r:id="rId7"/>
+    <p:sldId id="257" r:id="rId8"/>
+    <p:sldId id="258" r:id="rId9"/>
+    <p:sldId id="262" r:id="rId10"/>
+    <p:sldId id="263" r:id="rId11"/>
+    <p:sldId id="265" r:id="rId12"/>
+    <p:sldId id="264" r:id="rId13"/>
+    <p:sldId id="266" r:id="rId14"/>
   </p:sldIdLst>
   <p:sldSz cx="12192000" cy="6858000"/>
   <p:notesSz cx="6858000" cy="9144000"/>
@@ -269,7 +271,7 @@
           <a:p>
             <a:fld id="{ACE35D2E-2B05-4733-9312-EE9E9D5A91AC}" type="datetimeFigureOut">
               <a:rPr lang="en-US" smtClean="0"/>
-              <a:t>2/10/2019</a:t>
+              <a:t>4/16/2019</a:t>
             </a:fld>
             <a:endParaRPr lang="en-US"/>
           </a:p>
@@ -467,7 +469,7 @@
           <a:p>
             <a:fld id="{ACE35D2E-2B05-4733-9312-EE9E9D5A91AC}" type="datetimeFigureOut">
               <a:rPr lang="en-US" smtClean="0"/>
-              <a:t>2/10/2019</a:t>
+              <a:t>4/16/2019</a:t>
             </a:fld>
             <a:endParaRPr lang="en-US"/>
           </a:p>
@@ -675,7 +677,7 @@
           <a:p>
             <a:fld id="{ACE35D2E-2B05-4733-9312-EE9E9D5A91AC}" type="datetimeFigureOut">
               <a:rPr lang="en-US" smtClean="0"/>
-              <a:t>2/10/2019</a:t>
+              <a:t>4/16/2019</a:t>
             </a:fld>
             <a:endParaRPr lang="en-US"/>
           </a:p>
@@ -873,7 +875,7 @@
           <a:p>
             <a:fld id="{ACE35D2E-2B05-4733-9312-EE9E9D5A91AC}" type="datetimeFigureOut">
               <a:rPr lang="en-US" smtClean="0"/>
-              <a:t>2/10/2019</a:t>
+              <a:t>4/16/2019</a:t>
             </a:fld>
             <a:endParaRPr lang="en-US"/>
           </a:p>
@@ -1148,7 +1150,7 @@
           <a:p>
             <a:fld id="{ACE35D2E-2B05-4733-9312-EE9E9D5A91AC}" type="datetimeFigureOut">
               <a:rPr lang="en-US" smtClean="0"/>
-              <a:t>2/10/2019</a:t>
+              <a:t>4/16/2019</a:t>
             </a:fld>
             <a:endParaRPr lang="en-US"/>
           </a:p>
@@ -1413,7 +1415,7 @@
           <a:p>
             <a:fld id="{ACE35D2E-2B05-4733-9312-EE9E9D5A91AC}" type="datetimeFigureOut">
               <a:rPr lang="en-US" smtClean="0"/>
-              <a:t>2/10/2019</a:t>
+              <a:t>4/16/2019</a:t>
             </a:fld>
             <a:endParaRPr lang="en-US"/>
           </a:p>
@@ -1825,7 +1827,7 @@
           <a:p>
             <a:fld id="{ACE35D2E-2B05-4733-9312-EE9E9D5A91AC}" type="datetimeFigureOut">
               <a:rPr lang="en-US" smtClean="0"/>
-              <a:t>2/10/2019</a:t>
+              <a:t>4/16/2019</a:t>
             </a:fld>
             <a:endParaRPr lang="en-US"/>
           </a:p>
@@ -1966,7 +1968,7 @@
           <a:p>
             <a:fld id="{ACE35D2E-2B05-4733-9312-EE9E9D5A91AC}" type="datetimeFigureOut">
               <a:rPr lang="en-US" smtClean="0"/>
-              <a:t>2/10/2019</a:t>
+              <a:t>4/16/2019</a:t>
             </a:fld>
             <a:endParaRPr lang="en-US"/>
           </a:p>
@@ -2079,7 +2081,7 @@
           <a:p>
             <a:fld id="{ACE35D2E-2B05-4733-9312-EE9E9D5A91AC}" type="datetimeFigureOut">
               <a:rPr lang="en-US" smtClean="0"/>
-              <a:t>2/10/2019</a:t>
+              <a:t>4/16/2019</a:t>
             </a:fld>
             <a:endParaRPr lang="en-US"/>
           </a:p>
@@ -2390,7 +2392,7 @@
           <a:p>
             <a:fld id="{ACE35D2E-2B05-4733-9312-EE9E9D5A91AC}" type="datetimeFigureOut">
               <a:rPr lang="en-US" smtClean="0"/>
-              <a:t>2/10/2019</a:t>
+              <a:t>4/16/2019</a:t>
             </a:fld>
             <a:endParaRPr lang="en-US"/>
           </a:p>
@@ -2678,7 +2680,7 @@
           <a:p>
             <a:fld id="{ACE35D2E-2B05-4733-9312-EE9E9D5A91AC}" type="datetimeFigureOut">
               <a:rPr lang="en-US" smtClean="0"/>
-              <a:t>2/10/2019</a:t>
+              <a:t>4/16/2019</a:t>
             </a:fld>
             <a:endParaRPr lang="en-US"/>
           </a:p>
@@ -2919,7 +2921,7 @@
           <a:p>
             <a:fld id="{ACE35D2E-2B05-4733-9312-EE9E9D5A91AC}" type="datetimeFigureOut">
               <a:rPr lang="en-US" smtClean="0"/>
-              <a:t>2/10/2019</a:t>
+              <a:t>4/16/2019</a:t>
             </a:fld>
             <a:endParaRPr lang="en-US"/>
           </a:p>
@@ -7545,6 +7547,2167 @@
       </p:grpSpPr>
       <p:grpSp>
         <p:nvGrpSpPr>
+          <p:cNvPr id="16" name="Group 15">
+            <a:extLst>
+              <a:ext uri="{FF2B5EF4-FFF2-40B4-BE49-F238E27FC236}">
+                <a16:creationId xmlns:a16="http://schemas.microsoft.com/office/drawing/2014/main" id="{B6CDD42E-D918-4AB7-A57A-DDA3A46FAECD}"/>
+              </a:ext>
+            </a:extLst>
+          </p:cNvPr>
+          <p:cNvGrpSpPr/>
+          <p:nvPr/>
+        </p:nvGrpSpPr>
+        <p:grpSpPr>
+          <a:xfrm>
+            <a:off x="5641789" y="591670"/>
+            <a:ext cx="4912650" cy="4912650"/>
+            <a:chOff x="4703483" y="310768"/>
+            <a:chExt cx="6400800" cy="6400800"/>
+          </a:xfrm>
+        </p:grpSpPr>
+        <p:cxnSp>
+          <p:nvCxnSpPr>
+            <p:cNvPr id="6" name="Straight Arrow Connector 5">
+              <a:extLst>
+                <a:ext uri="{FF2B5EF4-FFF2-40B4-BE49-F238E27FC236}">
+                  <a16:creationId xmlns:a16="http://schemas.microsoft.com/office/drawing/2014/main" id="{7781D4D5-4F32-40A0-88CC-01F5F090FA84}"/>
+                </a:ext>
+              </a:extLst>
+            </p:cNvPr>
+            <p:cNvCxnSpPr>
+              <a:cxnSpLocks/>
+            </p:cNvCxnSpPr>
+            <p:nvPr/>
+          </p:nvCxnSpPr>
+          <p:spPr>
+            <a:xfrm>
+              <a:off x="4703483" y="6711568"/>
+              <a:ext cx="6400800" cy="0"/>
+            </a:xfrm>
+            <a:prstGeom prst="straightConnector1">
+              <a:avLst/>
+            </a:prstGeom>
+            <a:ln w="44450">
+              <a:solidFill>
+                <a:schemeClr val="tx1"/>
+              </a:solidFill>
+              <a:tailEnd type="triangle"/>
+            </a:ln>
+          </p:spPr>
+          <p:style>
+            <a:lnRef idx="1">
+              <a:schemeClr val="accent1"/>
+            </a:lnRef>
+            <a:fillRef idx="0">
+              <a:schemeClr val="accent1"/>
+            </a:fillRef>
+            <a:effectRef idx="0">
+              <a:schemeClr val="accent1"/>
+            </a:effectRef>
+            <a:fontRef idx="minor">
+              <a:schemeClr val="tx1"/>
+            </a:fontRef>
+          </p:style>
+        </p:cxnSp>
+        <p:cxnSp>
+          <p:nvCxnSpPr>
+            <p:cNvPr id="10" name="Straight Arrow Connector 9">
+              <a:extLst>
+                <a:ext uri="{FF2B5EF4-FFF2-40B4-BE49-F238E27FC236}">
+                  <a16:creationId xmlns:a16="http://schemas.microsoft.com/office/drawing/2014/main" id="{93158E70-B466-4EA7-8BE2-820D81A70C65}"/>
+                </a:ext>
+              </a:extLst>
+            </p:cNvPr>
+            <p:cNvCxnSpPr>
+              <a:cxnSpLocks/>
+            </p:cNvCxnSpPr>
+            <p:nvPr/>
+          </p:nvCxnSpPr>
+          <p:spPr>
+            <a:xfrm flipV="1">
+              <a:off x="4703483" y="310768"/>
+              <a:ext cx="0" cy="6400800"/>
+            </a:xfrm>
+            <a:prstGeom prst="straightConnector1">
+              <a:avLst/>
+            </a:prstGeom>
+            <a:ln w="44450">
+              <a:solidFill>
+                <a:schemeClr val="tx1"/>
+              </a:solidFill>
+              <a:tailEnd type="triangle"/>
+            </a:ln>
+          </p:spPr>
+          <p:style>
+            <a:lnRef idx="1">
+              <a:schemeClr val="accent1"/>
+            </a:lnRef>
+            <a:fillRef idx="0">
+              <a:schemeClr val="accent1"/>
+            </a:fillRef>
+            <a:effectRef idx="0">
+              <a:schemeClr val="accent1"/>
+            </a:effectRef>
+            <a:fontRef idx="minor">
+              <a:schemeClr val="tx1"/>
+            </a:fontRef>
+          </p:style>
+        </p:cxnSp>
+        <p:cxnSp>
+          <p:nvCxnSpPr>
+            <p:cNvPr id="14" name="Straight Arrow Connector 13">
+              <a:extLst>
+                <a:ext uri="{FF2B5EF4-FFF2-40B4-BE49-F238E27FC236}">
+                  <a16:creationId xmlns:a16="http://schemas.microsoft.com/office/drawing/2014/main" id="{F6C2F67A-776B-4564-B969-2B3B61C3C930}"/>
+                </a:ext>
+              </a:extLst>
+            </p:cNvPr>
+            <p:cNvCxnSpPr>
+              <a:cxnSpLocks/>
+            </p:cNvCxnSpPr>
+            <p:nvPr/>
+          </p:nvCxnSpPr>
+          <p:spPr>
+            <a:xfrm flipV="1">
+              <a:off x="4703483" y="2474259"/>
+              <a:ext cx="6227482" cy="4237309"/>
+            </a:xfrm>
+            <a:prstGeom prst="straightConnector1">
+              <a:avLst/>
+            </a:prstGeom>
+            <a:ln w="44450">
+              <a:solidFill>
+                <a:schemeClr val="tx1"/>
+              </a:solidFill>
+              <a:tailEnd type="triangle"/>
+            </a:ln>
+          </p:spPr>
+          <p:style>
+            <a:lnRef idx="1">
+              <a:schemeClr val="accent1"/>
+            </a:lnRef>
+            <a:fillRef idx="0">
+              <a:schemeClr val="accent1"/>
+            </a:fillRef>
+            <a:effectRef idx="0">
+              <a:schemeClr val="accent1"/>
+            </a:effectRef>
+            <a:fontRef idx="minor">
+              <a:schemeClr val="tx1"/>
+            </a:fontRef>
+          </p:style>
+        </p:cxnSp>
+      </p:grpSp>
+      <p:cxnSp>
+        <p:nvCxnSpPr>
+          <p:cNvPr id="18" name="Straight Connector 17">
+            <a:extLst>
+              <a:ext uri="{FF2B5EF4-FFF2-40B4-BE49-F238E27FC236}">
+                <a16:creationId xmlns:a16="http://schemas.microsoft.com/office/drawing/2014/main" id="{8EBB7FDE-5209-4C0A-AB4B-79C3FD2B8591}"/>
+              </a:ext>
+            </a:extLst>
+          </p:cNvPr>
+          <p:cNvCxnSpPr>
+            <a:cxnSpLocks/>
+          </p:cNvCxnSpPr>
+          <p:nvPr/>
+        </p:nvCxnSpPr>
+        <p:spPr>
+          <a:xfrm flipV="1">
+            <a:off x="7459626" y="1276643"/>
+            <a:ext cx="2332104" cy="1564714"/>
+          </a:xfrm>
+          <a:prstGeom prst="line">
+            <a:avLst/>
+          </a:prstGeom>
+          <a:ln w="22225">
+            <a:solidFill>
+              <a:schemeClr val="tx1"/>
+            </a:solidFill>
+          </a:ln>
+        </p:spPr>
+        <p:style>
+          <a:lnRef idx="1">
+            <a:schemeClr val="accent1"/>
+          </a:lnRef>
+          <a:fillRef idx="0">
+            <a:schemeClr val="accent1"/>
+          </a:fillRef>
+          <a:effectRef idx="0">
+            <a:schemeClr val="accent1"/>
+          </a:effectRef>
+          <a:fontRef idx="minor">
+            <a:schemeClr val="tx1"/>
+          </a:fontRef>
+        </p:style>
+      </p:cxnSp>
+      <p:cxnSp>
+        <p:nvCxnSpPr>
+          <p:cNvPr id="23" name="Straight Connector 22">
+            <a:extLst>
+              <a:ext uri="{FF2B5EF4-FFF2-40B4-BE49-F238E27FC236}">
+                <a16:creationId xmlns:a16="http://schemas.microsoft.com/office/drawing/2014/main" id="{0A7FC827-0502-4506-B555-38E81C03170E}"/>
+              </a:ext>
+            </a:extLst>
+          </p:cNvPr>
+          <p:cNvCxnSpPr>
+            <a:cxnSpLocks/>
+          </p:cNvCxnSpPr>
+          <p:nvPr/>
+        </p:nvCxnSpPr>
+        <p:spPr>
+          <a:xfrm flipV="1">
+            <a:off x="8749927" y="3298029"/>
+            <a:ext cx="2259036" cy="1507533"/>
+          </a:xfrm>
+          <a:prstGeom prst="line">
+            <a:avLst/>
+          </a:prstGeom>
+          <a:ln w="22225">
+            <a:solidFill>
+              <a:schemeClr val="tx1"/>
+            </a:solidFill>
+          </a:ln>
+        </p:spPr>
+        <p:style>
+          <a:lnRef idx="1">
+            <a:schemeClr val="accent1"/>
+          </a:lnRef>
+          <a:fillRef idx="0">
+            <a:schemeClr val="accent1"/>
+          </a:fillRef>
+          <a:effectRef idx="0">
+            <a:schemeClr val="accent1"/>
+          </a:effectRef>
+          <a:fontRef idx="minor">
+            <a:schemeClr val="tx1"/>
+          </a:fontRef>
+        </p:style>
+      </p:cxnSp>
+      <p:cxnSp>
+        <p:nvCxnSpPr>
+          <p:cNvPr id="24" name="Straight Connector 23">
+            <a:extLst>
+              <a:ext uri="{FF2B5EF4-FFF2-40B4-BE49-F238E27FC236}">
+                <a16:creationId xmlns:a16="http://schemas.microsoft.com/office/drawing/2014/main" id="{07A3104A-2FE4-45A3-BC7B-4A67D7726D07}"/>
+              </a:ext>
+            </a:extLst>
+          </p:cNvPr>
+          <p:cNvCxnSpPr>
+            <a:cxnSpLocks/>
+          </p:cNvCxnSpPr>
+          <p:nvPr/>
+        </p:nvCxnSpPr>
+        <p:spPr>
+          <a:xfrm flipV="1">
+            <a:off x="5652020" y="2841357"/>
+            <a:ext cx="1807606" cy="2614046"/>
+          </a:xfrm>
+          <a:prstGeom prst="line">
+            <a:avLst/>
+          </a:prstGeom>
+          <a:ln w="22225">
+            <a:solidFill>
+              <a:schemeClr val="tx1"/>
+            </a:solidFill>
+          </a:ln>
+        </p:spPr>
+        <p:style>
+          <a:lnRef idx="1">
+            <a:schemeClr val="accent1"/>
+          </a:lnRef>
+          <a:fillRef idx="0">
+            <a:schemeClr val="accent1"/>
+          </a:fillRef>
+          <a:effectRef idx="0">
+            <a:schemeClr val="accent1"/>
+          </a:effectRef>
+          <a:fontRef idx="minor">
+            <a:schemeClr val="tx1"/>
+          </a:fontRef>
+        </p:style>
+      </p:cxnSp>
+      <p:cxnSp>
+        <p:nvCxnSpPr>
+          <p:cNvPr id="29" name="Straight Connector 28">
+            <a:extLst>
+              <a:ext uri="{FF2B5EF4-FFF2-40B4-BE49-F238E27FC236}">
+                <a16:creationId xmlns:a16="http://schemas.microsoft.com/office/drawing/2014/main" id="{22C4F56E-2A99-4F46-AA69-AE2619DA0963}"/>
+              </a:ext>
+            </a:extLst>
+          </p:cNvPr>
+          <p:cNvCxnSpPr>
+            <a:cxnSpLocks/>
+          </p:cNvCxnSpPr>
+          <p:nvPr/>
+        </p:nvCxnSpPr>
+        <p:spPr>
+          <a:xfrm flipV="1">
+            <a:off x="5687878" y="4805562"/>
+            <a:ext cx="3062049" cy="698758"/>
+          </a:xfrm>
+          <a:prstGeom prst="line">
+            <a:avLst/>
+          </a:prstGeom>
+          <a:ln w="22225">
+            <a:solidFill>
+              <a:schemeClr val="tx1"/>
+            </a:solidFill>
+          </a:ln>
+        </p:spPr>
+        <p:style>
+          <a:lnRef idx="1">
+            <a:schemeClr val="accent1"/>
+          </a:lnRef>
+          <a:fillRef idx="0">
+            <a:schemeClr val="accent1"/>
+          </a:fillRef>
+          <a:effectRef idx="0">
+            <a:schemeClr val="accent1"/>
+          </a:effectRef>
+          <a:fontRef idx="minor">
+            <a:schemeClr val="tx1"/>
+          </a:fontRef>
+        </p:style>
+      </p:cxnSp>
+      <p:cxnSp>
+        <p:nvCxnSpPr>
+          <p:cNvPr id="49" name="Straight Connector 48">
+            <a:extLst>
+              <a:ext uri="{FF2B5EF4-FFF2-40B4-BE49-F238E27FC236}">
+                <a16:creationId xmlns:a16="http://schemas.microsoft.com/office/drawing/2014/main" id="{7CFB1E36-2720-4604-86FE-6280F5081B96}"/>
+              </a:ext>
+            </a:extLst>
+          </p:cNvPr>
+          <p:cNvCxnSpPr>
+            <a:cxnSpLocks/>
+          </p:cNvCxnSpPr>
+          <p:nvPr/>
+        </p:nvCxnSpPr>
+        <p:spPr>
+          <a:xfrm>
+            <a:off x="7646115" y="2721626"/>
+            <a:ext cx="1317449" cy="1935465"/>
+          </a:xfrm>
+          <a:prstGeom prst="line">
+            <a:avLst/>
+          </a:prstGeom>
+          <a:ln w="22225">
+            <a:solidFill>
+              <a:schemeClr val="tx1"/>
+            </a:solidFill>
+          </a:ln>
+        </p:spPr>
+        <p:style>
+          <a:lnRef idx="1">
+            <a:schemeClr val="accent1"/>
+          </a:lnRef>
+          <a:fillRef idx="0">
+            <a:schemeClr val="accent1"/>
+          </a:fillRef>
+          <a:effectRef idx="0">
+            <a:schemeClr val="accent1"/>
+          </a:effectRef>
+          <a:fontRef idx="minor">
+            <a:schemeClr val="tx1"/>
+          </a:fontRef>
+        </p:style>
+      </p:cxnSp>
+      <p:cxnSp>
+        <p:nvCxnSpPr>
+          <p:cNvPr id="51" name="Straight Connector 50">
+            <a:extLst>
+              <a:ext uri="{FF2B5EF4-FFF2-40B4-BE49-F238E27FC236}">
+                <a16:creationId xmlns:a16="http://schemas.microsoft.com/office/drawing/2014/main" id="{B44E9A4A-7AE8-4229-93B8-27D5F6BF7FEB}"/>
+              </a:ext>
+            </a:extLst>
+          </p:cNvPr>
+          <p:cNvCxnSpPr>
+            <a:cxnSpLocks/>
+          </p:cNvCxnSpPr>
+          <p:nvPr/>
+        </p:nvCxnSpPr>
+        <p:spPr>
+          <a:xfrm>
+            <a:off x="6583405" y="4117188"/>
+            <a:ext cx="695632" cy="1021953"/>
+          </a:xfrm>
+          <a:prstGeom prst="line">
+            <a:avLst/>
+          </a:prstGeom>
+          <a:ln w="22225">
+            <a:solidFill>
+              <a:schemeClr val="tx1"/>
+            </a:solidFill>
+          </a:ln>
+        </p:spPr>
+        <p:style>
+          <a:lnRef idx="1">
+            <a:schemeClr val="accent1"/>
+          </a:lnRef>
+          <a:fillRef idx="0">
+            <a:schemeClr val="accent1"/>
+          </a:fillRef>
+          <a:effectRef idx="0">
+            <a:schemeClr val="accent1"/>
+          </a:effectRef>
+          <a:fontRef idx="minor">
+            <a:schemeClr val="tx1"/>
+          </a:fontRef>
+        </p:style>
+      </p:cxnSp>
+      <p:cxnSp>
+        <p:nvCxnSpPr>
+          <p:cNvPr id="55" name="Straight Connector 54">
+            <a:extLst>
+              <a:ext uri="{FF2B5EF4-FFF2-40B4-BE49-F238E27FC236}">
+                <a16:creationId xmlns:a16="http://schemas.microsoft.com/office/drawing/2014/main" id="{32027644-0D4D-43A2-990A-ED23DE33A203}"/>
+              </a:ext>
+            </a:extLst>
+          </p:cNvPr>
+          <p:cNvCxnSpPr>
+            <a:cxnSpLocks/>
+          </p:cNvCxnSpPr>
+          <p:nvPr/>
+        </p:nvCxnSpPr>
+        <p:spPr>
+          <a:xfrm>
+            <a:off x="9078772" y="1766340"/>
+            <a:ext cx="1320537" cy="1940002"/>
+          </a:xfrm>
+          <a:prstGeom prst="line">
+            <a:avLst/>
+          </a:prstGeom>
+          <a:ln w="22225">
+            <a:solidFill>
+              <a:schemeClr val="tx1"/>
+            </a:solidFill>
+          </a:ln>
+        </p:spPr>
+        <p:style>
+          <a:lnRef idx="1">
+            <a:schemeClr val="accent1"/>
+          </a:lnRef>
+          <a:fillRef idx="0">
+            <a:schemeClr val="accent1"/>
+          </a:fillRef>
+          <a:effectRef idx="0">
+            <a:schemeClr val="accent1"/>
+          </a:effectRef>
+          <a:fontRef idx="minor">
+            <a:schemeClr val="tx1"/>
+          </a:fontRef>
+        </p:style>
+      </p:cxnSp>
+      <p:cxnSp>
+        <p:nvCxnSpPr>
+          <p:cNvPr id="63" name="Straight Connector 62">
+            <a:extLst>
+              <a:ext uri="{FF2B5EF4-FFF2-40B4-BE49-F238E27FC236}">
+                <a16:creationId xmlns:a16="http://schemas.microsoft.com/office/drawing/2014/main" id="{691D9EA0-384F-403D-9238-5C8D3436D120}"/>
+              </a:ext>
+            </a:extLst>
+          </p:cNvPr>
+          <p:cNvCxnSpPr>
+            <a:cxnSpLocks/>
+          </p:cNvCxnSpPr>
+          <p:nvPr/>
+        </p:nvCxnSpPr>
+        <p:spPr>
+          <a:xfrm>
+            <a:off x="7426868" y="2989827"/>
+            <a:ext cx="1235949" cy="1815734"/>
+          </a:xfrm>
+          <a:prstGeom prst="line">
+            <a:avLst/>
+          </a:prstGeom>
+          <a:ln w="22225">
+            <a:solidFill>
+              <a:schemeClr val="tx1"/>
+            </a:solidFill>
+            <a:prstDash val="dash"/>
+          </a:ln>
+        </p:spPr>
+        <p:style>
+          <a:lnRef idx="1">
+            <a:schemeClr val="accent1"/>
+          </a:lnRef>
+          <a:fillRef idx="0">
+            <a:schemeClr val="accent1"/>
+          </a:fillRef>
+          <a:effectRef idx="0">
+            <a:schemeClr val="accent1"/>
+          </a:effectRef>
+          <a:fontRef idx="minor">
+            <a:schemeClr val="tx1"/>
+          </a:fontRef>
+        </p:style>
+      </p:cxnSp>
+      <p:cxnSp>
+        <p:nvCxnSpPr>
+          <p:cNvPr id="67" name="Straight Connector 66">
+            <a:extLst>
+              <a:ext uri="{FF2B5EF4-FFF2-40B4-BE49-F238E27FC236}">
+                <a16:creationId xmlns:a16="http://schemas.microsoft.com/office/drawing/2014/main" id="{C894726A-6228-49BB-92E5-6ACD735C0E48}"/>
+              </a:ext>
+            </a:extLst>
+          </p:cNvPr>
+          <p:cNvCxnSpPr>
+            <a:cxnSpLocks/>
+          </p:cNvCxnSpPr>
+          <p:nvPr/>
+        </p:nvCxnSpPr>
+        <p:spPr>
+          <a:xfrm>
+            <a:off x="7903800" y="2568007"/>
+            <a:ext cx="1276182" cy="1874840"/>
+          </a:xfrm>
+          <a:prstGeom prst="line">
+            <a:avLst/>
+          </a:prstGeom>
+          <a:ln w="22225">
+            <a:solidFill>
+              <a:schemeClr val="tx1"/>
+            </a:solidFill>
+            <a:prstDash val="dash"/>
+          </a:ln>
+        </p:spPr>
+        <p:style>
+          <a:lnRef idx="1">
+            <a:schemeClr val="accent1"/>
+          </a:lnRef>
+          <a:fillRef idx="0">
+            <a:schemeClr val="accent1"/>
+          </a:fillRef>
+          <a:effectRef idx="0">
+            <a:schemeClr val="accent1"/>
+          </a:effectRef>
+          <a:fontRef idx="minor">
+            <a:schemeClr val="tx1"/>
+          </a:fontRef>
+        </p:style>
+      </p:cxnSp>
+      <p:cxnSp>
+        <p:nvCxnSpPr>
+          <p:cNvPr id="72" name="Straight Connector 71">
+            <a:extLst>
+              <a:ext uri="{FF2B5EF4-FFF2-40B4-BE49-F238E27FC236}">
+                <a16:creationId xmlns:a16="http://schemas.microsoft.com/office/drawing/2014/main" id="{63B5545F-B481-48D3-98D9-5AE412222360}"/>
+              </a:ext>
+            </a:extLst>
+          </p:cNvPr>
+          <p:cNvCxnSpPr>
+            <a:cxnSpLocks/>
+          </p:cNvCxnSpPr>
+          <p:nvPr/>
+        </p:nvCxnSpPr>
+        <p:spPr>
+          <a:xfrm>
+            <a:off x="8862354" y="1973900"/>
+            <a:ext cx="1276182" cy="1874840"/>
+          </a:xfrm>
+          <a:prstGeom prst="line">
+            <a:avLst/>
+          </a:prstGeom>
+          <a:ln w="22225">
+            <a:solidFill>
+              <a:schemeClr val="tx1"/>
+            </a:solidFill>
+            <a:prstDash val="dash"/>
+          </a:ln>
+        </p:spPr>
+        <p:style>
+          <a:lnRef idx="1">
+            <a:schemeClr val="accent1"/>
+          </a:lnRef>
+          <a:fillRef idx="0">
+            <a:schemeClr val="accent1"/>
+          </a:fillRef>
+          <a:effectRef idx="0">
+            <a:schemeClr val="accent1"/>
+          </a:effectRef>
+          <a:fontRef idx="minor">
+            <a:schemeClr val="tx1"/>
+          </a:fontRef>
+        </p:style>
+      </p:cxnSp>
+      <p:cxnSp>
+        <p:nvCxnSpPr>
+          <p:cNvPr id="73" name="Straight Connector 72">
+            <a:extLst>
+              <a:ext uri="{FF2B5EF4-FFF2-40B4-BE49-F238E27FC236}">
+                <a16:creationId xmlns:a16="http://schemas.microsoft.com/office/drawing/2014/main" id="{AA10EB7A-7598-491A-840C-64915EB6C96E}"/>
+              </a:ext>
+            </a:extLst>
+          </p:cNvPr>
+          <p:cNvCxnSpPr>
+            <a:cxnSpLocks/>
+          </p:cNvCxnSpPr>
+          <p:nvPr/>
+        </p:nvCxnSpPr>
+        <p:spPr>
+          <a:xfrm>
+            <a:off x="9344817" y="1638896"/>
+            <a:ext cx="1276182" cy="1874840"/>
+          </a:xfrm>
+          <a:prstGeom prst="line">
+            <a:avLst/>
+          </a:prstGeom>
+          <a:ln w="22225">
+            <a:solidFill>
+              <a:schemeClr val="tx1"/>
+            </a:solidFill>
+            <a:prstDash val="dash"/>
+          </a:ln>
+        </p:spPr>
+        <p:style>
+          <a:lnRef idx="1">
+            <a:schemeClr val="accent1"/>
+          </a:lnRef>
+          <a:fillRef idx="0">
+            <a:schemeClr val="accent1"/>
+          </a:fillRef>
+          <a:effectRef idx="0">
+            <a:schemeClr val="accent1"/>
+          </a:effectRef>
+          <a:fontRef idx="minor">
+            <a:schemeClr val="tx1"/>
+          </a:fontRef>
+        </p:style>
+      </p:cxnSp>
+      <p:cxnSp>
+        <p:nvCxnSpPr>
+          <p:cNvPr id="74" name="Straight Connector 73">
+            <a:extLst>
+              <a:ext uri="{FF2B5EF4-FFF2-40B4-BE49-F238E27FC236}">
+                <a16:creationId xmlns:a16="http://schemas.microsoft.com/office/drawing/2014/main" id="{8E3B6C64-8C52-41A1-8E6E-B265AF16F9C1}"/>
+              </a:ext>
+            </a:extLst>
+          </p:cNvPr>
+          <p:cNvCxnSpPr>
+            <a:cxnSpLocks/>
+          </p:cNvCxnSpPr>
+          <p:nvPr/>
+        </p:nvCxnSpPr>
+        <p:spPr>
+          <a:xfrm>
+            <a:off x="6784708" y="3848740"/>
+            <a:ext cx="807603" cy="1186450"/>
+          </a:xfrm>
+          <a:prstGeom prst="line">
+            <a:avLst/>
+          </a:prstGeom>
+          <a:ln w="22225">
+            <a:solidFill>
+              <a:schemeClr val="tx1"/>
+            </a:solidFill>
+            <a:prstDash val="dash"/>
+          </a:ln>
+        </p:spPr>
+        <p:style>
+          <a:lnRef idx="1">
+            <a:schemeClr val="accent1"/>
+          </a:lnRef>
+          <a:fillRef idx="0">
+            <a:schemeClr val="accent1"/>
+          </a:fillRef>
+          <a:effectRef idx="0">
+            <a:schemeClr val="accent1"/>
+          </a:effectRef>
+          <a:fontRef idx="minor">
+            <a:schemeClr val="tx1"/>
+          </a:fontRef>
+        </p:style>
+      </p:cxnSp>
+      <p:cxnSp>
+        <p:nvCxnSpPr>
+          <p:cNvPr id="80" name="Straight Connector 79">
+            <a:extLst>
+              <a:ext uri="{FF2B5EF4-FFF2-40B4-BE49-F238E27FC236}">
+                <a16:creationId xmlns:a16="http://schemas.microsoft.com/office/drawing/2014/main" id="{C0B67191-893D-4BFD-8969-0882A00DC5FD}"/>
+              </a:ext>
+            </a:extLst>
+          </p:cNvPr>
+          <p:cNvCxnSpPr>
+            <a:cxnSpLocks/>
+          </p:cNvCxnSpPr>
+          <p:nvPr/>
+        </p:nvCxnSpPr>
+        <p:spPr>
+          <a:xfrm>
+            <a:off x="6404681" y="4392866"/>
+            <a:ext cx="525141" cy="771485"/>
+          </a:xfrm>
+          <a:prstGeom prst="line">
+            <a:avLst/>
+          </a:prstGeom>
+          <a:ln w="22225">
+            <a:solidFill>
+              <a:schemeClr val="tx1"/>
+            </a:solidFill>
+            <a:prstDash val="dash"/>
+          </a:ln>
+        </p:spPr>
+        <p:style>
+          <a:lnRef idx="1">
+            <a:schemeClr val="accent1"/>
+          </a:lnRef>
+          <a:fillRef idx="0">
+            <a:schemeClr val="accent1"/>
+          </a:fillRef>
+          <a:effectRef idx="0">
+            <a:schemeClr val="accent1"/>
+          </a:effectRef>
+          <a:fontRef idx="minor">
+            <a:schemeClr val="tx1"/>
+          </a:fontRef>
+        </p:style>
+      </p:cxnSp>
+      <p:cxnSp>
+        <p:nvCxnSpPr>
+          <p:cNvPr id="84" name="Straight Arrow Connector 83">
+            <a:extLst>
+              <a:ext uri="{FF2B5EF4-FFF2-40B4-BE49-F238E27FC236}">
+                <a16:creationId xmlns:a16="http://schemas.microsoft.com/office/drawing/2014/main" id="{E900FE44-453A-4D69-A8A3-46506E6FAB0B}"/>
+              </a:ext>
+            </a:extLst>
+          </p:cNvPr>
+          <p:cNvCxnSpPr>
+            <a:cxnSpLocks/>
+          </p:cNvCxnSpPr>
+          <p:nvPr/>
+        </p:nvCxnSpPr>
+        <p:spPr>
+          <a:xfrm flipV="1">
+            <a:off x="7260043" y="2412339"/>
+            <a:ext cx="555439" cy="369198"/>
+          </a:xfrm>
+          <a:prstGeom prst="straightConnector1">
+            <a:avLst/>
+          </a:prstGeom>
+          <a:ln w="38100">
+            <a:solidFill>
+              <a:schemeClr val="tx1"/>
+            </a:solidFill>
+            <a:headEnd type="triangle"/>
+            <a:tailEnd type="triangle"/>
+          </a:ln>
+        </p:spPr>
+        <p:style>
+          <a:lnRef idx="1">
+            <a:schemeClr val="accent1"/>
+          </a:lnRef>
+          <a:fillRef idx="0">
+            <a:schemeClr val="accent1"/>
+          </a:fillRef>
+          <a:effectRef idx="0">
+            <a:schemeClr val="accent1"/>
+          </a:effectRef>
+          <a:fontRef idx="minor">
+            <a:schemeClr val="tx1"/>
+          </a:fontRef>
+        </p:style>
+      </p:cxnSp>
+      <p:sp>
+        <p:nvSpPr>
+          <p:cNvPr id="87" name="TextBox 86">
+            <a:extLst>
+              <a:ext uri="{FF2B5EF4-FFF2-40B4-BE49-F238E27FC236}">
+                <a16:creationId xmlns:a16="http://schemas.microsoft.com/office/drawing/2014/main" id="{0980FF28-F299-42DF-8B63-F8B79544F080}"/>
+              </a:ext>
+            </a:extLst>
+          </p:cNvPr>
+          <p:cNvSpPr txBox="1"/>
+          <p:nvPr/>
+        </p:nvSpPr>
+        <p:spPr>
+          <a:xfrm rot="19626388">
+            <a:off x="6614272" y="2163726"/>
+            <a:ext cx="1572479" cy="369332"/>
+          </a:xfrm>
+          <a:prstGeom prst="rect">
+            <a:avLst/>
+          </a:prstGeom>
+          <a:noFill/>
+        </p:spPr>
+        <p:txBody>
+          <a:bodyPr wrap="square" rtlCol="0">
+            <a:spAutoFit/>
+          </a:bodyPr>
+          <a:lstStyle/>
+          <a:p>
+            <a:r>
+              <a:rPr lang="en-US" dirty="0"/>
+              <a:t>Lag Tolerance</a:t>
+            </a:r>
+          </a:p>
+        </p:txBody>
+      </p:sp>
+      <p:sp>
+        <p:nvSpPr>
+          <p:cNvPr id="88" name="TextBox 87">
+            <a:extLst>
+              <a:ext uri="{FF2B5EF4-FFF2-40B4-BE49-F238E27FC236}">
+                <a16:creationId xmlns:a16="http://schemas.microsoft.com/office/drawing/2014/main" id="{E955AB59-44A6-4BB6-B25C-2AD2B39665EF}"/>
+              </a:ext>
+            </a:extLst>
+          </p:cNvPr>
+          <p:cNvSpPr txBox="1"/>
+          <p:nvPr/>
+        </p:nvSpPr>
+        <p:spPr>
+          <a:xfrm rot="19626388">
+            <a:off x="9423287" y="2536960"/>
+            <a:ext cx="668552" cy="369332"/>
+          </a:xfrm>
+          <a:prstGeom prst="rect">
+            <a:avLst/>
+          </a:prstGeom>
+          <a:solidFill>
+            <a:schemeClr val="bg1"/>
+          </a:solidFill>
+        </p:spPr>
+        <p:txBody>
+          <a:bodyPr wrap="square" rtlCol="0">
+            <a:spAutoFit/>
+          </a:bodyPr>
+          <a:lstStyle/>
+          <a:p>
+            <a:r>
+              <a:rPr lang="en-US" dirty="0"/>
+              <a:t>Lag 3</a:t>
+            </a:r>
+          </a:p>
+        </p:txBody>
+      </p:sp>
+      <p:sp>
+        <p:nvSpPr>
+          <p:cNvPr id="90" name="TextBox 89">
+            <a:extLst>
+              <a:ext uri="{FF2B5EF4-FFF2-40B4-BE49-F238E27FC236}">
+                <a16:creationId xmlns:a16="http://schemas.microsoft.com/office/drawing/2014/main" id="{9E0A7361-95A7-4929-95C5-186768C31ED0}"/>
+              </a:ext>
+            </a:extLst>
+          </p:cNvPr>
+          <p:cNvSpPr txBox="1"/>
+          <p:nvPr/>
+        </p:nvSpPr>
+        <p:spPr>
+          <a:xfrm rot="19626388">
+            <a:off x="7958620" y="3521676"/>
+            <a:ext cx="668552" cy="369332"/>
+          </a:xfrm>
+          <a:prstGeom prst="rect">
+            <a:avLst/>
+          </a:prstGeom>
+          <a:solidFill>
+            <a:schemeClr val="bg1"/>
+          </a:solidFill>
+        </p:spPr>
+        <p:txBody>
+          <a:bodyPr wrap="square" rtlCol="0">
+            <a:spAutoFit/>
+          </a:bodyPr>
+          <a:lstStyle/>
+          <a:p>
+            <a:r>
+              <a:rPr lang="en-US" dirty="0"/>
+              <a:t>Lag 2</a:t>
+            </a:r>
+          </a:p>
+        </p:txBody>
+      </p:sp>
+      <p:sp>
+        <p:nvSpPr>
+          <p:cNvPr id="91" name="TextBox 90">
+            <a:extLst>
+              <a:ext uri="{FF2B5EF4-FFF2-40B4-BE49-F238E27FC236}">
+                <a16:creationId xmlns:a16="http://schemas.microsoft.com/office/drawing/2014/main" id="{8E15D34F-9A0B-4C71-9424-1BD20CF5E265}"/>
+              </a:ext>
+            </a:extLst>
+          </p:cNvPr>
+          <p:cNvSpPr txBox="1"/>
+          <p:nvPr/>
+        </p:nvSpPr>
+        <p:spPr>
+          <a:xfrm rot="19626388">
+            <a:off x="6605776" y="4448708"/>
+            <a:ext cx="668552" cy="369332"/>
+          </a:xfrm>
+          <a:prstGeom prst="rect">
+            <a:avLst/>
+          </a:prstGeom>
+          <a:solidFill>
+            <a:schemeClr val="bg1"/>
+          </a:solidFill>
+        </p:spPr>
+        <p:txBody>
+          <a:bodyPr wrap="square" rtlCol="0">
+            <a:spAutoFit/>
+          </a:bodyPr>
+          <a:lstStyle/>
+          <a:p>
+            <a:r>
+              <a:rPr lang="en-US" dirty="0"/>
+              <a:t>Lag 1</a:t>
+            </a:r>
+          </a:p>
+        </p:txBody>
+      </p:sp>
+      <p:cxnSp>
+        <p:nvCxnSpPr>
+          <p:cNvPr id="92" name="Straight Arrow Connector 91">
+            <a:extLst>
+              <a:ext uri="{FF2B5EF4-FFF2-40B4-BE49-F238E27FC236}">
+                <a16:creationId xmlns:a16="http://schemas.microsoft.com/office/drawing/2014/main" id="{C77177F3-6DE7-41C4-B30D-2400298DFE72}"/>
+              </a:ext>
+            </a:extLst>
+          </p:cNvPr>
+          <p:cNvCxnSpPr>
+            <a:cxnSpLocks/>
+          </p:cNvCxnSpPr>
+          <p:nvPr/>
+        </p:nvCxnSpPr>
+        <p:spPr>
+          <a:xfrm>
+            <a:off x="8402184" y="2215227"/>
+            <a:ext cx="1277119" cy="1901961"/>
+          </a:xfrm>
+          <a:prstGeom prst="straightConnector1">
+            <a:avLst/>
+          </a:prstGeom>
+          <a:ln w="38100">
+            <a:solidFill>
+              <a:schemeClr val="tx1"/>
+            </a:solidFill>
+            <a:headEnd type="triangle"/>
+            <a:tailEnd type="triangle"/>
+          </a:ln>
+        </p:spPr>
+        <p:style>
+          <a:lnRef idx="1">
+            <a:schemeClr val="accent1"/>
+          </a:lnRef>
+          <a:fillRef idx="0">
+            <a:schemeClr val="accent1"/>
+          </a:fillRef>
+          <a:effectRef idx="0">
+            <a:schemeClr val="accent1"/>
+          </a:effectRef>
+          <a:fontRef idx="minor">
+            <a:schemeClr val="tx1"/>
+          </a:fontRef>
+        </p:style>
+      </p:cxnSp>
+      <p:sp>
+        <p:nvSpPr>
+          <p:cNvPr id="96" name="TextBox 95">
+            <a:extLst>
+              <a:ext uri="{FF2B5EF4-FFF2-40B4-BE49-F238E27FC236}">
+                <a16:creationId xmlns:a16="http://schemas.microsoft.com/office/drawing/2014/main" id="{1D585640-9AF7-4117-AD03-58E5A27C59FD}"/>
+              </a:ext>
+            </a:extLst>
+          </p:cNvPr>
+          <p:cNvSpPr txBox="1"/>
+          <p:nvPr/>
+        </p:nvSpPr>
+        <p:spPr>
+          <a:xfrm rot="3366229">
+            <a:off x="9426129" y="3969457"/>
+            <a:ext cx="1216992" cy="369332"/>
+          </a:xfrm>
+          <a:prstGeom prst="rect">
+            <a:avLst/>
+          </a:prstGeom>
+          <a:solidFill>
+            <a:schemeClr val="bg1"/>
+          </a:solidFill>
+        </p:spPr>
+        <p:txBody>
+          <a:bodyPr wrap="square" rtlCol="0">
+            <a:spAutoFit/>
+          </a:bodyPr>
+          <a:lstStyle/>
+          <a:p>
+            <a:r>
+              <a:rPr lang="en-US" dirty="0"/>
+              <a:t>Bandwidth</a:t>
+            </a:r>
+          </a:p>
+        </p:txBody>
+      </p:sp>
+      <p:sp>
+        <p:nvSpPr>
+          <p:cNvPr id="99" name="TextBox 98">
+            <a:extLst>
+              <a:ext uri="{FF2B5EF4-FFF2-40B4-BE49-F238E27FC236}">
+                <a16:creationId xmlns:a16="http://schemas.microsoft.com/office/drawing/2014/main" id="{EF9FD691-D356-48E2-BED3-E561A9565CD7}"/>
+              </a:ext>
+            </a:extLst>
+          </p:cNvPr>
+          <p:cNvSpPr txBox="1"/>
+          <p:nvPr/>
+        </p:nvSpPr>
+        <p:spPr>
+          <a:xfrm>
+            <a:off x="5664557" y="3304689"/>
+            <a:ext cx="983745" cy="369332"/>
+          </a:xfrm>
+          <a:prstGeom prst="rect">
+            <a:avLst/>
+          </a:prstGeom>
+          <a:noFill/>
+        </p:spPr>
+        <p:txBody>
+          <a:bodyPr wrap="square" rtlCol="0">
+            <a:spAutoFit/>
+          </a:bodyPr>
+          <a:lstStyle/>
+          <a:p>
+            <a:r>
+              <a:rPr lang="en-US" dirty="0"/>
+              <a:t>Azimuth</a:t>
+            </a:r>
+          </a:p>
+        </p:txBody>
+      </p:sp>
+      <p:sp>
+        <p:nvSpPr>
+          <p:cNvPr id="103" name="Arc 102">
+            <a:extLst>
+              <a:ext uri="{FF2B5EF4-FFF2-40B4-BE49-F238E27FC236}">
+                <a16:creationId xmlns:a16="http://schemas.microsoft.com/office/drawing/2014/main" id="{0A8DA04F-39F1-4425-A83C-A692538B4B5C}"/>
+              </a:ext>
+            </a:extLst>
+          </p:cNvPr>
+          <p:cNvSpPr/>
+          <p:nvPr/>
+        </p:nvSpPr>
+        <p:spPr>
+          <a:xfrm rot="1932591">
+            <a:off x="4515569" y="3084021"/>
+            <a:ext cx="3615334" cy="3615334"/>
+          </a:xfrm>
+          <a:prstGeom prst="arc">
+            <a:avLst>
+              <a:gd name="adj1" fmla="val 17926831"/>
+              <a:gd name="adj2" fmla="val 19733936"/>
+            </a:avLst>
+          </a:prstGeom>
+          <a:ln w="38100">
+            <a:solidFill>
+              <a:schemeClr val="tx1"/>
+            </a:solidFill>
+            <a:headEnd type="triangle"/>
+            <a:tailEnd type="triangle"/>
+          </a:ln>
+        </p:spPr>
+        <p:style>
+          <a:lnRef idx="1">
+            <a:schemeClr val="accent1"/>
+          </a:lnRef>
+          <a:fillRef idx="0">
+            <a:schemeClr val="accent1"/>
+          </a:fillRef>
+          <a:effectRef idx="0">
+            <a:schemeClr val="accent1"/>
+          </a:effectRef>
+          <a:fontRef idx="minor">
+            <a:schemeClr val="tx1"/>
+          </a:fontRef>
+        </p:style>
+        <p:txBody>
+          <a:bodyPr rtlCol="0" anchor="ctr"/>
+          <a:lstStyle/>
+          <a:p>
+            <a:pPr algn="ctr"/>
+            <a:endParaRPr lang="en-US" dirty="0"/>
+          </a:p>
+        </p:txBody>
+      </p:sp>
+      <p:sp>
+        <p:nvSpPr>
+          <p:cNvPr id="107" name="TextBox 106">
+            <a:extLst>
+              <a:ext uri="{FF2B5EF4-FFF2-40B4-BE49-F238E27FC236}">
+                <a16:creationId xmlns:a16="http://schemas.microsoft.com/office/drawing/2014/main" id="{C659149F-A82E-41DD-8574-775F87BC736B}"/>
+              </a:ext>
+            </a:extLst>
+          </p:cNvPr>
+          <p:cNvSpPr txBox="1"/>
+          <p:nvPr/>
+        </p:nvSpPr>
+        <p:spPr>
+          <a:xfrm>
+            <a:off x="8304839" y="4559603"/>
+            <a:ext cx="1088113" cy="646331"/>
+          </a:xfrm>
+          <a:prstGeom prst="rect">
+            <a:avLst/>
+          </a:prstGeom>
+          <a:solidFill>
+            <a:schemeClr val="bg1"/>
+          </a:solidFill>
+        </p:spPr>
+        <p:txBody>
+          <a:bodyPr wrap="square" rtlCol="0">
+            <a:spAutoFit/>
+          </a:bodyPr>
+          <a:lstStyle/>
+          <a:p>
+            <a:r>
+              <a:rPr lang="en-US" dirty="0"/>
+              <a:t>Azimuth Tolerance</a:t>
+            </a:r>
+          </a:p>
+        </p:txBody>
+      </p:sp>
+      <p:sp>
+        <p:nvSpPr>
+          <p:cNvPr id="109" name="TextBox 108">
+            <a:extLst>
+              <a:ext uri="{FF2B5EF4-FFF2-40B4-BE49-F238E27FC236}">
+                <a16:creationId xmlns:a16="http://schemas.microsoft.com/office/drawing/2014/main" id="{3846C1ED-F83D-47EF-B7FD-7694847B5FE4}"/>
+              </a:ext>
+            </a:extLst>
+          </p:cNvPr>
+          <p:cNvSpPr txBox="1"/>
+          <p:nvPr/>
+        </p:nvSpPr>
+        <p:spPr>
+          <a:xfrm>
+            <a:off x="9676781" y="5666763"/>
+            <a:ext cx="1489269" cy="369332"/>
+          </a:xfrm>
+          <a:prstGeom prst="rect">
+            <a:avLst/>
+          </a:prstGeom>
+          <a:noFill/>
+        </p:spPr>
+        <p:txBody>
+          <a:bodyPr wrap="square" rtlCol="0">
+            <a:spAutoFit/>
+          </a:bodyPr>
+          <a:lstStyle/>
+          <a:p>
+            <a:r>
+              <a:rPr lang="en-US" dirty="0"/>
+              <a:t>X axis (East)</a:t>
+            </a:r>
+          </a:p>
+        </p:txBody>
+      </p:sp>
+      <p:sp>
+        <p:nvSpPr>
+          <p:cNvPr id="110" name="TextBox 109">
+            <a:extLst>
+              <a:ext uri="{FF2B5EF4-FFF2-40B4-BE49-F238E27FC236}">
+                <a16:creationId xmlns:a16="http://schemas.microsoft.com/office/drawing/2014/main" id="{F450314A-41BC-44D6-AC35-6DBA9F648554}"/>
+              </a:ext>
+            </a:extLst>
+          </p:cNvPr>
+          <p:cNvSpPr txBox="1"/>
+          <p:nvPr/>
+        </p:nvSpPr>
+        <p:spPr>
+          <a:xfrm rot="16200000">
+            <a:off x="4398035" y="916390"/>
+            <a:ext cx="1489269" cy="369332"/>
+          </a:xfrm>
+          <a:prstGeom prst="rect">
+            <a:avLst/>
+          </a:prstGeom>
+          <a:noFill/>
+        </p:spPr>
+        <p:txBody>
+          <a:bodyPr wrap="square" rtlCol="0">
+            <a:spAutoFit/>
+          </a:bodyPr>
+          <a:lstStyle/>
+          <a:p>
+            <a:r>
+              <a:rPr lang="en-US" dirty="0"/>
+              <a:t>Y axis (North)</a:t>
+            </a:r>
+          </a:p>
+        </p:txBody>
+      </p:sp>
+      <p:sp>
+        <p:nvSpPr>
+          <p:cNvPr id="111" name="Arc 110">
+            <a:extLst>
+              <a:ext uri="{FF2B5EF4-FFF2-40B4-BE49-F238E27FC236}">
+                <a16:creationId xmlns:a16="http://schemas.microsoft.com/office/drawing/2014/main" id="{88C35A20-DB1F-4ED6-8784-104BF772BB66}"/>
+              </a:ext>
+            </a:extLst>
+          </p:cNvPr>
+          <p:cNvSpPr/>
+          <p:nvPr/>
+        </p:nvSpPr>
+        <p:spPr>
+          <a:xfrm>
+            <a:off x="3807473" y="3737982"/>
+            <a:ext cx="3615334" cy="3615334"/>
+          </a:xfrm>
+          <a:prstGeom prst="arc">
+            <a:avLst>
+              <a:gd name="adj1" fmla="val 16435558"/>
+              <a:gd name="adj2" fmla="val 19251323"/>
+            </a:avLst>
+          </a:prstGeom>
+          <a:ln w="38100">
+            <a:solidFill>
+              <a:schemeClr val="tx1"/>
+            </a:solidFill>
+            <a:headEnd type="triangle"/>
+            <a:tailEnd type="triangle"/>
+          </a:ln>
+        </p:spPr>
+        <p:style>
+          <a:lnRef idx="1">
+            <a:schemeClr val="accent1"/>
+          </a:lnRef>
+          <a:fillRef idx="0">
+            <a:schemeClr val="accent1"/>
+          </a:fillRef>
+          <a:effectRef idx="0">
+            <a:schemeClr val="accent1"/>
+          </a:effectRef>
+          <a:fontRef idx="minor">
+            <a:schemeClr val="tx1"/>
+          </a:fontRef>
+        </p:style>
+        <p:txBody>
+          <a:bodyPr rtlCol="0" anchor="ctr"/>
+          <a:lstStyle/>
+          <a:p>
+            <a:pPr algn="ctr"/>
+            <a:endParaRPr lang="en-US" dirty="0"/>
+          </a:p>
+        </p:txBody>
+      </p:sp>
+      <p:sp>
+        <p:nvSpPr>
+          <p:cNvPr id="114" name="Rectangle 113">
+            <a:extLst>
+              <a:ext uri="{FF2B5EF4-FFF2-40B4-BE49-F238E27FC236}">
+                <a16:creationId xmlns:a16="http://schemas.microsoft.com/office/drawing/2014/main" id="{203F90CD-48FD-44D5-A341-84A71F3FDB92}"/>
+              </a:ext>
+            </a:extLst>
+          </p:cNvPr>
+          <p:cNvSpPr/>
+          <p:nvPr/>
+        </p:nvSpPr>
+        <p:spPr>
+          <a:xfrm>
+            <a:off x="4757738" y="285750"/>
+            <a:ext cx="6519862" cy="5929313"/>
+          </a:xfrm>
+          <a:prstGeom prst="rect">
+            <a:avLst/>
+          </a:prstGeom>
+          <a:noFill/>
+        </p:spPr>
+        <p:style>
+          <a:lnRef idx="2">
+            <a:schemeClr val="accent1">
+              <a:shade val="50000"/>
+            </a:schemeClr>
+          </a:lnRef>
+          <a:fillRef idx="1">
+            <a:schemeClr val="accent1"/>
+          </a:fillRef>
+          <a:effectRef idx="0">
+            <a:schemeClr val="accent1"/>
+          </a:effectRef>
+          <a:fontRef idx="minor">
+            <a:schemeClr val="lt1"/>
+          </a:fontRef>
+        </p:style>
+        <p:txBody>
+          <a:bodyPr rtlCol="0" anchor="ctr"/>
+          <a:lstStyle/>
+          <a:p>
+            <a:pPr algn="ctr"/>
+            <a:endParaRPr lang="en-US"/>
+          </a:p>
+        </p:txBody>
+      </p:sp>
+    </p:spTree>
+    <p:extLst>
+      <p:ext uri="{BB962C8B-B14F-4D97-AF65-F5344CB8AC3E}">
+        <p14:creationId xmlns:p14="http://schemas.microsoft.com/office/powerpoint/2010/main" val="69181978"/>
+      </p:ext>
+    </p:extLst>
+  </p:cSld>
+  <p:clrMapOvr>
+    <a:masterClrMapping/>
+  </p:clrMapOvr>
+</p:sld>
+</file>
+
+<file path=ppt/slides/slide11.xml><?xml version="1.0" encoding="utf-8"?>
+<p:sld xmlns:a="http://schemas.openxmlformats.org/drawingml/2006/main" xmlns:r="http://schemas.openxmlformats.org/officeDocument/2006/relationships" xmlns:p="http://schemas.openxmlformats.org/presentationml/2006/main">
+  <p:cSld>
+    <p:spTree>
+      <p:nvGrpSpPr>
+        <p:cNvPr id="1" name=""/>
+        <p:cNvGrpSpPr/>
+        <p:nvPr/>
+      </p:nvGrpSpPr>
+      <p:grpSpPr>
+        <a:xfrm>
+          <a:off x="0" y="0"/>
+          <a:ext cx="0" cy="0"/>
+          <a:chOff x="0" y="0"/>
+          <a:chExt cx="0" cy="0"/>
+        </a:xfrm>
+      </p:grpSpPr>
+      <p:sp>
+        <p:nvSpPr>
+          <p:cNvPr id="7" name="Oval 6">
+            <a:extLst>
+              <a:ext uri="{FF2B5EF4-FFF2-40B4-BE49-F238E27FC236}">
+                <a16:creationId xmlns:a16="http://schemas.microsoft.com/office/drawing/2014/main" id="{B727A85D-FE9C-4B39-AF15-5DA270F2D41F}"/>
+              </a:ext>
+            </a:extLst>
+          </p:cNvPr>
+          <p:cNvSpPr/>
+          <p:nvPr/>
+        </p:nvSpPr>
+        <p:spPr>
+          <a:xfrm rot="19705373">
+            <a:off x="1215142" y="2926987"/>
+            <a:ext cx="6620382" cy="2995059"/>
+          </a:xfrm>
+          <a:prstGeom prst="ellipse">
+            <a:avLst/>
+          </a:prstGeom>
+          <a:solidFill>
+            <a:schemeClr val="bg2">
+              <a:lumMod val="50000"/>
+              <a:alpha val="62000"/>
+            </a:schemeClr>
+          </a:solidFill>
+          <a:ln>
+            <a:solidFill>
+              <a:schemeClr val="tx1"/>
+            </a:solidFill>
+          </a:ln>
+        </p:spPr>
+        <p:style>
+          <a:lnRef idx="2">
+            <a:schemeClr val="accent1">
+              <a:shade val="50000"/>
+            </a:schemeClr>
+          </a:lnRef>
+          <a:fillRef idx="1">
+            <a:schemeClr val="accent1"/>
+          </a:fillRef>
+          <a:effectRef idx="0">
+            <a:schemeClr val="accent1"/>
+          </a:effectRef>
+          <a:fontRef idx="minor">
+            <a:schemeClr val="lt1"/>
+          </a:fontRef>
+        </p:style>
+        <p:txBody>
+          <a:bodyPr rtlCol="0" anchor="ctr"/>
+          <a:lstStyle/>
+          <a:p>
+            <a:pPr algn="ctr"/>
+            <a:endParaRPr lang="en-US" dirty="0"/>
+          </a:p>
+        </p:txBody>
+      </p:sp>
+      <p:cxnSp>
+        <p:nvCxnSpPr>
+          <p:cNvPr id="6" name="Straight Arrow Connector 5">
+            <a:extLst>
+              <a:ext uri="{FF2B5EF4-FFF2-40B4-BE49-F238E27FC236}">
+                <a16:creationId xmlns:a16="http://schemas.microsoft.com/office/drawing/2014/main" id="{7781D4D5-4F32-40A0-88CC-01F5F090FA84}"/>
+              </a:ext>
+            </a:extLst>
+          </p:cNvPr>
+          <p:cNvCxnSpPr>
+            <a:cxnSpLocks/>
+          </p:cNvCxnSpPr>
+          <p:nvPr/>
+        </p:nvCxnSpPr>
+        <p:spPr>
+          <a:xfrm>
+            <a:off x="4680546" y="4329325"/>
+            <a:ext cx="3836072" cy="0"/>
+          </a:xfrm>
+          <a:prstGeom prst="straightConnector1">
+            <a:avLst/>
+          </a:prstGeom>
+          <a:ln w="44450">
+            <a:solidFill>
+              <a:schemeClr val="tx1"/>
+            </a:solidFill>
+            <a:tailEnd type="triangle"/>
+          </a:ln>
+        </p:spPr>
+        <p:style>
+          <a:lnRef idx="1">
+            <a:schemeClr val="accent1"/>
+          </a:lnRef>
+          <a:fillRef idx="0">
+            <a:schemeClr val="accent1"/>
+          </a:fillRef>
+          <a:effectRef idx="0">
+            <a:schemeClr val="accent1"/>
+          </a:effectRef>
+          <a:fontRef idx="minor">
+            <a:schemeClr val="tx1"/>
+          </a:fontRef>
+        </p:style>
+      </p:cxnSp>
+      <p:cxnSp>
+        <p:nvCxnSpPr>
+          <p:cNvPr id="10" name="Straight Arrow Connector 9">
+            <a:extLst>
+              <a:ext uri="{FF2B5EF4-FFF2-40B4-BE49-F238E27FC236}">
+                <a16:creationId xmlns:a16="http://schemas.microsoft.com/office/drawing/2014/main" id="{93158E70-B466-4EA7-8BE2-820D81A70C65}"/>
+              </a:ext>
+            </a:extLst>
+          </p:cNvPr>
+          <p:cNvCxnSpPr>
+            <a:cxnSpLocks/>
+          </p:cNvCxnSpPr>
+          <p:nvPr/>
+        </p:nvCxnSpPr>
+        <p:spPr>
+          <a:xfrm flipV="1">
+            <a:off x="4680546" y="493253"/>
+            <a:ext cx="0" cy="3836072"/>
+          </a:xfrm>
+          <a:prstGeom prst="straightConnector1">
+            <a:avLst/>
+          </a:prstGeom>
+          <a:ln w="44450">
+            <a:solidFill>
+              <a:schemeClr val="tx1"/>
+            </a:solidFill>
+            <a:tailEnd type="triangle"/>
+          </a:ln>
+        </p:spPr>
+        <p:style>
+          <a:lnRef idx="1">
+            <a:schemeClr val="accent1"/>
+          </a:lnRef>
+          <a:fillRef idx="0">
+            <a:schemeClr val="accent1"/>
+          </a:fillRef>
+          <a:effectRef idx="0">
+            <a:schemeClr val="accent1"/>
+          </a:effectRef>
+          <a:fontRef idx="minor">
+            <a:schemeClr val="tx1"/>
+          </a:fontRef>
+        </p:style>
+      </p:cxnSp>
+      <p:cxnSp>
+        <p:nvCxnSpPr>
+          <p:cNvPr id="14" name="Straight Arrow Connector 13">
+            <a:extLst>
+              <a:ext uri="{FF2B5EF4-FFF2-40B4-BE49-F238E27FC236}">
+                <a16:creationId xmlns:a16="http://schemas.microsoft.com/office/drawing/2014/main" id="{F6C2F67A-776B-4564-B969-2B3B61C3C930}"/>
+              </a:ext>
+            </a:extLst>
+          </p:cNvPr>
+          <p:cNvCxnSpPr>
+            <a:cxnSpLocks/>
+          </p:cNvCxnSpPr>
+          <p:nvPr/>
+        </p:nvCxnSpPr>
+        <p:spPr>
+          <a:xfrm flipV="1">
+            <a:off x="1167670" y="1789860"/>
+            <a:ext cx="7245074" cy="4929699"/>
+          </a:xfrm>
+          <a:prstGeom prst="straightConnector1">
+            <a:avLst/>
+          </a:prstGeom>
+          <a:ln w="44450">
+            <a:solidFill>
+              <a:srgbClr val="0070C0"/>
+            </a:solidFill>
+            <a:prstDash val="dash"/>
+            <a:headEnd type="triangle"/>
+            <a:tailEnd type="triangle"/>
+          </a:ln>
+        </p:spPr>
+        <p:style>
+          <a:lnRef idx="1">
+            <a:schemeClr val="accent1"/>
+          </a:lnRef>
+          <a:fillRef idx="0">
+            <a:schemeClr val="accent1"/>
+          </a:fillRef>
+          <a:effectRef idx="0">
+            <a:schemeClr val="accent1"/>
+          </a:effectRef>
+          <a:fontRef idx="minor">
+            <a:schemeClr val="tx1"/>
+          </a:fontRef>
+        </p:style>
+      </p:cxnSp>
+      <p:sp>
+        <p:nvSpPr>
+          <p:cNvPr id="99" name="TextBox 98">
+            <a:extLst>
+              <a:ext uri="{FF2B5EF4-FFF2-40B4-BE49-F238E27FC236}">
+                <a16:creationId xmlns:a16="http://schemas.microsoft.com/office/drawing/2014/main" id="{EF9FD691-D356-48E2-BED3-E561A9565CD7}"/>
+              </a:ext>
+            </a:extLst>
+          </p:cNvPr>
+          <p:cNvSpPr txBox="1"/>
+          <p:nvPr/>
+        </p:nvSpPr>
+        <p:spPr>
+          <a:xfrm>
+            <a:off x="5004466" y="2644389"/>
+            <a:ext cx="1088166" cy="307777"/>
+          </a:xfrm>
+          <a:prstGeom prst="rect">
+            <a:avLst/>
+          </a:prstGeom>
+          <a:noFill/>
+        </p:spPr>
+        <p:txBody>
+          <a:bodyPr wrap="square" rtlCol="0">
+            <a:spAutoFit/>
+          </a:bodyPr>
+          <a:lstStyle/>
+          <a:p>
+            <a:r>
+              <a:rPr lang="en-US" sz="1400" dirty="0"/>
+              <a:t>Azimuth</a:t>
+            </a:r>
+          </a:p>
+        </p:txBody>
+      </p:sp>
+      <p:sp>
+        <p:nvSpPr>
+          <p:cNvPr id="109" name="TextBox 108">
+            <a:extLst>
+              <a:ext uri="{FF2B5EF4-FFF2-40B4-BE49-F238E27FC236}">
+                <a16:creationId xmlns:a16="http://schemas.microsoft.com/office/drawing/2014/main" id="{3846C1ED-F83D-47EF-B7FD-7694847B5FE4}"/>
+              </a:ext>
+            </a:extLst>
+          </p:cNvPr>
+          <p:cNvSpPr txBox="1"/>
+          <p:nvPr/>
+        </p:nvSpPr>
+        <p:spPr>
+          <a:xfrm>
+            <a:off x="7666670" y="4465954"/>
+            <a:ext cx="1162904" cy="307777"/>
+          </a:xfrm>
+          <a:prstGeom prst="rect">
+            <a:avLst/>
+          </a:prstGeom>
+          <a:noFill/>
+        </p:spPr>
+        <p:txBody>
+          <a:bodyPr wrap="square" rtlCol="0">
+            <a:spAutoFit/>
+          </a:bodyPr>
+          <a:lstStyle/>
+          <a:p>
+            <a:r>
+              <a:rPr lang="en-US" sz="1400" dirty="0"/>
+              <a:t>X axis (East)</a:t>
+            </a:r>
+          </a:p>
+        </p:txBody>
+      </p:sp>
+      <p:sp>
+        <p:nvSpPr>
+          <p:cNvPr id="110" name="TextBox 109">
+            <a:extLst>
+              <a:ext uri="{FF2B5EF4-FFF2-40B4-BE49-F238E27FC236}">
+                <a16:creationId xmlns:a16="http://schemas.microsoft.com/office/drawing/2014/main" id="{F450314A-41BC-44D6-AC35-6DBA9F648554}"/>
+              </a:ext>
+            </a:extLst>
+          </p:cNvPr>
+          <p:cNvSpPr txBox="1"/>
+          <p:nvPr/>
+        </p:nvSpPr>
+        <p:spPr>
+          <a:xfrm rot="16200000">
+            <a:off x="3792007" y="1005192"/>
+            <a:ext cx="1261558" cy="307777"/>
+          </a:xfrm>
+          <a:prstGeom prst="rect">
+            <a:avLst/>
+          </a:prstGeom>
+          <a:noFill/>
+        </p:spPr>
+        <p:txBody>
+          <a:bodyPr wrap="square" rtlCol="0">
+            <a:spAutoFit/>
+          </a:bodyPr>
+          <a:lstStyle/>
+          <a:p>
+            <a:r>
+              <a:rPr lang="en-US" sz="1400" dirty="0"/>
+              <a:t>Z axis (vertical)</a:t>
+            </a:r>
+          </a:p>
+        </p:txBody>
+      </p:sp>
+      <p:sp>
+        <p:nvSpPr>
+          <p:cNvPr id="111" name="Arc 110">
+            <a:extLst>
+              <a:ext uri="{FF2B5EF4-FFF2-40B4-BE49-F238E27FC236}">
+                <a16:creationId xmlns:a16="http://schemas.microsoft.com/office/drawing/2014/main" id="{88C35A20-DB1F-4ED6-8784-104BF772BB66}"/>
+              </a:ext>
+            </a:extLst>
+          </p:cNvPr>
+          <p:cNvSpPr/>
+          <p:nvPr/>
+        </p:nvSpPr>
+        <p:spPr>
+          <a:xfrm>
+            <a:off x="3240219" y="2950070"/>
+            <a:ext cx="2823055" cy="2823055"/>
+          </a:xfrm>
+          <a:prstGeom prst="arc">
+            <a:avLst>
+              <a:gd name="adj1" fmla="val 16435558"/>
+              <a:gd name="adj2" fmla="val 19251323"/>
+            </a:avLst>
+          </a:prstGeom>
+          <a:ln w="38100">
+            <a:solidFill>
+              <a:schemeClr val="tx1"/>
+            </a:solidFill>
+            <a:headEnd type="triangle"/>
+            <a:tailEnd type="triangle"/>
+          </a:ln>
+        </p:spPr>
+        <p:style>
+          <a:lnRef idx="1">
+            <a:schemeClr val="accent1"/>
+          </a:lnRef>
+          <a:fillRef idx="0">
+            <a:schemeClr val="accent1"/>
+          </a:fillRef>
+          <a:effectRef idx="0">
+            <a:schemeClr val="accent1"/>
+          </a:effectRef>
+          <a:fontRef idx="minor">
+            <a:schemeClr val="tx1"/>
+          </a:fontRef>
+        </p:style>
+        <p:txBody>
+          <a:bodyPr rtlCol="0" anchor="ctr"/>
+          <a:lstStyle/>
+          <a:p>
+            <a:pPr algn="ctr"/>
+            <a:endParaRPr lang="en-US" dirty="0"/>
+          </a:p>
+        </p:txBody>
+      </p:sp>
+      <p:sp>
+        <p:nvSpPr>
+          <p:cNvPr id="114" name="Rectangle 113">
+            <a:extLst>
+              <a:ext uri="{FF2B5EF4-FFF2-40B4-BE49-F238E27FC236}">
+                <a16:creationId xmlns:a16="http://schemas.microsoft.com/office/drawing/2014/main" id="{203F90CD-48FD-44D5-A341-84A71F3FDB92}"/>
+              </a:ext>
+            </a:extLst>
+          </p:cNvPr>
+          <p:cNvSpPr/>
+          <p:nvPr/>
+        </p:nvSpPr>
+        <p:spPr>
+          <a:xfrm>
+            <a:off x="3062680" y="254374"/>
+            <a:ext cx="6010632" cy="4629939"/>
+          </a:xfrm>
+          <a:prstGeom prst="rect">
+            <a:avLst/>
+          </a:prstGeom>
+          <a:noFill/>
+          <a:ln>
+            <a:noFill/>
+          </a:ln>
+        </p:spPr>
+        <p:style>
+          <a:lnRef idx="2">
+            <a:schemeClr val="accent1">
+              <a:shade val="50000"/>
+            </a:schemeClr>
+          </a:lnRef>
+          <a:fillRef idx="1">
+            <a:schemeClr val="accent1"/>
+          </a:fillRef>
+          <a:effectRef idx="0">
+            <a:schemeClr val="accent1"/>
+          </a:effectRef>
+          <a:fontRef idx="minor">
+            <a:schemeClr val="lt1"/>
+          </a:fontRef>
+        </p:style>
+        <p:txBody>
+          <a:bodyPr rtlCol="0" anchor="ctr"/>
+          <a:lstStyle/>
+          <a:p>
+            <a:pPr algn="ctr"/>
+            <a:endParaRPr lang="en-US" dirty="0"/>
+          </a:p>
+        </p:txBody>
+      </p:sp>
+      <p:cxnSp>
+        <p:nvCxnSpPr>
+          <p:cNvPr id="33" name="Straight Arrow Connector 32">
+            <a:extLst>
+              <a:ext uri="{FF2B5EF4-FFF2-40B4-BE49-F238E27FC236}">
+                <a16:creationId xmlns:a16="http://schemas.microsoft.com/office/drawing/2014/main" id="{69C63A14-DC27-4974-BB77-D0B91B6BB009}"/>
+              </a:ext>
+            </a:extLst>
+          </p:cNvPr>
+          <p:cNvCxnSpPr>
+            <a:cxnSpLocks/>
+          </p:cNvCxnSpPr>
+          <p:nvPr/>
+        </p:nvCxnSpPr>
+        <p:spPr>
+          <a:xfrm flipH="1" flipV="1">
+            <a:off x="3371469" y="2394418"/>
+            <a:ext cx="2538492" cy="3797177"/>
+          </a:xfrm>
+          <a:prstGeom prst="straightConnector1">
+            <a:avLst/>
+          </a:prstGeom>
+          <a:ln w="44450">
+            <a:solidFill>
+              <a:srgbClr val="0070C0"/>
+            </a:solidFill>
+            <a:prstDash val="dash"/>
+            <a:headEnd type="triangle"/>
+            <a:tailEnd type="triangle"/>
+          </a:ln>
+        </p:spPr>
+        <p:style>
+          <a:lnRef idx="1">
+            <a:schemeClr val="accent1"/>
+          </a:lnRef>
+          <a:fillRef idx="0">
+            <a:schemeClr val="accent1"/>
+          </a:fillRef>
+          <a:effectRef idx="0">
+            <a:schemeClr val="accent1"/>
+          </a:effectRef>
+          <a:fontRef idx="minor">
+            <a:schemeClr val="tx1"/>
+          </a:fontRef>
+        </p:style>
+      </p:cxnSp>
+      <p:sp>
+        <p:nvSpPr>
+          <p:cNvPr id="37" name="TextBox 36">
+            <a:extLst>
+              <a:ext uri="{FF2B5EF4-FFF2-40B4-BE49-F238E27FC236}">
+                <a16:creationId xmlns:a16="http://schemas.microsoft.com/office/drawing/2014/main" id="{F3418041-4C78-414F-B295-E5F985006347}"/>
+              </a:ext>
+            </a:extLst>
+          </p:cNvPr>
+          <p:cNvSpPr txBox="1"/>
+          <p:nvPr/>
+        </p:nvSpPr>
+        <p:spPr>
+          <a:xfrm rot="19523963">
+            <a:off x="6922309" y="1896720"/>
+            <a:ext cx="1408964" cy="307777"/>
+          </a:xfrm>
+          <a:prstGeom prst="rect">
+            <a:avLst/>
+          </a:prstGeom>
+          <a:noFill/>
+        </p:spPr>
+        <p:txBody>
+          <a:bodyPr wrap="square" rtlCol="0">
+            <a:spAutoFit/>
+          </a:bodyPr>
+          <a:lstStyle/>
+          <a:p>
+            <a:r>
+              <a:rPr lang="en-US" sz="1400" dirty="0">
+                <a:solidFill>
+                  <a:srgbClr val="00B050"/>
+                </a:solidFill>
+              </a:rPr>
+              <a:t>Horizontal Major</a:t>
+            </a:r>
+          </a:p>
+        </p:txBody>
+      </p:sp>
+      <p:sp>
+        <p:nvSpPr>
+          <p:cNvPr id="38" name="TextBox 37">
+            <a:extLst>
+              <a:ext uri="{FF2B5EF4-FFF2-40B4-BE49-F238E27FC236}">
+                <a16:creationId xmlns:a16="http://schemas.microsoft.com/office/drawing/2014/main" id="{DD5F83FE-B02E-4663-8AA6-07D08390DDA6}"/>
+              </a:ext>
+            </a:extLst>
+          </p:cNvPr>
+          <p:cNvSpPr txBox="1"/>
+          <p:nvPr/>
+        </p:nvSpPr>
+        <p:spPr>
+          <a:xfrm rot="3366254">
+            <a:off x="3356512" y="3051366"/>
+            <a:ext cx="1759939" cy="307777"/>
+          </a:xfrm>
+          <a:prstGeom prst="rect">
+            <a:avLst/>
+          </a:prstGeom>
+          <a:noFill/>
+        </p:spPr>
+        <p:txBody>
+          <a:bodyPr wrap="square" rtlCol="0">
+            <a:spAutoFit/>
+          </a:bodyPr>
+          <a:lstStyle/>
+          <a:p>
+            <a:r>
+              <a:rPr lang="en-US" sz="1400" dirty="0"/>
+              <a:t>Horizontal Minor</a:t>
+            </a:r>
+          </a:p>
+        </p:txBody>
+      </p:sp>
+      <mc:AlternateContent xmlns:mc="http://schemas.openxmlformats.org/markup-compatibility/2006" xmlns:a14="http://schemas.microsoft.com/office/drawing/2010/main">
+        <mc:Choice Requires="a14">
+          <p:sp>
+            <p:nvSpPr>
+              <p:cNvPr id="5" name="TextBox 4">
+                <a:extLst>
+                  <a:ext uri="{FF2B5EF4-FFF2-40B4-BE49-F238E27FC236}">
+                    <a16:creationId xmlns:a16="http://schemas.microsoft.com/office/drawing/2014/main" id="{2F4B2B12-5B47-43D0-8167-C6DF2B13655F}"/>
+                  </a:ext>
+                </a:extLst>
+              </p:cNvPr>
+              <p:cNvSpPr txBox="1"/>
+              <p:nvPr/>
+            </p:nvSpPr>
+            <p:spPr>
+              <a:xfrm>
+                <a:off x="4938108" y="3411378"/>
+                <a:ext cx="205081" cy="300412"/>
+              </a:xfrm>
+              <a:prstGeom prst="rect">
+                <a:avLst/>
+              </a:prstGeom>
+              <a:noFill/>
+            </p:spPr>
+            <p:txBody>
+              <a:bodyPr wrap="none" lIns="0" tIns="0" rIns="0" bIns="0" rtlCol="0">
+                <a:spAutoFit/>
+              </a:bodyPr>
+              <a:lstStyle/>
+              <a:p>
+                <a:pPr/>
+                <a14:m>
+                  <m:oMathPara xmlns:m="http://schemas.openxmlformats.org/officeDocument/2006/math">
+                    <m:oMathParaPr>
+                      <m:jc m:val="centerGroup"/>
+                    </m:oMathParaPr>
+                    <m:oMath xmlns:m="http://schemas.openxmlformats.org/officeDocument/2006/math">
+                      <m:r>
+                        <a:rPr lang="en-US" sz="2500" i="1" smtClean="0">
+                          <a:latin typeface="Cambria Math" panose="02040503050406030204" pitchFamily="18" charset="0"/>
+                          <a:ea typeface="Cambria Math" panose="02040503050406030204" pitchFamily="18" charset="0"/>
+                        </a:rPr>
+                        <m:t>𝜃</m:t>
+                      </m:r>
+                    </m:oMath>
+                  </m:oMathPara>
+                </a14:m>
+                <a:endParaRPr lang="en-US" sz="2500" dirty="0"/>
+              </a:p>
+            </p:txBody>
+          </p:sp>
+        </mc:Choice>
+        <mc:Fallback xmlns="">
+          <p:sp>
+            <p:nvSpPr>
+              <p:cNvPr id="5" name="TextBox 4">
+                <a:extLst>
+                  <a:ext uri="{FF2B5EF4-FFF2-40B4-BE49-F238E27FC236}">
+                    <a16:creationId xmlns:a16="http://schemas.microsoft.com/office/drawing/2014/main" id="{2F4B2B12-5B47-43D0-8167-C6DF2B13655F}"/>
+                  </a:ext>
+                </a:extLst>
+              </p:cNvPr>
+              <p:cNvSpPr txBox="1">
+                <a:spLocks noRot="1" noChangeAspect="1" noMove="1" noResize="1" noEditPoints="1" noAdjustHandles="1" noChangeArrowheads="1" noChangeShapeType="1" noTextEdit="1"/>
+              </p:cNvSpPr>
+              <p:nvPr/>
+            </p:nvSpPr>
+            <p:spPr>
+              <a:xfrm>
+                <a:off x="4938108" y="3411378"/>
+                <a:ext cx="205081" cy="300412"/>
+              </a:xfrm>
+              <a:prstGeom prst="rect">
+                <a:avLst/>
+              </a:prstGeom>
+              <a:blipFill>
+                <a:blip r:embed="rId2"/>
+                <a:stretch>
+                  <a:fillRect l="-50000" r="-44118" b="-36735"/>
+                </a:stretch>
+              </a:blipFill>
+            </p:spPr>
+            <p:txBody>
+              <a:bodyPr/>
+              <a:lstStyle/>
+              <a:p>
+                <a:r>
+                  <a:rPr lang="en-US">
+                    <a:noFill/>
+                  </a:rPr>
+                  <a:t> </a:t>
+                </a:r>
+              </a:p>
+            </p:txBody>
+          </p:sp>
+        </mc:Fallback>
+      </mc:AlternateContent>
+      <p:cxnSp>
+        <p:nvCxnSpPr>
+          <p:cNvPr id="16" name="Straight Arrow Connector 15">
+            <a:extLst>
+              <a:ext uri="{FF2B5EF4-FFF2-40B4-BE49-F238E27FC236}">
+                <a16:creationId xmlns:a16="http://schemas.microsoft.com/office/drawing/2014/main" id="{3D49FA43-E94F-4CE8-B637-73DB21046ED8}"/>
+              </a:ext>
+            </a:extLst>
+          </p:cNvPr>
+          <p:cNvCxnSpPr>
+            <a:cxnSpLocks/>
+          </p:cNvCxnSpPr>
+          <p:nvPr/>
+        </p:nvCxnSpPr>
+        <p:spPr>
+          <a:xfrm flipH="1">
+            <a:off x="3653119" y="4327179"/>
+            <a:ext cx="1023275" cy="1558735"/>
+          </a:xfrm>
+          <a:prstGeom prst="straightConnector1">
+            <a:avLst/>
+          </a:prstGeom>
+          <a:ln w="44450">
+            <a:solidFill>
+              <a:schemeClr val="tx1"/>
+            </a:solidFill>
+            <a:tailEnd type="triangle"/>
+          </a:ln>
+        </p:spPr>
+        <p:style>
+          <a:lnRef idx="1">
+            <a:schemeClr val="accent1"/>
+          </a:lnRef>
+          <a:fillRef idx="0">
+            <a:schemeClr val="accent1"/>
+          </a:fillRef>
+          <a:effectRef idx="0">
+            <a:schemeClr val="accent1"/>
+          </a:effectRef>
+          <a:fontRef idx="minor">
+            <a:schemeClr val="tx1"/>
+          </a:fontRef>
+        </p:style>
+      </p:cxnSp>
+      <p:sp>
+        <p:nvSpPr>
+          <p:cNvPr id="21" name="TextBox 20">
+            <a:extLst>
+              <a:ext uri="{FF2B5EF4-FFF2-40B4-BE49-F238E27FC236}">
+                <a16:creationId xmlns:a16="http://schemas.microsoft.com/office/drawing/2014/main" id="{0D198AE6-CBD3-4F99-97F6-170D754BC22E}"/>
+              </a:ext>
+            </a:extLst>
+          </p:cNvPr>
+          <p:cNvSpPr txBox="1"/>
+          <p:nvPr/>
+        </p:nvSpPr>
+        <p:spPr>
+          <a:xfrm rot="3366254">
+            <a:off x="3356511" y="3051367"/>
+            <a:ext cx="1759939" cy="307777"/>
+          </a:xfrm>
+          <a:prstGeom prst="rect">
+            <a:avLst/>
+          </a:prstGeom>
+          <a:noFill/>
+        </p:spPr>
+        <p:txBody>
+          <a:bodyPr wrap="square" rtlCol="0">
+            <a:spAutoFit/>
+          </a:bodyPr>
+          <a:lstStyle/>
+          <a:p>
+            <a:r>
+              <a:rPr lang="en-US" sz="1400" dirty="0">
+                <a:solidFill>
+                  <a:srgbClr val="00B050"/>
+                </a:solidFill>
+              </a:rPr>
+              <a:t>Horizontal Minor</a:t>
+            </a:r>
+          </a:p>
+        </p:txBody>
+      </p:sp>
+      <p:sp>
+        <p:nvSpPr>
+          <p:cNvPr id="22" name="TextBox 21">
+            <a:extLst>
+              <a:ext uri="{FF2B5EF4-FFF2-40B4-BE49-F238E27FC236}">
+                <a16:creationId xmlns:a16="http://schemas.microsoft.com/office/drawing/2014/main" id="{31DCE6AF-7C19-4BF7-B59D-367F32CBE7F0}"/>
+              </a:ext>
+            </a:extLst>
+          </p:cNvPr>
+          <p:cNvSpPr txBox="1"/>
+          <p:nvPr/>
+        </p:nvSpPr>
+        <p:spPr>
+          <a:xfrm rot="19523963">
+            <a:off x="6922308" y="1896721"/>
+            <a:ext cx="1408964" cy="307777"/>
+          </a:xfrm>
+          <a:prstGeom prst="rect">
+            <a:avLst/>
+          </a:prstGeom>
+          <a:noFill/>
+        </p:spPr>
+        <p:txBody>
+          <a:bodyPr wrap="square" rtlCol="0">
+            <a:spAutoFit/>
+          </a:bodyPr>
+          <a:lstStyle/>
+          <a:p>
+            <a:r>
+              <a:rPr lang="en-US" sz="1400" dirty="0">
+                <a:solidFill>
+                  <a:srgbClr val="0070C0"/>
+                </a:solidFill>
+              </a:rPr>
+              <a:t>Horizontal Major</a:t>
+            </a:r>
+          </a:p>
+        </p:txBody>
+      </p:sp>
+      <p:sp>
+        <p:nvSpPr>
+          <p:cNvPr id="23" name="TextBox 22">
+            <a:extLst>
+              <a:ext uri="{FF2B5EF4-FFF2-40B4-BE49-F238E27FC236}">
+                <a16:creationId xmlns:a16="http://schemas.microsoft.com/office/drawing/2014/main" id="{3AF40026-44F6-4D1A-A0BC-6842B9ED3C93}"/>
+              </a:ext>
+            </a:extLst>
+          </p:cNvPr>
+          <p:cNvSpPr txBox="1"/>
+          <p:nvPr/>
+        </p:nvSpPr>
+        <p:spPr>
+          <a:xfrm rot="3366254">
+            <a:off x="3356510" y="3051368"/>
+            <a:ext cx="1759939" cy="307777"/>
+          </a:xfrm>
+          <a:prstGeom prst="rect">
+            <a:avLst/>
+          </a:prstGeom>
+          <a:noFill/>
+        </p:spPr>
+        <p:txBody>
+          <a:bodyPr wrap="square" rtlCol="0">
+            <a:spAutoFit/>
+          </a:bodyPr>
+          <a:lstStyle/>
+          <a:p>
+            <a:r>
+              <a:rPr lang="en-US" sz="1400" dirty="0">
+                <a:solidFill>
+                  <a:srgbClr val="0070C0"/>
+                </a:solidFill>
+              </a:rPr>
+              <a:t>Horizontal Minor</a:t>
+            </a:r>
+          </a:p>
+        </p:txBody>
+      </p:sp>
+      <p:sp>
+        <p:nvSpPr>
+          <p:cNvPr id="24" name="TextBox 23">
+            <a:extLst>
+              <a:ext uri="{FF2B5EF4-FFF2-40B4-BE49-F238E27FC236}">
+                <a16:creationId xmlns:a16="http://schemas.microsoft.com/office/drawing/2014/main" id="{5AACFAD7-84BE-4D0B-9DDB-16D374AE3B1A}"/>
+              </a:ext>
+            </a:extLst>
+          </p:cNvPr>
+          <p:cNvSpPr txBox="1"/>
+          <p:nvPr/>
+        </p:nvSpPr>
+        <p:spPr>
+          <a:xfrm rot="18220079">
+            <a:off x="3715337" y="5254875"/>
+            <a:ext cx="1261558" cy="307777"/>
+          </a:xfrm>
+          <a:prstGeom prst="rect">
+            <a:avLst/>
+          </a:prstGeom>
+          <a:noFill/>
+        </p:spPr>
+        <p:txBody>
+          <a:bodyPr wrap="square" rtlCol="0">
+            <a:spAutoFit/>
+          </a:bodyPr>
+          <a:lstStyle/>
+          <a:p>
+            <a:r>
+              <a:rPr lang="en-US" sz="1400" dirty="0"/>
+              <a:t>Y axis (North)</a:t>
+            </a:r>
+          </a:p>
+        </p:txBody>
+      </p:sp>
+    </p:spTree>
+    <p:extLst>
+      <p:ext uri="{BB962C8B-B14F-4D97-AF65-F5344CB8AC3E}">
+        <p14:creationId xmlns:p14="http://schemas.microsoft.com/office/powerpoint/2010/main" val="286754527"/>
+      </p:ext>
+    </p:extLst>
+  </p:cSld>
+  <p:clrMapOvr>
+    <a:masterClrMapping/>
+  </p:clrMapOvr>
+</p:sld>
+</file>
+
+<file path=ppt/slides/slide12.xml><?xml version="1.0" encoding="utf-8"?>
+<p:sld xmlns:a="http://schemas.openxmlformats.org/drawingml/2006/main" xmlns:r="http://schemas.openxmlformats.org/officeDocument/2006/relationships" xmlns:p="http://schemas.openxmlformats.org/presentationml/2006/main">
+  <p:cSld>
+    <p:spTree>
+      <p:nvGrpSpPr>
+        <p:cNvPr id="1" name=""/>
+        <p:cNvGrpSpPr/>
+        <p:nvPr/>
+      </p:nvGrpSpPr>
+      <p:grpSpPr>
+        <a:xfrm>
+          <a:off x="0" y="0"/>
+          <a:ext cx="0" cy="0"/>
+          <a:chOff x="0" y="0"/>
+          <a:chExt cx="0" cy="0"/>
+        </a:xfrm>
+      </p:grpSpPr>
+      <p:grpSp>
+        <p:nvGrpSpPr>
           <p:cNvPr id="42" name="Group 41">
             <a:extLst>
               <a:ext uri="{FF2B5EF4-FFF2-40B4-BE49-F238E27FC236}">
@@ -8601,7 +10764,7 @@
 </p:sld>
 </file>
 
-<file path=ppt/slides/slide11.xml><?xml version="1.0" encoding="utf-8"?>
+<file path=ppt/slides/slide13.xml><?xml version="1.0" encoding="utf-8"?>
 <p:sld xmlns:a="http://schemas.openxmlformats.org/drawingml/2006/main" xmlns:r="http://schemas.openxmlformats.org/officeDocument/2006/relationships" xmlns:p="http://schemas.openxmlformats.org/presentationml/2006/main">
   <p:cSld>
     <p:spTree>
@@ -8662,6 +10825,2234 @@
 </file>
 
 <file path=ppt/slides/slide2.xml><?xml version="1.0" encoding="utf-8"?>
+<p:sld xmlns:a="http://schemas.openxmlformats.org/drawingml/2006/main" xmlns:r="http://schemas.openxmlformats.org/officeDocument/2006/relationships" xmlns:p="http://schemas.openxmlformats.org/presentationml/2006/main">
+  <p:cSld>
+    <p:spTree>
+      <p:nvGrpSpPr>
+        <p:cNvPr id="1" name=""/>
+        <p:cNvGrpSpPr/>
+        <p:nvPr/>
+      </p:nvGrpSpPr>
+      <p:grpSpPr>
+        <a:xfrm>
+          <a:off x="0" y="0"/>
+          <a:ext cx="0" cy="0"/>
+          <a:chOff x="0" y="0"/>
+          <a:chExt cx="0" cy="0"/>
+        </a:xfrm>
+      </p:grpSpPr>
+      <p:sp>
+        <p:nvSpPr>
+          <p:cNvPr id="4" name="Rectangle 3">
+            <a:extLst>
+              <a:ext uri="{FF2B5EF4-FFF2-40B4-BE49-F238E27FC236}">
+                <a16:creationId xmlns:a16="http://schemas.microsoft.com/office/drawing/2014/main" id="{E0AEA3E4-3484-44D9-9B1B-7B5F51877988}"/>
+              </a:ext>
+            </a:extLst>
+          </p:cNvPr>
+          <p:cNvSpPr/>
+          <p:nvPr/>
+        </p:nvSpPr>
+        <p:spPr>
+          <a:xfrm>
+            <a:off x="3164541" y="3460376"/>
+            <a:ext cx="820270" cy="820270"/>
+          </a:xfrm>
+          <a:prstGeom prst="rect">
+            <a:avLst/>
+          </a:prstGeom>
+          <a:solidFill>
+            <a:schemeClr val="bg1"/>
+          </a:solidFill>
+        </p:spPr>
+        <p:style>
+          <a:lnRef idx="2">
+            <a:schemeClr val="accent1">
+              <a:shade val="50000"/>
+            </a:schemeClr>
+          </a:lnRef>
+          <a:fillRef idx="1">
+            <a:schemeClr val="accent1"/>
+          </a:fillRef>
+          <a:effectRef idx="0">
+            <a:schemeClr val="accent1"/>
+          </a:effectRef>
+          <a:fontRef idx="minor">
+            <a:schemeClr val="lt1"/>
+          </a:fontRef>
+        </p:style>
+        <p:txBody>
+          <a:bodyPr rtlCol="0" anchor="ctr"/>
+          <a:lstStyle/>
+          <a:p>
+            <a:pPr algn="ctr"/>
+            <a:r>
+              <a:rPr lang="en-US" dirty="0">
+                <a:solidFill>
+                  <a:schemeClr val="tx1"/>
+                </a:solidFill>
+              </a:rPr>
+              <a:t>0</a:t>
+            </a:r>
+          </a:p>
+        </p:txBody>
+      </p:sp>
+      <p:sp>
+        <p:nvSpPr>
+          <p:cNvPr id="5" name="Rectangle 4">
+            <a:extLst>
+              <a:ext uri="{FF2B5EF4-FFF2-40B4-BE49-F238E27FC236}">
+                <a16:creationId xmlns:a16="http://schemas.microsoft.com/office/drawing/2014/main" id="{7461BC7B-D000-4A28-875D-9CD3A699845F}"/>
+              </a:ext>
+            </a:extLst>
+          </p:cNvPr>
+          <p:cNvSpPr/>
+          <p:nvPr/>
+        </p:nvSpPr>
+        <p:spPr>
+          <a:xfrm>
+            <a:off x="3984811" y="3460376"/>
+            <a:ext cx="820270" cy="820270"/>
+          </a:xfrm>
+          <a:prstGeom prst="rect">
+            <a:avLst/>
+          </a:prstGeom>
+          <a:solidFill>
+            <a:schemeClr val="bg1"/>
+          </a:solidFill>
+        </p:spPr>
+        <p:style>
+          <a:lnRef idx="2">
+            <a:schemeClr val="accent1">
+              <a:shade val="50000"/>
+            </a:schemeClr>
+          </a:lnRef>
+          <a:fillRef idx="1">
+            <a:schemeClr val="accent1"/>
+          </a:fillRef>
+          <a:effectRef idx="0">
+            <a:schemeClr val="accent1"/>
+          </a:effectRef>
+          <a:fontRef idx="minor">
+            <a:schemeClr val="lt1"/>
+          </a:fontRef>
+        </p:style>
+        <p:txBody>
+          <a:bodyPr rtlCol="0" anchor="ctr"/>
+          <a:lstStyle/>
+          <a:p>
+            <a:pPr algn="ctr"/>
+            <a:r>
+              <a:rPr lang="en-US" dirty="0">
+                <a:solidFill>
+                  <a:schemeClr val="tx1"/>
+                </a:solidFill>
+              </a:rPr>
+              <a:t>0</a:t>
+            </a:r>
+          </a:p>
+        </p:txBody>
+      </p:sp>
+      <p:sp>
+        <p:nvSpPr>
+          <p:cNvPr id="6" name="Rectangle 5">
+            <a:extLst>
+              <a:ext uri="{FF2B5EF4-FFF2-40B4-BE49-F238E27FC236}">
+                <a16:creationId xmlns:a16="http://schemas.microsoft.com/office/drawing/2014/main" id="{3A70F6B8-6103-499B-9F6A-F909E0691010}"/>
+              </a:ext>
+            </a:extLst>
+          </p:cNvPr>
+          <p:cNvSpPr/>
+          <p:nvPr/>
+        </p:nvSpPr>
+        <p:spPr>
+          <a:xfrm>
+            <a:off x="4805081" y="3460376"/>
+            <a:ext cx="820270" cy="820270"/>
+          </a:xfrm>
+          <a:prstGeom prst="rect">
+            <a:avLst/>
+          </a:prstGeom>
+          <a:solidFill>
+            <a:schemeClr val="accent6">
+              <a:lumMod val="60000"/>
+              <a:lumOff val="40000"/>
+            </a:schemeClr>
+          </a:solidFill>
+        </p:spPr>
+        <p:style>
+          <a:lnRef idx="2">
+            <a:schemeClr val="accent1">
+              <a:shade val="50000"/>
+            </a:schemeClr>
+          </a:lnRef>
+          <a:fillRef idx="1">
+            <a:schemeClr val="accent1"/>
+          </a:fillRef>
+          <a:effectRef idx="0">
+            <a:schemeClr val="accent1"/>
+          </a:effectRef>
+          <a:fontRef idx="minor">
+            <a:schemeClr val="lt1"/>
+          </a:fontRef>
+        </p:style>
+        <p:txBody>
+          <a:bodyPr rtlCol="0" anchor="ctr"/>
+          <a:lstStyle/>
+          <a:p>
+            <a:pPr algn="ctr"/>
+            <a:r>
+              <a:rPr lang="en-US" dirty="0">
+                <a:solidFill>
+                  <a:schemeClr val="tx1"/>
+                </a:solidFill>
+              </a:rPr>
+              <a:t>0.34</a:t>
+            </a:r>
+          </a:p>
+        </p:txBody>
+      </p:sp>
+      <p:sp>
+        <p:nvSpPr>
+          <p:cNvPr id="7" name="Rectangle 6">
+            <a:extLst>
+              <a:ext uri="{FF2B5EF4-FFF2-40B4-BE49-F238E27FC236}">
+                <a16:creationId xmlns:a16="http://schemas.microsoft.com/office/drawing/2014/main" id="{9F8AC3B2-CC7F-4FFF-8181-B9EAE58D2B98}"/>
+              </a:ext>
+            </a:extLst>
+          </p:cNvPr>
+          <p:cNvSpPr/>
+          <p:nvPr/>
+        </p:nvSpPr>
+        <p:spPr>
+          <a:xfrm>
+            <a:off x="5625351" y="3460376"/>
+            <a:ext cx="820270" cy="820270"/>
+          </a:xfrm>
+          <a:prstGeom prst="rect">
+            <a:avLst/>
+          </a:prstGeom>
+          <a:solidFill>
+            <a:schemeClr val="accent2">
+              <a:lumMod val="60000"/>
+              <a:lumOff val="40000"/>
+            </a:schemeClr>
+          </a:solidFill>
+        </p:spPr>
+        <p:style>
+          <a:lnRef idx="2">
+            <a:schemeClr val="accent1">
+              <a:shade val="50000"/>
+            </a:schemeClr>
+          </a:lnRef>
+          <a:fillRef idx="1">
+            <a:schemeClr val="accent1"/>
+          </a:fillRef>
+          <a:effectRef idx="0">
+            <a:schemeClr val="accent1"/>
+          </a:effectRef>
+          <a:fontRef idx="minor">
+            <a:schemeClr val="lt1"/>
+          </a:fontRef>
+        </p:style>
+        <p:txBody>
+          <a:bodyPr rtlCol="0" anchor="ctr"/>
+          <a:lstStyle/>
+          <a:p>
+            <a:pPr algn="ctr"/>
+            <a:r>
+              <a:rPr lang="en-US" dirty="0">
+                <a:solidFill>
+                  <a:schemeClr val="tx1"/>
+                </a:solidFill>
+              </a:rPr>
+              <a:t>0.75</a:t>
+            </a:r>
+          </a:p>
+        </p:txBody>
+      </p:sp>
+      <p:sp>
+        <p:nvSpPr>
+          <p:cNvPr id="8" name="Rectangle 7">
+            <a:extLst>
+              <a:ext uri="{FF2B5EF4-FFF2-40B4-BE49-F238E27FC236}">
+                <a16:creationId xmlns:a16="http://schemas.microsoft.com/office/drawing/2014/main" id="{6C5D54F9-7FD5-4460-9AA5-9B0B468C02F9}"/>
+              </a:ext>
+            </a:extLst>
+          </p:cNvPr>
+          <p:cNvSpPr/>
+          <p:nvPr/>
+        </p:nvSpPr>
+        <p:spPr>
+          <a:xfrm>
+            <a:off x="6445621" y="3460376"/>
+            <a:ext cx="820270" cy="820270"/>
+          </a:xfrm>
+          <a:prstGeom prst="rect">
+            <a:avLst/>
+          </a:prstGeom>
+          <a:solidFill>
+            <a:schemeClr val="bg1"/>
+          </a:solidFill>
+        </p:spPr>
+        <p:style>
+          <a:lnRef idx="2">
+            <a:schemeClr val="accent1">
+              <a:shade val="50000"/>
+            </a:schemeClr>
+          </a:lnRef>
+          <a:fillRef idx="1">
+            <a:schemeClr val="accent1"/>
+          </a:fillRef>
+          <a:effectRef idx="0">
+            <a:schemeClr val="accent1"/>
+          </a:effectRef>
+          <a:fontRef idx="minor">
+            <a:schemeClr val="lt1"/>
+          </a:fontRef>
+        </p:style>
+        <p:txBody>
+          <a:bodyPr rtlCol="0" anchor="ctr"/>
+          <a:lstStyle/>
+          <a:p>
+            <a:pPr algn="ctr"/>
+            <a:r>
+              <a:rPr lang="en-US" dirty="0">
+                <a:solidFill>
+                  <a:schemeClr val="tx1"/>
+                </a:solidFill>
+              </a:rPr>
+              <a:t>0</a:t>
+            </a:r>
+          </a:p>
+        </p:txBody>
+      </p:sp>
+      <p:sp>
+        <p:nvSpPr>
+          <p:cNvPr id="9" name="Rectangle 8">
+            <a:extLst>
+              <a:ext uri="{FF2B5EF4-FFF2-40B4-BE49-F238E27FC236}">
+                <a16:creationId xmlns:a16="http://schemas.microsoft.com/office/drawing/2014/main" id="{82F79C53-62BB-47DE-8F63-3DEDE95C602F}"/>
+              </a:ext>
+            </a:extLst>
+          </p:cNvPr>
+          <p:cNvSpPr/>
+          <p:nvPr/>
+        </p:nvSpPr>
+        <p:spPr>
+          <a:xfrm>
+            <a:off x="7265891" y="3460376"/>
+            <a:ext cx="820270" cy="820270"/>
+          </a:xfrm>
+          <a:prstGeom prst="rect">
+            <a:avLst/>
+          </a:prstGeom>
+          <a:solidFill>
+            <a:schemeClr val="bg2">
+              <a:lumMod val="90000"/>
+            </a:schemeClr>
+          </a:solidFill>
+        </p:spPr>
+        <p:style>
+          <a:lnRef idx="2">
+            <a:schemeClr val="accent1">
+              <a:shade val="50000"/>
+            </a:schemeClr>
+          </a:lnRef>
+          <a:fillRef idx="1">
+            <a:schemeClr val="accent1"/>
+          </a:fillRef>
+          <a:effectRef idx="0">
+            <a:schemeClr val="accent1"/>
+          </a:effectRef>
+          <a:fontRef idx="minor">
+            <a:schemeClr val="lt1"/>
+          </a:fontRef>
+        </p:style>
+        <p:txBody>
+          <a:bodyPr rtlCol="0" anchor="ctr"/>
+          <a:lstStyle/>
+          <a:p>
+            <a:pPr algn="ctr"/>
+            <a:r>
+              <a:rPr lang="en-US" dirty="0">
+                <a:solidFill>
+                  <a:schemeClr val="tx1"/>
+                </a:solidFill>
+              </a:rPr>
+              <a:t>0.10</a:t>
+            </a:r>
+          </a:p>
+        </p:txBody>
+      </p:sp>
+      <p:sp>
+        <p:nvSpPr>
+          <p:cNvPr id="10" name="Rectangle 9">
+            <a:extLst>
+              <a:ext uri="{FF2B5EF4-FFF2-40B4-BE49-F238E27FC236}">
+                <a16:creationId xmlns:a16="http://schemas.microsoft.com/office/drawing/2014/main" id="{7B55BB22-158F-418A-A54A-9F732E10BF7E}"/>
+              </a:ext>
+            </a:extLst>
+          </p:cNvPr>
+          <p:cNvSpPr/>
+          <p:nvPr/>
+        </p:nvSpPr>
+        <p:spPr>
+          <a:xfrm>
+            <a:off x="8086161" y="3460376"/>
+            <a:ext cx="820270" cy="820270"/>
+          </a:xfrm>
+          <a:prstGeom prst="rect">
+            <a:avLst/>
+          </a:prstGeom>
+          <a:solidFill>
+            <a:schemeClr val="bg1"/>
+          </a:solidFill>
+        </p:spPr>
+        <p:style>
+          <a:lnRef idx="2">
+            <a:schemeClr val="accent1">
+              <a:shade val="50000"/>
+            </a:schemeClr>
+          </a:lnRef>
+          <a:fillRef idx="1">
+            <a:schemeClr val="accent1"/>
+          </a:fillRef>
+          <a:effectRef idx="0">
+            <a:schemeClr val="accent1"/>
+          </a:effectRef>
+          <a:fontRef idx="minor">
+            <a:schemeClr val="lt1"/>
+          </a:fontRef>
+        </p:style>
+        <p:txBody>
+          <a:bodyPr rtlCol="0" anchor="ctr"/>
+          <a:lstStyle/>
+          <a:p>
+            <a:pPr algn="ctr"/>
+            <a:r>
+              <a:rPr lang="en-US" dirty="0">
+                <a:solidFill>
+                  <a:schemeClr val="tx1"/>
+                </a:solidFill>
+              </a:rPr>
+              <a:t>0</a:t>
+            </a:r>
+          </a:p>
+        </p:txBody>
+      </p:sp>
+      <p:sp>
+        <p:nvSpPr>
+          <p:cNvPr id="11" name="Rectangle 10">
+            <a:extLst>
+              <a:ext uri="{FF2B5EF4-FFF2-40B4-BE49-F238E27FC236}">
+                <a16:creationId xmlns:a16="http://schemas.microsoft.com/office/drawing/2014/main" id="{8F5C4ECC-277B-4FBA-A9C9-4AE22B6B4F42}"/>
+              </a:ext>
+            </a:extLst>
+          </p:cNvPr>
+          <p:cNvSpPr/>
+          <p:nvPr/>
+        </p:nvSpPr>
+        <p:spPr>
+          <a:xfrm>
+            <a:off x="8906431" y="3460376"/>
+            <a:ext cx="820270" cy="820270"/>
+          </a:xfrm>
+          <a:prstGeom prst="rect">
+            <a:avLst/>
+          </a:prstGeom>
+          <a:solidFill>
+            <a:schemeClr val="bg1"/>
+          </a:solidFill>
+        </p:spPr>
+        <p:style>
+          <a:lnRef idx="2">
+            <a:schemeClr val="accent1">
+              <a:shade val="50000"/>
+            </a:schemeClr>
+          </a:lnRef>
+          <a:fillRef idx="1">
+            <a:schemeClr val="accent1"/>
+          </a:fillRef>
+          <a:effectRef idx="0">
+            <a:schemeClr val="accent1"/>
+          </a:effectRef>
+          <a:fontRef idx="minor">
+            <a:schemeClr val="lt1"/>
+          </a:fontRef>
+        </p:style>
+        <p:txBody>
+          <a:bodyPr rtlCol="0" anchor="ctr"/>
+          <a:lstStyle/>
+          <a:p>
+            <a:pPr algn="ctr"/>
+            <a:r>
+              <a:rPr lang="en-US" dirty="0">
+                <a:solidFill>
+                  <a:schemeClr val="tx1"/>
+                </a:solidFill>
+              </a:rPr>
+              <a:t>0</a:t>
+            </a:r>
+          </a:p>
+        </p:txBody>
+      </p:sp>
+      <p:sp>
+        <p:nvSpPr>
+          <p:cNvPr id="12" name="Rectangle 11">
+            <a:extLst>
+              <a:ext uri="{FF2B5EF4-FFF2-40B4-BE49-F238E27FC236}">
+                <a16:creationId xmlns:a16="http://schemas.microsoft.com/office/drawing/2014/main" id="{D2711AFE-1CE3-48A4-BA56-E9F28ACBBA24}"/>
+              </a:ext>
+            </a:extLst>
+          </p:cNvPr>
+          <p:cNvSpPr/>
+          <p:nvPr/>
+        </p:nvSpPr>
+        <p:spPr>
+          <a:xfrm>
+            <a:off x="9726701" y="3460376"/>
+            <a:ext cx="820270" cy="820270"/>
+          </a:xfrm>
+          <a:prstGeom prst="rect">
+            <a:avLst/>
+          </a:prstGeom>
+          <a:solidFill>
+            <a:schemeClr val="bg1"/>
+          </a:solidFill>
+        </p:spPr>
+        <p:style>
+          <a:lnRef idx="2">
+            <a:schemeClr val="accent1">
+              <a:shade val="50000"/>
+            </a:schemeClr>
+          </a:lnRef>
+          <a:fillRef idx="1">
+            <a:schemeClr val="accent1"/>
+          </a:fillRef>
+          <a:effectRef idx="0">
+            <a:schemeClr val="accent1"/>
+          </a:effectRef>
+          <a:fontRef idx="minor">
+            <a:schemeClr val="lt1"/>
+          </a:fontRef>
+        </p:style>
+        <p:txBody>
+          <a:bodyPr rtlCol="0" anchor="ctr"/>
+          <a:lstStyle/>
+          <a:p>
+            <a:pPr algn="ctr"/>
+            <a:r>
+              <a:rPr lang="en-US" dirty="0">
+                <a:solidFill>
+                  <a:schemeClr val="tx1"/>
+                </a:solidFill>
+              </a:rPr>
+              <a:t>0</a:t>
+            </a:r>
+          </a:p>
+        </p:txBody>
+      </p:sp>
+      <p:sp>
+        <p:nvSpPr>
+          <p:cNvPr id="13" name="Rectangle 12">
+            <a:extLst>
+              <a:ext uri="{FF2B5EF4-FFF2-40B4-BE49-F238E27FC236}">
+                <a16:creationId xmlns:a16="http://schemas.microsoft.com/office/drawing/2014/main" id="{FDDE6C6E-4A56-4FE1-BB8D-E0B2547691BB}"/>
+              </a:ext>
+            </a:extLst>
+          </p:cNvPr>
+          <p:cNvSpPr/>
+          <p:nvPr/>
+        </p:nvSpPr>
+        <p:spPr>
+          <a:xfrm>
+            <a:off x="10546971" y="3460376"/>
+            <a:ext cx="820270" cy="820270"/>
+          </a:xfrm>
+          <a:prstGeom prst="rect">
+            <a:avLst/>
+          </a:prstGeom>
+          <a:solidFill>
+            <a:schemeClr val="accent4">
+              <a:lumMod val="60000"/>
+              <a:lumOff val="40000"/>
+            </a:schemeClr>
+          </a:solidFill>
+        </p:spPr>
+        <p:style>
+          <a:lnRef idx="2">
+            <a:schemeClr val="accent1">
+              <a:shade val="50000"/>
+            </a:schemeClr>
+          </a:lnRef>
+          <a:fillRef idx="1">
+            <a:schemeClr val="accent1"/>
+          </a:fillRef>
+          <a:effectRef idx="0">
+            <a:schemeClr val="accent1"/>
+          </a:effectRef>
+          <a:fontRef idx="minor">
+            <a:schemeClr val="lt1"/>
+          </a:fontRef>
+        </p:style>
+        <p:txBody>
+          <a:bodyPr rtlCol="0" anchor="ctr"/>
+          <a:lstStyle/>
+          <a:p>
+            <a:pPr algn="ctr"/>
+            <a:r>
+              <a:rPr lang="en-US" dirty="0">
+                <a:solidFill>
+                  <a:schemeClr val="tx1"/>
+                </a:solidFill>
+              </a:rPr>
+              <a:t>0.87</a:t>
+            </a:r>
+          </a:p>
+        </p:txBody>
+      </p:sp>
+      <p:sp>
+        <p:nvSpPr>
+          <p:cNvPr id="14" name="Rectangle 13">
+            <a:extLst>
+              <a:ext uri="{FF2B5EF4-FFF2-40B4-BE49-F238E27FC236}">
+                <a16:creationId xmlns:a16="http://schemas.microsoft.com/office/drawing/2014/main" id="{CE46E1ED-6E9A-49E2-A567-C926998AF06E}"/>
+              </a:ext>
+            </a:extLst>
+          </p:cNvPr>
+          <p:cNvSpPr/>
+          <p:nvPr/>
+        </p:nvSpPr>
+        <p:spPr>
+          <a:xfrm>
+            <a:off x="3164541" y="2393576"/>
+            <a:ext cx="820270" cy="820270"/>
+          </a:xfrm>
+          <a:prstGeom prst="rect">
+            <a:avLst/>
+          </a:prstGeom>
+          <a:solidFill>
+            <a:schemeClr val="bg1"/>
+          </a:solidFill>
+        </p:spPr>
+        <p:style>
+          <a:lnRef idx="2">
+            <a:schemeClr val="accent1">
+              <a:shade val="50000"/>
+            </a:schemeClr>
+          </a:lnRef>
+          <a:fillRef idx="1">
+            <a:schemeClr val="accent1"/>
+          </a:fillRef>
+          <a:effectRef idx="0">
+            <a:schemeClr val="accent1"/>
+          </a:effectRef>
+          <a:fontRef idx="minor">
+            <a:schemeClr val="lt1"/>
+          </a:fontRef>
+        </p:style>
+        <p:txBody>
+          <a:bodyPr rtlCol="0" anchor="ctr"/>
+          <a:lstStyle/>
+          <a:p>
+            <a:pPr algn="ctr"/>
+            <a:r>
+              <a:rPr lang="en-US" dirty="0">
+                <a:solidFill>
+                  <a:schemeClr val="tx1"/>
+                </a:solidFill>
+              </a:rPr>
+              <a:t>0</a:t>
+            </a:r>
+          </a:p>
+        </p:txBody>
+      </p:sp>
+      <p:sp>
+        <p:nvSpPr>
+          <p:cNvPr id="15" name="Rectangle 14">
+            <a:extLst>
+              <a:ext uri="{FF2B5EF4-FFF2-40B4-BE49-F238E27FC236}">
+                <a16:creationId xmlns:a16="http://schemas.microsoft.com/office/drawing/2014/main" id="{DB269219-627E-407D-8EFB-6635E10E7E91}"/>
+              </a:ext>
+            </a:extLst>
+          </p:cNvPr>
+          <p:cNvSpPr/>
+          <p:nvPr/>
+        </p:nvSpPr>
+        <p:spPr>
+          <a:xfrm>
+            <a:off x="3984811" y="2393576"/>
+            <a:ext cx="820270" cy="820270"/>
+          </a:xfrm>
+          <a:prstGeom prst="rect">
+            <a:avLst/>
+          </a:prstGeom>
+          <a:solidFill>
+            <a:schemeClr val="bg1"/>
+          </a:solidFill>
+        </p:spPr>
+        <p:style>
+          <a:lnRef idx="2">
+            <a:schemeClr val="accent1">
+              <a:shade val="50000"/>
+            </a:schemeClr>
+          </a:lnRef>
+          <a:fillRef idx="1">
+            <a:schemeClr val="accent1"/>
+          </a:fillRef>
+          <a:effectRef idx="0">
+            <a:schemeClr val="accent1"/>
+          </a:effectRef>
+          <a:fontRef idx="minor">
+            <a:schemeClr val="lt1"/>
+          </a:fontRef>
+        </p:style>
+        <p:txBody>
+          <a:bodyPr rtlCol="0" anchor="ctr"/>
+          <a:lstStyle/>
+          <a:p>
+            <a:pPr algn="ctr"/>
+            <a:r>
+              <a:rPr lang="en-US" dirty="0">
+                <a:solidFill>
+                  <a:schemeClr val="tx1"/>
+                </a:solidFill>
+              </a:rPr>
+              <a:t>0</a:t>
+            </a:r>
+          </a:p>
+        </p:txBody>
+      </p:sp>
+      <p:sp>
+        <p:nvSpPr>
+          <p:cNvPr id="16" name="Rectangle 15">
+            <a:extLst>
+              <a:ext uri="{FF2B5EF4-FFF2-40B4-BE49-F238E27FC236}">
+                <a16:creationId xmlns:a16="http://schemas.microsoft.com/office/drawing/2014/main" id="{776B2CED-F2EE-4EEA-A904-434F83B3287D}"/>
+              </a:ext>
+            </a:extLst>
+          </p:cNvPr>
+          <p:cNvSpPr/>
+          <p:nvPr/>
+        </p:nvSpPr>
+        <p:spPr>
+          <a:xfrm>
+            <a:off x="4805081" y="2393576"/>
+            <a:ext cx="820270" cy="820270"/>
+          </a:xfrm>
+          <a:prstGeom prst="rect">
+            <a:avLst/>
+          </a:prstGeom>
+          <a:solidFill>
+            <a:schemeClr val="accent6">
+              <a:lumMod val="40000"/>
+              <a:lumOff val="60000"/>
+            </a:schemeClr>
+          </a:solidFill>
+        </p:spPr>
+        <p:style>
+          <a:lnRef idx="2">
+            <a:schemeClr val="accent1">
+              <a:shade val="50000"/>
+            </a:schemeClr>
+          </a:lnRef>
+          <a:fillRef idx="1">
+            <a:schemeClr val="accent1"/>
+          </a:fillRef>
+          <a:effectRef idx="0">
+            <a:schemeClr val="accent1"/>
+          </a:effectRef>
+          <a:fontRef idx="minor">
+            <a:schemeClr val="lt1"/>
+          </a:fontRef>
+        </p:style>
+        <p:txBody>
+          <a:bodyPr rtlCol="0" anchor="ctr"/>
+          <a:lstStyle/>
+          <a:p>
+            <a:pPr algn="ctr"/>
+            <a:r>
+              <a:rPr lang="en-US" dirty="0">
+                <a:solidFill>
+                  <a:schemeClr val="tx1"/>
+                </a:solidFill>
+              </a:rPr>
+              <a:t>0.32</a:t>
+            </a:r>
+          </a:p>
+        </p:txBody>
+      </p:sp>
+      <p:sp>
+        <p:nvSpPr>
+          <p:cNvPr id="17" name="Rectangle 16">
+            <a:extLst>
+              <a:ext uri="{FF2B5EF4-FFF2-40B4-BE49-F238E27FC236}">
+                <a16:creationId xmlns:a16="http://schemas.microsoft.com/office/drawing/2014/main" id="{2D56B4FF-40D5-44B4-879B-A2AC1DC4B2E6}"/>
+              </a:ext>
+            </a:extLst>
+          </p:cNvPr>
+          <p:cNvSpPr/>
+          <p:nvPr/>
+        </p:nvSpPr>
+        <p:spPr>
+          <a:xfrm>
+            <a:off x="5625351" y="2393576"/>
+            <a:ext cx="820270" cy="820270"/>
+          </a:xfrm>
+          <a:prstGeom prst="rect">
+            <a:avLst/>
+          </a:prstGeom>
+          <a:solidFill>
+            <a:schemeClr val="accent2">
+              <a:lumMod val="40000"/>
+              <a:lumOff val="60000"/>
+            </a:schemeClr>
+          </a:solidFill>
+        </p:spPr>
+        <p:style>
+          <a:lnRef idx="2">
+            <a:schemeClr val="accent1">
+              <a:shade val="50000"/>
+            </a:schemeClr>
+          </a:lnRef>
+          <a:fillRef idx="1">
+            <a:schemeClr val="accent1"/>
+          </a:fillRef>
+          <a:effectRef idx="0">
+            <a:schemeClr val="accent1"/>
+          </a:effectRef>
+          <a:fontRef idx="minor">
+            <a:schemeClr val="lt1"/>
+          </a:fontRef>
+        </p:style>
+        <p:txBody>
+          <a:bodyPr rtlCol="0" anchor="ctr"/>
+          <a:lstStyle/>
+          <a:p>
+            <a:pPr algn="ctr"/>
+            <a:r>
+              <a:rPr lang="en-US" dirty="0">
+                <a:solidFill>
+                  <a:schemeClr val="tx1"/>
+                </a:solidFill>
+              </a:rPr>
+              <a:t>0.79</a:t>
+            </a:r>
+          </a:p>
+        </p:txBody>
+      </p:sp>
+      <p:sp>
+        <p:nvSpPr>
+          <p:cNvPr id="18" name="Rectangle 17">
+            <a:extLst>
+              <a:ext uri="{FF2B5EF4-FFF2-40B4-BE49-F238E27FC236}">
+                <a16:creationId xmlns:a16="http://schemas.microsoft.com/office/drawing/2014/main" id="{F8BD4A53-261E-4717-B688-E9CF0DE0E553}"/>
+              </a:ext>
+            </a:extLst>
+          </p:cNvPr>
+          <p:cNvSpPr/>
+          <p:nvPr/>
+        </p:nvSpPr>
+        <p:spPr>
+          <a:xfrm>
+            <a:off x="6445621" y="2393576"/>
+            <a:ext cx="820270" cy="820270"/>
+          </a:xfrm>
+          <a:prstGeom prst="rect">
+            <a:avLst/>
+          </a:prstGeom>
+          <a:solidFill>
+            <a:schemeClr val="bg1"/>
+          </a:solidFill>
+        </p:spPr>
+        <p:style>
+          <a:lnRef idx="2">
+            <a:schemeClr val="accent1">
+              <a:shade val="50000"/>
+            </a:schemeClr>
+          </a:lnRef>
+          <a:fillRef idx="1">
+            <a:schemeClr val="accent1"/>
+          </a:fillRef>
+          <a:effectRef idx="0">
+            <a:schemeClr val="accent1"/>
+          </a:effectRef>
+          <a:fontRef idx="minor">
+            <a:schemeClr val="lt1"/>
+          </a:fontRef>
+        </p:style>
+        <p:txBody>
+          <a:bodyPr rtlCol="0" anchor="ctr"/>
+          <a:lstStyle/>
+          <a:p>
+            <a:pPr algn="ctr"/>
+            <a:r>
+              <a:rPr lang="en-US" dirty="0">
+                <a:solidFill>
+                  <a:schemeClr val="tx1"/>
+                </a:solidFill>
+              </a:rPr>
+              <a:t>0</a:t>
+            </a:r>
+          </a:p>
+        </p:txBody>
+      </p:sp>
+      <p:sp>
+        <p:nvSpPr>
+          <p:cNvPr id="19" name="Rectangle 18">
+            <a:extLst>
+              <a:ext uri="{FF2B5EF4-FFF2-40B4-BE49-F238E27FC236}">
+                <a16:creationId xmlns:a16="http://schemas.microsoft.com/office/drawing/2014/main" id="{700ECBC3-67F5-4A6E-9242-C5C3C50D170F}"/>
+              </a:ext>
+            </a:extLst>
+          </p:cNvPr>
+          <p:cNvSpPr/>
+          <p:nvPr/>
+        </p:nvSpPr>
+        <p:spPr>
+          <a:xfrm>
+            <a:off x="7265891" y="2393576"/>
+            <a:ext cx="820270" cy="820270"/>
+          </a:xfrm>
+          <a:prstGeom prst="rect">
+            <a:avLst/>
+          </a:prstGeom>
+          <a:solidFill>
+            <a:schemeClr val="bg2"/>
+          </a:solidFill>
+        </p:spPr>
+        <p:style>
+          <a:lnRef idx="2">
+            <a:schemeClr val="accent1">
+              <a:shade val="50000"/>
+            </a:schemeClr>
+          </a:lnRef>
+          <a:fillRef idx="1">
+            <a:schemeClr val="accent1"/>
+          </a:fillRef>
+          <a:effectRef idx="0">
+            <a:schemeClr val="accent1"/>
+          </a:effectRef>
+          <a:fontRef idx="minor">
+            <a:schemeClr val="lt1"/>
+          </a:fontRef>
+        </p:style>
+        <p:txBody>
+          <a:bodyPr rtlCol="0" anchor="ctr"/>
+          <a:lstStyle/>
+          <a:p>
+            <a:pPr algn="ctr"/>
+            <a:r>
+              <a:rPr lang="en-US" dirty="0">
+                <a:solidFill>
+                  <a:schemeClr val="tx1"/>
+                </a:solidFill>
+              </a:rPr>
+              <a:t>0.05</a:t>
+            </a:r>
+          </a:p>
+        </p:txBody>
+      </p:sp>
+      <p:sp>
+        <p:nvSpPr>
+          <p:cNvPr id="20" name="Rectangle 19">
+            <a:extLst>
+              <a:ext uri="{FF2B5EF4-FFF2-40B4-BE49-F238E27FC236}">
+                <a16:creationId xmlns:a16="http://schemas.microsoft.com/office/drawing/2014/main" id="{5F4770DF-9132-4D6D-8B79-D164B1058103}"/>
+              </a:ext>
+            </a:extLst>
+          </p:cNvPr>
+          <p:cNvSpPr/>
+          <p:nvPr/>
+        </p:nvSpPr>
+        <p:spPr>
+          <a:xfrm>
+            <a:off x="8086161" y="2393576"/>
+            <a:ext cx="820270" cy="820270"/>
+          </a:xfrm>
+          <a:prstGeom prst="rect">
+            <a:avLst/>
+          </a:prstGeom>
+          <a:solidFill>
+            <a:schemeClr val="bg2">
+              <a:lumMod val="90000"/>
+            </a:schemeClr>
+          </a:solidFill>
+        </p:spPr>
+        <p:style>
+          <a:lnRef idx="2">
+            <a:schemeClr val="accent1">
+              <a:shade val="50000"/>
+            </a:schemeClr>
+          </a:lnRef>
+          <a:fillRef idx="1">
+            <a:schemeClr val="accent1"/>
+          </a:fillRef>
+          <a:effectRef idx="0">
+            <a:schemeClr val="accent1"/>
+          </a:effectRef>
+          <a:fontRef idx="minor">
+            <a:schemeClr val="lt1"/>
+          </a:fontRef>
+        </p:style>
+        <p:txBody>
+          <a:bodyPr rtlCol="0" anchor="ctr"/>
+          <a:lstStyle/>
+          <a:p>
+            <a:pPr algn="ctr"/>
+            <a:r>
+              <a:rPr lang="en-US" dirty="0">
+                <a:solidFill>
+                  <a:schemeClr val="tx1"/>
+                </a:solidFill>
+              </a:rPr>
+              <a:t>0.10</a:t>
+            </a:r>
+          </a:p>
+        </p:txBody>
+      </p:sp>
+      <p:sp>
+        <p:nvSpPr>
+          <p:cNvPr id="21" name="Rectangle 20">
+            <a:extLst>
+              <a:ext uri="{FF2B5EF4-FFF2-40B4-BE49-F238E27FC236}">
+                <a16:creationId xmlns:a16="http://schemas.microsoft.com/office/drawing/2014/main" id="{44C9D09C-28C3-4F45-94B1-836E3EFC4F9F}"/>
+              </a:ext>
+            </a:extLst>
+          </p:cNvPr>
+          <p:cNvSpPr/>
+          <p:nvPr/>
+        </p:nvSpPr>
+        <p:spPr>
+          <a:xfrm>
+            <a:off x="8906431" y="2393576"/>
+            <a:ext cx="820270" cy="820270"/>
+          </a:xfrm>
+          <a:prstGeom prst="rect">
+            <a:avLst/>
+          </a:prstGeom>
+          <a:solidFill>
+            <a:schemeClr val="bg1"/>
+          </a:solidFill>
+        </p:spPr>
+        <p:style>
+          <a:lnRef idx="2">
+            <a:schemeClr val="accent1">
+              <a:shade val="50000"/>
+            </a:schemeClr>
+          </a:lnRef>
+          <a:fillRef idx="1">
+            <a:schemeClr val="accent1"/>
+          </a:fillRef>
+          <a:effectRef idx="0">
+            <a:schemeClr val="accent1"/>
+          </a:effectRef>
+          <a:fontRef idx="minor">
+            <a:schemeClr val="lt1"/>
+          </a:fontRef>
+        </p:style>
+        <p:txBody>
+          <a:bodyPr rtlCol="0" anchor="ctr"/>
+          <a:lstStyle/>
+          <a:p>
+            <a:pPr algn="ctr"/>
+            <a:r>
+              <a:rPr lang="en-US" dirty="0">
+                <a:solidFill>
+                  <a:schemeClr val="tx1"/>
+                </a:solidFill>
+              </a:rPr>
+              <a:t>0</a:t>
+            </a:r>
+          </a:p>
+        </p:txBody>
+      </p:sp>
+      <p:sp>
+        <p:nvSpPr>
+          <p:cNvPr id="22" name="Rectangle 21">
+            <a:extLst>
+              <a:ext uri="{FF2B5EF4-FFF2-40B4-BE49-F238E27FC236}">
+                <a16:creationId xmlns:a16="http://schemas.microsoft.com/office/drawing/2014/main" id="{6A47CDA3-A1EA-4614-9D4F-37B4BE1A29E2}"/>
+              </a:ext>
+            </a:extLst>
+          </p:cNvPr>
+          <p:cNvSpPr/>
+          <p:nvPr/>
+        </p:nvSpPr>
+        <p:spPr>
+          <a:xfrm>
+            <a:off x="9726701" y="2393576"/>
+            <a:ext cx="820270" cy="820270"/>
+          </a:xfrm>
+          <a:prstGeom prst="rect">
+            <a:avLst/>
+          </a:prstGeom>
+          <a:solidFill>
+            <a:schemeClr val="bg1"/>
+          </a:solidFill>
+        </p:spPr>
+        <p:style>
+          <a:lnRef idx="2">
+            <a:schemeClr val="accent1">
+              <a:shade val="50000"/>
+            </a:schemeClr>
+          </a:lnRef>
+          <a:fillRef idx="1">
+            <a:schemeClr val="accent1"/>
+          </a:fillRef>
+          <a:effectRef idx="0">
+            <a:schemeClr val="accent1"/>
+          </a:effectRef>
+          <a:fontRef idx="minor">
+            <a:schemeClr val="lt1"/>
+          </a:fontRef>
+        </p:style>
+        <p:txBody>
+          <a:bodyPr rtlCol="0" anchor="ctr"/>
+          <a:lstStyle/>
+          <a:p>
+            <a:pPr algn="ctr"/>
+            <a:r>
+              <a:rPr lang="en-US" dirty="0">
+                <a:solidFill>
+                  <a:schemeClr val="tx1"/>
+                </a:solidFill>
+              </a:rPr>
+              <a:t>0</a:t>
+            </a:r>
+          </a:p>
+        </p:txBody>
+      </p:sp>
+      <p:sp>
+        <p:nvSpPr>
+          <p:cNvPr id="23" name="Rectangle 22">
+            <a:extLst>
+              <a:ext uri="{FF2B5EF4-FFF2-40B4-BE49-F238E27FC236}">
+                <a16:creationId xmlns:a16="http://schemas.microsoft.com/office/drawing/2014/main" id="{0A27830C-9B3D-45D6-84F7-EA2C1F760C6A}"/>
+              </a:ext>
+            </a:extLst>
+          </p:cNvPr>
+          <p:cNvSpPr/>
+          <p:nvPr/>
+        </p:nvSpPr>
+        <p:spPr>
+          <a:xfrm>
+            <a:off x="10546971" y="2393576"/>
+            <a:ext cx="820270" cy="820270"/>
+          </a:xfrm>
+          <a:prstGeom prst="rect">
+            <a:avLst/>
+          </a:prstGeom>
+          <a:solidFill>
+            <a:schemeClr val="accent4">
+              <a:lumMod val="75000"/>
+            </a:schemeClr>
+          </a:solidFill>
+        </p:spPr>
+        <p:style>
+          <a:lnRef idx="2">
+            <a:schemeClr val="accent1">
+              <a:shade val="50000"/>
+            </a:schemeClr>
+          </a:lnRef>
+          <a:fillRef idx="1">
+            <a:schemeClr val="accent1"/>
+          </a:fillRef>
+          <a:effectRef idx="0">
+            <a:schemeClr val="accent1"/>
+          </a:effectRef>
+          <a:fontRef idx="minor">
+            <a:schemeClr val="lt1"/>
+          </a:fontRef>
+        </p:style>
+        <p:txBody>
+          <a:bodyPr rtlCol="0" anchor="ctr"/>
+          <a:lstStyle/>
+          <a:p>
+            <a:pPr algn="ctr"/>
+            <a:r>
+              <a:rPr lang="en-US" dirty="0">
+                <a:solidFill>
+                  <a:schemeClr val="tx1"/>
+                </a:solidFill>
+              </a:rPr>
+              <a:t>0.91</a:t>
+            </a:r>
+          </a:p>
+        </p:txBody>
+      </p:sp>
+      <p:sp>
+        <p:nvSpPr>
+          <p:cNvPr id="24" name="TextBox 23">
+            <a:extLst>
+              <a:ext uri="{FF2B5EF4-FFF2-40B4-BE49-F238E27FC236}">
+                <a16:creationId xmlns:a16="http://schemas.microsoft.com/office/drawing/2014/main" id="{6C4F49D1-4E16-4C77-B6AA-54152824E072}"/>
+              </a:ext>
+            </a:extLst>
+          </p:cNvPr>
+          <p:cNvSpPr txBox="1"/>
+          <p:nvPr/>
+        </p:nvSpPr>
+        <p:spPr>
+          <a:xfrm>
+            <a:off x="1483659" y="2572871"/>
+            <a:ext cx="1465729" cy="461665"/>
+          </a:xfrm>
+          <a:prstGeom prst="rect">
+            <a:avLst/>
+          </a:prstGeom>
+          <a:noFill/>
+        </p:spPr>
+        <p:txBody>
+          <a:bodyPr wrap="square" rtlCol="0">
+            <a:spAutoFit/>
+          </a:bodyPr>
+          <a:lstStyle/>
+          <a:p>
+            <a:r>
+              <a:rPr lang="en-US" sz="2400" b="1" dirty="0">
+                <a:solidFill>
+                  <a:schemeClr val="accent1">
+                    <a:lumMod val="75000"/>
+                  </a:schemeClr>
+                </a:solidFill>
+                <a:effectLst>
+                  <a:outerShdw blurRad="38100" dist="38100" dir="2700000" algn="tl">
+                    <a:srgbClr val="000000">
+                      <a:alpha val="43137"/>
+                    </a:srgbClr>
+                  </a:outerShdw>
+                </a:effectLst>
+              </a:rPr>
+              <a:t>Achieve</a:t>
+            </a:r>
+          </a:p>
+        </p:txBody>
+      </p:sp>
+      <p:sp>
+        <p:nvSpPr>
+          <p:cNvPr id="25" name="TextBox 24">
+            <a:extLst>
+              <a:ext uri="{FF2B5EF4-FFF2-40B4-BE49-F238E27FC236}">
+                <a16:creationId xmlns:a16="http://schemas.microsoft.com/office/drawing/2014/main" id="{F891BAF6-2740-4545-9E93-05B83AF3E5E9}"/>
+              </a:ext>
+            </a:extLst>
+          </p:cNvPr>
+          <p:cNvSpPr txBox="1"/>
+          <p:nvPr/>
+        </p:nvSpPr>
+        <p:spPr>
+          <a:xfrm>
+            <a:off x="1483658" y="3639678"/>
+            <a:ext cx="1465729" cy="461665"/>
+          </a:xfrm>
+          <a:prstGeom prst="rect">
+            <a:avLst/>
+          </a:prstGeom>
+          <a:noFill/>
+        </p:spPr>
+        <p:txBody>
+          <a:bodyPr wrap="square" rtlCol="0">
+            <a:spAutoFit/>
+          </a:bodyPr>
+          <a:lstStyle/>
+          <a:p>
+            <a:r>
+              <a:rPr lang="en-US" sz="2400" b="1" dirty="0">
+                <a:solidFill>
+                  <a:schemeClr val="accent1">
+                    <a:lumMod val="75000"/>
+                  </a:schemeClr>
+                </a:solidFill>
+                <a:effectLst>
+                  <a:outerShdw blurRad="38100" dist="38100" dir="2700000" algn="tl">
+                    <a:srgbClr val="000000">
+                      <a:alpha val="43137"/>
+                    </a:srgbClr>
+                  </a:outerShdw>
+                </a:effectLst>
+              </a:rPr>
+              <a:t>Success</a:t>
+            </a:r>
+          </a:p>
+        </p:txBody>
+      </p:sp>
+    </p:spTree>
+    <p:extLst>
+      <p:ext uri="{BB962C8B-B14F-4D97-AF65-F5344CB8AC3E}">
+        <p14:creationId xmlns:p14="http://schemas.microsoft.com/office/powerpoint/2010/main" val="3865957367"/>
+      </p:ext>
+    </p:extLst>
+  </p:cSld>
+  <p:clrMapOvr>
+    <a:masterClrMapping/>
+  </p:clrMapOvr>
+</p:sld>
+</file>
+
+<file path=ppt/slides/slide3.xml><?xml version="1.0" encoding="utf-8"?>
+<p:sld xmlns:a="http://schemas.openxmlformats.org/drawingml/2006/main" xmlns:r="http://schemas.openxmlformats.org/officeDocument/2006/relationships" xmlns:p="http://schemas.openxmlformats.org/presentationml/2006/main">
+  <p:cSld>
+    <p:spTree>
+      <p:nvGrpSpPr>
+        <p:cNvPr id="1" name=""/>
+        <p:cNvGrpSpPr/>
+        <p:nvPr/>
+      </p:nvGrpSpPr>
+      <p:grpSpPr>
+        <a:xfrm>
+          <a:off x="0" y="0"/>
+          <a:ext cx="0" cy="0"/>
+          <a:chOff x="0" y="0"/>
+          <a:chExt cx="0" cy="0"/>
+        </a:xfrm>
+      </p:grpSpPr>
+      <p:grpSp>
+        <p:nvGrpSpPr>
+          <p:cNvPr id="12" name="Group 11">
+            <a:extLst>
+              <a:ext uri="{FF2B5EF4-FFF2-40B4-BE49-F238E27FC236}">
+                <a16:creationId xmlns:a16="http://schemas.microsoft.com/office/drawing/2014/main" id="{A812BA6C-39D6-4C53-B90C-6B0290BB9E4D}"/>
+              </a:ext>
+            </a:extLst>
+          </p:cNvPr>
+          <p:cNvGrpSpPr/>
+          <p:nvPr/>
+        </p:nvGrpSpPr>
+        <p:grpSpPr>
+          <a:xfrm>
+            <a:off x="609599" y="2873188"/>
+            <a:ext cx="4141693" cy="1887070"/>
+            <a:chOff x="1483658" y="2393576"/>
+            <a:chExt cx="4141693" cy="1887070"/>
+          </a:xfrm>
+        </p:grpSpPr>
+        <p:sp>
+          <p:nvSpPr>
+            <p:cNvPr id="4" name="Rectangle 3">
+              <a:extLst>
+                <a:ext uri="{FF2B5EF4-FFF2-40B4-BE49-F238E27FC236}">
+                  <a16:creationId xmlns:a16="http://schemas.microsoft.com/office/drawing/2014/main" id="{76CA8BD8-6C58-418E-BFC6-01EBA156428F}"/>
+                </a:ext>
+              </a:extLst>
+            </p:cNvPr>
+            <p:cNvSpPr/>
+            <p:nvPr/>
+          </p:nvSpPr>
+          <p:spPr>
+            <a:xfrm>
+              <a:off x="3164541" y="3460376"/>
+              <a:ext cx="820270" cy="820270"/>
+            </a:xfrm>
+            <a:prstGeom prst="rect">
+              <a:avLst/>
+            </a:prstGeom>
+            <a:solidFill>
+              <a:srgbClr val="9900FF"/>
+            </a:solidFill>
+          </p:spPr>
+          <p:style>
+            <a:lnRef idx="2">
+              <a:schemeClr val="accent1">
+                <a:shade val="50000"/>
+              </a:schemeClr>
+            </a:lnRef>
+            <a:fillRef idx="1">
+              <a:schemeClr val="accent1"/>
+            </a:fillRef>
+            <a:effectRef idx="0">
+              <a:schemeClr val="accent1"/>
+            </a:effectRef>
+            <a:fontRef idx="minor">
+              <a:schemeClr val="lt1"/>
+            </a:fontRef>
+          </p:style>
+          <p:txBody>
+            <a:bodyPr rtlCol="0" anchor="ctr"/>
+            <a:lstStyle/>
+            <a:p>
+              <a:pPr algn="ctr"/>
+              <a:r>
+                <a:rPr lang="en-US" dirty="0">
+                  <a:solidFill>
+                    <a:schemeClr val="tx1"/>
+                  </a:solidFill>
+                </a:rPr>
+                <a:t>0.51</a:t>
+              </a:r>
+            </a:p>
+          </p:txBody>
+        </p:sp>
+        <p:sp>
+          <p:nvSpPr>
+            <p:cNvPr id="5" name="Rectangle 4">
+              <a:extLst>
+                <a:ext uri="{FF2B5EF4-FFF2-40B4-BE49-F238E27FC236}">
+                  <a16:creationId xmlns:a16="http://schemas.microsoft.com/office/drawing/2014/main" id="{982B3439-2F3D-493B-B7D5-394A35FDF454}"/>
+                </a:ext>
+              </a:extLst>
+            </p:cNvPr>
+            <p:cNvSpPr/>
+            <p:nvPr/>
+          </p:nvSpPr>
+          <p:spPr>
+            <a:xfrm>
+              <a:off x="3984811" y="3460376"/>
+              <a:ext cx="820270" cy="820270"/>
+            </a:xfrm>
+            <a:prstGeom prst="rect">
+              <a:avLst/>
+            </a:prstGeom>
+            <a:solidFill>
+              <a:schemeClr val="accent4">
+                <a:lumMod val="75000"/>
+              </a:schemeClr>
+            </a:solidFill>
+          </p:spPr>
+          <p:style>
+            <a:lnRef idx="2">
+              <a:schemeClr val="accent1">
+                <a:shade val="50000"/>
+              </a:schemeClr>
+            </a:lnRef>
+            <a:fillRef idx="1">
+              <a:schemeClr val="accent1"/>
+            </a:fillRef>
+            <a:effectRef idx="0">
+              <a:schemeClr val="accent1"/>
+            </a:effectRef>
+            <a:fontRef idx="minor">
+              <a:schemeClr val="lt1"/>
+            </a:fontRef>
+          </p:style>
+          <p:txBody>
+            <a:bodyPr rtlCol="0" anchor="ctr"/>
+            <a:lstStyle/>
+            <a:p>
+              <a:pPr algn="ctr"/>
+              <a:r>
+                <a:rPr lang="en-US" dirty="0">
+                  <a:solidFill>
+                    <a:schemeClr val="tx1"/>
+                  </a:solidFill>
+                </a:rPr>
+                <a:t>0.91</a:t>
+              </a:r>
+            </a:p>
+          </p:txBody>
+        </p:sp>
+        <p:sp>
+          <p:nvSpPr>
+            <p:cNvPr id="6" name="Rectangle 5">
+              <a:extLst>
+                <a:ext uri="{FF2B5EF4-FFF2-40B4-BE49-F238E27FC236}">
+                  <a16:creationId xmlns:a16="http://schemas.microsoft.com/office/drawing/2014/main" id="{D57916FE-76FA-41AB-8E54-46BC98C83B86}"/>
+                </a:ext>
+              </a:extLst>
+            </p:cNvPr>
+            <p:cNvSpPr/>
+            <p:nvPr/>
+          </p:nvSpPr>
+          <p:spPr>
+            <a:xfrm>
+              <a:off x="4805081" y="3460376"/>
+              <a:ext cx="820270" cy="820270"/>
+            </a:xfrm>
+            <a:prstGeom prst="rect">
+              <a:avLst/>
+            </a:prstGeom>
+            <a:solidFill>
+              <a:schemeClr val="accent1">
+                <a:lumMod val="60000"/>
+                <a:lumOff val="40000"/>
+              </a:schemeClr>
+            </a:solidFill>
+          </p:spPr>
+          <p:style>
+            <a:lnRef idx="2">
+              <a:schemeClr val="accent1">
+                <a:shade val="50000"/>
+              </a:schemeClr>
+            </a:lnRef>
+            <a:fillRef idx="1">
+              <a:schemeClr val="accent1"/>
+            </a:fillRef>
+            <a:effectRef idx="0">
+              <a:schemeClr val="accent1"/>
+            </a:effectRef>
+            <a:fontRef idx="minor">
+              <a:schemeClr val="lt1"/>
+            </a:fontRef>
+          </p:style>
+          <p:txBody>
+            <a:bodyPr rtlCol="0" anchor="ctr"/>
+            <a:lstStyle/>
+            <a:p>
+              <a:pPr algn="ctr"/>
+              <a:r>
+                <a:rPr lang="en-US" dirty="0">
+                  <a:solidFill>
+                    <a:schemeClr val="tx1"/>
+                  </a:solidFill>
+                </a:rPr>
+                <a:t>0.65</a:t>
+              </a:r>
+            </a:p>
+          </p:txBody>
+        </p:sp>
+        <p:sp>
+          <p:nvSpPr>
+            <p:cNvPr id="7" name="Rectangle 6">
+              <a:extLst>
+                <a:ext uri="{FF2B5EF4-FFF2-40B4-BE49-F238E27FC236}">
+                  <a16:creationId xmlns:a16="http://schemas.microsoft.com/office/drawing/2014/main" id="{6A02CFA8-2B99-4596-849C-B13F0992F5A6}"/>
+                </a:ext>
+              </a:extLst>
+            </p:cNvPr>
+            <p:cNvSpPr/>
+            <p:nvPr/>
+          </p:nvSpPr>
+          <p:spPr>
+            <a:xfrm>
+              <a:off x="3164541" y="2393576"/>
+              <a:ext cx="820270" cy="820270"/>
+            </a:xfrm>
+            <a:prstGeom prst="rect">
+              <a:avLst/>
+            </a:prstGeom>
+            <a:solidFill>
+              <a:schemeClr val="bg2">
+                <a:lumMod val="75000"/>
+              </a:schemeClr>
+            </a:solidFill>
+          </p:spPr>
+          <p:style>
+            <a:lnRef idx="2">
+              <a:schemeClr val="accent1">
+                <a:shade val="50000"/>
+              </a:schemeClr>
+            </a:lnRef>
+            <a:fillRef idx="1">
+              <a:schemeClr val="accent1"/>
+            </a:fillRef>
+            <a:effectRef idx="0">
+              <a:schemeClr val="accent1"/>
+            </a:effectRef>
+            <a:fontRef idx="minor">
+              <a:schemeClr val="lt1"/>
+            </a:fontRef>
+          </p:style>
+          <p:txBody>
+            <a:bodyPr rtlCol="0" anchor="ctr"/>
+            <a:lstStyle/>
+            <a:p>
+              <a:pPr algn="ctr"/>
+              <a:r>
+                <a:rPr lang="en-US" dirty="0">
+                  <a:solidFill>
+                    <a:schemeClr val="tx1"/>
+                  </a:solidFill>
+                </a:rPr>
+                <a:t>0.11</a:t>
+              </a:r>
+            </a:p>
+          </p:txBody>
+        </p:sp>
+        <p:sp>
+          <p:nvSpPr>
+            <p:cNvPr id="8" name="Rectangle 7">
+              <a:extLst>
+                <a:ext uri="{FF2B5EF4-FFF2-40B4-BE49-F238E27FC236}">
+                  <a16:creationId xmlns:a16="http://schemas.microsoft.com/office/drawing/2014/main" id="{C00074E7-2BD8-40A7-A6B7-6A8CD80BC621}"/>
+                </a:ext>
+              </a:extLst>
+            </p:cNvPr>
+            <p:cNvSpPr/>
+            <p:nvPr/>
+          </p:nvSpPr>
+          <p:spPr>
+            <a:xfrm>
+              <a:off x="3984811" y="2393576"/>
+              <a:ext cx="820270" cy="820270"/>
+            </a:xfrm>
+            <a:prstGeom prst="rect">
+              <a:avLst/>
+            </a:prstGeom>
+            <a:solidFill>
+              <a:schemeClr val="accent6">
+                <a:lumMod val="60000"/>
+                <a:lumOff val="40000"/>
+              </a:schemeClr>
+            </a:solidFill>
+          </p:spPr>
+          <p:style>
+            <a:lnRef idx="2">
+              <a:schemeClr val="accent1">
+                <a:shade val="50000"/>
+              </a:schemeClr>
+            </a:lnRef>
+            <a:fillRef idx="1">
+              <a:schemeClr val="accent1"/>
+            </a:fillRef>
+            <a:effectRef idx="0">
+              <a:schemeClr val="accent1"/>
+            </a:effectRef>
+            <a:fontRef idx="minor">
+              <a:schemeClr val="lt1"/>
+            </a:fontRef>
+          </p:style>
+          <p:txBody>
+            <a:bodyPr rtlCol="0" anchor="ctr"/>
+            <a:lstStyle/>
+            <a:p>
+              <a:pPr algn="ctr"/>
+              <a:r>
+                <a:rPr lang="en-US" dirty="0">
+                  <a:solidFill>
+                    <a:schemeClr val="tx1"/>
+                  </a:solidFill>
+                </a:rPr>
+                <a:t>0.34</a:t>
+              </a:r>
+            </a:p>
+          </p:txBody>
+        </p:sp>
+        <p:sp>
+          <p:nvSpPr>
+            <p:cNvPr id="9" name="Rectangle 8">
+              <a:extLst>
+                <a:ext uri="{FF2B5EF4-FFF2-40B4-BE49-F238E27FC236}">
+                  <a16:creationId xmlns:a16="http://schemas.microsoft.com/office/drawing/2014/main" id="{45E0294E-FFB2-4D4D-B639-25AF415212AD}"/>
+                </a:ext>
+              </a:extLst>
+            </p:cNvPr>
+            <p:cNvSpPr/>
+            <p:nvPr/>
+          </p:nvSpPr>
+          <p:spPr>
+            <a:xfrm>
+              <a:off x="4805081" y="2393576"/>
+              <a:ext cx="820270" cy="820270"/>
+            </a:xfrm>
+            <a:prstGeom prst="rect">
+              <a:avLst/>
+            </a:prstGeom>
+            <a:solidFill>
+              <a:srgbClr val="7030A0"/>
+            </a:solidFill>
+          </p:spPr>
+          <p:style>
+            <a:lnRef idx="2">
+              <a:schemeClr val="accent1">
+                <a:shade val="50000"/>
+              </a:schemeClr>
+            </a:lnRef>
+            <a:fillRef idx="1">
+              <a:schemeClr val="accent1"/>
+            </a:fillRef>
+            <a:effectRef idx="0">
+              <a:schemeClr val="accent1"/>
+            </a:effectRef>
+            <a:fontRef idx="minor">
+              <a:schemeClr val="lt1"/>
+            </a:fontRef>
+          </p:style>
+          <p:txBody>
+            <a:bodyPr rtlCol="0" anchor="ctr"/>
+            <a:lstStyle/>
+            <a:p>
+              <a:pPr algn="ctr"/>
+              <a:r>
+                <a:rPr lang="en-US" dirty="0">
+                  <a:solidFill>
+                    <a:schemeClr val="tx1"/>
+                  </a:solidFill>
+                </a:rPr>
+                <a:t>0.54</a:t>
+              </a:r>
+            </a:p>
+          </p:txBody>
+        </p:sp>
+        <p:sp>
+          <p:nvSpPr>
+            <p:cNvPr id="10" name="TextBox 9">
+              <a:extLst>
+                <a:ext uri="{FF2B5EF4-FFF2-40B4-BE49-F238E27FC236}">
+                  <a16:creationId xmlns:a16="http://schemas.microsoft.com/office/drawing/2014/main" id="{02877F22-152D-4B51-84E7-0C7E304F55A3}"/>
+                </a:ext>
+              </a:extLst>
+            </p:cNvPr>
+            <p:cNvSpPr txBox="1"/>
+            <p:nvPr/>
+          </p:nvSpPr>
+          <p:spPr>
+            <a:xfrm>
+              <a:off x="1483659" y="2572871"/>
+              <a:ext cx="1465729" cy="461665"/>
+            </a:xfrm>
+            <a:prstGeom prst="rect">
+              <a:avLst/>
+            </a:prstGeom>
+            <a:noFill/>
+          </p:spPr>
+          <p:txBody>
+            <a:bodyPr wrap="square" rtlCol="0">
+              <a:spAutoFit/>
+            </a:bodyPr>
+            <a:lstStyle/>
+            <a:p>
+              <a:r>
+                <a:rPr lang="en-US" sz="2400" b="1" dirty="0">
+                  <a:solidFill>
+                    <a:schemeClr val="accent1">
+                      <a:lumMod val="75000"/>
+                    </a:schemeClr>
+                  </a:solidFill>
+                  <a:effectLst>
+                    <a:outerShdw blurRad="38100" dist="38100" dir="2700000" algn="tl">
+                      <a:srgbClr val="000000">
+                        <a:alpha val="43137"/>
+                      </a:srgbClr>
+                    </a:outerShdw>
+                  </a:effectLst>
+                </a:rPr>
+                <a:t>Achieve</a:t>
+              </a:r>
+            </a:p>
+          </p:txBody>
+        </p:sp>
+        <p:sp>
+          <p:nvSpPr>
+            <p:cNvPr id="11" name="TextBox 10">
+              <a:extLst>
+                <a:ext uri="{FF2B5EF4-FFF2-40B4-BE49-F238E27FC236}">
+                  <a16:creationId xmlns:a16="http://schemas.microsoft.com/office/drawing/2014/main" id="{13CBE9A2-7F28-41D0-AD0E-7D3E2497CC20}"/>
+                </a:ext>
+              </a:extLst>
+            </p:cNvPr>
+            <p:cNvSpPr txBox="1"/>
+            <p:nvPr/>
+          </p:nvSpPr>
+          <p:spPr>
+            <a:xfrm>
+              <a:off x="1483658" y="3639678"/>
+              <a:ext cx="1465729" cy="461665"/>
+            </a:xfrm>
+            <a:prstGeom prst="rect">
+              <a:avLst/>
+            </a:prstGeom>
+            <a:noFill/>
+          </p:spPr>
+          <p:txBody>
+            <a:bodyPr wrap="square" rtlCol="0">
+              <a:spAutoFit/>
+            </a:bodyPr>
+            <a:lstStyle/>
+            <a:p>
+              <a:r>
+                <a:rPr lang="en-US" sz="2400" b="1" dirty="0">
+                  <a:solidFill>
+                    <a:schemeClr val="accent1">
+                      <a:lumMod val="75000"/>
+                    </a:schemeClr>
+                  </a:solidFill>
+                  <a:effectLst>
+                    <a:outerShdw blurRad="38100" dist="38100" dir="2700000" algn="tl">
+                      <a:srgbClr val="000000">
+                        <a:alpha val="43137"/>
+                      </a:srgbClr>
+                    </a:outerShdw>
+                  </a:effectLst>
+                </a:rPr>
+                <a:t>Success</a:t>
+              </a:r>
+            </a:p>
+          </p:txBody>
+        </p:sp>
+      </p:grpSp>
+      <p:cxnSp>
+        <p:nvCxnSpPr>
+          <p:cNvPr id="13" name="Straight Arrow Connector 12">
+            <a:extLst>
+              <a:ext uri="{FF2B5EF4-FFF2-40B4-BE49-F238E27FC236}">
+                <a16:creationId xmlns:a16="http://schemas.microsoft.com/office/drawing/2014/main" id="{DAA075A4-560D-4929-98B1-EBBB3EC5F975}"/>
+              </a:ext>
+            </a:extLst>
+          </p:cNvPr>
+          <p:cNvCxnSpPr>
+            <a:cxnSpLocks/>
+          </p:cNvCxnSpPr>
+          <p:nvPr/>
+        </p:nvCxnSpPr>
+        <p:spPr>
+          <a:xfrm>
+            <a:off x="7163214" y="4311396"/>
+            <a:ext cx="3836072" cy="0"/>
+          </a:xfrm>
+          <a:prstGeom prst="straightConnector1">
+            <a:avLst/>
+          </a:prstGeom>
+          <a:ln w="44450">
+            <a:solidFill>
+              <a:schemeClr val="tx1"/>
+            </a:solidFill>
+            <a:tailEnd type="triangle"/>
+          </a:ln>
+        </p:spPr>
+        <p:style>
+          <a:lnRef idx="1">
+            <a:schemeClr val="accent1"/>
+          </a:lnRef>
+          <a:fillRef idx="0">
+            <a:schemeClr val="accent1"/>
+          </a:fillRef>
+          <a:effectRef idx="0">
+            <a:schemeClr val="accent1"/>
+          </a:effectRef>
+          <a:fontRef idx="minor">
+            <a:schemeClr val="tx1"/>
+          </a:fontRef>
+        </p:style>
+      </p:cxnSp>
+      <p:cxnSp>
+        <p:nvCxnSpPr>
+          <p:cNvPr id="14" name="Straight Arrow Connector 13">
+            <a:extLst>
+              <a:ext uri="{FF2B5EF4-FFF2-40B4-BE49-F238E27FC236}">
+                <a16:creationId xmlns:a16="http://schemas.microsoft.com/office/drawing/2014/main" id="{217CFBD6-12AC-4CDF-99B7-699C0A776287}"/>
+              </a:ext>
+            </a:extLst>
+          </p:cNvPr>
+          <p:cNvCxnSpPr>
+            <a:cxnSpLocks/>
+          </p:cNvCxnSpPr>
+          <p:nvPr/>
+        </p:nvCxnSpPr>
+        <p:spPr>
+          <a:xfrm flipV="1">
+            <a:off x="7163214" y="475324"/>
+            <a:ext cx="0" cy="3836072"/>
+          </a:xfrm>
+          <a:prstGeom prst="straightConnector1">
+            <a:avLst/>
+          </a:prstGeom>
+          <a:ln w="44450">
+            <a:solidFill>
+              <a:schemeClr val="tx1"/>
+            </a:solidFill>
+            <a:tailEnd type="triangle"/>
+          </a:ln>
+        </p:spPr>
+        <p:style>
+          <a:lnRef idx="1">
+            <a:schemeClr val="accent1"/>
+          </a:lnRef>
+          <a:fillRef idx="0">
+            <a:schemeClr val="accent1"/>
+          </a:fillRef>
+          <a:effectRef idx="0">
+            <a:schemeClr val="accent1"/>
+          </a:effectRef>
+          <a:fontRef idx="minor">
+            <a:schemeClr val="tx1"/>
+          </a:fontRef>
+        </p:style>
+      </p:cxnSp>
+      <p:sp>
+        <p:nvSpPr>
+          <p:cNvPr id="15" name="TextBox 14">
+            <a:extLst>
+              <a:ext uri="{FF2B5EF4-FFF2-40B4-BE49-F238E27FC236}">
+                <a16:creationId xmlns:a16="http://schemas.microsoft.com/office/drawing/2014/main" id="{0C4704B7-6722-4414-8E94-6429B3E4A349}"/>
+              </a:ext>
+            </a:extLst>
+          </p:cNvPr>
+          <p:cNvSpPr txBox="1"/>
+          <p:nvPr/>
+        </p:nvSpPr>
+        <p:spPr>
+          <a:xfrm>
+            <a:off x="10184097" y="4441393"/>
+            <a:ext cx="1162904" cy="307777"/>
+          </a:xfrm>
+          <a:prstGeom prst="rect">
+            <a:avLst/>
+          </a:prstGeom>
+          <a:noFill/>
+        </p:spPr>
+        <p:txBody>
+          <a:bodyPr wrap="square" rtlCol="0">
+            <a:spAutoFit/>
+          </a:bodyPr>
+          <a:lstStyle/>
+          <a:p>
+            <a:r>
+              <a:rPr lang="en-US" sz="1400" dirty="0"/>
+              <a:t>Dimension 1</a:t>
+            </a:r>
+          </a:p>
+        </p:txBody>
+      </p:sp>
+      <p:sp>
+        <p:nvSpPr>
+          <p:cNvPr id="16" name="TextBox 15">
+            <a:extLst>
+              <a:ext uri="{FF2B5EF4-FFF2-40B4-BE49-F238E27FC236}">
+                <a16:creationId xmlns:a16="http://schemas.microsoft.com/office/drawing/2014/main" id="{A25C9A69-98A3-4B13-9A38-656B9827D6D6}"/>
+              </a:ext>
+            </a:extLst>
+          </p:cNvPr>
+          <p:cNvSpPr txBox="1"/>
+          <p:nvPr/>
+        </p:nvSpPr>
+        <p:spPr>
+          <a:xfrm rot="16200000">
+            <a:off x="6274675" y="987263"/>
+            <a:ext cx="1261558" cy="307777"/>
+          </a:xfrm>
+          <a:prstGeom prst="rect">
+            <a:avLst/>
+          </a:prstGeom>
+          <a:noFill/>
+        </p:spPr>
+        <p:txBody>
+          <a:bodyPr wrap="square" rtlCol="0">
+            <a:spAutoFit/>
+          </a:bodyPr>
+          <a:lstStyle/>
+          <a:p>
+            <a:r>
+              <a:rPr lang="en-US" sz="1400" dirty="0"/>
+              <a:t>Dimension 3</a:t>
+            </a:r>
+          </a:p>
+        </p:txBody>
+      </p:sp>
+      <p:cxnSp>
+        <p:nvCxnSpPr>
+          <p:cNvPr id="17" name="Straight Arrow Connector 16">
+            <a:extLst>
+              <a:ext uri="{FF2B5EF4-FFF2-40B4-BE49-F238E27FC236}">
+                <a16:creationId xmlns:a16="http://schemas.microsoft.com/office/drawing/2014/main" id="{DA14AE16-B20D-4087-BC5F-253E1222CBC5}"/>
+              </a:ext>
+            </a:extLst>
+          </p:cNvPr>
+          <p:cNvCxnSpPr>
+            <a:cxnSpLocks/>
+          </p:cNvCxnSpPr>
+          <p:nvPr/>
+        </p:nvCxnSpPr>
+        <p:spPr>
+          <a:xfrm flipH="1">
+            <a:off x="6135787" y="4309250"/>
+            <a:ext cx="1023275" cy="1558735"/>
+          </a:xfrm>
+          <a:prstGeom prst="straightConnector1">
+            <a:avLst/>
+          </a:prstGeom>
+          <a:ln w="44450">
+            <a:solidFill>
+              <a:schemeClr val="tx1"/>
+            </a:solidFill>
+            <a:tailEnd type="triangle"/>
+          </a:ln>
+        </p:spPr>
+        <p:style>
+          <a:lnRef idx="1">
+            <a:schemeClr val="accent1"/>
+          </a:lnRef>
+          <a:fillRef idx="0">
+            <a:schemeClr val="accent1"/>
+          </a:fillRef>
+          <a:effectRef idx="0">
+            <a:schemeClr val="accent1"/>
+          </a:effectRef>
+          <a:fontRef idx="minor">
+            <a:schemeClr val="tx1"/>
+          </a:fontRef>
+        </p:style>
+      </p:cxnSp>
+      <p:sp>
+        <p:nvSpPr>
+          <p:cNvPr id="18" name="TextBox 17">
+            <a:extLst>
+              <a:ext uri="{FF2B5EF4-FFF2-40B4-BE49-F238E27FC236}">
+                <a16:creationId xmlns:a16="http://schemas.microsoft.com/office/drawing/2014/main" id="{93921000-A586-45C7-88D9-F7E35F1A2095}"/>
+              </a:ext>
+            </a:extLst>
+          </p:cNvPr>
+          <p:cNvSpPr txBox="1"/>
+          <p:nvPr/>
+        </p:nvSpPr>
+        <p:spPr>
+          <a:xfrm rot="18220079">
+            <a:off x="6171112" y="5256029"/>
+            <a:ext cx="1261558" cy="307777"/>
+          </a:xfrm>
+          <a:prstGeom prst="rect">
+            <a:avLst/>
+          </a:prstGeom>
+          <a:noFill/>
+        </p:spPr>
+        <p:txBody>
+          <a:bodyPr wrap="square" rtlCol="0">
+            <a:spAutoFit/>
+          </a:bodyPr>
+          <a:lstStyle/>
+          <a:p>
+            <a:r>
+              <a:rPr lang="en-US" sz="1400" dirty="0"/>
+              <a:t>Dimension 2</a:t>
+            </a:r>
+          </a:p>
+        </p:txBody>
+      </p:sp>
+      <p:sp>
+        <p:nvSpPr>
+          <p:cNvPr id="19" name="Oval 18">
+            <a:extLst>
+              <a:ext uri="{FF2B5EF4-FFF2-40B4-BE49-F238E27FC236}">
+                <a16:creationId xmlns:a16="http://schemas.microsoft.com/office/drawing/2014/main" id="{D5AE6172-E288-4B1C-A282-C37E3499AAA4}"/>
+              </a:ext>
+            </a:extLst>
+          </p:cNvPr>
+          <p:cNvSpPr/>
+          <p:nvPr/>
+        </p:nvSpPr>
+        <p:spPr>
+          <a:xfrm>
+            <a:off x="9614647" y="2546604"/>
+            <a:ext cx="156879" cy="156879"/>
+          </a:xfrm>
+          <a:prstGeom prst="ellipse">
+            <a:avLst/>
+          </a:prstGeom>
+        </p:spPr>
+        <p:style>
+          <a:lnRef idx="2">
+            <a:schemeClr val="accent1">
+              <a:shade val="50000"/>
+            </a:schemeClr>
+          </a:lnRef>
+          <a:fillRef idx="1">
+            <a:schemeClr val="accent1"/>
+          </a:fillRef>
+          <a:effectRef idx="0">
+            <a:schemeClr val="accent1"/>
+          </a:effectRef>
+          <a:fontRef idx="minor">
+            <a:schemeClr val="lt1"/>
+          </a:fontRef>
+        </p:style>
+        <p:txBody>
+          <a:bodyPr rtlCol="0" anchor="ctr"/>
+          <a:lstStyle/>
+          <a:p>
+            <a:pPr algn="ctr"/>
+            <a:endParaRPr lang="en-US"/>
+          </a:p>
+        </p:txBody>
+      </p:sp>
+      <p:sp>
+        <p:nvSpPr>
+          <p:cNvPr id="20" name="Oval 19">
+            <a:extLst>
+              <a:ext uri="{FF2B5EF4-FFF2-40B4-BE49-F238E27FC236}">
+                <a16:creationId xmlns:a16="http://schemas.microsoft.com/office/drawing/2014/main" id="{0C6A7435-D4AE-41A5-837A-E3252A734542}"/>
+              </a:ext>
+            </a:extLst>
+          </p:cNvPr>
+          <p:cNvSpPr/>
+          <p:nvPr/>
+        </p:nvSpPr>
+        <p:spPr>
+          <a:xfrm>
+            <a:off x="6324124" y="3501328"/>
+            <a:ext cx="156879" cy="156879"/>
+          </a:xfrm>
+          <a:prstGeom prst="ellipse">
+            <a:avLst/>
+          </a:prstGeom>
+        </p:spPr>
+        <p:style>
+          <a:lnRef idx="2">
+            <a:schemeClr val="accent1">
+              <a:shade val="50000"/>
+            </a:schemeClr>
+          </a:lnRef>
+          <a:fillRef idx="1">
+            <a:schemeClr val="accent1"/>
+          </a:fillRef>
+          <a:effectRef idx="0">
+            <a:schemeClr val="accent1"/>
+          </a:effectRef>
+          <a:fontRef idx="minor">
+            <a:schemeClr val="lt1"/>
+          </a:fontRef>
+        </p:style>
+        <p:txBody>
+          <a:bodyPr rtlCol="0" anchor="ctr"/>
+          <a:lstStyle/>
+          <a:p>
+            <a:pPr algn="ctr"/>
+            <a:endParaRPr lang="en-US"/>
+          </a:p>
+        </p:txBody>
+      </p:sp>
+      <p:sp>
+        <p:nvSpPr>
+          <p:cNvPr id="21" name="TextBox 20">
+            <a:extLst>
+              <a:ext uri="{FF2B5EF4-FFF2-40B4-BE49-F238E27FC236}">
+                <a16:creationId xmlns:a16="http://schemas.microsoft.com/office/drawing/2014/main" id="{7C4E037A-69C5-4779-941A-AFBCD3083FB9}"/>
+              </a:ext>
+            </a:extLst>
+          </p:cNvPr>
+          <p:cNvSpPr txBox="1"/>
+          <p:nvPr/>
+        </p:nvSpPr>
+        <p:spPr>
+          <a:xfrm>
+            <a:off x="9081250" y="1853641"/>
+            <a:ext cx="1465729" cy="461665"/>
+          </a:xfrm>
+          <a:prstGeom prst="rect">
+            <a:avLst/>
+          </a:prstGeom>
+          <a:noFill/>
+        </p:spPr>
+        <p:txBody>
+          <a:bodyPr wrap="square" rtlCol="0">
+            <a:spAutoFit/>
+          </a:bodyPr>
+          <a:lstStyle/>
+          <a:p>
+            <a:r>
+              <a:rPr lang="en-US" sz="2400" b="1" dirty="0">
+                <a:solidFill>
+                  <a:schemeClr val="accent1">
+                    <a:lumMod val="75000"/>
+                  </a:schemeClr>
+                </a:solidFill>
+                <a:effectLst>
+                  <a:outerShdw blurRad="38100" dist="38100" dir="2700000" algn="tl">
+                    <a:srgbClr val="000000">
+                      <a:alpha val="43137"/>
+                    </a:srgbClr>
+                  </a:outerShdw>
+                </a:effectLst>
+              </a:rPr>
+              <a:t>Achieve</a:t>
+            </a:r>
+          </a:p>
+        </p:txBody>
+      </p:sp>
+      <p:sp>
+        <p:nvSpPr>
+          <p:cNvPr id="22" name="TextBox 21">
+            <a:extLst>
+              <a:ext uri="{FF2B5EF4-FFF2-40B4-BE49-F238E27FC236}">
+                <a16:creationId xmlns:a16="http://schemas.microsoft.com/office/drawing/2014/main" id="{3A7409E1-7518-4085-B268-620039C9329A}"/>
+              </a:ext>
+            </a:extLst>
+          </p:cNvPr>
+          <p:cNvSpPr txBox="1"/>
+          <p:nvPr/>
+        </p:nvSpPr>
+        <p:spPr>
+          <a:xfrm>
+            <a:off x="5702392" y="2714141"/>
+            <a:ext cx="1465729" cy="461665"/>
+          </a:xfrm>
+          <a:prstGeom prst="rect">
+            <a:avLst/>
+          </a:prstGeom>
+          <a:noFill/>
+        </p:spPr>
+        <p:txBody>
+          <a:bodyPr wrap="square" rtlCol="0">
+            <a:spAutoFit/>
+          </a:bodyPr>
+          <a:lstStyle/>
+          <a:p>
+            <a:r>
+              <a:rPr lang="en-US" sz="2400" b="1" dirty="0">
+                <a:solidFill>
+                  <a:schemeClr val="accent1">
+                    <a:lumMod val="75000"/>
+                  </a:schemeClr>
+                </a:solidFill>
+                <a:effectLst>
+                  <a:outerShdw blurRad="38100" dist="38100" dir="2700000" algn="tl">
+                    <a:srgbClr val="000000">
+                      <a:alpha val="43137"/>
+                    </a:srgbClr>
+                  </a:outerShdw>
+                </a:effectLst>
+              </a:rPr>
+              <a:t>Success</a:t>
+            </a:r>
+          </a:p>
+        </p:txBody>
+      </p:sp>
+      <p:cxnSp>
+        <p:nvCxnSpPr>
+          <p:cNvPr id="24" name="Straight Arrow Connector 23">
+            <a:extLst>
+              <a:ext uri="{FF2B5EF4-FFF2-40B4-BE49-F238E27FC236}">
+                <a16:creationId xmlns:a16="http://schemas.microsoft.com/office/drawing/2014/main" id="{22900701-C915-4072-9748-9BCA98617404}"/>
+              </a:ext>
+            </a:extLst>
+          </p:cNvPr>
+          <p:cNvCxnSpPr>
+            <a:stCxn id="20" idx="6"/>
+            <a:endCxn id="19" idx="2"/>
+          </p:cNvCxnSpPr>
+          <p:nvPr/>
+        </p:nvCxnSpPr>
+        <p:spPr>
+          <a:xfrm flipV="1">
+            <a:off x="6481003" y="2625044"/>
+            <a:ext cx="3133644" cy="954724"/>
+          </a:xfrm>
+          <a:prstGeom prst="straightConnector1">
+            <a:avLst/>
+          </a:prstGeom>
+          <a:ln w="28575">
+            <a:headEnd type="triangle" w="lg" len="med"/>
+            <a:tailEnd type="triangle"/>
+          </a:ln>
+        </p:spPr>
+        <p:style>
+          <a:lnRef idx="1">
+            <a:schemeClr val="accent1"/>
+          </a:lnRef>
+          <a:fillRef idx="0">
+            <a:schemeClr val="accent1"/>
+          </a:fillRef>
+          <a:effectRef idx="0">
+            <a:schemeClr val="accent1"/>
+          </a:effectRef>
+          <a:fontRef idx="minor">
+            <a:schemeClr val="tx1"/>
+          </a:fontRef>
+        </p:style>
+      </p:cxnSp>
+    </p:spTree>
+    <p:extLst>
+      <p:ext uri="{BB962C8B-B14F-4D97-AF65-F5344CB8AC3E}">
+        <p14:creationId xmlns:p14="http://schemas.microsoft.com/office/powerpoint/2010/main" val="1647494267"/>
+      </p:ext>
+    </p:extLst>
+  </p:cSld>
+  <p:clrMapOvr>
+    <a:masterClrMapping/>
+  </p:clrMapOvr>
+</p:sld>
+</file>
+
+<file path=ppt/slides/slide4.xml><?xml version="1.0" encoding="utf-8"?>
 <p:sld xmlns:a="http://schemas.openxmlformats.org/drawingml/2006/main" xmlns:r="http://schemas.openxmlformats.org/officeDocument/2006/relationships" xmlns:p="http://schemas.openxmlformats.org/presentationml/2006/main">
   <p:cSld>
     <p:spTree>
@@ -12881,7 +17272,7 @@
 </p:sld>
 </file>
 
-<file path=ppt/slides/slide3.xml><?xml version="1.0" encoding="utf-8"?>
+<file path=ppt/slides/slide5.xml><?xml version="1.0" encoding="utf-8"?>
 <p:sld xmlns:a="http://schemas.openxmlformats.org/drawingml/2006/main" xmlns:r="http://schemas.openxmlformats.org/officeDocument/2006/relationships" xmlns:p="http://schemas.openxmlformats.org/presentationml/2006/main">
   <p:cSld>
     <p:spTree>
@@ -16522,7 +20913,7 @@
 </p:sld>
 </file>
 
-<file path=ppt/slides/slide4.xml><?xml version="1.0" encoding="utf-8"?>
+<file path=ppt/slides/slide6.xml><?xml version="1.0" encoding="utf-8"?>
 <p:sld xmlns:a="http://schemas.openxmlformats.org/drawingml/2006/main" xmlns:r="http://schemas.openxmlformats.org/officeDocument/2006/relationships" xmlns:p="http://schemas.openxmlformats.org/presentationml/2006/main">
   <p:cSld>
     <p:bg>
@@ -18146,7 +22537,7 @@
 </p:sld>
 </file>
 
-<file path=ppt/slides/slide5.xml><?xml version="1.0" encoding="utf-8"?>
+<file path=ppt/slides/slide7.xml><?xml version="1.0" encoding="utf-8"?>
 <p:sld xmlns:a="http://schemas.openxmlformats.org/drawingml/2006/main" xmlns:r="http://schemas.openxmlformats.org/officeDocument/2006/relationships" xmlns:p="http://schemas.openxmlformats.org/presentationml/2006/main">
   <p:cSld>
     <p:spTree>
@@ -18699,7 +23090,7 @@
 </p:sld>
 </file>
 
-<file path=ppt/slides/slide6.xml><?xml version="1.0" encoding="utf-8"?>
+<file path=ppt/slides/slide8.xml><?xml version="1.0" encoding="utf-8"?>
 <p:sld xmlns:a="http://schemas.openxmlformats.org/drawingml/2006/main" xmlns:r="http://schemas.openxmlformats.org/officeDocument/2006/relationships" xmlns:p="http://schemas.openxmlformats.org/presentationml/2006/main">
   <p:cSld>
     <p:spTree>
@@ -20738,7 +25129,7 @@
 </p:sld>
 </file>
 
-<file path=ppt/slides/slide7.xml><?xml version="1.0" encoding="utf-8"?>
+<file path=ppt/slides/slide9.xml><?xml version="1.0" encoding="utf-8"?>
 <p:sld xmlns:a="http://schemas.openxmlformats.org/drawingml/2006/main" xmlns:r="http://schemas.openxmlformats.org/officeDocument/2006/relationships" xmlns:p="http://schemas.openxmlformats.org/presentationml/2006/main">
   <p:cSld>
     <p:spTree>
@@ -26034,2167 +30425,6 @@
     <p:extLst>
       <p:ext uri="{BB962C8B-B14F-4D97-AF65-F5344CB8AC3E}">
         <p14:creationId xmlns:p14="http://schemas.microsoft.com/office/powerpoint/2010/main" val="695913205"/>
-      </p:ext>
-    </p:extLst>
-  </p:cSld>
-  <p:clrMapOvr>
-    <a:masterClrMapping/>
-  </p:clrMapOvr>
-</p:sld>
-</file>
-
-<file path=ppt/slides/slide8.xml><?xml version="1.0" encoding="utf-8"?>
-<p:sld xmlns:a="http://schemas.openxmlformats.org/drawingml/2006/main" xmlns:r="http://schemas.openxmlformats.org/officeDocument/2006/relationships" xmlns:p="http://schemas.openxmlformats.org/presentationml/2006/main">
-  <p:cSld>
-    <p:spTree>
-      <p:nvGrpSpPr>
-        <p:cNvPr id="1" name=""/>
-        <p:cNvGrpSpPr/>
-        <p:nvPr/>
-      </p:nvGrpSpPr>
-      <p:grpSpPr>
-        <a:xfrm>
-          <a:off x="0" y="0"/>
-          <a:ext cx="0" cy="0"/>
-          <a:chOff x="0" y="0"/>
-          <a:chExt cx="0" cy="0"/>
-        </a:xfrm>
-      </p:grpSpPr>
-      <p:grpSp>
-        <p:nvGrpSpPr>
-          <p:cNvPr id="16" name="Group 15">
-            <a:extLst>
-              <a:ext uri="{FF2B5EF4-FFF2-40B4-BE49-F238E27FC236}">
-                <a16:creationId xmlns:a16="http://schemas.microsoft.com/office/drawing/2014/main" id="{B6CDD42E-D918-4AB7-A57A-DDA3A46FAECD}"/>
-              </a:ext>
-            </a:extLst>
-          </p:cNvPr>
-          <p:cNvGrpSpPr/>
-          <p:nvPr/>
-        </p:nvGrpSpPr>
-        <p:grpSpPr>
-          <a:xfrm>
-            <a:off x="5641789" y="591670"/>
-            <a:ext cx="4912650" cy="4912650"/>
-            <a:chOff x="4703483" y="310768"/>
-            <a:chExt cx="6400800" cy="6400800"/>
-          </a:xfrm>
-        </p:grpSpPr>
-        <p:cxnSp>
-          <p:nvCxnSpPr>
-            <p:cNvPr id="6" name="Straight Arrow Connector 5">
-              <a:extLst>
-                <a:ext uri="{FF2B5EF4-FFF2-40B4-BE49-F238E27FC236}">
-                  <a16:creationId xmlns:a16="http://schemas.microsoft.com/office/drawing/2014/main" id="{7781D4D5-4F32-40A0-88CC-01F5F090FA84}"/>
-                </a:ext>
-              </a:extLst>
-            </p:cNvPr>
-            <p:cNvCxnSpPr>
-              <a:cxnSpLocks/>
-            </p:cNvCxnSpPr>
-            <p:nvPr/>
-          </p:nvCxnSpPr>
-          <p:spPr>
-            <a:xfrm>
-              <a:off x="4703483" y="6711568"/>
-              <a:ext cx="6400800" cy="0"/>
-            </a:xfrm>
-            <a:prstGeom prst="straightConnector1">
-              <a:avLst/>
-            </a:prstGeom>
-            <a:ln w="44450">
-              <a:solidFill>
-                <a:schemeClr val="tx1"/>
-              </a:solidFill>
-              <a:tailEnd type="triangle"/>
-            </a:ln>
-          </p:spPr>
-          <p:style>
-            <a:lnRef idx="1">
-              <a:schemeClr val="accent1"/>
-            </a:lnRef>
-            <a:fillRef idx="0">
-              <a:schemeClr val="accent1"/>
-            </a:fillRef>
-            <a:effectRef idx="0">
-              <a:schemeClr val="accent1"/>
-            </a:effectRef>
-            <a:fontRef idx="minor">
-              <a:schemeClr val="tx1"/>
-            </a:fontRef>
-          </p:style>
-        </p:cxnSp>
-        <p:cxnSp>
-          <p:nvCxnSpPr>
-            <p:cNvPr id="10" name="Straight Arrow Connector 9">
-              <a:extLst>
-                <a:ext uri="{FF2B5EF4-FFF2-40B4-BE49-F238E27FC236}">
-                  <a16:creationId xmlns:a16="http://schemas.microsoft.com/office/drawing/2014/main" id="{93158E70-B466-4EA7-8BE2-820D81A70C65}"/>
-                </a:ext>
-              </a:extLst>
-            </p:cNvPr>
-            <p:cNvCxnSpPr>
-              <a:cxnSpLocks/>
-            </p:cNvCxnSpPr>
-            <p:nvPr/>
-          </p:nvCxnSpPr>
-          <p:spPr>
-            <a:xfrm flipV="1">
-              <a:off x="4703483" y="310768"/>
-              <a:ext cx="0" cy="6400800"/>
-            </a:xfrm>
-            <a:prstGeom prst="straightConnector1">
-              <a:avLst/>
-            </a:prstGeom>
-            <a:ln w="44450">
-              <a:solidFill>
-                <a:schemeClr val="tx1"/>
-              </a:solidFill>
-              <a:tailEnd type="triangle"/>
-            </a:ln>
-          </p:spPr>
-          <p:style>
-            <a:lnRef idx="1">
-              <a:schemeClr val="accent1"/>
-            </a:lnRef>
-            <a:fillRef idx="0">
-              <a:schemeClr val="accent1"/>
-            </a:fillRef>
-            <a:effectRef idx="0">
-              <a:schemeClr val="accent1"/>
-            </a:effectRef>
-            <a:fontRef idx="minor">
-              <a:schemeClr val="tx1"/>
-            </a:fontRef>
-          </p:style>
-        </p:cxnSp>
-        <p:cxnSp>
-          <p:nvCxnSpPr>
-            <p:cNvPr id="14" name="Straight Arrow Connector 13">
-              <a:extLst>
-                <a:ext uri="{FF2B5EF4-FFF2-40B4-BE49-F238E27FC236}">
-                  <a16:creationId xmlns:a16="http://schemas.microsoft.com/office/drawing/2014/main" id="{F6C2F67A-776B-4564-B969-2B3B61C3C930}"/>
-                </a:ext>
-              </a:extLst>
-            </p:cNvPr>
-            <p:cNvCxnSpPr>
-              <a:cxnSpLocks/>
-            </p:cNvCxnSpPr>
-            <p:nvPr/>
-          </p:nvCxnSpPr>
-          <p:spPr>
-            <a:xfrm flipV="1">
-              <a:off x="4703483" y="2474259"/>
-              <a:ext cx="6227482" cy="4237309"/>
-            </a:xfrm>
-            <a:prstGeom prst="straightConnector1">
-              <a:avLst/>
-            </a:prstGeom>
-            <a:ln w="44450">
-              <a:solidFill>
-                <a:schemeClr val="tx1"/>
-              </a:solidFill>
-              <a:tailEnd type="triangle"/>
-            </a:ln>
-          </p:spPr>
-          <p:style>
-            <a:lnRef idx="1">
-              <a:schemeClr val="accent1"/>
-            </a:lnRef>
-            <a:fillRef idx="0">
-              <a:schemeClr val="accent1"/>
-            </a:fillRef>
-            <a:effectRef idx="0">
-              <a:schemeClr val="accent1"/>
-            </a:effectRef>
-            <a:fontRef idx="minor">
-              <a:schemeClr val="tx1"/>
-            </a:fontRef>
-          </p:style>
-        </p:cxnSp>
-      </p:grpSp>
-      <p:cxnSp>
-        <p:nvCxnSpPr>
-          <p:cNvPr id="18" name="Straight Connector 17">
-            <a:extLst>
-              <a:ext uri="{FF2B5EF4-FFF2-40B4-BE49-F238E27FC236}">
-                <a16:creationId xmlns:a16="http://schemas.microsoft.com/office/drawing/2014/main" id="{8EBB7FDE-5209-4C0A-AB4B-79C3FD2B8591}"/>
-              </a:ext>
-            </a:extLst>
-          </p:cNvPr>
-          <p:cNvCxnSpPr>
-            <a:cxnSpLocks/>
-          </p:cNvCxnSpPr>
-          <p:nvPr/>
-        </p:nvCxnSpPr>
-        <p:spPr>
-          <a:xfrm flipV="1">
-            <a:off x="7459626" y="1276643"/>
-            <a:ext cx="2332104" cy="1564714"/>
-          </a:xfrm>
-          <a:prstGeom prst="line">
-            <a:avLst/>
-          </a:prstGeom>
-          <a:ln w="22225">
-            <a:solidFill>
-              <a:schemeClr val="tx1"/>
-            </a:solidFill>
-          </a:ln>
-        </p:spPr>
-        <p:style>
-          <a:lnRef idx="1">
-            <a:schemeClr val="accent1"/>
-          </a:lnRef>
-          <a:fillRef idx="0">
-            <a:schemeClr val="accent1"/>
-          </a:fillRef>
-          <a:effectRef idx="0">
-            <a:schemeClr val="accent1"/>
-          </a:effectRef>
-          <a:fontRef idx="minor">
-            <a:schemeClr val="tx1"/>
-          </a:fontRef>
-        </p:style>
-      </p:cxnSp>
-      <p:cxnSp>
-        <p:nvCxnSpPr>
-          <p:cNvPr id="23" name="Straight Connector 22">
-            <a:extLst>
-              <a:ext uri="{FF2B5EF4-FFF2-40B4-BE49-F238E27FC236}">
-                <a16:creationId xmlns:a16="http://schemas.microsoft.com/office/drawing/2014/main" id="{0A7FC827-0502-4506-B555-38E81C03170E}"/>
-              </a:ext>
-            </a:extLst>
-          </p:cNvPr>
-          <p:cNvCxnSpPr>
-            <a:cxnSpLocks/>
-          </p:cNvCxnSpPr>
-          <p:nvPr/>
-        </p:nvCxnSpPr>
-        <p:spPr>
-          <a:xfrm flipV="1">
-            <a:off x="8749927" y="3298029"/>
-            <a:ext cx="2259036" cy="1507533"/>
-          </a:xfrm>
-          <a:prstGeom prst="line">
-            <a:avLst/>
-          </a:prstGeom>
-          <a:ln w="22225">
-            <a:solidFill>
-              <a:schemeClr val="tx1"/>
-            </a:solidFill>
-          </a:ln>
-        </p:spPr>
-        <p:style>
-          <a:lnRef idx="1">
-            <a:schemeClr val="accent1"/>
-          </a:lnRef>
-          <a:fillRef idx="0">
-            <a:schemeClr val="accent1"/>
-          </a:fillRef>
-          <a:effectRef idx="0">
-            <a:schemeClr val="accent1"/>
-          </a:effectRef>
-          <a:fontRef idx="minor">
-            <a:schemeClr val="tx1"/>
-          </a:fontRef>
-        </p:style>
-      </p:cxnSp>
-      <p:cxnSp>
-        <p:nvCxnSpPr>
-          <p:cNvPr id="24" name="Straight Connector 23">
-            <a:extLst>
-              <a:ext uri="{FF2B5EF4-FFF2-40B4-BE49-F238E27FC236}">
-                <a16:creationId xmlns:a16="http://schemas.microsoft.com/office/drawing/2014/main" id="{07A3104A-2FE4-45A3-BC7B-4A67D7726D07}"/>
-              </a:ext>
-            </a:extLst>
-          </p:cNvPr>
-          <p:cNvCxnSpPr>
-            <a:cxnSpLocks/>
-          </p:cNvCxnSpPr>
-          <p:nvPr/>
-        </p:nvCxnSpPr>
-        <p:spPr>
-          <a:xfrm flipV="1">
-            <a:off x="5652020" y="2841357"/>
-            <a:ext cx="1807606" cy="2614046"/>
-          </a:xfrm>
-          <a:prstGeom prst="line">
-            <a:avLst/>
-          </a:prstGeom>
-          <a:ln w="22225">
-            <a:solidFill>
-              <a:schemeClr val="tx1"/>
-            </a:solidFill>
-          </a:ln>
-        </p:spPr>
-        <p:style>
-          <a:lnRef idx="1">
-            <a:schemeClr val="accent1"/>
-          </a:lnRef>
-          <a:fillRef idx="0">
-            <a:schemeClr val="accent1"/>
-          </a:fillRef>
-          <a:effectRef idx="0">
-            <a:schemeClr val="accent1"/>
-          </a:effectRef>
-          <a:fontRef idx="minor">
-            <a:schemeClr val="tx1"/>
-          </a:fontRef>
-        </p:style>
-      </p:cxnSp>
-      <p:cxnSp>
-        <p:nvCxnSpPr>
-          <p:cNvPr id="29" name="Straight Connector 28">
-            <a:extLst>
-              <a:ext uri="{FF2B5EF4-FFF2-40B4-BE49-F238E27FC236}">
-                <a16:creationId xmlns:a16="http://schemas.microsoft.com/office/drawing/2014/main" id="{22C4F56E-2A99-4F46-AA69-AE2619DA0963}"/>
-              </a:ext>
-            </a:extLst>
-          </p:cNvPr>
-          <p:cNvCxnSpPr>
-            <a:cxnSpLocks/>
-          </p:cNvCxnSpPr>
-          <p:nvPr/>
-        </p:nvCxnSpPr>
-        <p:spPr>
-          <a:xfrm flipV="1">
-            <a:off x="5687878" y="4805562"/>
-            <a:ext cx="3062049" cy="698758"/>
-          </a:xfrm>
-          <a:prstGeom prst="line">
-            <a:avLst/>
-          </a:prstGeom>
-          <a:ln w="22225">
-            <a:solidFill>
-              <a:schemeClr val="tx1"/>
-            </a:solidFill>
-          </a:ln>
-        </p:spPr>
-        <p:style>
-          <a:lnRef idx="1">
-            <a:schemeClr val="accent1"/>
-          </a:lnRef>
-          <a:fillRef idx="0">
-            <a:schemeClr val="accent1"/>
-          </a:fillRef>
-          <a:effectRef idx="0">
-            <a:schemeClr val="accent1"/>
-          </a:effectRef>
-          <a:fontRef idx="minor">
-            <a:schemeClr val="tx1"/>
-          </a:fontRef>
-        </p:style>
-      </p:cxnSp>
-      <p:cxnSp>
-        <p:nvCxnSpPr>
-          <p:cNvPr id="49" name="Straight Connector 48">
-            <a:extLst>
-              <a:ext uri="{FF2B5EF4-FFF2-40B4-BE49-F238E27FC236}">
-                <a16:creationId xmlns:a16="http://schemas.microsoft.com/office/drawing/2014/main" id="{7CFB1E36-2720-4604-86FE-6280F5081B96}"/>
-              </a:ext>
-            </a:extLst>
-          </p:cNvPr>
-          <p:cNvCxnSpPr>
-            <a:cxnSpLocks/>
-          </p:cNvCxnSpPr>
-          <p:nvPr/>
-        </p:nvCxnSpPr>
-        <p:spPr>
-          <a:xfrm>
-            <a:off x="7646115" y="2721626"/>
-            <a:ext cx="1317449" cy="1935465"/>
-          </a:xfrm>
-          <a:prstGeom prst="line">
-            <a:avLst/>
-          </a:prstGeom>
-          <a:ln w="22225">
-            <a:solidFill>
-              <a:schemeClr val="tx1"/>
-            </a:solidFill>
-          </a:ln>
-        </p:spPr>
-        <p:style>
-          <a:lnRef idx="1">
-            <a:schemeClr val="accent1"/>
-          </a:lnRef>
-          <a:fillRef idx="0">
-            <a:schemeClr val="accent1"/>
-          </a:fillRef>
-          <a:effectRef idx="0">
-            <a:schemeClr val="accent1"/>
-          </a:effectRef>
-          <a:fontRef idx="minor">
-            <a:schemeClr val="tx1"/>
-          </a:fontRef>
-        </p:style>
-      </p:cxnSp>
-      <p:cxnSp>
-        <p:nvCxnSpPr>
-          <p:cNvPr id="51" name="Straight Connector 50">
-            <a:extLst>
-              <a:ext uri="{FF2B5EF4-FFF2-40B4-BE49-F238E27FC236}">
-                <a16:creationId xmlns:a16="http://schemas.microsoft.com/office/drawing/2014/main" id="{B44E9A4A-7AE8-4229-93B8-27D5F6BF7FEB}"/>
-              </a:ext>
-            </a:extLst>
-          </p:cNvPr>
-          <p:cNvCxnSpPr>
-            <a:cxnSpLocks/>
-          </p:cNvCxnSpPr>
-          <p:nvPr/>
-        </p:nvCxnSpPr>
-        <p:spPr>
-          <a:xfrm>
-            <a:off x="6583405" y="4117188"/>
-            <a:ext cx="695632" cy="1021953"/>
-          </a:xfrm>
-          <a:prstGeom prst="line">
-            <a:avLst/>
-          </a:prstGeom>
-          <a:ln w="22225">
-            <a:solidFill>
-              <a:schemeClr val="tx1"/>
-            </a:solidFill>
-          </a:ln>
-        </p:spPr>
-        <p:style>
-          <a:lnRef idx="1">
-            <a:schemeClr val="accent1"/>
-          </a:lnRef>
-          <a:fillRef idx="0">
-            <a:schemeClr val="accent1"/>
-          </a:fillRef>
-          <a:effectRef idx="0">
-            <a:schemeClr val="accent1"/>
-          </a:effectRef>
-          <a:fontRef idx="minor">
-            <a:schemeClr val="tx1"/>
-          </a:fontRef>
-        </p:style>
-      </p:cxnSp>
-      <p:cxnSp>
-        <p:nvCxnSpPr>
-          <p:cNvPr id="55" name="Straight Connector 54">
-            <a:extLst>
-              <a:ext uri="{FF2B5EF4-FFF2-40B4-BE49-F238E27FC236}">
-                <a16:creationId xmlns:a16="http://schemas.microsoft.com/office/drawing/2014/main" id="{32027644-0D4D-43A2-990A-ED23DE33A203}"/>
-              </a:ext>
-            </a:extLst>
-          </p:cNvPr>
-          <p:cNvCxnSpPr>
-            <a:cxnSpLocks/>
-          </p:cNvCxnSpPr>
-          <p:nvPr/>
-        </p:nvCxnSpPr>
-        <p:spPr>
-          <a:xfrm>
-            <a:off x="9078772" y="1766340"/>
-            <a:ext cx="1320537" cy="1940002"/>
-          </a:xfrm>
-          <a:prstGeom prst="line">
-            <a:avLst/>
-          </a:prstGeom>
-          <a:ln w="22225">
-            <a:solidFill>
-              <a:schemeClr val="tx1"/>
-            </a:solidFill>
-          </a:ln>
-        </p:spPr>
-        <p:style>
-          <a:lnRef idx="1">
-            <a:schemeClr val="accent1"/>
-          </a:lnRef>
-          <a:fillRef idx="0">
-            <a:schemeClr val="accent1"/>
-          </a:fillRef>
-          <a:effectRef idx="0">
-            <a:schemeClr val="accent1"/>
-          </a:effectRef>
-          <a:fontRef idx="minor">
-            <a:schemeClr val="tx1"/>
-          </a:fontRef>
-        </p:style>
-      </p:cxnSp>
-      <p:cxnSp>
-        <p:nvCxnSpPr>
-          <p:cNvPr id="63" name="Straight Connector 62">
-            <a:extLst>
-              <a:ext uri="{FF2B5EF4-FFF2-40B4-BE49-F238E27FC236}">
-                <a16:creationId xmlns:a16="http://schemas.microsoft.com/office/drawing/2014/main" id="{691D9EA0-384F-403D-9238-5C8D3436D120}"/>
-              </a:ext>
-            </a:extLst>
-          </p:cNvPr>
-          <p:cNvCxnSpPr>
-            <a:cxnSpLocks/>
-          </p:cNvCxnSpPr>
-          <p:nvPr/>
-        </p:nvCxnSpPr>
-        <p:spPr>
-          <a:xfrm>
-            <a:off x="7426868" y="2989827"/>
-            <a:ext cx="1235949" cy="1815734"/>
-          </a:xfrm>
-          <a:prstGeom prst="line">
-            <a:avLst/>
-          </a:prstGeom>
-          <a:ln w="22225">
-            <a:solidFill>
-              <a:schemeClr val="tx1"/>
-            </a:solidFill>
-            <a:prstDash val="dash"/>
-          </a:ln>
-        </p:spPr>
-        <p:style>
-          <a:lnRef idx="1">
-            <a:schemeClr val="accent1"/>
-          </a:lnRef>
-          <a:fillRef idx="0">
-            <a:schemeClr val="accent1"/>
-          </a:fillRef>
-          <a:effectRef idx="0">
-            <a:schemeClr val="accent1"/>
-          </a:effectRef>
-          <a:fontRef idx="minor">
-            <a:schemeClr val="tx1"/>
-          </a:fontRef>
-        </p:style>
-      </p:cxnSp>
-      <p:cxnSp>
-        <p:nvCxnSpPr>
-          <p:cNvPr id="67" name="Straight Connector 66">
-            <a:extLst>
-              <a:ext uri="{FF2B5EF4-FFF2-40B4-BE49-F238E27FC236}">
-                <a16:creationId xmlns:a16="http://schemas.microsoft.com/office/drawing/2014/main" id="{C894726A-6228-49BB-92E5-6ACD735C0E48}"/>
-              </a:ext>
-            </a:extLst>
-          </p:cNvPr>
-          <p:cNvCxnSpPr>
-            <a:cxnSpLocks/>
-          </p:cNvCxnSpPr>
-          <p:nvPr/>
-        </p:nvCxnSpPr>
-        <p:spPr>
-          <a:xfrm>
-            <a:off x="7903800" y="2568007"/>
-            <a:ext cx="1276182" cy="1874840"/>
-          </a:xfrm>
-          <a:prstGeom prst="line">
-            <a:avLst/>
-          </a:prstGeom>
-          <a:ln w="22225">
-            <a:solidFill>
-              <a:schemeClr val="tx1"/>
-            </a:solidFill>
-            <a:prstDash val="dash"/>
-          </a:ln>
-        </p:spPr>
-        <p:style>
-          <a:lnRef idx="1">
-            <a:schemeClr val="accent1"/>
-          </a:lnRef>
-          <a:fillRef idx="0">
-            <a:schemeClr val="accent1"/>
-          </a:fillRef>
-          <a:effectRef idx="0">
-            <a:schemeClr val="accent1"/>
-          </a:effectRef>
-          <a:fontRef idx="minor">
-            <a:schemeClr val="tx1"/>
-          </a:fontRef>
-        </p:style>
-      </p:cxnSp>
-      <p:cxnSp>
-        <p:nvCxnSpPr>
-          <p:cNvPr id="72" name="Straight Connector 71">
-            <a:extLst>
-              <a:ext uri="{FF2B5EF4-FFF2-40B4-BE49-F238E27FC236}">
-                <a16:creationId xmlns:a16="http://schemas.microsoft.com/office/drawing/2014/main" id="{63B5545F-B481-48D3-98D9-5AE412222360}"/>
-              </a:ext>
-            </a:extLst>
-          </p:cNvPr>
-          <p:cNvCxnSpPr>
-            <a:cxnSpLocks/>
-          </p:cNvCxnSpPr>
-          <p:nvPr/>
-        </p:nvCxnSpPr>
-        <p:spPr>
-          <a:xfrm>
-            <a:off x="8862354" y="1973900"/>
-            <a:ext cx="1276182" cy="1874840"/>
-          </a:xfrm>
-          <a:prstGeom prst="line">
-            <a:avLst/>
-          </a:prstGeom>
-          <a:ln w="22225">
-            <a:solidFill>
-              <a:schemeClr val="tx1"/>
-            </a:solidFill>
-            <a:prstDash val="dash"/>
-          </a:ln>
-        </p:spPr>
-        <p:style>
-          <a:lnRef idx="1">
-            <a:schemeClr val="accent1"/>
-          </a:lnRef>
-          <a:fillRef idx="0">
-            <a:schemeClr val="accent1"/>
-          </a:fillRef>
-          <a:effectRef idx="0">
-            <a:schemeClr val="accent1"/>
-          </a:effectRef>
-          <a:fontRef idx="minor">
-            <a:schemeClr val="tx1"/>
-          </a:fontRef>
-        </p:style>
-      </p:cxnSp>
-      <p:cxnSp>
-        <p:nvCxnSpPr>
-          <p:cNvPr id="73" name="Straight Connector 72">
-            <a:extLst>
-              <a:ext uri="{FF2B5EF4-FFF2-40B4-BE49-F238E27FC236}">
-                <a16:creationId xmlns:a16="http://schemas.microsoft.com/office/drawing/2014/main" id="{AA10EB7A-7598-491A-840C-64915EB6C96E}"/>
-              </a:ext>
-            </a:extLst>
-          </p:cNvPr>
-          <p:cNvCxnSpPr>
-            <a:cxnSpLocks/>
-          </p:cNvCxnSpPr>
-          <p:nvPr/>
-        </p:nvCxnSpPr>
-        <p:spPr>
-          <a:xfrm>
-            <a:off x="9344817" y="1638896"/>
-            <a:ext cx="1276182" cy="1874840"/>
-          </a:xfrm>
-          <a:prstGeom prst="line">
-            <a:avLst/>
-          </a:prstGeom>
-          <a:ln w="22225">
-            <a:solidFill>
-              <a:schemeClr val="tx1"/>
-            </a:solidFill>
-            <a:prstDash val="dash"/>
-          </a:ln>
-        </p:spPr>
-        <p:style>
-          <a:lnRef idx="1">
-            <a:schemeClr val="accent1"/>
-          </a:lnRef>
-          <a:fillRef idx="0">
-            <a:schemeClr val="accent1"/>
-          </a:fillRef>
-          <a:effectRef idx="0">
-            <a:schemeClr val="accent1"/>
-          </a:effectRef>
-          <a:fontRef idx="minor">
-            <a:schemeClr val="tx1"/>
-          </a:fontRef>
-        </p:style>
-      </p:cxnSp>
-      <p:cxnSp>
-        <p:nvCxnSpPr>
-          <p:cNvPr id="74" name="Straight Connector 73">
-            <a:extLst>
-              <a:ext uri="{FF2B5EF4-FFF2-40B4-BE49-F238E27FC236}">
-                <a16:creationId xmlns:a16="http://schemas.microsoft.com/office/drawing/2014/main" id="{8E3B6C64-8C52-41A1-8E6E-B265AF16F9C1}"/>
-              </a:ext>
-            </a:extLst>
-          </p:cNvPr>
-          <p:cNvCxnSpPr>
-            <a:cxnSpLocks/>
-          </p:cNvCxnSpPr>
-          <p:nvPr/>
-        </p:nvCxnSpPr>
-        <p:spPr>
-          <a:xfrm>
-            <a:off x="6784708" y="3848740"/>
-            <a:ext cx="807603" cy="1186450"/>
-          </a:xfrm>
-          <a:prstGeom prst="line">
-            <a:avLst/>
-          </a:prstGeom>
-          <a:ln w="22225">
-            <a:solidFill>
-              <a:schemeClr val="tx1"/>
-            </a:solidFill>
-            <a:prstDash val="dash"/>
-          </a:ln>
-        </p:spPr>
-        <p:style>
-          <a:lnRef idx="1">
-            <a:schemeClr val="accent1"/>
-          </a:lnRef>
-          <a:fillRef idx="0">
-            <a:schemeClr val="accent1"/>
-          </a:fillRef>
-          <a:effectRef idx="0">
-            <a:schemeClr val="accent1"/>
-          </a:effectRef>
-          <a:fontRef idx="minor">
-            <a:schemeClr val="tx1"/>
-          </a:fontRef>
-        </p:style>
-      </p:cxnSp>
-      <p:cxnSp>
-        <p:nvCxnSpPr>
-          <p:cNvPr id="80" name="Straight Connector 79">
-            <a:extLst>
-              <a:ext uri="{FF2B5EF4-FFF2-40B4-BE49-F238E27FC236}">
-                <a16:creationId xmlns:a16="http://schemas.microsoft.com/office/drawing/2014/main" id="{C0B67191-893D-4BFD-8969-0882A00DC5FD}"/>
-              </a:ext>
-            </a:extLst>
-          </p:cNvPr>
-          <p:cNvCxnSpPr>
-            <a:cxnSpLocks/>
-          </p:cNvCxnSpPr>
-          <p:nvPr/>
-        </p:nvCxnSpPr>
-        <p:spPr>
-          <a:xfrm>
-            <a:off x="6404681" y="4392866"/>
-            <a:ext cx="525141" cy="771485"/>
-          </a:xfrm>
-          <a:prstGeom prst="line">
-            <a:avLst/>
-          </a:prstGeom>
-          <a:ln w="22225">
-            <a:solidFill>
-              <a:schemeClr val="tx1"/>
-            </a:solidFill>
-            <a:prstDash val="dash"/>
-          </a:ln>
-        </p:spPr>
-        <p:style>
-          <a:lnRef idx="1">
-            <a:schemeClr val="accent1"/>
-          </a:lnRef>
-          <a:fillRef idx="0">
-            <a:schemeClr val="accent1"/>
-          </a:fillRef>
-          <a:effectRef idx="0">
-            <a:schemeClr val="accent1"/>
-          </a:effectRef>
-          <a:fontRef idx="minor">
-            <a:schemeClr val="tx1"/>
-          </a:fontRef>
-        </p:style>
-      </p:cxnSp>
-      <p:cxnSp>
-        <p:nvCxnSpPr>
-          <p:cNvPr id="84" name="Straight Arrow Connector 83">
-            <a:extLst>
-              <a:ext uri="{FF2B5EF4-FFF2-40B4-BE49-F238E27FC236}">
-                <a16:creationId xmlns:a16="http://schemas.microsoft.com/office/drawing/2014/main" id="{E900FE44-453A-4D69-A8A3-46506E6FAB0B}"/>
-              </a:ext>
-            </a:extLst>
-          </p:cNvPr>
-          <p:cNvCxnSpPr>
-            <a:cxnSpLocks/>
-          </p:cNvCxnSpPr>
-          <p:nvPr/>
-        </p:nvCxnSpPr>
-        <p:spPr>
-          <a:xfrm flipV="1">
-            <a:off x="7260043" y="2412339"/>
-            <a:ext cx="555439" cy="369198"/>
-          </a:xfrm>
-          <a:prstGeom prst="straightConnector1">
-            <a:avLst/>
-          </a:prstGeom>
-          <a:ln w="38100">
-            <a:solidFill>
-              <a:schemeClr val="tx1"/>
-            </a:solidFill>
-            <a:headEnd type="triangle"/>
-            <a:tailEnd type="triangle"/>
-          </a:ln>
-        </p:spPr>
-        <p:style>
-          <a:lnRef idx="1">
-            <a:schemeClr val="accent1"/>
-          </a:lnRef>
-          <a:fillRef idx="0">
-            <a:schemeClr val="accent1"/>
-          </a:fillRef>
-          <a:effectRef idx="0">
-            <a:schemeClr val="accent1"/>
-          </a:effectRef>
-          <a:fontRef idx="minor">
-            <a:schemeClr val="tx1"/>
-          </a:fontRef>
-        </p:style>
-      </p:cxnSp>
-      <p:sp>
-        <p:nvSpPr>
-          <p:cNvPr id="87" name="TextBox 86">
-            <a:extLst>
-              <a:ext uri="{FF2B5EF4-FFF2-40B4-BE49-F238E27FC236}">
-                <a16:creationId xmlns:a16="http://schemas.microsoft.com/office/drawing/2014/main" id="{0980FF28-F299-42DF-8B63-F8B79544F080}"/>
-              </a:ext>
-            </a:extLst>
-          </p:cNvPr>
-          <p:cNvSpPr txBox="1"/>
-          <p:nvPr/>
-        </p:nvSpPr>
-        <p:spPr>
-          <a:xfrm rot="19626388">
-            <a:off x="6614272" y="2163726"/>
-            <a:ext cx="1572479" cy="369332"/>
-          </a:xfrm>
-          <a:prstGeom prst="rect">
-            <a:avLst/>
-          </a:prstGeom>
-          <a:noFill/>
-        </p:spPr>
-        <p:txBody>
-          <a:bodyPr wrap="square" rtlCol="0">
-            <a:spAutoFit/>
-          </a:bodyPr>
-          <a:lstStyle/>
-          <a:p>
-            <a:r>
-              <a:rPr lang="en-US" dirty="0"/>
-              <a:t>Lag Tolerance</a:t>
-            </a:r>
-          </a:p>
-        </p:txBody>
-      </p:sp>
-      <p:sp>
-        <p:nvSpPr>
-          <p:cNvPr id="88" name="TextBox 87">
-            <a:extLst>
-              <a:ext uri="{FF2B5EF4-FFF2-40B4-BE49-F238E27FC236}">
-                <a16:creationId xmlns:a16="http://schemas.microsoft.com/office/drawing/2014/main" id="{E955AB59-44A6-4BB6-B25C-2AD2B39665EF}"/>
-              </a:ext>
-            </a:extLst>
-          </p:cNvPr>
-          <p:cNvSpPr txBox="1"/>
-          <p:nvPr/>
-        </p:nvSpPr>
-        <p:spPr>
-          <a:xfrm rot="19626388">
-            <a:off x="9423287" y="2536960"/>
-            <a:ext cx="668552" cy="369332"/>
-          </a:xfrm>
-          <a:prstGeom prst="rect">
-            <a:avLst/>
-          </a:prstGeom>
-          <a:solidFill>
-            <a:schemeClr val="bg1"/>
-          </a:solidFill>
-        </p:spPr>
-        <p:txBody>
-          <a:bodyPr wrap="square" rtlCol="0">
-            <a:spAutoFit/>
-          </a:bodyPr>
-          <a:lstStyle/>
-          <a:p>
-            <a:r>
-              <a:rPr lang="en-US" dirty="0"/>
-              <a:t>Lag 3</a:t>
-            </a:r>
-          </a:p>
-        </p:txBody>
-      </p:sp>
-      <p:sp>
-        <p:nvSpPr>
-          <p:cNvPr id="90" name="TextBox 89">
-            <a:extLst>
-              <a:ext uri="{FF2B5EF4-FFF2-40B4-BE49-F238E27FC236}">
-                <a16:creationId xmlns:a16="http://schemas.microsoft.com/office/drawing/2014/main" id="{9E0A7361-95A7-4929-95C5-186768C31ED0}"/>
-              </a:ext>
-            </a:extLst>
-          </p:cNvPr>
-          <p:cNvSpPr txBox="1"/>
-          <p:nvPr/>
-        </p:nvSpPr>
-        <p:spPr>
-          <a:xfrm rot="19626388">
-            <a:off x="7958620" y="3521676"/>
-            <a:ext cx="668552" cy="369332"/>
-          </a:xfrm>
-          <a:prstGeom prst="rect">
-            <a:avLst/>
-          </a:prstGeom>
-          <a:solidFill>
-            <a:schemeClr val="bg1"/>
-          </a:solidFill>
-        </p:spPr>
-        <p:txBody>
-          <a:bodyPr wrap="square" rtlCol="0">
-            <a:spAutoFit/>
-          </a:bodyPr>
-          <a:lstStyle/>
-          <a:p>
-            <a:r>
-              <a:rPr lang="en-US" dirty="0"/>
-              <a:t>Lag 2</a:t>
-            </a:r>
-          </a:p>
-        </p:txBody>
-      </p:sp>
-      <p:sp>
-        <p:nvSpPr>
-          <p:cNvPr id="91" name="TextBox 90">
-            <a:extLst>
-              <a:ext uri="{FF2B5EF4-FFF2-40B4-BE49-F238E27FC236}">
-                <a16:creationId xmlns:a16="http://schemas.microsoft.com/office/drawing/2014/main" id="{8E15D34F-9A0B-4C71-9424-1BD20CF5E265}"/>
-              </a:ext>
-            </a:extLst>
-          </p:cNvPr>
-          <p:cNvSpPr txBox="1"/>
-          <p:nvPr/>
-        </p:nvSpPr>
-        <p:spPr>
-          <a:xfrm rot="19626388">
-            <a:off x="6605776" y="4448708"/>
-            <a:ext cx="668552" cy="369332"/>
-          </a:xfrm>
-          <a:prstGeom prst="rect">
-            <a:avLst/>
-          </a:prstGeom>
-          <a:solidFill>
-            <a:schemeClr val="bg1"/>
-          </a:solidFill>
-        </p:spPr>
-        <p:txBody>
-          <a:bodyPr wrap="square" rtlCol="0">
-            <a:spAutoFit/>
-          </a:bodyPr>
-          <a:lstStyle/>
-          <a:p>
-            <a:r>
-              <a:rPr lang="en-US" dirty="0"/>
-              <a:t>Lag 1</a:t>
-            </a:r>
-          </a:p>
-        </p:txBody>
-      </p:sp>
-      <p:cxnSp>
-        <p:nvCxnSpPr>
-          <p:cNvPr id="92" name="Straight Arrow Connector 91">
-            <a:extLst>
-              <a:ext uri="{FF2B5EF4-FFF2-40B4-BE49-F238E27FC236}">
-                <a16:creationId xmlns:a16="http://schemas.microsoft.com/office/drawing/2014/main" id="{C77177F3-6DE7-41C4-B30D-2400298DFE72}"/>
-              </a:ext>
-            </a:extLst>
-          </p:cNvPr>
-          <p:cNvCxnSpPr>
-            <a:cxnSpLocks/>
-          </p:cNvCxnSpPr>
-          <p:nvPr/>
-        </p:nvCxnSpPr>
-        <p:spPr>
-          <a:xfrm>
-            <a:off x="8402184" y="2215227"/>
-            <a:ext cx="1277119" cy="1901961"/>
-          </a:xfrm>
-          <a:prstGeom prst="straightConnector1">
-            <a:avLst/>
-          </a:prstGeom>
-          <a:ln w="38100">
-            <a:solidFill>
-              <a:schemeClr val="tx1"/>
-            </a:solidFill>
-            <a:headEnd type="triangle"/>
-            <a:tailEnd type="triangle"/>
-          </a:ln>
-        </p:spPr>
-        <p:style>
-          <a:lnRef idx="1">
-            <a:schemeClr val="accent1"/>
-          </a:lnRef>
-          <a:fillRef idx="0">
-            <a:schemeClr val="accent1"/>
-          </a:fillRef>
-          <a:effectRef idx="0">
-            <a:schemeClr val="accent1"/>
-          </a:effectRef>
-          <a:fontRef idx="minor">
-            <a:schemeClr val="tx1"/>
-          </a:fontRef>
-        </p:style>
-      </p:cxnSp>
-      <p:sp>
-        <p:nvSpPr>
-          <p:cNvPr id="96" name="TextBox 95">
-            <a:extLst>
-              <a:ext uri="{FF2B5EF4-FFF2-40B4-BE49-F238E27FC236}">
-                <a16:creationId xmlns:a16="http://schemas.microsoft.com/office/drawing/2014/main" id="{1D585640-9AF7-4117-AD03-58E5A27C59FD}"/>
-              </a:ext>
-            </a:extLst>
-          </p:cNvPr>
-          <p:cNvSpPr txBox="1"/>
-          <p:nvPr/>
-        </p:nvSpPr>
-        <p:spPr>
-          <a:xfrm rot="3366229">
-            <a:off x="9426129" y="3969457"/>
-            <a:ext cx="1216992" cy="369332"/>
-          </a:xfrm>
-          <a:prstGeom prst="rect">
-            <a:avLst/>
-          </a:prstGeom>
-          <a:solidFill>
-            <a:schemeClr val="bg1"/>
-          </a:solidFill>
-        </p:spPr>
-        <p:txBody>
-          <a:bodyPr wrap="square" rtlCol="0">
-            <a:spAutoFit/>
-          </a:bodyPr>
-          <a:lstStyle/>
-          <a:p>
-            <a:r>
-              <a:rPr lang="en-US" dirty="0"/>
-              <a:t>Bandwidth</a:t>
-            </a:r>
-          </a:p>
-        </p:txBody>
-      </p:sp>
-      <p:sp>
-        <p:nvSpPr>
-          <p:cNvPr id="99" name="TextBox 98">
-            <a:extLst>
-              <a:ext uri="{FF2B5EF4-FFF2-40B4-BE49-F238E27FC236}">
-                <a16:creationId xmlns:a16="http://schemas.microsoft.com/office/drawing/2014/main" id="{EF9FD691-D356-48E2-BED3-E561A9565CD7}"/>
-              </a:ext>
-            </a:extLst>
-          </p:cNvPr>
-          <p:cNvSpPr txBox="1"/>
-          <p:nvPr/>
-        </p:nvSpPr>
-        <p:spPr>
-          <a:xfrm>
-            <a:off x="5664557" y="3304689"/>
-            <a:ext cx="983745" cy="369332"/>
-          </a:xfrm>
-          <a:prstGeom prst="rect">
-            <a:avLst/>
-          </a:prstGeom>
-          <a:noFill/>
-        </p:spPr>
-        <p:txBody>
-          <a:bodyPr wrap="square" rtlCol="0">
-            <a:spAutoFit/>
-          </a:bodyPr>
-          <a:lstStyle/>
-          <a:p>
-            <a:r>
-              <a:rPr lang="en-US" dirty="0"/>
-              <a:t>Azimuth</a:t>
-            </a:r>
-          </a:p>
-        </p:txBody>
-      </p:sp>
-      <p:sp>
-        <p:nvSpPr>
-          <p:cNvPr id="103" name="Arc 102">
-            <a:extLst>
-              <a:ext uri="{FF2B5EF4-FFF2-40B4-BE49-F238E27FC236}">
-                <a16:creationId xmlns:a16="http://schemas.microsoft.com/office/drawing/2014/main" id="{0A8DA04F-39F1-4425-A83C-A692538B4B5C}"/>
-              </a:ext>
-            </a:extLst>
-          </p:cNvPr>
-          <p:cNvSpPr/>
-          <p:nvPr/>
-        </p:nvSpPr>
-        <p:spPr>
-          <a:xfrm rot="1932591">
-            <a:off x="4515569" y="3084021"/>
-            <a:ext cx="3615334" cy="3615334"/>
-          </a:xfrm>
-          <a:prstGeom prst="arc">
-            <a:avLst>
-              <a:gd name="adj1" fmla="val 17926831"/>
-              <a:gd name="adj2" fmla="val 19733936"/>
-            </a:avLst>
-          </a:prstGeom>
-          <a:ln w="38100">
-            <a:solidFill>
-              <a:schemeClr val="tx1"/>
-            </a:solidFill>
-            <a:headEnd type="triangle"/>
-            <a:tailEnd type="triangle"/>
-          </a:ln>
-        </p:spPr>
-        <p:style>
-          <a:lnRef idx="1">
-            <a:schemeClr val="accent1"/>
-          </a:lnRef>
-          <a:fillRef idx="0">
-            <a:schemeClr val="accent1"/>
-          </a:fillRef>
-          <a:effectRef idx="0">
-            <a:schemeClr val="accent1"/>
-          </a:effectRef>
-          <a:fontRef idx="minor">
-            <a:schemeClr val="tx1"/>
-          </a:fontRef>
-        </p:style>
-        <p:txBody>
-          <a:bodyPr rtlCol="0" anchor="ctr"/>
-          <a:lstStyle/>
-          <a:p>
-            <a:pPr algn="ctr"/>
-            <a:endParaRPr lang="en-US" dirty="0"/>
-          </a:p>
-        </p:txBody>
-      </p:sp>
-      <p:sp>
-        <p:nvSpPr>
-          <p:cNvPr id="107" name="TextBox 106">
-            <a:extLst>
-              <a:ext uri="{FF2B5EF4-FFF2-40B4-BE49-F238E27FC236}">
-                <a16:creationId xmlns:a16="http://schemas.microsoft.com/office/drawing/2014/main" id="{C659149F-A82E-41DD-8574-775F87BC736B}"/>
-              </a:ext>
-            </a:extLst>
-          </p:cNvPr>
-          <p:cNvSpPr txBox="1"/>
-          <p:nvPr/>
-        </p:nvSpPr>
-        <p:spPr>
-          <a:xfrm>
-            <a:off x="8304839" y="4559603"/>
-            <a:ext cx="1088113" cy="646331"/>
-          </a:xfrm>
-          <a:prstGeom prst="rect">
-            <a:avLst/>
-          </a:prstGeom>
-          <a:solidFill>
-            <a:schemeClr val="bg1"/>
-          </a:solidFill>
-        </p:spPr>
-        <p:txBody>
-          <a:bodyPr wrap="square" rtlCol="0">
-            <a:spAutoFit/>
-          </a:bodyPr>
-          <a:lstStyle/>
-          <a:p>
-            <a:r>
-              <a:rPr lang="en-US" dirty="0"/>
-              <a:t>Azimuth Tolerance</a:t>
-            </a:r>
-          </a:p>
-        </p:txBody>
-      </p:sp>
-      <p:sp>
-        <p:nvSpPr>
-          <p:cNvPr id="109" name="TextBox 108">
-            <a:extLst>
-              <a:ext uri="{FF2B5EF4-FFF2-40B4-BE49-F238E27FC236}">
-                <a16:creationId xmlns:a16="http://schemas.microsoft.com/office/drawing/2014/main" id="{3846C1ED-F83D-47EF-B7FD-7694847B5FE4}"/>
-              </a:ext>
-            </a:extLst>
-          </p:cNvPr>
-          <p:cNvSpPr txBox="1"/>
-          <p:nvPr/>
-        </p:nvSpPr>
-        <p:spPr>
-          <a:xfrm>
-            <a:off x="9676781" y="5666763"/>
-            <a:ext cx="1489269" cy="369332"/>
-          </a:xfrm>
-          <a:prstGeom prst="rect">
-            <a:avLst/>
-          </a:prstGeom>
-          <a:noFill/>
-        </p:spPr>
-        <p:txBody>
-          <a:bodyPr wrap="square" rtlCol="0">
-            <a:spAutoFit/>
-          </a:bodyPr>
-          <a:lstStyle/>
-          <a:p>
-            <a:r>
-              <a:rPr lang="en-US" dirty="0"/>
-              <a:t>X axis (East)</a:t>
-            </a:r>
-          </a:p>
-        </p:txBody>
-      </p:sp>
-      <p:sp>
-        <p:nvSpPr>
-          <p:cNvPr id="110" name="TextBox 109">
-            <a:extLst>
-              <a:ext uri="{FF2B5EF4-FFF2-40B4-BE49-F238E27FC236}">
-                <a16:creationId xmlns:a16="http://schemas.microsoft.com/office/drawing/2014/main" id="{F450314A-41BC-44D6-AC35-6DBA9F648554}"/>
-              </a:ext>
-            </a:extLst>
-          </p:cNvPr>
-          <p:cNvSpPr txBox="1"/>
-          <p:nvPr/>
-        </p:nvSpPr>
-        <p:spPr>
-          <a:xfrm rot="16200000">
-            <a:off x="4398035" y="916390"/>
-            <a:ext cx="1489269" cy="369332"/>
-          </a:xfrm>
-          <a:prstGeom prst="rect">
-            <a:avLst/>
-          </a:prstGeom>
-          <a:noFill/>
-        </p:spPr>
-        <p:txBody>
-          <a:bodyPr wrap="square" rtlCol="0">
-            <a:spAutoFit/>
-          </a:bodyPr>
-          <a:lstStyle/>
-          <a:p>
-            <a:r>
-              <a:rPr lang="en-US" dirty="0"/>
-              <a:t>Y axis (North)</a:t>
-            </a:r>
-          </a:p>
-        </p:txBody>
-      </p:sp>
-      <p:sp>
-        <p:nvSpPr>
-          <p:cNvPr id="111" name="Arc 110">
-            <a:extLst>
-              <a:ext uri="{FF2B5EF4-FFF2-40B4-BE49-F238E27FC236}">
-                <a16:creationId xmlns:a16="http://schemas.microsoft.com/office/drawing/2014/main" id="{88C35A20-DB1F-4ED6-8784-104BF772BB66}"/>
-              </a:ext>
-            </a:extLst>
-          </p:cNvPr>
-          <p:cNvSpPr/>
-          <p:nvPr/>
-        </p:nvSpPr>
-        <p:spPr>
-          <a:xfrm>
-            <a:off x="3807473" y="3737982"/>
-            <a:ext cx="3615334" cy="3615334"/>
-          </a:xfrm>
-          <a:prstGeom prst="arc">
-            <a:avLst>
-              <a:gd name="adj1" fmla="val 16435558"/>
-              <a:gd name="adj2" fmla="val 19251323"/>
-            </a:avLst>
-          </a:prstGeom>
-          <a:ln w="38100">
-            <a:solidFill>
-              <a:schemeClr val="tx1"/>
-            </a:solidFill>
-            <a:headEnd type="triangle"/>
-            <a:tailEnd type="triangle"/>
-          </a:ln>
-        </p:spPr>
-        <p:style>
-          <a:lnRef idx="1">
-            <a:schemeClr val="accent1"/>
-          </a:lnRef>
-          <a:fillRef idx="0">
-            <a:schemeClr val="accent1"/>
-          </a:fillRef>
-          <a:effectRef idx="0">
-            <a:schemeClr val="accent1"/>
-          </a:effectRef>
-          <a:fontRef idx="minor">
-            <a:schemeClr val="tx1"/>
-          </a:fontRef>
-        </p:style>
-        <p:txBody>
-          <a:bodyPr rtlCol="0" anchor="ctr"/>
-          <a:lstStyle/>
-          <a:p>
-            <a:pPr algn="ctr"/>
-            <a:endParaRPr lang="en-US" dirty="0"/>
-          </a:p>
-        </p:txBody>
-      </p:sp>
-      <p:sp>
-        <p:nvSpPr>
-          <p:cNvPr id="114" name="Rectangle 113">
-            <a:extLst>
-              <a:ext uri="{FF2B5EF4-FFF2-40B4-BE49-F238E27FC236}">
-                <a16:creationId xmlns:a16="http://schemas.microsoft.com/office/drawing/2014/main" id="{203F90CD-48FD-44D5-A341-84A71F3FDB92}"/>
-              </a:ext>
-            </a:extLst>
-          </p:cNvPr>
-          <p:cNvSpPr/>
-          <p:nvPr/>
-        </p:nvSpPr>
-        <p:spPr>
-          <a:xfrm>
-            <a:off x="4757738" y="285750"/>
-            <a:ext cx="6519862" cy="5929313"/>
-          </a:xfrm>
-          <a:prstGeom prst="rect">
-            <a:avLst/>
-          </a:prstGeom>
-          <a:noFill/>
-        </p:spPr>
-        <p:style>
-          <a:lnRef idx="2">
-            <a:schemeClr val="accent1">
-              <a:shade val="50000"/>
-            </a:schemeClr>
-          </a:lnRef>
-          <a:fillRef idx="1">
-            <a:schemeClr val="accent1"/>
-          </a:fillRef>
-          <a:effectRef idx="0">
-            <a:schemeClr val="accent1"/>
-          </a:effectRef>
-          <a:fontRef idx="minor">
-            <a:schemeClr val="lt1"/>
-          </a:fontRef>
-        </p:style>
-        <p:txBody>
-          <a:bodyPr rtlCol="0" anchor="ctr"/>
-          <a:lstStyle/>
-          <a:p>
-            <a:pPr algn="ctr"/>
-            <a:endParaRPr lang="en-US"/>
-          </a:p>
-        </p:txBody>
-      </p:sp>
-    </p:spTree>
-    <p:extLst>
-      <p:ext uri="{BB962C8B-B14F-4D97-AF65-F5344CB8AC3E}">
-        <p14:creationId xmlns:p14="http://schemas.microsoft.com/office/powerpoint/2010/main" val="69181978"/>
-      </p:ext>
-    </p:extLst>
-  </p:cSld>
-  <p:clrMapOvr>
-    <a:masterClrMapping/>
-  </p:clrMapOvr>
-</p:sld>
-</file>
-
-<file path=ppt/slides/slide9.xml><?xml version="1.0" encoding="utf-8"?>
-<p:sld xmlns:a="http://schemas.openxmlformats.org/drawingml/2006/main" xmlns:r="http://schemas.openxmlformats.org/officeDocument/2006/relationships" xmlns:p="http://schemas.openxmlformats.org/presentationml/2006/main">
-  <p:cSld>
-    <p:spTree>
-      <p:nvGrpSpPr>
-        <p:cNvPr id="1" name=""/>
-        <p:cNvGrpSpPr/>
-        <p:nvPr/>
-      </p:nvGrpSpPr>
-      <p:grpSpPr>
-        <a:xfrm>
-          <a:off x="0" y="0"/>
-          <a:ext cx="0" cy="0"/>
-          <a:chOff x="0" y="0"/>
-          <a:chExt cx="0" cy="0"/>
-        </a:xfrm>
-      </p:grpSpPr>
-      <p:sp>
-        <p:nvSpPr>
-          <p:cNvPr id="7" name="Oval 6">
-            <a:extLst>
-              <a:ext uri="{FF2B5EF4-FFF2-40B4-BE49-F238E27FC236}">
-                <a16:creationId xmlns:a16="http://schemas.microsoft.com/office/drawing/2014/main" id="{B727A85D-FE9C-4B39-AF15-5DA270F2D41F}"/>
-              </a:ext>
-            </a:extLst>
-          </p:cNvPr>
-          <p:cNvSpPr/>
-          <p:nvPr/>
-        </p:nvSpPr>
-        <p:spPr>
-          <a:xfrm rot="19705373">
-            <a:off x="1215142" y="2926987"/>
-            <a:ext cx="6620382" cy="2995059"/>
-          </a:xfrm>
-          <a:prstGeom prst="ellipse">
-            <a:avLst/>
-          </a:prstGeom>
-          <a:solidFill>
-            <a:schemeClr val="bg2">
-              <a:lumMod val="50000"/>
-              <a:alpha val="62000"/>
-            </a:schemeClr>
-          </a:solidFill>
-          <a:ln>
-            <a:solidFill>
-              <a:schemeClr val="tx1"/>
-            </a:solidFill>
-          </a:ln>
-        </p:spPr>
-        <p:style>
-          <a:lnRef idx="2">
-            <a:schemeClr val="accent1">
-              <a:shade val="50000"/>
-            </a:schemeClr>
-          </a:lnRef>
-          <a:fillRef idx="1">
-            <a:schemeClr val="accent1"/>
-          </a:fillRef>
-          <a:effectRef idx="0">
-            <a:schemeClr val="accent1"/>
-          </a:effectRef>
-          <a:fontRef idx="minor">
-            <a:schemeClr val="lt1"/>
-          </a:fontRef>
-        </p:style>
-        <p:txBody>
-          <a:bodyPr rtlCol="0" anchor="ctr"/>
-          <a:lstStyle/>
-          <a:p>
-            <a:pPr algn="ctr"/>
-            <a:endParaRPr lang="en-US" dirty="0"/>
-          </a:p>
-        </p:txBody>
-      </p:sp>
-      <p:cxnSp>
-        <p:nvCxnSpPr>
-          <p:cNvPr id="6" name="Straight Arrow Connector 5">
-            <a:extLst>
-              <a:ext uri="{FF2B5EF4-FFF2-40B4-BE49-F238E27FC236}">
-                <a16:creationId xmlns:a16="http://schemas.microsoft.com/office/drawing/2014/main" id="{7781D4D5-4F32-40A0-88CC-01F5F090FA84}"/>
-              </a:ext>
-            </a:extLst>
-          </p:cNvPr>
-          <p:cNvCxnSpPr>
-            <a:cxnSpLocks/>
-          </p:cNvCxnSpPr>
-          <p:nvPr/>
-        </p:nvCxnSpPr>
-        <p:spPr>
-          <a:xfrm>
-            <a:off x="4680544" y="4329325"/>
-            <a:ext cx="3836072" cy="0"/>
-          </a:xfrm>
-          <a:prstGeom prst="straightConnector1">
-            <a:avLst/>
-          </a:prstGeom>
-          <a:ln w="44450">
-            <a:solidFill>
-              <a:schemeClr val="tx1"/>
-            </a:solidFill>
-            <a:tailEnd type="triangle"/>
-          </a:ln>
-        </p:spPr>
-        <p:style>
-          <a:lnRef idx="1">
-            <a:schemeClr val="accent1"/>
-          </a:lnRef>
-          <a:fillRef idx="0">
-            <a:schemeClr val="accent1"/>
-          </a:fillRef>
-          <a:effectRef idx="0">
-            <a:schemeClr val="accent1"/>
-          </a:effectRef>
-          <a:fontRef idx="minor">
-            <a:schemeClr val="tx1"/>
-          </a:fontRef>
-        </p:style>
-      </p:cxnSp>
-      <p:cxnSp>
-        <p:nvCxnSpPr>
-          <p:cNvPr id="10" name="Straight Arrow Connector 9">
-            <a:extLst>
-              <a:ext uri="{FF2B5EF4-FFF2-40B4-BE49-F238E27FC236}">
-                <a16:creationId xmlns:a16="http://schemas.microsoft.com/office/drawing/2014/main" id="{93158E70-B466-4EA7-8BE2-820D81A70C65}"/>
-              </a:ext>
-            </a:extLst>
-          </p:cNvPr>
-          <p:cNvCxnSpPr>
-            <a:cxnSpLocks/>
-          </p:cNvCxnSpPr>
-          <p:nvPr/>
-        </p:nvCxnSpPr>
-        <p:spPr>
-          <a:xfrm flipV="1">
-            <a:off x="4680544" y="493253"/>
-            <a:ext cx="0" cy="3836072"/>
-          </a:xfrm>
-          <a:prstGeom prst="straightConnector1">
-            <a:avLst/>
-          </a:prstGeom>
-          <a:ln w="44450">
-            <a:solidFill>
-              <a:schemeClr val="tx1"/>
-            </a:solidFill>
-            <a:tailEnd type="triangle"/>
-          </a:ln>
-        </p:spPr>
-        <p:style>
-          <a:lnRef idx="1">
-            <a:schemeClr val="accent1"/>
-          </a:lnRef>
-          <a:fillRef idx="0">
-            <a:schemeClr val="accent1"/>
-          </a:fillRef>
-          <a:effectRef idx="0">
-            <a:schemeClr val="accent1"/>
-          </a:effectRef>
-          <a:fontRef idx="minor">
-            <a:schemeClr val="tx1"/>
-          </a:fontRef>
-        </p:style>
-      </p:cxnSp>
-      <p:cxnSp>
-        <p:nvCxnSpPr>
-          <p:cNvPr id="14" name="Straight Arrow Connector 13">
-            <a:extLst>
-              <a:ext uri="{FF2B5EF4-FFF2-40B4-BE49-F238E27FC236}">
-                <a16:creationId xmlns:a16="http://schemas.microsoft.com/office/drawing/2014/main" id="{F6C2F67A-776B-4564-B969-2B3B61C3C930}"/>
-              </a:ext>
-            </a:extLst>
-          </p:cNvPr>
-          <p:cNvCxnSpPr>
-            <a:cxnSpLocks/>
-          </p:cNvCxnSpPr>
-          <p:nvPr/>
-        </p:nvCxnSpPr>
-        <p:spPr>
-          <a:xfrm flipV="1">
-            <a:off x="1167670" y="1789860"/>
-            <a:ext cx="7245074" cy="4929699"/>
-          </a:xfrm>
-          <a:prstGeom prst="straightConnector1">
-            <a:avLst/>
-          </a:prstGeom>
-          <a:ln w="44450">
-            <a:solidFill>
-              <a:srgbClr val="0070C0"/>
-            </a:solidFill>
-            <a:prstDash val="dash"/>
-            <a:headEnd type="triangle"/>
-            <a:tailEnd type="triangle"/>
-          </a:ln>
-        </p:spPr>
-        <p:style>
-          <a:lnRef idx="1">
-            <a:schemeClr val="accent1"/>
-          </a:lnRef>
-          <a:fillRef idx="0">
-            <a:schemeClr val="accent1"/>
-          </a:fillRef>
-          <a:effectRef idx="0">
-            <a:schemeClr val="accent1"/>
-          </a:effectRef>
-          <a:fontRef idx="minor">
-            <a:schemeClr val="tx1"/>
-          </a:fontRef>
-        </p:style>
-      </p:cxnSp>
-      <p:sp>
-        <p:nvSpPr>
-          <p:cNvPr id="99" name="TextBox 98">
-            <a:extLst>
-              <a:ext uri="{FF2B5EF4-FFF2-40B4-BE49-F238E27FC236}">
-                <a16:creationId xmlns:a16="http://schemas.microsoft.com/office/drawing/2014/main" id="{EF9FD691-D356-48E2-BED3-E561A9565CD7}"/>
-              </a:ext>
-            </a:extLst>
-          </p:cNvPr>
-          <p:cNvSpPr txBox="1"/>
-          <p:nvPr/>
-        </p:nvSpPr>
-        <p:spPr>
-          <a:xfrm>
-            <a:off x="5004466" y="2644389"/>
-            <a:ext cx="1088166" cy="307777"/>
-          </a:xfrm>
-          <a:prstGeom prst="rect">
-            <a:avLst/>
-          </a:prstGeom>
-          <a:noFill/>
-        </p:spPr>
-        <p:txBody>
-          <a:bodyPr wrap="square" rtlCol="0">
-            <a:spAutoFit/>
-          </a:bodyPr>
-          <a:lstStyle/>
-          <a:p>
-            <a:r>
-              <a:rPr lang="en-US" sz="1400" dirty="0"/>
-              <a:t>Azimuth</a:t>
-            </a:r>
-          </a:p>
-        </p:txBody>
-      </p:sp>
-      <p:sp>
-        <p:nvSpPr>
-          <p:cNvPr id="109" name="TextBox 108">
-            <a:extLst>
-              <a:ext uri="{FF2B5EF4-FFF2-40B4-BE49-F238E27FC236}">
-                <a16:creationId xmlns:a16="http://schemas.microsoft.com/office/drawing/2014/main" id="{3846C1ED-F83D-47EF-B7FD-7694847B5FE4}"/>
-              </a:ext>
-            </a:extLst>
-          </p:cNvPr>
-          <p:cNvSpPr txBox="1"/>
-          <p:nvPr/>
-        </p:nvSpPr>
-        <p:spPr>
-          <a:xfrm>
-            <a:off x="7666668" y="4465954"/>
-            <a:ext cx="1162904" cy="307777"/>
-          </a:xfrm>
-          <a:prstGeom prst="rect">
-            <a:avLst/>
-          </a:prstGeom>
-          <a:noFill/>
-        </p:spPr>
-        <p:txBody>
-          <a:bodyPr wrap="square" rtlCol="0">
-            <a:spAutoFit/>
-          </a:bodyPr>
-          <a:lstStyle/>
-          <a:p>
-            <a:r>
-              <a:rPr lang="en-US" sz="1400" dirty="0"/>
-              <a:t>X axis (East)</a:t>
-            </a:r>
-          </a:p>
-        </p:txBody>
-      </p:sp>
-      <p:sp>
-        <p:nvSpPr>
-          <p:cNvPr id="110" name="TextBox 109">
-            <a:extLst>
-              <a:ext uri="{FF2B5EF4-FFF2-40B4-BE49-F238E27FC236}">
-                <a16:creationId xmlns:a16="http://schemas.microsoft.com/office/drawing/2014/main" id="{F450314A-41BC-44D6-AC35-6DBA9F648554}"/>
-              </a:ext>
-            </a:extLst>
-          </p:cNvPr>
-          <p:cNvSpPr txBox="1"/>
-          <p:nvPr/>
-        </p:nvSpPr>
-        <p:spPr>
-          <a:xfrm rot="16200000">
-            <a:off x="3792005" y="1005192"/>
-            <a:ext cx="1261558" cy="307777"/>
-          </a:xfrm>
-          <a:prstGeom prst="rect">
-            <a:avLst/>
-          </a:prstGeom>
-          <a:noFill/>
-        </p:spPr>
-        <p:txBody>
-          <a:bodyPr wrap="square" rtlCol="0">
-            <a:spAutoFit/>
-          </a:bodyPr>
-          <a:lstStyle/>
-          <a:p>
-            <a:r>
-              <a:rPr lang="en-US" sz="1400" dirty="0"/>
-              <a:t>Z axis (vertical)</a:t>
-            </a:r>
-          </a:p>
-        </p:txBody>
-      </p:sp>
-      <p:sp>
-        <p:nvSpPr>
-          <p:cNvPr id="111" name="Arc 110">
-            <a:extLst>
-              <a:ext uri="{FF2B5EF4-FFF2-40B4-BE49-F238E27FC236}">
-                <a16:creationId xmlns:a16="http://schemas.microsoft.com/office/drawing/2014/main" id="{88C35A20-DB1F-4ED6-8784-104BF772BB66}"/>
-              </a:ext>
-            </a:extLst>
-          </p:cNvPr>
-          <p:cNvSpPr/>
-          <p:nvPr/>
-        </p:nvSpPr>
-        <p:spPr>
-          <a:xfrm>
-            <a:off x="3240219" y="2950070"/>
-            <a:ext cx="2823055" cy="2823055"/>
-          </a:xfrm>
-          <a:prstGeom prst="arc">
-            <a:avLst>
-              <a:gd name="adj1" fmla="val 16435558"/>
-              <a:gd name="adj2" fmla="val 19251323"/>
-            </a:avLst>
-          </a:prstGeom>
-          <a:ln w="38100">
-            <a:solidFill>
-              <a:schemeClr val="tx1"/>
-            </a:solidFill>
-            <a:headEnd type="triangle"/>
-            <a:tailEnd type="triangle"/>
-          </a:ln>
-        </p:spPr>
-        <p:style>
-          <a:lnRef idx="1">
-            <a:schemeClr val="accent1"/>
-          </a:lnRef>
-          <a:fillRef idx="0">
-            <a:schemeClr val="accent1"/>
-          </a:fillRef>
-          <a:effectRef idx="0">
-            <a:schemeClr val="accent1"/>
-          </a:effectRef>
-          <a:fontRef idx="minor">
-            <a:schemeClr val="tx1"/>
-          </a:fontRef>
-        </p:style>
-        <p:txBody>
-          <a:bodyPr rtlCol="0" anchor="ctr"/>
-          <a:lstStyle/>
-          <a:p>
-            <a:pPr algn="ctr"/>
-            <a:endParaRPr lang="en-US" dirty="0"/>
-          </a:p>
-        </p:txBody>
-      </p:sp>
-      <p:sp>
-        <p:nvSpPr>
-          <p:cNvPr id="114" name="Rectangle 113">
-            <a:extLst>
-              <a:ext uri="{FF2B5EF4-FFF2-40B4-BE49-F238E27FC236}">
-                <a16:creationId xmlns:a16="http://schemas.microsoft.com/office/drawing/2014/main" id="{203F90CD-48FD-44D5-A341-84A71F3FDB92}"/>
-              </a:ext>
-            </a:extLst>
-          </p:cNvPr>
-          <p:cNvSpPr/>
-          <p:nvPr/>
-        </p:nvSpPr>
-        <p:spPr>
-          <a:xfrm>
-            <a:off x="3062680" y="254374"/>
-            <a:ext cx="6010632" cy="4629939"/>
-          </a:xfrm>
-          <a:prstGeom prst="rect">
-            <a:avLst/>
-          </a:prstGeom>
-          <a:noFill/>
-          <a:ln>
-            <a:noFill/>
-          </a:ln>
-        </p:spPr>
-        <p:style>
-          <a:lnRef idx="2">
-            <a:schemeClr val="accent1">
-              <a:shade val="50000"/>
-            </a:schemeClr>
-          </a:lnRef>
-          <a:fillRef idx="1">
-            <a:schemeClr val="accent1"/>
-          </a:fillRef>
-          <a:effectRef idx="0">
-            <a:schemeClr val="accent1"/>
-          </a:effectRef>
-          <a:fontRef idx="minor">
-            <a:schemeClr val="lt1"/>
-          </a:fontRef>
-        </p:style>
-        <p:txBody>
-          <a:bodyPr rtlCol="0" anchor="ctr"/>
-          <a:lstStyle/>
-          <a:p>
-            <a:pPr algn="ctr"/>
-            <a:endParaRPr lang="en-US" dirty="0"/>
-          </a:p>
-        </p:txBody>
-      </p:sp>
-      <p:cxnSp>
-        <p:nvCxnSpPr>
-          <p:cNvPr id="33" name="Straight Arrow Connector 32">
-            <a:extLst>
-              <a:ext uri="{FF2B5EF4-FFF2-40B4-BE49-F238E27FC236}">
-                <a16:creationId xmlns:a16="http://schemas.microsoft.com/office/drawing/2014/main" id="{69C63A14-DC27-4974-BB77-D0B91B6BB009}"/>
-              </a:ext>
-            </a:extLst>
-          </p:cNvPr>
-          <p:cNvCxnSpPr>
-            <a:cxnSpLocks/>
-          </p:cNvCxnSpPr>
-          <p:nvPr/>
-        </p:nvCxnSpPr>
-        <p:spPr>
-          <a:xfrm flipH="1" flipV="1">
-            <a:off x="3371469" y="2394418"/>
-            <a:ext cx="2538492" cy="3797177"/>
-          </a:xfrm>
-          <a:prstGeom prst="straightConnector1">
-            <a:avLst/>
-          </a:prstGeom>
-          <a:ln w="44450">
-            <a:solidFill>
-              <a:srgbClr val="0070C0"/>
-            </a:solidFill>
-            <a:prstDash val="dash"/>
-            <a:headEnd type="triangle"/>
-            <a:tailEnd type="triangle"/>
-          </a:ln>
-        </p:spPr>
-        <p:style>
-          <a:lnRef idx="1">
-            <a:schemeClr val="accent1"/>
-          </a:lnRef>
-          <a:fillRef idx="0">
-            <a:schemeClr val="accent1"/>
-          </a:fillRef>
-          <a:effectRef idx="0">
-            <a:schemeClr val="accent1"/>
-          </a:effectRef>
-          <a:fontRef idx="minor">
-            <a:schemeClr val="tx1"/>
-          </a:fontRef>
-        </p:style>
-      </p:cxnSp>
-      <p:sp>
-        <p:nvSpPr>
-          <p:cNvPr id="37" name="TextBox 36">
-            <a:extLst>
-              <a:ext uri="{FF2B5EF4-FFF2-40B4-BE49-F238E27FC236}">
-                <a16:creationId xmlns:a16="http://schemas.microsoft.com/office/drawing/2014/main" id="{F3418041-4C78-414F-B295-E5F985006347}"/>
-              </a:ext>
-            </a:extLst>
-          </p:cNvPr>
-          <p:cNvSpPr txBox="1"/>
-          <p:nvPr/>
-        </p:nvSpPr>
-        <p:spPr>
-          <a:xfrm rot="19523963">
-            <a:off x="6922309" y="1896720"/>
-            <a:ext cx="1408964" cy="307777"/>
-          </a:xfrm>
-          <a:prstGeom prst="rect">
-            <a:avLst/>
-          </a:prstGeom>
-          <a:noFill/>
-        </p:spPr>
-        <p:txBody>
-          <a:bodyPr wrap="square" rtlCol="0">
-            <a:spAutoFit/>
-          </a:bodyPr>
-          <a:lstStyle/>
-          <a:p>
-            <a:r>
-              <a:rPr lang="en-US" sz="1400" dirty="0">
-                <a:solidFill>
-                  <a:srgbClr val="00B050"/>
-                </a:solidFill>
-              </a:rPr>
-              <a:t>Horizontal Major</a:t>
-            </a:r>
-          </a:p>
-        </p:txBody>
-      </p:sp>
-      <p:sp>
-        <p:nvSpPr>
-          <p:cNvPr id="38" name="TextBox 37">
-            <a:extLst>
-              <a:ext uri="{FF2B5EF4-FFF2-40B4-BE49-F238E27FC236}">
-                <a16:creationId xmlns:a16="http://schemas.microsoft.com/office/drawing/2014/main" id="{DD5F83FE-B02E-4663-8AA6-07D08390DDA6}"/>
-              </a:ext>
-            </a:extLst>
-          </p:cNvPr>
-          <p:cNvSpPr txBox="1"/>
-          <p:nvPr/>
-        </p:nvSpPr>
-        <p:spPr>
-          <a:xfrm rot="3366254">
-            <a:off x="3356512" y="3051366"/>
-            <a:ext cx="1759939" cy="307777"/>
-          </a:xfrm>
-          <a:prstGeom prst="rect">
-            <a:avLst/>
-          </a:prstGeom>
-          <a:noFill/>
-        </p:spPr>
-        <p:txBody>
-          <a:bodyPr wrap="square" rtlCol="0">
-            <a:spAutoFit/>
-          </a:bodyPr>
-          <a:lstStyle/>
-          <a:p>
-            <a:r>
-              <a:rPr lang="en-US" sz="1400" dirty="0"/>
-              <a:t>Horizontal Minor</a:t>
-            </a:r>
-          </a:p>
-        </p:txBody>
-      </p:sp>
-      <mc:AlternateContent xmlns:mc="http://schemas.openxmlformats.org/markup-compatibility/2006">
-        <mc:Choice xmlns:a14="http://schemas.microsoft.com/office/drawing/2010/main" Requires="a14">
-          <p:sp>
-            <p:nvSpPr>
-              <p:cNvPr id="5" name="TextBox 4">
-                <a:extLst>
-                  <a:ext uri="{FF2B5EF4-FFF2-40B4-BE49-F238E27FC236}">
-                    <a16:creationId xmlns:a16="http://schemas.microsoft.com/office/drawing/2014/main" id="{2F4B2B12-5B47-43D0-8167-C6DF2B13655F}"/>
-                  </a:ext>
-                </a:extLst>
-              </p:cNvPr>
-              <p:cNvSpPr txBox="1"/>
-              <p:nvPr/>
-            </p:nvSpPr>
-            <p:spPr>
-              <a:xfrm>
-                <a:off x="4938108" y="3411378"/>
-                <a:ext cx="205081" cy="300412"/>
-              </a:xfrm>
-              <a:prstGeom prst="rect">
-                <a:avLst/>
-              </a:prstGeom>
-              <a:noFill/>
-            </p:spPr>
-            <p:txBody>
-              <a:bodyPr wrap="none" lIns="0" tIns="0" rIns="0" bIns="0" rtlCol="0">
-                <a:spAutoFit/>
-              </a:bodyPr>
-              <a:lstStyle/>
-              <a:p>
-                <a:pPr/>
-                <a14:m>
-                  <m:oMathPara xmlns:m="http://schemas.openxmlformats.org/officeDocument/2006/math">
-                    <m:oMathParaPr>
-                      <m:jc m:val="centerGroup"/>
-                    </m:oMathParaPr>
-                    <m:oMath xmlns:m="http://schemas.openxmlformats.org/officeDocument/2006/math">
-                      <m:r>
-                        <a:rPr lang="en-US" sz="2500" i="1" smtClean="0">
-                          <a:latin typeface="Cambria Math" panose="02040503050406030204" pitchFamily="18" charset="0"/>
-                          <a:ea typeface="Cambria Math" panose="02040503050406030204" pitchFamily="18" charset="0"/>
-                        </a:rPr>
-                        <m:t>𝜃</m:t>
-                      </m:r>
-                    </m:oMath>
-                  </m:oMathPara>
-                </a14:m>
-                <a:endParaRPr lang="en-US" sz="2500" dirty="0"/>
-              </a:p>
-            </p:txBody>
-          </p:sp>
-        </mc:Choice>
-        <mc:Fallback>
-          <p:sp>
-            <p:nvSpPr>
-              <p:cNvPr id="5" name="TextBox 4">
-                <a:extLst>
-                  <a:ext uri="{FF2B5EF4-FFF2-40B4-BE49-F238E27FC236}">
-                    <a16:creationId xmlns:a16="http://schemas.microsoft.com/office/drawing/2014/main" id="{2F4B2B12-5B47-43D0-8167-C6DF2B13655F}"/>
-                  </a:ext>
-                </a:extLst>
-              </p:cNvPr>
-              <p:cNvSpPr txBox="1">
-                <a:spLocks noRot="1" noChangeAspect="1" noMove="1" noResize="1" noEditPoints="1" noAdjustHandles="1" noChangeArrowheads="1" noChangeShapeType="1" noTextEdit="1"/>
-              </p:cNvSpPr>
-              <p:nvPr/>
-            </p:nvSpPr>
-            <p:spPr>
-              <a:xfrm>
-                <a:off x="4938108" y="3411378"/>
-                <a:ext cx="205081" cy="300412"/>
-              </a:xfrm>
-              <a:prstGeom prst="rect">
-                <a:avLst/>
-              </a:prstGeom>
-              <a:blipFill>
-                <a:blip r:embed="rId2"/>
-                <a:stretch>
-                  <a:fillRect l="-50000" r="-44118" b="-36735"/>
-                </a:stretch>
-              </a:blipFill>
-            </p:spPr>
-            <p:txBody>
-              <a:bodyPr/>
-              <a:lstStyle/>
-              <a:p>
-                <a:r>
-                  <a:rPr lang="en-US">
-                    <a:noFill/>
-                  </a:rPr>
-                  <a:t> </a:t>
-                </a:r>
-              </a:p>
-            </p:txBody>
-          </p:sp>
-        </mc:Fallback>
-      </mc:AlternateContent>
-      <p:cxnSp>
-        <p:nvCxnSpPr>
-          <p:cNvPr id="16" name="Straight Arrow Connector 15">
-            <a:extLst>
-              <a:ext uri="{FF2B5EF4-FFF2-40B4-BE49-F238E27FC236}">
-                <a16:creationId xmlns:a16="http://schemas.microsoft.com/office/drawing/2014/main" id="{3D49FA43-E94F-4CE8-B637-73DB21046ED8}"/>
-              </a:ext>
-            </a:extLst>
-          </p:cNvPr>
-          <p:cNvCxnSpPr>
-            <a:cxnSpLocks/>
-          </p:cNvCxnSpPr>
-          <p:nvPr/>
-        </p:nvCxnSpPr>
-        <p:spPr>
-          <a:xfrm flipH="1">
-            <a:off x="3653118" y="4327179"/>
-            <a:ext cx="1023275" cy="1558735"/>
-          </a:xfrm>
-          <a:prstGeom prst="straightConnector1">
-            <a:avLst/>
-          </a:prstGeom>
-          <a:ln w="44450">
-            <a:solidFill>
-              <a:schemeClr val="tx1"/>
-            </a:solidFill>
-            <a:tailEnd type="triangle"/>
-          </a:ln>
-        </p:spPr>
-        <p:style>
-          <a:lnRef idx="1">
-            <a:schemeClr val="accent1"/>
-          </a:lnRef>
-          <a:fillRef idx="0">
-            <a:schemeClr val="accent1"/>
-          </a:fillRef>
-          <a:effectRef idx="0">
-            <a:schemeClr val="accent1"/>
-          </a:effectRef>
-          <a:fontRef idx="minor">
-            <a:schemeClr val="tx1"/>
-          </a:fontRef>
-        </p:style>
-      </p:cxnSp>
-      <p:sp>
-        <p:nvSpPr>
-          <p:cNvPr id="21" name="TextBox 20">
-            <a:extLst>
-              <a:ext uri="{FF2B5EF4-FFF2-40B4-BE49-F238E27FC236}">
-                <a16:creationId xmlns:a16="http://schemas.microsoft.com/office/drawing/2014/main" id="{0D198AE6-CBD3-4F99-97F6-170D754BC22E}"/>
-              </a:ext>
-            </a:extLst>
-          </p:cNvPr>
-          <p:cNvSpPr txBox="1"/>
-          <p:nvPr/>
-        </p:nvSpPr>
-        <p:spPr>
-          <a:xfrm rot="3366254">
-            <a:off x="3356511" y="3051367"/>
-            <a:ext cx="1759939" cy="307777"/>
-          </a:xfrm>
-          <a:prstGeom prst="rect">
-            <a:avLst/>
-          </a:prstGeom>
-          <a:noFill/>
-        </p:spPr>
-        <p:txBody>
-          <a:bodyPr wrap="square" rtlCol="0">
-            <a:spAutoFit/>
-          </a:bodyPr>
-          <a:lstStyle/>
-          <a:p>
-            <a:r>
-              <a:rPr lang="en-US" sz="1400" dirty="0">
-                <a:solidFill>
-                  <a:srgbClr val="00B050"/>
-                </a:solidFill>
-              </a:rPr>
-              <a:t>Horizontal Minor</a:t>
-            </a:r>
-          </a:p>
-        </p:txBody>
-      </p:sp>
-      <p:sp>
-        <p:nvSpPr>
-          <p:cNvPr id="22" name="TextBox 21">
-            <a:extLst>
-              <a:ext uri="{FF2B5EF4-FFF2-40B4-BE49-F238E27FC236}">
-                <a16:creationId xmlns:a16="http://schemas.microsoft.com/office/drawing/2014/main" id="{31DCE6AF-7C19-4BF7-B59D-367F32CBE7F0}"/>
-              </a:ext>
-            </a:extLst>
-          </p:cNvPr>
-          <p:cNvSpPr txBox="1"/>
-          <p:nvPr/>
-        </p:nvSpPr>
-        <p:spPr>
-          <a:xfrm rot="19523963">
-            <a:off x="6922308" y="1896721"/>
-            <a:ext cx="1408964" cy="307777"/>
-          </a:xfrm>
-          <a:prstGeom prst="rect">
-            <a:avLst/>
-          </a:prstGeom>
-          <a:noFill/>
-        </p:spPr>
-        <p:txBody>
-          <a:bodyPr wrap="square" rtlCol="0">
-            <a:spAutoFit/>
-          </a:bodyPr>
-          <a:lstStyle/>
-          <a:p>
-            <a:r>
-              <a:rPr lang="en-US" sz="1400" dirty="0">
-                <a:solidFill>
-                  <a:srgbClr val="0070C0"/>
-                </a:solidFill>
-              </a:rPr>
-              <a:t>Horizontal Major</a:t>
-            </a:r>
-          </a:p>
-        </p:txBody>
-      </p:sp>
-      <p:sp>
-        <p:nvSpPr>
-          <p:cNvPr id="23" name="TextBox 22">
-            <a:extLst>
-              <a:ext uri="{FF2B5EF4-FFF2-40B4-BE49-F238E27FC236}">
-                <a16:creationId xmlns:a16="http://schemas.microsoft.com/office/drawing/2014/main" id="{3AF40026-44F6-4D1A-A0BC-6842B9ED3C93}"/>
-              </a:ext>
-            </a:extLst>
-          </p:cNvPr>
-          <p:cNvSpPr txBox="1"/>
-          <p:nvPr/>
-        </p:nvSpPr>
-        <p:spPr>
-          <a:xfrm rot="3366254">
-            <a:off x="3356510" y="3051368"/>
-            <a:ext cx="1759939" cy="307777"/>
-          </a:xfrm>
-          <a:prstGeom prst="rect">
-            <a:avLst/>
-          </a:prstGeom>
-          <a:noFill/>
-        </p:spPr>
-        <p:txBody>
-          <a:bodyPr wrap="square" rtlCol="0">
-            <a:spAutoFit/>
-          </a:bodyPr>
-          <a:lstStyle/>
-          <a:p>
-            <a:r>
-              <a:rPr lang="en-US" sz="1400" dirty="0">
-                <a:solidFill>
-                  <a:srgbClr val="0070C0"/>
-                </a:solidFill>
-              </a:rPr>
-              <a:t>Horizontal Minor</a:t>
-            </a:r>
-          </a:p>
-        </p:txBody>
-      </p:sp>
-      <p:sp>
-        <p:nvSpPr>
-          <p:cNvPr id="24" name="TextBox 23">
-            <a:extLst>
-              <a:ext uri="{FF2B5EF4-FFF2-40B4-BE49-F238E27FC236}">
-                <a16:creationId xmlns:a16="http://schemas.microsoft.com/office/drawing/2014/main" id="{5AACFAD7-84BE-4D0B-9DDB-16D374AE3B1A}"/>
-              </a:ext>
-            </a:extLst>
-          </p:cNvPr>
-          <p:cNvSpPr txBox="1"/>
-          <p:nvPr/>
-        </p:nvSpPr>
-        <p:spPr>
-          <a:xfrm rot="18220079">
-            <a:off x="3715336" y="5254875"/>
-            <a:ext cx="1261558" cy="307777"/>
-          </a:xfrm>
-          <a:prstGeom prst="rect">
-            <a:avLst/>
-          </a:prstGeom>
-          <a:noFill/>
-        </p:spPr>
-        <p:txBody>
-          <a:bodyPr wrap="square" rtlCol="0">
-            <a:spAutoFit/>
-          </a:bodyPr>
-          <a:lstStyle/>
-          <a:p>
-            <a:r>
-              <a:rPr lang="en-US" sz="1400" dirty="0"/>
-              <a:t>Y axis (North)</a:t>
-            </a:r>
-          </a:p>
-        </p:txBody>
-      </p:sp>
-    </p:spTree>
-    <p:extLst>
-      <p:ext uri="{BB962C8B-B14F-4D97-AF65-F5344CB8AC3E}">
-        <p14:creationId xmlns:p14="http://schemas.microsoft.com/office/powerpoint/2010/main" val="286754527"/>
       </p:ext>
     </p:extLst>
   </p:cSld>

--- a/content/downloads/notebooks/spatial.pptx
+++ b/content/downloads/notebooks/spatial.pptx
@@ -19243,6 +19243,153 @@
           </a:p>
         </p:txBody>
       </p:sp>
+      <p:sp>
+        <p:nvSpPr>
+          <p:cNvPr id="13" name="Oval 12">
+            <a:extLst>
+              <a:ext uri="{FF2B5EF4-FFF2-40B4-BE49-F238E27FC236}">
+                <a16:creationId xmlns:a16="http://schemas.microsoft.com/office/drawing/2014/main" id="{296F30E4-C4AB-4058-9DD5-DC4875DDE709}"/>
+              </a:ext>
+            </a:extLst>
+          </p:cNvPr>
+          <p:cNvSpPr/>
+          <p:nvPr/>
+        </p:nvSpPr>
+        <p:spPr>
+          <a:xfrm rot="19133006">
+            <a:off x="8774671" y="3407971"/>
+            <a:ext cx="1483475" cy="950892"/>
+          </a:xfrm>
+          <a:prstGeom prst="ellipse">
+            <a:avLst/>
+          </a:prstGeom>
+          <a:solidFill>
+            <a:srgbClr val="FFC000">
+              <a:alpha val="10000"/>
+            </a:srgbClr>
+          </a:solidFill>
+          <a:ln w="76200">
+            <a:solidFill>
+              <a:srgbClr val="FF0000"/>
+            </a:solidFill>
+          </a:ln>
+        </p:spPr>
+        <p:style>
+          <a:lnRef idx="2">
+            <a:schemeClr val="accent1">
+              <a:shade val="50000"/>
+            </a:schemeClr>
+          </a:lnRef>
+          <a:fillRef idx="1">
+            <a:schemeClr val="accent1"/>
+          </a:fillRef>
+          <a:effectRef idx="0">
+            <a:schemeClr val="accent1"/>
+          </a:effectRef>
+          <a:fontRef idx="minor">
+            <a:schemeClr val="lt1"/>
+          </a:fontRef>
+        </p:style>
+        <p:txBody>
+          <a:bodyPr rtlCol="0" anchor="ctr"/>
+          <a:lstStyle/>
+          <a:p>
+            <a:pPr algn="ctr"/>
+            <a:endParaRPr lang="en-US"/>
+          </a:p>
+        </p:txBody>
+      </p:sp>
+      <p:sp>
+        <p:nvSpPr>
+          <p:cNvPr id="14" name="TextBox 13">
+            <a:extLst>
+              <a:ext uri="{FF2B5EF4-FFF2-40B4-BE49-F238E27FC236}">
+                <a16:creationId xmlns:a16="http://schemas.microsoft.com/office/drawing/2014/main" id="{6AB32D0E-04D6-4AA2-8520-EF2B20DD80D5}"/>
+              </a:ext>
+            </a:extLst>
+          </p:cNvPr>
+          <p:cNvSpPr txBox="1"/>
+          <p:nvPr/>
+        </p:nvSpPr>
+        <p:spPr>
+          <a:xfrm>
+            <a:off x="4905656" y="3359695"/>
+            <a:ext cx="1883305" cy="461665"/>
+          </a:xfrm>
+          <a:prstGeom prst="rect">
+            <a:avLst/>
+          </a:prstGeom>
+          <a:solidFill>
+            <a:schemeClr val="bg1"/>
+          </a:solidFill>
+          <a:ln>
+            <a:solidFill>
+              <a:srgbClr val="FF0000"/>
+            </a:solidFill>
+          </a:ln>
+        </p:spPr>
+        <p:txBody>
+          <a:bodyPr wrap="square" rtlCol="0">
+            <a:spAutoFit/>
+          </a:bodyPr>
+          <a:lstStyle/>
+          <a:p>
+            <a:r>
+              <a:rPr lang="en-US" sz="2400" b="1" dirty="0">
+                <a:solidFill>
+                  <a:srgbClr val="FF0000"/>
+                </a:solidFill>
+              </a:rPr>
+              <a:t>Oil Producers</a:t>
+            </a:r>
+          </a:p>
+        </p:txBody>
+      </p:sp>
+      <p:cxnSp>
+        <p:nvCxnSpPr>
+          <p:cNvPr id="17" name="Straight Connector 16">
+            <a:extLst>
+              <a:ext uri="{FF2B5EF4-FFF2-40B4-BE49-F238E27FC236}">
+                <a16:creationId xmlns:a16="http://schemas.microsoft.com/office/drawing/2014/main" id="{D10DD510-4665-489D-A379-0B0F12E807B6}"/>
+              </a:ext>
+            </a:extLst>
+          </p:cNvPr>
+          <p:cNvCxnSpPr>
+            <a:cxnSpLocks/>
+            <a:stCxn id="13" idx="1"/>
+            <a:endCxn id="14" idx="3"/>
+          </p:cNvCxnSpPr>
+          <p:nvPr/>
+        </p:nvCxnSpPr>
+        <p:spPr>
+          <a:xfrm flipH="1" flipV="1">
+            <a:off x="6788961" y="3590528"/>
+            <a:ext cx="2111236" cy="384511"/>
+          </a:xfrm>
+          <a:prstGeom prst="line">
+            <a:avLst/>
+          </a:prstGeom>
+          <a:ln w="63500">
+            <a:solidFill>
+              <a:srgbClr val="FF0000"/>
+            </a:solidFill>
+          </a:ln>
+        </p:spPr>
+        <p:style>
+          <a:lnRef idx="1">
+            <a:schemeClr val="accent1"/>
+          </a:lnRef>
+          <a:fillRef idx="0">
+            <a:schemeClr val="accent1"/>
+          </a:fillRef>
+          <a:effectRef idx="0">
+            <a:schemeClr val="accent1"/>
+          </a:effectRef>
+          <a:fontRef idx="minor">
+            <a:schemeClr val="tx1"/>
+          </a:fontRef>
+        </p:style>
+      </p:cxnSp>
     </p:spTree>
     <p:extLst>
       <p:ext uri="{BB962C8B-B14F-4D97-AF65-F5344CB8AC3E}">

--- a/content/downloads/notebooks/spatial.pptx
+++ b/content/downloads/notebooks/spatial.pptx
@@ -6,21 +6,22 @@
   </p:sldMasterIdLst>
   <p:sldIdLst>
     <p:sldId id="259" r:id="rId2"/>
-    <p:sldId id="269" r:id="rId3"/>
-    <p:sldId id="270" r:id="rId4"/>
-    <p:sldId id="271" r:id="rId5"/>
-    <p:sldId id="267" r:id="rId6"/>
-    <p:sldId id="268" r:id="rId7"/>
-    <p:sldId id="260" r:id="rId8"/>
-    <p:sldId id="261" r:id="rId9"/>
-    <p:sldId id="256" r:id="rId10"/>
-    <p:sldId id="257" r:id="rId11"/>
-    <p:sldId id="258" r:id="rId12"/>
-    <p:sldId id="262" r:id="rId13"/>
-    <p:sldId id="263" r:id="rId14"/>
-    <p:sldId id="265" r:id="rId15"/>
-    <p:sldId id="264" r:id="rId16"/>
-    <p:sldId id="266" r:id="rId17"/>
+    <p:sldId id="272" r:id="rId3"/>
+    <p:sldId id="269" r:id="rId4"/>
+    <p:sldId id="270" r:id="rId5"/>
+    <p:sldId id="271" r:id="rId6"/>
+    <p:sldId id="267" r:id="rId7"/>
+    <p:sldId id="268" r:id="rId8"/>
+    <p:sldId id="260" r:id="rId9"/>
+    <p:sldId id="261" r:id="rId10"/>
+    <p:sldId id="256" r:id="rId11"/>
+    <p:sldId id="257" r:id="rId12"/>
+    <p:sldId id="258" r:id="rId13"/>
+    <p:sldId id="262" r:id="rId14"/>
+    <p:sldId id="263" r:id="rId15"/>
+    <p:sldId id="265" r:id="rId16"/>
+    <p:sldId id="264" r:id="rId17"/>
+    <p:sldId id="266" r:id="rId18"/>
   </p:sldIdLst>
   <p:sldSz cx="12192000" cy="6858000"/>
   <p:notesSz cx="6858000" cy="9144000"/>
@@ -274,7 +275,7 @@
           <a:p>
             <a:fld id="{ACE35D2E-2B05-4733-9312-EE9E9D5A91AC}" type="datetimeFigureOut">
               <a:rPr lang="en-US" smtClean="0"/>
-              <a:t>4/18/2019</a:t>
+              <a:t>4/21/2019</a:t>
             </a:fld>
             <a:endParaRPr lang="en-US"/>
           </a:p>
@@ -472,7 +473,7 @@
           <a:p>
             <a:fld id="{ACE35D2E-2B05-4733-9312-EE9E9D5A91AC}" type="datetimeFigureOut">
               <a:rPr lang="en-US" smtClean="0"/>
-              <a:t>4/18/2019</a:t>
+              <a:t>4/21/2019</a:t>
             </a:fld>
             <a:endParaRPr lang="en-US"/>
           </a:p>
@@ -680,7 +681,7 @@
           <a:p>
             <a:fld id="{ACE35D2E-2B05-4733-9312-EE9E9D5A91AC}" type="datetimeFigureOut">
               <a:rPr lang="en-US" smtClean="0"/>
-              <a:t>4/18/2019</a:t>
+              <a:t>4/21/2019</a:t>
             </a:fld>
             <a:endParaRPr lang="en-US"/>
           </a:p>
@@ -878,7 +879,7 @@
           <a:p>
             <a:fld id="{ACE35D2E-2B05-4733-9312-EE9E9D5A91AC}" type="datetimeFigureOut">
               <a:rPr lang="en-US" smtClean="0"/>
-              <a:t>4/18/2019</a:t>
+              <a:t>4/21/2019</a:t>
             </a:fld>
             <a:endParaRPr lang="en-US"/>
           </a:p>
@@ -1153,7 +1154,7 @@
           <a:p>
             <a:fld id="{ACE35D2E-2B05-4733-9312-EE9E9D5A91AC}" type="datetimeFigureOut">
               <a:rPr lang="en-US" smtClean="0"/>
-              <a:t>4/18/2019</a:t>
+              <a:t>4/21/2019</a:t>
             </a:fld>
             <a:endParaRPr lang="en-US"/>
           </a:p>
@@ -1418,7 +1419,7 @@
           <a:p>
             <a:fld id="{ACE35D2E-2B05-4733-9312-EE9E9D5A91AC}" type="datetimeFigureOut">
               <a:rPr lang="en-US" smtClean="0"/>
-              <a:t>4/18/2019</a:t>
+              <a:t>4/21/2019</a:t>
             </a:fld>
             <a:endParaRPr lang="en-US"/>
           </a:p>
@@ -1830,7 +1831,7 @@
           <a:p>
             <a:fld id="{ACE35D2E-2B05-4733-9312-EE9E9D5A91AC}" type="datetimeFigureOut">
               <a:rPr lang="en-US" smtClean="0"/>
-              <a:t>4/18/2019</a:t>
+              <a:t>4/21/2019</a:t>
             </a:fld>
             <a:endParaRPr lang="en-US"/>
           </a:p>
@@ -1971,7 +1972,7 @@
           <a:p>
             <a:fld id="{ACE35D2E-2B05-4733-9312-EE9E9D5A91AC}" type="datetimeFigureOut">
               <a:rPr lang="en-US" smtClean="0"/>
-              <a:t>4/18/2019</a:t>
+              <a:t>4/21/2019</a:t>
             </a:fld>
             <a:endParaRPr lang="en-US"/>
           </a:p>
@@ -2084,7 +2085,7 @@
           <a:p>
             <a:fld id="{ACE35D2E-2B05-4733-9312-EE9E9D5A91AC}" type="datetimeFigureOut">
               <a:rPr lang="en-US" smtClean="0"/>
-              <a:t>4/18/2019</a:t>
+              <a:t>4/21/2019</a:t>
             </a:fld>
             <a:endParaRPr lang="en-US"/>
           </a:p>
@@ -2395,7 +2396,7 @@
           <a:p>
             <a:fld id="{ACE35D2E-2B05-4733-9312-EE9E9D5A91AC}" type="datetimeFigureOut">
               <a:rPr lang="en-US" smtClean="0"/>
-              <a:t>4/18/2019</a:t>
+              <a:t>4/21/2019</a:t>
             </a:fld>
             <a:endParaRPr lang="en-US"/>
           </a:p>
@@ -2683,7 +2684,7 @@
           <a:p>
             <a:fld id="{ACE35D2E-2B05-4733-9312-EE9E9D5A91AC}" type="datetimeFigureOut">
               <a:rPr lang="en-US" smtClean="0"/>
-              <a:t>4/18/2019</a:t>
+              <a:t>4/21/2019</a:t>
             </a:fld>
             <a:endParaRPr lang="en-US"/>
           </a:p>
@@ -2924,7 +2925,7 @@
           <a:p>
             <a:fld id="{ACE35D2E-2B05-4733-9312-EE9E9D5A91AC}" type="datetimeFigureOut">
               <a:rPr lang="en-US" smtClean="0"/>
-              <a:t>4/18/2019</a:t>
+              <a:t>4/21/2019</a:t>
             </a:fld>
             <a:endParaRPr lang="en-US"/>
           </a:p>
@@ -7534,6 +7535,1630 @@
 <file path=ppt/slides/slide10.xml><?xml version="1.0" encoding="utf-8"?>
 <p:sld xmlns:a="http://schemas.openxmlformats.org/drawingml/2006/main" xmlns:r="http://schemas.openxmlformats.org/officeDocument/2006/relationships" xmlns:p="http://schemas.openxmlformats.org/presentationml/2006/main">
   <p:cSld>
+    <p:bg>
+      <p:bgPr>
+        <a:solidFill>
+          <a:schemeClr val="bg1"/>
+        </a:solidFill>
+        <a:effectLst/>
+      </p:bgPr>
+    </p:bg>
+    <p:spTree>
+      <p:nvGrpSpPr>
+        <p:cNvPr id="1" name=""/>
+        <p:cNvGrpSpPr/>
+        <p:nvPr/>
+      </p:nvGrpSpPr>
+      <p:grpSpPr>
+        <a:xfrm>
+          <a:off x="0" y="0"/>
+          <a:ext cx="0" cy="0"/>
+          <a:chOff x="0" y="0"/>
+          <a:chExt cx="0" cy="0"/>
+        </a:xfrm>
+      </p:grpSpPr>
+      <p:grpSp>
+        <p:nvGrpSpPr>
+          <p:cNvPr id="44" name="Group 43">
+            <a:extLst>
+              <a:ext uri="{FF2B5EF4-FFF2-40B4-BE49-F238E27FC236}">
+                <a16:creationId xmlns:a16="http://schemas.microsoft.com/office/drawing/2014/main" id="{274D8B48-40C4-41CF-B156-59E3C3CE8C21}"/>
+              </a:ext>
+            </a:extLst>
+          </p:cNvPr>
+          <p:cNvGrpSpPr/>
+          <p:nvPr/>
+        </p:nvGrpSpPr>
+        <p:grpSpPr>
+          <a:xfrm>
+            <a:off x="1903761" y="748377"/>
+            <a:ext cx="8751371" cy="5416683"/>
+            <a:chOff x="1903761" y="748377"/>
+            <a:chExt cx="8751371" cy="5416683"/>
+          </a:xfrm>
+        </p:grpSpPr>
+        <p:cxnSp>
+          <p:nvCxnSpPr>
+            <p:cNvPr id="28" name="Straight Connector 27">
+              <a:extLst>
+                <a:ext uri="{FF2B5EF4-FFF2-40B4-BE49-F238E27FC236}">
+                  <a16:creationId xmlns:a16="http://schemas.microsoft.com/office/drawing/2014/main" id="{450293C0-D40A-4D8B-AD54-1BA09452C637}"/>
+                </a:ext>
+              </a:extLst>
+            </p:cNvPr>
+            <p:cNvCxnSpPr>
+              <a:cxnSpLocks/>
+            </p:cNvCxnSpPr>
+            <p:nvPr/>
+          </p:nvCxnSpPr>
+          <p:spPr>
+            <a:xfrm flipH="1">
+              <a:off x="2652081" y="2288083"/>
+              <a:ext cx="7877807" cy="49298"/>
+            </a:xfrm>
+            <a:prstGeom prst="line">
+              <a:avLst/>
+            </a:prstGeom>
+            <a:ln w="25400">
+              <a:solidFill>
+                <a:schemeClr val="tx1"/>
+              </a:solidFill>
+              <a:prstDash val="sysDash"/>
+            </a:ln>
+          </p:spPr>
+          <p:style>
+            <a:lnRef idx="1">
+              <a:schemeClr val="accent1"/>
+            </a:lnRef>
+            <a:fillRef idx="0">
+              <a:schemeClr val="accent1"/>
+            </a:fillRef>
+            <a:effectRef idx="0">
+              <a:schemeClr val="accent1"/>
+            </a:effectRef>
+            <a:fontRef idx="minor">
+              <a:schemeClr val="tx1"/>
+            </a:fontRef>
+          </p:style>
+        </p:cxnSp>
+        <p:cxnSp>
+          <p:nvCxnSpPr>
+            <p:cNvPr id="6" name="Straight Connector 5">
+              <a:extLst>
+                <a:ext uri="{FF2B5EF4-FFF2-40B4-BE49-F238E27FC236}">
+                  <a16:creationId xmlns:a16="http://schemas.microsoft.com/office/drawing/2014/main" id="{93003AD5-C2C4-41E1-A4BC-EADE090A6449}"/>
+                </a:ext>
+              </a:extLst>
+            </p:cNvPr>
+            <p:cNvCxnSpPr>
+              <a:cxnSpLocks/>
+            </p:cNvCxnSpPr>
+            <p:nvPr/>
+          </p:nvCxnSpPr>
+          <p:spPr>
+            <a:xfrm>
+              <a:off x="2653412" y="1230198"/>
+              <a:ext cx="0" cy="4322874"/>
+            </a:xfrm>
+            <a:prstGeom prst="line">
+              <a:avLst/>
+            </a:prstGeom>
+            <a:ln w="34925">
+              <a:solidFill>
+                <a:schemeClr val="tx1"/>
+              </a:solidFill>
+            </a:ln>
+          </p:spPr>
+          <p:style>
+            <a:lnRef idx="1">
+              <a:schemeClr val="accent1"/>
+            </a:lnRef>
+            <a:fillRef idx="0">
+              <a:schemeClr val="accent1"/>
+            </a:fillRef>
+            <a:effectRef idx="0">
+              <a:schemeClr val="accent1"/>
+            </a:effectRef>
+            <a:fontRef idx="minor">
+              <a:schemeClr val="tx1"/>
+            </a:fontRef>
+          </p:style>
+        </p:cxnSp>
+        <p:cxnSp>
+          <p:nvCxnSpPr>
+            <p:cNvPr id="7" name="Straight Connector 6">
+              <a:extLst>
+                <a:ext uri="{FF2B5EF4-FFF2-40B4-BE49-F238E27FC236}">
+                  <a16:creationId xmlns:a16="http://schemas.microsoft.com/office/drawing/2014/main" id="{A7AD6B4F-152B-4E20-9770-9B5C546E02BB}"/>
+                </a:ext>
+              </a:extLst>
+            </p:cNvPr>
+            <p:cNvCxnSpPr>
+              <a:cxnSpLocks/>
+            </p:cNvCxnSpPr>
+            <p:nvPr/>
+          </p:nvCxnSpPr>
+          <p:spPr>
+            <a:xfrm flipH="1">
+              <a:off x="2653412" y="5553072"/>
+              <a:ext cx="7023042" cy="0"/>
+            </a:xfrm>
+            <a:prstGeom prst="line">
+              <a:avLst/>
+            </a:prstGeom>
+            <a:ln w="38100">
+              <a:solidFill>
+                <a:schemeClr val="tx1"/>
+              </a:solidFill>
+            </a:ln>
+          </p:spPr>
+          <p:style>
+            <a:lnRef idx="1">
+              <a:schemeClr val="accent1"/>
+            </a:lnRef>
+            <a:fillRef idx="0">
+              <a:schemeClr val="accent1"/>
+            </a:fillRef>
+            <a:effectRef idx="0">
+              <a:schemeClr val="accent1"/>
+            </a:effectRef>
+            <a:fontRef idx="minor">
+              <a:schemeClr val="tx1"/>
+            </a:fontRef>
+          </p:style>
+        </p:cxnSp>
+        <p:cxnSp>
+          <p:nvCxnSpPr>
+            <p:cNvPr id="11" name="Straight Connector 10">
+              <a:extLst>
+                <a:ext uri="{FF2B5EF4-FFF2-40B4-BE49-F238E27FC236}">
+                  <a16:creationId xmlns:a16="http://schemas.microsoft.com/office/drawing/2014/main" id="{36776216-05B7-491D-94AC-FAB3817AAB2D}"/>
+                </a:ext>
+              </a:extLst>
+            </p:cNvPr>
+            <p:cNvCxnSpPr>
+              <a:cxnSpLocks/>
+            </p:cNvCxnSpPr>
+            <p:nvPr/>
+          </p:nvCxnSpPr>
+          <p:spPr>
+            <a:xfrm>
+              <a:off x="6544308" y="2273194"/>
+              <a:ext cx="0" cy="3279878"/>
+            </a:xfrm>
+            <a:prstGeom prst="line">
+              <a:avLst/>
+            </a:prstGeom>
+            <a:ln w="25400">
+              <a:solidFill>
+                <a:schemeClr val="tx1"/>
+              </a:solidFill>
+              <a:prstDash val="sysDash"/>
+            </a:ln>
+          </p:spPr>
+          <p:style>
+            <a:lnRef idx="1">
+              <a:schemeClr val="accent1"/>
+            </a:lnRef>
+            <a:fillRef idx="0">
+              <a:schemeClr val="accent1"/>
+            </a:fillRef>
+            <a:effectRef idx="0">
+              <a:schemeClr val="accent1"/>
+            </a:effectRef>
+            <a:fontRef idx="minor">
+              <a:schemeClr val="tx1"/>
+            </a:fontRef>
+          </p:style>
+        </p:cxnSp>
+        <p:sp>
+          <p:nvSpPr>
+            <p:cNvPr id="15" name="Oval 14">
+              <a:extLst>
+                <a:ext uri="{FF2B5EF4-FFF2-40B4-BE49-F238E27FC236}">
+                  <a16:creationId xmlns:a16="http://schemas.microsoft.com/office/drawing/2014/main" id="{B11AB632-8A13-4DDE-9723-569A4397ED1F}"/>
+                </a:ext>
+              </a:extLst>
+            </p:cNvPr>
+            <p:cNvSpPr/>
+            <p:nvPr/>
+          </p:nvSpPr>
+          <p:spPr>
+            <a:xfrm>
+              <a:off x="2819689" y="3886034"/>
+              <a:ext cx="101997" cy="101997"/>
+            </a:xfrm>
+            <a:prstGeom prst="ellipse">
+              <a:avLst/>
+            </a:prstGeom>
+            <a:solidFill>
+              <a:schemeClr val="accent1"/>
+            </a:solidFill>
+            <a:ln>
+              <a:noFill/>
+            </a:ln>
+          </p:spPr>
+          <p:style>
+            <a:lnRef idx="2">
+              <a:schemeClr val="accent1">
+                <a:shade val="50000"/>
+              </a:schemeClr>
+            </a:lnRef>
+            <a:fillRef idx="1">
+              <a:schemeClr val="accent1"/>
+            </a:fillRef>
+            <a:effectRef idx="0">
+              <a:schemeClr val="accent1"/>
+            </a:effectRef>
+            <a:fontRef idx="minor">
+              <a:schemeClr val="lt1"/>
+            </a:fontRef>
+          </p:style>
+          <p:txBody>
+            <a:bodyPr rtlCol="0" anchor="ctr"/>
+            <a:lstStyle/>
+            <a:p>
+              <a:pPr algn="ctr"/>
+              <a:endParaRPr lang="en-US"/>
+            </a:p>
+          </p:txBody>
+        </p:sp>
+        <p:sp>
+          <p:nvSpPr>
+            <p:cNvPr id="16" name="Oval 15">
+              <a:extLst>
+                <a:ext uri="{FF2B5EF4-FFF2-40B4-BE49-F238E27FC236}">
+                  <a16:creationId xmlns:a16="http://schemas.microsoft.com/office/drawing/2014/main" id="{FB32A82E-0D1E-43E6-B0E4-4BDB78E5F371}"/>
+                </a:ext>
+              </a:extLst>
+            </p:cNvPr>
+            <p:cNvSpPr/>
+            <p:nvPr/>
+          </p:nvSpPr>
+          <p:spPr>
+            <a:xfrm>
+              <a:off x="3212284" y="3365416"/>
+              <a:ext cx="101997" cy="101997"/>
+            </a:xfrm>
+            <a:prstGeom prst="ellipse">
+              <a:avLst/>
+            </a:prstGeom>
+            <a:solidFill>
+              <a:schemeClr val="accent1"/>
+            </a:solidFill>
+            <a:ln>
+              <a:noFill/>
+            </a:ln>
+          </p:spPr>
+          <p:style>
+            <a:lnRef idx="2">
+              <a:schemeClr val="accent1">
+                <a:shade val="50000"/>
+              </a:schemeClr>
+            </a:lnRef>
+            <a:fillRef idx="1">
+              <a:schemeClr val="accent1"/>
+            </a:fillRef>
+            <a:effectRef idx="0">
+              <a:schemeClr val="accent1"/>
+            </a:effectRef>
+            <a:fontRef idx="minor">
+              <a:schemeClr val="lt1"/>
+            </a:fontRef>
+          </p:style>
+          <p:txBody>
+            <a:bodyPr rtlCol="0" anchor="ctr"/>
+            <a:lstStyle/>
+            <a:p>
+              <a:pPr algn="ctr"/>
+              <a:endParaRPr lang="en-US"/>
+            </a:p>
+          </p:txBody>
+        </p:sp>
+        <p:sp>
+          <p:nvSpPr>
+            <p:cNvPr id="17" name="Oval 16">
+              <a:extLst>
+                <a:ext uri="{FF2B5EF4-FFF2-40B4-BE49-F238E27FC236}">
+                  <a16:creationId xmlns:a16="http://schemas.microsoft.com/office/drawing/2014/main" id="{340C2D9A-BF1C-48A4-B4AF-244D9C796C0B}"/>
+                </a:ext>
+              </a:extLst>
+            </p:cNvPr>
+            <p:cNvSpPr/>
+            <p:nvPr/>
+          </p:nvSpPr>
+          <p:spPr>
+            <a:xfrm>
+              <a:off x="3617080" y="2879855"/>
+              <a:ext cx="101997" cy="101997"/>
+            </a:xfrm>
+            <a:prstGeom prst="ellipse">
+              <a:avLst/>
+            </a:prstGeom>
+            <a:solidFill>
+              <a:schemeClr val="accent1"/>
+            </a:solidFill>
+            <a:ln>
+              <a:noFill/>
+            </a:ln>
+          </p:spPr>
+          <p:style>
+            <a:lnRef idx="2">
+              <a:schemeClr val="accent1">
+                <a:shade val="50000"/>
+              </a:schemeClr>
+            </a:lnRef>
+            <a:fillRef idx="1">
+              <a:schemeClr val="accent1"/>
+            </a:fillRef>
+            <a:effectRef idx="0">
+              <a:schemeClr val="accent1"/>
+            </a:effectRef>
+            <a:fontRef idx="minor">
+              <a:schemeClr val="lt1"/>
+            </a:fontRef>
+          </p:style>
+          <p:txBody>
+            <a:bodyPr rtlCol="0" anchor="ctr"/>
+            <a:lstStyle/>
+            <a:p>
+              <a:pPr algn="ctr"/>
+              <a:endParaRPr lang="en-US"/>
+            </a:p>
+          </p:txBody>
+        </p:sp>
+        <p:sp>
+          <p:nvSpPr>
+            <p:cNvPr id="18" name="Oval 17">
+              <a:extLst>
+                <a:ext uri="{FF2B5EF4-FFF2-40B4-BE49-F238E27FC236}">
+                  <a16:creationId xmlns:a16="http://schemas.microsoft.com/office/drawing/2014/main" id="{58BBAED9-4937-4283-BAE2-481EAFC37D21}"/>
+                </a:ext>
+              </a:extLst>
+            </p:cNvPr>
+            <p:cNvSpPr/>
+            <p:nvPr/>
+          </p:nvSpPr>
+          <p:spPr>
+            <a:xfrm>
+              <a:off x="4277159" y="2622741"/>
+              <a:ext cx="101997" cy="101997"/>
+            </a:xfrm>
+            <a:prstGeom prst="ellipse">
+              <a:avLst/>
+            </a:prstGeom>
+            <a:solidFill>
+              <a:schemeClr val="accent1"/>
+            </a:solidFill>
+            <a:ln>
+              <a:noFill/>
+            </a:ln>
+          </p:spPr>
+          <p:style>
+            <a:lnRef idx="2">
+              <a:schemeClr val="accent1">
+                <a:shade val="50000"/>
+              </a:schemeClr>
+            </a:lnRef>
+            <a:fillRef idx="1">
+              <a:schemeClr val="accent1"/>
+            </a:fillRef>
+            <a:effectRef idx="0">
+              <a:schemeClr val="accent1"/>
+            </a:effectRef>
+            <a:fontRef idx="minor">
+              <a:schemeClr val="lt1"/>
+            </a:fontRef>
+          </p:style>
+          <p:txBody>
+            <a:bodyPr rtlCol="0" anchor="ctr"/>
+            <a:lstStyle/>
+            <a:p>
+              <a:pPr algn="ctr"/>
+              <a:endParaRPr lang="en-US"/>
+            </a:p>
+          </p:txBody>
+        </p:sp>
+        <p:sp>
+          <p:nvSpPr>
+            <p:cNvPr id="19" name="Oval 18">
+              <a:extLst>
+                <a:ext uri="{FF2B5EF4-FFF2-40B4-BE49-F238E27FC236}">
+                  <a16:creationId xmlns:a16="http://schemas.microsoft.com/office/drawing/2014/main" id="{08FC8F1C-783F-4E8F-95A4-47A6667F9876}"/>
+                </a:ext>
+              </a:extLst>
+            </p:cNvPr>
+            <p:cNvSpPr/>
+            <p:nvPr/>
+          </p:nvSpPr>
+          <p:spPr>
+            <a:xfrm>
+              <a:off x="5133786" y="2473984"/>
+              <a:ext cx="101997" cy="101997"/>
+            </a:xfrm>
+            <a:prstGeom prst="ellipse">
+              <a:avLst/>
+            </a:prstGeom>
+            <a:solidFill>
+              <a:schemeClr val="accent1"/>
+            </a:solidFill>
+            <a:ln>
+              <a:noFill/>
+            </a:ln>
+          </p:spPr>
+          <p:style>
+            <a:lnRef idx="2">
+              <a:schemeClr val="accent1">
+                <a:shade val="50000"/>
+              </a:schemeClr>
+            </a:lnRef>
+            <a:fillRef idx="1">
+              <a:schemeClr val="accent1"/>
+            </a:fillRef>
+            <a:effectRef idx="0">
+              <a:schemeClr val="accent1"/>
+            </a:effectRef>
+            <a:fontRef idx="minor">
+              <a:schemeClr val="lt1"/>
+            </a:fontRef>
+          </p:style>
+          <p:txBody>
+            <a:bodyPr rtlCol="0" anchor="ctr"/>
+            <a:lstStyle/>
+            <a:p>
+              <a:pPr algn="ctr"/>
+              <a:endParaRPr lang="en-US" dirty="0"/>
+            </a:p>
+          </p:txBody>
+        </p:sp>
+        <p:sp>
+          <p:nvSpPr>
+            <p:cNvPr id="20" name="Oval 19">
+              <a:extLst>
+                <a:ext uri="{FF2B5EF4-FFF2-40B4-BE49-F238E27FC236}">
+                  <a16:creationId xmlns:a16="http://schemas.microsoft.com/office/drawing/2014/main" id="{E3D55192-2882-425C-95CB-D7029779009E}"/>
+                </a:ext>
+              </a:extLst>
+            </p:cNvPr>
+            <p:cNvSpPr/>
+            <p:nvPr/>
+          </p:nvSpPr>
+          <p:spPr>
+            <a:xfrm>
+              <a:off x="6102775" y="2360301"/>
+              <a:ext cx="101997" cy="101997"/>
+            </a:xfrm>
+            <a:prstGeom prst="ellipse">
+              <a:avLst/>
+            </a:prstGeom>
+            <a:solidFill>
+              <a:schemeClr val="accent1"/>
+            </a:solidFill>
+            <a:ln>
+              <a:noFill/>
+            </a:ln>
+          </p:spPr>
+          <p:style>
+            <a:lnRef idx="2">
+              <a:schemeClr val="accent1">
+                <a:shade val="50000"/>
+              </a:schemeClr>
+            </a:lnRef>
+            <a:fillRef idx="1">
+              <a:schemeClr val="accent1"/>
+            </a:fillRef>
+            <a:effectRef idx="0">
+              <a:schemeClr val="accent1"/>
+            </a:effectRef>
+            <a:fontRef idx="minor">
+              <a:schemeClr val="lt1"/>
+            </a:fontRef>
+          </p:style>
+          <p:txBody>
+            <a:bodyPr rtlCol="0" anchor="ctr"/>
+            <a:lstStyle/>
+            <a:p>
+              <a:pPr algn="ctr"/>
+              <a:endParaRPr lang="en-US"/>
+            </a:p>
+          </p:txBody>
+        </p:sp>
+        <p:sp>
+          <p:nvSpPr>
+            <p:cNvPr id="22" name="Oval 21">
+              <a:extLst>
+                <a:ext uri="{FF2B5EF4-FFF2-40B4-BE49-F238E27FC236}">
+                  <a16:creationId xmlns:a16="http://schemas.microsoft.com/office/drawing/2014/main" id="{F467529B-210D-43FA-8EB5-71827E7C635D}"/>
+                </a:ext>
+              </a:extLst>
+            </p:cNvPr>
+            <p:cNvSpPr/>
+            <p:nvPr/>
+          </p:nvSpPr>
+          <p:spPr>
+            <a:xfrm>
+              <a:off x="6682366" y="2486749"/>
+              <a:ext cx="101997" cy="101997"/>
+            </a:xfrm>
+            <a:prstGeom prst="ellipse">
+              <a:avLst/>
+            </a:prstGeom>
+            <a:solidFill>
+              <a:schemeClr val="accent1"/>
+            </a:solidFill>
+            <a:ln>
+              <a:noFill/>
+            </a:ln>
+          </p:spPr>
+          <p:style>
+            <a:lnRef idx="2">
+              <a:schemeClr val="accent1">
+                <a:shade val="50000"/>
+              </a:schemeClr>
+            </a:lnRef>
+            <a:fillRef idx="1">
+              <a:schemeClr val="accent1"/>
+            </a:fillRef>
+            <a:effectRef idx="0">
+              <a:schemeClr val="accent1"/>
+            </a:effectRef>
+            <a:fontRef idx="minor">
+              <a:schemeClr val="lt1"/>
+            </a:fontRef>
+          </p:style>
+          <p:txBody>
+            <a:bodyPr rtlCol="0" anchor="ctr"/>
+            <a:lstStyle/>
+            <a:p>
+              <a:pPr algn="ctr"/>
+              <a:endParaRPr lang="en-US"/>
+            </a:p>
+          </p:txBody>
+        </p:sp>
+        <p:sp>
+          <p:nvSpPr>
+            <p:cNvPr id="23" name="Oval 22">
+              <a:extLst>
+                <a:ext uri="{FF2B5EF4-FFF2-40B4-BE49-F238E27FC236}">
+                  <a16:creationId xmlns:a16="http://schemas.microsoft.com/office/drawing/2014/main" id="{C28D520F-839F-4AE7-8979-EACE872950B8}"/>
+                </a:ext>
+              </a:extLst>
+            </p:cNvPr>
+            <p:cNvSpPr/>
+            <p:nvPr/>
+          </p:nvSpPr>
+          <p:spPr>
+            <a:xfrm>
+              <a:off x="7207764" y="2258305"/>
+              <a:ext cx="101997" cy="101997"/>
+            </a:xfrm>
+            <a:prstGeom prst="ellipse">
+              <a:avLst/>
+            </a:prstGeom>
+            <a:solidFill>
+              <a:schemeClr val="accent1"/>
+            </a:solidFill>
+            <a:ln>
+              <a:noFill/>
+            </a:ln>
+          </p:spPr>
+          <p:style>
+            <a:lnRef idx="2">
+              <a:schemeClr val="accent1">
+                <a:shade val="50000"/>
+              </a:schemeClr>
+            </a:lnRef>
+            <a:fillRef idx="1">
+              <a:schemeClr val="accent1"/>
+            </a:fillRef>
+            <a:effectRef idx="0">
+              <a:schemeClr val="accent1"/>
+            </a:effectRef>
+            <a:fontRef idx="minor">
+              <a:schemeClr val="lt1"/>
+            </a:fontRef>
+          </p:style>
+          <p:txBody>
+            <a:bodyPr rtlCol="0" anchor="ctr"/>
+            <a:lstStyle/>
+            <a:p>
+              <a:pPr algn="ctr"/>
+              <a:endParaRPr lang="en-US"/>
+            </a:p>
+          </p:txBody>
+        </p:sp>
+        <p:sp>
+          <p:nvSpPr>
+            <p:cNvPr id="24" name="Oval 23">
+              <a:extLst>
+                <a:ext uri="{FF2B5EF4-FFF2-40B4-BE49-F238E27FC236}">
+                  <a16:creationId xmlns:a16="http://schemas.microsoft.com/office/drawing/2014/main" id="{7F5B8700-CF12-4E8C-A71B-00C910B7B83C}"/>
+                </a:ext>
+              </a:extLst>
+            </p:cNvPr>
+            <p:cNvSpPr/>
+            <p:nvPr/>
+          </p:nvSpPr>
+          <p:spPr>
+            <a:xfrm>
+              <a:off x="7749632" y="2171197"/>
+              <a:ext cx="101997" cy="101997"/>
+            </a:xfrm>
+            <a:prstGeom prst="ellipse">
+              <a:avLst/>
+            </a:prstGeom>
+            <a:solidFill>
+              <a:schemeClr val="accent1"/>
+            </a:solidFill>
+            <a:ln>
+              <a:noFill/>
+            </a:ln>
+          </p:spPr>
+          <p:style>
+            <a:lnRef idx="2">
+              <a:schemeClr val="accent1">
+                <a:shade val="50000"/>
+              </a:schemeClr>
+            </a:lnRef>
+            <a:fillRef idx="1">
+              <a:schemeClr val="accent1"/>
+            </a:fillRef>
+            <a:effectRef idx="0">
+              <a:schemeClr val="accent1"/>
+            </a:effectRef>
+            <a:fontRef idx="minor">
+              <a:schemeClr val="lt1"/>
+            </a:fontRef>
+          </p:style>
+          <p:txBody>
+            <a:bodyPr rtlCol="0" anchor="ctr"/>
+            <a:lstStyle/>
+            <a:p>
+              <a:pPr algn="ctr"/>
+              <a:endParaRPr lang="en-US"/>
+            </a:p>
+          </p:txBody>
+        </p:sp>
+        <p:sp>
+          <p:nvSpPr>
+            <p:cNvPr id="25" name="Oval 24">
+              <a:extLst>
+                <a:ext uri="{FF2B5EF4-FFF2-40B4-BE49-F238E27FC236}">
+                  <a16:creationId xmlns:a16="http://schemas.microsoft.com/office/drawing/2014/main" id="{A79D1911-0B92-4274-8319-F738D7A505C5}"/>
+                </a:ext>
+              </a:extLst>
+            </p:cNvPr>
+            <p:cNvSpPr/>
+            <p:nvPr/>
+          </p:nvSpPr>
+          <p:spPr>
+            <a:xfrm>
+              <a:off x="8179946" y="2377317"/>
+              <a:ext cx="101997" cy="101997"/>
+            </a:xfrm>
+            <a:prstGeom prst="ellipse">
+              <a:avLst/>
+            </a:prstGeom>
+            <a:solidFill>
+              <a:schemeClr val="accent1"/>
+            </a:solidFill>
+            <a:ln>
+              <a:noFill/>
+            </a:ln>
+          </p:spPr>
+          <p:style>
+            <a:lnRef idx="2">
+              <a:schemeClr val="accent1">
+                <a:shade val="50000"/>
+              </a:schemeClr>
+            </a:lnRef>
+            <a:fillRef idx="1">
+              <a:schemeClr val="accent1"/>
+            </a:fillRef>
+            <a:effectRef idx="0">
+              <a:schemeClr val="accent1"/>
+            </a:effectRef>
+            <a:fontRef idx="minor">
+              <a:schemeClr val="lt1"/>
+            </a:fontRef>
+          </p:style>
+          <p:txBody>
+            <a:bodyPr rtlCol="0" anchor="ctr"/>
+            <a:lstStyle/>
+            <a:p>
+              <a:pPr algn="ctr"/>
+              <a:endParaRPr lang="en-US" dirty="0"/>
+            </a:p>
+          </p:txBody>
+        </p:sp>
+        <p:sp>
+          <p:nvSpPr>
+            <p:cNvPr id="26" name="Oval 25">
+              <a:extLst>
+                <a:ext uri="{FF2B5EF4-FFF2-40B4-BE49-F238E27FC236}">
+                  <a16:creationId xmlns:a16="http://schemas.microsoft.com/office/drawing/2014/main" id="{87828C48-0D23-4705-9A63-34844B055602}"/>
+                </a:ext>
+              </a:extLst>
+            </p:cNvPr>
+            <p:cNvSpPr/>
+            <p:nvPr/>
+          </p:nvSpPr>
+          <p:spPr>
+            <a:xfrm>
+              <a:off x="8895532" y="2454862"/>
+              <a:ext cx="101997" cy="101997"/>
+            </a:xfrm>
+            <a:prstGeom prst="ellipse">
+              <a:avLst/>
+            </a:prstGeom>
+            <a:solidFill>
+              <a:schemeClr val="accent1"/>
+            </a:solidFill>
+            <a:ln>
+              <a:noFill/>
+            </a:ln>
+          </p:spPr>
+          <p:style>
+            <a:lnRef idx="2">
+              <a:schemeClr val="accent1">
+                <a:shade val="50000"/>
+              </a:schemeClr>
+            </a:lnRef>
+            <a:fillRef idx="1">
+              <a:schemeClr val="accent1"/>
+            </a:fillRef>
+            <a:effectRef idx="0">
+              <a:schemeClr val="accent1"/>
+            </a:effectRef>
+            <a:fontRef idx="minor">
+              <a:schemeClr val="lt1"/>
+            </a:fontRef>
+          </p:style>
+          <p:txBody>
+            <a:bodyPr rtlCol="0" anchor="ctr"/>
+            <a:lstStyle/>
+            <a:p>
+              <a:pPr algn="ctr"/>
+              <a:endParaRPr lang="en-US"/>
+            </a:p>
+          </p:txBody>
+        </p:sp>
+        <p:sp>
+          <p:nvSpPr>
+            <p:cNvPr id="27" name="Oval 26">
+              <a:extLst>
+                <a:ext uri="{FF2B5EF4-FFF2-40B4-BE49-F238E27FC236}">
+                  <a16:creationId xmlns:a16="http://schemas.microsoft.com/office/drawing/2014/main" id="{E6125F15-A5F2-46D2-8E4D-D61708510DCB}"/>
+                </a:ext>
+              </a:extLst>
+            </p:cNvPr>
+            <p:cNvSpPr/>
+            <p:nvPr/>
+          </p:nvSpPr>
+          <p:spPr>
+            <a:xfrm>
+              <a:off x="9268990" y="2069201"/>
+              <a:ext cx="101997" cy="101997"/>
+            </a:xfrm>
+            <a:prstGeom prst="ellipse">
+              <a:avLst/>
+            </a:prstGeom>
+            <a:solidFill>
+              <a:schemeClr val="accent1"/>
+            </a:solidFill>
+            <a:ln>
+              <a:noFill/>
+            </a:ln>
+          </p:spPr>
+          <p:style>
+            <a:lnRef idx="2">
+              <a:schemeClr val="accent1">
+                <a:shade val="50000"/>
+              </a:schemeClr>
+            </a:lnRef>
+            <a:fillRef idx="1">
+              <a:schemeClr val="accent1"/>
+            </a:fillRef>
+            <a:effectRef idx="0">
+              <a:schemeClr val="accent1"/>
+            </a:effectRef>
+            <a:fontRef idx="minor">
+              <a:schemeClr val="lt1"/>
+            </a:fontRef>
+          </p:style>
+          <p:txBody>
+            <a:bodyPr rtlCol="0" anchor="ctr"/>
+            <a:lstStyle/>
+            <a:p>
+              <a:pPr algn="ctr"/>
+              <a:endParaRPr lang="en-US"/>
+            </a:p>
+          </p:txBody>
+        </p:sp>
+        <p:sp>
+          <p:nvSpPr>
+            <p:cNvPr id="39" name="Freeform: Shape 38">
+              <a:extLst>
+                <a:ext uri="{FF2B5EF4-FFF2-40B4-BE49-F238E27FC236}">
+                  <a16:creationId xmlns:a16="http://schemas.microsoft.com/office/drawing/2014/main" id="{9A121E77-0159-4891-B8C4-C990FF04E231}"/>
+                </a:ext>
+              </a:extLst>
+            </p:cNvPr>
+            <p:cNvSpPr/>
+            <p:nvPr/>
+          </p:nvSpPr>
+          <p:spPr>
+            <a:xfrm>
+              <a:off x="2665627" y="2273194"/>
+              <a:ext cx="6874294" cy="1746424"/>
+            </a:xfrm>
+            <a:custGeom>
+              <a:avLst/>
+              <a:gdLst>
+                <a:gd name="connsiteX0" fmla="*/ 0 w 3081337"/>
+                <a:gd name="connsiteY0" fmla="*/ 782818 h 782818"/>
+                <a:gd name="connsiteX1" fmla="*/ 923925 w 3081337"/>
+                <a:gd name="connsiteY1" fmla="*/ 106543 h 782818"/>
+                <a:gd name="connsiteX2" fmla="*/ 3081337 w 3081337"/>
+                <a:gd name="connsiteY2" fmla="*/ 11293 h 782818"/>
+              </a:gdLst>
+              <a:ahLst/>
+              <a:cxnLst>
+                <a:cxn ang="0">
+                  <a:pos x="connsiteX0" y="connsiteY0"/>
+                </a:cxn>
+                <a:cxn ang="0">
+                  <a:pos x="connsiteX1" y="connsiteY1"/>
+                </a:cxn>
+                <a:cxn ang="0">
+                  <a:pos x="connsiteX2" y="connsiteY2"/>
+                </a:cxn>
+              </a:cxnLst>
+              <a:rect l="l" t="t" r="r" b="b"/>
+              <a:pathLst>
+                <a:path w="3081337" h="782818">
+                  <a:moveTo>
+                    <a:pt x="0" y="782818"/>
+                  </a:moveTo>
+                  <a:cubicBezTo>
+                    <a:pt x="205184" y="508974"/>
+                    <a:pt x="410369" y="235130"/>
+                    <a:pt x="923925" y="106543"/>
+                  </a:cubicBezTo>
+                  <a:cubicBezTo>
+                    <a:pt x="1437481" y="-22044"/>
+                    <a:pt x="2259409" y="-5376"/>
+                    <a:pt x="3081337" y="11293"/>
+                  </a:cubicBezTo>
+                </a:path>
+              </a:pathLst>
+            </a:custGeom>
+            <a:noFill/>
+            <a:ln w="34925">
+              <a:solidFill>
+                <a:srgbClr val="FF0000"/>
+              </a:solidFill>
+            </a:ln>
+          </p:spPr>
+          <p:style>
+            <a:lnRef idx="2">
+              <a:schemeClr val="accent1">
+                <a:shade val="50000"/>
+              </a:schemeClr>
+            </a:lnRef>
+            <a:fillRef idx="1">
+              <a:schemeClr val="accent1"/>
+            </a:fillRef>
+            <a:effectRef idx="0">
+              <a:schemeClr val="accent1"/>
+            </a:effectRef>
+            <a:fontRef idx="minor">
+              <a:schemeClr val="lt1"/>
+            </a:fontRef>
+          </p:style>
+          <p:txBody>
+            <a:bodyPr rtlCol="0" anchor="ctr"/>
+            <a:lstStyle/>
+            <a:p>
+              <a:pPr algn="ctr"/>
+              <a:endParaRPr lang="en-US"/>
+            </a:p>
+          </p:txBody>
+        </p:sp>
+        <mc:AlternateContent xmlns:mc="http://schemas.openxmlformats.org/markup-compatibility/2006" xmlns:a14="http://schemas.microsoft.com/office/drawing/2010/main">
+          <mc:Choice Requires="a14">
+            <p:sp>
+              <p:nvSpPr>
+                <p:cNvPr id="9" name="TextBox 8">
+                  <a:extLst>
+                    <a:ext uri="{FF2B5EF4-FFF2-40B4-BE49-F238E27FC236}">
+                      <a16:creationId xmlns:a16="http://schemas.microsoft.com/office/drawing/2014/main" id="{1036F6E6-0F7B-46E8-A6D8-27B41A0728E7}"/>
+                    </a:ext>
+                  </a:extLst>
+                </p:cNvPr>
+                <p:cNvSpPr txBox="1"/>
+                <p:nvPr/>
+              </p:nvSpPr>
+              <p:spPr>
+                <a:xfrm>
+                  <a:off x="9651887" y="2441339"/>
+                  <a:ext cx="1003245" cy="400111"/>
+                </a:xfrm>
+                <a:prstGeom prst="rect">
+                  <a:avLst/>
+                </a:prstGeom>
+                <a:noFill/>
+              </p:spPr>
+              <p:txBody>
+                <a:bodyPr wrap="square" rtlCol="0">
+                  <a:spAutoFit/>
+                </a:bodyPr>
+                <a:lstStyle/>
+                <a:p>
+                  <a:r>
+                    <a:rPr lang="en-US" sz="2000" dirty="0">
+                      <a:solidFill>
+                        <a:schemeClr val="accent5">
+                          <a:lumMod val="50000"/>
+                        </a:schemeClr>
+                      </a:solidFill>
+                      <a:latin typeface="Ebrima" panose="02000000000000000000" pitchFamily="2" charset="0"/>
+                      <a:ea typeface="Ebrima" panose="02000000000000000000" pitchFamily="2" charset="0"/>
+                      <a:cs typeface="Ebrima" panose="02000000000000000000" pitchFamily="2" charset="0"/>
+                    </a:rPr>
+                    <a:t>sill (</a:t>
+                  </a:r>
+                  <a14:m>
+                    <m:oMath xmlns:m="http://schemas.openxmlformats.org/officeDocument/2006/math">
+                      <m:sSup>
+                        <m:sSupPr>
+                          <m:ctrlPr>
+                            <a:rPr lang="el-GR" sz="2000" i="1" smtClean="0">
+                              <a:solidFill>
+                                <a:schemeClr val="accent5">
+                                  <a:lumMod val="50000"/>
+                                </a:schemeClr>
+                              </a:solidFill>
+                              <a:latin typeface="Cambria Math" panose="02040503050406030204" pitchFamily="18" charset="0"/>
+                            </a:rPr>
+                          </m:ctrlPr>
+                        </m:sSupPr>
+                        <m:e>
+                          <m:r>
+                            <a:rPr lang="el-GR" sz="2000" i="1" smtClean="0">
+                              <a:solidFill>
+                                <a:schemeClr val="accent5">
+                                  <a:lumMod val="50000"/>
+                                </a:schemeClr>
+                              </a:solidFill>
+                              <a:latin typeface="Cambria Math" panose="02040503050406030204" pitchFamily="18" charset="0"/>
+                              <a:ea typeface="Cambria Math" panose="02040503050406030204" pitchFamily="18" charset="0"/>
+                            </a:rPr>
+                            <m:t>𝜎</m:t>
+                          </m:r>
+                        </m:e>
+                        <m:sup>
+                          <m:r>
+                            <a:rPr lang="en-US" sz="2000" b="0" i="1" smtClean="0">
+                              <a:solidFill>
+                                <a:schemeClr val="accent5">
+                                  <a:lumMod val="50000"/>
+                                </a:schemeClr>
+                              </a:solidFill>
+                              <a:latin typeface="Cambria Math" panose="02040503050406030204" pitchFamily="18" charset="0"/>
+                            </a:rPr>
+                            <m:t>2</m:t>
+                          </m:r>
+                        </m:sup>
+                      </m:sSup>
+                    </m:oMath>
+                  </a14:m>
+                  <a:r>
+                    <a:rPr lang="en-US" sz="2000" dirty="0">
+                      <a:solidFill>
+                        <a:schemeClr val="accent5">
+                          <a:lumMod val="50000"/>
+                        </a:schemeClr>
+                      </a:solidFill>
+                      <a:latin typeface="Ebrima" panose="02000000000000000000" pitchFamily="2" charset="0"/>
+                      <a:ea typeface="Ebrima" panose="02000000000000000000" pitchFamily="2" charset="0"/>
+                      <a:cs typeface="Ebrima" panose="02000000000000000000" pitchFamily="2" charset="0"/>
+                    </a:rPr>
+                    <a:t>)</a:t>
+                  </a:r>
+                </a:p>
+              </p:txBody>
+            </p:sp>
+          </mc:Choice>
+          <mc:Fallback xmlns="">
+            <p:sp>
+              <p:nvSpPr>
+                <p:cNvPr id="9" name="TextBox 8">
+                  <a:extLst>
+                    <a:ext uri="{FF2B5EF4-FFF2-40B4-BE49-F238E27FC236}">
+                      <a16:creationId xmlns:a16="http://schemas.microsoft.com/office/drawing/2014/main" id="{1036F6E6-0F7B-46E8-A6D8-27B41A0728E7}"/>
+                    </a:ext>
+                  </a:extLst>
+                </p:cNvPr>
+                <p:cNvSpPr txBox="1">
+                  <a:spLocks noRot="1" noChangeAspect="1" noMove="1" noResize="1" noEditPoints="1" noAdjustHandles="1" noChangeArrowheads="1" noChangeShapeType="1" noTextEdit="1"/>
+                </p:cNvSpPr>
+                <p:nvPr/>
+              </p:nvSpPr>
+              <p:spPr>
+                <a:xfrm>
+                  <a:off x="9651887" y="2441339"/>
+                  <a:ext cx="1003245" cy="400111"/>
+                </a:xfrm>
+                <a:prstGeom prst="rect">
+                  <a:avLst/>
+                </a:prstGeom>
+                <a:blipFill>
+                  <a:blip r:embed="rId2"/>
+                  <a:stretch>
+                    <a:fillRect l="-6061" t="-6061" r="-4848" b="-27273"/>
+                  </a:stretch>
+                </a:blipFill>
+              </p:spPr>
+              <p:txBody>
+                <a:bodyPr/>
+                <a:lstStyle/>
+                <a:p>
+                  <a:r>
+                    <a:rPr lang="en-US">
+                      <a:noFill/>
+                    </a:rPr>
+                    <a:t> </a:t>
+                  </a:r>
+                </a:p>
+              </p:txBody>
+            </p:sp>
+          </mc:Fallback>
+        </mc:AlternateContent>
+        <p:sp>
+          <p:nvSpPr>
+            <p:cNvPr id="32" name="TextBox 31">
+              <a:extLst>
+                <a:ext uri="{FF2B5EF4-FFF2-40B4-BE49-F238E27FC236}">
+                  <a16:creationId xmlns:a16="http://schemas.microsoft.com/office/drawing/2014/main" id="{54008610-23E9-4FB7-8E6A-DCEA44C2B70C}"/>
+                </a:ext>
+              </a:extLst>
+            </p:cNvPr>
+            <p:cNvSpPr txBox="1"/>
+            <p:nvPr/>
+          </p:nvSpPr>
+          <p:spPr>
+            <a:xfrm>
+              <a:off x="5235783" y="5688006"/>
+              <a:ext cx="3412967" cy="477054"/>
+            </a:xfrm>
+            <a:prstGeom prst="rect">
+              <a:avLst/>
+            </a:prstGeom>
+            <a:noFill/>
+          </p:spPr>
+          <p:txBody>
+            <a:bodyPr wrap="square" rtlCol="0">
+              <a:spAutoFit/>
+            </a:bodyPr>
+            <a:lstStyle/>
+            <a:p>
+              <a:r>
+                <a:rPr lang="en-US" sz="2500" dirty="0">
+                  <a:solidFill>
+                    <a:schemeClr val="accent5">
+                      <a:lumMod val="50000"/>
+                    </a:schemeClr>
+                  </a:solidFill>
+                  <a:latin typeface="Ebrima" panose="02000000000000000000" pitchFamily="2" charset="0"/>
+                  <a:ea typeface="Ebrima" panose="02000000000000000000" pitchFamily="2" charset="0"/>
+                  <a:cs typeface="Ebrima" panose="02000000000000000000" pitchFamily="2" charset="0"/>
+                </a:rPr>
+                <a:t>lag distance (h)</a:t>
+              </a:r>
+            </a:p>
+          </p:txBody>
+        </p:sp>
+        <mc:AlternateContent xmlns:mc="http://schemas.openxmlformats.org/markup-compatibility/2006" xmlns:a14="http://schemas.microsoft.com/office/drawing/2010/main">
+          <mc:Choice Requires="a14">
+            <p:sp>
+              <p:nvSpPr>
+                <p:cNvPr id="33" name="TextBox 32">
+                  <a:extLst>
+                    <a:ext uri="{FF2B5EF4-FFF2-40B4-BE49-F238E27FC236}">
+                      <a16:creationId xmlns:a16="http://schemas.microsoft.com/office/drawing/2014/main" id="{7B00410E-95DF-4F0A-A8AB-9839BC82BE97}"/>
+                    </a:ext>
+                  </a:extLst>
+                </p:cNvPr>
+                <p:cNvSpPr txBox="1"/>
+                <p:nvPr/>
+              </p:nvSpPr>
+              <p:spPr>
+                <a:xfrm rot="16200000">
+                  <a:off x="435804" y="2216334"/>
+                  <a:ext cx="3412967" cy="477054"/>
+                </a:xfrm>
+                <a:prstGeom prst="rect">
+                  <a:avLst/>
+                </a:prstGeom>
+                <a:noFill/>
+              </p:spPr>
+              <p:txBody>
+                <a:bodyPr wrap="square" rtlCol="0">
+                  <a:spAutoFit/>
+                </a:bodyPr>
+                <a:lstStyle/>
+                <a:p>
+                  <a:r>
+                    <a:rPr lang="en-US" sz="2500" dirty="0">
+                      <a:solidFill>
+                        <a:schemeClr val="accent5">
+                          <a:lumMod val="50000"/>
+                        </a:schemeClr>
+                      </a:solidFill>
+                      <a:latin typeface="Ebrima" panose="02000000000000000000" pitchFamily="2" charset="0"/>
+                      <a:ea typeface="Ebrima" panose="02000000000000000000" pitchFamily="2" charset="0"/>
+                      <a:cs typeface="Ebrima" panose="02000000000000000000" pitchFamily="2" charset="0"/>
+                    </a:rPr>
+                    <a:t>variance (</a:t>
+                  </a:r>
+                  <a14:m>
+                    <m:oMath xmlns:m="http://schemas.openxmlformats.org/officeDocument/2006/math">
+                      <m:r>
+                        <a:rPr lang="en-US" sz="2500" i="1" smtClean="0">
+                          <a:solidFill>
+                            <a:schemeClr val="accent5">
+                              <a:lumMod val="50000"/>
+                            </a:schemeClr>
+                          </a:solidFill>
+                          <a:latin typeface="Cambria Math" panose="02040503050406030204" pitchFamily="18" charset="0"/>
+                          <a:ea typeface="Cambria Math" panose="02040503050406030204" pitchFamily="18" charset="0"/>
+                          <a:cs typeface="Ebrima" panose="02000000000000000000" pitchFamily="2" charset="0"/>
+                        </a:rPr>
+                        <m:t>𝛾</m:t>
+                      </m:r>
+                    </m:oMath>
+                  </a14:m>
+                  <a:r>
+                    <a:rPr lang="en-US" sz="2500" dirty="0">
+                      <a:solidFill>
+                        <a:schemeClr val="accent5">
+                          <a:lumMod val="50000"/>
+                        </a:schemeClr>
+                      </a:solidFill>
+                      <a:latin typeface="Ebrima" panose="02000000000000000000" pitchFamily="2" charset="0"/>
+                      <a:ea typeface="Ebrima" panose="02000000000000000000" pitchFamily="2" charset="0"/>
+                      <a:cs typeface="Ebrima" panose="02000000000000000000" pitchFamily="2" charset="0"/>
+                    </a:rPr>
+                    <a:t>)</a:t>
+                  </a:r>
+                </a:p>
+              </p:txBody>
+            </p:sp>
+          </mc:Choice>
+          <mc:Fallback xmlns="">
+            <p:sp>
+              <p:nvSpPr>
+                <p:cNvPr id="33" name="TextBox 32">
+                  <a:extLst>
+                    <a:ext uri="{FF2B5EF4-FFF2-40B4-BE49-F238E27FC236}">
+                      <a16:creationId xmlns:a16="http://schemas.microsoft.com/office/drawing/2014/main" id="{7B00410E-95DF-4F0A-A8AB-9839BC82BE97}"/>
+                    </a:ext>
+                  </a:extLst>
+                </p:cNvPr>
+                <p:cNvSpPr txBox="1">
+                  <a:spLocks noRot="1" noChangeAspect="1" noMove="1" noResize="1" noEditPoints="1" noAdjustHandles="1" noChangeArrowheads="1" noChangeShapeType="1" noTextEdit="1"/>
+                </p:cNvSpPr>
+                <p:nvPr/>
+              </p:nvSpPr>
+              <p:spPr>
+                <a:xfrm rot="16200000">
+                  <a:off x="435804" y="2216334"/>
+                  <a:ext cx="3412967" cy="477054"/>
+                </a:xfrm>
+                <a:prstGeom prst="rect">
+                  <a:avLst/>
+                </a:prstGeom>
+                <a:blipFill>
+                  <a:blip r:embed="rId3"/>
+                  <a:stretch>
+                    <a:fillRect l="-8861" r="-29114" b="-2857"/>
+                  </a:stretch>
+                </a:blipFill>
+              </p:spPr>
+              <p:txBody>
+                <a:bodyPr/>
+                <a:lstStyle/>
+                <a:p>
+                  <a:r>
+                    <a:rPr lang="en-US">
+                      <a:noFill/>
+                    </a:rPr>
+                    <a:t> </a:t>
+                  </a:r>
+                </a:p>
+              </p:txBody>
+            </p:sp>
+          </mc:Fallback>
+        </mc:AlternateContent>
+      </p:grpSp>
+      <p:cxnSp>
+        <p:nvCxnSpPr>
+          <p:cNvPr id="45" name="Straight Arrow Connector 44">
+            <a:extLst>
+              <a:ext uri="{FF2B5EF4-FFF2-40B4-BE49-F238E27FC236}">
+                <a16:creationId xmlns:a16="http://schemas.microsoft.com/office/drawing/2014/main" id="{57E57FD7-BA75-4DF6-983F-094664DBAA3F}"/>
+              </a:ext>
+            </a:extLst>
+          </p:cNvPr>
+          <p:cNvCxnSpPr>
+            <a:cxnSpLocks/>
+          </p:cNvCxnSpPr>
+          <p:nvPr/>
+        </p:nvCxnSpPr>
+        <p:spPr>
+          <a:xfrm>
+            <a:off x="2719388" y="5162551"/>
+            <a:ext cx="3724275" cy="0"/>
+          </a:xfrm>
+          <a:prstGeom prst="straightConnector1">
+            <a:avLst/>
+          </a:prstGeom>
+          <a:ln w="38100">
+            <a:headEnd type="triangle"/>
+            <a:tailEnd type="triangle"/>
+          </a:ln>
+        </p:spPr>
+        <p:style>
+          <a:lnRef idx="1">
+            <a:schemeClr val="accent1"/>
+          </a:lnRef>
+          <a:fillRef idx="0">
+            <a:schemeClr val="accent1"/>
+          </a:fillRef>
+          <a:effectRef idx="0">
+            <a:schemeClr val="accent1"/>
+          </a:effectRef>
+          <a:fontRef idx="minor">
+            <a:schemeClr val="tx1"/>
+          </a:fontRef>
+        </p:style>
+      </p:cxnSp>
+      <mc:AlternateContent xmlns:mc="http://schemas.openxmlformats.org/markup-compatibility/2006" xmlns:a14="http://schemas.microsoft.com/office/drawing/2010/main">
+        <mc:Choice Requires="a14">
+          <p:sp>
+            <p:nvSpPr>
+              <p:cNvPr id="46" name="TextBox 45">
+                <a:extLst>
+                  <a:ext uri="{FF2B5EF4-FFF2-40B4-BE49-F238E27FC236}">
+                    <a16:creationId xmlns:a16="http://schemas.microsoft.com/office/drawing/2014/main" id="{BF2B8C43-DD73-401B-A7F4-21FAA2FDA34D}"/>
+                  </a:ext>
+                </a:extLst>
+              </p:cNvPr>
+              <p:cNvSpPr txBox="1"/>
+              <p:nvPr/>
+            </p:nvSpPr>
+            <p:spPr>
+              <a:xfrm>
+                <a:off x="4033608" y="4627507"/>
+                <a:ext cx="2597286" cy="400110"/>
+              </a:xfrm>
+              <a:prstGeom prst="rect">
+                <a:avLst/>
+              </a:prstGeom>
+              <a:noFill/>
+            </p:spPr>
+            <p:txBody>
+              <a:bodyPr wrap="square" rtlCol="0">
+                <a:spAutoFit/>
+              </a:bodyPr>
+              <a:lstStyle/>
+              <a:p>
+                <a:r>
+                  <a:rPr lang="en-US" sz="2000" dirty="0">
+                    <a:solidFill>
+                      <a:schemeClr val="accent5">
+                        <a:lumMod val="50000"/>
+                      </a:schemeClr>
+                    </a:solidFill>
+                    <a:latin typeface="Ebrima" panose="02000000000000000000" pitchFamily="2" charset="0"/>
+                    <a:ea typeface="Ebrima" panose="02000000000000000000" pitchFamily="2" charset="0"/>
+                    <a:cs typeface="Ebrima" panose="02000000000000000000" pitchFamily="2" charset="0"/>
+                  </a:rPr>
+                  <a:t>range (</a:t>
+                </a:r>
+                <a14:m>
+                  <m:oMath xmlns:m="http://schemas.openxmlformats.org/officeDocument/2006/math">
+                    <m:r>
+                      <a:rPr lang="en-US" sz="2000" b="0" i="1" smtClean="0">
+                        <a:solidFill>
+                          <a:schemeClr val="accent5">
+                            <a:lumMod val="50000"/>
+                          </a:schemeClr>
+                        </a:solidFill>
+                        <a:latin typeface="Cambria Math" panose="02040503050406030204" pitchFamily="18" charset="0"/>
+                        <a:ea typeface="Ebrima" panose="02000000000000000000" pitchFamily="2" charset="0"/>
+                        <a:cs typeface="Ebrima" panose="02000000000000000000" pitchFamily="2" charset="0"/>
+                      </a:rPr>
+                      <m:t>𝑎</m:t>
+                    </m:r>
+                  </m:oMath>
+                </a14:m>
+                <a:r>
+                  <a:rPr lang="en-US" sz="2000" dirty="0">
+                    <a:solidFill>
+                      <a:schemeClr val="accent5">
+                        <a:lumMod val="50000"/>
+                      </a:schemeClr>
+                    </a:solidFill>
+                    <a:latin typeface="Ebrima" panose="02000000000000000000" pitchFamily="2" charset="0"/>
+                    <a:ea typeface="Ebrima" panose="02000000000000000000" pitchFamily="2" charset="0"/>
+                    <a:cs typeface="Ebrima" panose="02000000000000000000" pitchFamily="2" charset="0"/>
+                  </a:rPr>
+                  <a:t>)</a:t>
+                </a:r>
+              </a:p>
+            </p:txBody>
+          </p:sp>
+        </mc:Choice>
+        <mc:Fallback xmlns="">
+          <p:sp>
+            <p:nvSpPr>
+              <p:cNvPr id="46" name="TextBox 45">
+                <a:extLst>
+                  <a:ext uri="{FF2B5EF4-FFF2-40B4-BE49-F238E27FC236}">
+                    <a16:creationId xmlns:a16="http://schemas.microsoft.com/office/drawing/2014/main" id="{BF2B8C43-DD73-401B-A7F4-21FAA2FDA34D}"/>
+                  </a:ext>
+                </a:extLst>
+              </p:cNvPr>
+              <p:cNvSpPr txBox="1">
+                <a:spLocks noRot="1" noChangeAspect="1" noMove="1" noResize="1" noEditPoints="1" noAdjustHandles="1" noChangeArrowheads="1" noChangeShapeType="1" noTextEdit="1"/>
+              </p:cNvSpPr>
+              <p:nvPr/>
+            </p:nvSpPr>
+            <p:spPr>
+              <a:xfrm>
+                <a:off x="4033608" y="4627507"/>
+                <a:ext cx="2597286" cy="400110"/>
+              </a:xfrm>
+              <a:prstGeom prst="rect">
+                <a:avLst/>
+              </a:prstGeom>
+              <a:blipFill>
+                <a:blip r:embed="rId4"/>
+                <a:stretch>
+                  <a:fillRect l="-2582" t="-6061" b="-27273"/>
+                </a:stretch>
+              </a:blipFill>
+            </p:spPr>
+            <p:txBody>
+              <a:bodyPr/>
+              <a:lstStyle/>
+              <a:p>
+                <a:r>
+                  <a:rPr lang="en-US">
+                    <a:noFill/>
+                  </a:rPr>
+                  <a:t> </a:t>
+                </a:r>
+              </a:p>
+            </p:txBody>
+          </p:sp>
+        </mc:Fallback>
+      </mc:AlternateContent>
+      <mc:AlternateContent xmlns:mc="http://schemas.openxmlformats.org/markup-compatibility/2006" xmlns:a14="http://schemas.microsoft.com/office/drawing/2010/main">
+        <mc:Choice Requires="a14">
+          <p:sp>
+            <p:nvSpPr>
+              <p:cNvPr id="30" name="TextBox 29">
+                <a:extLst>
+                  <a:ext uri="{FF2B5EF4-FFF2-40B4-BE49-F238E27FC236}">
+                    <a16:creationId xmlns:a16="http://schemas.microsoft.com/office/drawing/2014/main" id="{D2CF6252-60D1-4DD7-A33E-E5D3D2D2A78B}"/>
+                  </a:ext>
+                </a:extLst>
+              </p:cNvPr>
+              <p:cNvSpPr txBox="1"/>
+              <p:nvPr/>
+            </p:nvSpPr>
+            <p:spPr>
+              <a:xfrm>
+                <a:off x="2719388" y="3995714"/>
+                <a:ext cx="2597286" cy="400110"/>
+              </a:xfrm>
+              <a:prstGeom prst="rect">
+                <a:avLst/>
+              </a:prstGeom>
+              <a:noFill/>
+            </p:spPr>
+            <p:txBody>
+              <a:bodyPr wrap="square" rtlCol="0">
+                <a:spAutoFit/>
+              </a:bodyPr>
+              <a:lstStyle/>
+              <a:p>
+                <a:r>
+                  <a:rPr lang="en-US" sz="2000" dirty="0">
+                    <a:solidFill>
+                      <a:schemeClr val="accent5">
+                        <a:lumMod val="50000"/>
+                      </a:schemeClr>
+                    </a:solidFill>
+                    <a:latin typeface="Ebrima" panose="02000000000000000000" pitchFamily="2" charset="0"/>
+                    <a:ea typeface="Ebrima" panose="02000000000000000000" pitchFamily="2" charset="0"/>
+                    <a:cs typeface="Ebrima" panose="02000000000000000000" pitchFamily="2" charset="0"/>
+                  </a:rPr>
+                  <a:t>nugget (</a:t>
+                </a:r>
+                <a14:m>
+                  <m:oMath xmlns:m="http://schemas.openxmlformats.org/officeDocument/2006/math">
+                    <m:sSub>
+                      <m:sSubPr>
+                        <m:ctrlPr>
+                          <a:rPr lang="en-US" sz="2000" i="1" smtClean="0">
+                            <a:solidFill>
+                              <a:schemeClr val="accent5">
+                                <a:lumMod val="50000"/>
+                              </a:schemeClr>
+                            </a:solidFill>
+                            <a:latin typeface="Cambria Math" panose="02040503050406030204" pitchFamily="18" charset="0"/>
+                            <a:ea typeface="Ebrima" panose="02000000000000000000" pitchFamily="2" charset="0"/>
+                            <a:cs typeface="Ebrima" panose="02000000000000000000" pitchFamily="2" charset="0"/>
+                          </a:rPr>
+                        </m:ctrlPr>
+                      </m:sSubPr>
+                      <m:e>
+                        <m:r>
+                          <a:rPr lang="en-US" sz="2000" b="0" i="1" smtClean="0">
+                            <a:solidFill>
+                              <a:schemeClr val="accent5">
+                                <a:lumMod val="50000"/>
+                              </a:schemeClr>
+                            </a:solidFill>
+                            <a:latin typeface="Cambria Math" panose="02040503050406030204" pitchFamily="18" charset="0"/>
+                            <a:ea typeface="Ebrima" panose="02000000000000000000" pitchFamily="2" charset="0"/>
+                            <a:cs typeface="Ebrima" panose="02000000000000000000" pitchFamily="2" charset="0"/>
+                          </a:rPr>
+                          <m:t>𝑐</m:t>
+                        </m:r>
+                      </m:e>
+                      <m:sub>
+                        <m:r>
+                          <a:rPr lang="en-US" sz="2000" b="0" i="1" smtClean="0">
+                            <a:solidFill>
+                              <a:schemeClr val="accent5">
+                                <a:lumMod val="50000"/>
+                              </a:schemeClr>
+                            </a:solidFill>
+                            <a:latin typeface="Cambria Math" panose="02040503050406030204" pitchFamily="18" charset="0"/>
+                            <a:ea typeface="Ebrima" panose="02000000000000000000" pitchFamily="2" charset="0"/>
+                            <a:cs typeface="Ebrima" panose="02000000000000000000" pitchFamily="2" charset="0"/>
+                          </a:rPr>
+                          <m:t>0</m:t>
+                        </m:r>
+                      </m:sub>
+                    </m:sSub>
+                  </m:oMath>
+                </a14:m>
+                <a:r>
+                  <a:rPr lang="en-US" sz="2000" dirty="0">
+                    <a:solidFill>
+                      <a:schemeClr val="accent5">
+                        <a:lumMod val="50000"/>
+                      </a:schemeClr>
+                    </a:solidFill>
+                    <a:latin typeface="Ebrima" panose="02000000000000000000" pitchFamily="2" charset="0"/>
+                    <a:ea typeface="Ebrima" panose="02000000000000000000" pitchFamily="2" charset="0"/>
+                    <a:cs typeface="Ebrima" panose="02000000000000000000" pitchFamily="2" charset="0"/>
+                  </a:rPr>
+                  <a:t>)</a:t>
+                </a:r>
+              </a:p>
+            </p:txBody>
+          </p:sp>
+        </mc:Choice>
+        <mc:Fallback xmlns="">
+          <p:sp>
+            <p:nvSpPr>
+              <p:cNvPr id="30" name="TextBox 29">
+                <a:extLst>
+                  <a:ext uri="{FF2B5EF4-FFF2-40B4-BE49-F238E27FC236}">
+                    <a16:creationId xmlns:a16="http://schemas.microsoft.com/office/drawing/2014/main" id="{D2CF6252-60D1-4DD7-A33E-E5D3D2D2A78B}"/>
+                  </a:ext>
+                </a:extLst>
+              </p:cNvPr>
+              <p:cNvSpPr txBox="1">
+                <a:spLocks noRot="1" noChangeAspect="1" noMove="1" noResize="1" noEditPoints="1" noAdjustHandles="1" noChangeArrowheads="1" noChangeShapeType="1" noTextEdit="1"/>
+              </p:cNvSpPr>
+              <p:nvPr/>
+            </p:nvSpPr>
+            <p:spPr>
+              <a:xfrm>
+                <a:off x="2719388" y="3995714"/>
+                <a:ext cx="2597286" cy="400110"/>
+              </a:xfrm>
+              <a:prstGeom prst="rect">
+                <a:avLst/>
+              </a:prstGeom>
+              <a:blipFill>
+                <a:blip r:embed="rId5"/>
+                <a:stretch>
+                  <a:fillRect l="-2347" t="-6061" b="-27273"/>
+                </a:stretch>
+              </a:blipFill>
+            </p:spPr>
+            <p:txBody>
+              <a:bodyPr/>
+              <a:lstStyle/>
+              <a:p>
+                <a:r>
+                  <a:rPr lang="en-US">
+                    <a:noFill/>
+                  </a:rPr>
+                  <a:t> </a:t>
+                </a:r>
+              </a:p>
+            </p:txBody>
+          </p:sp>
+        </mc:Fallback>
+      </mc:AlternateContent>
+      <p:cxnSp>
+        <p:nvCxnSpPr>
+          <p:cNvPr id="31" name="Straight Arrow Connector 30">
+            <a:extLst>
+              <a:ext uri="{FF2B5EF4-FFF2-40B4-BE49-F238E27FC236}">
+                <a16:creationId xmlns:a16="http://schemas.microsoft.com/office/drawing/2014/main" id="{F88C824E-3257-4B50-97E4-A95383D52CC6}"/>
+              </a:ext>
+            </a:extLst>
+          </p:cNvPr>
+          <p:cNvCxnSpPr>
+            <a:cxnSpLocks/>
+          </p:cNvCxnSpPr>
+          <p:nvPr/>
+        </p:nvCxnSpPr>
+        <p:spPr>
+          <a:xfrm>
+            <a:off x="2481263" y="4054991"/>
+            <a:ext cx="0" cy="1498081"/>
+          </a:xfrm>
+          <a:prstGeom prst="straightConnector1">
+            <a:avLst/>
+          </a:prstGeom>
+          <a:ln w="38100">
+            <a:headEnd type="triangle"/>
+            <a:tailEnd type="triangle"/>
+          </a:ln>
+        </p:spPr>
+        <p:style>
+          <a:lnRef idx="1">
+            <a:schemeClr val="accent1"/>
+          </a:lnRef>
+          <a:fillRef idx="0">
+            <a:schemeClr val="accent1"/>
+          </a:fillRef>
+          <a:effectRef idx="0">
+            <a:schemeClr val="accent1"/>
+          </a:effectRef>
+          <a:fontRef idx="minor">
+            <a:schemeClr val="tx1"/>
+          </a:fontRef>
+        </p:style>
+      </p:cxnSp>
+    </p:spTree>
+    <p:extLst>
+      <p:ext uri="{BB962C8B-B14F-4D97-AF65-F5344CB8AC3E}">
+        <p14:creationId xmlns:p14="http://schemas.microsoft.com/office/powerpoint/2010/main" val="1916647617"/>
+      </p:ext>
+    </p:extLst>
+  </p:cSld>
+  <p:clrMapOvr>
+    <a:masterClrMapping/>
+  </p:clrMapOvr>
+</p:sld>
+</file>
+
+<file path=ppt/slides/slide11.xml><?xml version="1.0" encoding="utf-8"?>
+<p:sld xmlns:a="http://schemas.openxmlformats.org/drawingml/2006/main" xmlns:r="http://schemas.openxmlformats.org/officeDocument/2006/relationships" xmlns:p="http://schemas.openxmlformats.org/presentationml/2006/main">
+  <p:cSld>
     <p:spTree>
       <p:nvGrpSpPr>
         <p:cNvPr id="1" name=""/>
@@ -8084,7 +9709,7 @@
 </p:sld>
 </file>
 
-<file path=ppt/slides/slide11.xml><?xml version="1.0" encoding="utf-8"?>
+<file path=ppt/slides/slide12.xml><?xml version="1.0" encoding="utf-8"?>
 <p:sld xmlns:a="http://schemas.openxmlformats.org/drawingml/2006/main" xmlns:r="http://schemas.openxmlformats.org/officeDocument/2006/relationships" xmlns:p="http://schemas.openxmlformats.org/presentationml/2006/main">
   <p:cSld>
     <p:spTree>
@@ -10123,7 +11748,7 @@
 </p:sld>
 </file>
 
-<file path=ppt/slides/slide12.xml><?xml version="1.0" encoding="utf-8"?>
+<file path=ppt/slides/slide13.xml><?xml version="1.0" encoding="utf-8"?>
 <p:sld xmlns:a="http://schemas.openxmlformats.org/drawingml/2006/main" xmlns:r="http://schemas.openxmlformats.org/officeDocument/2006/relationships" xmlns:p="http://schemas.openxmlformats.org/presentationml/2006/main">
   <p:cSld>
     <p:spTree>
@@ -15428,7 +17053,7 @@
 </p:sld>
 </file>
 
-<file path=ppt/slides/slide13.xml><?xml version="1.0" encoding="utf-8"?>
+<file path=ppt/slides/slide14.xml><?xml version="1.0" encoding="utf-8"?>
 <p:sld xmlns:a="http://schemas.openxmlformats.org/drawingml/2006/main" xmlns:r="http://schemas.openxmlformats.org/officeDocument/2006/relationships" xmlns:p="http://schemas.openxmlformats.org/presentationml/2006/main">
   <p:cSld>
     <p:spTree>
@@ -16746,7 +18371,7 @@
 </p:sld>
 </file>
 
-<file path=ppt/slides/slide14.xml><?xml version="1.0" encoding="utf-8"?>
+<file path=ppt/slides/slide15.xml><?xml version="1.0" encoding="utf-8"?>
 <p:sld xmlns:a="http://schemas.openxmlformats.org/drawingml/2006/main" xmlns:r="http://schemas.openxmlformats.org/officeDocument/2006/relationships" xmlns:p="http://schemas.openxmlformats.org/presentationml/2006/main">
   <p:cSld>
     <p:spTree>
@@ -17589,7 +19214,7 @@
 </p:sld>
 </file>
 
-<file path=ppt/slides/slide15.xml><?xml version="1.0" encoding="utf-8"?>
+<file path=ppt/slides/slide16.xml><?xml version="1.0" encoding="utf-8"?>
 <p:sld xmlns:a="http://schemas.openxmlformats.org/drawingml/2006/main" xmlns:r="http://schemas.openxmlformats.org/officeDocument/2006/relationships" xmlns:p="http://schemas.openxmlformats.org/presentationml/2006/main">
   <p:cSld>
     <p:spTree>
@@ -18664,7 +20289,7 @@
 </p:sld>
 </file>
 
-<file path=ppt/slides/slide16.xml><?xml version="1.0" encoding="utf-8"?>
+<file path=ppt/slides/slide17.xml><?xml version="1.0" encoding="utf-8"?>
 <p:sld xmlns:a="http://schemas.openxmlformats.org/drawingml/2006/main" xmlns:r="http://schemas.openxmlformats.org/officeDocument/2006/relationships" xmlns:p="http://schemas.openxmlformats.org/presentationml/2006/main">
   <p:cSld>
     <p:spTree>
@@ -18743,6 +20368,107 @@
       </p:grpSpPr>
       <p:pic>
         <p:nvPicPr>
+          <p:cNvPr id="17" name="Picture 16">
+            <a:extLst>
+              <a:ext uri="{FF2B5EF4-FFF2-40B4-BE49-F238E27FC236}">
+                <a16:creationId xmlns:a16="http://schemas.microsoft.com/office/drawing/2014/main" id="{CBE6DE4A-88E1-4A28-8D2D-AC885D552CD9}"/>
+              </a:ext>
+            </a:extLst>
+          </p:cNvPr>
+          <p:cNvPicPr>
+            <a:picLocks noChangeAspect="1"/>
+          </p:cNvPicPr>
+          <p:nvPr/>
+        </p:nvPicPr>
+        <p:blipFill>
+          <a:blip r:embed="rId2">
+            <a:extLst>
+              <a:ext uri="{28A0092B-C50C-407E-A947-70E740481C1C}">
+                <a14:useLocalDpi xmlns:a14="http://schemas.microsoft.com/office/drawing/2010/main" val="0"/>
+              </a:ext>
+            </a:extLst>
+          </a:blip>
+          <a:stretch>
+            <a:fillRect/>
+          </a:stretch>
+        </p:blipFill>
+        <p:spPr>
+          <a:xfrm>
+            <a:off x="152393" y="0"/>
+            <a:ext cx="7315215" cy="3657607"/>
+          </a:xfrm>
+          <a:prstGeom prst="rect">
+            <a:avLst/>
+          </a:prstGeom>
+          <a:ln>
+            <a:solidFill>
+              <a:schemeClr val="accent1"/>
+            </a:solidFill>
+          </a:ln>
+        </p:spPr>
+      </p:pic>
+      <p:pic>
+        <p:nvPicPr>
+          <p:cNvPr id="15" name="Picture 14">
+            <a:extLst>
+              <a:ext uri="{FF2B5EF4-FFF2-40B4-BE49-F238E27FC236}">
+                <a16:creationId xmlns:a16="http://schemas.microsoft.com/office/drawing/2014/main" id="{CE0C1E2B-803C-460D-B166-964BE58C64F1}"/>
+              </a:ext>
+            </a:extLst>
+          </p:cNvPr>
+          <p:cNvPicPr>
+            <a:picLocks noChangeAspect="1"/>
+          </p:cNvPicPr>
+          <p:nvPr/>
+        </p:nvPicPr>
+        <p:blipFill>
+          <a:blip r:embed="rId3"/>
+          <a:stretch>
+            <a:fillRect/>
+          </a:stretch>
+        </p:blipFill>
+        <p:spPr>
+          <a:xfrm>
+            <a:off x="152393" y="265912"/>
+            <a:ext cx="7315215" cy="3125781"/>
+          </a:xfrm>
+          <a:prstGeom prst="rect">
+            <a:avLst/>
+          </a:prstGeom>
+        </p:spPr>
+      </p:pic>
+    </p:spTree>
+    <p:extLst>
+      <p:ext uri="{BB962C8B-B14F-4D97-AF65-F5344CB8AC3E}">
+        <p14:creationId xmlns:p14="http://schemas.microsoft.com/office/powerpoint/2010/main" val="1358718780"/>
+      </p:ext>
+    </p:extLst>
+  </p:cSld>
+  <p:clrMapOvr>
+    <a:masterClrMapping/>
+  </p:clrMapOvr>
+</p:sld>
+</file>
+
+<file path=ppt/slides/slide3.xml><?xml version="1.0" encoding="utf-8"?>
+<p:sld xmlns:a="http://schemas.openxmlformats.org/drawingml/2006/main" xmlns:r="http://schemas.openxmlformats.org/officeDocument/2006/relationships" xmlns:p="http://schemas.openxmlformats.org/presentationml/2006/main">
+  <p:cSld>
+    <p:spTree>
+      <p:nvGrpSpPr>
+        <p:cNvPr id="1" name=""/>
+        <p:cNvGrpSpPr/>
+        <p:nvPr/>
+      </p:nvGrpSpPr>
+      <p:grpSpPr>
+        <a:xfrm>
+          <a:off x="0" y="0"/>
+          <a:ext cx="0" cy="0"/>
+          <a:chOff x="0" y="0"/>
+          <a:chExt cx="0" cy="0"/>
+        </a:xfrm>
+      </p:grpSpPr>
+      <p:pic>
+        <p:nvPicPr>
           <p:cNvPr id="4" name="Picture 3">
             <a:extLst>
               <a:ext uri="{FF2B5EF4-FFF2-40B4-BE49-F238E27FC236}">
@@ -19403,7 +21129,7 @@
 </p:sld>
 </file>
 
-<file path=ppt/slides/slide3.xml><?xml version="1.0" encoding="utf-8"?>
+<file path=ppt/slides/slide4.xml><?xml version="1.0" encoding="utf-8"?>
 <p:sld xmlns:a="http://schemas.openxmlformats.org/drawingml/2006/main" xmlns:r="http://schemas.openxmlformats.org/officeDocument/2006/relationships" xmlns:p="http://schemas.openxmlformats.org/presentationml/2006/main">
   <p:cSld>
     <p:spTree>
@@ -19985,7 +21711,7 @@
 </p:sld>
 </file>
 
-<file path=ppt/slides/slide4.xml><?xml version="1.0" encoding="utf-8"?>
+<file path=ppt/slides/slide5.xml><?xml version="1.0" encoding="utf-8"?>
 <p:sld xmlns:a="http://schemas.openxmlformats.org/drawingml/2006/main" xmlns:r="http://schemas.openxmlformats.org/officeDocument/2006/relationships" xmlns:p="http://schemas.openxmlformats.org/presentationml/2006/main">
   <p:cSld>
     <p:spTree>
@@ -20567,7 +22293,7 @@
 </p:sld>
 </file>
 
-<file path=ppt/slides/slide5.xml><?xml version="1.0" encoding="utf-8"?>
+<file path=ppt/slides/slide6.xml><?xml version="1.0" encoding="utf-8"?>
 <p:sld xmlns:a="http://schemas.openxmlformats.org/drawingml/2006/main" xmlns:r="http://schemas.openxmlformats.org/officeDocument/2006/relationships" xmlns:p="http://schemas.openxmlformats.org/presentationml/2006/main">
   <p:cSld>
     <p:spTree>
@@ -21834,7 +23560,7 @@
 </p:sld>
 </file>
 
-<file path=ppt/slides/slide6.xml><?xml version="1.0" encoding="utf-8"?>
+<file path=ppt/slides/slide7.xml><?xml version="1.0" encoding="utf-8"?>
 <p:sld xmlns:a="http://schemas.openxmlformats.org/drawingml/2006/main" xmlns:r="http://schemas.openxmlformats.org/officeDocument/2006/relationships" xmlns:p="http://schemas.openxmlformats.org/presentationml/2006/main">
   <p:cSld>
     <p:spTree>
@@ -22816,7 +24542,7 @@
 </p:sld>
 </file>
 
-<file path=ppt/slides/slide7.xml><?xml version="1.0" encoding="utf-8"?>
+<file path=ppt/slides/slide8.xml><?xml version="1.0" encoding="utf-8"?>
 <p:sld xmlns:a="http://schemas.openxmlformats.org/drawingml/2006/main" xmlns:r="http://schemas.openxmlformats.org/officeDocument/2006/relationships" xmlns:p="http://schemas.openxmlformats.org/presentationml/2006/main">
   <p:cSld>
     <p:spTree>
@@ -27036,7 +28762,7 @@
 </p:sld>
 </file>
 
-<file path=ppt/slides/slide8.xml><?xml version="1.0" encoding="utf-8"?>
+<file path=ppt/slides/slide9.xml><?xml version="1.0" encoding="utf-8"?>
 <p:sld xmlns:a="http://schemas.openxmlformats.org/drawingml/2006/main" xmlns:r="http://schemas.openxmlformats.org/officeDocument/2006/relationships" xmlns:p="http://schemas.openxmlformats.org/presentationml/2006/main">
   <p:cSld>
     <p:spTree>
@@ -30677,1630 +32403,6 @@
 </p:sld>
 </file>
 
-<file path=ppt/slides/slide9.xml><?xml version="1.0" encoding="utf-8"?>
-<p:sld xmlns:a="http://schemas.openxmlformats.org/drawingml/2006/main" xmlns:r="http://schemas.openxmlformats.org/officeDocument/2006/relationships" xmlns:p="http://schemas.openxmlformats.org/presentationml/2006/main">
-  <p:cSld>
-    <p:bg>
-      <p:bgPr>
-        <a:solidFill>
-          <a:schemeClr val="bg1"/>
-        </a:solidFill>
-        <a:effectLst/>
-      </p:bgPr>
-    </p:bg>
-    <p:spTree>
-      <p:nvGrpSpPr>
-        <p:cNvPr id="1" name=""/>
-        <p:cNvGrpSpPr/>
-        <p:nvPr/>
-      </p:nvGrpSpPr>
-      <p:grpSpPr>
-        <a:xfrm>
-          <a:off x="0" y="0"/>
-          <a:ext cx="0" cy="0"/>
-          <a:chOff x="0" y="0"/>
-          <a:chExt cx="0" cy="0"/>
-        </a:xfrm>
-      </p:grpSpPr>
-      <p:grpSp>
-        <p:nvGrpSpPr>
-          <p:cNvPr id="44" name="Group 43">
-            <a:extLst>
-              <a:ext uri="{FF2B5EF4-FFF2-40B4-BE49-F238E27FC236}">
-                <a16:creationId xmlns:a16="http://schemas.microsoft.com/office/drawing/2014/main" id="{274D8B48-40C4-41CF-B156-59E3C3CE8C21}"/>
-              </a:ext>
-            </a:extLst>
-          </p:cNvPr>
-          <p:cNvGrpSpPr/>
-          <p:nvPr/>
-        </p:nvGrpSpPr>
-        <p:grpSpPr>
-          <a:xfrm>
-            <a:off x="1903761" y="748377"/>
-            <a:ext cx="8751371" cy="5416683"/>
-            <a:chOff x="1903761" y="748377"/>
-            <a:chExt cx="8751371" cy="5416683"/>
-          </a:xfrm>
-        </p:grpSpPr>
-        <p:cxnSp>
-          <p:nvCxnSpPr>
-            <p:cNvPr id="28" name="Straight Connector 27">
-              <a:extLst>
-                <a:ext uri="{FF2B5EF4-FFF2-40B4-BE49-F238E27FC236}">
-                  <a16:creationId xmlns:a16="http://schemas.microsoft.com/office/drawing/2014/main" id="{450293C0-D40A-4D8B-AD54-1BA09452C637}"/>
-                </a:ext>
-              </a:extLst>
-            </p:cNvPr>
-            <p:cNvCxnSpPr>
-              <a:cxnSpLocks/>
-            </p:cNvCxnSpPr>
-            <p:nvPr/>
-          </p:nvCxnSpPr>
-          <p:spPr>
-            <a:xfrm flipH="1">
-              <a:off x="2652081" y="2288083"/>
-              <a:ext cx="7877807" cy="49298"/>
-            </a:xfrm>
-            <a:prstGeom prst="line">
-              <a:avLst/>
-            </a:prstGeom>
-            <a:ln w="25400">
-              <a:solidFill>
-                <a:schemeClr val="tx1"/>
-              </a:solidFill>
-              <a:prstDash val="sysDash"/>
-            </a:ln>
-          </p:spPr>
-          <p:style>
-            <a:lnRef idx="1">
-              <a:schemeClr val="accent1"/>
-            </a:lnRef>
-            <a:fillRef idx="0">
-              <a:schemeClr val="accent1"/>
-            </a:fillRef>
-            <a:effectRef idx="0">
-              <a:schemeClr val="accent1"/>
-            </a:effectRef>
-            <a:fontRef idx="minor">
-              <a:schemeClr val="tx1"/>
-            </a:fontRef>
-          </p:style>
-        </p:cxnSp>
-        <p:cxnSp>
-          <p:nvCxnSpPr>
-            <p:cNvPr id="6" name="Straight Connector 5">
-              <a:extLst>
-                <a:ext uri="{FF2B5EF4-FFF2-40B4-BE49-F238E27FC236}">
-                  <a16:creationId xmlns:a16="http://schemas.microsoft.com/office/drawing/2014/main" id="{93003AD5-C2C4-41E1-A4BC-EADE090A6449}"/>
-                </a:ext>
-              </a:extLst>
-            </p:cNvPr>
-            <p:cNvCxnSpPr>
-              <a:cxnSpLocks/>
-            </p:cNvCxnSpPr>
-            <p:nvPr/>
-          </p:nvCxnSpPr>
-          <p:spPr>
-            <a:xfrm>
-              <a:off x="2653412" y="1230198"/>
-              <a:ext cx="0" cy="4322874"/>
-            </a:xfrm>
-            <a:prstGeom prst="line">
-              <a:avLst/>
-            </a:prstGeom>
-            <a:ln w="34925">
-              <a:solidFill>
-                <a:schemeClr val="tx1"/>
-              </a:solidFill>
-            </a:ln>
-          </p:spPr>
-          <p:style>
-            <a:lnRef idx="1">
-              <a:schemeClr val="accent1"/>
-            </a:lnRef>
-            <a:fillRef idx="0">
-              <a:schemeClr val="accent1"/>
-            </a:fillRef>
-            <a:effectRef idx="0">
-              <a:schemeClr val="accent1"/>
-            </a:effectRef>
-            <a:fontRef idx="minor">
-              <a:schemeClr val="tx1"/>
-            </a:fontRef>
-          </p:style>
-        </p:cxnSp>
-        <p:cxnSp>
-          <p:nvCxnSpPr>
-            <p:cNvPr id="7" name="Straight Connector 6">
-              <a:extLst>
-                <a:ext uri="{FF2B5EF4-FFF2-40B4-BE49-F238E27FC236}">
-                  <a16:creationId xmlns:a16="http://schemas.microsoft.com/office/drawing/2014/main" id="{A7AD6B4F-152B-4E20-9770-9B5C546E02BB}"/>
-                </a:ext>
-              </a:extLst>
-            </p:cNvPr>
-            <p:cNvCxnSpPr>
-              <a:cxnSpLocks/>
-            </p:cNvCxnSpPr>
-            <p:nvPr/>
-          </p:nvCxnSpPr>
-          <p:spPr>
-            <a:xfrm flipH="1">
-              <a:off x="2653412" y="5553072"/>
-              <a:ext cx="7023042" cy="0"/>
-            </a:xfrm>
-            <a:prstGeom prst="line">
-              <a:avLst/>
-            </a:prstGeom>
-            <a:ln w="38100">
-              <a:solidFill>
-                <a:schemeClr val="tx1"/>
-              </a:solidFill>
-            </a:ln>
-          </p:spPr>
-          <p:style>
-            <a:lnRef idx="1">
-              <a:schemeClr val="accent1"/>
-            </a:lnRef>
-            <a:fillRef idx="0">
-              <a:schemeClr val="accent1"/>
-            </a:fillRef>
-            <a:effectRef idx="0">
-              <a:schemeClr val="accent1"/>
-            </a:effectRef>
-            <a:fontRef idx="minor">
-              <a:schemeClr val="tx1"/>
-            </a:fontRef>
-          </p:style>
-        </p:cxnSp>
-        <p:cxnSp>
-          <p:nvCxnSpPr>
-            <p:cNvPr id="11" name="Straight Connector 10">
-              <a:extLst>
-                <a:ext uri="{FF2B5EF4-FFF2-40B4-BE49-F238E27FC236}">
-                  <a16:creationId xmlns:a16="http://schemas.microsoft.com/office/drawing/2014/main" id="{36776216-05B7-491D-94AC-FAB3817AAB2D}"/>
-                </a:ext>
-              </a:extLst>
-            </p:cNvPr>
-            <p:cNvCxnSpPr>
-              <a:cxnSpLocks/>
-            </p:cNvCxnSpPr>
-            <p:nvPr/>
-          </p:nvCxnSpPr>
-          <p:spPr>
-            <a:xfrm>
-              <a:off x="6544308" y="2273194"/>
-              <a:ext cx="0" cy="3279878"/>
-            </a:xfrm>
-            <a:prstGeom prst="line">
-              <a:avLst/>
-            </a:prstGeom>
-            <a:ln w="25400">
-              <a:solidFill>
-                <a:schemeClr val="tx1"/>
-              </a:solidFill>
-              <a:prstDash val="sysDash"/>
-            </a:ln>
-          </p:spPr>
-          <p:style>
-            <a:lnRef idx="1">
-              <a:schemeClr val="accent1"/>
-            </a:lnRef>
-            <a:fillRef idx="0">
-              <a:schemeClr val="accent1"/>
-            </a:fillRef>
-            <a:effectRef idx="0">
-              <a:schemeClr val="accent1"/>
-            </a:effectRef>
-            <a:fontRef idx="minor">
-              <a:schemeClr val="tx1"/>
-            </a:fontRef>
-          </p:style>
-        </p:cxnSp>
-        <p:sp>
-          <p:nvSpPr>
-            <p:cNvPr id="15" name="Oval 14">
-              <a:extLst>
-                <a:ext uri="{FF2B5EF4-FFF2-40B4-BE49-F238E27FC236}">
-                  <a16:creationId xmlns:a16="http://schemas.microsoft.com/office/drawing/2014/main" id="{B11AB632-8A13-4DDE-9723-569A4397ED1F}"/>
-                </a:ext>
-              </a:extLst>
-            </p:cNvPr>
-            <p:cNvSpPr/>
-            <p:nvPr/>
-          </p:nvSpPr>
-          <p:spPr>
-            <a:xfrm>
-              <a:off x="2819689" y="3886034"/>
-              <a:ext cx="101997" cy="101997"/>
-            </a:xfrm>
-            <a:prstGeom prst="ellipse">
-              <a:avLst/>
-            </a:prstGeom>
-            <a:solidFill>
-              <a:schemeClr val="accent1"/>
-            </a:solidFill>
-            <a:ln>
-              <a:noFill/>
-            </a:ln>
-          </p:spPr>
-          <p:style>
-            <a:lnRef idx="2">
-              <a:schemeClr val="accent1">
-                <a:shade val="50000"/>
-              </a:schemeClr>
-            </a:lnRef>
-            <a:fillRef idx="1">
-              <a:schemeClr val="accent1"/>
-            </a:fillRef>
-            <a:effectRef idx="0">
-              <a:schemeClr val="accent1"/>
-            </a:effectRef>
-            <a:fontRef idx="minor">
-              <a:schemeClr val="lt1"/>
-            </a:fontRef>
-          </p:style>
-          <p:txBody>
-            <a:bodyPr rtlCol="0" anchor="ctr"/>
-            <a:lstStyle/>
-            <a:p>
-              <a:pPr algn="ctr"/>
-              <a:endParaRPr lang="en-US"/>
-            </a:p>
-          </p:txBody>
-        </p:sp>
-        <p:sp>
-          <p:nvSpPr>
-            <p:cNvPr id="16" name="Oval 15">
-              <a:extLst>
-                <a:ext uri="{FF2B5EF4-FFF2-40B4-BE49-F238E27FC236}">
-                  <a16:creationId xmlns:a16="http://schemas.microsoft.com/office/drawing/2014/main" id="{FB32A82E-0D1E-43E6-B0E4-4BDB78E5F371}"/>
-                </a:ext>
-              </a:extLst>
-            </p:cNvPr>
-            <p:cNvSpPr/>
-            <p:nvPr/>
-          </p:nvSpPr>
-          <p:spPr>
-            <a:xfrm>
-              <a:off x="3212284" y="3365416"/>
-              <a:ext cx="101997" cy="101997"/>
-            </a:xfrm>
-            <a:prstGeom prst="ellipse">
-              <a:avLst/>
-            </a:prstGeom>
-            <a:solidFill>
-              <a:schemeClr val="accent1"/>
-            </a:solidFill>
-            <a:ln>
-              <a:noFill/>
-            </a:ln>
-          </p:spPr>
-          <p:style>
-            <a:lnRef idx="2">
-              <a:schemeClr val="accent1">
-                <a:shade val="50000"/>
-              </a:schemeClr>
-            </a:lnRef>
-            <a:fillRef idx="1">
-              <a:schemeClr val="accent1"/>
-            </a:fillRef>
-            <a:effectRef idx="0">
-              <a:schemeClr val="accent1"/>
-            </a:effectRef>
-            <a:fontRef idx="minor">
-              <a:schemeClr val="lt1"/>
-            </a:fontRef>
-          </p:style>
-          <p:txBody>
-            <a:bodyPr rtlCol="0" anchor="ctr"/>
-            <a:lstStyle/>
-            <a:p>
-              <a:pPr algn="ctr"/>
-              <a:endParaRPr lang="en-US"/>
-            </a:p>
-          </p:txBody>
-        </p:sp>
-        <p:sp>
-          <p:nvSpPr>
-            <p:cNvPr id="17" name="Oval 16">
-              <a:extLst>
-                <a:ext uri="{FF2B5EF4-FFF2-40B4-BE49-F238E27FC236}">
-                  <a16:creationId xmlns:a16="http://schemas.microsoft.com/office/drawing/2014/main" id="{340C2D9A-BF1C-48A4-B4AF-244D9C796C0B}"/>
-                </a:ext>
-              </a:extLst>
-            </p:cNvPr>
-            <p:cNvSpPr/>
-            <p:nvPr/>
-          </p:nvSpPr>
-          <p:spPr>
-            <a:xfrm>
-              <a:off x="3617080" y="2879855"/>
-              <a:ext cx="101997" cy="101997"/>
-            </a:xfrm>
-            <a:prstGeom prst="ellipse">
-              <a:avLst/>
-            </a:prstGeom>
-            <a:solidFill>
-              <a:schemeClr val="accent1"/>
-            </a:solidFill>
-            <a:ln>
-              <a:noFill/>
-            </a:ln>
-          </p:spPr>
-          <p:style>
-            <a:lnRef idx="2">
-              <a:schemeClr val="accent1">
-                <a:shade val="50000"/>
-              </a:schemeClr>
-            </a:lnRef>
-            <a:fillRef idx="1">
-              <a:schemeClr val="accent1"/>
-            </a:fillRef>
-            <a:effectRef idx="0">
-              <a:schemeClr val="accent1"/>
-            </a:effectRef>
-            <a:fontRef idx="minor">
-              <a:schemeClr val="lt1"/>
-            </a:fontRef>
-          </p:style>
-          <p:txBody>
-            <a:bodyPr rtlCol="0" anchor="ctr"/>
-            <a:lstStyle/>
-            <a:p>
-              <a:pPr algn="ctr"/>
-              <a:endParaRPr lang="en-US"/>
-            </a:p>
-          </p:txBody>
-        </p:sp>
-        <p:sp>
-          <p:nvSpPr>
-            <p:cNvPr id="18" name="Oval 17">
-              <a:extLst>
-                <a:ext uri="{FF2B5EF4-FFF2-40B4-BE49-F238E27FC236}">
-                  <a16:creationId xmlns:a16="http://schemas.microsoft.com/office/drawing/2014/main" id="{58BBAED9-4937-4283-BAE2-481EAFC37D21}"/>
-                </a:ext>
-              </a:extLst>
-            </p:cNvPr>
-            <p:cNvSpPr/>
-            <p:nvPr/>
-          </p:nvSpPr>
-          <p:spPr>
-            <a:xfrm>
-              <a:off x="4277159" y="2622741"/>
-              <a:ext cx="101997" cy="101997"/>
-            </a:xfrm>
-            <a:prstGeom prst="ellipse">
-              <a:avLst/>
-            </a:prstGeom>
-            <a:solidFill>
-              <a:schemeClr val="accent1"/>
-            </a:solidFill>
-            <a:ln>
-              <a:noFill/>
-            </a:ln>
-          </p:spPr>
-          <p:style>
-            <a:lnRef idx="2">
-              <a:schemeClr val="accent1">
-                <a:shade val="50000"/>
-              </a:schemeClr>
-            </a:lnRef>
-            <a:fillRef idx="1">
-              <a:schemeClr val="accent1"/>
-            </a:fillRef>
-            <a:effectRef idx="0">
-              <a:schemeClr val="accent1"/>
-            </a:effectRef>
-            <a:fontRef idx="minor">
-              <a:schemeClr val="lt1"/>
-            </a:fontRef>
-          </p:style>
-          <p:txBody>
-            <a:bodyPr rtlCol="0" anchor="ctr"/>
-            <a:lstStyle/>
-            <a:p>
-              <a:pPr algn="ctr"/>
-              <a:endParaRPr lang="en-US"/>
-            </a:p>
-          </p:txBody>
-        </p:sp>
-        <p:sp>
-          <p:nvSpPr>
-            <p:cNvPr id="19" name="Oval 18">
-              <a:extLst>
-                <a:ext uri="{FF2B5EF4-FFF2-40B4-BE49-F238E27FC236}">
-                  <a16:creationId xmlns:a16="http://schemas.microsoft.com/office/drawing/2014/main" id="{08FC8F1C-783F-4E8F-95A4-47A6667F9876}"/>
-                </a:ext>
-              </a:extLst>
-            </p:cNvPr>
-            <p:cNvSpPr/>
-            <p:nvPr/>
-          </p:nvSpPr>
-          <p:spPr>
-            <a:xfrm>
-              <a:off x="5133786" y="2473984"/>
-              <a:ext cx="101997" cy="101997"/>
-            </a:xfrm>
-            <a:prstGeom prst="ellipse">
-              <a:avLst/>
-            </a:prstGeom>
-            <a:solidFill>
-              <a:schemeClr val="accent1"/>
-            </a:solidFill>
-            <a:ln>
-              <a:noFill/>
-            </a:ln>
-          </p:spPr>
-          <p:style>
-            <a:lnRef idx="2">
-              <a:schemeClr val="accent1">
-                <a:shade val="50000"/>
-              </a:schemeClr>
-            </a:lnRef>
-            <a:fillRef idx="1">
-              <a:schemeClr val="accent1"/>
-            </a:fillRef>
-            <a:effectRef idx="0">
-              <a:schemeClr val="accent1"/>
-            </a:effectRef>
-            <a:fontRef idx="minor">
-              <a:schemeClr val="lt1"/>
-            </a:fontRef>
-          </p:style>
-          <p:txBody>
-            <a:bodyPr rtlCol="0" anchor="ctr"/>
-            <a:lstStyle/>
-            <a:p>
-              <a:pPr algn="ctr"/>
-              <a:endParaRPr lang="en-US" dirty="0"/>
-            </a:p>
-          </p:txBody>
-        </p:sp>
-        <p:sp>
-          <p:nvSpPr>
-            <p:cNvPr id="20" name="Oval 19">
-              <a:extLst>
-                <a:ext uri="{FF2B5EF4-FFF2-40B4-BE49-F238E27FC236}">
-                  <a16:creationId xmlns:a16="http://schemas.microsoft.com/office/drawing/2014/main" id="{E3D55192-2882-425C-95CB-D7029779009E}"/>
-                </a:ext>
-              </a:extLst>
-            </p:cNvPr>
-            <p:cNvSpPr/>
-            <p:nvPr/>
-          </p:nvSpPr>
-          <p:spPr>
-            <a:xfrm>
-              <a:off x="6102775" y="2360301"/>
-              <a:ext cx="101997" cy="101997"/>
-            </a:xfrm>
-            <a:prstGeom prst="ellipse">
-              <a:avLst/>
-            </a:prstGeom>
-            <a:solidFill>
-              <a:schemeClr val="accent1"/>
-            </a:solidFill>
-            <a:ln>
-              <a:noFill/>
-            </a:ln>
-          </p:spPr>
-          <p:style>
-            <a:lnRef idx="2">
-              <a:schemeClr val="accent1">
-                <a:shade val="50000"/>
-              </a:schemeClr>
-            </a:lnRef>
-            <a:fillRef idx="1">
-              <a:schemeClr val="accent1"/>
-            </a:fillRef>
-            <a:effectRef idx="0">
-              <a:schemeClr val="accent1"/>
-            </a:effectRef>
-            <a:fontRef idx="minor">
-              <a:schemeClr val="lt1"/>
-            </a:fontRef>
-          </p:style>
-          <p:txBody>
-            <a:bodyPr rtlCol="0" anchor="ctr"/>
-            <a:lstStyle/>
-            <a:p>
-              <a:pPr algn="ctr"/>
-              <a:endParaRPr lang="en-US"/>
-            </a:p>
-          </p:txBody>
-        </p:sp>
-        <p:sp>
-          <p:nvSpPr>
-            <p:cNvPr id="22" name="Oval 21">
-              <a:extLst>
-                <a:ext uri="{FF2B5EF4-FFF2-40B4-BE49-F238E27FC236}">
-                  <a16:creationId xmlns:a16="http://schemas.microsoft.com/office/drawing/2014/main" id="{F467529B-210D-43FA-8EB5-71827E7C635D}"/>
-                </a:ext>
-              </a:extLst>
-            </p:cNvPr>
-            <p:cNvSpPr/>
-            <p:nvPr/>
-          </p:nvSpPr>
-          <p:spPr>
-            <a:xfrm>
-              <a:off x="6682366" y="2486749"/>
-              <a:ext cx="101997" cy="101997"/>
-            </a:xfrm>
-            <a:prstGeom prst="ellipse">
-              <a:avLst/>
-            </a:prstGeom>
-            <a:solidFill>
-              <a:schemeClr val="accent1"/>
-            </a:solidFill>
-            <a:ln>
-              <a:noFill/>
-            </a:ln>
-          </p:spPr>
-          <p:style>
-            <a:lnRef idx="2">
-              <a:schemeClr val="accent1">
-                <a:shade val="50000"/>
-              </a:schemeClr>
-            </a:lnRef>
-            <a:fillRef idx="1">
-              <a:schemeClr val="accent1"/>
-            </a:fillRef>
-            <a:effectRef idx="0">
-              <a:schemeClr val="accent1"/>
-            </a:effectRef>
-            <a:fontRef idx="minor">
-              <a:schemeClr val="lt1"/>
-            </a:fontRef>
-          </p:style>
-          <p:txBody>
-            <a:bodyPr rtlCol="0" anchor="ctr"/>
-            <a:lstStyle/>
-            <a:p>
-              <a:pPr algn="ctr"/>
-              <a:endParaRPr lang="en-US"/>
-            </a:p>
-          </p:txBody>
-        </p:sp>
-        <p:sp>
-          <p:nvSpPr>
-            <p:cNvPr id="23" name="Oval 22">
-              <a:extLst>
-                <a:ext uri="{FF2B5EF4-FFF2-40B4-BE49-F238E27FC236}">
-                  <a16:creationId xmlns:a16="http://schemas.microsoft.com/office/drawing/2014/main" id="{C28D520F-839F-4AE7-8979-EACE872950B8}"/>
-                </a:ext>
-              </a:extLst>
-            </p:cNvPr>
-            <p:cNvSpPr/>
-            <p:nvPr/>
-          </p:nvSpPr>
-          <p:spPr>
-            <a:xfrm>
-              <a:off x="7207764" y="2258305"/>
-              <a:ext cx="101997" cy="101997"/>
-            </a:xfrm>
-            <a:prstGeom prst="ellipse">
-              <a:avLst/>
-            </a:prstGeom>
-            <a:solidFill>
-              <a:schemeClr val="accent1"/>
-            </a:solidFill>
-            <a:ln>
-              <a:noFill/>
-            </a:ln>
-          </p:spPr>
-          <p:style>
-            <a:lnRef idx="2">
-              <a:schemeClr val="accent1">
-                <a:shade val="50000"/>
-              </a:schemeClr>
-            </a:lnRef>
-            <a:fillRef idx="1">
-              <a:schemeClr val="accent1"/>
-            </a:fillRef>
-            <a:effectRef idx="0">
-              <a:schemeClr val="accent1"/>
-            </a:effectRef>
-            <a:fontRef idx="minor">
-              <a:schemeClr val="lt1"/>
-            </a:fontRef>
-          </p:style>
-          <p:txBody>
-            <a:bodyPr rtlCol="0" anchor="ctr"/>
-            <a:lstStyle/>
-            <a:p>
-              <a:pPr algn="ctr"/>
-              <a:endParaRPr lang="en-US"/>
-            </a:p>
-          </p:txBody>
-        </p:sp>
-        <p:sp>
-          <p:nvSpPr>
-            <p:cNvPr id="24" name="Oval 23">
-              <a:extLst>
-                <a:ext uri="{FF2B5EF4-FFF2-40B4-BE49-F238E27FC236}">
-                  <a16:creationId xmlns:a16="http://schemas.microsoft.com/office/drawing/2014/main" id="{7F5B8700-CF12-4E8C-A71B-00C910B7B83C}"/>
-                </a:ext>
-              </a:extLst>
-            </p:cNvPr>
-            <p:cNvSpPr/>
-            <p:nvPr/>
-          </p:nvSpPr>
-          <p:spPr>
-            <a:xfrm>
-              <a:off x="7749632" y="2171197"/>
-              <a:ext cx="101997" cy="101997"/>
-            </a:xfrm>
-            <a:prstGeom prst="ellipse">
-              <a:avLst/>
-            </a:prstGeom>
-            <a:solidFill>
-              <a:schemeClr val="accent1"/>
-            </a:solidFill>
-            <a:ln>
-              <a:noFill/>
-            </a:ln>
-          </p:spPr>
-          <p:style>
-            <a:lnRef idx="2">
-              <a:schemeClr val="accent1">
-                <a:shade val="50000"/>
-              </a:schemeClr>
-            </a:lnRef>
-            <a:fillRef idx="1">
-              <a:schemeClr val="accent1"/>
-            </a:fillRef>
-            <a:effectRef idx="0">
-              <a:schemeClr val="accent1"/>
-            </a:effectRef>
-            <a:fontRef idx="minor">
-              <a:schemeClr val="lt1"/>
-            </a:fontRef>
-          </p:style>
-          <p:txBody>
-            <a:bodyPr rtlCol="0" anchor="ctr"/>
-            <a:lstStyle/>
-            <a:p>
-              <a:pPr algn="ctr"/>
-              <a:endParaRPr lang="en-US"/>
-            </a:p>
-          </p:txBody>
-        </p:sp>
-        <p:sp>
-          <p:nvSpPr>
-            <p:cNvPr id="25" name="Oval 24">
-              <a:extLst>
-                <a:ext uri="{FF2B5EF4-FFF2-40B4-BE49-F238E27FC236}">
-                  <a16:creationId xmlns:a16="http://schemas.microsoft.com/office/drawing/2014/main" id="{A79D1911-0B92-4274-8319-F738D7A505C5}"/>
-                </a:ext>
-              </a:extLst>
-            </p:cNvPr>
-            <p:cNvSpPr/>
-            <p:nvPr/>
-          </p:nvSpPr>
-          <p:spPr>
-            <a:xfrm>
-              <a:off x="8179946" y="2377317"/>
-              <a:ext cx="101997" cy="101997"/>
-            </a:xfrm>
-            <a:prstGeom prst="ellipse">
-              <a:avLst/>
-            </a:prstGeom>
-            <a:solidFill>
-              <a:schemeClr val="accent1"/>
-            </a:solidFill>
-            <a:ln>
-              <a:noFill/>
-            </a:ln>
-          </p:spPr>
-          <p:style>
-            <a:lnRef idx="2">
-              <a:schemeClr val="accent1">
-                <a:shade val="50000"/>
-              </a:schemeClr>
-            </a:lnRef>
-            <a:fillRef idx="1">
-              <a:schemeClr val="accent1"/>
-            </a:fillRef>
-            <a:effectRef idx="0">
-              <a:schemeClr val="accent1"/>
-            </a:effectRef>
-            <a:fontRef idx="minor">
-              <a:schemeClr val="lt1"/>
-            </a:fontRef>
-          </p:style>
-          <p:txBody>
-            <a:bodyPr rtlCol="0" anchor="ctr"/>
-            <a:lstStyle/>
-            <a:p>
-              <a:pPr algn="ctr"/>
-              <a:endParaRPr lang="en-US" dirty="0"/>
-            </a:p>
-          </p:txBody>
-        </p:sp>
-        <p:sp>
-          <p:nvSpPr>
-            <p:cNvPr id="26" name="Oval 25">
-              <a:extLst>
-                <a:ext uri="{FF2B5EF4-FFF2-40B4-BE49-F238E27FC236}">
-                  <a16:creationId xmlns:a16="http://schemas.microsoft.com/office/drawing/2014/main" id="{87828C48-0D23-4705-9A63-34844B055602}"/>
-                </a:ext>
-              </a:extLst>
-            </p:cNvPr>
-            <p:cNvSpPr/>
-            <p:nvPr/>
-          </p:nvSpPr>
-          <p:spPr>
-            <a:xfrm>
-              <a:off x="8895532" y="2454862"/>
-              <a:ext cx="101997" cy="101997"/>
-            </a:xfrm>
-            <a:prstGeom prst="ellipse">
-              <a:avLst/>
-            </a:prstGeom>
-            <a:solidFill>
-              <a:schemeClr val="accent1"/>
-            </a:solidFill>
-            <a:ln>
-              <a:noFill/>
-            </a:ln>
-          </p:spPr>
-          <p:style>
-            <a:lnRef idx="2">
-              <a:schemeClr val="accent1">
-                <a:shade val="50000"/>
-              </a:schemeClr>
-            </a:lnRef>
-            <a:fillRef idx="1">
-              <a:schemeClr val="accent1"/>
-            </a:fillRef>
-            <a:effectRef idx="0">
-              <a:schemeClr val="accent1"/>
-            </a:effectRef>
-            <a:fontRef idx="minor">
-              <a:schemeClr val="lt1"/>
-            </a:fontRef>
-          </p:style>
-          <p:txBody>
-            <a:bodyPr rtlCol="0" anchor="ctr"/>
-            <a:lstStyle/>
-            <a:p>
-              <a:pPr algn="ctr"/>
-              <a:endParaRPr lang="en-US"/>
-            </a:p>
-          </p:txBody>
-        </p:sp>
-        <p:sp>
-          <p:nvSpPr>
-            <p:cNvPr id="27" name="Oval 26">
-              <a:extLst>
-                <a:ext uri="{FF2B5EF4-FFF2-40B4-BE49-F238E27FC236}">
-                  <a16:creationId xmlns:a16="http://schemas.microsoft.com/office/drawing/2014/main" id="{E6125F15-A5F2-46D2-8E4D-D61708510DCB}"/>
-                </a:ext>
-              </a:extLst>
-            </p:cNvPr>
-            <p:cNvSpPr/>
-            <p:nvPr/>
-          </p:nvSpPr>
-          <p:spPr>
-            <a:xfrm>
-              <a:off x="9268990" y="2069201"/>
-              <a:ext cx="101997" cy="101997"/>
-            </a:xfrm>
-            <a:prstGeom prst="ellipse">
-              <a:avLst/>
-            </a:prstGeom>
-            <a:solidFill>
-              <a:schemeClr val="accent1"/>
-            </a:solidFill>
-            <a:ln>
-              <a:noFill/>
-            </a:ln>
-          </p:spPr>
-          <p:style>
-            <a:lnRef idx="2">
-              <a:schemeClr val="accent1">
-                <a:shade val="50000"/>
-              </a:schemeClr>
-            </a:lnRef>
-            <a:fillRef idx="1">
-              <a:schemeClr val="accent1"/>
-            </a:fillRef>
-            <a:effectRef idx="0">
-              <a:schemeClr val="accent1"/>
-            </a:effectRef>
-            <a:fontRef idx="minor">
-              <a:schemeClr val="lt1"/>
-            </a:fontRef>
-          </p:style>
-          <p:txBody>
-            <a:bodyPr rtlCol="0" anchor="ctr"/>
-            <a:lstStyle/>
-            <a:p>
-              <a:pPr algn="ctr"/>
-              <a:endParaRPr lang="en-US"/>
-            </a:p>
-          </p:txBody>
-        </p:sp>
-        <p:sp>
-          <p:nvSpPr>
-            <p:cNvPr id="39" name="Freeform: Shape 38">
-              <a:extLst>
-                <a:ext uri="{FF2B5EF4-FFF2-40B4-BE49-F238E27FC236}">
-                  <a16:creationId xmlns:a16="http://schemas.microsoft.com/office/drawing/2014/main" id="{9A121E77-0159-4891-B8C4-C990FF04E231}"/>
-                </a:ext>
-              </a:extLst>
-            </p:cNvPr>
-            <p:cNvSpPr/>
-            <p:nvPr/>
-          </p:nvSpPr>
-          <p:spPr>
-            <a:xfrm>
-              <a:off x="2665627" y="2273194"/>
-              <a:ext cx="6874294" cy="1746424"/>
-            </a:xfrm>
-            <a:custGeom>
-              <a:avLst/>
-              <a:gdLst>
-                <a:gd name="connsiteX0" fmla="*/ 0 w 3081337"/>
-                <a:gd name="connsiteY0" fmla="*/ 782818 h 782818"/>
-                <a:gd name="connsiteX1" fmla="*/ 923925 w 3081337"/>
-                <a:gd name="connsiteY1" fmla="*/ 106543 h 782818"/>
-                <a:gd name="connsiteX2" fmla="*/ 3081337 w 3081337"/>
-                <a:gd name="connsiteY2" fmla="*/ 11293 h 782818"/>
-              </a:gdLst>
-              <a:ahLst/>
-              <a:cxnLst>
-                <a:cxn ang="0">
-                  <a:pos x="connsiteX0" y="connsiteY0"/>
-                </a:cxn>
-                <a:cxn ang="0">
-                  <a:pos x="connsiteX1" y="connsiteY1"/>
-                </a:cxn>
-                <a:cxn ang="0">
-                  <a:pos x="connsiteX2" y="connsiteY2"/>
-                </a:cxn>
-              </a:cxnLst>
-              <a:rect l="l" t="t" r="r" b="b"/>
-              <a:pathLst>
-                <a:path w="3081337" h="782818">
-                  <a:moveTo>
-                    <a:pt x="0" y="782818"/>
-                  </a:moveTo>
-                  <a:cubicBezTo>
-                    <a:pt x="205184" y="508974"/>
-                    <a:pt x="410369" y="235130"/>
-                    <a:pt x="923925" y="106543"/>
-                  </a:cubicBezTo>
-                  <a:cubicBezTo>
-                    <a:pt x="1437481" y="-22044"/>
-                    <a:pt x="2259409" y="-5376"/>
-                    <a:pt x="3081337" y="11293"/>
-                  </a:cubicBezTo>
-                </a:path>
-              </a:pathLst>
-            </a:custGeom>
-            <a:noFill/>
-            <a:ln w="34925">
-              <a:solidFill>
-                <a:srgbClr val="FF0000"/>
-              </a:solidFill>
-            </a:ln>
-          </p:spPr>
-          <p:style>
-            <a:lnRef idx="2">
-              <a:schemeClr val="accent1">
-                <a:shade val="50000"/>
-              </a:schemeClr>
-            </a:lnRef>
-            <a:fillRef idx="1">
-              <a:schemeClr val="accent1"/>
-            </a:fillRef>
-            <a:effectRef idx="0">
-              <a:schemeClr val="accent1"/>
-            </a:effectRef>
-            <a:fontRef idx="minor">
-              <a:schemeClr val="lt1"/>
-            </a:fontRef>
-          </p:style>
-          <p:txBody>
-            <a:bodyPr rtlCol="0" anchor="ctr"/>
-            <a:lstStyle/>
-            <a:p>
-              <a:pPr algn="ctr"/>
-              <a:endParaRPr lang="en-US"/>
-            </a:p>
-          </p:txBody>
-        </p:sp>
-        <mc:AlternateContent xmlns:mc="http://schemas.openxmlformats.org/markup-compatibility/2006" xmlns:a14="http://schemas.microsoft.com/office/drawing/2010/main">
-          <mc:Choice Requires="a14">
-            <p:sp>
-              <p:nvSpPr>
-                <p:cNvPr id="9" name="TextBox 8">
-                  <a:extLst>
-                    <a:ext uri="{FF2B5EF4-FFF2-40B4-BE49-F238E27FC236}">
-                      <a16:creationId xmlns:a16="http://schemas.microsoft.com/office/drawing/2014/main" id="{1036F6E6-0F7B-46E8-A6D8-27B41A0728E7}"/>
-                    </a:ext>
-                  </a:extLst>
-                </p:cNvPr>
-                <p:cNvSpPr txBox="1"/>
-                <p:nvPr/>
-              </p:nvSpPr>
-              <p:spPr>
-                <a:xfrm>
-                  <a:off x="9651887" y="2441339"/>
-                  <a:ext cx="1003245" cy="400111"/>
-                </a:xfrm>
-                <a:prstGeom prst="rect">
-                  <a:avLst/>
-                </a:prstGeom>
-                <a:noFill/>
-              </p:spPr>
-              <p:txBody>
-                <a:bodyPr wrap="square" rtlCol="0">
-                  <a:spAutoFit/>
-                </a:bodyPr>
-                <a:lstStyle/>
-                <a:p>
-                  <a:r>
-                    <a:rPr lang="en-US" sz="2000" dirty="0">
-                      <a:solidFill>
-                        <a:schemeClr val="accent5">
-                          <a:lumMod val="50000"/>
-                        </a:schemeClr>
-                      </a:solidFill>
-                      <a:latin typeface="Ebrima" panose="02000000000000000000" pitchFamily="2" charset="0"/>
-                      <a:ea typeface="Ebrima" panose="02000000000000000000" pitchFamily="2" charset="0"/>
-                      <a:cs typeface="Ebrima" panose="02000000000000000000" pitchFamily="2" charset="0"/>
-                    </a:rPr>
-                    <a:t>sill (</a:t>
-                  </a:r>
-                  <a14:m>
-                    <m:oMath xmlns:m="http://schemas.openxmlformats.org/officeDocument/2006/math">
-                      <m:sSup>
-                        <m:sSupPr>
-                          <m:ctrlPr>
-                            <a:rPr lang="el-GR" sz="2000" i="1" smtClean="0">
-                              <a:solidFill>
-                                <a:schemeClr val="accent5">
-                                  <a:lumMod val="50000"/>
-                                </a:schemeClr>
-                              </a:solidFill>
-                              <a:latin typeface="Cambria Math" panose="02040503050406030204" pitchFamily="18" charset="0"/>
-                            </a:rPr>
-                          </m:ctrlPr>
-                        </m:sSupPr>
-                        <m:e>
-                          <m:r>
-                            <a:rPr lang="el-GR" sz="2000" i="1" smtClean="0">
-                              <a:solidFill>
-                                <a:schemeClr val="accent5">
-                                  <a:lumMod val="50000"/>
-                                </a:schemeClr>
-                              </a:solidFill>
-                              <a:latin typeface="Cambria Math" panose="02040503050406030204" pitchFamily="18" charset="0"/>
-                              <a:ea typeface="Cambria Math" panose="02040503050406030204" pitchFamily="18" charset="0"/>
-                            </a:rPr>
-                            <m:t>𝜎</m:t>
-                          </m:r>
-                        </m:e>
-                        <m:sup>
-                          <m:r>
-                            <a:rPr lang="en-US" sz="2000" b="0" i="1" smtClean="0">
-                              <a:solidFill>
-                                <a:schemeClr val="accent5">
-                                  <a:lumMod val="50000"/>
-                                </a:schemeClr>
-                              </a:solidFill>
-                              <a:latin typeface="Cambria Math" panose="02040503050406030204" pitchFamily="18" charset="0"/>
-                            </a:rPr>
-                            <m:t>2</m:t>
-                          </m:r>
-                        </m:sup>
-                      </m:sSup>
-                    </m:oMath>
-                  </a14:m>
-                  <a:r>
-                    <a:rPr lang="en-US" sz="2000" dirty="0">
-                      <a:solidFill>
-                        <a:schemeClr val="accent5">
-                          <a:lumMod val="50000"/>
-                        </a:schemeClr>
-                      </a:solidFill>
-                      <a:latin typeface="Ebrima" panose="02000000000000000000" pitchFamily="2" charset="0"/>
-                      <a:ea typeface="Ebrima" panose="02000000000000000000" pitchFamily="2" charset="0"/>
-                      <a:cs typeface="Ebrima" panose="02000000000000000000" pitchFamily="2" charset="0"/>
-                    </a:rPr>
-                    <a:t>)</a:t>
-                  </a:r>
-                </a:p>
-              </p:txBody>
-            </p:sp>
-          </mc:Choice>
-          <mc:Fallback xmlns="">
-            <p:sp>
-              <p:nvSpPr>
-                <p:cNvPr id="9" name="TextBox 8">
-                  <a:extLst>
-                    <a:ext uri="{FF2B5EF4-FFF2-40B4-BE49-F238E27FC236}">
-                      <a16:creationId xmlns:a16="http://schemas.microsoft.com/office/drawing/2014/main" id="{1036F6E6-0F7B-46E8-A6D8-27B41A0728E7}"/>
-                    </a:ext>
-                  </a:extLst>
-                </p:cNvPr>
-                <p:cNvSpPr txBox="1">
-                  <a:spLocks noRot="1" noChangeAspect="1" noMove="1" noResize="1" noEditPoints="1" noAdjustHandles="1" noChangeArrowheads="1" noChangeShapeType="1" noTextEdit="1"/>
-                </p:cNvSpPr>
-                <p:nvPr/>
-              </p:nvSpPr>
-              <p:spPr>
-                <a:xfrm>
-                  <a:off x="9651887" y="2441339"/>
-                  <a:ext cx="1003245" cy="400111"/>
-                </a:xfrm>
-                <a:prstGeom prst="rect">
-                  <a:avLst/>
-                </a:prstGeom>
-                <a:blipFill>
-                  <a:blip r:embed="rId2"/>
-                  <a:stretch>
-                    <a:fillRect l="-6061" t="-6061" r="-4848" b="-27273"/>
-                  </a:stretch>
-                </a:blipFill>
-              </p:spPr>
-              <p:txBody>
-                <a:bodyPr/>
-                <a:lstStyle/>
-                <a:p>
-                  <a:r>
-                    <a:rPr lang="en-US">
-                      <a:noFill/>
-                    </a:rPr>
-                    <a:t> </a:t>
-                  </a:r>
-                </a:p>
-              </p:txBody>
-            </p:sp>
-          </mc:Fallback>
-        </mc:AlternateContent>
-        <p:sp>
-          <p:nvSpPr>
-            <p:cNvPr id="32" name="TextBox 31">
-              <a:extLst>
-                <a:ext uri="{FF2B5EF4-FFF2-40B4-BE49-F238E27FC236}">
-                  <a16:creationId xmlns:a16="http://schemas.microsoft.com/office/drawing/2014/main" id="{54008610-23E9-4FB7-8E6A-DCEA44C2B70C}"/>
-                </a:ext>
-              </a:extLst>
-            </p:cNvPr>
-            <p:cNvSpPr txBox="1"/>
-            <p:nvPr/>
-          </p:nvSpPr>
-          <p:spPr>
-            <a:xfrm>
-              <a:off x="5235783" y="5688006"/>
-              <a:ext cx="3412967" cy="477054"/>
-            </a:xfrm>
-            <a:prstGeom prst="rect">
-              <a:avLst/>
-            </a:prstGeom>
-            <a:noFill/>
-          </p:spPr>
-          <p:txBody>
-            <a:bodyPr wrap="square" rtlCol="0">
-              <a:spAutoFit/>
-            </a:bodyPr>
-            <a:lstStyle/>
-            <a:p>
-              <a:r>
-                <a:rPr lang="en-US" sz="2500" dirty="0">
-                  <a:solidFill>
-                    <a:schemeClr val="accent5">
-                      <a:lumMod val="50000"/>
-                    </a:schemeClr>
-                  </a:solidFill>
-                  <a:latin typeface="Ebrima" panose="02000000000000000000" pitchFamily="2" charset="0"/>
-                  <a:ea typeface="Ebrima" panose="02000000000000000000" pitchFamily="2" charset="0"/>
-                  <a:cs typeface="Ebrima" panose="02000000000000000000" pitchFamily="2" charset="0"/>
-                </a:rPr>
-                <a:t>lag distance (h)</a:t>
-              </a:r>
-            </a:p>
-          </p:txBody>
-        </p:sp>
-        <mc:AlternateContent xmlns:mc="http://schemas.openxmlformats.org/markup-compatibility/2006" xmlns:a14="http://schemas.microsoft.com/office/drawing/2010/main">
-          <mc:Choice Requires="a14">
-            <p:sp>
-              <p:nvSpPr>
-                <p:cNvPr id="33" name="TextBox 32">
-                  <a:extLst>
-                    <a:ext uri="{FF2B5EF4-FFF2-40B4-BE49-F238E27FC236}">
-                      <a16:creationId xmlns:a16="http://schemas.microsoft.com/office/drawing/2014/main" id="{7B00410E-95DF-4F0A-A8AB-9839BC82BE97}"/>
-                    </a:ext>
-                  </a:extLst>
-                </p:cNvPr>
-                <p:cNvSpPr txBox="1"/>
-                <p:nvPr/>
-              </p:nvSpPr>
-              <p:spPr>
-                <a:xfrm rot="16200000">
-                  <a:off x="435804" y="2216334"/>
-                  <a:ext cx="3412967" cy="477054"/>
-                </a:xfrm>
-                <a:prstGeom prst="rect">
-                  <a:avLst/>
-                </a:prstGeom>
-                <a:noFill/>
-              </p:spPr>
-              <p:txBody>
-                <a:bodyPr wrap="square" rtlCol="0">
-                  <a:spAutoFit/>
-                </a:bodyPr>
-                <a:lstStyle/>
-                <a:p>
-                  <a:r>
-                    <a:rPr lang="en-US" sz="2500" dirty="0">
-                      <a:solidFill>
-                        <a:schemeClr val="accent5">
-                          <a:lumMod val="50000"/>
-                        </a:schemeClr>
-                      </a:solidFill>
-                      <a:latin typeface="Ebrima" panose="02000000000000000000" pitchFamily="2" charset="0"/>
-                      <a:ea typeface="Ebrima" panose="02000000000000000000" pitchFamily="2" charset="0"/>
-                      <a:cs typeface="Ebrima" panose="02000000000000000000" pitchFamily="2" charset="0"/>
-                    </a:rPr>
-                    <a:t>variance (</a:t>
-                  </a:r>
-                  <a14:m>
-                    <m:oMath xmlns:m="http://schemas.openxmlformats.org/officeDocument/2006/math">
-                      <m:r>
-                        <a:rPr lang="en-US" sz="2500" i="1" smtClean="0">
-                          <a:solidFill>
-                            <a:schemeClr val="accent5">
-                              <a:lumMod val="50000"/>
-                            </a:schemeClr>
-                          </a:solidFill>
-                          <a:latin typeface="Cambria Math" panose="02040503050406030204" pitchFamily="18" charset="0"/>
-                          <a:ea typeface="Cambria Math" panose="02040503050406030204" pitchFamily="18" charset="0"/>
-                          <a:cs typeface="Ebrima" panose="02000000000000000000" pitchFamily="2" charset="0"/>
-                        </a:rPr>
-                        <m:t>𝛾</m:t>
-                      </m:r>
-                    </m:oMath>
-                  </a14:m>
-                  <a:r>
-                    <a:rPr lang="en-US" sz="2500" dirty="0">
-                      <a:solidFill>
-                        <a:schemeClr val="accent5">
-                          <a:lumMod val="50000"/>
-                        </a:schemeClr>
-                      </a:solidFill>
-                      <a:latin typeface="Ebrima" panose="02000000000000000000" pitchFamily="2" charset="0"/>
-                      <a:ea typeface="Ebrima" panose="02000000000000000000" pitchFamily="2" charset="0"/>
-                      <a:cs typeface="Ebrima" panose="02000000000000000000" pitchFamily="2" charset="0"/>
-                    </a:rPr>
-                    <a:t>)</a:t>
-                  </a:r>
-                </a:p>
-              </p:txBody>
-            </p:sp>
-          </mc:Choice>
-          <mc:Fallback xmlns="">
-            <p:sp>
-              <p:nvSpPr>
-                <p:cNvPr id="33" name="TextBox 32">
-                  <a:extLst>
-                    <a:ext uri="{FF2B5EF4-FFF2-40B4-BE49-F238E27FC236}">
-                      <a16:creationId xmlns:a16="http://schemas.microsoft.com/office/drawing/2014/main" id="{7B00410E-95DF-4F0A-A8AB-9839BC82BE97}"/>
-                    </a:ext>
-                  </a:extLst>
-                </p:cNvPr>
-                <p:cNvSpPr txBox="1">
-                  <a:spLocks noRot="1" noChangeAspect="1" noMove="1" noResize="1" noEditPoints="1" noAdjustHandles="1" noChangeArrowheads="1" noChangeShapeType="1" noTextEdit="1"/>
-                </p:cNvSpPr>
-                <p:nvPr/>
-              </p:nvSpPr>
-              <p:spPr>
-                <a:xfrm rot="16200000">
-                  <a:off x="435804" y="2216334"/>
-                  <a:ext cx="3412967" cy="477054"/>
-                </a:xfrm>
-                <a:prstGeom prst="rect">
-                  <a:avLst/>
-                </a:prstGeom>
-                <a:blipFill>
-                  <a:blip r:embed="rId3"/>
-                  <a:stretch>
-                    <a:fillRect l="-8861" r="-29114" b="-2857"/>
-                  </a:stretch>
-                </a:blipFill>
-              </p:spPr>
-              <p:txBody>
-                <a:bodyPr/>
-                <a:lstStyle/>
-                <a:p>
-                  <a:r>
-                    <a:rPr lang="en-US">
-                      <a:noFill/>
-                    </a:rPr>
-                    <a:t> </a:t>
-                  </a:r>
-                </a:p>
-              </p:txBody>
-            </p:sp>
-          </mc:Fallback>
-        </mc:AlternateContent>
-      </p:grpSp>
-      <p:cxnSp>
-        <p:nvCxnSpPr>
-          <p:cNvPr id="45" name="Straight Arrow Connector 44">
-            <a:extLst>
-              <a:ext uri="{FF2B5EF4-FFF2-40B4-BE49-F238E27FC236}">
-                <a16:creationId xmlns:a16="http://schemas.microsoft.com/office/drawing/2014/main" id="{57E57FD7-BA75-4DF6-983F-094664DBAA3F}"/>
-              </a:ext>
-            </a:extLst>
-          </p:cNvPr>
-          <p:cNvCxnSpPr>
-            <a:cxnSpLocks/>
-          </p:cNvCxnSpPr>
-          <p:nvPr/>
-        </p:nvCxnSpPr>
-        <p:spPr>
-          <a:xfrm>
-            <a:off x="2719388" y="5162551"/>
-            <a:ext cx="3724275" cy="0"/>
-          </a:xfrm>
-          <a:prstGeom prst="straightConnector1">
-            <a:avLst/>
-          </a:prstGeom>
-          <a:ln w="38100">
-            <a:headEnd type="triangle"/>
-            <a:tailEnd type="triangle"/>
-          </a:ln>
-        </p:spPr>
-        <p:style>
-          <a:lnRef idx="1">
-            <a:schemeClr val="accent1"/>
-          </a:lnRef>
-          <a:fillRef idx="0">
-            <a:schemeClr val="accent1"/>
-          </a:fillRef>
-          <a:effectRef idx="0">
-            <a:schemeClr val="accent1"/>
-          </a:effectRef>
-          <a:fontRef idx="minor">
-            <a:schemeClr val="tx1"/>
-          </a:fontRef>
-        </p:style>
-      </p:cxnSp>
-      <mc:AlternateContent xmlns:mc="http://schemas.openxmlformats.org/markup-compatibility/2006" xmlns:a14="http://schemas.microsoft.com/office/drawing/2010/main">
-        <mc:Choice Requires="a14">
-          <p:sp>
-            <p:nvSpPr>
-              <p:cNvPr id="46" name="TextBox 45">
-                <a:extLst>
-                  <a:ext uri="{FF2B5EF4-FFF2-40B4-BE49-F238E27FC236}">
-                    <a16:creationId xmlns:a16="http://schemas.microsoft.com/office/drawing/2014/main" id="{BF2B8C43-DD73-401B-A7F4-21FAA2FDA34D}"/>
-                  </a:ext>
-                </a:extLst>
-              </p:cNvPr>
-              <p:cNvSpPr txBox="1"/>
-              <p:nvPr/>
-            </p:nvSpPr>
-            <p:spPr>
-              <a:xfrm>
-                <a:off x="4033608" y="4627507"/>
-                <a:ext cx="2597286" cy="400110"/>
-              </a:xfrm>
-              <a:prstGeom prst="rect">
-                <a:avLst/>
-              </a:prstGeom>
-              <a:noFill/>
-            </p:spPr>
-            <p:txBody>
-              <a:bodyPr wrap="square" rtlCol="0">
-                <a:spAutoFit/>
-              </a:bodyPr>
-              <a:lstStyle/>
-              <a:p>
-                <a:r>
-                  <a:rPr lang="en-US" sz="2000" dirty="0">
-                    <a:solidFill>
-                      <a:schemeClr val="accent5">
-                        <a:lumMod val="50000"/>
-                      </a:schemeClr>
-                    </a:solidFill>
-                    <a:latin typeface="Ebrima" panose="02000000000000000000" pitchFamily="2" charset="0"/>
-                    <a:ea typeface="Ebrima" panose="02000000000000000000" pitchFamily="2" charset="0"/>
-                    <a:cs typeface="Ebrima" panose="02000000000000000000" pitchFamily="2" charset="0"/>
-                  </a:rPr>
-                  <a:t>range (</a:t>
-                </a:r>
-                <a14:m>
-                  <m:oMath xmlns:m="http://schemas.openxmlformats.org/officeDocument/2006/math">
-                    <m:r>
-                      <a:rPr lang="en-US" sz="2000" b="0" i="1" smtClean="0">
-                        <a:solidFill>
-                          <a:schemeClr val="accent5">
-                            <a:lumMod val="50000"/>
-                          </a:schemeClr>
-                        </a:solidFill>
-                        <a:latin typeface="Cambria Math" panose="02040503050406030204" pitchFamily="18" charset="0"/>
-                        <a:ea typeface="Ebrima" panose="02000000000000000000" pitchFamily="2" charset="0"/>
-                        <a:cs typeface="Ebrima" panose="02000000000000000000" pitchFamily="2" charset="0"/>
-                      </a:rPr>
-                      <m:t>𝑎</m:t>
-                    </m:r>
-                  </m:oMath>
-                </a14:m>
-                <a:r>
-                  <a:rPr lang="en-US" sz="2000" dirty="0">
-                    <a:solidFill>
-                      <a:schemeClr val="accent5">
-                        <a:lumMod val="50000"/>
-                      </a:schemeClr>
-                    </a:solidFill>
-                    <a:latin typeface="Ebrima" panose="02000000000000000000" pitchFamily="2" charset="0"/>
-                    <a:ea typeface="Ebrima" panose="02000000000000000000" pitchFamily="2" charset="0"/>
-                    <a:cs typeface="Ebrima" panose="02000000000000000000" pitchFamily="2" charset="0"/>
-                  </a:rPr>
-                  <a:t>)</a:t>
-                </a:r>
-              </a:p>
-            </p:txBody>
-          </p:sp>
-        </mc:Choice>
-        <mc:Fallback xmlns="">
-          <p:sp>
-            <p:nvSpPr>
-              <p:cNvPr id="46" name="TextBox 45">
-                <a:extLst>
-                  <a:ext uri="{FF2B5EF4-FFF2-40B4-BE49-F238E27FC236}">
-                    <a16:creationId xmlns:a16="http://schemas.microsoft.com/office/drawing/2014/main" id="{BF2B8C43-DD73-401B-A7F4-21FAA2FDA34D}"/>
-                  </a:ext>
-                </a:extLst>
-              </p:cNvPr>
-              <p:cNvSpPr txBox="1">
-                <a:spLocks noRot="1" noChangeAspect="1" noMove="1" noResize="1" noEditPoints="1" noAdjustHandles="1" noChangeArrowheads="1" noChangeShapeType="1" noTextEdit="1"/>
-              </p:cNvSpPr>
-              <p:nvPr/>
-            </p:nvSpPr>
-            <p:spPr>
-              <a:xfrm>
-                <a:off x="4033608" y="4627507"/>
-                <a:ext cx="2597286" cy="400110"/>
-              </a:xfrm>
-              <a:prstGeom prst="rect">
-                <a:avLst/>
-              </a:prstGeom>
-              <a:blipFill>
-                <a:blip r:embed="rId4"/>
-                <a:stretch>
-                  <a:fillRect l="-2582" t="-6061" b="-27273"/>
-                </a:stretch>
-              </a:blipFill>
-            </p:spPr>
-            <p:txBody>
-              <a:bodyPr/>
-              <a:lstStyle/>
-              <a:p>
-                <a:r>
-                  <a:rPr lang="en-US">
-                    <a:noFill/>
-                  </a:rPr>
-                  <a:t> </a:t>
-                </a:r>
-              </a:p>
-            </p:txBody>
-          </p:sp>
-        </mc:Fallback>
-      </mc:AlternateContent>
-      <mc:AlternateContent xmlns:mc="http://schemas.openxmlformats.org/markup-compatibility/2006" xmlns:a14="http://schemas.microsoft.com/office/drawing/2010/main">
-        <mc:Choice Requires="a14">
-          <p:sp>
-            <p:nvSpPr>
-              <p:cNvPr id="30" name="TextBox 29">
-                <a:extLst>
-                  <a:ext uri="{FF2B5EF4-FFF2-40B4-BE49-F238E27FC236}">
-                    <a16:creationId xmlns:a16="http://schemas.microsoft.com/office/drawing/2014/main" id="{D2CF6252-60D1-4DD7-A33E-E5D3D2D2A78B}"/>
-                  </a:ext>
-                </a:extLst>
-              </p:cNvPr>
-              <p:cNvSpPr txBox="1"/>
-              <p:nvPr/>
-            </p:nvSpPr>
-            <p:spPr>
-              <a:xfrm>
-                <a:off x="2719388" y="3995714"/>
-                <a:ext cx="2597286" cy="400110"/>
-              </a:xfrm>
-              <a:prstGeom prst="rect">
-                <a:avLst/>
-              </a:prstGeom>
-              <a:noFill/>
-            </p:spPr>
-            <p:txBody>
-              <a:bodyPr wrap="square" rtlCol="0">
-                <a:spAutoFit/>
-              </a:bodyPr>
-              <a:lstStyle/>
-              <a:p>
-                <a:r>
-                  <a:rPr lang="en-US" sz="2000" dirty="0">
-                    <a:solidFill>
-                      <a:schemeClr val="accent5">
-                        <a:lumMod val="50000"/>
-                      </a:schemeClr>
-                    </a:solidFill>
-                    <a:latin typeface="Ebrima" panose="02000000000000000000" pitchFamily="2" charset="0"/>
-                    <a:ea typeface="Ebrima" panose="02000000000000000000" pitchFamily="2" charset="0"/>
-                    <a:cs typeface="Ebrima" panose="02000000000000000000" pitchFamily="2" charset="0"/>
-                  </a:rPr>
-                  <a:t>nugget (</a:t>
-                </a:r>
-                <a14:m>
-                  <m:oMath xmlns:m="http://schemas.openxmlformats.org/officeDocument/2006/math">
-                    <m:sSub>
-                      <m:sSubPr>
-                        <m:ctrlPr>
-                          <a:rPr lang="en-US" sz="2000" i="1" smtClean="0">
-                            <a:solidFill>
-                              <a:schemeClr val="accent5">
-                                <a:lumMod val="50000"/>
-                              </a:schemeClr>
-                            </a:solidFill>
-                            <a:latin typeface="Cambria Math" panose="02040503050406030204" pitchFamily="18" charset="0"/>
-                            <a:ea typeface="Ebrima" panose="02000000000000000000" pitchFamily="2" charset="0"/>
-                            <a:cs typeface="Ebrima" panose="02000000000000000000" pitchFamily="2" charset="0"/>
-                          </a:rPr>
-                        </m:ctrlPr>
-                      </m:sSubPr>
-                      <m:e>
-                        <m:r>
-                          <a:rPr lang="en-US" sz="2000" b="0" i="1" smtClean="0">
-                            <a:solidFill>
-                              <a:schemeClr val="accent5">
-                                <a:lumMod val="50000"/>
-                              </a:schemeClr>
-                            </a:solidFill>
-                            <a:latin typeface="Cambria Math" panose="02040503050406030204" pitchFamily="18" charset="0"/>
-                            <a:ea typeface="Ebrima" panose="02000000000000000000" pitchFamily="2" charset="0"/>
-                            <a:cs typeface="Ebrima" panose="02000000000000000000" pitchFamily="2" charset="0"/>
-                          </a:rPr>
-                          <m:t>𝑐</m:t>
-                        </m:r>
-                      </m:e>
-                      <m:sub>
-                        <m:r>
-                          <a:rPr lang="en-US" sz="2000" b="0" i="1" smtClean="0">
-                            <a:solidFill>
-                              <a:schemeClr val="accent5">
-                                <a:lumMod val="50000"/>
-                              </a:schemeClr>
-                            </a:solidFill>
-                            <a:latin typeface="Cambria Math" panose="02040503050406030204" pitchFamily="18" charset="0"/>
-                            <a:ea typeface="Ebrima" panose="02000000000000000000" pitchFamily="2" charset="0"/>
-                            <a:cs typeface="Ebrima" panose="02000000000000000000" pitchFamily="2" charset="0"/>
-                          </a:rPr>
-                          <m:t>0</m:t>
-                        </m:r>
-                      </m:sub>
-                    </m:sSub>
-                  </m:oMath>
-                </a14:m>
-                <a:r>
-                  <a:rPr lang="en-US" sz="2000" dirty="0">
-                    <a:solidFill>
-                      <a:schemeClr val="accent5">
-                        <a:lumMod val="50000"/>
-                      </a:schemeClr>
-                    </a:solidFill>
-                    <a:latin typeface="Ebrima" panose="02000000000000000000" pitchFamily="2" charset="0"/>
-                    <a:ea typeface="Ebrima" panose="02000000000000000000" pitchFamily="2" charset="0"/>
-                    <a:cs typeface="Ebrima" panose="02000000000000000000" pitchFamily="2" charset="0"/>
-                  </a:rPr>
-                  <a:t>)</a:t>
-                </a:r>
-              </a:p>
-            </p:txBody>
-          </p:sp>
-        </mc:Choice>
-        <mc:Fallback xmlns="">
-          <p:sp>
-            <p:nvSpPr>
-              <p:cNvPr id="30" name="TextBox 29">
-                <a:extLst>
-                  <a:ext uri="{FF2B5EF4-FFF2-40B4-BE49-F238E27FC236}">
-                    <a16:creationId xmlns:a16="http://schemas.microsoft.com/office/drawing/2014/main" id="{D2CF6252-60D1-4DD7-A33E-E5D3D2D2A78B}"/>
-                  </a:ext>
-                </a:extLst>
-              </p:cNvPr>
-              <p:cNvSpPr txBox="1">
-                <a:spLocks noRot="1" noChangeAspect="1" noMove="1" noResize="1" noEditPoints="1" noAdjustHandles="1" noChangeArrowheads="1" noChangeShapeType="1" noTextEdit="1"/>
-              </p:cNvSpPr>
-              <p:nvPr/>
-            </p:nvSpPr>
-            <p:spPr>
-              <a:xfrm>
-                <a:off x="2719388" y="3995714"/>
-                <a:ext cx="2597286" cy="400110"/>
-              </a:xfrm>
-              <a:prstGeom prst="rect">
-                <a:avLst/>
-              </a:prstGeom>
-              <a:blipFill>
-                <a:blip r:embed="rId5"/>
-                <a:stretch>
-                  <a:fillRect l="-2347" t="-6061" b="-27273"/>
-                </a:stretch>
-              </a:blipFill>
-            </p:spPr>
-            <p:txBody>
-              <a:bodyPr/>
-              <a:lstStyle/>
-              <a:p>
-                <a:r>
-                  <a:rPr lang="en-US">
-                    <a:noFill/>
-                  </a:rPr>
-                  <a:t> </a:t>
-                </a:r>
-              </a:p>
-            </p:txBody>
-          </p:sp>
-        </mc:Fallback>
-      </mc:AlternateContent>
-      <p:cxnSp>
-        <p:nvCxnSpPr>
-          <p:cNvPr id="31" name="Straight Arrow Connector 30">
-            <a:extLst>
-              <a:ext uri="{FF2B5EF4-FFF2-40B4-BE49-F238E27FC236}">
-                <a16:creationId xmlns:a16="http://schemas.microsoft.com/office/drawing/2014/main" id="{F88C824E-3257-4B50-97E4-A95383D52CC6}"/>
-              </a:ext>
-            </a:extLst>
-          </p:cNvPr>
-          <p:cNvCxnSpPr>
-            <a:cxnSpLocks/>
-          </p:cNvCxnSpPr>
-          <p:nvPr/>
-        </p:nvCxnSpPr>
-        <p:spPr>
-          <a:xfrm>
-            <a:off x="2481263" y="4054991"/>
-            <a:ext cx="0" cy="1498081"/>
-          </a:xfrm>
-          <a:prstGeom prst="straightConnector1">
-            <a:avLst/>
-          </a:prstGeom>
-          <a:ln w="38100">
-            <a:headEnd type="triangle"/>
-            <a:tailEnd type="triangle"/>
-          </a:ln>
-        </p:spPr>
-        <p:style>
-          <a:lnRef idx="1">
-            <a:schemeClr val="accent1"/>
-          </a:lnRef>
-          <a:fillRef idx="0">
-            <a:schemeClr val="accent1"/>
-          </a:fillRef>
-          <a:effectRef idx="0">
-            <a:schemeClr val="accent1"/>
-          </a:effectRef>
-          <a:fontRef idx="minor">
-            <a:schemeClr val="tx1"/>
-          </a:fontRef>
-        </p:style>
-      </p:cxnSp>
-    </p:spTree>
-    <p:extLst>
-      <p:ext uri="{BB962C8B-B14F-4D97-AF65-F5344CB8AC3E}">
-        <p14:creationId xmlns:p14="http://schemas.microsoft.com/office/powerpoint/2010/main" val="1916647617"/>
-      </p:ext>
-    </p:extLst>
-  </p:cSld>
-  <p:clrMapOvr>
-    <a:masterClrMapping/>
-  </p:clrMapOvr>
-</p:sld>
-</file>
-
 <file path=ppt/theme/theme1.xml><?xml version="1.0" encoding="utf-8"?>
 <a:theme xmlns:a="http://schemas.openxmlformats.org/drawingml/2006/main" name="Office Theme">
   <a:themeElements>

--- a/content/downloads/notebooks/spatial.pptx
+++ b/content/downloads/notebooks/spatial.pptx
@@ -34733,7 +34733,55 @@
         </p:nvSpPr>
         <p:spPr>
           <a:xfrm>
-            <a:off x="6008119" y="4798007"/>
+            <a:off x="5029252" y="4403725"/>
+            <a:ext cx="2029121" cy="369332"/>
+          </a:xfrm>
+          <a:prstGeom prst="rect">
+            <a:avLst/>
+          </a:prstGeom>
+          <a:noFill/>
+        </p:spPr>
+        <p:txBody>
+          <a:bodyPr wrap="square" rtlCol="0">
+            <a:spAutoFit/>
+          </a:bodyPr>
+          <a:lstStyle/>
+          <a:p>
+            <a:r>
+              <a:rPr lang="en-US" dirty="0">
+                <a:solidFill>
+                  <a:schemeClr val="tx1">
+                    <a:alpha val="20000"/>
+                  </a:schemeClr>
+                </a:solidFill>
+                <a:effectLst>
+                  <a:outerShdw blurRad="50800" dist="50800" dir="5400000" algn="ctr" rotWithShape="0">
+                    <a:srgbClr val="000000">
+                      <a:alpha val="0"/>
+                    </a:srgbClr>
+                  </a:outerShdw>
+                </a:effectLst>
+              </a:rPr>
+              <a:t>aegis4048.github.io</a:t>
+            </a:r>
+          </a:p>
+        </p:txBody>
+      </p:sp>
+      <p:sp>
+        <p:nvSpPr>
+          <p:cNvPr id="171" name="TextBox 170">
+            <a:extLst>
+              <a:ext uri="{FF2B5EF4-FFF2-40B4-BE49-F238E27FC236}">
+                <a16:creationId xmlns:a16="http://schemas.microsoft.com/office/drawing/2014/main" id="{1CE8B686-8A53-462A-AFDE-77E2C24C13E6}"/>
+              </a:ext>
+            </a:extLst>
+          </p:cNvPr>
+          <p:cNvSpPr txBox="1"/>
+          <p:nvPr/>
+        </p:nvSpPr>
+        <p:spPr>
+          <a:xfrm>
+            <a:off x="9027713" y="4636443"/>
             <a:ext cx="2029121" cy="369332"/>
           </a:xfrm>
           <a:prstGeom prst="rect">
@@ -36223,7 +36271,7 @@
                   <a:schemeClr val="accent6"/>
                 </a:solidFill>
               </a:rPr>
-              <a:t>Normalize to range [0, 1]</a:t>
+              <a:t>Normalizes to range [0, 1]</a:t>
             </a:r>
           </a:p>
         </p:txBody>
@@ -36458,6 +36506,54 @@
           </a:fontRef>
         </p:style>
       </p:cxnSp>
+      <p:sp>
+        <p:nvSpPr>
+          <p:cNvPr id="57" name="TextBox 56">
+            <a:extLst>
+              <a:ext uri="{FF2B5EF4-FFF2-40B4-BE49-F238E27FC236}">
+                <a16:creationId xmlns:a16="http://schemas.microsoft.com/office/drawing/2014/main" id="{8374C9DC-AA1B-454E-AB8C-9147FA2BCAA1}"/>
+              </a:ext>
+            </a:extLst>
+          </p:cNvPr>
+          <p:cNvSpPr txBox="1"/>
+          <p:nvPr/>
+        </p:nvSpPr>
+        <p:spPr>
+          <a:xfrm>
+            <a:off x="4849904" y="4648215"/>
+            <a:ext cx="2029121" cy="369332"/>
+          </a:xfrm>
+          <a:prstGeom prst="rect">
+            <a:avLst/>
+          </a:prstGeom>
+          <a:noFill/>
+        </p:spPr>
+        <p:txBody>
+          <a:bodyPr wrap="square" rtlCol="0">
+            <a:spAutoFit/>
+          </a:bodyPr>
+          <a:lstStyle/>
+          <a:p>
+            <a:r>
+              <a:rPr lang="en-US" dirty="0">
+                <a:solidFill>
+                  <a:schemeClr val="tx1">
+                    <a:alpha val="20000"/>
+                  </a:schemeClr>
+                </a:solidFill>
+                <a:effectLst>
+                  <a:outerShdw blurRad="50800" dist="50800" dir="5400000" algn="ctr" rotWithShape="0">
+                    <a:srgbClr val="000000">
+                      <a:alpha val="0"/>
+                    </a:srgbClr>
+                  </a:outerShdw>
+                </a:effectLst>
+              </a:rPr>
+              <a:t>aegis4048.github.io</a:t>
+            </a:r>
+          </a:p>
+        </p:txBody>
+      </p:sp>
     </p:spTree>
     <p:extLst>
       <p:ext uri="{BB962C8B-B14F-4D97-AF65-F5344CB8AC3E}">

--- a/content/downloads/notebooks/spatial.pptx
+++ b/content/downloads/notebooks/spatial.pptx
@@ -5,45 +5,46 @@
     <p:sldMasterId id="2147483648" r:id="rId1"/>
   </p:sldMasterIdLst>
   <p:notesMasterIdLst>
-    <p:notesMasterId r:id="rId38"/>
+    <p:notesMasterId r:id="rId39"/>
   </p:notesMasterIdLst>
   <p:sldIdLst>
     <p:sldId id="259" r:id="rId2"/>
-    <p:sldId id="276" r:id="rId3"/>
-    <p:sldId id="286" r:id="rId4"/>
-    <p:sldId id="285" r:id="rId5"/>
-    <p:sldId id="284" r:id="rId6"/>
-    <p:sldId id="288" r:id="rId7"/>
-    <p:sldId id="290" r:id="rId8"/>
-    <p:sldId id="291" r:id="rId9"/>
-    <p:sldId id="289" r:id="rId10"/>
-    <p:sldId id="287" r:id="rId11"/>
-    <p:sldId id="283" r:id="rId12"/>
-    <p:sldId id="282" r:id="rId13"/>
-    <p:sldId id="281" r:id="rId14"/>
-    <p:sldId id="273" r:id="rId15"/>
-    <p:sldId id="274" r:id="rId16"/>
-    <p:sldId id="280" r:id="rId17"/>
-    <p:sldId id="278" r:id="rId18"/>
-    <p:sldId id="275" r:id="rId19"/>
-    <p:sldId id="279" r:id="rId20"/>
-    <p:sldId id="277" r:id="rId21"/>
-    <p:sldId id="272" r:id="rId22"/>
-    <p:sldId id="269" r:id="rId23"/>
-    <p:sldId id="270" r:id="rId24"/>
-    <p:sldId id="271" r:id="rId25"/>
-    <p:sldId id="267" r:id="rId26"/>
-    <p:sldId id="268" r:id="rId27"/>
-    <p:sldId id="260" r:id="rId28"/>
-    <p:sldId id="261" r:id="rId29"/>
-    <p:sldId id="256" r:id="rId30"/>
-    <p:sldId id="257" r:id="rId31"/>
-    <p:sldId id="258" r:id="rId32"/>
-    <p:sldId id="262" r:id="rId33"/>
-    <p:sldId id="263" r:id="rId34"/>
-    <p:sldId id="265" r:id="rId35"/>
-    <p:sldId id="264" r:id="rId36"/>
-    <p:sldId id="266" r:id="rId37"/>
+    <p:sldId id="292" r:id="rId3"/>
+    <p:sldId id="276" r:id="rId4"/>
+    <p:sldId id="286" r:id="rId5"/>
+    <p:sldId id="285" r:id="rId6"/>
+    <p:sldId id="284" r:id="rId7"/>
+    <p:sldId id="288" r:id="rId8"/>
+    <p:sldId id="290" r:id="rId9"/>
+    <p:sldId id="291" r:id="rId10"/>
+    <p:sldId id="289" r:id="rId11"/>
+    <p:sldId id="287" r:id="rId12"/>
+    <p:sldId id="283" r:id="rId13"/>
+    <p:sldId id="282" r:id="rId14"/>
+    <p:sldId id="281" r:id="rId15"/>
+    <p:sldId id="273" r:id="rId16"/>
+    <p:sldId id="274" r:id="rId17"/>
+    <p:sldId id="280" r:id="rId18"/>
+    <p:sldId id="278" r:id="rId19"/>
+    <p:sldId id="275" r:id="rId20"/>
+    <p:sldId id="279" r:id="rId21"/>
+    <p:sldId id="277" r:id="rId22"/>
+    <p:sldId id="272" r:id="rId23"/>
+    <p:sldId id="269" r:id="rId24"/>
+    <p:sldId id="270" r:id="rId25"/>
+    <p:sldId id="271" r:id="rId26"/>
+    <p:sldId id="267" r:id="rId27"/>
+    <p:sldId id="268" r:id="rId28"/>
+    <p:sldId id="260" r:id="rId29"/>
+    <p:sldId id="261" r:id="rId30"/>
+    <p:sldId id="256" r:id="rId31"/>
+    <p:sldId id="257" r:id="rId32"/>
+    <p:sldId id="258" r:id="rId33"/>
+    <p:sldId id="262" r:id="rId34"/>
+    <p:sldId id="263" r:id="rId35"/>
+    <p:sldId id="265" r:id="rId36"/>
+    <p:sldId id="264" r:id="rId37"/>
+    <p:sldId id="266" r:id="rId38"/>
   </p:sldIdLst>
   <p:sldSz cx="12192000" cy="6858000"/>
   <p:notesSz cx="6858000" cy="9144000"/>
@@ -232,7 +233,7 @@
           <a:p>
             <a:fld id="{9998EBF7-E37E-451A-80F7-AFA2845CD1FE}" type="datetimeFigureOut">
               <a:rPr lang="en-US" smtClean="0"/>
-              <a:t>5/7/2019</a:t>
+              <a:t>5/23/2019</a:t>
             </a:fld>
             <a:endParaRPr lang="en-US"/>
           </a:p>
@@ -564,7 +565,7 @@
           <a:p>
             <a:fld id="{4B30C246-FA32-4A68-BC2D-EA5A31DF2892}" type="slidenum">
               <a:rPr lang="en-US" smtClean="0"/>
-              <a:t>15</a:t>
+              <a:t>6</a:t>
             </a:fld>
             <a:endParaRPr lang="en-US"/>
           </a:p>
@@ -573,7 +574,7 @@
     </p:spTree>
     <p:extLst>
       <p:ext uri="{BB962C8B-B14F-4D97-AF65-F5344CB8AC3E}">
-        <p14:creationId xmlns:p14="http://schemas.microsoft.com/office/powerpoint/2010/main" val="1325890584"/>
+        <p14:creationId xmlns:p14="http://schemas.microsoft.com/office/powerpoint/2010/main" val="3721584419"/>
       </p:ext>
     </p:extLst>
   </p:cSld>
@@ -648,7 +649,7 @@
           <a:p>
             <a:fld id="{4B30C246-FA32-4A68-BC2D-EA5A31DF2892}" type="slidenum">
               <a:rPr lang="en-US" smtClean="0"/>
-              <a:t>18</a:t>
+              <a:t>16</a:t>
             </a:fld>
             <a:endParaRPr lang="en-US"/>
           </a:p>
@@ -657,7 +658,7 @@
     </p:spTree>
     <p:extLst>
       <p:ext uri="{BB962C8B-B14F-4D97-AF65-F5344CB8AC3E}">
-        <p14:creationId xmlns:p14="http://schemas.microsoft.com/office/powerpoint/2010/main" val="39266184"/>
+        <p14:creationId xmlns:p14="http://schemas.microsoft.com/office/powerpoint/2010/main" val="1325890584"/>
       </p:ext>
     </p:extLst>
   </p:cSld>
@@ -732,7 +733,91 @@
           <a:p>
             <a:fld id="{4B30C246-FA32-4A68-BC2D-EA5A31DF2892}" type="slidenum">
               <a:rPr lang="en-US" smtClean="0"/>
-              <a:t>20</a:t>
+              <a:t>19</a:t>
+            </a:fld>
+            <a:endParaRPr lang="en-US"/>
+          </a:p>
+        </p:txBody>
+      </p:sp>
+    </p:spTree>
+    <p:extLst>
+      <p:ext uri="{BB962C8B-B14F-4D97-AF65-F5344CB8AC3E}">
+        <p14:creationId xmlns:p14="http://schemas.microsoft.com/office/powerpoint/2010/main" val="39266184"/>
+      </p:ext>
+    </p:extLst>
+  </p:cSld>
+  <p:clrMapOvr>
+    <a:masterClrMapping/>
+  </p:clrMapOvr>
+</p:notes>
+</file>
+
+<file path=ppt/notesSlides/notesSlide4.xml><?xml version="1.0" encoding="utf-8"?>
+<p:notes xmlns:a="http://schemas.openxmlformats.org/drawingml/2006/main" xmlns:r="http://schemas.openxmlformats.org/officeDocument/2006/relationships" xmlns:p="http://schemas.openxmlformats.org/presentationml/2006/main">
+  <p:cSld>
+    <p:spTree>
+      <p:nvGrpSpPr>
+        <p:cNvPr id="1" name=""/>
+        <p:cNvGrpSpPr/>
+        <p:nvPr/>
+      </p:nvGrpSpPr>
+      <p:grpSpPr>
+        <a:xfrm>
+          <a:off x="0" y="0"/>
+          <a:ext cx="0" cy="0"/>
+          <a:chOff x="0" y="0"/>
+          <a:chExt cx="0" cy="0"/>
+        </a:xfrm>
+      </p:grpSpPr>
+      <p:sp>
+        <p:nvSpPr>
+          <p:cNvPr id="2" name="Slide Image Placeholder 1"/>
+          <p:cNvSpPr>
+            <a:spLocks noGrp="1" noRot="1" noChangeAspect="1"/>
+          </p:cNvSpPr>
+          <p:nvPr>
+            <p:ph type="sldImg"/>
+          </p:nvPr>
+        </p:nvSpPr>
+        <p:spPr/>
+      </p:sp>
+      <p:sp>
+        <p:nvSpPr>
+          <p:cNvPr id="3" name="Notes Placeholder 2"/>
+          <p:cNvSpPr>
+            <a:spLocks noGrp="1"/>
+          </p:cNvSpPr>
+          <p:nvPr>
+            <p:ph type="body" idx="1"/>
+          </p:nvPr>
+        </p:nvSpPr>
+        <p:spPr/>
+        <p:txBody>
+          <a:bodyPr/>
+          <a:lstStyle/>
+          <a:p>
+            <a:endParaRPr lang="en-US" dirty="0"/>
+          </a:p>
+        </p:txBody>
+      </p:sp>
+      <p:sp>
+        <p:nvSpPr>
+          <p:cNvPr id="4" name="Slide Number Placeholder 3"/>
+          <p:cNvSpPr>
+            <a:spLocks noGrp="1"/>
+          </p:cNvSpPr>
+          <p:nvPr>
+            <p:ph type="sldNum" sz="quarter" idx="5"/>
+          </p:nvPr>
+        </p:nvSpPr>
+        <p:spPr/>
+        <p:txBody>
+          <a:bodyPr/>
+          <a:lstStyle/>
+          <a:p>
+            <a:fld id="{4B30C246-FA32-4A68-BC2D-EA5A31DF2892}" type="slidenum">
+              <a:rPr lang="en-US" smtClean="0"/>
+              <a:t>21</a:t>
             </a:fld>
             <a:endParaRPr lang="en-US"/>
           </a:p>
@@ -898,7 +983,7 @@
           <a:p>
             <a:fld id="{ACE35D2E-2B05-4733-9312-EE9E9D5A91AC}" type="datetimeFigureOut">
               <a:rPr lang="en-US" smtClean="0"/>
-              <a:t>5/7/2019</a:t>
+              <a:t>5/23/2019</a:t>
             </a:fld>
             <a:endParaRPr lang="en-US"/>
           </a:p>
@@ -1096,7 +1181,7 @@
           <a:p>
             <a:fld id="{ACE35D2E-2B05-4733-9312-EE9E9D5A91AC}" type="datetimeFigureOut">
               <a:rPr lang="en-US" smtClean="0"/>
-              <a:t>5/7/2019</a:t>
+              <a:t>5/23/2019</a:t>
             </a:fld>
             <a:endParaRPr lang="en-US"/>
           </a:p>
@@ -1304,7 +1389,7 @@
           <a:p>
             <a:fld id="{ACE35D2E-2B05-4733-9312-EE9E9D5A91AC}" type="datetimeFigureOut">
               <a:rPr lang="en-US" smtClean="0"/>
-              <a:t>5/7/2019</a:t>
+              <a:t>5/23/2019</a:t>
             </a:fld>
             <a:endParaRPr lang="en-US"/>
           </a:p>
@@ -1502,7 +1587,7 @@
           <a:p>
             <a:fld id="{ACE35D2E-2B05-4733-9312-EE9E9D5A91AC}" type="datetimeFigureOut">
               <a:rPr lang="en-US" smtClean="0"/>
-              <a:t>5/7/2019</a:t>
+              <a:t>5/23/2019</a:t>
             </a:fld>
             <a:endParaRPr lang="en-US"/>
           </a:p>
@@ -1777,7 +1862,7 @@
           <a:p>
             <a:fld id="{ACE35D2E-2B05-4733-9312-EE9E9D5A91AC}" type="datetimeFigureOut">
               <a:rPr lang="en-US" smtClean="0"/>
-              <a:t>5/7/2019</a:t>
+              <a:t>5/23/2019</a:t>
             </a:fld>
             <a:endParaRPr lang="en-US"/>
           </a:p>
@@ -2042,7 +2127,7 @@
           <a:p>
             <a:fld id="{ACE35D2E-2B05-4733-9312-EE9E9D5A91AC}" type="datetimeFigureOut">
               <a:rPr lang="en-US" smtClean="0"/>
-              <a:t>5/7/2019</a:t>
+              <a:t>5/23/2019</a:t>
             </a:fld>
             <a:endParaRPr lang="en-US"/>
           </a:p>
@@ -2454,7 +2539,7 @@
           <a:p>
             <a:fld id="{ACE35D2E-2B05-4733-9312-EE9E9D5A91AC}" type="datetimeFigureOut">
               <a:rPr lang="en-US" smtClean="0"/>
-              <a:t>5/7/2019</a:t>
+              <a:t>5/23/2019</a:t>
             </a:fld>
             <a:endParaRPr lang="en-US"/>
           </a:p>
@@ -2595,7 +2680,7 @@
           <a:p>
             <a:fld id="{ACE35D2E-2B05-4733-9312-EE9E9D5A91AC}" type="datetimeFigureOut">
               <a:rPr lang="en-US" smtClean="0"/>
-              <a:t>5/7/2019</a:t>
+              <a:t>5/23/2019</a:t>
             </a:fld>
             <a:endParaRPr lang="en-US"/>
           </a:p>
@@ -2708,7 +2793,7 @@
           <a:p>
             <a:fld id="{ACE35D2E-2B05-4733-9312-EE9E9D5A91AC}" type="datetimeFigureOut">
               <a:rPr lang="en-US" smtClean="0"/>
-              <a:t>5/7/2019</a:t>
+              <a:t>5/23/2019</a:t>
             </a:fld>
             <a:endParaRPr lang="en-US"/>
           </a:p>
@@ -3019,7 +3104,7 @@
           <a:p>
             <a:fld id="{ACE35D2E-2B05-4733-9312-EE9E9D5A91AC}" type="datetimeFigureOut">
               <a:rPr lang="en-US" smtClean="0"/>
-              <a:t>5/7/2019</a:t>
+              <a:t>5/23/2019</a:t>
             </a:fld>
             <a:endParaRPr lang="en-US"/>
           </a:p>
@@ -3307,7 +3392,7 @@
           <a:p>
             <a:fld id="{ACE35D2E-2B05-4733-9312-EE9E9D5A91AC}" type="datetimeFigureOut">
               <a:rPr lang="en-US" smtClean="0"/>
-              <a:t>5/7/2019</a:t>
+              <a:t>5/23/2019</a:t>
             </a:fld>
             <a:endParaRPr lang="en-US"/>
           </a:p>
@@ -3548,7 +3633,7 @@
           <a:p>
             <a:fld id="{ACE35D2E-2B05-4733-9312-EE9E9D5A91AC}" type="datetimeFigureOut">
               <a:rPr lang="en-US" smtClean="0"/>
-              <a:t>5/7/2019</a:t>
+              <a:t>5/23/2019</a:t>
             </a:fld>
             <a:endParaRPr lang="en-US"/>
           </a:p>
@@ -8172,6 +8257,86 @@
           <a:chExt cx="0" cy="0"/>
         </a:xfrm>
       </p:grpSpPr>
+      <p:sp>
+        <p:nvSpPr>
+          <p:cNvPr id="2" name="Title 1">
+            <a:extLst>
+              <a:ext uri="{FF2B5EF4-FFF2-40B4-BE49-F238E27FC236}">
+                <a16:creationId xmlns:a16="http://schemas.microsoft.com/office/drawing/2014/main" id="{5ECDA26B-A948-4010-9842-419112015D6D}"/>
+              </a:ext>
+            </a:extLst>
+          </p:cNvPr>
+          <p:cNvSpPr>
+            <a:spLocks noGrp="1"/>
+          </p:cNvSpPr>
+          <p:nvPr>
+            <p:ph type="title"/>
+          </p:nvPr>
+        </p:nvSpPr>
+        <p:spPr/>
+        <p:txBody>
+          <a:bodyPr/>
+          <a:lstStyle/>
+          <a:p>
+            <a:endParaRPr lang="en-US"/>
+          </a:p>
+        </p:txBody>
+      </p:sp>
+      <p:sp>
+        <p:nvSpPr>
+          <p:cNvPr id="3" name="Content Placeholder 2">
+            <a:extLst>
+              <a:ext uri="{FF2B5EF4-FFF2-40B4-BE49-F238E27FC236}">
+                <a16:creationId xmlns:a16="http://schemas.microsoft.com/office/drawing/2014/main" id="{D0C286D1-AF2F-4EC6-B4B7-4B7CDC90DA4F}"/>
+              </a:ext>
+            </a:extLst>
+          </p:cNvPr>
+          <p:cNvSpPr>
+            <a:spLocks noGrp="1"/>
+          </p:cNvSpPr>
+          <p:nvPr>
+            <p:ph idx="1"/>
+          </p:nvPr>
+        </p:nvSpPr>
+        <p:spPr/>
+        <p:txBody>
+          <a:bodyPr/>
+          <a:lstStyle/>
+          <a:p>
+            <a:endParaRPr lang="en-US"/>
+          </a:p>
+        </p:txBody>
+      </p:sp>
+    </p:spTree>
+    <p:extLst>
+      <p:ext uri="{BB962C8B-B14F-4D97-AF65-F5344CB8AC3E}">
+        <p14:creationId xmlns:p14="http://schemas.microsoft.com/office/powerpoint/2010/main" val="2436602171"/>
+      </p:ext>
+    </p:extLst>
+  </p:cSld>
+  <p:clrMapOvr>
+    <a:masterClrMapping/>
+  </p:clrMapOvr>
+</p:sld>
+</file>
+
+<file path=ppt/slides/slide11.xml><?xml version="1.0" encoding="utf-8"?>
+<p:sld xmlns:a="http://schemas.openxmlformats.org/drawingml/2006/main" xmlns:r="http://schemas.openxmlformats.org/officeDocument/2006/relationships" xmlns:p="http://schemas.openxmlformats.org/presentationml/2006/main">
+  <p:cSld>
+    <p:spTree>
+      <p:nvGrpSpPr>
+        <p:cNvPr id="1" name=""/>
+        <p:cNvGrpSpPr/>
+        <p:nvPr/>
+      </p:nvGrpSpPr>
+      <p:grpSpPr>
+        <a:xfrm>
+          <a:off x="0" y="0"/>
+          <a:ext cx="0" cy="0"/>
+          <a:chOff x="0" y="0"/>
+          <a:chExt cx="0" cy="0"/>
+        </a:xfrm>
+      </p:grpSpPr>
     </p:spTree>
     <p:extLst>
       <p:ext uri="{BB962C8B-B14F-4D97-AF65-F5344CB8AC3E}">
@@ -8185,7 +8350,7 @@
 </p:sld>
 </file>
 
-<file path=ppt/slides/slide11.xml><?xml version="1.0" encoding="utf-8"?>
+<file path=ppt/slides/slide12.xml><?xml version="1.0" encoding="utf-8"?>
 <p:sld xmlns:a="http://schemas.openxmlformats.org/drawingml/2006/main" xmlns:r="http://schemas.openxmlformats.org/officeDocument/2006/relationships" xmlns:p="http://schemas.openxmlformats.org/presentationml/2006/main">
   <p:cSld>
     <p:spTree>
@@ -9577,6 +9742,54 @@
           </a:prstGeom>
         </p:spPr>
       </p:pic>
+      <p:sp>
+        <p:nvSpPr>
+          <p:cNvPr id="29" name="TextBox 28">
+            <a:extLst>
+              <a:ext uri="{FF2B5EF4-FFF2-40B4-BE49-F238E27FC236}">
+                <a16:creationId xmlns:a16="http://schemas.microsoft.com/office/drawing/2014/main" id="{C56CB65F-36CB-45CF-BF8B-8C2D145BD1D1}"/>
+              </a:ext>
+            </a:extLst>
+          </p:cNvPr>
+          <p:cNvSpPr txBox="1"/>
+          <p:nvPr/>
+        </p:nvSpPr>
+        <p:spPr>
+          <a:xfrm>
+            <a:off x="2243770" y="3898458"/>
+            <a:ext cx="2029121" cy="369332"/>
+          </a:xfrm>
+          <a:prstGeom prst="rect">
+            <a:avLst/>
+          </a:prstGeom>
+          <a:noFill/>
+        </p:spPr>
+        <p:txBody>
+          <a:bodyPr wrap="square" rtlCol="0">
+            <a:spAutoFit/>
+          </a:bodyPr>
+          <a:lstStyle/>
+          <a:p>
+            <a:r>
+              <a:rPr lang="en-US" dirty="0">
+                <a:solidFill>
+                  <a:schemeClr val="tx1">
+                    <a:alpha val="20000"/>
+                  </a:schemeClr>
+                </a:solidFill>
+                <a:effectLst>
+                  <a:outerShdw blurRad="50800" dist="50800" dir="5400000" algn="ctr" rotWithShape="0">
+                    <a:srgbClr val="000000">
+                      <a:alpha val="0"/>
+                    </a:srgbClr>
+                  </a:outerShdw>
+                </a:effectLst>
+              </a:rPr>
+              <a:t>aegis4048.github.io</a:t>
+            </a:r>
+          </a:p>
+        </p:txBody>
+      </p:sp>
     </p:spTree>
     <p:extLst>
       <p:ext uri="{BB962C8B-B14F-4D97-AF65-F5344CB8AC3E}">
@@ -9590,7 +9803,7 @@
 </p:sld>
 </file>
 
-<file path=ppt/slides/slide12.xml><?xml version="1.0" encoding="utf-8"?>
+<file path=ppt/slides/slide13.xml><?xml version="1.0" encoding="utf-8"?>
 <p:sld xmlns:a="http://schemas.openxmlformats.org/drawingml/2006/main" xmlns:r="http://schemas.openxmlformats.org/officeDocument/2006/relationships" xmlns:p="http://schemas.openxmlformats.org/presentationml/2006/main">
   <p:cSld>
     <p:spTree>
@@ -9995,36 +10208,6 @@
           </p:sp>
         </mc:Fallback>
       </mc:AlternateContent>
-      <p:pic>
-        <p:nvPicPr>
-          <p:cNvPr id="140" name="Picture 139">
-            <a:extLst>
-              <a:ext uri="{FF2B5EF4-FFF2-40B4-BE49-F238E27FC236}">
-                <a16:creationId xmlns:a16="http://schemas.microsoft.com/office/drawing/2014/main" id="{1D96B4BB-9FA5-4CD5-9442-ADB285EBA513}"/>
-              </a:ext>
-            </a:extLst>
-          </p:cNvPr>
-          <p:cNvPicPr>
-            <a:picLocks noChangeAspect="1"/>
-          </p:cNvPicPr>
-          <p:nvPr/>
-        </p:nvPicPr>
-        <p:blipFill>
-          <a:blip r:embed="rId2"/>
-          <a:stretch>
-            <a:fillRect/>
-          </a:stretch>
-        </p:blipFill>
-        <p:spPr>
-          <a:xfrm rot="16200000">
-            <a:off x="8366166" y="3554498"/>
-            <a:ext cx="318528" cy="194656"/>
-          </a:xfrm>
-          <a:prstGeom prst="rect">
-            <a:avLst/>
-          </a:prstGeom>
-        </p:spPr>
-      </p:pic>
       <p:sp>
         <p:nvSpPr>
           <p:cNvPr id="142" name="Double Bracket 141">
@@ -10342,66 +10525,6 @@
           </p:sp>
         </mc:Fallback>
       </mc:AlternateContent>
-      <p:pic>
-        <p:nvPicPr>
-          <p:cNvPr id="145" name="Picture 144">
-            <a:extLst>
-              <a:ext uri="{FF2B5EF4-FFF2-40B4-BE49-F238E27FC236}">
-                <a16:creationId xmlns:a16="http://schemas.microsoft.com/office/drawing/2014/main" id="{0C2F3CEF-66A8-4E70-80B3-DC0554661ACF}"/>
-              </a:ext>
-            </a:extLst>
-          </p:cNvPr>
-          <p:cNvPicPr>
-            <a:picLocks noChangeAspect="1"/>
-          </p:cNvPicPr>
-          <p:nvPr/>
-        </p:nvPicPr>
-        <p:blipFill>
-          <a:blip r:embed="rId2"/>
-          <a:stretch>
-            <a:fillRect/>
-          </a:stretch>
-        </p:blipFill>
-        <p:spPr>
-          <a:xfrm rot="16200000">
-            <a:off x="9506794" y="2370809"/>
-            <a:ext cx="318528" cy="194656"/>
-          </a:xfrm>
-          <a:prstGeom prst="rect">
-            <a:avLst/>
-          </a:prstGeom>
-        </p:spPr>
-      </p:pic>
-      <p:pic>
-        <p:nvPicPr>
-          <p:cNvPr id="146" name="Picture 145">
-            <a:extLst>
-              <a:ext uri="{FF2B5EF4-FFF2-40B4-BE49-F238E27FC236}">
-                <a16:creationId xmlns:a16="http://schemas.microsoft.com/office/drawing/2014/main" id="{ABD58757-2F40-40C4-B5CD-3D4D1C7C30BB}"/>
-              </a:ext>
-            </a:extLst>
-          </p:cNvPr>
-          <p:cNvPicPr>
-            <a:picLocks noChangeAspect="1"/>
-          </p:cNvPicPr>
-          <p:nvPr/>
-        </p:nvPicPr>
-        <p:blipFill>
-          <a:blip r:embed="rId2"/>
-          <a:stretch>
-            <a:fillRect/>
-          </a:stretch>
-        </p:blipFill>
-        <p:spPr>
-          <a:xfrm rot="16200000">
-            <a:off x="9518746" y="4982956"/>
-            <a:ext cx="318528" cy="194656"/>
-          </a:xfrm>
-          <a:prstGeom prst="rect">
-            <a:avLst/>
-          </a:prstGeom>
-        </p:spPr>
-      </p:pic>
       <mc:AlternateContent xmlns:mc="http://schemas.openxmlformats.org/markup-compatibility/2006" xmlns:a14="http://schemas.microsoft.com/office/drawing/2010/main">
         <mc:Choice Requires="a14">
           <p:sp>
@@ -11239,36 +11362,6 @@
           </a:p>
         </p:txBody>
       </p:sp>
-      <p:pic>
-        <p:nvPicPr>
-          <p:cNvPr id="158" name="Picture 157">
-            <a:extLst>
-              <a:ext uri="{FF2B5EF4-FFF2-40B4-BE49-F238E27FC236}">
-                <a16:creationId xmlns:a16="http://schemas.microsoft.com/office/drawing/2014/main" id="{8B3BFEDF-0927-48EE-A009-3809C9693686}"/>
-              </a:ext>
-            </a:extLst>
-          </p:cNvPr>
-          <p:cNvPicPr>
-            <a:picLocks noChangeAspect="1"/>
-          </p:cNvPicPr>
-          <p:nvPr/>
-        </p:nvPicPr>
-        <p:blipFill>
-          <a:blip r:embed="rId2"/>
-          <a:stretch>
-            <a:fillRect/>
-          </a:stretch>
-        </p:blipFill>
-        <p:spPr>
-          <a:xfrm rot="16200000">
-            <a:off x="11369166" y="2365829"/>
-            <a:ext cx="318528" cy="194656"/>
-          </a:xfrm>
-          <a:prstGeom prst="rect">
-            <a:avLst/>
-          </a:prstGeom>
-        </p:spPr>
-      </p:pic>
       <p:sp>
         <p:nvSpPr>
           <p:cNvPr id="159" name="TextBox 158">
@@ -11343,36 +11436,6 @@
           </a:p>
         </p:txBody>
       </p:sp>
-      <p:pic>
-        <p:nvPicPr>
-          <p:cNvPr id="161" name="Picture 160">
-            <a:extLst>
-              <a:ext uri="{FF2B5EF4-FFF2-40B4-BE49-F238E27FC236}">
-                <a16:creationId xmlns:a16="http://schemas.microsoft.com/office/drawing/2014/main" id="{904A6F94-FD61-4570-9D4E-F215FB178DC0}"/>
-              </a:ext>
-            </a:extLst>
-          </p:cNvPr>
-          <p:cNvPicPr>
-            <a:picLocks noChangeAspect="1"/>
-          </p:cNvPicPr>
-          <p:nvPr/>
-        </p:nvPicPr>
-        <p:blipFill>
-          <a:blip r:embed="rId2"/>
-          <a:stretch>
-            <a:fillRect/>
-          </a:stretch>
-        </p:blipFill>
-        <p:spPr>
-          <a:xfrm rot="16200000">
-            <a:off x="10773420" y="2361708"/>
-            <a:ext cx="318528" cy="194656"/>
-          </a:xfrm>
-          <a:prstGeom prst="rect">
-            <a:avLst/>
-          </a:prstGeom>
-        </p:spPr>
-      </p:pic>
       <p:sp>
         <p:nvSpPr>
           <p:cNvPr id="162" name="Rectangle 161">
@@ -11664,36 +11727,6 @@
           </a:p>
         </p:txBody>
       </p:sp>
-      <p:pic>
-        <p:nvPicPr>
-          <p:cNvPr id="168" name="Picture 167">
-            <a:extLst>
-              <a:ext uri="{FF2B5EF4-FFF2-40B4-BE49-F238E27FC236}">
-                <a16:creationId xmlns:a16="http://schemas.microsoft.com/office/drawing/2014/main" id="{991CA92F-32A1-47D9-BAEB-3A73A5E466E6}"/>
-              </a:ext>
-            </a:extLst>
-          </p:cNvPr>
-          <p:cNvPicPr>
-            <a:picLocks noChangeAspect="1"/>
-          </p:cNvPicPr>
-          <p:nvPr/>
-        </p:nvPicPr>
-        <p:blipFill>
-          <a:blip r:embed="rId2"/>
-          <a:stretch>
-            <a:fillRect/>
-          </a:stretch>
-        </p:blipFill>
-        <p:spPr>
-          <a:xfrm rot="16200000">
-            <a:off x="11373059" y="5069391"/>
-            <a:ext cx="318528" cy="194656"/>
-          </a:xfrm>
-          <a:prstGeom prst="rect">
-            <a:avLst/>
-          </a:prstGeom>
-        </p:spPr>
-      </p:pic>
       <p:sp>
         <p:nvSpPr>
           <p:cNvPr id="169" name="TextBox 168">
@@ -11766,10 +11799,10 @@
       </p:sp>
       <p:pic>
         <p:nvPicPr>
-          <p:cNvPr id="171" name="Picture 170">
-            <a:extLst>
-              <a:ext uri="{FF2B5EF4-FFF2-40B4-BE49-F238E27FC236}">
-                <a16:creationId xmlns:a16="http://schemas.microsoft.com/office/drawing/2014/main" id="{7F54D0C3-FF97-4DEA-9602-35969807A615}"/>
+          <p:cNvPr id="38" name="Picture 37">
+            <a:extLst>
+              <a:ext uri="{FF2B5EF4-FFF2-40B4-BE49-F238E27FC236}">
+                <a16:creationId xmlns:a16="http://schemas.microsoft.com/office/drawing/2014/main" id="{9D7841F7-471C-41B8-A02A-8D391C40BFD9}"/>
               </a:ext>
             </a:extLst>
           </p:cNvPr>
@@ -11779,7 +11812,127 @@
           <p:nvPr/>
         </p:nvPicPr>
         <p:blipFill>
-          <a:blip r:embed="rId2"/>
+          <a:blip r:embed="rId6"/>
+          <a:stretch>
+            <a:fillRect/>
+          </a:stretch>
+        </p:blipFill>
+        <p:spPr>
+          <a:xfrm rot="16200000">
+            <a:off x="8366166" y="3554498"/>
+            <a:ext cx="318528" cy="194656"/>
+          </a:xfrm>
+          <a:prstGeom prst="rect">
+            <a:avLst/>
+          </a:prstGeom>
+        </p:spPr>
+      </p:pic>
+      <p:pic>
+        <p:nvPicPr>
+          <p:cNvPr id="39" name="Picture 38">
+            <a:extLst>
+              <a:ext uri="{FF2B5EF4-FFF2-40B4-BE49-F238E27FC236}">
+                <a16:creationId xmlns:a16="http://schemas.microsoft.com/office/drawing/2014/main" id="{2FC5DD84-F20C-41CF-9442-8D8F43B567F0}"/>
+              </a:ext>
+            </a:extLst>
+          </p:cNvPr>
+          <p:cNvPicPr>
+            <a:picLocks noChangeAspect="1"/>
+          </p:cNvPicPr>
+          <p:nvPr/>
+        </p:nvPicPr>
+        <p:blipFill>
+          <a:blip r:embed="rId6"/>
+          <a:stretch>
+            <a:fillRect/>
+          </a:stretch>
+        </p:blipFill>
+        <p:spPr>
+          <a:xfrm rot="16200000">
+            <a:off x="9506794" y="2370809"/>
+            <a:ext cx="318528" cy="194656"/>
+          </a:xfrm>
+          <a:prstGeom prst="rect">
+            <a:avLst/>
+          </a:prstGeom>
+        </p:spPr>
+      </p:pic>
+      <p:pic>
+        <p:nvPicPr>
+          <p:cNvPr id="40" name="Picture 39">
+            <a:extLst>
+              <a:ext uri="{FF2B5EF4-FFF2-40B4-BE49-F238E27FC236}">
+                <a16:creationId xmlns:a16="http://schemas.microsoft.com/office/drawing/2014/main" id="{E44F4BB9-7195-4243-83B4-7CFB41E22F63}"/>
+              </a:ext>
+            </a:extLst>
+          </p:cNvPr>
+          <p:cNvPicPr>
+            <a:picLocks noChangeAspect="1"/>
+          </p:cNvPicPr>
+          <p:nvPr/>
+        </p:nvPicPr>
+        <p:blipFill>
+          <a:blip r:embed="rId6"/>
+          <a:stretch>
+            <a:fillRect/>
+          </a:stretch>
+        </p:blipFill>
+        <p:spPr>
+          <a:xfrm rot="16200000">
+            <a:off x="9518746" y="4982956"/>
+            <a:ext cx="318528" cy="194656"/>
+          </a:xfrm>
+          <a:prstGeom prst="rect">
+            <a:avLst/>
+          </a:prstGeom>
+        </p:spPr>
+      </p:pic>
+      <p:pic>
+        <p:nvPicPr>
+          <p:cNvPr id="41" name="Picture 40">
+            <a:extLst>
+              <a:ext uri="{FF2B5EF4-FFF2-40B4-BE49-F238E27FC236}">
+                <a16:creationId xmlns:a16="http://schemas.microsoft.com/office/drawing/2014/main" id="{0EC9C048-19E3-4519-95F8-5625438BF666}"/>
+              </a:ext>
+            </a:extLst>
+          </p:cNvPr>
+          <p:cNvPicPr>
+            <a:picLocks noChangeAspect="1"/>
+          </p:cNvPicPr>
+          <p:nvPr/>
+        </p:nvPicPr>
+        <p:blipFill>
+          <a:blip r:embed="rId6"/>
+          <a:stretch>
+            <a:fillRect/>
+          </a:stretch>
+        </p:blipFill>
+        <p:spPr>
+          <a:xfrm rot="16200000">
+            <a:off x="11369166" y="2365829"/>
+            <a:ext cx="318528" cy="194656"/>
+          </a:xfrm>
+          <a:prstGeom prst="rect">
+            <a:avLst/>
+          </a:prstGeom>
+        </p:spPr>
+      </p:pic>
+      <p:pic>
+        <p:nvPicPr>
+          <p:cNvPr id="42" name="Picture 41">
+            <a:extLst>
+              <a:ext uri="{FF2B5EF4-FFF2-40B4-BE49-F238E27FC236}">
+                <a16:creationId xmlns:a16="http://schemas.microsoft.com/office/drawing/2014/main" id="{3CE5F6B8-08CF-4603-A198-440A47D2A063}"/>
+              </a:ext>
+            </a:extLst>
+          </p:cNvPr>
+          <p:cNvPicPr>
+            <a:picLocks noChangeAspect="1"/>
+          </p:cNvPicPr>
+          <p:nvPr/>
+        </p:nvPicPr>
+        <p:blipFill>
+          <a:blip r:embed="rId6"/>
           <a:stretch>
             <a:fillRect/>
           </a:stretch>
@@ -11794,6 +11947,154 @@
           </a:prstGeom>
         </p:spPr>
       </p:pic>
+      <p:sp>
+        <p:nvSpPr>
+          <p:cNvPr id="43" name="TextBox 42">
+            <a:extLst>
+              <a:ext uri="{FF2B5EF4-FFF2-40B4-BE49-F238E27FC236}">
+                <a16:creationId xmlns:a16="http://schemas.microsoft.com/office/drawing/2014/main" id="{A2C18CC3-4F5B-4CE5-8B46-AD8EBAB4B227}"/>
+              </a:ext>
+            </a:extLst>
+          </p:cNvPr>
+          <p:cNvSpPr txBox="1"/>
+          <p:nvPr/>
+        </p:nvSpPr>
+        <p:spPr>
+          <a:xfrm>
+            <a:off x="11591592" y="2271549"/>
+            <a:ext cx="640976" cy="369332"/>
+          </a:xfrm>
+          <a:prstGeom prst="rect">
+            <a:avLst/>
+          </a:prstGeom>
+          <a:noFill/>
+        </p:spPr>
+        <p:txBody>
+          <a:bodyPr wrap="square" rtlCol="0">
+            <a:spAutoFit/>
+          </a:bodyPr>
+          <a:lstStyle/>
+          <a:p>
+            <a:r>
+              <a:rPr lang="en-US" dirty="0"/>
+              <a:t>c = 1</a:t>
+            </a:r>
+          </a:p>
+        </p:txBody>
+      </p:sp>
+      <p:sp>
+        <p:nvSpPr>
+          <p:cNvPr id="44" name="TextBox 43">
+            <a:extLst>
+              <a:ext uri="{FF2B5EF4-FFF2-40B4-BE49-F238E27FC236}">
+                <a16:creationId xmlns:a16="http://schemas.microsoft.com/office/drawing/2014/main" id="{A837FF46-CB77-489E-936A-79D7E0AF038A}"/>
+              </a:ext>
+            </a:extLst>
+          </p:cNvPr>
+          <p:cNvSpPr txBox="1"/>
+          <p:nvPr/>
+        </p:nvSpPr>
+        <p:spPr>
+          <a:xfrm>
+            <a:off x="11588127" y="4979917"/>
+            <a:ext cx="640976" cy="369332"/>
+          </a:xfrm>
+          <a:prstGeom prst="rect">
+            <a:avLst/>
+          </a:prstGeom>
+          <a:noFill/>
+        </p:spPr>
+        <p:txBody>
+          <a:bodyPr wrap="square" rtlCol="0">
+            <a:spAutoFit/>
+          </a:bodyPr>
+          <a:lstStyle/>
+          <a:p>
+            <a:r>
+              <a:rPr lang="en-US" dirty="0"/>
+              <a:t>c = 2</a:t>
+            </a:r>
+          </a:p>
+        </p:txBody>
+      </p:sp>
+      <p:pic>
+        <p:nvPicPr>
+          <p:cNvPr id="45" name="Picture 44">
+            <a:extLst>
+              <a:ext uri="{FF2B5EF4-FFF2-40B4-BE49-F238E27FC236}">
+                <a16:creationId xmlns:a16="http://schemas.microsoft.com/office/drawing/2014/main" id="{BE0F4E9B-E75C-4CC6-851E-4B3B84CB0A44}"/>
+              </a:ext>
+            </a:extLst>
+          </p:cNvPr>
+          <p:cNvPicPr>
+            <a:picLocks noChangeAspect="1"/>
+          </p:cNvPicPr>
+          <p:nvPr/>
+        </p:nvPicPr>
+        <p:blipFill>
+          <a:blip r:embed="rId6"/>
+          <a:stretch>
+            <a:fillRect/>
+          </a:stretch>
+        </p:blipFill>
+        <p:spPr>
+          <a:xfrm rot="16200000">
+            <a:off x="10773420" y="2361708"/>
+            <a:ext cx="318528" cy="194656"/>
+          </a:xfrm>
+          <a:prstGeom prst="rect">
+            <a:avLst/>
+          </a:prstGeom>
+        </p:spPr>
+      </p:pic>
+      <p:sp>
+        <p:nvSpPr>
+          <p:cNvPr id="46" name="TextBox 45">
+            <a:extLst>
+              <a:ext uri="{FF2B5EF4-FFF2-40B4-BE49-F238E27FC236}">
+                <a16:creationId xmlns:a16="http://schemas.microsoft.com/office/drawing/2014/main" id="{28339E72-42A3-41FE-83BC-0A3859D7C5AF}"/>
+              </a:ext>
+            </a:extLst>
+          </p:cNvPr>
+          <p:cNvSpPr txBox="1"/>
+          <p:nvPr/>
+        </p:nvSpPr>
+        <p:spPr>
+          <a:xfrm>
+            <a:off x="8647490" y="3154275"/>
+            <a:ext cx="2029121" cy="369332"/>
+          </a:xfrm>
+          <a:prstGeom prst="rect">
+            <a:avLst/>
+          </a:prstGeom>
+          <a:noFill/>
+        </p:spPr>
+        <p:txBody>
+          <a:bodyPr wrap="square" rtlCol="0">
+            <a:spAutoFit/>
+          </a:bodyPr>
+          <a:lstStyle/>
+          <a:p>
+            <a:r>
+              <a:rPr lang="en-US" dirty="0">
+                <a:solidFill>
+                  <a:schemeClr val="tx1">
+                    <a:alpha val="20000"/>
+                  </a:schemeClr>
+                </a:solidFill>
+                <a:effectLst>
+                  <a:outerShdw blurRad="50800" dist="50800" dir="5400000" algn="ctr" rotWithShape="0">
+                    <a:srgbClr val="000000">
+                      <a:alpha val="0"/>
+                    </a:srgbClr>
+                  </a:outerShdw>
+                </a:effectLst>
+              </a:rPr>
+              <a:t>aegis4048.github.io</a:t>
+            </a:r>
+          </a:p>
+        </p:txBody>
+      </p:sp>
     </p:spTree>
     <p:extLst>
       <p:ext uri="{BB962C8B-B14F-4D97-AF65-F5344CB8AC3E}">
@@ -11807,7 +12108,7 @@
 </p:sld>
 </file>
 
-<file path=ppt/slides/slide13.xml><?xml version="1.0" encoding="utf-8"?>
+<file path=ppt/slides/slide14.xml><?xml version="1.0" encoding="utf-8"?>
 <p:sld xmlns:a="http://schemas.openxmlformats.org/drawingml/2006/main" xmlns:r="http://schemas.openxmlformats.org/officeDocument/2006/relationships" xmlns:p="http://schemas.openxmlformats.org/presentationml/2006/main">
   <p:cSld>
     <p:spTree>
@@ -12878,7 +13179,7 @@
 </p:sld>
 </file>
 
-<file path=ppt/slides/slide14.xml><?xml version="1.0" encoding="utf-8"?>
+<file path=ppt/slides/slide15.xml><?xml version="1.0" encoding="utf-8"?>
 <p:sld xmlns:a="http://schemas.openxmlformats.org/drawingml/2006/main" xmlns:r="http://schemas.openxmlformats.org/officeDocument/2006/relationships" xmlns:p="http://schemas.openxmlformats.org/presentationml/2006/main">
   <p:cSld>
     <p:spTree>
@@ -13758,7 +14059,7 @@
 </p:sld>
 </file>
 
-<file path=ppt/slides/slide15.xml><?xml version="1.0" encoding="utf-8"?>
+<file path=ppt/slides/slide16.xml><?xml version="1.0" encoding="utf-8"?>
 <p:sld xmlns:a="http://schemas.openxmlformats.org/drawingml/2006/main" xmlns:r="http://schemas.openxmlformats.org/officeDocument/2006/relationships" xmlns:p="http://schemas.openxmlformats.org/presentationml/2006/main">
   <p:cSld>
     <p:spTree>
@@ -14565,7 +14866,7 @@
 </p:sld>
 </file>
 
-<file path=ppt/slides/slide16.xml><?xml version="1.0" encoding="utf-8"?>
+<file path=ppt/slides/slide17.xml><?xml version="1.0" encoding="utf-8"?>
 <p:sld xmlns:a="http://schemas.openxmlformats.org/drawingml/2006/main" xmlns:r="http://schemas.openxmlformats.org/officeDocument/2006/relationships" xmlns:p="http://schemas.openxmlformats.org/presentationml/2006/main">
   <p:cSld>
     <p:spTree>
@@ -16304,7 +16605,7 @@
 </p:sld>
 </file>
 
-<file path=ppt/slides/slide17.xml><?xml version="1.0" encoding="utf-8"?>
+<file path=ppt/slides/slide18.xml><?xml version="1.0" encoding="utf-8"?>
 <p:sld xmlns:a="http://schemas.openxmlformats.org/drawingml/2006/main" xmlns:r="http://schemas.openxmlformats.org/officeDocument/2006/relationships" xmlns:p="http://schemas.openxmlformats.org/presentationml/2006/main">
   <p:cSld>
     <p:spTree>
@@ -17017,7 +17318,7 @@
 </p:sld>
 </file>
 
-<file path=ppt/slides/slide18.xml><?xml version="1.0" encoding="utf-8"?>
+<file path=ppt/slides/slide19.xml><?xml version="1.0" encoding="utf-8"?>
 <p:sld xmlns:a="http://schemas.openxmlformats.org/drawingml/2006/main" xmlns:r="http://schemas.openxmlformats.org/officeDocument/2006/relationships" xmlns:p="http://schemas.openxmlformats.org/presentationml/2006/main">
   <p:cSld>
     <p:spTree>
@@ -21020,6 +21321,76 @@
           </a:p>
         </p:txBody>
       </p:sp>
+      <p:sp>
+        <p:nvSpPr>
+          <p:cNvPr id="6" name="TextBox 5">
+            <a:extLst>
+              <a:ext uri="{FF2B5EF4-FFF2-40B4-BE49-F238E27FC236}">
+                <a16:creationId xmlns:a16="http://schemas.microsoft.com/office/drawing/2014/main" id="{8FAF2905-63F4-43F4-9460-31777981D7B3}"/>
+              </a:ext>
+            </a:extLst>
+          </p:cNvPr>
+          <p:cNvSpPr txBox="1"/>
+          <p:nvPr/>
+        </p:nvSpPr>
+        <p:spPr>
+          <a:xfrm>
+            <a:off x="11591592" y="2271549"/>
+            <a:ext cx="640976" cy="369332"/>
+          </a:xfrm>
+          <a:prstGeom prst="rect">
+            <a:avLst/>
+          </a:prstGeom>
+          <a:noFill/>
+        </p:spPr>
+        <p:txBody>
+          <a:bodyPr wrap="square" rtlCol="0">
+            <a:spAutoFit/>
+          </a:bodyPr>
+          <a:lstStyle/>
+          <a:p>
+            <a:r>
+              <a:rPr lang="en-US" dirty="0"/>
+              <a:t>c = 1</a:t>
+            </a:r>
+          </a:p>
+        </p:txBody>
+      </p:sp>
+      <p:sp>
+        <p:nvSpPr>
+          <p:cNvPr id="71" name="TextBox 70">
+            <a:extLst>
+              <a:ext uri="{FF2B5EF4-FFF2-40B4-BE49-F238E27FC236}">
+                <a16:creationId xmlns:a16="http://schemas.microsoft.com/office/drawing/2014/main" id="{DC41C4DF-07FB-429C-A126-1135696D2606}"/>
+              </a:ext>
+            </a:extLst>
+          </p:cNvPr>
+          <p:cNvSpPr txBox="1"/>
+          <p:nvPr/>
+        </p:nvSpPr>
+        <p:spPr>
+          <a:xfrm>
+            <a:off x="11588127" y="4979917"/>
+            <a:ext cx="640976" cy="369332"/>
+          </a:xfrm>
+          <a:prstGeom prst="rect">
+            <a:avLst/>
+          </a:prstGeom>
+          <a:noFill/>
+        </p:spPr>
+        <p:txBody>
+          <a:bodyPr wrap="square" rtlCol="0">
+            <a:spAutoFit/>
+          </a:bodyPr>
+          <a:lstStyle/>
+          <a:p>
+            <a:r>
+              <a:rPr lang="en-US" dirty="0"/>
+              <a:t>c = 2</a:t>
+            </a:r>
+          </a:p>
+        </p:txBody>
+      </p:sp>
     </p:spTree>
     <p:extLst>
       <p:ext uri="{BB962C8B-B14F-4D97-AF65-F5344CB8AC3E}">
@@ -21033,7 +21404,661 @@
 </p:sld>
 </file>
 
-<file path=ppt/slides/slide19.xml><?xml version="1.0" encoding="utf-8"?>
+<file path=ppt/slides/slide2.xml><?xml version="1.0" encoding="utf-8"?>
+<p:sld xmlns:a="http://schemas.openxmlformats.org/drawingml/2006/main" xmlns:r="http://schemas.openxmlformats.org/officeDocument/2006/relationships" xmlns:p="http://schemas.openxmlformats.org/presentationml/2006/main">
+  <p:cSld>
+    <p:spTree>
+      <p:nvGrpSpPr>
+        <p:cNvPr id="1" name=""/>
+        <p:cNvGrpSpPr/>
+        <p:nvPr/>
+      </p:nvGrpSpPr>
+      <p:grpSpPr>
+        <a:xfrm>
+          <a:off x="0" y="0"/>
+          <a:ext cx="0" cy="0"/>
+          <a:chOff x="0" y="0"/>
+          <a:chExt cx="0" cy="0"/>
+        </a:xfrm>
+      </p:grpSpPr>
+      <p:pic>
+        <p:nvPicPr>
+          <p:cNvPr id="5" name="Picture 4">
+            <a:extLst>
+              <a:ext uri="{FF2B5EF4-FFF2-40B4-BE49-F238E27FC236}">
+                <a16:creationId xmlns:a16="http://schemas.microsoft.com/office/drawing/2014/main" id="{33E3728F-5C5C-403A-B0CD-FA5DC3D1C993}"/>
+              </a:ext>
+            </a:extLst>
+          </p:cNvPr>
+          <p:cNvPicPr>
+            <a:picLocks noChangeAspect="1"/>
+          </p:cNvPicPr>
+          <p:nvPr/>
+        </p:nvPicPr>
+        <p:blipFill>
+          <a:blip r:embed="rId2"/>
+          <a:stretch>
+            <a:fillRect/>
+          </a:stretch>
+        </p:blipFill>
+        <p:spPr>
+          <a:xfrm>
+            <a:off x="3497580" y="2398818"/>
+            <a:ext cx="5196840" cy="2060363"/>
+          </a:xfrm>
+          <a:prstGeom prst="rect">
+            <a:avLst/>
+          </a:prstGeom>
+        </p:spPr>
+      </p:pic>
+      <p:sp>
+        <p:nvSpPr>
+          <p:cNvPr id="6" name="Left Brace 5">
+            <a:extLst>
+              <a:ext uri="{FF2B5EF4-FFF2-40B4-BE49-F238E27FC236}">
+                <a16:creationId xmlns:a16="http://schemas.microsoft.com/office/drawing/2014/main" id="{C015BB06-817A-4921-B3FA-0D297B35C374}"/>
+              </a:ext>
+            </a:extLst>
+          </p:cNvPr>
+          <p:cNvSpPr/>
+          <p:nvPr/>
+        </p:nvSpPr>
+        <p:spPr>
+          <a:xfrm>
+            <a:off x="3103880" y="2438400"/>
+            <a:ext cx="269240" cy="2020781"/>
+          </a:xfrm>
+          <a:prstGeom prst="leftBrace">
+            <a:avLst>
+              <a:gd name="adj1" fmla="val 63050"/>
+              <a:gd name="adj2" fmla="val 50000"/>
+            </a:avLst>
+          </a:prstGeom>
+          <a:ln w="44450">
+            <a:solidFill>
+              <a:schemeClr val="accent2"/>
+            </a:solidFill>
+          </a:ln>
+        </p:spPr>
+        <p:style>
+          <a:lnRef idx="1">
+            <a:schemeClr val="accent1"/>
+          </a:lnRef>
+          <a:fillRef idx="0">
+            <a:schemeClr val="accent1"/>
+          </a:fillRef>
+          <a:effectRef idx="0">
+            <a:schemeClr val="accent1"/>
+          </a:effectRef>
+          <a:fontRef idx="minor">
+            <a:schemeClr val="tx1"/>
+          </a:fontRef>
+        </p:style>
+        <p:txBody>
+          <a:bodyPr rtlCol="0" anchor="ctr"/>
+          <a:lstStyle/>
+          <a:p>
+            <a:pPr algn="ctr"/>
+            <a:endParaRPr lang="en-US"/>
+          </a:p>
+        </p:txBody>
+      </p:sp>
+      <mc:AlternateContent xmlns:mc="http://schemas.openxmlformats.org/markup-compatibility/2006">
+        <mc:Choice xmlns:a14="http://schemas.microsoft.com/office/drawing/2010/main" Requires="a14">
+          <p:sp>
+            <p:nvSpPr>
+              <p:cNvPr id="9" name="TextBox 8">
+                <a:extLst>
+                  <a:ext uri="{FF2B5EF4-FFF2-40B4-BE49-F238E27FC236}">
+                    <a16:creationId xmlns:a16="http://schemas.microsoft.com/office/drawing/2014/main" id="{D460F307-6380-42B7-A02D-F9804704A8B4}"/>
+                  </a:ext>
+                </a:extLst>
+              </p:cNvPr>
+              <p:cNvSpPr txBox="1"/>
+              <p:nvPr/>
+            </p:nvSpPr>
+            <p:spPr>
+              <a:xfrm>
+                <a:off x="828585" y="3105834"/>
+                <a:ext cx="1975575" cy="646331"/>
+              </a:xfrm>
+              <a:prstGeom prst="rect">
+                <a:avLst/>
+              </a:prstGeom>
+              <a:noFill/>
+            </p:spPr>
+            <p:txBody>
+              <a:bodyPr wrap="square" rtlCol="0">
+                <a:spAutoFit/>
+              </a:bodyPr>
+              <a:lstStyle/>
+              <a:p>
+                <a:pPr algn="r"/>
+                <a:r>
+                  <a:rPr lang="en-US" b="1" dirty="0">
+                    <a:solidFill>
+                      <a:schemeClr val="accent2"/>
+                    </a:solidFill>
+                  </a:rPr>
+                  <a:t>Computed </a:t>
+                </a:r>
+                <a14:m>
+                  <m:oMath xmlns:m="http://schemas.openxmlformats.org/officeDocument/2006/math">
+                    <m:r>
+                      <a:rPr lang="en-US" b="1" i="1" smtClean="0">
+                        <a:solidFill>
+                          <a:schemeClr val="accent2"/>
+                        </a:solidFill>
+                        <a:latin typeface="Cambria Math" panose="02040503050406030204" pitchFamily="18" charset="0"/>
+                      </a:rPr>
+                      <m:t>𝑽</m:t>
+                    </m:r>
+                  </m:oMath>
+                </a14:m>
+                <a:r>
+                  <a:rPr lang="en-US" b="1" dirty="0">
+                    <a:solidFill>
+                      <a:schemeClr val="accent2"/>
+                    </a:solidFill>
+                  </a:rPr>
+                  <a:t> times</a:t>
+                </a:r>
+              </a:p>
+              <a:p>
+                <a:pPr algn="r"/>
+                <a:r>
+                  <a:rPr lang="en-US" b="1" dirty="0">
+                    <a:solidFill>
+                      <a:schemeClr val="accent2"/>
+                    </a:solidFill>
+                  </a:rPr>
+                  <a:t>for all vocabs</a:t>
+                </a:r>
+              </a:p>
+            </p:txBody>
+          </p:sp>
+        </mc:Choice>
+        <mc:Fallback>
+          <p:sp>
+            <p:nvSpPr>
+              <p:cNvPr id="9" name="TextBox 8">
+                <a:extLst>
+                  <a:ext uri="{FF2B5EF4-FFF2-40B4-BE49-F238E27FC236}">
+                    <a16:creationId xmlns:a16="http://schemas.microsoft.com/office/drawing/2014/main" id="{D460F307-6380-42B7-A02D-F9804704A8B4}"/>
+                  </a:ext>
+                </a:extLst>
+              </p:cNvPr>
+              <p:cNvSpPr txBox="1">
+                <a:spLocks noRot="1" noChangeAspect="1" noMove="1" noResize="1" noEditPoints="1" noAdjustHandles="1" noChangeArrowheads="1" noChangeShapeType="1" noTextEdit="1"/>
+              </p:cNvSpPr>
+              <p:nvPr/>
+            </p:nvSpPr>
+            <p:spPr>
+              <a:xfrm>
+                <a:off x="828585" y="3105834"/>
+                <a:ext cx="1975575" cy="646331"/>
+              </a:xfrm>
+              <a:prstGeom prst="rect">
+                <a:avLst/>
+              </a:prstGeom>
+              <a:blipFill>
+                <a:blip r:embed="rId3"/>
+                <a:stretch>
+                  <a:fillRect l="-1543" t="-4673" r="-2469" b="-13084"/>
+                </a:stretch>
+              </a:blipFill>
+            </p:spPr>
+            <p:txBody>
+              <a:bodyPr/>
+              <a:lstStyle/>
+              <a:p>
+                <a:r>
+                  <a:rPr lang="en-US">
+                    <a:noFill/>
+                  </a:rPr>
+                  <a:t> </a:t>
+                </a:r>
+              </a:p>
+            </p:txBody>
+          </p:sp>
+        </mc:Fallback>
+      </mc:AlternateContent>
+      <p:sp>
+        <p:nvSpPr>
+          <p:cNvPr id="10" name="Rectangle 9">
+            <a:extLst>
+              <a:ext uri="{FF2B5EF4-FFF2-40B4-BE49-F238E27FC236}">
+                <a16:creationId xmlns:a16="http://schemas.microsoft.com/office/drawing/2014/main" id="{403F7937-C3E8-424C-A54B-7764342D3D36}"/>
+              </a:ext>
+            </a:extLst>
+          </p:cNvPr>
+          <p:cNvSpPr/>
+          <p:nvPr/>
+        </p:nvSpPr>
+        <p:spPr>
+          <a:xfrm>
+            <a:off x="5397832" y="3474191"/>
+            <a:ext cx="2613327" cy="478050"/>
+          </a:xfrm>
+          <a:prstGeom prst="rect">
+            <a:avLst/>
+          </a:prstGeom>
+          <a:noFill/>
+          <a:ln w="44450">
+            <a:solidFill>
+              <a:schemeClr val="accent6"/>
+            </a:solidFill>
+          </a:ln>
+        </p:spPr>
+        <p:style>
+          <a:lnRef idx="2">
+            <a:schemeClr val="accent1">
+              <a:shade val="50000"/>
+            </a:schemeClr>
+          </a:lnRef>
+          <a:fillRef idx="1">
+            <a:schemeClr val="accent1"/>
+          </a:fillRef>
+          <a:effectRef idx="0">
+            <a:schemeClr val="accent1"/>
+          </a:effectRef>
+          <a:fontRef idx="minor">
+            <a:schemeClr val="lt1"/>
+          </a:fontRef>
+        </p:style>
+        <p:txBody>
+          <a:bodyPr rtlCol="0" anchor="ctr"/>
+          <a:lstStyle/>
+          <a:p>
+            <a:pPr algn="ctr"/>
+            <a:endParaRPr lang="en-US"/>
+          </a:p>
+        </p:txBody>
+      </p:sp>
+      <p:cxnSp>
+        <p:nvCxnSpPr>
+          <p:cNvPr id="11" name="Straight Connector 10">
+            <a:extLst>
+              <a:ext uri="{FF2B5EF4-FFF2-40B4-BE49-F238E27FC236}">
+                <a16:creationId xmlns:a16="http://schemas.microsoft.com/office/drawing/2014/main" id="{70A40F80-5559-43FA-8A8B-F8FE06B98087}"/>
+              </a:ext>
+            </a:extLst>
+          </p:cNvPr>
+          <p:cNvCxnSpPr>
+            <a:cxnSpLocks/>
+            <a:endCxn id="10" idx="2"/>
+          </p:cNvCxnSpPr>
+          <p:nvPr/>
+        </p:nvCxnSpPr>
+        <p:spPr>
+          <a:xfrm flipH="1" flipV="1">
+            <a:off x="6704496" y="3952241"/>
+            <a:ext cx="1093304" cy="478050"/>
+          </a:xfrm>
+          <a:prstGeom prst="line">
+            <a:avLst/>
+          </a:prstGeom>
+          <a:ln w="44450">
+            <a:solidFill>
+              <a:schemeClr val="accent6"/>
+            </a:solidFill>
+            <a:headEnd type="triangle"/>
+          </a:ln>
+        </p:spPr>
+        <p:style>
+          <a:lnRef idx="1">
+            <a:schemeClr val="accent1"/>
+          </a:lnRef>
+          <a:fillRef idx="0">
+            <a:schemeClr val="accent1"/>
+          </a:fillRef>
+          <a:effectRef idx="0">
+            <a:schemeClr val="accent1"/>
+          </a:effectRef>
+          <a:fontRef idx="minor">
+            <a:schemeClr val="tx1"/>
+          </a:fontRef>
+        </p:style>
+      </p:cxnSp>
+      <mc:AlternateContent xmlns:mc="http://schemas.openxmlformats.org/markup-compatibility/2006">
+        <mc:Choice xmlns:a14="http://schemas.microsoft.com/office/drawing/2010/main" Requires="a14">
+          <p:sp>
+            <p:nvSpPr>
+              <p:cNvPr id="12" name="TextBox 11">
+                <a:extLst>
+                  <a:ext uri="{FF2B5EF4-FFF2-40B4-BE49-F238E27FC236}">
+                    <a16:creationId xmlns:a16="http://schemas.microsoft.com/office/drawing/2014/main" id="{F9C948D0-7067-489A-BE73-F54E342CF6D7}"/>
+                  </a:ext>
+                </a:extLst>
+              </p:cNvPr>
+              <p:cNvSpPr txBox="1"/>
+              <p:nvPr/>
+            </p:nvSpPr>
+            <p:spPr>
+              <a:xfrm>
+                <a:off x="7940367" y="4107125"/>
+                <a:ext cx="3159433" cy="646331"/>
+              </a:xfrm>
+              <a:prstGeom prst="rect">
+                <a:avLst/>
+              </a:prstGeom>
+              <a:noFill/>
+            </p:spPr>
+            <p:txBody>
+              <a:bodyPr wrap="square" rtlCol="0">
+                <a:spAutoFit/>
+              </a:bodyPr>
+              <a:lstStyle/>
+              <a:p>
+                <a14:m>
+                  <m:oMath xmlns:m="http://schemas.openxmlformats.org/officeDocument/2006/math">
+                    <m:r>
+                      <a:rPr lang="en-US" b="1" i="1" smtClean="0">
+                        <a:solidFill>
+                          <a:schemeClr val="accent6"/>
+                        </a:solidFill>
+                        <a:latin typeface="Cambria Math" panose="02040503050406030204" pitchFamily="18" charset="0"/>
+                      </a:rPr>
+                      <m:t>𝑽</m:t>
+                    </m:r>
+                  </m:oMath>
+                </a14:m>
+                <a:r>
+                  <a:rPr lang="en-US" b="1" dirty="0">
+                    <a:solidFill>
+                      <a:schemeClr val="accent6"/>
+                    </a:solidFill>
+                  </a:rPr>
+                  <a:t> computations are needed to get normalization factor</a:t>
+                </a:r>
+              </a:p>
+            </p:txBody>
+          </p:sp>
+        </mc:Choice>
+        <mc:Fallback>
+          <p:sp>
+            <p:nvSpPr>
+              <p:cNvPr id="12" name="TextBox 11">
+                <a:extLst>
+                  <a:ext uri="{FF2B5EF4-FFF2-40B4-BE49-F238E27FC236}">
+                    <a16:creationId xmlns:a16="http://schemas.microsoft.com/office/drawing/2014/main" id="{F9C948D0-7067-489A-BE73-F54E342CF6D7}"/>
+                  </a:ext>
+                </a:extLst>
+              </p:cNvPr>
+              <p:cNvSpPr txBox="1">
+                <a:spLocks noRot="1" noChangeAspect="1" noMove="1" noResize="1" noEditPoints="1" noAdjustHandles="1" noChangeArrowheads="1" noChangeShapeType="1" noTextEdit="1"/>
+              </p:cNvSpPr>
+              <p:nvPr/>
+            </p:nvSpPr>
+            <p:spPr>
+              <a:xfrm>
+                <a:off x="7940367" y="4107125"/>
+                <a:ext cx="3159433" cy="646331"/>
+              </a:xfrm>
+              <a:prstGeom prst="rect">
+                <a:avLst/>
+              </a:prstGeom>
+              <a:blipFill>
+                <a:blip r:embed="rId4"/>
+                <a:stretch>
+                  <a:fillRect l="-1737" t="-5660" b="-14151"/>
+                </a:stretch>
+              </a:blipFill>
+            </p:spPr>
+            <p:txBody>
+              <a:bodyPr/>
+              <a:lstStyle/>
+              <a:p>
+                <a:r>
+                  <a:rPr lang="en-US">
+                    <a:noFill/>
+                  </a:rPr>
+                  <a:t> </a:t>
+                </a:r>
+              </a:p>
+            </p:txBody>
+          </p:sp>
+        </mc:Fallback>
+      </mc:AlternateContent>
+      <mc:AlternateContent xmlns:mc="http://schemas.openxmlformats.org/markup-compatibility/2006">
+        <mc:Choice xmlns:a14="http://schemas.microsoft.com/office/drawing/2010/main" Requires="a14">
+          <p:sp>
+            <p:nvSpPr>
+              <p:cNvPr id="18" name="TextBox 17">
+                <a:extLst>
+                  <a:ext uri="{FF2B5EF4-FFF2-40B4-BE49-F238E27FC236}">
+                    <a16:creationId xmlns:a16="http://schemas.microsoft.com/office/drawing/2014/main" id="{1236184B-B7CA-4CA0-92E5-576A690433D4}"/>
+                  </a:ext>
+                </a:extLst>
+              </p:cNvPr>
+              <p:cNvSpPr txBox="1"/>
+              <p:nvPr/>
+            </p:nvSpPr>
+            <p:spPr>
+              <a:xfrm>
+                <a:off x="6704495" y="1983319"/>
+                <a:ext cx="4318000" cy="830997"/>
+              </a:xfrm>
+              <a:prstGeom prst="rect">
+                <a:avLst/>
+              </a:prstGeom>
+              <a:noFill/>
+            </p:spPr>
+            <p:txBody>
+              <a:bodyPr wrap="square" rtlCol="0">
+                <a:spAutoFit/>
+              </a:bodyPr>
+              <a:lstStyle/>
+              <a:p>
+                <a:pPr algn="r"/>
+                <a:r>
+                  <a:rPr lang="en-US" sz="2400" b="1" dirty="0">
+                    <a:solidFill>
+                      <a:schemeClr val="accent5"/>
+                    </a:solidFill>
+                  </a:rPr>
+                  <a:t>Complexity = </a:t>
+                </a:r>
+                <a14:m>
+                  <m:oMath xmlns:m="http://schemas.openxmlformats.org/officeDocument/2006/math">
+                    <m:r>
+                      <a:rPr lang="en-US" sz="2400" b="1" i="1" smtClean="0">
+                        <a:solidFill>
+                          <a:schemeClr val="accent5"/>
+                        </a:solidFill>
+                        <a:latin typeface="Cambria Math" panose="02040503050406030204" pitchFamily="18" charset="0"/>
+                      </a:rPr>
+                      <m:t>𝑶</m:t>
+                    </m:r>
+                    <m:d>
+                      <m:dPr>
+                        <m:ctrlPr>
+                          <a:rPr lang="en-US" sz="2400" b="1" i="1" smtClean="0">
+                            <a:solidFill>
+                              <a:schemeClr val="accent5"/>
+                            </a:solidFill>
+                            <a:latin typeface="Cambria Math" panose="02040503050406030204" pitchFamily="18" charset="0"/>
+                          </a:rPr>
+                        </m:ctrlPr>
+                      </m:dPr>
+                      <m:e>
+                        <m:r>
+                          <a:rPr lang="en-US" sz="2400" b="1" i="1" smtClean="0">
+                            <a:solidFill>
+                              <a:schemeClr val="accent5"/>
+                            </a:solidFill>
+                            <a:latin typeface="Cambria Math" panose="02040503050406030204" pitchFamily="18" charset="0"/>
+                          </a:rPr>
+                          <m:t>𝑽</m:t>
+                        </m:r>
+                        <m:r>
+                          <a:rPr lang="en-US" sz="2400" b="1" i="1" smtClean="0">
+                            <a:solidFill>
+                              <a:schemeClr val="accent5"/>
+                            </a:solidFill>
+                            <a:latin typeface="Cambria Math" panose="02040503050406030204" pitchFamily="18" charset="0"/>
+                          </a:rPr>
+                          <m:t>+</m:t>
+                        </m:r>
+                        <m:r>
+                          <a:rPr lang="en-US" sz="2400" b="1" i="1" smtClean="0">
+                            <a:solidFill>
+                              <a:schemeClr val="accent5"/>
+                            </a:solidFill>
+                            <a:latin typeface="Cambria Math" panose="02040503050406030204" pitchFamily="18" charset="0"/>
+                          </a:rPr>
+                          <m:t>𝑽</m:t>
+                        </m:r>
+                      </m:e>
+                    </m:d>
+                    <m:r>
+                      <a:rPr lang="en-US" sz="2400" b="1" i="1">
+                        <a:solidFill>
+                          <a:schemeClr val="accent5"/>
+                        </a:solidFill>
+                        <a:latin typeface="Cambria Math" panose="02040503050406030204" pitchFamily="18" charset="0"/>
+                        <a:ea typeface="Cambria Math" panose="02040503050406030204" pitchFamily="18" charset="0"/>
+                      </a:rPr>
+                      <m:t>≈</m:t>
+                    </m:r>
+                    <m:r>
+                      <a:rPr lang="en-US" sz="2400" b="1" i="1" smtClean="0">
+                        <a:solidFill>
+                          <a:schemeClr val="accent5"/>
+                        </a:solidFill>
+                        <a:latin typeface="Cambria Math" panose="02040503050406030204" pitchFamily="18" charset="0"/>
+                        <a:ea typeface="Cambria Math" panose="02040503050406030204" pitchFamily="18" charset="0"/>
+                      </a:rPr>
+                      <m:t>𝑶</m:t>
+                    </m:r>
+                    <m:d>
+                      <m:dPr>
+                        <m:ctrlPr>
+                          <a:rPr lang="en-US" sz="2400" b="1" i="1" smtClean="0">
+                            <a:solidFill>
+                              <a:schemeClr val="accent5"/>
+                            </a:solidFill>
+                            <a:latin typeface="Cambria Math" panose="02040503050406030204" pitchFamily="18" charset="0"/>
+                            <a:ea typeface="Cambria Math" panose="02040503050406030204" pitchFamily="18" charset="0"/>
+                          </a:rPr>
+                        </m:ctrlPr>
+                      </m:dPr>
+                      <m:e>
+                        <m:r>
+                          <a:rPr lang="en-US" sz="2400" b="1" i="1" smtClean="0">
+                            <a:solidFill>
+                              <a:schemeClr val="accent5"/>
+                            </a:solidFill>
+                            <a:latin typeface="Cambria Math" panose="02040503050406030204" pitchFamily="18" charset="0"/>
+                            <a:ea typeface="Cambria Math" panose="02040503050406030204" pitchFamily="18" charset="0"/>
+                          </a:rPr>
+                          <m:t>𝑽</m:t>
+                        </m:r>
+                      </m:e>
+                    </m:d>
+                  </m:oMath>
+                </a14:m>
+                <a:endParaRPr lang="en-US" sz="2400" b="1" dirty="0">
+                  <a:solidFill>
+                    <a:schemeClr val="accent5"/>
+                  </a:solidFill>
+                  <a:ea typeface="Cambria Math" panose="02040503050406030204" pitchFamily="18" charset="0"/>
+                </a:endParaRPr>
+              </a:p>
+              <a:p>
+                <a:pPr algn="r"/>
+                <a:r>
+                  <a:rPr lang="en-US" sz="2400" b="1" dirty="0">
+                    <a:solidFill>
+                      <a:schemeClr val="accent5"/>
+                    </a:solidFill>
+                  </a:rPr>
+                  <a:t>where </a:t>
+                </a:r>
+                <a14:m>
+                  <m:oMath xmlns:m="http://schemas.openxmlformats.org/officeDocument/2006/math">
+                    <m:r>
+                      <a:rPr lang="en-US" sz="2400" b="1" i="1">
+                        <a:solidFill>
+                          <a:schemeClr val="accent5"/>
+                        </a:solidFill>
+                        <a:latin typeface="Cambria Math" panose="02040503050406030204" pitchFamily="18" charset="0"/>
+                      </a:rPr>
+                      <m:t>𝑽</m:t>
+                    </m:r>
+                  </m:oMath>
+                </a14:m>
+                <a:r>
+                  <a:rPr lang="en-US" sz="2400" b="1" dirty="0">
+                    <a:solidFill>
+                      <a:schemeClr val="accent5"/>
+                    </a:solidFill>
+                  </a:rPr>
+                  <a:t> is very large</a:t>
+                </a:r>
+              </a:p>
+            </p:txBody>
+          </p:sp>
+        </mc:Choice>
+        <mc:Fallback>
+          <p:sp>
+            <p:nvSpPr>
+              <p:cNvPr id="18" name="TextBox 17">
+                <a:extLst>
+                  <a:ext uri="{FF2B5EF4-FFF2-40B4-BE49-F238E27FC236}">
+                    <a16:creationId xmlns:a16="http://schemas.microsoft.com/office/drawing/2014/main" id="{1236184B-B7CA-4CA0-92E5-576A690433D4}"/>
+                  </a:ext>
+                </a:extLst>
+              </p:cNvPr>
+              <p:cNvSpPr txBox="1">
+                <a:spLocks noRot="1" noChangeAspect="1" noMove="1" noResize="1" noEditPoints="1" noAdjustHandles="1" noChangeArrowheads="1" noChangeShapeType="1" noTextEdit="1"/>
+              </p:cNvSpPr>
+              <p:nvPr/>
+            </p:nvSpPr>
+            <p:spPr>
+              <a:xfrm>
+                <a:off x="6704495" y="1983319"/>
+                <a:ext cx="4318000" cy="830997"/>
+              </a:xfrm>
+              <a:prstGeom prst="rect">
+                <a:avLst/>
+              </a:prstGeom>
+              <a:blipFill>
+                <a:blip r:embed="rId5"/>
+                <a:stretch>
+                  <a:fillRect t="-5839" r="-2119" b="-15328"/>
+                </a:stretch>
+              </a:blipFill>
+            </p:spPr>
+            <p:txBody>
+              <a:bodyPr/>
+              <a:lstStyle/>
+              <a:p>
+                <a:r>
+                  <a:rPr lang="en-US">
+                    <a:noFill/>
+                  </a:rPr>
+                  <a:t> </a:t>
+                </a:r>
+              </a:p>
+            </p:txBody>
+          </p:sp>
+        </mc:Fallback>
+      </mc:AlternateContent>
+    </p:spTree>
+    <p:extLst>
+      <p:ext uri="{BB962C8B-B14F-4D97-AF65-F5344CB8AC3E}">
+        <p14:creationId xmlns:p14="http://schemas.microsoft.com/office/powerpoint/2010/main" val="4119168822"/>
+      </p:ext>
+    </p:extLst>
+  </p:cSld>
+  <p:clrMapOvr>
+    <a:masterClrMapping/>
+  </p:clrMapOvr>
+</p:sld>
+</file>
+
+<file path=ppt/slides/slide20.xml><?xml version="1.0" encoding="utf-8"?>
 <p:sld xmlns:a="http://schemas.openxmlformats.org/drawingml/2006/main" xmlns:r="http://schemas.openxmlformats.org/officeDocument/2006/relationships" xmlns:p="http://schemas.openxmlformats.org/presentationml/2006/main">
   <p:cSld>
     <p:spTree>
@@ -22460,144 +23485,7 @@
 </p:sld>
 </file>
 
-<file path=ppt/slides/slide2.xml><?xml version="1.0" encoding="utf-8"?>
-<p:sld xmlns:a="http://schemas.openxmlformats.org/drawingml/2006/main" xmlns:r="http://schemas.openxmlformats.org/officeDocument/2006/relationships" xmlns:p="http://schemas.openxmlformats.org/presentationml/2006/main">
-  <p:cSld>
-    <p:spTree>
-      <p:nvGrpSpPr>
-        <p:cNvPr id="1" name=""/>
-        <p:cNvGrpSpPr/>
-        <p:nvPr/>
-      </p:nvGrpSpPr>
-      <p:grpSpPr>
-        <a:xfrm>
-          <a:off x="0" y="0"/>
-          <a:ext cx="0" cy="0"/>
-          <a:chOff x="0" y="0"/>
-          <a:chExt cx="0" cy="0"/>
-        </a:xfrm>
-      </p:grpSpPr>
-      <p:sp>
-        <p:nvSpPr>
-          <p:cNvPr id="12" name="Rectangle 11">
-            <a:extLst>
-              <a:ext uri="{FF2B5EF4-FFF2-40B4-BE49-F238E27FC236}">
-                <a16:creationId xmlns:a16="http://schemas.microsoft.com/office/drawing/2014/main" id="{23ADB67E-7116-48E7-A675-99D608BF44F6}"/>
-              </a:ext>
-            </a:extLst>
-          </p:cNvPr>
-          <p:cNvSpPr/>
-          <p:nvPr/>
-        </p:nvSpPr>
-        <p:spPr>
-          <a:xfrm>
-            <a:off x="253828" y="914400"/>
-            <a:ext cx="11380959" cy="4391025"/>
-          </a:xfrm>
-          <a:prstGeom prst="rect">
-            <a:avLst/>
-          </a:prstGeom>
-          <a:noFill/>
-        </p:spPr>
-        <p:style>
-          <a:lnRef idx="2">
-            <a:schemeClr val="accent1">
-              <a:shade val="50000"/>
-            </a:schemeClr>
-          </a:lnRef>
-          <a:fillRef idx="1">
-            <a:schemeClr val="accent1"/>
-          </a:fillRef>
-          <a:effectRef idx="0">
-            <a:schemeClr val="accent1"/>
-          </a:effectRef>
-          <a:fontRef idx="minor">
-            <a:schemeClr val="lt1"/>
-          </a:fontRef>
-        </p:style>
-        <p:txBody>
-          <a:bodyPr rtlCol="0" anchor="ctr"/>
-          <a:lstStyle/>
-          <a:p>
-            <a:pPr algn="ctr"/>
-            <a:endParaRPr lang="en-US"/>
-          </a:p>
-        </p:txBody>
-      </p:sp>
-      <p:pic>
-        <p:nvPicPr>
-          <p:cNvPr id="13" name="Picture 12">
-            <a:extLst>
-              <a:ext uri="{FF2B5EF4-FFF2-40B4-BE49-F238E27FC236}">
-                <a16:creationId xmlns:a16="http://schemas.microsoft.com/office/drawing/2014/main" id="{894C426C-E1D4-428E-9121-D278A66248B4}"/>
-              </a:ext>
-            </a:extLst>
-          </p:cNvPr>
-          <p:cNvPicPr>
-            <a:picLocks noChangeAspect="1"/>
-          </p:cNvPicPr>
-          <p:nvPr/>
-        </p:nvPicPr>
-        <p:blipFill>
-          <a:blip r:embed="rId2"/>
-          <a:stretch>
-            <a:fillRect/>
-          </a:stretch>
-        </p:blipFill>
-        <p:spPr>
-          <a:xfrm>
-            <a:off x="1864518" y="1020804"/>
-            <a:ext cx="8462963" cy="350796"/>
-          </a:xfrm>
-          <a:prstGeom prst="rect">
-            <a:avLst/>
-          </a:prstGeom>
-        </p:spPr>
-      </p:pic>
-      <p:pic>
-        <p:nvPicPr>
-          <p:cNvPr id="14" name="Picture 13">
-            <a:extLst>
-              <a:ext uri="{FF2B5EF4-FFF2-40B4-BE49-F238E27FC236}">
-                <a16:creationId xmlns:a16="http://schemas.microsoft.com/office/drawing/2014/main" id="{45A18C7A-1A19-4670-91BC-B422CC8D4DB5}"/>
-              </a:ext>
-            </a:extLst>
-          </p:cNvPr>
-          <p:cNvPicPr>
-            <a:picLocks noChangeAspect="1"/>
-          </p:cNvPicPr>
-          <p:nvPr/>
-        </p:nvPicPr>
-        <p:blipFill>
-          <a:blip r:embed="rId3"/>
-          <a:stretch>
-            <a:fillRect/>
-          </a:stretch>
-        </p:blipFill>
-        <p:spPr>
-          <a:xfrm>
-            <a:off x="1401984" y="1828800"/>
-            <a:ext cx="9084645" cy="3200400"/>
-          </a:xfrm>
-          <a:prstGeom prst="rect">
-            <a:avLst/>
-          </a:prstGeom>
-        </p:spPr>
-      </p:pic>
-    </p:spTree>
-    <p:extLst>
-      <p:ext uri="{BB962C8B-B14F-4D97-AF65-F5344CB8AC3E}">
-        <p14:creationId xmlns:p14="http://schemas.microsoft.com/office/powerpoint/2010/main" val="412385174"/>
-      </p:ext>
-    </p:extLst>
-  </p:cSld>
-  <p:clrMapOvr>
-    <a:masterClrMapping/>
-  </p:clrMapOvr>
-</p:sld>
-</file>
-
-<file path=ppt/slides/slide20.xml><?xml version="1.0" encoding="utf-8"?>
+<file path=ppt/slides/slide21.xml><?xml version="1.0" encoding="utf-8"?>
 <p:sld xmlns:a="http://schemas.openxmlformats.org/drawingml/2006/main" xmlns:r="http://schemas.openxmlformats.org/officeDocument/2006/relationships" xmlns:p="http://schemas.openxmlformats.org/presentationml/2006/main">
   <p:cSld>
     <p:spTree>
@@ -25486,7 +26374,7 @@
 </p:sld>
 </file>
 
-<file path=ppt/slides/slide21.xml><?xml version="1.0" encoding="utf-8"?>
+<file path=ppt/slides/slide22.xml><?xml version="1.0" encoding="utf-8"?>
 <p:sld xmlns:a="http://schemas.openxmlformats.org/drawingml/2006/main" xmlns:r="http://schemas.openxmlformats.org/officeDocument/2006/relationships" xmlns:p="http://schemas.openxmlformats.org/presentationml/2006/main">
   <p:cSld>
     <p:spTree>
@@ -25587,7 +26475,7 @@
 </p:sld>
 </file>
 
-<file path=ppt/slides/slide22.xml><?xml version="1.0" encoding="utf-8"?>
+<file path=ppt/slides/slide23.xml><?xml version="1.0" encoding="utf-8"?>
 <p:sld xmlns:a="http://schemas.openxmlformats.org/drawingml/2006/main" xmlns:r="http://schemas.openxmlformats.org/officeDocument/2006/relationships" xmlns:p="http://schemas.openxmlformats.org/presentationml/2006/main">
   <p:cSld>
     <p:spTree>
@@ -26253,6 +27141,54 @@
           </a:fontRef>
         </p:style>
       </p:cxnSp>
+      <p:sp>
+        <p:nvSpPr>
+          <p:cNvPr id="18" name="TextBox 17">
+            <a:extLst>
+              <a:ext uri="{FF2B5EF4-FFF2-40B4-BE49-F238E27FC236}">
+                <a16:creationId xmlns:a16="http://schemas.microsoft.com/office/drawing/2014/main" id="{D9762EB1-7786-42D5-B4CA-000F71AE9AE6}"/>
+              </a:ext>
+            </a:extLst>
+          </p:cNvPr>
+          <p:cNvSpPr txBox="1"/>
+          <p:nvPr/>
+        </p:nvSpPr>
+        <p:spPr>
+          <a:xfrm>
+            <a:off x="5338238" y="2813129"/>
+            <a:ext cx="2029121" cy="369332"/>
+          </a:xfrm>
+          <a:prstGeom prst="rect">
+            <a:avLst/>
+          </a:prstGeom>
+          <a:noFill/>
+        </p:spPr>
+        <p:txBody>
+          <a:bodyPr wrap="square" rtlCol="0">
+            <a:spAutoFit/>
+          </a:bodyPr>
+          <a:lstStyle/>
+          <a:p>
+            <a:r>
+              <a:rPr lang="en-US" dirty="0">
+                <a:solidFill>
+                  <a:schemeClr val="tx1">
+                    <a:alpha val="20000"/>
+                  </a:schemeClr>
+                </a:solidFill>
+                <a:effectLst>
+                  <a:outerShdw blurRad="50800" dist="50800" dir="5400000" algn="ctr" rotWithShape="0">
+                    <a:srgbClr val="000000">
+                      <a:alpha val="0"/>
+                    </a:srgbClr>
+                  </a:outerShdw>
+                </a:effectLst>
+              </a:rPr>
+              <a:t>aegis4048.github.io</a:t>
+            </a:r>
+          </a:p>
+        </p:txBody>
+      </p:sp>
     </p:spTree>
     <p:extLst>
       <p:ext uri="{BB962C8B-B14F-4D97-AF65-F5344CB8AC3E}">
@@ -26266,7 +27202,7 @@
 </p:sld>
 </file>
 
-<file path=ppt/slides/slide23.xml><?xml version="1.0" encoding="utf-8"?>
+<file path=ppt/slides/slide24.xml><?xml version="1.0" encoding="utf-8"?>
 <p:sld xmlns:a="http://schemas.openxmlformats.org/drawingml/2006/main" xmlns:r="http://schemas.openxmlformats.org/officeDocument/2006/relationships" xmlns:p="http://schemas.openxmlformats.org/presentationml/2006/main">
   <p:cSld>
     <p:spTree>
@@ -26835,6 +27771,54 @@
           </a:fontRef>
         </p:style>
       </p:cxnSp>
+      <p:sp>
+        <p:nvSpPr>
+          <p:cNvPr id="14" name="TextBox 13">
+            <a:extLst>
+              <a:ext uri="{FF2B5EF4-FFF2-40B4-BE49-F238E27FC236}">
+                <a16:creationId xmlns:a16="http://schemas.microsoft.com/office/drawing/2014/main" id="{8754EACE-E326-443D-A238-6F0C0CF8D84D}"/>
+              </a:ext>
+            </a:extLst>
+          </p:cNvPr>
+          <p:cNvSpPr txBox="1"/>
+          <p:nvPr/>
+        </p:nvSpPr>
+        <p:spPr>
+          <a:xfrm>
+            <a:off x="6005132" y="4968288"/>
+            <a:ext cx="2029121" cy="369332"/>
+          </a:xfrm>
+          <a:prstGeom prst="rect">
+            <a:avLst/>
+          </a:prstGeom>
+          <a:noFill/>
+        </p:spPr>
+        <p:txBody>
+          <a:bodyPr wrap="square" rtlCol="0">
+            <a:spAutoFit/>
+          </a:bodyPr>
+          <a:lstStyle/>
+          <a:p>
+            <a:r>
+              <a:rPr lang="en-US" dirty="0">
+                <a:solidFill>
+                  <a:schemeClr val="tx1">
+                    <a:alpha val="20000"/>
+                  </a:schemeClr>
+                </a:solidFill>
+                <a:effectLst>
+                  <a:outerShdw blurRad="50800" dist="50800" dir="5400000" algn="ctr" rotWithShape="0">
+                    <a:srgbClr val="000000">
+                      <a:alpha val="0"/>
+                    </a:srgbClr>
+                  </a:outerShdw>
+                </a:effectLst>
+              </a:rPr>
+              <a:t>aegis4048.github.io</a:t>
+            </a:r>
+          </a:p>
+        </p:txBody>
+      </p:sp>
     </p:spTree>
     <p:extLst>
       <p:ext uri="{BB962C8B-B14F-4D97-AF65-F5344CB8AC3E}">
@@ -26848,7 +27832,7 @@
 </p:sld>
 </file>
 
-<file path=ppt/slides/slide24.xml><?xml version="1.0" encoding="utf-8"?>
+<file path=ppt/slides/slide25.xml><?xml version="1.0" encoding="utf-8"?>
 <p:sld xmlns:a="http://schemas.openxmlformats.org/drawingml/2006/main" xmlns:r="http://schemas.openxmlformats.org/officeDocument/2006/relationships" xmlns:p="http://schemas.openxmlformats.org/presentationml/2006/main">
   <p:cSld>
     <p:spTree>
@@ -27417,6 +28401,54 @@
           </a:fontRef>
         </p:style>
       </p:cxnSp>
+      <p:sp>
+        <p:nvSpPr>
+          <p:cNvPr id="14" name="TextBox 13">
+            <a:extLst>
+              <a:ext uri="{FF2B5EF4-FFF2-40B4-BE49-F238E27FC236}">
+                <a16:creationId xmlns:a16="http://schemas.microsoft.com/office/drawing/2014/main" id="{F3E7D299-461A-4293-B416-D43DBE16F619}"/>
+              </a:ext>
+            </a:extLst>
+          </p:cNvPr>
+          <p:cNvSpPr txBox="1"/>
+          <p:nvPr/>
+        </p:nvSpPr>
+        <p:spPr>
+          <a:xfrm>
+            <a:off x="6005132" y="4968288"/>
+            <a:ext cx="2029121" cy="369332"/>
+          </a:xfrm>
+          <a:prstGeom prst="rect">
+            <a:avLst/>
+          </a:prstGeom>
+          <a:noFill/>
+        </p:spPr>
+        <p:txBody>
+          <a:bodyPr wrap="square" rtlCol="0">
+            <a:spAutoFit/>
+          </a:bodyPr>
+          <a:lstStyle/>
+          <a:p>
+            <a:r>
+              <a:rPr lang="en-US" dirty="0">
+                <a:solidFill>
+                  <a:schemeClr val="tx1">
+                    <a:alpha val="20000"/>
+                  </a:schemeClr>
+                </a:solidFill>
+                <a:effectLst>
+                  <a:outerShdw blurRad="50800" dist="50800" dir="5400000" algn="ctr" rotWithShape="0">
+                    <a:srgbClr val="000000">
+                      <a:alpha val="0"/>
+                    </a:srgbClr>
+                  </a:outerShdw>
+                </a:effectLst>
+              </a:rPr>
+              <a:t>aegis4048.github.io</a:t>
+            </a:r>
+          </a:p>
+        </p:txBody>
+      </p:sp>
     </p:spTree>
     <p:extLst>
       <p:ext uri="{BB962C8B-B14F-4D97-AF65-F5344CB8AC3E}">
@@ -27430,7 +28462,7 @@
 </p:sld>
 </file>
 
-<file path=ppt/slides/slide25.xml><?xml version="1.0" encoding="utf-8"?>
+<file path=ppt/slides/slide26.xml><?xml version="1.0" encoding="utf-8"?>
 <p:sld xmlns:a="http://schemas.openxmlformats.org/drawingml/2006/main" xmlns:r="http://schemas.openxmlformats.org/officeDocument/2006/relationships" xmlns:p="http://schemas.openxmlformats.org/presentationml/2006/main">
   <p:cSld>
     <p:spTree>
@@ -28697,7 +29729,7 @@
 </p:sld>
 </file>
 
-<file path=ppt/slides/slide26.xml><?xml version="1.0" encoding="utf-8"?>
+<file path=ppt/slides/slide27.xml><?xml version="1.0" encoding="utf-8"?>
 <p:sld xmlns:a="http://schemas.openxmlformats.org/drawingml/2006/main" xmlns:r="http://schemas.openxmlformats.org/officeDocument/2006/relationships" xmlns:p="http://schemas.openxmlformats.org/presentationml/2006/main">
   <p:cSld>
     <p:spTree>
@@ -29679,7 +30711,7 @@
 </p:sld>
 </file>
 
-<file path=ppt/slides/slide27.xml><?xml version="1.0" encoding="utf-8"?>
+<file path=ppt/slides/slide28.xml><?xml version="1.0" encoding="utf-8"?>
 <p:sld xmlns:a="http://schemas.openxmlformats.org/drawingml/2006/main" xmlns:r="http://schemas.openxmlformats.org/officeDocument/2006/relationships" xmlns:p="http://schemas.openxmlformats.org/presentationml/2006/main">
   <p:cSld>
     <p:spTree>
@@ -33899,7 +34931,7 @@
 </p:sld>
 </file>
 
-<file path=ppt/slides/slide28.xml><?xml version="1.0" encoding="utf-8"?>
+<file path=ppt/slides/slide29.xml><?xml version="1.0" encoding="utf-8"?>
 <p:sld xmlns:a="http://schemas.openxmlformats.org/drawingml/2006/main" xmlns:r="http://schemas.openxmlformats.org/officeDocument/2006/relationships" xmlns:p="http://schemas.openxmlformats.org/presentationml/2006/main">
   <p:cSld>
     <p:spTree>
@@ -37540,7 +38572,192 @@
 </p:sld>
 </file>
 
-<file path=ppt/slides/slide29.xml><?xml version="1.0" encoding="utf-8"?>
+<file path=ppt/slides/slide3.xml><?xml version="1.0" encoding="utf-8"?>
+<p:sld xmlns:a="http://schemas.openxmlformats.org/drawingml/2006/main" xmlns:r="http://schemas.openxmlformats.org/officeDocument/2006/relationships" xmlns:p="http://schemas.openxmlformats.org/presentationml/2006/main">
+  <p:cSld>
+    <p:spTree>
+      <p:nvGrpSpPr>
+        <p:cNvPr id="1" name=""/>
+        <p:cNvGrpSpPr/>
+        <p:nvPr/>
+      </p:nvGrpSpPr>
+      <p:grpSpPr>
+        <a:xfrm>
+          <a:off x="0" y="0"/>
+          <a:ext cx="0" cy="0"/>
+          <a:chOff x="0" y="0"/>
+          <a:chExt cx="0" cy="0"/>
+        </a:xfrm>
+      </p:grpSpPr>
+      <p:sp>
+        <p:nvSpPr>
+          <p:cNvPr id="12" name="Rectangle 11">
+            <a:extLst>
+              <a:ext uri="{FF2B5EF4-FFF2-40B4-BE49-F238E27FC236}">
+                <a16:creationId xmlns:a16="http://schemas.microsoft.com/office/drawing/2014/main" id="{23ADB67E-7116-48E7-A675-99D608BF44F6}"/>
+              </a:ext>
+            </a:extLst>
+          </p:cNvPr>
+          <p:cNvSpPr/>
+          <p:nvPr/>
+        </p:nvSpPr>
+        <p:spPr>
+          <a:xfrm>
+            <a:off x="253828" y="914400"/>
+            <a:ext cx="11380959" cy="4391025"/>
+          </a:xfrm>
+          <a:prstGeom prst="rect">
+            <a:avLst/>
+          </a:prstGeom>
+          <a:noFill/>
+        </p:spPr>
+        <p:style>
+          <a:lnRef idx="2">
+            <a:schemeClr val="accent1">
+              <a:shade val="50000"/>
+            </a:schemeClr>
+          </a:lnRef>
+          <a:fillRef idx="1">
+            <a:schemeClr val="accent1"/>
+          </a:fillRef>
+          <a:effectRef idx="0">
+            <a:schemeClr val="accent1"/>
+          </a:effectRef>
+          <a:fontRef idx="minor">
+            <a:schemeClr val="lt1"/>
+          </a:fontRef>
+        </p:style>
+        <p:txBody>
+          <a:bodyPr rtlCol="0" anchor="ctr"/>
+          <a:lstStyle/>
+          <a:p>
+            <a:pPr algn="ctr"/>
+            <a:endParaRPr lang="en-US"/>
+          </a:p>
+        </p:txBody>
+      </p:sp>
+      <p:pic>
+        <p:nvPicPr>
+          <p:cNvPr id="13" name="Picture 12">
+            <a:extLst>
+              <a:ext uri="{FF2B5EF4-FFF2-40B4-BE49-F238E27FC236}">
+                <a16:creationId xmlns:a16="http://schemas.microsoft.com/office/drawing/2014/main" id="{894C426C-E1D4-428E-9121-D278A66248B4}"/>
+              </a:ext>
+            </a:extLst>
+          </p:cNvPr>
+          <p:cNvPicPr>
+            <a:picLocks noChangeAspect="1"/>
+          </p:cNvPicPr>
+          <p:nvPr/>
+        </p:nvPicPr>
+        <p:blipFill>
+          <a:blip r:embed="rId2"/>
+          <a:stretch>
+            <a:fillRect/>
+          </a:stretch>
+        </p:blipFill>
+        <p:spPr>
+          <a:xfrm>
+            <a:off x="1864518" y="1020804"/>
+            <a:ext cx="8462963" cy="350796"/>
+          </a:xfrm>
+          <a:prstGeom prst="rect">
+            <a:avLst/>
+          </a:prstGeom>
+        </p:spPr>
+      </p:pic>
+      <p:pic>
+        <p:nvPicPr>
+          <p:cNvPr id="2" name="Picture 1">
+            <a:extLst>
+              <a:ext uri="{FF2B5EF4-FFF2-40B4-BE49-F238E27FC236}">
+                <a16:creationId xmlns:a16="http://schemas.microsoft.com/office/drawing/2014/main" id="{3B682D55-191E-439B-AF59-B22EDECED8D9}"/>
+              </a:ext>
+            </a:extLst>
+          </p:cNvPr>
+          <p:cNvPicPr>
+            <a:picLocks noChangeAspect="1"/>
+          </p:cNvPicPr>
+          <p:nvPr/>
+        </p:nvPicPr>
+        <p:blipFill>
+          <a:blip r:embed="rId3"/>
+          <a:stretch>
+            <a:fillRect/>
+          </a:stretch>
+        </p:blipFill>
+        <p:spPr>
+          <a:xfrm>
+            <a:off x="2047621" y="2011680"/>
+            <a:ext cx="8096755" cy="2834640"/>
+          </a:xfrm>
+          <a:prstGeom prst="rect">
+            <a:avLst/>
+          </a:prstGeom>
+        </p:spPr>
+      </p:pic>
+      <p:sp>
+        <p:nvSpPr>
+          <p:cNvPr id="5" name="TextBox 4">
+            <a:extLst>
+              <a:ext uri="{FF2B5EF4-FFF2-40B4-BE49-F238E27FC236}">
+                <a16:creationId xmlns:a16="http://schemas.microsoft.com/office/drawing/2014/main" id="{7733E6A0-18A0-4F3F-9211-C46AA4A6A553}"/>
+              </a:ext>
+            </a:extLst>
+          </p:cNvPr>
+          <p:cNvSpPr txBox="1"/>
+          <p:nvPr/>
+        </p:nvSpPr>
+        <p:spPr>
+          <a:xfrm>
+            <a:off x="5558472" y="3504374"/>
+            <a:ext cx="2029121" cy="369332"/>
+          </a:xfrm>
+          <a:prstGeom prst="rect">
+            <a:avLst/>
+          </a:prstGeom>
+          <a:noFill/>
+        </p:spPr>
+        <p:txBody>
+          <a:bodyPr wrap="square" rtlCol="0">
+            <a:spAutoFit/>
+          </a:bodyPr>
+          <a:lstStyle/>
+          <a:p>
+            <a:r>
+              <a:rPr lang="en-US" dirty="0">
+                <a:solidFill>
+                  <a:schemeClr val="tx1">
+                    <a:alpha val="20000"/>
+                  </a:schemeClr>
+                </a:solidFill>
+                <a:effectLst>
+                  <a:outerShdw blurRad="50800" dist="50800" dir="5400000" algn="ctr" rotWithShape="0">
+                    <a:srgbClr val="000000">
+                      <a:alpha val="0"/>
+                    </a:srgbClr>
+                  </a:outerShdw>
+                </a:effectLst>
+              </a:rPr>
+              <a:t>aegis4048.github.io</a:t>
+            </a:r>
+          </a:p>
+        </p:txBody>
+      </p:sp>
+    </p:spTree>
+    <p:extLst>
+      <p:ext uri="{BB962C8B-B14F-4D97-AF65-F5344CB8AC3E}">
+        <p14:creationId xmlns:p14="http://schemas.microsoft.com/office/powerpoint/2010/main" val="412385174"/>
+      </p:ext>
+    </p:extLst>
+  </p:cSld>
+  <p:clrMapOvr>
+    <a:masterClrMapping/>
+  </p:clrMapOvr>
+</p:sld>
+</file>
+
+<file path=ppt/slides/slide30.xml><?xml version="1.0" encoding="utf-8"?>
 <p:sld xmlns:a="http://schemas.openxmlformats.org/drawingml/2006/main" xmlns:r="http://schemas.openxmlformats.org/officeDocument/2006/relationships" xmlns:p="http://schemas.openxmlformats.org/presentationml/2006/main">
   <p:cSld>
     <p:bg>
@@ -39164,114 +40381,7 @@
 </p:sld>
 </file>
 
-<file path=ppt/slides/slide3.xml><?xml version="1.0" encoding="utf-8"?>
-<p:sld xmlns:a="http://schemas.openxmlformats.org/drawingml/2006/main" xmlns:r="http://schemas.openxmlformats.org/officeDocument/2006/relationships" xmlns:p="http://schemas.openxmlformats.org/presentationml/2006/main">
-  <p:cSld>
-    <p:spTree>
-      <p:nvGrpSpPr>
-        <p:cNvPr id="1" name=""/>
-        <p:cNvGrpSpPr/>
-        <p:nvPr/>
-      </p:nvGrpSpPr>
-      <p:grpSpPr>
-        <a:xfrm>
-          <a:off x="0" y="0"/>
-          <a:ext cx="0" cy="0"/>
-          <a:chOff x="0" y="0"/>
-          <a:chExt cx="0" cy="0"/>
-        </a:xfrm>
-      </p:grpSpPr>
-      <p:sp>
-        <p:nvSpPr>
-          <p:cNvPr id="5" name="Rectangle 4">
-            <a:extLst>
-              <a:ext uri="{FF2B5EF4-FFF2-40B4-BE49-F238E27FC236}">
-                <a16:creationId xmlns:a16="http://schemas.microsoft.com/office/drawing/2014/main" id="{4AFABD5C-E230-4091-B401-713D170FD526}"/>
-              </a:ext>
-            </a:extLst>
-          </p:cNvPr>
-          <p:cNvSpPr/>
-          <p:nvPr/>
-        </p:nvSpPr>
-        <p:spPr>
-          <a:xfrm>
-            <a:off x="253828" y="1855720"/>
-            <a:ext cx="11380959" cy="3449705"/>
-          </a:xfrm>
-          <a:prstGeom prst="rect">
-            <a:avLst/>
-          </a:prstGeom>
-          <a:noFill/>
-        </p:spPr>
-        <p:style>
-          <a:lnRef idx="2">
-            <a:schemeClr val="accent1">
-              <a:shade val="50000"/>
-            </a:schemeClr>
-          </a:lnRef>
-          <a:fillRef idx="1">
-            <a:schemeClr val="accent1"/>
-          </a:fillRef>
-          <a:effectRef idx="0">
-            <a:schemeClr val="accent1"/>
-          </a:effectRef>
-          <a:fontRef idx="minor">
-            <a:schemeClr val="lt1"/>
-          </a:fontRef>
-        </p:style>
-        <p:txBody>
-          <a:bodyPr rtlCol="0" anchor="ctr"/>
-          <a:lstStyle/>
-          <a:p>
-            <a:pPr algn="ctr"/>
-            <a:endParaRPr lang="en-US"/>
-          </a:p>
-        </p:txBody>
-      </p:sp>
-      <p:pic>
-        <p:nvPicPr>
-          <p:cNvPr id="9" name="Picture 8">
-            <a:extLst>
-              <a:ext uri="{FF2B5EF4-FFF2-40B4-BE49-F238E27FC236}">
-                <a16:creationId xmlns:a16="http://schemas.microsoft.com/office/drawing/2014/main" id="{6940D211-D4EE-4624-8A6A-373FC55AD51A}"/>
-              </a:ext>
-            </a:extLst>
-          </p:cNvPr>
-          <p:cNvPicPr>
-            <a:picLocks noChangeAspect="1"/>
-          </p:cNvPicPr>
-          <p:nvPr/>
-        </p:nvPicPr>
-        <p:blipFill>
-          <a:blip r:embed="rId2"/>
-          <a:stretch>
-            <a:fillRect/>
-          </a:stretch>
-        </p:blipFill>
-        <p:spPr>
-          <a:xfrm>
-            <a:off x="1794904" y="1888932"/>
-            <a:ext cx="8298806" cy="3383280"/>
-          </a:xfrm>
-          <a:prstGeom prst="rect">
-            <a:avLst/>
-          </a:prstGeom>
-        </p:spPr>
-      </p:pic>
-    </p:spTree>
-    <p:extLst>
-      <p:ext uri="{BB962C8B-B14F-4D97-AF65-F5344CB8AC3E}">
-        <p14:creationId xmlns:p14="http://schemas.microsoft.com/office/powerpoint/2010/main" val="1879459574"/>
-      </p:ext>
-    </p:extLst>
-  </p:cSld>
-  <p:clrMapOvr>
-    <a:masterClrMapping/>
-  </p:clrMapOvr>
-</p:sld>
-</file>
-
-<file path=ppt/slides/slide30.xml><?xml version="1.0" encoding="utf-8"?>
+<file path=ppt/slides/slide31.xml><?xml version="1.0" encoding="utf-8"?>
 <p:sld xmlns:a="http://schemas.openxmlformats.org/drawingml/2006/main" xmlns:r="http://schemas.openxmlformats.org/officeDocument/2006/relationships" xmlns:p="http://schemas.openxmlformats.org/presentationml/2006/main">
   <p:cSld>
     <p:spTree>
@@ -39824,7 +40934,7 @@
 </p:sld>
 </file>
 
-<file path=ppt/slides/slide31.xml><?xml version="1.0" encoding="utf-8"?>
+<file path=ppt/slides/slide32.xml><?xml version="1.0" encoding="utf-8"?>
 <p:sld xmlns:a="http://schemas.openxmlformats.org/drawingml/2006/main" xmlns:r="http://schemas.openxmlformats.org/officeDocument/2006/relationships" xmlns:p="http://schemas.openxmlformats.org/presentationml/2006/main">
   <p:cSld>
     <p:spTree>
@@ -41863,7 +42973,7 @@
 </p:sld>
 </file>
 
-<file path=ppt/slides/slide32.xml><?xml version="1.0" encoding="utf-8"?>
+<file path=ppt/slides/slide33.xml><?xml version="1.0" encoding="utf-8"?>
 <p:sld xmlns:a="http://schemas.openxmlformats.org/drawingml/2006/main" xmlns:r="http://schemas.openxmlformats.org/officeDocument/2006/relationships" xmlns:p="http://schemas.openxmlformats.org/presentationml/2006/main">
   <p:cSld>
     <p:spTree>
@@ -47168,7 +48278,7 @@
 </p:sld>
 </file>
 
-<file path=ppt/slides/slide33.xml><?xml version="1.0" encoding="utf-8"?>
+<file path=ppt/slides/slide34.xml><?xml version="1.0" encoding="utf-8"?>
 <p:sld xmlns:a="http://schemas.openxmlformats.org/drawingml/2006/main" xmlns:r="http://schemas.openxmlformats.org/officeDocument/2006/relationships" xmlns:p="http://schemas.openxmlformats.org/presentationml/2006/main">
   <p:cSld>
     <p:spTree>
@@ -48486,7 +49596,7 @@
 </p:sld>
 </file>
 
-<file path=ppt/slides/slide34.xml><?xml version="1.0" encoding="utf-8"?>
+<file path=ppt/slides/slide35.xml><?xml version="1.0" encoding="utf-8"?>
 <p:sld xmlns:a="http://schemas.openxmlformats.org/drawingml/2006/main" xmlns:r="http://schemas.openxmlformats.org/officeDocument/2006/relationships" xmlns:p="http://schemas.openxmlformats.org/presentationml/2006/main">
   <p:cSld>
     <p:spTree>
@@ -49329,7 +50439,7 @@
 </p:sld>
 </file>
 
-<file path=ppt/slides/slide35.xml><?xml version="1.0" encoding="utf-8"?>
+<file path=ppt/slides/slide36.xml><?xml version="1.0" encoding="utf-8"?>
 <p:sld xmlns:a="http://schemas.openxmlformats.org/drawingml/2006/main" xmlns:r="http://schemas.openxmlformats.org/officeDocument/2006/relationships" xmlns:p="http://schemas.openxmlformats.org/presentationml/2006/main">
   <p:cSld>
     <p:spTree>
@@ -50404,7 +51514,7 @@
 </p:sld>
 </file>
 
-<file path=ppt/slides/slide36.xml><?xml version="1.0" encoding="utf-8"?>
+<file path=ppt/slides/slide37.xml><?xml version="1.0" encoding="utf-8"?>
 <p:sld xmlns:a="http://schemas.openxmlformats.org/drawingml/2006/main" xmlns:r="http://schemas.openxmlformats.org/officeDocument/2006/relationships" xmlns:p="http://schemas.openxmlformats.org/presentationml/2006/main">
   <p:cSld>
     <p:spTree>
@@ -50486,7 +51596,7 @@
           <p:cNvPr id="5" name="Rectangle 4">
             <a:extLst>
               <a:ext uri="{FF2B5EF4-FFF2-40B4-BE49-F238E27FC236}">
-                <a16:creationId xmlns:a16="http://schemas.microsoft.com/office/drawing/2014/main" id="{544C5752-F07C-4D42-AFE9-7AC8CCDE8AF7}"/>
+                <a16:creationId xmlns:a16="http://schemas.microsoft.com/office/drawing/2014/main" id="{4AFABD5C-E230-4091-B401-713D170FD526}"/>
               </a:ext>
             </a:extLst>
           </p:cNvPr>
@@ -50495,8 +51605,8 @@
         </p:nvSpPr>
         <p:spPr>
           <a:xfrm>
-            <a:off x="253828" y="1855720"/>
-            <a:ext cx="11380959" cy="3449705"/>
+            <a:off x="253828" y="1652588"/>
+            <a:ext cx="11380959" cy="3843337"/>
           </a:xfrm>
           <a:prstGeom prst="rect">
             <a:avLst/>
@@ -50530,10 +51640,10 @@
       </p:sp>
       <p:pic>
         <p:nvPicPr>
-          <p:cNvPr id="7" name="Picture 6">
-            <a:extLst>
-              <a:ext uri="{FF2B5EF4-FFF2-40B4-BE49-F238E27FC236}">
-                <a16:creationId xmlns:a16="http://schemas.microsoft.com/office/drawing/2014/main" id="{E960F876-CFE3-4E4D-9D22-D7A710129698}"/>
+          <p:cNvPr id="6" name="Picture 5">
+            <a:extLst>
+              <a:ext uri="{FF2B5EF4-FFF2-40B4-BE49-F238E27FC236}">
+                <a16:creationId xmlns:a16="http://schemas.microsoft.com/office/drawing/2014/main" id="{FC403CF1-BF8B-4D12-85A6-0E2CC85B1FC7}"/>
               </a:ext>
             </a:extLst>
           </p:cNvPr>
@@ -50550,18 +51660,66 @@
         </p:blipFill>
         <p:spPr>
           <a:xfrm>
-            <a:off x="461438" y="1980372"/>
-            <a:ext cx="10965738" cy="3200400"/>
+            <a:off x="1648685" y="2065496"/>
+            <a:ext cx="8591244" cy="3017520"/>
           </a:xfrm>
           <a:prstGeom prst="rect">
             <a:avLst/>
           </a:prstGeom>
         </p:spPr>
       </p:pic>
+      <p:sp>
+        <p:nvSpPr>
+          <p:cNvPr id="4" name="TextBox 3">
+            <a:extLst>
+              <a:ext uri="{FF2B5EF4-FFF2-40B4-BE49-F238E27FC236}">
+                <a16:creationId xmlns:a16="http://schemas.microsoft.com/office/drawing/2014/main" id="{8AF0EFB2-5EB3-4254-8E23-F7A5F66EC47A}"/>
+              </a:ext>
+            </a:extLst>
+          </p:cNvPr>
+          <p:cNvSpPr txBox="1"/>
+          <p:nvPr/>
+        </p:nvSpPr>
+        <p:spPr>
+          <a:xfrm>
+            <a:off x="5276084" y="3495409"/>
+            <a:ext cx="2029121" cy="369332"/>
+          </a:xfrm>
+          <a:prstGeom prst="rect">
+            <a:avLst/>
+          </a:prstGeom>
+          <a:noFill/>
+        </p:spPr>
+        <p:txBody>
+          <a:bodyPr wrap="square" rtlCol="0">
+            <a:spAutoFit/>
+          </a:bodyPr>
+          <a:lstStyle/>
+          <a:p>
+            <a:r>
+              <a:rPr lang="en-US" dirty="0">
+                <a:solidFill>
+                  <a:schemeClr val="tx1">
+                    <a:alpha val="20000"/>
+                  </a:schemeClr>
+                </a:solidFill>
+                <a:effectLst>
+                  <a:outerShdw blurRad="50800" dist="50800" dir="5400000" algn="ctr" rotWithShape="0">
+                    <a:srgbClr val="000000">
+                      <a:alpha val="0"/>
+                    </a:srgbClr>
+                  </a:outerShdw>
+                </a:effectLst>
+              </a:rPr>
+              <a:t>aegis4048.github.io</a:t>
+            </a:r>
+          </a:p>
+        </p:txBody>
+      </p:sp>
     </p:spTree>
     <p:extLst>
       <p:ext uri="{BB962C8B-B14F-4D97-AF65-F5344CB8AC3E}">
-        <p14:creationId xmlns:p14="http://schemas.microsoft.com/office/powerpoint/2010/main" val="1434404399"/>
+        <p14:creationId xmlns:p14="http://schemas.microsoft.com/office/powerpoint/2010/main" val="1879459574"/>
       </p:ext>
     </p:extLst>
   </p:cSld>
@@ -50590,10 +51748,10 @@
       </p:grpSpPr>
       <p:sp>
         <p:nvSpPr>
-          <p:cNvPr id="6" name="Rectangle 5">
-            <a:extLst>
-              <a:ext uri="{FF2B5EF4-FFF2-40B4-BE49-F238E27FC236}">
-                <a16:creationId xmlns:a16="http://schemas.microsoft.com/office/drawing/2014/main" id="{0089E516-B456-47D4-929B-7416FC965B51}"/>
+          <p:cNvPr id="5" name="Rectangle 4">
+            <a:extLst>
+              <a:ext uri="{FF2B5EF4-FFF2-40B4-BE49-F238E27FC236}">
+                <a16:creationId xmlns:a16="http://schemas.microsoft.com/office/drawing/2014/main" id="{544C5752-F07C-4D42-AFE9-7AC8CCDE8AF7}"/>
               </a:ext>
             </a:extLst>
           </p:cNvPr>
@@ -50602,8 +51760,8 @@
         </p:nvSpPr>
         <p:spPr>
           <a:xfrm>
-            <a:off x="253828" y="0"/>
-            <a:ext cx="11380959" cy="6858000"/>
+            <a:off x="253828" y="1855720"/>
+            <a:ext cx="11380959" cy="3449705"/>
           </a:xfrm>
           <a:prstGeom prst="rect">
             <a:avLst/>
@@ -50635,91 +51793,184 @@
           </a:p>
         </p:txBody>
       </p:sp>
-      <p:grpSp>
-        <p:nvGrpSpPr>
-          <p:cNvPr id="9" name="Group 8">
-            <a:extLst>
-              <a:ext uri="{FF2B5EF4-FFF2-40B4-BE49-F238E27FC236}">
-                <a16:creationId xmlns:a16="http://schemas.microsoft.com/office/drawing/2014/main" id="{332E3156-2C7E-49C6-A8A0-2E3A25E4E444}"/>
-              </a:ext>
-            </a:extLst>
-          </p:cNvPr>
-          <p:cNvGrpSpPr/>
+      <p:pic>
+        <p:nvPicPr>
+          <p:cNvPr id="2" name="Picture 1">
+            <a:extLst>
+              <a:ext uri="{FF2B5EF4-FFF2-40B4-BE49-F238E27FC236}">
+                <a16:creationId xmlns:a16="http://schemas.microsoft.com/office/drawing/2014/main" id="{0211EAFE-AA75-44BC-A611-0311A660A1A9}"/>
+              </a:ext>
+            </a:extLst>
+          </p:cNvPr>
+          <p:cNvPicPr>
+            <a:picLocks noChangeAspect="1"/>
+          </p:cNvPicPr>
           <p:nvPr/>
-        </p:nvGrpSpPr>
-        <p:grpSpPr>
+        </p:nvPicPr>
+        <p:blipFill>
+          <a:blip r:embed="rId2"/>
+          <a:stretch>
+            <a:fillRect/>
+          </a:stretch>
+        </p:blipFill>
+        <p:spPr>
           <a:xfrm>
-            <a:off x="1963574" y="133129"/>
-            <a:ext cx="8264852" cy="6591742"/>
-            <a:chOff x="2629485" y="52823"/>
-            <a:chExt cx="8264852" cy="6591742"/>
+            <a:off x="414641" y="2151684"/>
+            <a:ext cx="10969798" cy="2834640"/>
           </a:xfrm>
-        </p:grpSpPr>
-        <p:pic>
-          <p:nvPicPr>
-            <p:cNvPr id="7" name="Picture 6">
-              <a:extLst>
-                <a:ext uri="{FF2B5EF4-FFF2-40B4-BE49-F238E27FC236}">
-                  <a16:creationId xmlns:a16="http://schemas.microsoft.com/office/drawing/2014/main" id="{559AF9E1-57A3-42CB-B577-25EAE23D0F7A}"/>
-                </a:ext>
-              </a:extLst>
-            </p:cNvPr>
-            <p:cNvPicPr>
-              <a:picLocks noChangeAspect="1"/>
-            </p:cNvPicPr>
-            <p:nvPr/>
-          </p:nvPicPr>
-          <p:blipFill>
-            <a:blip r:embed="rId2"/>
-            <a:stretch>
-              <a:fillRect/>
-            </a:stretch>
-          </p:blipFill>
-          <p:spPr>
-            <a:xfrm>
-              <a:off x="2629485" y="52823"/>
-              <a:ext cx="6629643" cy="3200400"/>
-            </a:xfrm>
-            <a:prstGeom prst="rect">
-              <a:avLst/>
-            </a:prstGeom>
-          </p:spPr>
-        </p:pic>
-        <p:pic>
-          <p:nvPicPr>
-            <p:cNvPr id="8" name="Picture 7">
-              <a:extLst>
-                <a:ext uri="{FF2B5EF4-FFF2-40B4-BE49-F238E27FC236}">
-                  <a16:creationId xmlns:a16="http://schemas.microsoft.com/office/drawing/2014/main" id="{CA212BA1-D7D1-4507-893A-51ACAD32E982}"/>
-                </a:ext>
-              </a:extLst>
-            </p:cNvPr>
-            <p:cNvPicPr>
-              <a:picLocks noChangeAspect="1"/>
-            </p:cNvPicPr>
-            <p:nvPr/>
-          </p:nvPicPr>
-          <p:blipFill>
-            <a:blip r:embed="rId3"/>
-            <a:stretch>
-              <a:fillRect/>
-            </a:stretch>
-          </p:blipFill>
-          <p:spPr>
-            <a:xfrm>
-              <a:off x="2629485" y="3444165"/>
-              <a:ext cx="8264852" cy="3200400"/>
-            </a:xfrm>
-            <a:prstGeom prst="rect">
-              <a:avLst/>
-            </a:prstGeom>
-          </p:spPr>
-        </p:pic>
-      </p:grpSp>
+          <a:prstGeom prst="rect">
+            <a:avLst/>
+          </a:prstGeom>
+        </p:spPr>
+      </p:pic>
+      <p:sp>
+        <p:nvSpPr>
+          <p:cNvPr id="4" name="TextBox 3">
+            <a:extLst>
+              <a:ext uri="{FF2B5EF4-FFF2-40B4-BE49-F238E27FC236}">
+                <a16:creationId xmlns:a16="http://schemas.microsoft.com/office/drawing/2014/main" id="{CB1C59E0-CAB7-4C10-9642-CFE6CEBD4BAA}"/>
+              </a:ext>
+            </a:extLst>
+          </p:cNvPr>
+          <p:cNvSpPr txBox="1"/>
+          <p:nvPr/>
+        </p:nvSpPr>
+        <p:spPr>
+          <a:xfrm>
+            <a:off x="5800519" y="3580572"/>
+            <a:ext cx="2029121" cy="369332"/>
+          </a:xfrm>
+          <a:prstGeom prst="rect">
+            <a:avLst/>
+          </a:prstGeom>
+          <a:noFill/>
+        </p:spPr>
+        <p:txBody>
+          <a:bodyPr wrap="square" rtlCol="0">
+            <a:spAutoFit/>
+          </a:bodyPr>
+          <a:lstStyle/>
+          <a:p>
+            <a:r>
+              <a:rPr lang="en-US" dirty="0">
+                <a:solidFill>
+                  <a:schemeClr val="tx1">
+                    <a:alpha val="20000"/>
+                  </a:schemeClr>
+                </a:solidFill>
+                <a:effectLst>
+                  <a:outerShdw blurRad="50800" dist="50800" dir="5400000" algn="ctr" rotWithShape="0">
+                    <a:srgbClr val="000000">
+                      <a:alpha val="0"/>
+                    </a:srgbClr>
+                  </a:outerShdw>
+                </a:effectLst>
+              </a:rPr>
+              <a:t>aegis4048.github.io</a:t>
+            </a:r>
+          </a:p>
+        </p:txBody>
+      </p:sp>
+      <p:sp>
+        <p:nvSpPr>
+          <p:cNvPr id="6" name="TextBox 5">
+            <a:extLst>
+              <a:ext uri="{FF2B5EF4-FFF2-40B4-BE49-F238E27FC236}">
+                <a16:creationId xmlns:a16="http://schemas.microsoft.com/office/drawing/2014/main" id="{A49EEF35-30B0-4841-ACE9-A279F8CBAA0F}"/>
+              </a:ext>
+            </a:extLst>
+          </p:cNvPr>
+          <p:cNvSpPr txBox="1"/>
+          <p:nvPr/>
+        </p:nvSpPr>
+        <p:spPr>
+          <a:xfrm>
+            <a:off x="892343" y="3569004"/>
+            <a:ext cx="2029121" cy="369332"/>
+          </a:xfrm>
+          <a:prstGeom prst="rect">
+            <a:avLst/>
+          </a:prstGeom>
+          <a:noFill/>
+        </p:spPr>
+        <p:txBody>
+          <a:bodyPr wrap="square" rtlCol="0">
+            <a:spAutoFit/>
+          </a:bodyPr>
+          <a:lstStyle/>
+          <a:p>
+            <a:r>
+              <a:rPr lang="en-US" dirty="0">
+                <a:solidFill>
+                  <a:schemeClr val="tx1">
+                    <a:alpha val="20000"/>
+                  </a:schemeClr>
+                </a:solidFill>
+                <a:effectLst>
+                  <a:outerShdw blurRad="50800" dist="50800" dir="5400000" algn="ctr" rotWithShape="0">
+                    <a:srgbClr val="000000">
+                      <a:alpha val="0"/>
+                    </a:srgbClr>
+                  </a:outerShdw>
+                </a:effectLst>
+              </a:rPr>
+              <a:t>aegis4048.github.io</a:t>
+            </a:r>
+          </a:p>
+        </p:txBody>
+      </p:sp>
+      <p:sp>
+        <p:nvSpPr>
+          <p:cNvPr id="7" name="TextBox 6">
+            <a:extLst>
+              <a:ext uri="{FF2B5EF4-FFF2-40B4-BE49-F238E27FC236}">
+                <a16:creationId xmlns:a16="http://schemas.microsoft.com/office/drawing/2014/main" id="{1C938A27-B0DE-4017-981B-AE09E1AC90AF}"/>
+              </a:ext>
+            </a:extLst>
+          </p:cNvPr>
+          <p:cNvSpPr txBox="1"/>
+          <p:nvPr/>
+        </p:nvSpPr>
+        <p:spPr>
+          <a:xfrm>
+            <a:off x="9018848" y="3569004"/>
+            <a:ext cx="2029121" cy="369332"/>
+          </a:xfrm>
+          <a:prstGeom prst="rect">
+            <a:avLst/>
+          </a:prstGeom>
+          <a:noFill/>
+        </p:spPr>
+        <p:txBody>
+          <a:bodyPr wrap="square" rtlCol="0">
+            <a:spAutoFit/>
+          </a:bodyPr>
+          <a:lstStyle/>
+          <a:p>
+            <a:r>
+              <a:rPr lang="en-US" dirty="0">
+                <a:solidFill>
+                  <a:schemeClr val="tx1">
+                    <a:alpha val="20000"/>
+                  </a:schemeClr>
+                </a:solidFill>
+                <a:effectLst>
+                  <a:outerShdw blurRad="50800" dist="50800" dir="5400000" algn="ctr" rotWithShape="0">
+                    <a:srgbClr val="000000">
+                      <a:alpha val="0"/>
+                    </a:srgbClr>
+                  </a:outerShdw>
+                </a:effectLst>
+              </a:rPr>
+              <a:t>aegis4048.github.io</a:t>
+            </a:r>
+          </a:p>
+        </p:txBody>
+      </p:sp>
     </p:spTree>
     <p:extLst>
       <p:ext uri="{BB962C8B-B14F-4D97-AF65-F5344CB8AC3E}">
-        <p14:creationId xmlns:p14="http://schemas.microsoft.com/office/powerpoint/2010/main" val="3287482236"/>
+        <p14:creationId xmlns:p14="http://schemas.microsoft.com/office/powerpoint/2010/main" val="1434404399"/>
       </p:ext>
     </p:extLst>
   </p:cSld>
@@ -50748,10 +51999,10 @@
       </p:grpSpPr>
       <p:sp>
         <p:nvSpPr>
-          <p:cNvPr id="5" name="Rectangle 4">
-            <a:extLst>
-              <a:ext uri="{FF2B5EF4-FFF2-40B4-BE49-F238E27FC236}">
-                <a16:creationId xmlns:a16="http://schemas.microsoft.com/office/drawing/2014/main" id="{544C5752-F07C-4D42-AFE9-7AC8CCDE8AF7}"/>
+          <p:cNvPr id="6" name="Rectangle 5">
+            <a:extLst>
+              <a:ext uri="{FF2B5EF4-FFF2-40B4-BE49-F238E27FC236}">
+                <a16:creationId xmlns:a16="http://schemas.microsoft.com/office/drawing/2014/main" id="{0089E516-B456-47D4-929B-7416FC965B51}"/>
               </a:ext>
             </a:extLst>
           </p:cNvPr>
@@ -50760,8 +52011,8 @@
         </p:nvSpPr>
         <p:spPr>
           <a:xfrm>
-            <a:off x="253828" y="1855720"/>
-            <a:ext cx="11380959" cy="3449705"/>
+            <a:off x="253828" y="0"/>
+            <a:ext cx="11380959" cy="6858000"/>
           </a:xfrm>
           <a:prstGeom prst="rect">
             <a:avLst/>
@@ -50798,7 +52049,7 @@
           <p:cNvPr id="2" name="Picture 1">
             <a:extLst>
               <a:ext uri="{FF2B5EF4-FFF2-40B4-BE49-F238E27FC236}">
-                <a16:creationId xmlns:a16="http://schemas.microsoft.com/office/drawing/2014/main" id="{D439DC60-ABD4-4F6F-B167-BDF674AB4925}"/>
+                <a16:creationId xmlns:a16="http://schemas.microsoft.com/office/drawing/2014/main" id="{4E6A77AB-6FA5-44D9-A453-F35C1BC5781A}"/>
               </a:ext>
             </a:extLst>
           </p:cNvPr>
@@ -50808,25 +52059,169 @@
           <p:nvPr/>
         </p:nvPicPr>
         <p:blipFill>
-          <a:blip r:embed="rId2"/>
+          <a:blip r:embed="rId3"/>
           <a:stretch>
             <a:fillRect/>
           </a:stretch>
         </p:blipFill>
         <p:spPr>
           <a:xfrm>
-            <a:off x="2566886" y="1980372"/>
-            <a:ext cx="6754842" cy="3200400"/>
+            <a:off x="1893570" y="44988"/>
+            <a:ext cx="8404860" cy="6678376"/>
           </a:xfrm>
           <a:prstGeom prst="rect">
             <a:avLst/>
           </a:prstGeom>
         </p:spPr>
       </p:pic>
+      <p:sp>
+        <p:nvSpPr>
+          <p:cNvPr id="4" name="TextBox 3">
+            <a:extLst>
+              <a:ext uri="{FF2B5EF4-FFF2-40B4-BE49-F238E27FC236}">
+                <a16:creationId xmlns:a16="http://schemas.microsoft.com/office/drawing/2014/main" id="{455018F5-12FE-4256-BD1F-4A828E7AC11B}"/>
+              </a:ext>
+            </a:extLst>
+          </p:cNvPr>
+          <p:cNvSpPr txBox="1"/>
+          <p:nvPr/>
+        </p:nvSpPr>
+        <p:spPr>
+          <a:xfrm>
+            <a:off x="4254107" y="1762393"/>
+            <a:ext cx="2029121" cy="369332"/>
+          </a:xfrm>
+          <a:prstGeom prst="rect">
+            <a:avLst/>
+          </a:prstGeom>
+          <a:noFill/>
+        </p:spPr>
+        <p:txBody>
+          <a:bodyPr wrap="square" rtlCol="0">
+            <a:spAutoFit/>
+          </a:bodyPr>
+          <a:lstStyle/>
+          <a:p>
+            <a:r>
+              <a:rPr lang="en-US" dirty="0">
+                <a:solidFill>
+                  <a:schemeClr val="tx1">
+                    <a:alpha val="20000"/>
+                  </a:schemeClr>
+                </a:solidFill>
+                <a:effectLst>
+                  <a:outerShdw blurRad="50800" dist="50800" dir="5400000" algn="ctr" rotWithShape="0">
+                    <a:srgbClr val="000000">
+                      <a:alpha val="0"/>
+                    </a:srgbClr>
+                  </a:outerShdw>
+                </a:effectLst>
+              </a:rPr>
+              <a:t>aegis4048.github.io</a:t>
+            </a:r>
+          </a:p>
+        </p:txBody>
+      </p:sp>
+      <p:sp>
+        <p:nvSpPr>
+          <p:cNvPr id="5" name="TextBox 4">
+            <a:extLst>
+              <a:ext uri="{FF2B5EF4-FFF2-40B4-BE49-F238E27FC236}">
+                <a16:creationId xmlns:a16="http://schemas.microsoft.com/office/drawing/2014/main" id="{E5298B15-78E5-4533-B258-41A0B95A9FC9}"/>
+              </a:ext>
+            </a:extLst>
+          </p:cNvPr>
+          <p:cNvSpPr txBox="1"/>
+          <p:nvPr/>
+        </p:nvSpPr>
+        <p:spPr>
+          <a:xfrm>
+            <a:off x="7060060" y="5095607"/>
+            <a:ext cx="2029121" cy="369332"/>
+          </a:xfrm>
+          <a:prstGeom prst="rect">
+            <a:avLst/>
+          </a:prstGeom>
+          <a:noFill/>
+        </p:spPr>
+        <p:txBody>
+          <a:bodyPr wrap="square" rtlCol="0">
+            <a:spAutoFit/>
+          </a:bodyPr>
+          <a:lstStyle/>
+          <a:p>
+            <a:r>
+              <a:rPr lang="en-US" dirty="0">
+                <a:solidFill>
+                  <a:schemeClr val="tx1">
+                    <a:alpha val="20000"/>
+                  </a:schemeClr>
+                </a:solidFill>
+                <a:effectLst>
+                  <a:outerShdw blurRad="50800" dist="50800" dir="5400000" algn="ctr" rotWithShape="0">
+                    <a:srgbClr val="000000">
+                      <a:alpha val="0"/>
+                    </a:srgbClr>
+                  </a:outerShdw>
+                </a:effectLst>
+              </a:rPr>
+              <a:t>aegis4048.github.io</a:t>
+            </a:r>
+          </a:p>
+        </p:txBody>
+      </p:sp>
+      <p:sp>
+        <p:nvSpPr>
+          <p:cNvPr id="10" name="TextBox 9">
+            <a:extLst>
+              <a:ext uri="{FF2B5EF4-FFF2-40B4-BE49-F238E27FC236}">
+                <a16:creationId xmlns:a16="http://schemas.microsoft.com/office/drawing/2014/main" id="{98C997A9-776D-4CDB-9BAB-3F52505DD813}"/>
+              </a:ext>
+            </a:extLst>
+          </p:cNvPr>
+          <p:cNvSpPr txBox="1"/>
+          <p:nvPr/>
+        </p:nvSpPr>
+        <p:spPr>
+          <a:xfrm>
+            <a:off x="3496589" y="5095607"/>
+            <a:ext cx="2029121" cy="369332"/>
+          </a:xfrm>
+          <a:prstGeom prst="rect">
+            <a:avLst/>
+          </a:prstGeom>
+          <a:noFill/>
+        </p:spPr>
+        <p:txBody>
+          <a:bodyPr wrap="square" rtlCol="0">
+            <a:spAutoFit/>
+          </a:bodyPr>
+          <a:lstStyle/>
+          <a:p>
+            <a:r>
+              <a:rPr lang="en-US" dirty="0">
+                <a:solidFill>
+                  <a:schemeClr val="tx1">
+                    <a:alpha val="20000"/>
+                  </a:schemeClr>
+                </a:solidFill>
+                <a:effectLst>
+                  <a:outerShdw blurRad="50800" dist="50800" dir="5400000" algn="ctr" rotWithShape="0">
+                    <a:srgbClr val="000000">
+                      <a:alpha val="0"/>
+                    </a:srgbClr>
+                  </a:outerShdw>
+                </a:effectLst>
+              </a:rPr>
+              <a:t>aegis4048.github.io</a:t>
+            </a:r>
+          </a:p>
+        </p:txBody>
+      </p:sp>
     </p:spTree>
     <p:extLst>
       <p:ext uri="{BB962C8B-B14F-4D97-AF65-F5344CB8AC3E}">
-        <p14:creationId xmlns:p14="http://schemas.microsoft.com/office/powerpoint/2010/main" val="2502052677"/>
+        <p14:creationId xmlns:p14="http://schemas.microsoft.com/office/powerpoint/2010/main" val="3287482236"/>
       </p:ext>
     </p:extLst>
   </p:cSld>
@@ -50902,10 +52297,10 @@
       </p:sp>
       <p:pic>
         <p:nvPicPr>
-          <p:cNvPr id="6" name="Picture 5" descr="A screenshot of a cell phone&#10;&#10;Description automatically generated">
-            <a:extLst>
-              <a:ext uri="{FF2B5EF4-FFF2-40B4-BE49-F238E27FC236}">
-                <a16:creationId xmlns:a16="http://schemas.microsoft.com/office/drawing/2014/main" id="{446D0FC4-3985-4CDE-A216-A291E2A3A3C1}"/>
+          <p:cNvPr id="3" name="Picture 2">
+            <a:extLst>
+              <a:ext uri="{FF2B5EF4-FFF2-40B4-BE49-F238E27FC236}">
+                <a16:creationId xmlns:a16="http://schemas.microsoft.com/office/drawing/2014/main" id="{EAFE1ADA-4903-4507-9027-E2BBD3BE5B7B}"/>
               </a:ext>
             </a:extLst>
           </p:cNvPr>
@@ -50915,31 +52310,73 @@
           <p:nvPr/>
         </p:nvPicPr>
         <p:blipFill>
-          <a:blip r:embed="rId2">
-            <a:extLst>
-              <a:ext uri="{28A0092B-C50C-407E-A947-70E740481C1C}">
-                <a14:useLocalDpi xmlns:a14="http://schemas.microsoft.com/office/drawing/2010/main" val="0"/>
-              </a:ext>
-            </a:extLst>
-          </a:blip>
+          <a:blip r:embed="rId2"/>
           <a:stretch>
             <a:fillRect/>
           </a:stretch>
         </p:blipFill>
         <p:spPr>
           <a:xfrm>
-            <a:off x="323850" y="2151653"/>
-            <a:ext cx="10977563" cy="2968862"/>
+            <a:off x="2787015" y="2163252"/>
+            <a:ext cx="6617970" cy="2834640"/>
           </a:xfrm>
           <a:prstGeom prst="rect">
             <a:avLst/>
           </a:prstGeom>
         </p:spPr>
       </p:pic>
+      <p:sp>
+        <p:nvSpPr>
+          <p:cNvPr id="4" name="TextBox 3">
+            <a:extLst>
+              <a:ext uri="{FF2B5EF4-FFF2-40B4-BE49-F238E27FC236}">
+                <a16:creationId xmlns:a16="http://schemas.microsoft.com/office/drawing/2014/main" id="{91096FD0-6C6D-49DC-8A63-3DC6E515AADD}"/>
+              </a:ext>
+            </a:extLst>
+          </p:cNvPr>
+          <p:cNvSpPr txBox="1"/>
+          <p:nvPr/>
+        </p:nvSpPr>
+        <p:spPr>
+          <a:xfrm>
+            <a:off x="5155061" y="3620913"/>
+            <a:ext cx="2029121" cy="369332"/>
+          </a:xfrm>
+          <a:prstGeom prst="rect">
+            <a:avLst/>
+          </a:prstGeom>
+          <a:noFill/>
+        </p:spPr>
+        <p:txBody>
+          <a:bodyPr wrap="square" rtlCol="0">
+            <a:spAutoFit/>
+          </a:bodyPr>
+          <a:lstStyle/>
+          <a:p>
+            <a:r>
+              <a:rPr lang="en-US" dirty="0">
+                <a:solidFill>
+                  <a:schemeClr val="tx1">
+                    <a:alpha val="20000"/>
+                  </a:schemeClr>
+                </a:solidFill>
+                <a:effectLst>
+                  <a:outerShdw blurRad="50800" dist="50800" dir="5400000" algn="ctr" rotWithShape="0">
+                    <a:srgbClr val="000000">
+                      <a:alpha val="0"/>
+                    </a:srgbClr>
+                  </a:outerShdw>
+                </a:effectLst>
+              </a:rPr>
+              <a:t>aegis4048.github.io</a:t>
+            </a:r>
+          </a:p>
+        </p:txBody>
+      </p:sp>
     </p:spTree>
     <p:extLst>
       <p:ext uri="{BB962C8B-B14F-4D97-AF65-F5344CB8AC3E}">
-        <p14:creationId xmlns:p14="http://schemas.microsoft.com/office/powerpoint/2010/main" val="1182496359"/>
+        <p14:creationId xmlns:p14="http://schemas.microsoft.com/office/powerpoint/2010/main" val="2502052677"/>
       </p:ext>
     </p:extLst>
   </p:cSld>
@@ -51015,10 +52452,10 @@
       </p:sp>
       <p:pic>
         <p:nvPicPr>
-          <p:cNvPr id="6" name="Picture 5" descr="A screenshot of a cell phone&#10;&#10;Description automatically generated">
-            <a:extLst>
-              <a:ext uri="{FF2B5EF4-FFF2-40B4-BE49-F238E27FC236}">
-                <a16:creationId xmlns:a16="http://schemas.microsoft.com/office/drawing/2014/main" id="{A9F5DD90-B0B3-460E-AB56-F93DBA619B1E}"/>
+          <p:cNvPr id="3" name="Picture 2" descr="A screenshot of a cell phone&#10;&#10;Description automatically generated">
+            <a:extLst>
+              <a:ext uri="{FF2B5EF4-FFF2-40B4-BE49-F238E27FC236}">
+                <a16:creationId xmlns:a16="http://schemas.microsoft.com/office/drawing/2014/main" id="{F19C1F8E-9A1C-4DF7-8136-E4BFCC90D5C4}"/>
               </a:ext>
             </a:extLst>
           </p:cNvPr>
@@ -51041,18 +52478,162 @@
         </p:blipFill>
         <p:spPr>
           <a:xfrm>
-            <a:off x="507913" y="2110309"/>
-            <a:ext cx="10872788" cy="2940526"/>
+            <a:off x="417237" y="2310041"/>
+            <a:ext cx="11054139" cy="2541061"/>
           </a:xfrm>
           <a:prstGeom prst="rect">
             <a:avLst/>
           </a:prstGeom>
         </p:spPr>
       </p:pic>
+      <p:sp>
+        <p:nvSpPr>
+          <p:cNvPr id="4" name="TextBox 3">
+            <a:extLst>
+              <a:ext uri="{FF2B5EF4-FFF2-40B4-BE49-F238E27FC236}">
+                <a16:creationId xmlns:a16="http://schemas.microsoft.com/office/drawing/2014/main" id="{E1399587-B75B-4CF2-BF7D-B4F28BFEBECC}"/>
+              </a:ext>
+            </a:extLst>
+          </p:cNvPr>
+          <p:cNvSpPr txBox="1"/>
+          <p:nvPr/>
+        </p:nvSpPr>
+        <p:spPr>
+          <a:xfrm>
+            <a:off x="847520" y="3395905"/>
+            <a:ext cx="2029121" cy="369332"/>
+          </a:xfrm>
+          <a:prstGeom prst="rect">
+            <a:avLst/>
+          </a:prstGeom>
+          <a:noFill/>
+        </p:spPr>
+        <p:txBody>
+          <a:bodyPr wrap="square" rtlCol="0">
+            <a:spAutoFit/>
+          </a:bodyPr>
+          <a:lstStyle/>
+          <a:p>
+            <a:r>
+              <a:rPr lang="en-US" dirty="0">
+                <a:solidFill>
+                  <a:schemeClr val="tx1">
+                    <a:alpha val="20000"/>
+                  </a:schemeClr>
+                </a:solidFill>
+                <a:effectLst>
+                  <a:outerShdw blurRad="50800" dist="50800" dir="5400000" algn="ctr" rotWithShape="0">
+                    <a:srgbClr val="000000">
+                      <a:alpha val="0"/>
+                    </a:srgbClr>
+                  </a:outerShdw>
+                </a:effectLst>
+              </a:rPr>
+              <a:t>aegis4048.github.io</a:t>
+            </a:r>
+          </a:p>
+        </p:txBody>
+      </p:sp>
+      <p:sp>
+        <p:nvSpPr>
+          <p:cNvPr id="6" name="TextBox 5">
+            <a:extLst>
+              <a:ext uri="{FF2B5EF4-FFF2-40B4-BE49-F238E27FC236}">
+                <a16:creationId xmlns:a16="http://schemas.microsoft.com/office/drawing/2014/main" id="{BEB24AA5-EBD6-4E4A-94BC-2F72D8BD9C68}"/>
+              </a:ext>
+            </a:extLst>
+          </p:cNvPr>
+          <p:cNvSpPr txBox="1"/>
+          <p:nvPr/>
+        </p:nvSpPr>
+        <p:spPr>
+          <a:xfrm>
+            <a:off x="5081439" y="3395905"/>
+            <a:ext cx="2029121" cy="369332"/>
+          </a:xfrm>
+          <a:prstGeom prst="rect">
+            <a:avLst/>
+          </a:prstGeom>
+          <a:noFill/>
+        </p:spPr>
+        <p:txBody>
+          <a:bodyPr wrap="square" rtlCol="0">
+            <a:spAutoFit/>
+          </a:bodyPr>
+          <a:lstStyle/>
+          <a:p>
+            <a:r>
+              <a:rPr lang="en-US" dirty="0">
+                <a:solidFill>
+                  <a:schemeClr val="tx1">
+                    <a:alpha val="20000"/>
+                  </a:schemeClr>
+                </a:solidFill>
+                <a:effectLst>
+                  <a:outerShdw blurRad="50800" dist="50800" dir="5400000" algn="ctr" rotWithShape="0">
+                    <a:srgbClr val="000000">
+                      <a:alpha val="0"/>
+                    </a:srgbClr>
+                  </a:outerShdw>
+                </a:effectLst>
+              </a:rPr>
+              <a:t>aegis4048.github.io</a:t>
+            </a:r>
+          </a:p>
+        </p:txBody>
+      </p:sp>
+      <p:sp>
+        <p:nvSpPr>
+          <p:cNvPr id="7" name="TextBox 6">
+            <a:extLst>
+              <a:ext uri="{FF2B5EF4-FFF2-40B4-BE49-F238E27FC236}">
+                <a16:creationId xmlns:a16="http://schemas.microsoft.com/office/drawing/2014/main" id="{622296BA-DBD5-4EAE-8F31-2C679CCA751D}"/>
+              </a:ext>
+            </a:extLst>
+          </p:cNvPr>
+          <p:cNvSpPr txBox="1"/>
+          <p:nvPr/>
+        </p:nvSpPr>
+        <p:spPr>
+          <a:xfrm>
+            <a:off x="9315359" y="3395905"/>
+            <a:ext cx="2029121" cy="369332"/>
+          </a:xfrm>
+          <a:prstGeom prst="rect">
+            <a:avLst/>
+          </a:prstGeom>
+          <a:noFill/>
+        </p:spPr>
+        <p:txBody>
+          <a:bodyPr wrap="square" rtlCol="0">
+            <a:spAutoFit/>
+          </a:bodyPr>
+          <a:lstStyle/>
+          <a:p>
+            <a:r>
+              <a:rPr lang="en-US" dirty="0">
+                <a:solidFill>
+                  <a:schemeClr val="tx1">
+                    <a:alpha val="20000"/>
+                  </a:schemeClr>
+                </a:solidFill>
+                <a:effectLst>
+                  <a:outerShdw blurRad="50800" dist="50800" dir="5400000" algn="ctr" rotWithShape="0">
+                    <a:srgbClr val="000000">
+                      <a:alpha val="0"/>
+                    </a:srgbClr>
+                  </a:outerShdw>
+                </a:effectLst>
+              </a:rPr>
+              <a:t>aegis4048.github.io</a:t>
+            </a:r>
+          </a:p>
+        </p:txBody>
+      </p:sp>
     </p:spTree>
     <p:extLst>
       <p:ext uri="{BB962C8B-B14F-4D97-AF65-F5344CB8AC3E}">
-        <p14:creationId xmlns:p14="http://schemas.microsoft.com/office/powerpoint/2010/main" val="4197040151"/>
+        <p14:creationId xmlns:p14="http://schemas.microsoft.com/office/powerpoint/2010/main" val="1182496359"/>
       </p:ext>
     </p:extLst>
   </p:cSld>
@@ -51081,58 +52662,235 @@
       </p:grpSpPr>
       <p:sp>
         <p:nvSpPr>
-          <p:cNvPr id="2" name="Title 1">
-            <a:extLst>
-              <a:ext uri="{FF2B5EF4-FFF2-40B4-BE49-F238E27FC236}">
-                <a16:creationId xmlns:a16="http://schemas.microsoft.com/office/drawing/2014/main" id="{5ECDA26B-A948-4010-9842-419112015D6D}"/>
-              </a:ext>
-            </a:extLst>
-          </p:cNvPr>
-          <p:cNvSpPr>
-            <a:spLocks noGrp="1"/>
-          </p:cNvSpPr>
-          <p:nvPr>
-            <p:ph type="title"/>
-          </p:nvPr>
+          <p:cNvPr id="5" name="Rectangle 4">
+            <a:extLst>
+              <a:ext uri="{FF2B5EF4-FFF2-40B4-BE49-F238E27FC236}">
+                <a16:creationId xmlns:a16="http://schemas.microsoft.com/office/drawing/2014/main" id="{544C5752-F07C-4D42-AFE9-7AC8CCDE8AF7}"/>
+              </a:ext>
+            </a:extLst>
+          </p:cNvPr>
+          <p:cNvSpPr/>
+          <p:nvPr/>
         </p:nvSpPr>
-        <p:spPr/>
+        <p:spPr>
+          <a:xfrm>
+            <a:off x="253828" y="1855720"/>
+            <a:ext cx="11380959" cy="3449705"/>
+          </a:xfrm>
+          <a:prstGeom prst="rect">
+            <a:avLst/>
+          </a:prstGeom>
+          <a:noFill/>
+        </p:spPr>
+        <p:style>
+          <a:lnRef idx="2">
+            <a:schemeClr val="accent1">
+              <a:shade val="50000"/>
+            </a:schemeClr>
+          </a:lnRef>
+          <a:fillRef idx="1">
+            <a:schemeClr val="accent1"/>
+          </a:fillRef>
+          <a:effectRef idx="0">
+            <a:schemeClr val="accent1"/>
+          </a:effectRef>
+          <a:fontRef idx="minor">
+            <a:schemeClr val="lt1"/>
+          </a:fontRef>
+        </p:style>
         <p:txBody>
-          <a:bodyPr/>
+          <a:bodyPr rtlCol="0" anchor="ctr"/>
           <a:lstStyle/>
           <a:p>
+            <a:pPr algn="ctr"/>
             <a:endParaRPr lang="en-US"/>
+          </a:p>
+        </p:txBody>
+      </p:sp>
+      <p:pic>
+        <p:nvPicPr>
+          <p:cNvPr id="3" name="Picture 2">
+            <a:extLst>
+              <a:ext uri="{FF2B5EF4-FFF2-40B4-BE49-F238E27FC236}">
+                <a16:creationId xmlns:a16="http://schemas.microsoft.com/office/drawing/2014/main" id="{A07363CE-289C-4213-A276-D2A28C4B3226}"/>
+              </a:ext>
+            </a:extLst>
+          </p:cNvPr>
+          <p:cNvPicPr>
+            <a:picLocks noChangeAspect="1"/>
+          </p:cNvPicPr>
+          <p:nvPr/>
+        </p:nvPicPr>
+        <p:blipFill>
+          <a:blip r:embed="rId2">
+            <a:extLst>
+              <a:ext uri="{28A0092B-C50C-407E-A947-70E740481C1C}">
+                <a14:useLocalDpi xmlns:a14="http://schemas.microsoft.com/office/drawing/2010/main" val="0"/>
+              </a:ext>
+            </a:extLst>
+          </a:blip>
+          <a:stretch>
+            <a:fillRect/>
+          </a:stretch>
+        </p:blipFill>
+        <p:spPr>
+          <a:xfrm>
+            <a:off x="415126" y="2309556"/>
+            <a:ext cx="11058362" cy="2542032"/>
+          </a:xfrm>
+          <a:prstGeom prst="rect">
+            <a:avLst/>
+          </a:prstGeom>
+        </p:spPr>
+      </p:pic>
+      <p:sp>
+        <p:nvSpPr>
+          <p:cNvPr id="4" name="TextBox 3">
+            <a:extLst>
+              <a:ext uri="{FF2B5EF4-FFF2-40B4-BE49-F238E27FC236}">
+                <a16:creationId xmlns:a16="http://schemas.microsoft.com/office/drawing/2014/main" id="{EC4E902F-2190-4EB4-9DF0-E3E15594178E}"/>
+              </a:ext>
+            </a:extLst>
+          </p:cNvPr>
+          <p:cNvSpPr txBox="1"/>
+          <p:nvPr/>
+        </p:nvSpPr>
+        <p:spPr>
+          <a:xfrm>
+            <a:off x="847520" y="3395905"/>
+            <a:ext cx="2029121" cy="369332"/>
+          </a:xfrm>
+          <a:prstGeom prst="rect">
+            <a:avLst/>
+          </a:prstGeom>
+          <a:noFill/>
+        </p:spPr>
+        <p:txBody>
+          <a:bodyPr wrap="square" rtlCol="0">
+            <a:spAutoFit/>
+          </a:bodyPr>
+          <a:lstStyle/>
+          <a:p>
+            <a:r>
+              <a:rPr lang="en-US" dirty="0">
+                <a:solidFill>
+                  <a:schemeClr val="tx1">
+                    <a:alpha val="20000"/>
+                  </a:schemeClr>
+                </a:solidFill>
+                <a:effectLst>
+                  <a:outerShdw blurRad="50800" dist="50800" dir="5400000" algn="ctr" rotWithShape="0">
+                    <a:srgbClr val="000000">
+                      <a:alpha val="0"/>
+                    </a:srgbClr>
+                  </a:outerShdw>
+                </a:effectLst>
+              </a:rPr>
+              <a:t>aegis4048.github.io</a:t>
+            </a:r>
           </a:p>
         </p:txBody>
       </p:sp>
       <p:sp>
         <p:nvSpPr>
-          <p:cNvPr id="3" name="Content Placeholder 2">
-            <a:extLst>
-              <a:ext uri="{FF2B5EF4-FFF2-40B4-BE49-F238E27FC236}">
-                <a16:creationId xmlns:a16="http://schemas.microsoft.com/office/drawing/2014/main" id="{D0C286D1-AF2F-4EC6-B4B7-4B7CDC90DA4F}"/>
-              </a:ext>
-            </a:extLst>
-          </p:cNvPr>
-          <p:cNvSpPr>
-            <a:spLocks noGrp="1"/>
-          </p:cNvSpPr>
-          <p:nvPr>
-            <p:ph idx="1"/>
-          </p:nvPr>
+          <p:cNvPr id="6" name="TextBox 5">
+            <a:extLst>
+              <a:ext uri="{FF2B5EF4-FFF2-40B4-BE49-F238E27FC236}">
+                <a16:creationId xmlns:a16="http://schemas.microsoft.com/office/drawing/2014/main" id="{DFAF5A11-CFA2-4050-AFA6-B63B81CBFF46}"/>
+              </a:ext>
+            </a:extLst>
+          </p:cNvPr>
+          <p:cNvSpPr txBox="1"/>
+          <p:nvPr/>
         </p:nvSpPr>
-        <p:spPr/>
+        <p:spPr>
+          <a:xfrm>
+            <a:off x="5119202" y="3395905"/>
+            <a:ext cx="2029121" cy="369332"/>
+          </a:xfrm>
+          <a:prstGeom prst="rect">
+            <a:avLst/>
+          </a:prstGeom>
+          <a:noFill/>
+        </p:spPr>
         <p:txBody>
-          <a:bodyPr/>
+          <a:bodyPr wrap="square" rtlCol="0">
+            <a:spAutoFit/>
+          </a:bodyPr>
           <a:lstStyle/>
           <a:p>
-            <a:endParaRPr lang="en-US"/>
+            <a:r>
+              <a:rPr lang="en-US" dirty="0">
+                <a:solidFill>
+                  <a:schemeClr val="tx1">
+                    <a:alpha val="20000"/>
+                  </a:schemeClr>
+                </a:solidFill>
+                <a:effectLst>
+                  <a:outerShdw blurRad="50800" dist="50800" dir="5400000" algn="ctr" rotWithShape="0">
+                    <a:srgbClr val="000000">
+                      <a:alpha val="0"/>
+                    </a:srgbClr>
+                  </a:outerShdw>
+                </a:effectLst>
+              </a:rPr>
+              <a:t>aegis4048.github.io</a:t>
+            </a:r>
+          </a:p>
+        </p:txBody>
+      </p:sp>
+      <p:sp>
+        <p:nvSpPr>
+          <p:cNvPr id="7" name="TextBox 6">
+            <a:extLst>
+              <a:ext uri="{FF2B5EF4-FFF2-40B4-BE49-F238E27FC236}">
+                <a16:creationId xmlns:a16="http://schemas.microsoft.com/office/drawing/2014/main" id="{C13BEF0F-371D-4040-9A01-68B1EEA4F3D7}"/>
+              </a:ext>
+            </a:extLst>
+          </p:cNvPr>
+          <p:cNvSpPr txBox="1"/>
+          <p:nvPr/>
+        </p:nvSpPr>
+        <p:spPr>
+          <a:xfrm>
+            <a:off x="9315359" y="3395905"/>
+            <a:ext cx="2029121" cy="369332"/>
+          </a:xfrm>
+          <a:prstGeom prst="rect">
+            <a:avLst/>
+          </a:prstGeom>
+          <a:noFill/>
+        </p:spPr>
+        <p:txBody>
+          <a:bodyPr wrap="square" rtlCol="0">
+            <a:spAutoFit/>
+          </a:bodyPr>
+          <a:lstStyle/>
+          <a:p>
+            <a:r>
+              <a:rPr lang="en-US" dirty="0">
+                <a:solidFill>
+                  <a:schemeClr val="tx1">
+                    <a:alpha val="20000"/>
+                  </a:schemeClr>
+                </a:solidFill>
+                <a:effectLst>
+                  <a:outerShdw blurRad="50800" dist="50800" dir="5400000" algn="ctr" rotWithShape="0">
+                    <a:srgbClr val="000000">
+                      <a:alpha val="0"/>
+                    </a:srgbClr>
+                  </a:outerShdw>
+                </a:effectLst>
+              </a:rPr>
+              <a:t>aegis4048.github.io</a:t>
+            </a:r>
           </a:p>
         </p:txBody>
       </p:sp>
     </p:spTree>
     <p:extLst>
       <p:ext uri="{BB962C8B-B14F-4D97-AF65-F5344CB8AC3E}">
-        <p14:creationId xmlns:p14="http://schemas.microsoft.com/office/powerpoint/2010/main" val="2436602171"/>
+        <p14:creationId xmlns:p14="http://schemas.microsoft.com/office/powerpoint/2010/main" val="4197040151"/>
       </p:ext>
     </p:extLst>
   </p:cSld>

--- a/content/downloads/notebooks/spatial.pptx
+++ b/content/downloads/notebooks/spatial.pptx
@@ -5,46 +5,48 @@
     <p:sldMasterId id="2147483648" r:id="rId1"/>
   </p:sldMasterIdLst>
   <p:notesMasterIdLst>
-    <p:notesMasterId r:id="rId39"/>
+    <p:notesMasterId r:id="rId41"/>
   </p:notesMasterIdLst>
   <p:sldIdLst>
     <p:sldId id="259" r:id="rId2"/>
-    <p:sldId id="292" r:id="rId3"/>
-    <p:sldId id="276" r:id="rId4"/>
-    <p:sldId id="286" r:id="rId5"/>
-    <p:sldId id="285" r:id="rId6"/>
-    <p:sldId id="284" r:id="rId7"/>
-    <p:sldId id="288" r:id="rId8"/>
-    <p:sldId id="290" r:id="rId9"/>
-    <p:sldId id="291" r:id="rId10"/>
-    <p:sldId id="289" r:id="rId11"/>
-    <p:sldId id="287" r:id="rId12"/>
-    <p:sldId id="283" r:id="rId13"/>
-    <p:sldId id="282" r:id="rId14"/>
-    <p:sldId id="281" r:id="rId15"/>
-    <p:sldId id="273" r:id="rId16"/>
-    <p:sldId id="274" r:id="rId17"/>
-    <p:sldId id="280" r:id="rId18"/>
-    <p:sldId id="278" r:id="rId19"/>
-    <p:sldId id="275" r:id="rId20"/>
-    <p:sldId id="279" r:id="rId21"/>
-    <p:sldId id="277" r:id="rId22"/>
-    <p:sldId id="272" r:id="rId23"/>
-    <p:sldId id="269" r:id="rId24"/>
-    <p:sldId id="270" r:id="rId25"/>
-    <p:sldId id="271" r:id="rId26"/>
-    <p:sldId id="267" r:id="rId27"/>
-    <p:sldId id="268" r:id="rId28"/>
-    <p:sldId id="260" r:id="rId29"/>
-    <p:sldId id="261" r:id="rId30"/>
-    <p:sldId id="256" r:id="rId31"/>
-    <p:sldId id="257" r:id="rId32"/>
-    <p:sldId id="258" r:id="rId33"/>
-    <p:sldId id="262" r:id="rId34"/>
-    <p:sldId id="263" r:id="rId35"/>
-    <p:sldId id="265" r:id="rId36"/>
-    <p:sldId id="264" r:id="rId37"/>
-    <p:sldId id="266" r:id="rId38"/>
+    <p:sldId id="294" r:id="rId3"/>
+    <p:sldId id="293" r:id="rId4"/>
+    <p:sldId id="292" r:id="rId5"/>
+    <p:sldId id="276" r:id="rId6"/>
+    <p:sldId id="286" r:id="rId7"/>
+    <p:sldId id="285" r:id="rId8"/>
+    <p:sldId id="284" r:id="rId9"/>
+    <p:sldId id="288" r:id="rId10"/>
+    <p:sldId id="290" r:id="rId11"/>
+    <p:sldId id="291" r:id="rId12"/>
+    <p:sldId id="289" r:id="rId13"/>
+    <p:sldId id="287" r:id="rId14"/>
+    <p:sldId id="283" r:id="rId15"/>
+    <p:sldId id="282" r:id="rId16"/>
+    <p:sldId id="281" r:id="rId17"/>
+    <p:sldId id="273" r:id="rId18"/>
+    <p:sldId id="274" r:id="rId19"/>
+    <p:sldId id="280" r:id="rId20"/>
+    <p:sldId id="278" r:id="rId21"/>
+    <p:sldId id="275" r:id="rId22"/>
+    <p:sldId id="279" r:id="rId23"/>
+    <p:sldId id="277" r:id="rId24"/>
+    <p:sldId id="272" r:id="rId25"/>
+    <p:sldId id="269" r:id="rId26"/>
+    <p:sldId id="270" r:id="rId27"/>
+    <p:sldId id="271" r:id="rId28"/>
+    <p:sldId id="267" r:id="rId29"/>
+    <p:sldId id="268" r:id="rId30"/>
+    <p:sldId id="260" r:id="rId31"/>
+    <p:sldId id="261" r:id="rId32"/>
+    <p:sldId id="256" r:id="rId33"/>
+    <p:sldId id="257" r:id="rId34"/>
+    <p:sldId id="258" r:id="rId35"/>
+    <p:sldId id="262" r:id="rId36"/>
+    <p:sldId id="263" r:id="rId37"/>
+    <p:sldId id="265" r:id="rId38"/>
+    <p:sldId id="264" r:id="rId39"/>
+    <p:sldId id="266" r:id="rId40"/>
   </p:sldIdLst>
   <p:sldSz cx="12192000" cy="6858000"/>
   <p:notesSz cx="6858000" cy="9144000"/>
@@ -565,7 +567,7 @@
           <a:p>
             <a:fld id="{4B30C246-FA32-4A68-BC2D-EA5A31DF2892}" type="slidenum">
               <a:rPr lang="en-US" smtClean="0"/>
-              <a:t>6</a:t>
+              <a:t>8</a:t>
             </a:fld>
             <a:endParaRPr lang="en-US"/>
           </a:p>
@@ -649,7 +651,7 @@
           <a:p>
             <a:fld id="{4B30C246-FA32-4A68-BC2D-EA5A31DF2892}" type="slidenum">
               <a:rPr lang="en-US" smtClean="0"/>
-              <a:t>16</a:t>
+              <a:t>18</a:t>
             </a:fld>
             <a:endParaRPr lang="en-US"/>
           </a:p>
@@ -733,7 +735,7 @@
           <a:p>
             <a:fld id="{4B30C246-FA32-4A68-BC2D-EA5A31DF2892}" type="slidenum">
               <a:rPr lang="en-US" smtClean="0"/>
-              <a:t>19</a:t>
+              <a:t>21</a:t>
             </a:fld>
             <a:endParaRPr lang="en-US"/>
           </a:p>
@@ -817,7 +819,7 @@
           <a:p>
             <a:fld id="{4B30C246-FA32-4A68-BC2D-EA5A31DF2892}" type="slidenum">
               <a:rPr lang="en-US" smtClean="0"/>
-              <a:t>21</a:t>
+              <a:t>23</a:t>
             </a:fld>
             <a:endParaRPr lang="en-US"/>
           </a:p>
@@ -8259,6 +8261,520 @@
       </p:grpSpPr>
       <p:sp>
         <p:nvSpPr>
+          <p:cNvPr id="5" name="Rectangle 4">
+            <a:extLst>
+              <a:ext uri="{FF2B5EF4-FFF2-40B4-BE49-F238E27FC236}">
+                <a16:creationId xmlns:a16="http://schemas.microsoft.com/office/drawing/2014/main" id="{544C5752-F07C-4D42-AFE9-7AC8CCDE8AF7}"/>
+              </a:ext>
+            </a:extLst>
+          </p:cNvPr>
+          <p:cNvSpPr/>
+          <p:nvPr/>
+        </p:nvSpPr>
+        <p:spPr>
+          <a:xfrm>
+            <a:off x="253828" y="1855720"/>
+            <a:ext cx="11380959" cy="3449705"/>
+          </a:xfrm>
+          <a:prstGeom prst="rect">
+            <a:avLst/>
+          </a:prstGeom>
+          <a:noFill/>
+        </p:spPr>
+        <p:style>
+          <a:lnRef idx="2">
+            <a:schemeClr val="accent1">
+              <a:shade val="50000"/>
+            </a:schemeClr>
+          </a:lnRef>
+          <a:fillRef idx="1">
+            <a:schemeClr val="accent1"/>
+          </a:fillRef>
+          <a:effectRef idx="0">
+            <a:schemeClr val="accent1"/>
+          </a:effectRef>
+          <a:fontRef idx="minor">
+            <a:schemeClr val="lt1"/>
+          </a:fontRef>
+        </p:style>
+        <p:txBody>
+          <a:bodyPr rtlCol="0" anchor="ctr"/>
+          <a:lstStyle/>
+          <a:p>
+            <a:pPr algn="ctr"/>
+            <a:endParaRPr lang="en-US"/>
+          </a:p>
+        </p:txBody>
+      </p:sp>
+      <p:pic>
+        <p:nvPicPr>
+          <p:cNvPr id="3" name="Picture 2" descr="A screenshot of a cell phone&#10;&#10;Description automatically generated">
+            <a:extLst>
+              <a:ext uri="{FF2B5EF4-FFF2-40B4-BE49-F238E27FC236}">
+                <a16:creationId xmlns:a16="http://schemas.microsoft.com/office/drawing/2014/main" id="{F19C1F8E-9A1C-4DF7-8136-E4BFCC90D5C4}"/>
+              </a:ext>
+            </a:extLst>
+          </p:cNvPr>
+          <p:cNvPicPr>
+            <a:picLocks noChangeAspect="1"/>
+          </p:cNvPicPr>
+          <p:nvPr/>
+        </p:nvPicPr>
+        <p:blipFill>
+          <a:blip r:embed="rId2">
+            <a:extLst>
+              <a:ext uri="{28A0092B-C50C-407E-A947-70E740481C1C}">
+                <a14:useLocalDpi xmlns:a14="http://schemas.microsoft.com/office/drawing/2010/main" val="0"/>
+              </a:ext>
+            </a:extLst>
+          </a:blip>
+          <a:stretch>
+            <a:fillRect/>
+          </a:stretch>
+        </p:blipFill>
+        <p:spPr>
+          <a:xfrm>
+            <a:off x="417237" y="2310041"/>
+            <a:ext cx="11054139" cy="2541061"/>
+          </a:xfrm>
+          <a:prstGeom prst="rect">
+            <a:avLst/>
+          </a:prstGeom>
+        </p:spPr>
+      </p:pic>
+      <p:sp>
+        <p:nvSpPr>
+          <p:cNvPr id="4" name="TextBox 3">
+            <a:extLst>
+              <a:ext uri="{FF2B5EF4-FFF2-40B4-BE49-F238E27FC236}">
+                <a16:creationId xmlns:a16="http://schemas.microsoft.com/office/drawing/2014/main" id="{E1399587-B75B-4CF2-BF7D-B4F28BFEBECC}"/>
+              </a:ext>
+            </a:extLst>
+          </p:cNvPr>
+          <p:cNvSpPr txBox="1"/>
+          <p:nvPr/>
+        </p:nvSpPr>
+        <p:spPr>
+          <a:xfrm>
+            <a:off x="847520" y="3395905"/>
+            <a:ext cx="2029121" cy="369332"/>
+          </a:xfrm>
+          <a:prstGeom prst="rect">
+            <a:avLst/>
+          </a:prstGeom>
+          <a:noFill/>
+        </p:spPr>
+        <p:txBody>
+          <a:bodyPr wrap="square" rtlCol="0">
+            <a:spAutoFit/>
+          </a:bodyPr>
+          <a:lstStyle/>
+          <a:p>
+            <a:r>
+              <a:rPr lang="en-US" dirty="0">
+                <a:solidFill>
+                  <a:schemeClr val="tx1">
+                    <a:alpha val="20000"/>
+                  </a:schemeClr>
+                </a:solidFill>
+                <a:effectLst>
+                  <a:outerShdw blurRad="50800" dist="50800" dir="5400000" algn="ctr" rotWithShape="0">
+                    <a:srgbClr val="000000">
+                      <a:alpha val="0"/>
+                    </a:srgbClr>
+                  </a:outerShdw>
+                </a:effectLst>
+              </a:rPr>
+              <a:t>aegis4048.github.io</a:t>
+            </a:r>
+          </a:p>
+        </p:txBody>
+      </p:sp>
+      <p:sp>
+        <p:nvSpPr>
+          <p:cNvPr id="6" name="TextBox 5">
+            <a:extLst>
+              <a:ext uri="{FF2B5EF4-FFF2-40B4-BE49-F238E27FC236}">
+                <a16:creationId xmlns:a16="http://schemas.microsoft.com/office/drawing/2014/main" id="{BEB24AA5-EBD6-4E4A-94BC-2F72D8BD9C68}"/>
+              </a:ext>
+            </a:extLst>
+          </p:cNvPr>
+          <p:cNvSpPr txBox="1"/>
+          <p:nvPr/>
+        </p:nvSpPr>
+        <p:spPr>
+          <a:xfrm>
+            <a:off x="5081439" y="3395905"/>
+            <a:ext cx="2029121" cy="369332"/>
+          </a:xfrm>
+          <a:prstGeom prst="rect">
+            <a:avLst/>
+          </a:prstGeom>
+          <a:noFill/>
+        </p:spPr>
+        <p:txBody>
+          <a:bodyPr wrap="square" rtlCol="0">
+            <a:spAutoFit/>
+          </a:bodyPr>
+          <a:lstStyle/>
+          <a:p>
+            <a:r>
+              <a:rPr lang="en-US" dirty="0">
+                <a:solidFill>
+                  <a:schemeClr val="tx1">
+                    <a:alpha val="20000"/>
+                  </a:schemeClr>
+                </a:solidFill>
+                <a:effectLst>
+                  <a:outerShdw blurRad="50800" dist="50800" dir="5400000" algn="ctr" rotWithShape="0">
+                    <a:srgbClr val="000000">
+                      <a:alpha val="0"/>
+                    </a:srgbClr>
+                  </a:outerShdw>
+                </a:effectLst>
+              </a:rPr>
+              <a:t>aegis4048.github.io</a:t>
+            </a:r>
+          </a:p>
+        </p:txBody>
+      </p:sp>
+      <p:sp>
+        <p:nvSpPr>
+          <p:cNvPr id="7" name="TextBox 6">
+            <a:extLst>
+              <a:ext uri="{FF2B5EF4-FFF2-40B4-BE49-F238E27FC236}">
+                <a16:creationId xmlns:a16="http://schemas.microsoft.com/office/drawing/2014/main" id="{622296BA-DBD5-4EAE-8F31-2C679CCA751D}"/>
+              </a:ext>
+            </a:extLst>
+          </p:cNvPr>
+          <p:cNvSpPr txBox="1"/>
+          <p:nvPr/>
+        </p:nvSpPr>
+        <p:spPr>
+          <a:xfrm>
+            <a:off x="9315359" y="3395905"/>
+            <a:ext cx="2029121" cy="369332"/>
+          </a:xfrm>
+          <a:prstGeom prst="rect">
+            <a:avLst/>
+          </a:prstGeom>
+          <a:noFill/>
+        </p:spPr>
+        <p:txBody>
+          <a:bodyPr wrap="square" rtlCol="0">
+            <a:spAutoFit/>
+          </a:bodyPr>
+          <a:lstStyle/>
+          <a:p>
+            <a:r>
+              <a:rPr lang="en-US" dirty="0">
+                <a:solidFill>
+                  <a:schemeClr val="tx1">
+                    <a:alpha val="20000"/>
+                  </a:schemeClr>
+                </a:solidFill>
+                <a:effectLst>
+                  <a:outerShdw blurRad="50800" dist="50800" dir="5400000" algn="ctr" rotWithShape="0">
+                    <a:srgbClr val="000000">
+                      <a:alpha val="0"/>
+                    </a:srgbClr>
+                  </a:outerShdw>
+                </a:effectLst>
+              </a:rPr>
+              <a:t>aegis4048.github.io</a:t>
+            </a:r>
+          </a:p>
+        </p:txBody>
+      </p:sp>
+    </p:spTree>
+    <p:extLst>
+      <p:ext uri="{BB962C8B-B14F-4D97-AF65-F5344CB8AC3E}">
+        <p14:creationId xmlns:p14="http://schemas.microsoft.com/office/powerpoint/2010/main" val="1182496359"/>
+      </p:ext>
+    </p:extLst>
+  </p:cSld>
+  <p:clrMapOvr>
+    <a:masterClrMapping/>
+  </p:clrMapOvr>
+</p:sld>
+</file>
+
+<file path=ppt/slides/slide11.xml><?xml version="1.0" encoding="utf-8"?>
+<p:sld xmlns:a="http://schemas.openxmlformats.org/drawingml/2006/main" xmlns:r="http://schemas.openxmlformats.org/officeDocument/2006/relationships" xmlns:p="http://schemas.openxmlformats.org/presentationml/2006/main">
+  <p:cSld>
+    <p:spTree>
+      <p:nvGrpSpPr>
+        <p:cNvPr id="1" name=""/>
+        <p:cNvGrpSpPr/>
+        <p:nvPr/>
+      </p:nvGrpSpPr>
+      <p:grpSpPr>
+        <a:xfrm>
+          <a:off x="0" y="0"/>
+          <a:ext cx="0" cy="0"/>
+          <a:chOff x="0" y="0"/>
+          <a:chExt cx="0" cy="0"/>
+        </a:xfrm>
+      </p:grpSpPr>
+      <p:sp>
+        <p:nvSpPr>
+          <p:cNvPr id="5" name="Rectangle 4">
+            <a:extLst>
+              <a:ext uri="{FF2B5EF4-FFF2-40B4-BE49-F238E27FC236}">
+                <a16:creationId xmlns:a16="http://schemas.microsoft.com/office/drawing/2014/main" id="{544C5752-F07C-4D42-AFE9-7AC8CCDE8AF7}"/>
+              </a:ext>
+            </a:extLst>
+          </p:cNvPr>
+          <p:cNvSpPr/>
+          <p:nvPr/>
+        </p:nvSpPr>
+        <p:spPr>
+          <a:xfrm>
+            <a:off x="253828" y="1855720"/>
+            <a:ext cx="11380959" cy="3449705"/>
+          </a:xfrm>
+          <a:prstGeom prst="rect">
+            <a:avLst/>
+          </a:prstGeom>
+          <a:noFill/>
+        </p:spPr>
+        <p:style>
+          <a:lnRef idx="2">
+            <a:schemeClr val="accent1">
+              <a:shade val="50000"/>
+            </a:schemeClr>
+          </a:lnRef>
+          <a:fillRef idx="1">
+            <a:schemeClr val="accent1"/>
+          </a:fillRef>
+          <a:effectRef idx="0">
+            <a:schemeClr val="accent1"/>
+          </a:effectRef>
+          <a:fontRef idx="minor">
+            <a:schemeClr val="lt1"/>
+          </a:fontRef>
+        </p:style>
+        <p:txBody>
+          <a:bodyPr rtlCol="0" anchor="ctr"/>
+          <a:lstStyle/>
+          <a:p>
+            <a:pPr algn="ctr"/>
+            <a:endParaRPr lang="en-US"/>
+          </a:p>
+        </p:txBody>
+      </p:sp>
+      <p:pic>
+        <p:nvPicPr>
+          <p:cNvPr id="3" name="Picture 2">
+            <a:extLst>
+              <a:ext uri="{FF2B5EF4-FFF2-40B4-BE49-F238E27FC236}">
+                <a16:creationId xmlns:a16="http://schemas.microsoft.com/office/drawing/2014/main" id="{A07363CE-289C-4213-A276-D2A28C4B3226}"/>
+              </a:ext>
+            </a:extLst>
+          </p:cNvPr>
+          <p:cNvPicPr>
+            <a:picLocks noChangeAspect="1"/>
+          </p:cNvPicPr>
+          <p:nvPr/>
+        </p:nvPicPr>
+        <p:blipFill>
+          <a:blip r:embed="rId2">
+            <a:extLst>
+              <a:ext uri="{28A0092B-C50C-407E-A947-70E740481C1C}">
+                <a14:useLocalDpi xmlns:a14="http://schemas.microsoft.com/office/drawing/2010/main" val="0"/>
+              </a:ext>
+            </a:extLst>
+          </a:blip>
+          <a:stretch>
+            <a:fillRect/>
+          </a:stretch>
+        </p:blipFill>
+        <p:spPr>
+          <a:xfrm>
+            <a:off x="415126" y="2309556"/>
+            <a:ext cx="11058362" cy="2542032"/>
+          </a:xfrm>
+          <a:prstGeom prst="rect">
+            <a:avLst/>
+          </a:prstGeom>
+        </p:spPr>
+      </p:pic>
+      <p:sp>
+        <p:nvSpPr>
+          <p:cNvPr id="4" name="TextBox 3">
+            <a:extLst>
+              <a:ext uri="{FF2B5EF4-FFF2-40B4-BE49-F238E27FC236}">
+                <a16:creationId xmlns:a16="http://schemas.microsoft.com/office/drawing/2014/main" id="{EC4E902F-2190-4EB4-9DF0-E3E15594178E}"/>
+              </a:ext>
+            </a:extLst>
+          </p:cNvPr>
+          <p:cNvSpPr txBox="1"/>
+          <p:nvPr/>
+        </p:nvSpPr>
+        <p:spPr>
+          <a:xfrm>
+            <a:off x="847520" y="3395905"/>
+            <a:ext cx="2029121" cy="369332"/>
+          </a:xfrm>
+          <a:prstGeom prst="rect">
+            <a:avLst/>
+          </a:prstGeom>
+          <a:noFill/>
+        </p:spPr>
+        <p:txBody>
+          <a:bodyPr wrap="square" rtlCol="0">
+            <a:spAutoFit/>
+          </a:bodyPr>
+          <a:lstStyle/>
+          <a:p>
+            <a:r>
+              <a:rPr lang="en-US" dirty="0">
+                <a:solidFill>
+                  <a:schemeClr val="tx1">
+                    <a:alpha val="20000"/>
+                  </a:schemeClr>
+                </a:solidFill>
+                <a:effectLst>
+                  <a:outerShdw blurRad="50800" dist="50800" dir="5400000" algn="ctr" rotWithShape="0">
+                    <a:srgbClr val="000000">
+                      <a:alpha val="0"/>
+                    </a:srgbClr>
+                  </a:outerShdw>
+                </a:effectLst>
+              </a:rPr>
+              <a:t>aegis4048.github.io</a:t>
+            </a:r>
+          </a:p>
+        </p:txBody>
+      </p:sp>
+      <p:sp>
+        <p:nvSpPr>
+          <p:cNvPr id="6" name="TextBox 5">
+            <a:extLst>
+              <a:ext uri="{FF2B5EF4-FFF2-40B4-BE49-F238E27FC236}">
+                <a16:creationId xmlns:a16="http://schemas.microsoft.com/office/drawing/2014/main" id="{DFAF5A11-CFA2-4050-AFA6-B63B81CBFF46}"/>
+              </a:ext>
+            </a:extLst>
+          </p:cNvPr>
+          <p:cNvSpPr txBox="1"/>
+          <p:nvPr/>
+        </p:nvSpPr>
+        <p:spPr>
+          <a:xfrm>
+            <a:off x="5119202" y="3395905"/>
+            <a:ext cx="2029121" cy="369332"/>
+          </a:xfrm>
+          <a:prstGeom prst="rect">
+            <a:avLst/>
+          </a:prstGeom>
+          <a:noFill/>
+        </p:spPr>
+        <p:txBody>
+          <a:bodyPr wrap="square" rtlCol="0">
+            <a:spAutoFit/>
+          </a:bodyPr>
+          <a:lstStyle/>
+          <a:p>
+            <a:r>
+              <a:rPr lang="en-US" dirty="0">
+                <a:solidFill>
+                  <a:schemeClr val="tx1">
+                    <a:alpha val="20000"/>
+                  </a:schemeClr>
+                </a:solidFill>
+                <a:effectLst>
+                  <a:outerShdw blurRad="50800" dist="50800" dir="5400000" algn="ctr" rotWithShape="0">
+                    <a:srgbClr val="000000">
+                      <a:alpha val="0"/>
+                    </a:srgbClr>
+                  </a:outerShdw>
+                </a:effectLst>
+              </a:rPr>
+              <a:t>aegis4048.github.io</a:t>
+            </a:r>
+          </a:p>
+        </p:txBody>
+      </p:sp>
+      <p:sp>
+        <p:nvSpPr>
+          <p:cNvPr id="7" name="TextBox 6">
+            <a:extLst>
+              <a:ext uri="{FF2B5EF4-FFF2-40B4-BE49-F238E27FC236}">
+                <a16:creationId xmlns:a16="http://schemas.microsoft.com/office/drawing/2014/main" id="{C13BEF0F-371D-4040-9A01-68B1EEA4F3D7}"/>
+              </a:ext>
+            </a:extLst>
+          </p:cNvPr>
+          <p:cNvSpPr txBox="1"/>
+          <p:nvPr/>
+        </p:nvSpPr>
+        <p:spPr>
+          <a:xfrm>
+            <a:off x="9315359" y="3395905"/>
+            <a:ext cx="2029121" cy="369332"/>
+          </a:xfrm>
+          <a:prstGeom prst="rect">
+            <a:avLst/>
+          </a:prstGeom>
+          <a:noFill/>
+        </p:spPr>
+        <p:txBody>
+          <a:bodyPr wrap="square" rtlCol="0">
+            <a:spAutoFit/>
+          </a:bodyPr>
+          <a:lstStyle/>
+          <a:p>
+            <a:r>
+              <a:rPr lang="en-US" dirty="0">
+                <a:solidFill>
+                  <a:schemeClr val="tx1">
+                    <a:alpha val="20000"/>
+                  </a:schemeClr>
+                </a:solidFill>
+                <a:effectLst>
+                  <a:outerShdw blurRad="50800" dist="50800" dir="5400000" algn="ctr" rotWithShape="0">
+                    <a:srgbClr val="000000">
+                      <a:alpha val="0"/>
+                    </a:srgbClr>
+                  </a:outerShdw>
+                </a:effectLst>
+              </a:rPr>
+              <a:t>aegis4048.github.io</a:t>
+            </a:r>
+          </a:p>
+        </p:txBody>
+      </p:sp>
+    </p:spTree>
+    <p:extLst>
+      <p:ext uri="{BB962C8B-B14F-4D97-AF65-F5344CB8AC3E}">
+        <p14:creationId xmlns:p14="http://schemas.microsoft.com/office/powerpoint/2010/main" val="4197040151"/>
+      </p:ext>
+    </p:extLst>
+  </p:cSld>
+  <p:clrMapOvr>
+    <a:masterClrMapping/>
+  </p:clrMapOvr>
+</p:sld>
+</file>
+
+<file path=ppt/slides/slide12.xml><?xml version="1.0" encoding="utf-8"?>
+<p:sld xmlns:a="http://schemas.openxmlformats.org/drawingml/2006/main" xmlns:r="http://schemas.openxmlformats.org/officeDocument/2006/relationships" xmlns:p="http://schemas.openxmlformats.org/presentationml/2006/main">
+  <p:cSld>
+    <p:spTree>
+      <p:nvGrpSpPr>
+        <p:cNvPr id="1" name=""/>
+        <p:cNvGrpSpPr/>
+        <p:nvPr/>
+      </p:nvGrpSpPr>
+      <p:grpSpPr>
+        <a:xfrm>
+          <a:off x="0" y="0"/>
+          <a:ext cx="0" cy="0"/>
+          <a:chOff x="0" y="0"/>
+          <a:chExt cx="0" cy="0"/>
+        </a:xfrm>
+      </p:grpSpPr>
+      <p:sp>
+        <p:nvSpPr>
           <p:cNvPr id="2" name="Title 1">
             <a:extLst>
               <a:ext uri="{FF2B5EF4-FFF2-40B4-BE49-F238E27FC236}">
@@ -8320,7 +8836,7 @@
 </p:sld>
 </file>
 
-<file path=ppt/slides/slide11.xml><?xml version="1.0" encoding="utf-8"?>
+<file path=ppt/slides/slide13.xml><?xml version="1.0" encoding="utf-8"?>
 <p:sld xmlns:a="http://schemas.openxmlformats.org/drawingml/2006/main" xmlns:r="http://schemas.openxmlformats.org/officeDocument/2006/relationships" xmlns:p="http://schemas.openxmlformats.org/presentationml/2006/main">
   <p:cSld>
     <p:spTree>
@@ -8350,7 +8866,7 @@
 </p:sld>
 </file>
 
-<file path=ppt/slides/slide12.xml><?xml version="1.0" encoding="utf-8"?>
+<file path=ppt/slides/slide14.xml><?xml version="1.0" encoding="utf-8"?>
 <p:sld xmlns:a="http://schemas.openxmlformats.org/drawingml/2006/main" xmlns:r="http://schemas.openxmlformats.org/officeDocument/2006/relationships" xmlns:p="http://schemas.openxmlformats.org/presentationml/2006/main">
   <p:cSld>
     <p:spTree>
@@ -9803,7 +10319,7 @@
 </p:sld>
 </file>
 
-<file path=ppt/slides/slide13.xml><?xml version="1.0" encoding="utf-8"?>
+<file path=ppt/slides/slide15.xml><?xml version="1.0" encoding="utf-8"?>
 <p:sld xmlns:a="http://schemas.openxmlformats.org/drawingml/2006/main" xmlns:r="http://schemas.openxmlformats.org/officeDocument/2006/relationships" xmlns:p="http://schemas.openxmlformats.org/presentationml/2006/main">
   <p:cSld>
     <p:spTree>
@@ -11812,7 +12328,7 @@
           <p:nvPr/>
         </p:nvPicPr>
         <p:blipFill>
-          <a:blip r:embed="rId6"/>
+          <a:blip r:embed="rId7"/>
           <a:stretch>
             <a:fillRect/>
           </a:stretch>
@@ -11842,7 +12358,7 @@
           <p:nvPr/>
         </p:nvPicPr>
         <p:blipFill>
-          <a:blip r:embed="rId6"/>
+          <a:blip r:embed="rId7"/>
           <a:stretch>
             <a:fillRect/>
           </a:stretch>
@@ -11872,7 +12388,7 @@
           <p:nvPr/>
         </p:nvPicPr>
         <p:blipFill>
-          <a:blip r:embed="rId6"/>
+          <a:blip r:embed="rId7"/>
           <a:stretch>
             <a:fillRect/>
           </a:stretch>
@@ -11902,7 +12418,7 @@
           <p:nvPr/>
         </p:nvPicPr>
         <p:blipFill>
-          <a:blip r:embed="rId6"/>
+          <a:blip r:embed="rId7"/>
           <a:stretch>
             <a:fillRect/>
           </a:stretch>
@@ -11932,7 +12448,7 @@
           <p:nvPr/>
         </p:nvPicPr>
         <p:blipFill>
-          <a:blip r:embed="rId6"/>
+          <a:blip r:embed="rId7"/>
           <a:stretch>
             <a:fillRect/>
           </a:stretch>
@@ -12032,7 +12548,7 @@
           <p:nvPr/>
         </p:nvPicPr>
         <p:blipFill>
-          <a:blip r:embed="rId6"/>
+          <a:blip r:embed="rId7"/>
           <a:stretch>
             <a:fillRect/>
           </a:stretch>
@@ -12108,7 +12624,7 @@
 </p:sld>
 </file>
 
-<file path=ppt/slides/slide14.xml><?xml version="1.0" encoding="utf-8"?>
+<file path=ppt/slides/slide16.xml><?xml version="1.0" encoding="utf-8"?>
 <p:sld xmlns:a="http://schemas.openxmlformats.org/drawingml/2006/main" xmlns:r="http://schemas.openxmlformats.org/officeDocument/2006/relationships" xmlns:p="http://schemas.openxmlformats.org/presentationml/2006/main">
   <p:cSld>
     <p:spTree>
@@ -13179,7 +13695,7 @@
 </p:sld>
 </file>
 
-<file path=ppt/slides/slide15.xml><?xml version="1.0" encoding="utf-8"?>
+<file path=ppt/slides/slide17.xml><?xml version="1.0" encoding="utf-8"?>
 <p:sld xmlns:a="http://schemas.openxmlformats.org/drawingml/2006/main" xmlns:r="http://schemas.openxmlformats.org/officeDocument/2006/relationships" xmlns:p="http://schemas.openxmlformats.org/presentationml/2006/main">
   <p:cSld>
     <p:spTree>
@@ -14059,7 +14575,7 @@
 </p:sld>
 </file>
 
-<file path=ppt/slides/slide16.xml><?xml version="1.0" encoding="utf-8"?>
+<file path=ppt/slides/slide18.xml><?xml version="1.0" encoding="utf-8"?>
 <p:sld xmlns:a="http://schemas.openxmlformats.org/drawingml/2006/main" xmlns:r="http://schemas.openxmlformats.org/officeDocument/2006/relationships" xmlns:p="http://schemas.openxmlformats.org/presentationml/2006/main">
   <p:cSld>
     <p:spTree>
@@ -14866,7 +15382,7 @@
 </p:sld>
 </file>
 
-<file path=ppt/slides/slide17.xml><?xml version="1.0" encoding="utf-8"?>
+<file path=ppt/slides/slide19.xml><?xml version="1.0" encoding="utf-8"?>
 <p:sld xmlns:a="http://schemas.openxmlformats.org/drawingml/2006/main" xmlns:r="http://schemas.openxmlformats.org/officeDocument/2006/relationships" xmlns:p="http://schemas.openxmlformats.org/presentationml/2006/main">
   <p:cSld>
     <p:spTree>
@@ -16605,7 +17121,873 @@
 </p:sld>
 </file>
 
-<file path=ppt/slides/slide18.xml><?xml version="1.0" encoding="utf-8"?>
+<file path=ppt/slides/slide2.xml><?xml version="1.0" encoding="utf-8"?>
+<p:sld xmlns:a="http://schemas.openxmlformats.org/drawingml/2006/main" xmlns:r="http://schemas.openxmlformats.org/officeDocument/2006/relationships" xmlns:p="http://schemas.openxmlformats.org/presentationml/2006/main">
+  <p:cSld>
+    <p:spTree>
+      <p:nvGrpSpPr>
+        <p:cNvPr id="1" name=""/>
+        <p:cNvGrpSpPr/>
+        <p:nvPr/>
+      </p:nvGrpSpPr>
+      <p:grpSpPr>
+        <a:xfrm>
+          <a:off x="0" y="0"/>
+          <a:ext cx="0" cy="0"/>
+          <a:chOff x="0" y="0"/>
+          <a:chExt cx="0" cy="0"/>
+        </a:xfrm>
+      </p:grpSpPr>
+      <p:sp>
+        <p:nvSpPr>
+          <p:cNvPr id="17" name="Rectangle 16">
+            <a:extLst>
+              <a:ext uri="{FF2B5EF4-FFF2-40B4-BE49-F238E27FC236}">
+                <a16:creationId xmlns:a16="http://schemas.microsoft.com/office/drawing/2014/main" id="{98E19B69-8DC4-400A-BA56-380FB0B89E26}"/>
+              </a:ext>
+            </a:extLst>
+          </p:cNvPr>
+          <p:cNvSpPr/>
+          <p:nvPr/>
+        </p:nvSpPr>
+        <p:spPr>
+          <a:xfrm>
+            <a:off x="8361979" y="4261034"/>
+            <a:ext cx="1019586" cy="319034"/>
+          </a:xfrm>
+          <a:prstGeom prst="rect">
+            <a:avLst/>
+          </a:prstGeom>
+          <a:solidFill>
+            <a:srgbClr val="FFFF00"/>
+          </a:solidFill>
+          <a:ln>
+            <a:solidFill>
+              <a:schemeClr val="tx1"/>
+            </a:solidFill>
+          </a:ln>
+        </p:spPr>
+        <p:style>
+          <a:lnRef idx="2">
+            <a:schemeClr val="accent1">
+              <a:shade val="50000"/>
+            </a:schemeClr>
+          </a:lnRef>
+          <a:fillRef idx="1">
+            <a:schemeClr val="accent1"/>
+          </a:fillRef>
+          <a:effectRef idx="0">
+            <a:schemeClr val="accent1"/>
+          </a:effectRef>
+          <a:fontRef idx="minor">
+            <a:schemeClr val="lt1"/>
+          </a:fontRef>
+        </p:style>
+        <p:txBody>
+          <a:bodyPr rtlCol="0" anchor="ctr"/>
+          <a:lstStyle/>
+          <a:p>
+            <a:pPr algn="ctr"/>
+            <a:endParaRPr lang="en-US" dirty="0">
+              <a:solidFill>
+                <a:schemeClr val="tx1"/>
+              </a:solidFill>
+              <a:highlight>
+                <a:srgbClr val="FFFF00"/>
+              </a:highlight>
+            </a:endParaRPr>
+          </a:p>
+        </p:txBody>
+      </p:sp>
+      <p:sp>
+        <p:nvSpPr>
+          <p:cNvPr id="16" name="Rectangle 15">
+            <a:extLst>
+              <a:ext uri="{FF2B5EF4-FFF2-40B4-BE49-F238E27FC236}">
+                <a16:creationId xmlns:a16="http://schemas.microsoft.com/office/drawing/2014/main" id="{2B725696-6BF8-4B5B-BA3F-025252F468B5}"/>
+              </a:ext>
+            </a:extLst>
+          </p:cNvPr>
+          <p:cNvSpPr/>
+          <p:nvPr/>
+        </p:nvSpPr>
+        <p:spPr>
+          <a:xfrm>
+            <a:off x="6175936" y="5290739"/>
+            <a:ext cx="924111" cy="319034"/>
+          </a:xfrm>
+          <a:prstGeom prst="rect">
+            <a:avLst/>
+          </a:prstGeom>
+          <a:solidFill>
+            <a:srgbClr val="FFFF00"/>
+          </a:solidFill>
+          <a:ln>
+            <a:solidFill>
+              <a:schemeClr val="tx1"/>
+            </a:solidFill>
+          </a:ln>
+        </p:spPr>
+        <p:style>
+          <a:lnRef idx="2">
+            <a:schemeClr val="accent1">
+              <a:shade val="50000"/>
+            </a:schemeClr>
+          </a:lnRef>
+          <a:fillRef idx="1">
+            <a:schemeClr val="accent1"/>
+          </a:fillRef>
+          <a:effectRef idx="0">
+            <a:schemeClr val="accent1"/>
+          </a:effectRef>
+          <a:fontRef idx="minor">
+            <a:schemeClr val="lt1"/>
+          </a:fontRef>
+        </p:style>
+        <p:txBody>
+          <a:bodyPr rtlCol="0" anchor="ctr"/>
+          <a:lstStyle/>
+          <a:p>
+            <a:pPr algn="ctr"/>
+            <a:endParaRPr lang="en-US" dirty="0">
+              <a:solidFill>
+                <a:schemeClr val="tx1"/>
+              </a:solidFill>
+              <a:highlight>
+                <a:srgbClr val="FFFF00"/>
+              </a:highlight>
+            </a:endParaRPr>
+          </a:p>
+        </p:txBody>
+      </p:sp>
+      <p:sp>
+        <p:nvSpPr>
+          <p:cNvPr id="18" name="Rectangle 17">
+            <a:extLst>
+              <a:ext uri="{FF2B5EF4-FFF2-40B4-BE49-F238E27FC236}">
+                <a16:creationId xmlns:a16="http://schemas.microsoft.com/office/drawing/2014/main" id="{8E5AC9B8-5766-428F-BDA2-527CDA93DBC2}"/>
+              </a:ext>
+            </a:extLst>
+          </p:cNvPr>
+          <p:cNvSpPr/>
+          <p:nvPr/>
+        </p:nvSpPr>
+        <p:spPr>
+          <a:xfrm>
+            <a:off x="2882153" y="5290739"/>
+            <a:ext cx="609600" cy="319034"/>
+          </a:xfrm>
+          <a:prstGeom prst="rect">
+            <a:avLst/>
+          </a:prstGeom>
+          <a:solidFill>
+            <a:srgbClr val="FFFF00"/>
+          </a:solidFill>
+          <a:ln>
+            <a:solidFill>
+              <a:schemeClr val="tx1"/>
+            </a:solidFill>
+          </a:ln>
+        </p:spPr>
+        <p:style>
+          <a:lnRef idx="2">
+            <a:schemeClr val="accent1">
+              <a:shade val="50000"/>
+            </a:schemeClr>
+          </a:lnRef>
+          <a:fillRef idx="1">
+            <a:schemeClr val="accent1"/>
+          </a:fillRef>
+          <a:effectRef idx="0">
+            <a:schemeClr val="accent1"/>
+          </a:effectRef>
+          <a:fontRef idx="minor">
+            <a:schemeClr val="lt1"/>
+          </a:fontRef>
+        </p:style>
+        <p:txBody>
+          <a:bodyPr rtlCol="0" anchor="ctr"/>
+          <a:lstStyle/>
+          <a:p>
+            <a:pPr algn="ctr"/>
+            <a:endParaRPr lang="en-US" dirty="0">
+              <a:solidFill>
+                <a:schemeClr val="tx1"/>
+              </a:solidFill>
+              <a:highlight>
+                <a:srgbClr val="FFFF00"/>
+              </a:highlight>
+            </a:endParaRPr>
+          </a:p>
+        </p:txBody>
+      </p:sp>
+      <p:sp>
+        <p:nvSpPr>
+          <p:cNvPr id="14" name="Rectangle 13">
+            <a:extLst>
+              <a:ext uri="{FF2B5EF4-FFF2-40B4-BE49-F238E27FC236}">
+                <a16:creationId xmlns:a16="http://schemas.microsoft.com/office/drawing/2014/main" id="{CB27E0B3-99E8-4D10-BA4F-582388D4EB9D}"/>
+              </a:ext>
+            </a:extLst>
+          </p:cNvPr>
+          <p:cNvSpPr/>
+          <p:nvPr/>
+        </p:nvSpPr>
+        <p:spPr>
+          <a:xfrm>
+            <a:off x="9520518" y="4929995"/>
+            <a:ext cx="1178858" cy="319034"/>
+          </a:xfrm>
+          <a:prstGeom prst="rect">
+            <a:avLst/>
+          </a:prstGeom>
+          <a:solidFill>
+            <a:srgbClr val="FFFF00"/>
+          </a:solidFill>
+          <a:ln>
+            <a:solidFill>
+              <a:schemeClr val="tx1"/>
+            </a:solidFill>
+          </a:ln>
+        </p:spPr>
+        <p:style>
+          <a:lnRef idx="2">
+            <a:schemeClr val="accent1">
+              <a:shade val="50000"/>
+            </a:schemeClr>
+          </a:lnRef>
+          <a:fillRef idx="1">
+            <a:schemeClr val="accent1"/>
+          </a:fillRef>
+          <a:effectRef idx="0">
+            <a:schemeClr val="accent1"/>
+          </a:effectRef>
+          <a:fontRef idx="minor">
+            <a:schemeClr val="lt1"/>
+          </a:fontRef>
+        </p:style>
+        <p:txBody>
+          <a:bodyPr rtlCol="0" anchor="ctr"/>
+          <a:lstStyle/>
+          <a:p>
+            <a:pPr algn="ctr"/>
+            <a:endParaRPr lang="en-US" dirty="0">
+              <a:solidFill>
+                <a:schemeClr val="tx1"/>
+              </a:solidFill>
+              <a:highlight>
+                <a:srgbClr val="FFFF00"/>
+              </a:highlight>
+            </a:endParaRPr>
+          </a:p>
+        </p:txBody>
+      </p:sp>
+      <p:sp>
+        <p:nvSpPr>
+          <p:cNvPr id="15" name="Rectangle 14">
+            <a:extLst>
+              <a:ext uri="{FF2B5EF4-FFF2-40B4-BE49-F238E27FC236}">
+                <a16:creationId xmlns:a16="http://schemas.microsoft.com/office/drawing/2014/main" id="{8F72D39E-6FD9-4107-8809-7A3FC5B68626}"/>
+              </a:ext>
+            </a:extLst>
+          </p:cNvPr>
+          <p:cNvSpPr/>
+          <p:nvPr/>
+        </p:nvSpPr>
+        <p:spPr>
+          <a:xfrm>
+            <a:off x="2109096" y="3589616"/>
+            <a:ext cx="1261633" cy="319034"/>
+          </a:xfrm>
+          <a:prstGeom prst="rect">
+            <a:avLst/>
+          </a:prstGeom>
+          <a:solidFill>
+            <a:srgbClr val="FFFF00"/>
+          </a:solidFill>
+          <a:ln>
+            <a:solidFill>
+              <a:schemeClr val="tx1"/>
+            </a:solidFill>
+          </a:ln>
+        </p:spPr>
+        <p:style>
+          <a:lnRef idx="2">
+            <a:schemeClr val="accent1">
+              <a:shade val="50000"/>
+            </a:schemeClr>
+          </a:lnRef>
+          <a:fillRef idx="1">
+            <a:schemeClr val="accent1"/>
+          </a:fillRef>
+          <a:effectRef idx="0">
+            <a:schemeClr val="accent1"/>
+          </a:effectRef>
+          <a:fontRef idx="minor">
+            <a:schemeClr val="lt1"/>
+          </a:fontRef>
+        </p:style>
+        <p:txBody>
+          <a:bodyPr rtlCol="0" anchor="ctr"/>
+          <a:lstStyle/>
+          <a:p>
+            <a:pPr algn="ctr"/>
+            <a:endParaRPr lang="en-US" dirty="0">
+              <a:solidFill>
+                <a:schemeClr val="tx1"/>
+              </a:solidFill>
+              <a:highlight>
+                <a:srgbClr val="FFFF00"/>
+              </a:highlight>
+            </a:endParaRPr>
+          </a:p>
+        </p:txBody>
+      </p:sp>
+      <p:sp>
+        <p:nvSpPr>
+          <p:cNvPr id="13" name="Rectangle 12">
+            <a:extLst>
+              <a:ext uri="{FF2B5EF4-FFF2-40B4-BE49-F238E27FC236}">
+                <a16:creationId xmlns:a16="http://schemas.microsoft.com/office/drawing/2014/main" id="{ACAE0EA5-DEC1-4E78-BF53-F21BA6887383}"/>
+              </a:ext>
+            </a:extLst>
+          </p:cNvPr>
+          <p:cNvSpPr/>
+          <p:nvPr/>
+        </p:nvSpPr>
+        <p:spPr>
+          <a:xfrm>
+            <a:off x="9950824" y="1595525"/>
+            <a:ext cx="1017494" cy="319034"/>
+          </a:xfrm>
+          <a:prstGeom prst="rect">
+            <a:avLst/>
+          </a:prstGeom>
+          <a:solidFill>
+            <a:schemeClr val="accent2"/>
+          </a:solidFill>
+          <a:ln>
+            <a:solidFill>
+              <a:schemeClr val="tx1"/>
+            </a:solidFill>
+          </a:ln>
+        </p:spPr>
+        <p:style>
+          <a:lnRef idx="2">
+            <a:schemeClr val="accent1">
+              <a:shade val="50000"/>
+            </a:schemeClr>
+          </a:lnRef>
+          <a:fillRef idx="1">
+            <a:schemeClr val="accent1"/>
+          </a:fillRef>
+          <a:effectRef idx="0">
+            <a:schemeClr val="accent1"/>
+          </a:effectRef>
+          <a:fontRef idx="minor">
+            <a:schemeClr val="lt1"/>
+          </a:fontRef>
+        </p:style>
+        <p:txBody>
+          <a:bodyPr rtlCol="0" anchor="ctr"/>
+          <a:lstStyle/>
+          <a:p>
+            <a:pPr algn="ctr"/>
+            <a:endParaRPr lang="en-US" dirty="0">
+              <a:solidFill>
+                <a:schemeClr val="tx1"/>
+              </a:solidFill>
+            </a:endParaRPr>
+          </a:p>
+        </p:txBody>
+      </p:sp>
+      <p:sp>
+        <p:nvSpPr>
+          <p:cNvPr id="12" name="Rectangle 11">
+            <a:extLst>
+              <a:ext uri="{FF2B5EF4-FFF2-40B4-BE49-F238E27FC236}">
+                <a16:creationId xmlns:a16="http://schemas.microsoft.com/office/drawing/2014/main" id="{40AF1CEA-91E6-4A55-9D5A-90B2DE2F50C6}"/>
+              </a:ext>
+            </a:extLst>
+          </p:cNvPr>
+          <p:cNvSpPr/>
+          <p:nvPr/>
+        </p:nvSpPr>
+        <p:spPr>
+          <a:xfrm>
+            <a:off x="1322294" y="1916166"/>
+            <a:ext cx="1445706" cy="319034"/>
+          </a:xfrm>
+          <a:prstGeom prst="rect">
+            <a:avLst/>
+          </a:prstGeom>
+          <a:solidFill>
+            <a:schemeClr val="accent2"/>
+          </a:solidFill>
+          <a:ln>
+            <a:solidFill>
+              <a:schemeClr val="tx1"/>
+            </a:solidFill>
+          </a:ln>
+        </p:spPr>
+        <p:style>
+          <a:lnRef idx="2">
+            <a:schemeClr val="accent1">
+              <a:shade val="50000"/>
+            </a:schemeClr>
+          </a:lnRef>
+          <a:fillRef idx="1">
+            <a:schemeClr val="accent1"/>
+          </a:fillRef>
+          <a:effectRef idx="0">
+            <a:schemeClr val="accent1"/>
+          </a:effectRef>
+          <a:fontRef idx="minor">
+            <a:schemeClr val="lt1"/>
+          </a:fontRef>
+        </p:style>
+        <p:txBody>
+          <a:bodyPr rtlCol="0" anchor="ctr"/>
+          <a:lstStyle/>
+          <a:p>
+            <a:pPr algn="ctr"/>
+            <a:endParaRPr lang="en-US" dirty="0">
+              <a:solidFill>
+                <a:schemeClr val="tx1"/>
+              </a:solidFill>
+            </a:endParaRPr>
+          </a:p>
+        </p:txBody>
+      </p:sp>
+      <p:sp>
+        <p:nvSpPr>
+          <p:cNvPr id="11" name="Rectangle 10">
+            <a:extLst>
+              <a:ext uri="{FF2B5EF4-FFF2-40B4-BE49-F238E27FC236}">
+                <a16:creationId xmlns:a16="http://schemas.microsoft.com/office/drawing/2014/main" id="{A6C87710-3FE4-427F-85BA-E25A9D68C369}"/>
+              </a:ext>
+            </a:extLst>
+          </p:cNvPr>
+          <p:cNvSpPr/>
+          <p:nvPr/>
+        </p:nvSpPr>
+        <p:spPr>
+          <a:xfrm>
+            <a:off x="2768000" y="1916166"/>
+            <a:ext cx="889300" cy="319034"/>
+          </a:xfrm>
+          <a:prstGeom prst="rect">
+            <a:avLst/>
+          </a:prstGeom>
+          <a:solidFill>
+            <a:schemeClr val="accent2"/>
+          </a:solidFill>
+          <a:ln>
+            <a:solidFill>
+              <a:schemeClr val="tx1"/>
+            </a:solidFill>
+          </a:ln>
+        </p:spPr>
+        <p:style>
+          <a:lnRef idx="2">
+            <a:schemeClr val="accent1">
+              <a:shade val="50000"/>
+            </a:schemeClr>
+          </a:lnRef>
+          <a:fillRef idx="1">
+            <a:schemeClr val="accent1"/>
+          </a:fillRef>
+          <a:effectRef idx="0">
+            <a:schemeClr val="accent1"/>
+          </a:effectRef>
+          <a:fontRef idx="minor">
+            <a:schemeClr val="lt1"/>
+          </a:fontRef>
+        </p:style>
+        <p:txBody>
+          <a:bodyPr rtlCol="0" anchor="ctr"/>
+          <a:lstStyle/>
+          <a:p>
+            <a:pPr algn="ctr"/>
+            <a:endParaRPr lang="en-US" dirty="0">
+              <a:solidFill>
+                <a:schemeClr val="tx1"/>
+              </a:solidFill>
+            </a:endParaRPr>
+          </a:p>
+        </p:txBody>
+      </p:sp>
+      <p:sp>
+        <p:nvSpPr>
+          <p:cNvPr id="10" name="Rectangle 9">
+            <a:extLst>
+              <a:ext uri="{FF2B5EF4-FFF2-40B4-BE49-F238E27FC236}">
+                <a16:creationId xmlns:a16="http://schemas.microsoft.com/office/drawing/2014/main" id="{5824A383-DAC2-4875-B0FC-2149733A2D52}"/>
+              </a:ext>
+            </a:extLst>
+          </p:cNvPr>
+          <p:cNvSpPr/>
+          <p:nvPr/>
+        </p:nvSpPr>
+        <p:spPr>
+          <a:xfrm>
+            <a:off x="5821680" y="1916166"/>
+            <a:ext cx="476026" cy="319034"/>
+          </a:xfrm>
+          <a:prstGeom prst="rect">
+            <a:avLst/>
+          </a:prstGeom>
+          <a:solidFill>
+            <a:schemeClr val="accent2"/>
+          </a:solidFill>
+          <a:ln>
+            <a:solidFill>
+              <a:schemeClr val="tx1"/>
+            </a:solidFill>
+          </a:ln>
+        </p:spPr>
+        <p:style>
+          <a:lnRef idx="2">
+            <a:schemeClr val="accent1">
+              <a:shade val="50000"/>
+            </a:schemeClr>
+          </a:lnRef>
+          <a:fillRef idx="1">
+            <a:schemeClr val="accent1"/>
+          </a:fillRef>
+          <a:effectRef idx="0">
+            <a:schemeClr val="accent1"/>
+          </a:effectRef>
+          <a:fontRef idx="minor">
+            <a:schemeClr val="lt1"/>
+          </a:fontRef>
+        </p:style>
+        <p:txBody>
+          <a:bodyPr rtlCol="0" anchor="ctr"/>
+          <a:lstStyle/>
+          <a:p>
+            <a:pPr algn="ctr"/>
+            <a:endParaRPr lang="en-US" dirty="0">
+              <a:solidFill>
+                <a:schemeClr val="tx1"/>
+              </a:solidFill>
+            </a:endParaRPr>
+          </a:p>
+        </p:txBody>
+      </p:sp>
+      <p:sp>
+        <p:nvSpPr>
+          <p:cNvPr id="8" name="Rectangle 7">
+            <a:extLst>
+              <a:ext uri="{FF2B5EF4-FFF2-40B4-BE49-F238E27FC236}">
+                <a16:creationId xmlns:a16="http://schemas.microsoft.com/office/drawing/2014/main" id="{C371C2CC-7DB7-457A-A303-5BDB7A21C322}"/>
+              </a:ext>
+            </a:extLst>
+          </p:cNvPr>
+          <p:cNvSpPr/>
+          <p:nvPr/>
+        </p:nvSpPr>
+        <p:spPr>
+          <a:xfrm>
+            <a:off x="5247640" y="1916166"/>
+            <a:ext cx="574040" cy="319034"/>
+          </a:xfrm>
+          <a:prstGeom prst="rect">
+            <a:avLst/>
+          </a:prstGeom>
+          <a:solidFill>
+            <a:schemeClr val="accent2"/>
+          </a:solidFill>
+          <a:ln>
+            <a:solidFill>
+              <a:schemeClr val="tx1"/>
+            </a:solidFill>
+          </a:ln>
+        </p:spPr>
+        <p:style>
+          <a:lnRef idx="2">
+            <a:schemeClr val="accent1">
+              <a:shade val="50000"/>
+            </a:schemeClr>
+          </a:lnRef>
+          <a:fillRef idx="1">
+            <a:schemeClr val="accent1"/>
+          </a:fillRef>
+          <a:effectRef idx="0">
+            <a:schemeClr val="accent1"/>
+          </a:effectRef>
+          <a:fontRef idx="minor">
+            <a:schemeClr val="lt1"/>
+          </a:fontRef>
+        </p:style>
+        <p:txBody>
+          <a:bodyPr rtlCol="0" anchor="ctr"/>
+          <a:lstStyle/>
+          <a:p>
+            <a:pPr algn="ctr"/>
+            <a:endParaRPr lang="en-US" dirty="0">
+              <a:solidFill>
+                <a:schemeClr val="tx1"/>
+              </a:solidFill>
+            </a:endParaRPr>
+          </a:p>
+        </p:txBody>
+      </p:sp>
+      <p:sp>
+        <p:nvSpPr>
+          <p:cNvPr id="6" name="Rectangle 5">
+            <a:extLst>
+              <a:ext uri="{FF2B5EF4-FFF2-40B4-BE49-F238E27FC236}">
+                <a16:creationId xmlns:a16="http://schemas.microsoft.com/office/drawing/2014/main" id="{11546E2A-C09E-4768-8139-D6F54BDE7949}"/>
+              </a:ext>
+            </a:extLst>
+          </p:cNvPr>
+          <p:cNvSpPr/>
+          <p:nvPr/>
+        </p:nvSpPr>
+        <p:spPr>
+          <a:xfrm>
+            <a:off x="4546600" y="1916167"/>
+            <a:ext cx="701040" cy="319034"/>
+          </a:xfrm>
+          <a:prstGeom prst="rect">
+            <a:avLst/>
+          </a:prstGeom>
+          <a:solidFill>
+            <a:schemeClr val="accent2"/>
+          </a:solidFill>
+          <a:ln>
+            <a:solidFill>
+              <a:schemeClr val="tx1"/>
+            </a:solidFill>
+          </a:ln>
+        </p:spPr>
+        <p:style>
+          <a:lnRef idx="2">
+            <a:schemeClr val="accent1">
+              <a:shade val="50000"/>
+            </a:schemeClr>
+          </a:lnRef>
+          <a:fillRef idx="1">
+            <a:schemeClr val="accent1"/>
+          </a:fillRef>
+          <a:effectRef idx="0">
+            <a:schemeClr val="accent1"/>
+          </a:effectRef>
+          <a:fontRef idx="minor">
+            <a:schemeClr val="lt1"/>
+          </a:fontRef>
+        </p:style>
+        <p:txBody>
+          <a:bodyPr rtlCol="0" anchor="ctr"/>
+          <a:lstStyle/>
+          <a:p>
+            <a:pPr algn="ctr"/>
+            <a:endParaRPr lang="en-US" dirty="0">
+              <a:solidFill>
+                <a:schemeClr val="tx1"/>
+              </a:solidFill>
+            </a:endParaRPr>
+          </a:p>
+        </p:txBody>
+      </p:sp>
+      <p:sp>
+        <p:nvSpPr>
+          <p:cNvPr id="5" name="Rectangle 4">
+            <a:extLst>
+              <a:ext uri="{FF2B5EF4-FFF2-40B4-BE49-F238E27FC236}">
+                <a16:creationId xmlns:a16="http://schemas.microsoft.com/office/drawing/2014/main" id="{923D5A0C-7104-4B7B-B64B-F1C23AE8C07A}"/>
+              </a:ext>
+            </a:extLst>
+          </p:cNvPr>
+          <p:cNvSpPr/>
+          <p:nvPr/>
+        </p:nvSpPr>
+        <p:spPr>
+          <a:xfrm>
+            <a:off x="3657300" y="1914559"/>
+            <a:ext cx="889300" cy="320641"/>
+          </a:xfrm>
+          <a:prstGeom prst="rect">
+            <a:avLst/>
+          </a:prstGeom>
+          <a:solidFill>
+            <a:schemeClr val="accent6"/>
+          </a:solidFill>
+          <a:ln>
+            <a:solidFill>
+              <a:schemeClr val="tx1"/>
+            </a:solidFill>
+          </a:ln>
+        </p:spPr>
+        <p:style>
+          <a:lnRef idx="2">
+            <a:schemeClr val="accent1">
+              <a:shade val="50000"/>
+            </a:schemeClr>
+          </a:lnRef>
+          <a:fillRef idx="1">
+            <a:schemeClr val="accent1"/>
+          </a:fillRef>
+          <a:effectRef idx="0">
+            <a:schemeClr val="accent1"/>
+          </a:effectRef>
+          <a:fontRef idx="minor">
+            <a:schemeClr val="lt1"/>
+          </a:fontRef>
+        </p:style>
+        <p:txBody>
+          <a:bodyPr rtlCol="0" anchor="ctr"/>
+          <a:lstStyle/>
+          <a:p>
+            <a:pPr algn="ctr"/>
+            <a:endParaRPr lang="en-US" dirty="0">
+              <a:solidFill>
+                <a:schemeClr val="tx1"/>
+              </a:solidFill>
+            </a:endParaRPr>
+          </a:p>
+        </p:txBody>
+      </p:sp>
+      <p:sp>
+        <p:nvSpPr>
+          <p:cNvPr id="4" name="Rectangle 3">
+            <a:extLst>
+              <a:ext uri="{FF2B5EF4-FFF2-40B4-BE49-F238E27FC236}">
+                <a16:creationId xmlns:a16="http://schemas.microsoft.com/office/drawing/2014/main" id="{B4D14C07-06E9-4B91-841A-570E26C18489}"/>
+              </a:ext>
+            </a:extLst>
+          </p:cNvPr>
+          <p:cNvSpPr/>
+          <p:nvPr/>
+        </p:nvSpPr>
+        <p:spPr>
+          <a:xfrm>
+            <a:off x="1259989" y="1169444"/>
+            <a:ext cx="10012680" cy="4832092"/>
+          </a:xfrm>
+          <a:prstGeom prst="rect">
+            <a:avLst/>
+          </a:prstGeom>
+        </p:spPr>
+        <p:txBody>
+          <a:bodyPr wrap="square">
+            <a:spAutoFit/>
+          </a:bodyPr>
+          <a:lstStyle/>
+          <a:p>
+            <a:r>
+              <a:rPr lang="en-US" sz="2200" dirty="0">
+                <a:latin typeface="Times New Roman" panose="02020603050405020304" pitchFamily="18" charset="0"/>
+                <a:cs typeface="Times New Roman" panose="02020603050405020304" pitchFamily="18" charset="0"/>
+              </a:rPr>
+              <a:t>Drilling fluids serve to balance formation pressures while drilling to ensure wellbore stability. They also carry cuttings to the surface and cool the bit. The drilling engineer traditionally designs drilling fluids with two primary goals in mind:</a:t>
+            </a:r>
+          </a:p>
+          <a:p>
+            <a:endParaRPr lang="en-US" sz="2200" dirty="0">
+              <a:latin typeface="Times New Roman" panose="02020603050405020304" pitchFamily="18" charset="0"/>
+              <a:cs typeface="Times New Roman" panose="02020603050405020304" pitchFamily="18" charset="0"/>
+            </a:endParaRPr>
+          </a:p>
+          <a:p>
+            <a:pPr marL="800100" lvl="1" indent="-342900">
+              <a:buFont typeface="Arial" panose="020B0604020202020204" pitchFamily="34" charset="0"/>
+              <a:buChar char="•"/>
+            </a:pPr>
+            <a:r>
+              <a:rPr lang="en-US" sz="2200" dirty="0">
+                <a:latin typeface="Times New Roman" panose="02020603050405020304" pitchFamily="18" charset="0"/>
+                <a:cs typeface="Times New Roman" panose="02020603050405020304" pitchFamily="18" charset="0"/>
+              </a:rPr>
+              <a:t>To ensure safe, stable boreholes, which is accomplished by operating within an acceptable mud-weight window</a:t>
+            </a:r>
+          </a:p>
+          <a:p>
+            <a:pPr marL="800100" lvl="1" indent="-342900">
+              <a:buFont typeface="Arial" panose="020B0604020202020204" pitchFamily="34" charset="0"/>
+              <a:buChar char="•"/>
+            </a:pPr>
+            <a:r>
+              <a:rPr lang="en-US" sz="2200" dirty="0">
+                <a:latin typeface="Times New Roman" panose="02020603050405020304" pitchFamily="18" charset="0"/>
+                <a:cs typeface="Times New Roman" panose="02020603050405020304" pitchFamily="18" charset="0"/>
+              </a:rPr>
+              <a:t>To achieve high rates of penetration so that rig time and well cost can be minimized</a:t>
+            </a:r>
+          </a:p>
+          <a:p>
+            <a:pPr marL="800100" lvl="1" indent="-342900">
+              <a:buFont typeface="Arial" panose="020B0604020202020204" pitchFamily="34" charset="0"/>
+              <a:buChar char="•"/>
+            </a:pPr>
+            <a:endParaRPr lang="en-US" sz="2200" dirty="0">
+              <a:latin typeface="Times New Roman" panose="02020603050405020304" pitchFamily="18" charset="0"/>
+              <a:cs typeface="Times New Roman" panose="02020603050405020304" pitchFamily="18" charset="0"/>
+            </a:endParaRPr>
+          </a:p>
+          <a:p>
+            <a:r>
+              <a:rPr lang="en-US" sz="2200" dirty="0">
+                <a:latin typeface="Times New Roman" panose="02020603050405020304" pitchFamily="18" charset="0"/>
+                <a:cs typeface="Times New Roman" panose="02020603050405020304" pitchFamily="18" charset="0"/>
+              </a:rPr>
+              <a:t>These primary considerations do not include well productivity concerns. A growing recognition of the importance of drilling-induced formation damage has led to the use of drill-in fluids (fluids used to drill through the pay zone) that minimize formation damage. This page discusses the formation damage that may be associated with various types of drilling fluids.</a:t>
+            </a:r>
+          </a:p>
+        </p:txBody>
+      </p:sp>
+      <p:sp>
+        <p:nvSpPr>
+          <p:cNvPr id="19" name="Rectangle 18">
+            <a:extLst>
+              <a:ext uri="{FF2B5EF4-FFF2-40B4-BE49-F238E27FC236}">
+                <a16:creationId xmlns:a16="http://schemas.microsoft.com/office/drawing/2014/main" id="{9A036AC1-7E41-466B-B032-7675F577A3BD}"/>
+              </a:ext>
+            </a:extLst>
+          </p:cNvPr>
+          <p:cNvSpPr/>
+          <p:nvPr/>
+        </p:nvSpPr>
+        <p:spPr>
+          <a:xfrm>
+            <a:off x="5534660" y="5902869"/>
+            <a:ext cx="5705216" cy="369332"/>
+          </a:xfrm>
+          <a:prstGeom prst="rect">
+            <a:avLst/>
+          </a:prstGeom>
+        </p:spPr>
+        <p:txBody>
+          <a:bodyPr wrap="none">
+            <a:spAutoFit/>
+          </a:bodyPr>
+          <a:lstStyle/>
+          <a:p>
+            <a:r>
+              <a:rPr lang="en-US" dirty="0">
+                <a:hlinkClick r:id="rId2"/>
+              </a:rPr>
+              <a:t>https://petrowiki.org/Drilling_induced_formation_damage</a:t>
+            </a:r>
+            <a:endParaRPr lang="en-US" dirty="0"/>
+          </a:p>
+        </p:txBody>
+      </p:sp>
+    </p:spTree>
+    <p:extLst>
+      <p:ext uri="{BB962C8B-B14F-4D97-AF65-F5344CB8AC3E}">
+        <p14:creationId xmlns:p14="http://schemas.microsoft.com/office/powerpoint/2010/main" val="2092424893"/>
+      </p:ext>
+    </p:extLst>
+  </p:cSld>
+  <p:clrMapOvr>
+    <a:masterClrMapping/>
+  </p:clrMapOvr>
+</p:sld>
+</file>
+
+<file path=ppt/slides/slide20.xml><?xml version="1.0" encoding="utf-8"?>
 <p:sld xmlns:a="http://schemas.openxmlformats.org/drawingml/2006/main" xmlns:r="http://schemas.openxmlformats.org/officeDocument/2006/relationships" xmlns:p="http://schemas.openxmlformats.org/presentationml/2006/main">
   <p:cSld>
     <p:spTree>
@@ -17318,7 +18700,7 @@
 </p:sld>
 </file>
 
-<file path=ppt/slides/slide19.xml><?xml version="1.0" encoding="utf-8"?>
+<file path=ppt/slides/slide21.xml><?xml version="1.0" encoding="utf-8"?>
 <p:sld xmlns:a="http://schemas.openxmlformats.org/drawingml/2006/main" xmlns:r="http://schemas.openxmlformats.org/officeDocument/2006/relationships" xmlns:p="http://schemas.openxmlformats.org/presentationml/2006/main">
   <p:cSld>
     <p:spTree>
@@ -21404,661 +22786,7 @@
 </p:sld>
 </file>
 
-<file path=ppt/slides/slide2.xml><?xml version="1.0" encoding="utf-8"?>
-<p:sld xmlns:a="http://schemas.openxmlformats.org/drawingml/2006/main" xmlns:r="http://schemas.openxmlformats.org/officeDocument/2006/relationships" xmlns:p="http://schemas.openxmlformats.org/presentationml/2006/main">
-  <p:cSld>
-    <p:spTree>
-      <p:nvGrpSpPr>
-        <p:cNvPr id="1" name=""/>
-        <p:cNvGrpSpPr/>
-        <p:nvPr/>
-      </p:nvGrpSpPr>
-      <p:grpSpPr>
-        <a:xfrm>
-          <a:off x="0" y="0"/>
-          <a:ext cx="0" cy="0"/>
-          <a:chOff x="0" y="0"/>
-          <a:chExt cx="0" cy="0"/>
-        </a:xfrm>
-      </p:grpSpPr>
-      <p:pic>
-        <p:nvPicPr>
-          <p:cNvPr id="5" name="Picture 4">
-            <a:extLst>
-              <a:ext uri="{FF2B5EF4-FFF2-40B4-BE49-F238E27FC236}">
-                <a16:creationId xmlns:a16="http://schemas.microsoft.com/office/drawing/2014/main" id="{33E3728F-5C5C-403A-B0CD-FA5DC3D1C993}"/>
-              </a:ext>
-            </a:extLst>
-          </p:cNvPr>
-          <p:cNvPicPr>
-            <a:picLocks noChangeAspect="1"/>
-          </p:cNvPicPr>
-          <p:nvPr/>
-        </p:nvPicPr>
-        <p:blipFill>
-          <a:blip r:embed="rId2"/>
-          <a:stretch>
-            <a:fillRect/>
-          </a:stretch>
-        </p:blipFill>
-        <p:spPr>
-          <a:xfrm>
-            <a:off x="3497580" y="2398818"/>
-            <a:ext cx="5196840" cy="2060363"/>
-          </a:xfrm>
-          <a:prstGeom prst="rect">
-            <a:avLst/>
-          </a:prstGeom>
-        </p:spPr>
-      </p:pic>
-      <p:sp>
-        <p:nvSpPr>
-          <p:cNvPr id="6" name="Left Brace 5">
-            <a:extLst>
-              <a:ext uri="{FF2B5EF4-FFF2-40B4-BE49-F238E27FC236}">
-                <a16:creationId xmlns:a16="http://schemas.microsoft.com/office/drawing/2014/main" id="{C015BB06-817A-4921-B3FA-0D297B35C374}"/>
-              </a:ext>
-            </a:extLst>
-          </p:cNvPr>
-          <p:cNvSpPr/>
-          <p:nvPr/>
-        </p:nvSpPr>
-        <p:spPr>
-          <a:xfrm>
-            <a:off x="3103880" y="2438400"/>
-            <a:ext cx="269240" cy="2020781"/>
-          </a:xfrm>
-          <a:prstGeom prst="leftBrace">
-            <a:avLst>
-              <a:gd name="adj1" fmla="val 63050"/>
-              <a:gd name="adj2" fmla="val 50000"/>
-            </a:avLst>
-          </a:prstGeom>
-          <a:ln w="44450">
-            <a:solidFill>
-              <a:schemeClr val="accent2"/>
-            </a:solidFill>
-          </a:ln>
-        </p:spPr>
-        <p:style>
-          <a:lnRef idx="1">
-            <a:schemeClr val="accent1"/>
-          </a:lnRef>
-          <a:fillRef idx="0">
-            <a:schemeClr val="accent1"/>
-          </a:fillRef>
-          <a:effectRef idx="0">
-            <a:schemeClr val="accent1"/>
-          </a:effectRef>
-          <a:fontRef idx="minor">
-            <a:schemeClr val="tx1"/>
-          </a:fontRef>
-        </p:style>
-        <p:txBody>
-          <a:bodyPr rtlCol="0" anchor="ctr"/>
-          <a:lstStyle/>
-          <a:p>
-            <a:pPr algn="ctr"/>
-            <a:endParaRPr lang="en-US"/>
-          </a:p>
-        </p:txBody>
-      </p:sp>
-      <mc:AlternateContent xmlns:mc="http://schemas.openxmlformats.org/markup-compatibility/2006">
-        <mc:Choice xmlns:a14="http://schemas.microsoft.com/office/drawing/2010/main" Requires="a14">
-          <p:sp>
-            <p:nvSpPr>
-              <p:cNvPr id="9" name="TextBox 8">
-                <a:extLst>
-                  <a:ext uri="{FF2B5EF4-FFF2-40B4-BE49-F238E27FC236}">
-                    <a16:creationId xmlns:a16="http://schemas.microsoft.com/office/drawing/2014/main" id="{D460F307-6380-42B7-A02D-F9804704A8B4}"/>
-                  </a:ext>
-                </a:extLst>
-              </p:cNvPr>
-              <p:cNvSpPr txBox="1"/>
-              <p:nvPr/>
-            </p:nvSpPr>
-            <p:spPr>
-              <a:xfrm>
-                <a:off x="828585" y="3105834"/>
-                <a:ext cx="1975575" cy="646331"/>
-              </a:xfrm>
-              <a:prstGeom prst="rect">
-                <a:avLst/>
-              </a:prstGeom>
-              <a:noFill/>
-            </p:spPr>
-            <p:txBody>
-              <a:bodyPr wrap="square" rtlCol="0">
-                <a:spAutoFit/>
-              </a:bodyPr>
-              <a:lstStyle/>
-              <a:p>
-                <a:pPr algn="r"/>
-                <a:r>
-                  <a:rPr lang="en-US" b="1" dirty="0">
-                    <a:solidFill>
-                      <a:schemeClr val="accent2"/>
-                    </a:solidFill>
-                  </a:rPr>
-                  <a:t>Computed </a:t>
-                </a:r>
-                <a14:m>
-                  <m:oMath xmlns:m="http://schemas.openxmlformats.org/officeDocument/2006/math">
-                    <m:r>
-                      <a:rPr lang="en-US" b="1" i="1" smtClean="0">
-                        <a:solidFill>
-                          <a:schemeClr val="accent2"/>
-                        </a:solidFill>
-                        <a:latin typeface="Cambria Math" panose="02040503050406030204" pitchFamily="18" charset="0"/>
-                      </a:rPr>
-                      <m:t>𝑽</m:t>
-                    </m:r>
-                  </m:oMath>
-                </a14:m>
-                <a:r>
-                  <a:rPr lang="en-US" b="1" dirty="0">
-                    <a:solidFill>
-                      <a:schemeClr val="accent2"/>
-                    </a:solidFill>
-                  </a:rPr>
-                  <a:t> times</a:t>
-                </a:r>
-              </a:p>
-              <a:p>
-                <a:pPr algn="r"/>
-                <a:r>
-                  <a:rPr lang="en-US" b="1" dirty="0">
-                    <a:solidFill>
-                      <a:schemeClr val="accent2"/>
-                    </a:solidFill>
-                  </a:rPr>
-                  <a:t>for all vocabs</a:t>
-                </a:r>
-              </a:p>
-            </p:txBody>
-          </p:sp>
-        </mc:Choice>
-        <mc:Fallback>
-          <p:sp>
-            <p:nvSpPr>
-              <p:cNvPr id="9" name="TextBox 8">
-                <a:extLst>
-                  <a:ext uri="{FF2B5EF4-FFF2-40B4-BE49-F238E27FC236}">
-                    <a16:creationId xmlns:a16="http://schemas.microsoft.com/office/drawing/2014/main" id="{D460F307-6380-42B7-A02D-F9804704A8B4}"/>
-                  </a:ext>
-                </a:extLst>
-              </p:cNvPr>
-              <p:cNvSpPr txBox="1">
-                <a:spLocks noRot="1" noChangeAspect="1" noMove="1" noResize="1" noEditPoints="1" noAdjustHandles="1" noChangeArrowheads="1" noChangeShapeType="1" noTextEdit="1"/>
-              </p:cNvSpPr>
-              <p:nvPr/>
-            </p:nvSpPr>
-            <p:spPr>
-              <a:xfrm>
-                <a:off x="828585" y="3105834"/>
-                <a:ext cx="1975575" cy="646331"/>
-              </a:xfrm>
-              <a:prstGeom prst="rect">
-                <a:avLst/>
-              </a:prstGeom>
-              <a:blipFill>
-                <a:blip r:embed="rId3"/>
-                <a:stretch>
-                  <a:fillRect l="-1543" t="-4673" r="-2469" b="-13084"/>
-                </a:stretch>
-              </a:blipFill>
-            </p:spPr>
-            <p:txBody>
-              <a:bodyPr/>
-              <a:lstStyle/>
-              <a:p>
-                <a:r>
-                  <a:rPr lang="en-US">
-                    <a:noFill/>
-                  </a:rPr>
-                  <a:t> </a:t>
-                </a:r>
-              </a:p>
-            </p:txBody>
-          </p:sp>
-        </mc:Fallback>
-      </mc:AlternateContent>
-      <p:sp>
-        <p:nvSpPr>
-          <p:cNvPr id="10" name="Rectangle 9">
-            <a:extLst>
-              <a:ext uri="{FF2B5EF4-FFF2-40B4-BE49-F238E27FC236}">
-                <a16:creationId xmlns:a16="http://schemas.microsoft.com/office/drawing/2014/main" id="{403F7937-C3E8-424C-A54B-7764342D3D36}"/>
-              </a:ext>
-            </a:extLst>
-          </p:cNvPr>
-          <p:cNvSpPr/>
-          <p:nvPr/>
-        </p:nvSpPr>
-        <p:spPr>
-          <a:xfrm>
-            <a:off x="5397832" y="3474191"/>
-            <a:ext cx="2613327" cy="478050"/>
-          </a:xfrm>
-          <a:prstGeom prst="rect">
-            <a:avLst/>
-          </a:prstGeom>
-          <a:noFill/>
-          <a:ln w="44450">
-            <a:solidFill>
-              <a:schemeClr val="accent6"/>
-            </a:solidFill>
-          </a:ln>
-        </p:spPr>
-        <p:style>
-          <a:lnRef idx="2">
-            <a:schemeClr val="accent1">
-              <a:shade val="50000"/>
-            </a:schemeClr>
-          </a:lnRef>
-          <a:fillRef idx="1">
-            <a:schemeClr val="accent1"/>
-          </a:fillRef>
-          <a:effectRef idx="0">
-            <a:schemeClr val="accent1"/>
-          </a:effectRef>
-          <a:fontRef idx="minor">
-            <a:schemeClr val="lt1"/>
-          </a:fontRef>
-        </p:style>
-        <p:txBody>
-          <a:bodyPr rtlCol="0" anchor="ctr"/>
-          <a:lstStyle/>
-          <a:p>
-            <a:pPr algn="ctr"/>
-            <a:endParaRPr lang="en-US"/>
-          </a:p>
-        </p:txBody>
-      </p:sp>
-      <p:cxnSp>
-        <p:nvCxnSpPr>
-          <p:cNvPr id="11" name="Straight Connector 10">
-            <a:extLst>
-              <a:ext uri="{FF2B5EF4-FFF2-40B4-BE49-F238E27FC236}">
-                <a16:creationId xmlns:a16="http://schemas.microsoft.com/office/drawing/2014/main" id="{70A40F80-5559-43FA-8A8B-F8FE06B98087}"/>
-              </a:ext>
-            </a:extLst>
-          </p:cNvPr>
-          <p:cNvCxnSpPr>
-            <a:cxnSpLocks/>
-            <a:endCxn id="10" idx="2"/>
-          </p:cNvCxnSpPr>
-          <p:nvPr/>
-        </p:nvCxnSpPr>
-        <p:spPr>
-          <a:xfrm flipH="1" flipV="1">
-            <a:off x="6704496" y="3952241"/>
-            <a:ext cx="1093304" cy="478050"/>
-          </a:xfrm>
-          <a:prstGeom prst="line">
-            <a:avLst/>
-          </a:prstGeom>
-          <a:ln w="44450">
-            <a:solidFill>
-              <a:schemeClr val="accent6"/>
-            </a:solidFill>
-            <a:headEnd type="triangle"/>
-          </a:ln>
-        </p:spPr>
-        <p:style>
-          <a:lnRef idx="1">
-            <a:schemeClr val="accent1"/>
-          </a:lnRef>
-          <a:fillRef idx="0">
-            <a:schemeClr val="accent1"/>
-          </a:fillRef>
-          <a:effectRef idx="0">
-            <a:schemeClr val="accent1"/>
-          </a:effectRef>
-          <a:fontRef idx="minor">
-            <a:schemeClr val="tx1"/>
-          </a:fontRef>
-        </p:style>
-      </p:cxnSp>
-      <mc:AlternateContent xmlns:mc="http://schemas.openxmlformats.org/markup-compatibility/2006">
-        <mc:Choice xmlns:a14="http://schemas.microsoft.com/office/drawing/2010/main" Requires="a14">
-          <p:sp>
-            <p:nvSpPr>
-              <p:cNvPr id="12" name="TextBox 11">
-                <a:extLst>
-                  <a:ext uri="{FF2B5EF4-FFF2-40B4-BE49-F238E27FC236}">
-                    <a16:creationId xmlns:a16="http://schemas.microsoft.com/office/drawing/2014/main" id="{F9C948D0-7067-489A-BE73-F54E342CF6D7}"/>
-                  </a:ext>
-                </a:extLst>
-              </p:cNvPr>
-              <p:cNvSpPr txBox="1"/>
-              <p:nvPr/>
-            </p:nvSpPr>
-            <p:spPr>
-              <a:xfrm>
-                <a:off x="7940367" y="4107125"/>
-                <a:ext cx="3159433" cy="646331"/>
-              </a:xfrm>
-              <a:prstGeom prst="rect">
-                <a:avLst/>
-              </a:prstGeom>
-              <a:noFill/>
-            </p:spPr>
-            <p:txBody>
-              <a:bodyPr wrap="square" rtlCol="0">
-                <a:spAutoFit/>
-              </a:bodyPr>
-              <a:lstStyle/>
-              <a:p>
-                <a14:m>
-                  <m:oMath xmlns:m="http://schemas.openxmlformats.org/officeDocument/2006/math">
-                    <m:r>
-                      <a:rPr lang="en-US" b="1" i="1" smtClean="0">
-                        <a:solidFill>
-                          <a:schemeClr val="accent6"/>
-                        </a:solidFill>
-                        <a:latin typeface="Cambria Math" panose="02040503050406030204" pitchFamily="18" charset="0"/>
-                      </a:rPr>
-                      <m:t>𝑽</m:t>
-                    </m:r>
-                  </m:oMath>
-                </a14:m>
-                <a:r>
-                  <a:rPr lang="en-US" b="1" dirty="0">
-                    <a:solidFill>
-                      <a:schemeClr val="accent6"/>
-                    </a:solidFill>
-                  </a:rPr>
-                  <a:t> computations are needed to get normalization factor</a:t>
-                </a:r>
-              </a:p>
-            </p:txBody>
-          </p:sp>
-        </mc:Choice>
-        <mc:Fallback>
-          <p:sp>
-            <p:nvSpPr>
-              <p:cNvPr id="12" name="TextBox 11">
-                <a:extLst>
-                  <a:ext uri="{FF2B5EF4-FFF2-40B4-BE49-F238E27FC236}">
-                    <a16:creationId xmlns:a16="http://schemas.microsoft.com/office/drawing/2014/main" id="{F9C948D0-7067-489A-BE73-F54E342CF6D7}"/>
-                  </a:ext>
-                </a:extLst>
-              </p:cNvPr>
-              <p:cNvSpPr txBox="1">
-                <a:spLocks noRot="1" noChangeAspect="1" noMove="1" noResize="1" noEditPoints="1" noAdjustHandles="1" noChangeArrowheads="1" noChangeShapeType="1" noTextEdit="1"/>
-              </p:cNvSpPr>
-              <p:nvPr/>
-            </p:nvSpPr>
-            <p:spPr>
-              <a:xfrm>
-                <a:off x="7940367" y="4107125"/>
-                <a:ext cx="3159433" cy="646331"/>
-              </a:xfrm>
-              <a:prstGeom prst="rect">
-                <a:avLst/>
-              </a:prstGeom>
-              <a:blipFill>
-                <a:blip r:embed="rId4"/>
-                <a:stretch>
-                  <a:fillRect l="-1737" t="-5660" b="-14151"/>
-                </a:stretch>
-              </a:blipFill>
-            </p:spPr>
-            <p:txBody>
-              <a:bodyPr/>
-              <a:lstStyle/>
-              <a:p>
-                <a:r>
-                  <a:rPr lang="en-US">
-                    <a:noFill/>
-                  </a:rPr>
-                  <a:t> </a:t>
-                </a:r>
-              </a:p>
-            </p:txBody>
-          </p:sp>
-        </mc:Fallback>
-      </mc:AlternateContent>
-      <mc:AlternateContent xmlns:mc="http://schemas.openxmlformats.org/markup-compatibility/2006">
-        <mc:Choice xmlns:a14="http://schemas.microsoft.com/office/drawing/2010/main" Requires="a14">
-          <p:sp>
-            <p:nvSpPr>
-              <p:cNvPr id="18" name="TextBox 17">
-                <a:extLst>
-                  <a:ext uri="{FF2B5EF4-FFF2-40B4-BE49-F238E27FC236}">
-                    <a16:creationId xmlns:a16="http://schemas.microsoft.com/office/drawing/2014/main" id="{1236184B-B7CA-4CA0-92E5-576A690433D4}"/>
-                  </a:ext>
-                </a:extLst>
-              </p:cNvPr>
-              <p:cNvSpPr txBox="1"/>
-              <p:nvPr/>
-            </p:nvSpPr>
-            <p:spPr>
-              <a:xfrm>
-                <a:off x="6704495" y="1983319"/>
-                <a:ext cx="4318000" cy="830997"/>
-              </a:xfrm>
-              <a:prstGeom prst="rect">
-                <a:avLst/>
-              </a:prstGeom>
-              <a:noFill/>
-            </p:spPr>
-            <p:txBody>
-              <a:bodyPr wrap="square" rtlCol="0">
-                <a:spAutoFit/>
-              </a:bodyPr>
-              <a:lstStyle/>
-              <a:p>
-                <a:pPr algn="r"/>
-                <a:r>
-                  <a:rPr lang="en-US" sz="2400" b="1" dirty="0">
-                    <a:solidFill>
-                      <a:schemeClr val="accent5"/>
-                    </a:solidFill>
-                  </a:rPr>
-                  <a:t>Complexity = </a:t>
-                </a:r>
-                <a14:m>
-                  <m:oMath xmlns:m="http://schemas.openxmlformats.org/officeDocument/2006/math">
-                    <m:r>
-                      <a:rPr lang="en-US" sz="2400" b="1" i="1" smtClean="0">
-                        <a:solidFill>
-                          <a:schemeClr val="accent5"/>
-                        </a:solidFill>
-                        <a:latin typeface="Cambria Math" panose="02040503050406030204" pitchFamily="18" charset="0"/>
-                      </a:rPr>
-                      <m:t>𝑶</m:t>
-                    </m:r>
-                    <m:d>
-                      <m:dPr>
-                        <m:ctrlPr>
-                          <a:rPr lang="en-US" sz="2400" b="1" i="1" smtClean="0">
-                            <a:solidFill>
-                              <a:schemeClr val="accent5"/>
-                            </a:solidFill>
-                            <a:latin typeface="Cambria Math" panose="02040503050406030204" pitchFamily="18" charset="0"/>
-                          </a:rPr>
-                        </m:ctrlPr>
-                      </m:dPr>
-                      <m:e>
-                        <m:r>
-                          <a:rPr lang="en-US" sz="2400" b="1" i="1" smtClean="0">
-                            <a:solidFill>
-                              <a:schemeClr val="accent5"/>
-                            </a:solidFill>
-                            <a:latin typeface="Cambria Math" panose="02040503050406030204" pitchFamily="18" charset="0"/>
-                          </a:rPr>
-                          <m:t>𝑽</m:t>
-                        </m:r>
-                        <m:r>
-                          <a:rPr lang="en-US" sz="2400" b="1" i="1" smtClean="0">
-                            <a:solidFill>
-                              <a:schemeClr val="accent5"/>
-                            </a:solidFill>
-                            <a:latin typeface="Cambria Math" panose="02040503050406030204" pitchFamily="18" charset="0"/>
-                          </a:rPr>
-                          <m:t>+</m:t>
-                        </m:r>
-                        <m:r>
-                          <a:rPr lang="en-US" sz="2400" b="1" i="1" smtClean="0">
-                            <a:solidFill>
-                              <a:schemeClr val="accent5"/>
-                            </a:solidFill>
-                            <a:latin typeface="Cambria Math" panose="02040503050406030204" pitchFamily="18" charset="0"/>
-                          </a:rPr>
-                          <m:t>𝑽</m:t>
-                        </m:r>
-                      </m:e>
-                    </m:d>
-                    <m:r>
-                      <a:rPr lang="en-US" sz="2400" b="1" i="1">
-                        <a:solidFill>
-                          <a:schemeClr val="accent5"/>
-                        </a:solidFill>
-                        <a:latin typeface="Cambria Math" panose="02040503050406030204" pitchFamily="18" charset="0"/>
-                        <a:ea typeface="Cambria Math" panose="02040503050406030204" pitchFamily="18" charset="0"/>
-                      </a:rPr>
-                      <m:t>≈</m:t>
-                    </m:r>
-                    <m:r>
-                      <a:rPr lang="en-US" sz="2400" b="1" i="1" smtClean="0">
-                        <a:solidFill>
-                          <a:schemeClr val="accent5"/>
-                        </a:solidFill>
-                        <a:latin typeface="Cambria Math" panose="02040503050406030204" pitchFamily="18" charset="0"/>
-                        <a:ea typeface="Cambria Math" panose="02040503050406030204" pitchFamily="18" charset="0"/>
-                      </a:rPr>
-                      <m:t>𝑶</m:t>
-                    </m:r>
-                    <m:d>
-                      <m:dPr>
-                        <m:ctrlPr>
-                          <a:rPr lang="en-US" sz="2400" b="1" i="1" smtClean="0">
-                            <a:solidFill>
-                              <a:schemeClr val="accent5"/>
-                            </a:solidFill>
-                            <a:latin typeface="Cambria Math" panose="02040503050406030204" pitchFamily="18" charset="0"/>
-                            <a:ea typeface="Cambria Math" panose="02040503050406030204" pitchFamily="18" charset="0"/>
-                          </a:rPr>
-                        </m:ctrlPr>
-                      </m:dPr>
-                      <m:e>
-                        <m:r>
-                          <a:rPr lang="en-US" sz="2400" b="1" i="1" smtClean="0">
-                            <a:solidFill>
-                              <a:schemeClr val="accent5"/>
-                            </a:solidFill>
-                            <a:latin typeface="Cambria Math" panose="02040503050406030204" pitchFamily="18" charset="0"/>
-                            <a:ea typeface="Cambria Math" panose="02040503050406030204" pitchFamily="18" charset="0"/>
-                          </a:rPr>
-                          <m:t>𝑽</m:t>
-                        </m:r>
-                      </m:e>
-                    </m:d>
-                  </m:oMath>
-                </a14:m>
-                <a:endParaRPr lang="en-US" sz="2400" b="1" dirty="0">
-                  <a:solidFill>
-                    <a:schemeClr val="accent5"/>
-                  </a:solidFill>
-                  <a:ea typeface="Cambria Math" panose="02040503050406030204" pitchFamily="18" charset="0"/>
-                </a:endParaRPr>
-              </a:p>
-              <a:p>
-                <a:pPr algn="r"/>
-                <a:r>
-                  <a:rPr lang="en-US" sz="2400" b="1" dirty="0">
-                    <a:solidFill>
-                      <a:schemeClr val="accent5"/>
-                    </a:solidFill>
-                  </a:rPr>
-                  <a:t>where </a:t>
-                </a:r>
-                <a14:m>
-                  <m:oMath xmlns:m="http://schemas.openxmlformats.org/officeDocument/2006/math">
-                    <m:r>
-                      <a:rPr lang="en-US" sz="2400" b="1" i="1">
-                        <a:solidFill>
-                          <a:schemeClr val="accent5"/>
-                        </a:solidFill>
-                        <a:latin typeface="Cambria Math" panose="02040503050406030204" pitchFamily="18" charset="0"/>
-                      </a:rPr>
-                      <m:t>𝑽</m:t>
-                    </m:r>
-                  </m:oMath>
-                </a14:m>
-                <a:r>
-                  <a:rPr lang="en-US" sz="2400" b="1" dirty="0">
-                    <a:solidFill>
-                      <a:schemeClr val="accent5"/>
-                    </a:solidFill>
-                  </a:rPr>
-                  <a:t> is very large</a:t>
-                </a:r>
-              </a:p>
-            </p:txBody>
-          </p:sp>
-        </mc:Choice>
-        <mc:Fallback>
-          <p:sp>
-            <p:nvSpPr>
-              <p:cNvPr id="18" name="TextBox 17">
-                <a:extLst>
-                  <a:ext uri="{FF2B5EF4-FFF2-40B4-BE49-F238E27FC236}">
-                    <a16:creationId xmlns:a16="http://schemas.microsoft.com/office/drawing/2014/main" id="{1236184B-B7CA-4CA0-92E5-576A690433D4}"/>
-                  </a:ext>
-                </a:extLst>
-              </p:cNvPr>
-              <p:cNvSpPr txBox="1">
-                <a:spLocks noRot="1" noChangeAspect="1" noMove="1" noResize="1" noEditPoints="1" noAdjustHandles="1" noChangeArrowheads="1" noChangeShapeType="1" noTextEdit="1"/>
-              </p:cNvSpPr>
-              <p:nvPr/>
-            </p:nvSpPr>
-            <p:spPr>
-              <a:xfrm>
-                <a:off x="6704495" y="1983319"/>
-                <a:ext cx="4318000" cy="830997"/>
-              </a:xfrm>
-              <a:prstGeom prst="rect">
-                <a:avLst/>
-              </a:prstGeom>
-              <a:blipFill>
-                <a:blip r:embed="rId5"/>
-                <a:stretch>
-                  <a:fillRect t="-5839" r="-2119" b="-15328"/>
-                </a:stretch>
-              </a:blipFill>
-            </p:spPr>
-            <p:txBody>
-              <a:bodyPr/>
-              <a:lstStyle/>
-              <a:p>
-                <a:r>
-                  <a:rPr lang="en-US">
-                    <a:noFill/>
-                  </a:rPr>
-                  <a:t> </a:t>
-                </a:r>
-              </a:p>
-            </p:txBody>
-          </p:sp>
-        </mc:Fallback>
-      </mc:AlternateContent>
-    </p:spTree>
-    <p:extLst>
-      <p:ext uri="{BB962C8B-B14F-4D97-AF65-F5344CB8AC3E}">
-        <p14:creationId xmlns:p14="http://schemas.microsoft.com/office/powerpoint/2010/main" val="4119168822"/>
-      </p:ext>
-    </p:extLst>
-  </p:cSld>
-  <p:clrMapOvr>
-    <a:masterClrMapping/>
-  </p:clrMapOvr>
-</p:sld>
-</file>
-
-<file path=ppt/slides/slide20.xml><?xml version="1.0" encoding="utf-8"?>
+<file path=ppt/slides/slide22.xml><?xml version="1.0" encoding="utf-8"?>
 <p:sld xmlns:a="http://schemas.openxmlformats.org/drawingml/2006/main" xmlns:r="http://schemas.openxmlformats.org/officeDocument/2006/relationships" xmlns:p="http://schemas.openxmlformats.org/presentationml/2006/main">
   <p:cSld>
     <p:spTree>
@@ -23485,7 +24213,7 @@
 </p:sld>
 </file>
 
-<file path=ppt/slides/slide21.xml><?xml version="1.0" encoding="utf-8"?>
+<file path=ppt/slides/slide23.xml><?xml version="1.0" encoding="utf-8"?>
 <p:sld xmlns:a="http://schemas.openxmlformats.org/drawingml/2006/main" xmlns:r="http://schemas.openxmlformats.org/officeDocument/2006/relationships" xmlns:p="http://schemas.openxmlformats.org/presentationml/2006/main">
   <p:cSld>
     <p:spTree>
@@ -26374,7 +27102,7 @@
 </p:sld>
 </file>
 
-<file path=ppt/slides/slide22.xml><?xml version="1.0" encoding="utf-8"?>
+<file path=ppt/slides/slide24.xml><?xml version="1.0" encoding="utf-8"?>
 <p:sld xmlns:a="http://schemas.openxmlformats.org/drawingml/2006/main" xmlns:r="http://schemas.openxmlformats.org/officeDocument/2006/relationships" xmlns:p="http://schemas.openxmlformats.org/presentationml/2006/main">
   <p:cSld>
     <p:spTree>
@@ -26475,7 +27203,7 @@
 </p:sld>
 </file>
 
-<file path=ppt/slides/slide23.xml><?xml version="1.0" encoding="utf-8"?>
+<file path=ppt/slides/slide25.xml><?xml version="1.0" encoding="utf-8"?>
 <p:sld xmlns:a="http://schemas.openxmlformats.org/drawingml/2006/main" xmlns:r="http://schemas.openxmlformats.org/officeDocument/2006/relationships" xmlns:p="http://schemas.openxmlformats.org/presentationml/2006/main">
   <p:cSld>
     <p:spTree>
@@ -27202,7 +27930,7 @@
 </p:sld>
 </file>
 
-<file path=ppt/slides/slide24.xml><?xml version="1.0" encoding="utf-8"?>
+<file path=ppt/slides/slide26.xml><?xml version="1.0" encoding="utf-8"?>
 <p:sld xmlns:a="http://schemas.openxmlformats.org/drawingml/2006/main" xmlns:r="http://schemas.openxmlformats.org/officeDocument/2006/relationships" xmlns:p="http://schemas.openxmlformats.org/presentationml/2006/main">
   <p:cSld>
     <p:spTree>
@@ -27832,7 +28560,7 @@
 </p:sld>
 </file>
 
-<file path=ppt/slides/slide25.xml><?xml version="1.0" encoding="utf-8"?>
+<file path=ppt/slides/slide27.xml><?xml version="1.0" encoding="utf-8"?>
 <p:sld xmlns:a="http://schemas.openxmlformats.org/drawingml/2006/main" xmlns:r="http://schemas.openxmlformats.org/officeDocument/2006/relationships" xmlns:p="http://schemas.openxmlformats.org/presentationml/2006/main">
   <p:cSld>
     <p:spTree>
@@ -28462,7 +29190,7 @@
 </p:sld>
 </file>
 
-<file path=ppt/slides/slide26.xml><?xml version="1.0" encoding="utf-8"?>
+<file path=ppt/slides/slide28.xml><?xml version="1.0" encoding="utf-8"?>
 <p:sld xmlns:a="http://schemas.openxmlformats.org/drawingml/2006/main" xmlns:r="http://schemas.openxmlformats.org/officeDocument/2006/relationships" xmlns:p="http://schemas.openxmlformats.org/presentationml/2006/main">
   <p:cSld>
     <p:spTree>
@@ -29729,7 +30457,7 @@
 </p:sld>
 </file>
 
-<file path=ppt/slides/slide27.xml><?xml version="1.0" encoding="utf-8"?>
+<file path=ppt/slides/slide29.xml><?xml version="1.0" encoding="utf-8"?>
 <p:sld xmlns:a="http://schemas.openxmlformats.org/drawingml/2006/main" xmlns:r="http://schemas.openxmlformats.org/officeDocument/2006/relationships" xmlns:p="http://schemas.openxmlformats.org/presentationml/2006/main">
   <p:cSld>
     <p:spTree>
@@ -30711,7 +31439,378 @@
 </p:sld>
 </file>
 
-<file path=ppt/slides/slide28.xml><?xml version="1.0" encoding="utf-8"?>
+<file path=ppt/slides/slide3.xml><?xml version="1.0" encoding="utf-8"?>
+<p:sld xmlns:a="http://schemas.openxmlformats.org/drawingml/2006/main" xmlns:r="http://schemas.openxmlformats.org/officeDocument/2006/relationships" xmlns:p="http://schemas.openxmlformats.org/presentationml/2006/main">
+  <p:cSld>
+    <p:spTree>
+      <p:nvGrpSpPr>
+        <p:cNvPr id="1" name=""/>
+        <p:cNvGrpSpPr/>
+        <p:nvPr/>
+      </p:nvGrpSpPr>
+      <p:grpSpPr>
+        <a:xfrm>
+          <a:off x="0" y="0"/>
+          <a:ext cx="0" cy="0"/>
+          <a:chOff x="0" y="0"/>
+          <a:chExt cx="0" cy="0"/>
+        </a:xfrm>
+      </p:grpSpPr>
+      <p:grpSp>
+        <p:nvGrpSpPr>
+          <p:cNvPr id="14" name="Group 13">
+            <a:extLst>
+              <a:ext uri="{FF2B5EF4-FFF2-40B4-BE49-F238E27FC236}">
+                <a16:creationId xmlns:a16="http://schemas.microsoft.com/office/drawing/2014/main" id="{EF455317-A20E-4A03-A713-4BB97A67DC86}"/>
+              </a:ext>
+            </a:extLst>
+          </p:cNvPr>
+          <p:cNvGrpSpPr/>
+          <p:nvPr/>
+        </p:nvGrpSpPr>
+        <p:grpSpPr>
+          <a:xfrm>
+            <a:off x="177717" y="458732"/>
+            <a:ext cx="11836566" cy="5940535"/>
+            <a:chOff x="175177" y="861584"/>
+            <a:chExt cx="11836566" cy="5940535"/>
+          </a:xfrm>
+        </p:grpSpPr>
+        <p:pic>
+          <p:nvPicPr>
+            <p:cNvPr id="13" name="Picture 12">
+              <a:extLst>
+                <a:ext uri="{FF2B5EF4-FFF2-40B4-BE49-F238E27FC236}">
+                  <a16:creationId xmlns:a16="http://schemas.microsoft.com/office/drawing/2014/main" id="{D1985D08-355F-47FD-9A4F-F2D89B73FA37}"/>
+                </a:ext>
+              </a:extLst>
+            </p:cNvPr>
+            <p:cNvPicPr>
+              <a:picLocks noChangeAspect="1"/>
+            </p:cNvPicPr>
+            <p:nvPr/>
+          </p:nvPicPr>
+          <p:blipFill>
+            <a:blip r:embed="rId2"/>
+            <a:stretch>
+              <a:fillRect/>
+            </a:stretch>
+          </p:blipFill>
+          <p:spPr>
+            <a:xfrm>
+              <a:off x="2077874" y="861584"/>
+              <a:ext cx="9933869" cy="5940535"/>
+            </a:xfrm>
+            <a:prstGeom prst="rect">
+              <a:avLst/>
+            </a:prstGeom>
+          </p:spPr>
+        </p:pic>
+        <p:sp>
+          <p:nvSpPr>
+            <p:cNvPr id="6" name="TextBox 5">
+              <a:extLst>
+                <a:ext uri="{FF2B5EF4-FFF2-40B4-BE49-F238E27FC236}">
+                  <a16:creationId xmlns:a16="http://schemas.microsoft.com/office/drawing/2014/main" id="{C3FDA68F-0AC0-4D51-9FA9-DF90ACB3C35B}"/>
+                </a:ext>
+              </a:extLst>
+            </p:cNvPr>
+            <p:cNvSpPr txBox="1"/>
+            <p:nvPr/>
+          </p:nvSpPr>
+          <p:spPr>
+            <a:xfrm>
+              <a:off x="175177" y="1656401"/>
+              <a:ext cx="1665109" cy="830997"/>
+            </a:xfrm>
+            <a:prstGeom prst="rect">
+              <a:avLst/>
+            </a:prstGeom>
+            <a:noFill/>
+          </p:spPr>
+          <p:txBody>
+            <a:bodyPr wrap="square" rtlCol="0">
+              <a:spAutoFit/>
+            </a:bodyPr>
+            <a:lstStyle/>
+            <a:p>
+              <a:pPr algn="ctr"/>
+              <a:r>
+                <a:rPr lang="en-US" sz="2400" b="1" dirty="0">
+                  <a:solidFill>
+                    <a:schemeClr val="accent1">
+                      <a:lumMod val="75000"/>
+                    </a:schemeClr>
+                  </a:solidFill>
+                  <a:effectLst>
+                    <a:outerShdw blurRad="38100" dist="38100" dir="2700000" algn="tl">
+                      <a:srgbClr val="000000">
+                        <a:alpha val="43137"/>
+                      </a:srgbClr>
+                    </a:outerShdw>
+                  </a:effectLst>
+                </a:rPr>
+                <a:t>Vanilla Skip-Gram</a:t>
+              </a:r>
+            </a:p>
+          </p:txBody>
+        </p:sp>
+        <p:sp>
+          <p:nvSpPr>
+            <p:cNvPr id="7" name="TextBox 6">
+              <a:extLst>
+                <a:ext uri="{FF2B5EF4-FFF2-40B4-BE49-F238E27FC236}">
+                  <a16:creationId xmlns:a16="http://schemas.microsoft.com/office/drawing/2014/main" id="{25718F77-8CA2-4AEF-8DAD-24E8F306B60E}"/>
+                </a:ext>
+              </a:extLst>
+            </p:cNvPr>
+            <p:cNvSpPr txBox="1"/>
+            <p:nvPr/>
+          </p:nvSpPr>
+          <p:spPr>
+            <a:xfrm>
+              <a:off x="180257" y="4745041"/>
+              <a:ext cx="1665109" cy="830997"/>
+            </a:xfrm>
+            <a:prstGeom prst="rect">
+              <a:avLst/>
+            </a:prstGeom>
+            <a:noFill/>
+          </p:spPr>
+          <p:txBody>
+            <a:bodyPr wrap="square" rtlCol="0">
+              <a:spAutoFit/>
+            </a:bodyPr>
+            <a:lstStyle/>
+            <a:p>
+              <a:pPr algn="ctr"/>
+              <a:r>
+                <a:rPr lang="en-US" sz="2400" b="1" dirty="0">
+                  <a:solidFill>
+                    <a:schemeClr val="accent1">
+                      <a:lumMod val="75000"/>
+                    </a:schemeClr>
+                  </a:solidFill>
+                  <a:effectLst>
+                    <a:outerShdw blurRad="38100" dist="38100" dir="2700000" algn="tl">
+                      <a:srgbClr val="000000">
+                        <a:alpha val="43137"/>
+                      </a:srgbClr>
+                    </a:outerShdw>
+                  </a:effectLst>
+                </a:rPr>
+                <a:t>Negative Sampling</a:t>
+              </a:r>
+            </a:p>
+          </p:txBody>
+        </p:sp>
+        <p:sp>
+          <p:nvSpPr>
+            <p:cNvPr id="8" name="TextBox 7">
+              <a:extLst>
+                <a:ext uri="{FF2B5EF4-FFF2-40B4-BE49-F238E27FC236}">
+                  <a16:creationId xmlns:a16="http://schemas.microsoft.com/office/drawing/2014/main" id="{C1578F27-A1CB-4A2C-A19F-087FD99F2108}"/>
+                </a:ext>
+              </a:extLst>
+            </p:cNvPr>
+            <p:cNvSpPr txBox="1"/>
+            <p:nvPr/>
+          </p:nvSpPr>
+          <p:spPr>
+            <a:xfrm>
+              <a:off x="3821112" y="2118066"/>
+              <a:ext cx="2029121" cy="369332"/>
+            </a:xfrm>
+            <a:prstGeom prst="rect">
+              <a:avLst/>
+            </a:prstGeom>
+            <a:noFill/>
+          </p:spPr>
+          <p:txBody>
+            <a:bodyPr wrap="square" rtlCol="0">
+              <a:spAutoFit/>
+            </a:bodyPr>
+            <a:lstStyle/>
+            <a:p>
+              <a:r>
+                <a:rPr lang="en-US" dirty="0">
+                  <a:solidFill>
+                    <a:schemeClr val="tx1">
+                      <a:alpha val="20000"/>
+                    </a:schemeClr>
+                  </a:solidFill>
+                  <a:effectLst>
+                    <a:outerShdw blurRad="50800" dist="50800" dir="5400000" algn="ctr" rotWithShape="0">
+                      <a:srgbClr val="000000">
+                        <a:alpha val="0"/>
+                      </a:srgbClr>
+                    </a:outerShdw>
+                  </a:effectLst>
+                </a:rPr>
+                <a:t>aegis4048.github.io</a:t>
+              </a:r>
+            </a:p>
+          </p:txBody>
+        </p:sp>
+        <p:sp>
+          <p:nvSpPr>
+            <p:cNvPr id="9" name="TextBox 8">
+              <a:extLst>
+                <a:ext uri="{FF2B5EF4-FFF2-40B4-BE49-F238E27FC236}">
+                  <a16:creationId xmlns:a16="http://schemas.microsoft.com/office/drawing/2014/main" id="{CDFB8791-0E89-4E17-8B64-2D4FB5FBC946}"/>
+                </a:ext>
+              </a:extLst>
+            </p:cNvPr>
+            <p:cNvSpPr txBox="1"/>
+            <p:nvPr/>
+          </p:nvSpPr>
+          <p:spPr>
+            <a:xfrm>
+              <a:off x="8266713" y="2118066"/>
+              <a:ext cx="2029121" cy="369332"/>
+            </a:xfrm>
+            <a:prstGeom prst="rect">
+              <a:avLst/>
+            </a:prstGeom>
+            <a:noFill/>
+          </p:spPr>
+          <p:txBody>
+            <a:bodyPr wrap="square" rtlCol="0">
+              <a:spAutoFit/>
+            </a:bodyPr>
+            <a:lstStyle/>
+            <a:p>
+              <a:r>
+                <a:rPr lang="en-US" dirty="0">
+                  <a:solidFill>
+                    <a:schemeClr val="tx1">
+                      <a:alpha val="20000"/>
+                    </a:schemeClr>
+                  </a:solidFill>
+                  <a:effectLst>
+                    <a:outerShdw blurRad="50800" dist="50800" dir="5400000" algn="ctr" rotWithShape="0">
+                      <a:srgbClr val="000000">
+                        <a:alpha val="0"/>
+                      </a:srgbClr>
+                    </a:outerShdw>
+                  </a:effectLst>
+                </a:rPr>
+                <a:t>aegis4048.github.io</a:t>
+              </a:r>
+            </a:p>
+          </p:txBody>
+        </p:sp>
+        <p:sp>
+          <p:nvSpPr>
+            <p:cNvPr id="10" name="TextBox 9">
+              <a:extLst>
+                <a:ext uri="{FF2B5EF4-FFF2-40B4-BE49-F238E27FC236}">
+                  <a16:creationId xmlns:a16="http://schemas.microsoft.com/office/drawing/2014/main" id="{8EFB85E2-AEF1-4DEC-B65B-B8749D2B7A3E}"/>
+                </a:ext>
+              </a:extLst>
+            </p:cNvPr>
+            <p:cNvSpPr txBox="1"/>
+            <p:nvPr/>
+          </p:nvSpPr>
+          <p:spPr>
+            <a:xfrm>
+              <a:off x="3821112" y="5206706"/>
+              <a:ext cx="2029121" cy="369332"/>
+            </a:xfrm>
+            <a:prstGeom prst="rect">
+              <a:avLst/>
+            </a:prstGeom>
+            <a:noFill/>
+          </p:spPr>
+          <p:txBody>
+            <a:bodyPr wrap="square" rtlCol="0">
+              <a:spAutoFit/>
+            </a:bodyPr>
+            <a:lstStyle/>
+            <a:p>
+              <a:r>
+                <a:rPr lang="en-US" dirty="0">
+                  <a:solidFill>
+                    <a:schemeClr val="tx1">
+                      <a:alpha val="20000"/>
+                    </a:schemeClr>
+                  </a:solidFill>
+                  <a:effectLst>
+                    <a:outerShdw blurRad="50800" dist="50800" dir="5400000" algn="ctr" rotWithShape="0">
+                      <a:srgbClr val="000000">
+                        <a:alpha val="0"/>
+                      </a:srgbClr>
+                    </a:outerShdw>
+                  </a:effectLst>
+                </a:rPr>
+                <a:t>aegis4048.github.io</a:t>
+              </a:r>
+            </a:p>
+          </p:txBody>
+        </p:sp>
+        <p:sp>
+          <p:nvSpPr>
+            <p:cNvPr id="11" name="TextBox 10">
+              <a:extLst>
+                <a:ext uri="{FF2B5EF4-FFF2-40B4-BE49-F238E27FC236}">
+                  <a16:creationId xmlns:a16="http://schemas.microsoft.com/office/drawing/2014/main" id="{DB803BBC-9139-4AE7-ACCF-459B8CD0B520}"/>
+                </a:ext>
+              </a:extLst>
+            </p:cNvPr>
+            <p:cNvSpPr txBox="1"/>
+            <p:nvPr/>
+          </p:nvSpPr>
+          <p:spPr>
+            <a:xfrm>
+              <a:off x="8266713" y="5206706"/>
+              <a:ext cx="2029121" cy="369332"/>
+            </a:xfrm>
+            <a:prstGeom prst="rect">
+              <a:avLst/>
+            </a:prstGeom>
+            <a:noFill/>
+          </p:spPr>
+          <p:txBody>
+            <a:bodyPr wrap="square" rtlCol="0">
+              <a:spAutoFit/>
+            </a:bodyPr>
+            <a:lstStyle/>
+            <a:p>
+              <a:r>
+                <a:rPr lang="en-US" dirty="0">
+                  <a:solidFill>
+                    <a:schemeClr val="tx1">
+                      <a:alpha val="20000"/>
+                    </a:schemeClr>
+                  </a:solidFill>
+                  <a:effectLst>
+                    <a:outerShdw blurRad="50800" dist="50800" dir="5400000" algn="ctr" rotWithShape="0">
+                      <a:srgbClr val="000000">
+                        <a:alpha val="0"/>
+                      </a:srgbClr>
+                    </a:outerShdw>
+                  </a:effectLst>
+                </a:rPr>
+                <a:t>aegis4048.github.io</a:t>
+              </a:r>
+            </a:p>
+          </p:txBody>
+        </p:sp>
+      </p:grpSp>
+    </p:spTree>
+    <p:extLst>
+      <p:ext uri="{BB962C8B-B14F-4D97-AF65-F5344CB8AC3E}">
+        <p14:creationId xmlns:p14="http://schemas.microsoft.com/office/powerpoint/2010/main" val="3917071733"/>
+      </p:ext>
+    </p:extLst>
+  </p:cSld>
+  <p:clrMapOvr>
+    <a:masterClrMapping/>
+  </p:clrMapOvr>
+</p:sld>
+</file>
+
+<file path=ppt/slides/slide30.xml><?xml version="1.0" encoding="utf-8"?>
 <p:sld xmlns:a="http://schemas.openxmlformats.org/drawingml/2006/main" xmlns:r="http://schemas.openxmlformats.org/officeDocument/2006/relationships" xmlns:p="http://schemas.openxmlformats.org/presentationml/2006/main">
   <p:cSld>
     <p:spTree>
@@ -34931,7 +36030,7 @@
 </p:sld>
 </file>
 
-<file path=ppt/slides/slide29.xml><?xml version="1.0" encoding="utf-8"?>
+<file path=ppt/slides/slide31.xml><?xml version="1.0" encoding="utf-8"?>
 <p:sld xmlns:a="http://schemas.openxmlformats.org/drawingml/2006/main" xmlns:r="http://schemas.openxmlformats.org/officeDocument/2006/relationships" xmlns:p="http://schemas.openxmlformats.org/presentationml/2006/main">
   <p:cSld>
     <p:spTree>
@@ -38572,192 +39671,7 @@
 </p:sld>
 </file>
 
-<file path=ppt/slides/slide3.xml><?xml version="1.0" encoding="utf-8"?>
-<p:sld xmlns:a="http://schemas.openxmlformats.org/drawingml/2006/main" xmlns:r="http://schemas.openxmlformats.org/officeDocument/2006/relationships" xmlns:p="http://schemas.openxmlformats.org/presentationml/2006/main">
-  <p:cSld>
-    <p:spTree>
-      <p:nvGrpSpPr>
-        <p:cNvPr id="1" name=""/>
-        <p:cNvGrpSpPr/>
-        <p:nvPr/>
-      </p:nvGrpSpPr>
-      <p:grpSpPr>
-        <a:xfrm>
-          <a:off x="0" y="0"/>
-          <a:ext cx="0" cy="0"/>
-          <a:chOff x="0" y="0"/>
-          <a:chExt cx="0" cy="0"/>
-        </a:xfrm>
-      </p:grpSpPr>
-      <p:sp>
-        <p:nvSpPr>
-          <p:cNvPr id="12" name="Rectangle 11">
-            <a:extLst>
-              <a:ext uri="{FF2B5EF4-FFF2-40B4-BE49-F238E27FC236}">
-                <a16:creationId xmlns:a16="http://schemas.microsoft.com/office/drawing/2014/main" id="{23ADB67E-7116-48E7-A675-99D608BF44F6}"/>
-              </a:ext>
-            </a:extLst>
-          </p:cNvPr>
-          <p:cNvSpPr/>
-          <p:nvPr/>
-        </p:nvSpPr>
-        <p:spPr>
-          <a:xfrm>
-            <a:off x="253828" y="914400"/>
-            <a:ext cx="11380959" cy="4391025"/>
-          </a:xfrm>
-          <a:prstGeom prst="rect">
-            <a:avLst/>
-          </a:prstGeom>
-          <a:noFill/>
-        </p:spPr>
-        <p:style>
-          <a:lnRef idx="2">
-            <a:schemeClr val="accent1">
-              <a:shade val="50000"/>
-            </a:schemeClr>
-          </a:lnRef>
-          <a:fillRef idx="1">
-            <a:schemeClr val="accent1"/>
-          </a:fillRef>
-          <a:effectRef idx="0">
-            <a:schemeClr val="accent1"/>
-          </a:effectRef>
-          <a:fontRef idx="minor">
-            <a:schemeClr val="lt1"/>
-          </a:fontRef>
-        </p:style>
-        <p:txBody>
-          <a:bodyPr rtlCol="0" anchor="ctr"/>
-          <a:lstStyle/>
-          <a:p>
-            <a:pPr algn="ctr"/>
-            <a:endParaRPr lang="en-US"/>
-          </a:p>
-        </p:txBody>
-      </p:sp>
-      <p:pic>
-        <p:nvPicPr>
-          <p:cNvPr id="13" name="Picture 12">
-            <a:extLst>
-              <a:ext uri="{FF2B5EF4-FFF2-40B4-BE49-F238E27FC236}">
-                <a16:creationId xmlns:a16="http://schemas.microsoft.com/office/drawing/2014/main" id="{894C426C-E1D4-428E-9121-D278A66248B4}"/>
-              </a:ext>
-            </a:extLst>
-          </p:cNvPr>
-          <p:cNvPicPr>
-            <a:picLocks noChangeAspect="1"/>
-          </p:cNvPicPr>
-          <p:nvPr/>
-        </p:nvPicPr>
-        <p:blipFill>
-          <a:blip r:embed="rId2"/>
-          <a:stretch>
-            <a:fillRect/>
-          </a:stretch>
-        </p:blipFill>
-        <p:spPr>
-          <a:xfrm>
-            <a:off x="1864518" y="1020804"/>
-            <a:ext cx="8462963" cy="350796"/>
-          </a:xfrm>
-          <a:prstGeom prst="rect">
-            <a:avLst/>
-          </a:prstGeom>
-        </p:spPr>
-      </p:pic>
-      <p:pic>
-        <p:nvPicPr>
-          <p:cNvPr id="2" name="Picture 1">
-            <a:extLst>
-              <a:ext uri="{FF2B5EF4-FFF2-40B4-BE49-F238E27FC236}">
-                <a16:creationId xmlns:a16="http://schemas.microsoft.com/office/drawing/2014/main" id="{3B682D55-191E-439B-AF59-B22EDECED8D9}"/>
-              </a:ext>
-            </a:extLst>
-          </p:cNvPr>
-          <p:cNvPicPr>
-            <a:picLocks noChangeAspect="1"/>
-          </p:cNvPicPr>
-          <p:nvPr/>
-        </p:nvPicPr>
-        <p:blipFill>
-          <a:blip r:embed="rId3"/>
-          <a:stretch>
-            <a:fillRect/>
-          </a:stretch>
-        </p:blipFill>
-        <p:spPr>
-          <a:xfrm>
-            <a:off x="2047621" y="2011680"/>
-            <a:ext cx="8096755" cy="2834640"/>
-          </a:xfrm>
-          <a:prstGeom prst="rect">
-            <a:avLst/>
-          </a:prstGeom>
-        </p:spPr>
-      </p:pic>
-      <p:sp>
-        <p:nvSpPr>
-          <p:cNvPr id="5" name="TextBox 4">
-            <a:extLst>
-              <a:ext uri="{FF2B5EF4-FFF2-40B4-BE49-F238E27FC236}">
-                <a16:creationId xmlns:a16="http://schemas.microsoft.com/office/drawing/2014/main" id="{7733E6A0-18A0-4F3F-9211-C46AA4A6A553}"/>
-              </a:ext>
-            </a:extLst>
-          </p:cNvPr>
-          <p:cNvSpPr txBox="1"/>
-          <p:nvPr/>
-        </p:nvSpPr>
-        <p:spPr>
-          <a:xfrm>
-            <a:off x="5558472" y="3504374"/>
-            <a:ext cx="2029121" cy="369332"/>
-          </a:xfrm>
-          <a:prstGeom prst="rect">
-            <a:avLst/>
-          </a:prstGeom>
-          <a:noFill/>
-        </p:spPr>
-        <p:txBody>
-          <a:bodyPr wrap="square" rtlCol="0">
-            <a:spAutoFit/>
-          </a:bodyPr>
-          <a:lstStyle/>
-          <a:p>
-            <a:r>
-              <a:rPr lang="en-US" dirty="0">
-                <a:solidFill>
-                  <a:schemeClr val="tx1">
-                    <a:alpha val="20000"/>
-                  </a:schemeClr>
-                </a:solidFill>
-                <a:effectLst>
-                  <a:outerShdw blurRad="50800" dist="50800" dir="5400000" algn="ctr" rotWithShape="0">
-                    <a:srgbClr val="000000">
-                      <a:alpha val="0"/>
-                    </a:srgbClr>
-                  </a:outerShdw>
-                </a:effectLst>
-              </a:rPr>
-              <a:t>aegis4048.github.io</a:t>
-            </a:r>
-          </a:p>
-        </p:txBody>
-      </p:sp>
-    </p:spTree>
-    <p:extLst>
-      <p:ext uri="{BB962C8B-B14F-4D97-AF65-F5344CB8AC3E}">
-        <p14:creationId xmlns:p14="http://schemas.microsoft.com/office/powerpoint/2010/main" val="412385174"/>
-      </p:ext>
-    </p:extLst>
-  </p:cSld>
-  <p:clrMapOvr>
-    <a:masterClrMapping/>
-  </p:clrMapOvr>
-</p:sld>
-</file>
-
-<file path=ppt/slides/slide30.xml><?xml version="1.0" encoding="utf-8"?>
+<file path=ppt/slides/slide32.xml><?xml version="1.0" encoding="utf-8"?>
 <p:sld xmlns:a="http://schemas.openxmlformats.org/drawingml/2006/main" xmlns:r="http://schemas.openxmlformats.org/officeDocument/2006/relationships" xmlns:p="http://schemas.openxmlformats.org/presentationml/2006/main">
   <p:cSld>
     <p:bg>
@@ -40381,7 +41295,7 @@
 </p:sld>
 </file>
 
-<file path=ppt/slides/slide31.xml><?xml version="1.0" encoding="utf-8"?>
+<file path=ppt/slides/slide33.xml><?xml version="1.0" encoding="utf-8"?>
 <p:sld xmlns:a="http://schemas.openxmlformats.org/drawingml/2006/main" xmlns:r="http://schemas.openxmlformats.org/officeDocument/2006/relationships" xmlns:p="http://schemas.openxmlformats.org/presentationml/2006/main">
   <p:cSld>
     <p:spTree>
@@ -40934,7 +41848,7 @@
 </p:sld>
 </file>
 
-<file path=ppt/slides/slide32.xml><?xml version="1.0" encoding="utf-8"?>
+<file path=ppt/slides/slide34.xml><?xml version="1.0" encoding="utf-8"?>
 <p:sld xmlns:a="http://schemas.openxmlformats.org/drawingml/2006/main" xmlns:r="http://schemas.openxmlformats.org/officeDocument/2006/relationships" xmlns:p="http://schemas.openxmlformats.org/presentationml/2006/main">
   <p:cSld>
     <p:spTree>
@@ -42973,7 +43887,7 @@
 </p:sld>
 </file>
 
-<file path=ppt/slides/slide33.xml><?xml version="1.0" encoding="utf-8"?>
+<file path=ppt/slides/slide35.xml><?xml version="1.0" encoding="utf-8"?>
 <p:sld xmlns:a="http://schemas.openxmlformats.org/drawingml/2006/main" xmlns:r="http://schemas.openxmlformats.org/officeDocument/2006/relationships" xmlns:p="http://schemas.openxmlformats.org/presentationml/2006/main">
   <p:cSld>
     <p:spTree>
@@ -48278,7 +49192,7 @@
 </p:sld>
 </file>
 
-<file path=ppt/slides/slide34.xml><?xml version="1.0" encoding="utf-8"?>
+<file path=ppt/slides/slide36.xml><?xml version="1.0" encoding="utf-8"?>
 <p:sld xmlns:a="http://schemas.openxmlformats.org/drawingml/2006/main" xmlns:r="http://schemas.openxmlformats.org/officeDocument/2006/relationships" xmlns:p="http://schemas.openxmlformats.org/presentationml/2006/main">
   <p:cSld>
     <p:spTree>
@@ -49596,7 +50510,7 @@
 </p:sld>
 </file>
 
-<file path=ppt/slides/slide35.xml><?xml version="1.0" encoding="utf-8"?>
+<file path=ppt/slides/slide37.xml><?xml version="1.0" encoding="utf-8"?>
 <p:sld xmlns:a="http://schemas.openxmlformats.org/drawingml/2006/main" xmlns:r="http://schemas.openxmlformats.org/officeDocument/2006/relationships" xmlns:p="http://schemas.openxmlformats.org/presentationml/2006/main">
   <p:cSld>
     <p:spTree>
@@ -50439,7 +51353,7 @@
 </p:sld>
 </file>
 
-<file path=ppt/slides/slide36.xml><?xml version="1.0" encoding="utf-8"?>
+<file path=ppt/slides/slide38.xml><?xml version="1.0" encoding="utf-8"?>
 <p:sld xmlns:a="http://schemas.openxmlformats.org/drawingml/2006/main" xmlns:r="http://schemas.openxmlformats.org/officeDocument/2006/relationships" xmlns:p="http://schemas.openxmlformats.org/presentationml/2006/main">
   <p:cSld>
     <p:spTree>
@@ -51514,7 +52428,7 @@
 </p:sld>
 </file>
 
-<file path=ppt/slides/slide37.xml><?xml version="1.0" encoding="utf-8"?>
+<file path=ppt/slides/slide39.xml><?xml version="1.0" encoding="utf-8"?>
 <p:sld xmlns:a="http://schemas.openxmlformats.org/drawingml/2006/main" xmlns:r="http://schemas.openxmlformats.org/officeDocument/2006/relationships" xmlns:p="http://schemas.openxmlformats.org/presentationml/2006/main">
   <p:cSld>
     <p:spTree>
@@ -51591,59 +52505,12 @@
           <a:chExt cx="0" cy="0"/>
         </a:xfrm>
       </p:grpSpPr>
-      <p:sp>
-        <p:nvSpPr>
-          <p:cNvPr id="5" name="Rectangle 4">
-            <a:extLst>
-              <a:ext uri="{FF2B5EF4-FFF2-40B4-BE49-F238E27FC236}">
-                <a16:creationId xmlns:a16="http://schemas.microsoft.com/office/drawing/2014/main" id="{4AFABD5C-E230-4091-B401-713D170FD526}"/>
-              </a:ext>
-            </a:extLst>
-          </p:cNvPr>
-          <p:cNvSpPr/>
-          <p:nvPr/>
-        </p:nvSpPr>
-        <p:spPr>
-          <a:xfrm>
-            <a:off x="253828" y="1652588"/>
-            <a:ext cx="11380959" cy="3843337"/>
-          </a:xfrm>
-          <a:prstGeom prst="rect">
-            <a:avLst/>
-          </a:prstGeom>
-          <a:noFill/>
-        </p:spPr>
-        <p:style>
-          <a:lnRef idx="2">
-            <a:schemeClr val="accent1">
-              <a:shade val="50000"/>
-            </a:schemeClr>
-          </a:lnRef>
-          <a:fillRef idx="1">
-            <a:schemeClr val="accent1"/>
-          </a:fillRef>
-          <a:effectRef idx="0">
-            <a:schemeClr val="accent1"/>
-          </a:effectRef>
-          <a:fontRef idx="minor">
-            <a:schemeClr val="lt1"/>
-          </a:fontRef>
-        </p:style>
-        <p:txBody>
-          <a:bodyPr rtlCol="0" anchor="ctr"/>
-          <a:lstStyle/>
-          <a:p>
-            <a:pPr algn="ctr"/>
-            <a:endParaRPr lang="en-US"/>
-          </a:p>
-        </p:txBody>
-      </p:sp>
       <p:pic>
         <p:nvPicPr>
-          <p:cNvPr id="6" name="Picture 5">
-            <a:extLst>
-              <a:ext uri="{FF2B5EF4-FFF2-40B4-BE49-F238E27FC236}">
-                <a16:creationId xmlns:a16="http://schemas.microsoft.com/office/drawing/2014/main" id="{FC403CF1-BF8B-4D12-85A6-0E2CC85B1FC7}"/>
+          <p:cNvPr id="5" name="Picture 4">
+            <a:extLst>
+              <a:ext uri="{FF2B5EF4-FFF2-40B4-BE49-F238E27FC236}">
+                <a16:creationId xmlns:a16="http://schemas.microsoft.com/office/drawing/2014/main" id="{33E3728F-5C5C-403A-B0CD-FA5DC3D1C993}"/>
               </a:ext>
             </a:extLst>
           </p:cNvPr>
@@ -51660,8 +52527,8 @@
         </p:blipFill>
         <p:spPr>
           <a:xfrm>
-            <a:off x="1648685" y="2065496"/>
-            <a:ext cx="8591244" cy="3017520"/>
+            <a:off x="3497580" y="2398818"/>
+            <a:ext cx="5196840" cy="2060363"/>
           </a:xfrm>
           <a:prstGeom prst="rect">
             <a:avLst/>
@@ -51670,10 +52537,604 @@
       </p:pic>
       <p:sp>
         <p:nvSpPr>
-          <p:cNvPr id="4" name="TextBox 3">
-            <a:extLst>
-              <a:ext uri="{FF2B5EF4-FFF2-40B4-BE49-F238E27FC236}">
-                <a16:creationId xmlns:a16="http://schemas.microsoft.com/office/drawing/2014/main" id="{8AF0EFB2-5EB3-4254-8E23-F7A5F66EC47A}"/>
+          <p:cNvPr id="6" name="Left Brace 5">
+            <a:extLst>
+              <a:ext uri="{FF2B5EF4-FFF2-40B4-BE49-F238E27FC236}">
+                <a16:creationId xmlns:a16="http://schemas.microsoft.com/office/drawing/2014/main" id="{C015BB06-817A-4921-B3FA-0D297B35C374}"/>
+              </a:ext>
+            </a:extLst>
+          </p:cNvPr>
+          <p:cNvSpPr/>
+          <p:nvPr/>
+        </p:nvSpPr>
+        <p:spPr>
+          <a:xfrm>
+            <a:off x="3103880" y="2438400"/>
+            <a:ext cx="269240" cy="2020781"/>
+          </a:xfrm>
+          <a:prstGeom prst="leftBrace">
+            <a:avLst>
+              <a:gd name="adj1" fmla="val 63050"/>
+              <a:gd name="adj2" fmla="val 50000"/>
+            </a:avLst>
+          </a:prstGeom>
+          <a:ln w="44450">
+            <a:solidFill>
+              <a:schemeClr val="accent2"/>
+            </a:solidFill>
+          </a:ln>
+        </p:spPr>
+        <p:style>
+          <a:lnRef idx="1">
+            <a:schemeClr val="accent1"/>
+          </a:lnRef>
+          <a:fillRef idx="0">
+            <a:schemeClr val="accent1"/>
+          </a:fillRef>
+          <a:effectRef idx="0">
+            <a:schemeClr val="accent1"/>
+          </a:effectRef>
+          <a:fontRef idx="minor">
+            <a:schemeClr val="tx1"/>
+          </a:fontRef>
+        </p:style>
+        <p:txBody>
+          <a:bodyPr rtlCol="0" anchor="ctr"/>
+          <a:lstStyle/>
+          <a:p>
+            <a:pPr algn="ctr"/>
+            <a:endParaRPr lang="en-US"/>
+          </a:p>
+        </p:txBody>
+      </p:sp>
+      <mc:AlternateContent xmlns:mc="http://schemas.openxmlformats.org/markup-compatibility/2006">
+        <mc:Choice xmlns:a14="http://schemas.microsoft.com/office/drawing/2010/main" Requires="a14">
+          <p:sp>
+            <p:nvSpPr>
+              <p:cNvPr id="9" name="TextBox 8">
+                <a:extLst>
+                  <a:ext uri="{FF2B5EF4-FFF2-40B4-BE49-F238E27FC236}">
+                    <a16:creationId xmlns:a16="http://schemas.microsoft.com/office/drawing/2014/main" id="{D460F307-6380-42B7-A02D-F9804704A8B4}"/>
+                  </a:ext>
+                </a:extLst>
+              </p:cNvPr>
+              <p:cNvSpPr txBox="1"/>
+              <p:nvPr/>
+            </p:nvSpPr>
+            <p:spPr>
+              <a:xfrm>
+                <a:off x="828585" y="3105834"/>
+                <a:ext cx="1975575" cy="646331"/>
+              </a:xfrm>
+              <a:prstGeom prst="rect">
+                <a:avLst/>
+              </a:prstGeom>
+              <a:noFill/>
+            </p:spPr>
+            <p:txBody>
+              <a:bodyPr wrap="square" rtlCol="0">
+                <a:spAutoFit/>
+              </a:bodyPr>
+              <a:lstStyle/>
+              <a:p>
+                <a:pPr algn="r"/>
+                <a:r>
+                  <a:rPr lang="en-US" b="1" dirty="0">
+                    <a:solidFill>
+                      <a:schemeClr val="accent2"/>
+                    </a:solidFill>
+                  </a:rPr>
+                  <a:t>Computed </a:t>
+                </a:r>
+                <a14:m>
+                  <m:oMath xmlns:m="http://schemas.openxmlformats.org/officeDocument/2006/math">
+                    <m:r>
+                      <a:rPr lang="en-US" b="1" i="1" smtClean="0">
+                        <a:solidFill>
+                          <a:schemeClr val="accent2"/>
+                        </a:solidFill>
+                        <a:latin typeface="Cambria Math" panose="02040503050406030204" pitchFamily="18" charset="0"/>
+                      </a:rPr>
+                      <m:t>𝑽</m:t>
+                    </m:r>
+                  </m:oMath>
+                </a14:m>
+                <a:r>
+                  <a:rPr lang="en-US" b="1" dirty="0">
+                    <a:solidFill>
+                      <a:schemeClr val="accent2"/>
+                    </a:solidFill>
+                  </a:rPr>
+                  <a:t> times</a:t>
+                </a:r>
+              </a:p>
+              <a:p>
+                <a:pPr algn="r"/>
+                <a:r>
+                  <a:rPr lang="en-US" b="1" dirty="0">
+                    <a:solidFill>
+                      <a:schemeClr val="accent2"/>
+                    </a:solidFill>
+                  </a:rPr>
+                  <a:t>for all vocabs</a:t>
+                </a:r>
+              </a:p>
+            </p:txBody>
+          </p:sp>
+        </mc:Choice>
+        <mc:Fallback>
+          <p:sp>
+            <p:nvSpPr>
+              <p:cNvPr id="9" name="TextBox 8">
+                <a:extLst>
+                  <a:ext uri="{FF2B5EF4-FFF2-40B4-BE49-F238E27FC236}">
+                    <a16:creationId xmlns:a16="http://schemas.microsoft.com/office/drawing/2014/main" id="{D460F307-6380-42B7-A02D-F9804704A8B4}"/>
+                  </a:ext>
+                </a:extLst>
+              </p:cNvPr>
+              <p:cNvSpPr txBox="1">
+                <a:spLocks noRot="1" noChangeAspect="1" noMove="1" noResize="1" noEditPoints="1" noAdjustHandles="1" noChangeArrowheads="1" noChangeShapeType="1" noTextEdit="1"/>
+              </p:cNvSpPr>
+              <p:nvPr/>
+            </p:nvSpPr>
+            <p:spPr>
+              <a:xfrm>
+                <a:off x="828585" y="3105834"/>
+                <a:ext cx="1975575" cy="646331"/>
+              </a:xfrm>
+              <a:prstGeom prst="rect">
+                <a:avLst/>
+              </a:prstGeom>
+              <a:blipFill>
+                <a:blip r:embed="rId3"/>
+                <a:stretch>
+                  <a:fillRect l="-1543" t="-4673" r="-2469" b="-13084"/>
+                </a:stretch>
+              </a:blipFill>
+            </p:spPr>
+            <p:txBody>
+              <a:bodyPr/>
+              <a:lstStyle/>
+              <a:p>
+                <a:r>
+                  <a:rPr lang="en-US">
+                    <a:noFill/>
+                  </a:rPr>
+                  <a:t> </a:t>
+                </a:r>
+              </a:p>
+            </p:txBody>
+          </p:sp>
+        </mc:Fallback>
+      </mc:AlternateContent>
+      <p:sp>
+        <p:nvSpPr>
+          <p:cNvPr id="10" name="Rectangle 9">
+            <a:extLst>
+              <a:ext uri="{FF2B5EF4-FFF2-40B4-BE49-F238E27FC236}">
+                <a16:creationId xmlns:a16="http://schemas.microsoft.com/office/drawing/2014/main" id="{403F7937-C3E8-424C-A54B-7764342D3D36}"/>
+              </a:ext>
+            </a:extLst>
+          </p:cNvPr>
+          <p:cNvSpPr/>
+          <p:nvPr/>
+        </p:nvSpPr>
+        <p:spPr>
+          <a:xfrm>
+            <a:off x="5397832" y="3474191"/>
+            <a:ext cx="2613327" cy="478050"/>
+          </a:xfrm>
+          <a:prstGeom prst="rect">
+            <a:avLst/>
+          </a:prstGeom>
+          <a:noFill/>
+          <a:ln w="44450">
+            <a:solidFill>
+              <a:schemeClr val="accent6"/>
+            </a:solidFill>
+          </a:ln>
+        </p:spPr>
+        <p:style>
+          <a:lnRef idx="2">
+            <a:schemeClr val="accent1">
+              <a:shade val="50000"/>
+            </a:schemeClr>
+          </a:lnRef>
+          <a:fillRef idx="1">
+            <a:schemeClr val="accent1"/>
+          </a:fillRef>
+          <a:effectRef idx="0">
+            <a:schemeClr val="accent1"/>
+          </a:effectRef>
+          <a:fontRef idx="minor">
+            <a:schemeClr val="lt1"/>
+          </a:fontRef>
+        </p:style>
+        <p:txBody>
+          <a:bodyPr rtlCol="0" anchor="ctr"/>
+          <a:lstStyle/>
+          <a:p>
+            <a:pPr algn="ctr"/>
+            <a:endParaRPr lang="en-US"/>
+          </a:p>
+        </p:txBody>
+      </p:sp>
+      <p:cxnSp>
+        <p:nvCxnSpPr>
+          <p:cNvPr id="11" name="Straight Connector 10">
+            <a:extLst>
+              <a:ext uri="{FF2B5EF4-FFF2-40B4-BE49-F238E27FC236}">
+                <a16:creationId xmlns:a16="http://schemas.microsoft.com/office/drawing/2014/main" id="{70A40F80-5559-43FA-8A8B-F8FE06B98087}"/>
+              </a:ext>
+            </a:extLst>
+          </p:cNvPr>
+          <p:cNvCxnSpPr>
+            <a:cxnSpLocks/>
+            <a:endCxn id="10" idx="2"/>
+          </p:cNvCxnSpPr>
+          <p:nvPr/>
+        </p:nvCxnSpPr>
+        <p:spPr>
+          <a:xfrm flipH="1" flipV="1">
+            <a:off x="6704496" y="3952241"/>
+            <a:ext cx="1093304" cy="478050"/>
+          </a:xfrm>
+          <a:prstGeom prst="line">
+            <a:avLst/>
+          </a:prstGeom>
+          <a:ln w="44450">
+            <a:solidFill>
+              <a:schemeClr val="accent6"/>
+            </a:solidFill>
+            <a:headEnd type="triangle"/>
+          </a:ln>
+        </p:spPr>
+        <p:style>
+          <a:lnRef idx="1">
+            <a:schemeClr val="accent1"/>
+          </a:lnRef>
+          <a:fillRef idx="0">
+            <a:schemeClr val="accent1"/>
+          </a:fillRef>
+          <a:effectRef idx="0">
+            <a:schemeClr val="accent1"/>
+          </a:effectRef>
+          <a:fontRef idx="minor">
+            <a:schemeClr val="tx1"/>
+          </a:fontRef>
+        </p:style>
+      </p:cxnSp>
+      <mc:AlternateContent xmlns:mc="http://schemas.openxmlformats.org/markup-compatibility/2006">
+        <mc:Choice xmlns:a14="http://schemas.microsoft.com/office/drawing/2010/main" Requires="a14">
+          <p:sp>
+            <p:nvSpPr>
+              <p:cNvPr id="12" name="TextBox 11">
+                <a:extLst>
+                  <a:ext uri="{FF2B5EF4-FFF2-40B4-BE49-F238E27FC236}">
+                    <a16:creationId xmlns:a16="http://schemas.microsoft.com/office/drawing/2014/main" id="{F9C948D0-7067-489A-BE73-F54E342CF6D7}"/>
+                  </a:ext>
+                </a:extLst>
+              </p:cNvPr>
+              <p:cNvSpPr txBox="1"/>
+              <p:nvPr/>
+            </p:nvSpPr>
+            <p:spPr>
+              <a:xfrm>
+                <a:off x="7940367" y="4107125"/>
+                <a:ext cx="3159433" cy="646331"/>
+              </a:xfrm>
+              <a:prstGeom prst="rect">
+                <a:avLst/>
+              </a:prstGeom>
+              <a:noFill/>
+            </p:spPr>
+            <p:txBody>
+              <a:bodyPr wrap="square" rtlCol="0">
+                <a:spAutoFit/>
+              </a:bodyPr>
+              <a:lstStyle/>
+              <a:p>
+                <a14:m>
+                  <m:oMath xmlns:m="http://schemas.openxmlformats.org/officeDocument/2006/math">
+                    <m:r>
+                      <a:rPr lang="en-US" b="1" i="1" smtClean="0">
+                        <a:solidFill>
+                          <a:schemeClr val="accent6"/>
+                        </a:solidFill>
+                        <a:latin typeface="Cambria Math" panose="02040503050406030204" pitchFamily="18" charset="0"/>
+                      </a:rPr>
+                      <m:t>𝑽</m:t>
+                    </m:r>
+                  </m:oMath>
+                </a14:m>
+                <a:r>
+                  <a:rPr lang="en-US" b="1" dirty="0">
+                    <a:solidFill>
+                      <a:schemeClr val="accent6"/>
+                    </a:solidFill>
+                  </a:rPr>
+                  <a:t> computations are needed to get normalization factor</a:t>
+                </a:r>
+              </a:p>
+            </p:txBody>
+          </p:sp>
+        </mc:Choice>
+        <mc:Fallback>
+          <p:sp>
+            <p:nvSpPr>
+              <p:cNvPr id="12" name="TextBox 11">
+                <a:extLst>
+                  <a:ext uri="{FF2B5EF4-FFF2-40B4-BE49-F238E27FC236}">
+                    <a16:creationId xmlns:a16="http://schemas.microsoft.com/office/drawing/2014/main" id="{F9C948D0-7067-489A-BE73-F54E342CF6D7}"/>
+                  </a:ext>
+                </a:extLst>
+              </p:cNvPr>
+              <p:cNvSpPr txBox="1">
+                <a:spLocks noRot="1" noChangeAspect="1" noMove="1" noResize="1" noEditPoints="1" noAdjustHandles="1" noChangeArrowheads="1" noChangeShapeType="1" noTextEdit="1"/>
+              </p:cNvSpPr>
+              <p:nvPr/>
+            </p:nvSpPr>
+            <p:spPr>
+              <a:xfrm>
+                <a:off x="7940367" y="4107125"/>
+                <a:ext cx="3159433" cy="646331"/>
+              </a:xfrm>
+              <a:prstGeom prst="rect">
+                <a:avLst/>
+              </a:prstGeom>
+              <a:blipFill>
+                <a:blip r:embed="rId4"/>
+                <a:stretch>
+                  <a:fillRect l="-1737" t="-5660" b="-14151"/>
+                </a:stretch>
+              </a:blipFill>
+            </p:spPr>
+            <p:txBody>
+              <a:bodyPr/>
+              <a:lstStyle/>
+              <a:p>
+                <a:r>
+                  <a:rPr lang="en-US">
+                    <a:noFill/>
+                  </a:rPr>
+                  <a:t> </a:t>
+                </a:r>
+              </a:p>
+            </p:txBody>
+          </p:sp>
+        </mc:Fallback>
+      </mc:AlternateContent>
+      <mc:AlternateContent xmlns:mc="http://schemas.openxmlformats.org/markup-compatibility/2006">
+        <mc:Choice xmlns:a14="http://schemas.microsoft.com/office/drawing/2010/main" Requires="a14">
+          <p:sp>
+            <p:nvSpPr>
+              <p:cNvPr id="18" name="TextBox 17">
+                <a:extLst>
+                  <a:ext uri="{FF2B5EF4-FFF2-40B4-BE49-F238E27FC236}">
+                    <a16:creationId xmlns:a16="http://schemas.microsoft.com/office/drawing/2014/main" id="{1236184B-B7CA-4CA0-92E5-576A690433D4}"/>
+                  </a:ext>
+                </a:extLst>
+              </p:cNvPr>
+              <p:cNvSpPr txBox="1"/>
+              <p:nvPr/>
+            </p:nvSpPr>
+            <p:spPr>
+              <a:xfrm>
+                <a:off x="6704495" y="1983319"/>
+                <a:ext cx="4318000" cy="830997"/>
+              </a:xfrm>
+              <a:prstGeom prst="rect">
+                <a:avLst/>
+              </a:prstGeom>
+              <a:noFill/>
+            </p:spPr>
+            <p:txBody>
+              <a:bodyPr wrap="square" rtlCol="0">
+                <a:spAutoFit/>
+              </a:bodyPr>
+              <a:lstStyle/>
+              <a:p>
+                <a:pPr algn="r"/>
+                <a:r>
+                  <a:rPr lang="en-US" sz="2400" b="1" dirty="0">
+                    <a:solidFill>
+                      <a:schemeClr val="accent5"/>
+                    </a:solidFill>
+                  </a:rPr>
+                  <a:t>Complexity = </a:t>
+                </a:r>
+                <a14:m>
+                  <m:oMath xmlns:m="http://schemas.openxmlformats.org/officeDocument/2006/math">
+                    <m:r>
+                      <a:rPr lang="en-US" sz="2400" b="1" i="1" smtClean="0">
+                        <a:solidFill>
+                          <a:schemeClr val="accent5"/>
+                        </a:solidFill>
+                        <a:latin typeface="Cambria Math" panose="02040503050406030204" pitchFamily="18" charset="0"/>
+                      </a:rPr>
+                      <m:t>𝑶</m:t>
+                    </m:r>
+                    <m:d>
+                      <m:dPr>
+                        <m:ctrlPr>
+                          <a:rPr lang="en-US" sz="2400" b="1" i="1" smtClean="0">
+                            <a:solidFill>
+                              <a:schemeClr val="accent5"/>
+                            </a:solidFill>
+                            <a:latin typeface="Cambria Math" panose="02040503050406030204" pitchFamily="18" charset="0"/>
+                          </a:rPr>
+                        </m:ctrlPr>
+                      </m:dPr>
+                      <m:e>
+                        <m:r>
+                          <a:rPr lang="en-US" sz="2400" b="1" i="1" smtClean="0">
+                            <a:solidFill>
+                              <a:schemeClr val="accent5"/>
+                            </a:solidFill>
+                            <a:latin typeface="Cambria Math" panose="02040503050406030204" pitchFamily="18" charset="0"/>
+                          </a:rPr>
+                          <m:t>𝑽</m:t>
+                        </m:r>
+                        <m:r>
+                          <a:rPr lang="en-US" sz="2400" b="1" i="1" smtClean="0">
+                            <a:solidFill>
+                              <a:schemeClr val="accent5"/>
+                            </a:solidFill>
+                            <a:latin typeface="Cambria Math" panose="02040503050406030204" pitchFamily="18" charset="0"/>
+                          </a:rPr>
+                          <m:t>+</m:t>
+                        </m:r>
+                        <m:r>
+                          <a:rPr lang="en-US" sz="2400" b="1" i="1" smtClean="0">
+                            <a:solidFill>
+                              <a:schemeClr val="accent5"/>
+                            </a:solidFill>
+                            <a:latin typeface="Cambria Math" panose="02040503050406030204" pitchFamily="18" charset="0"/>
+                          </a:rPr>
+                          <m:t>𝑽</m:t>
+                        </m:r>
+                      </m:e>
+                    </m:d>
+                    <m:r>
+                      <a:rPr lang="en-US" sz="2400" b="1" i="1">
+                        <a:solidFill>
+                          <a:schemeClr val="accent5"/>
+                        </a:solidFill>
+                        <a:latin typeface="Cambria Math" panose="02040503050406030204" pitchFamily="18" charset="0"/>
+                        <a:ea typeface="Cambria Math" panose="02040503050406030204" pitchFamily="18" charset="0"/>
+                      </a:rPr>
+                      <m:t>≈</m:t>
+                    </m:r>
+                    <m:r>
+                      <a:rPr lang="en-US" sz="2400" b="1" i="1" smtClean="0">
+                        <a:solidFill>
+                          <a:schemeClr val="accent5"/>
+                        </a:solidFill>
+                        <a:latin typeface="Cambria Math" panose="02040503050406030204" pitchFamily="18" charset="0"/>
+                        <a:ea typeface="Cambria Math" panose="02040503050406030204" pitchFamily="18" charset="0"/>
+                      </a:rPr>
+                      <m:t>𝑶</m:t>
+                    </m:r>
+                    <m:d>
+                      <m:dPr>
+                        <m:ctrlPr>
+                          <a:rPr lang="en-US" sz="2400" b="1" i="1" smtClean="0">
+                            <a:solidFill>
+                              <a:schemeClr val="accent5"/>
+                            </a:solidFill>
+                            <a:latin typeface="Cambria Math" panose="02040503050406030204" pitchFamily="18" charset="0"/>
+                            <a:ea typeface="Cambria Math" panose="02040503050406030204" pitchFamily="18" charset="0"/>
+                          </a:rPr>
+                        </m:ctrlPr>
+                      </m:dPr>
+                      <m:e>
+                        <m:r>
+                          <a:rPr lang="en-US" sz="2400" b="1" i="1" smtClean="0">
+                            <a:solidFill>
+                              <a:schemeClr val="accent5"/>
+                            </a:solidFill>
+                            <a:latin typeface="Cambria Math" panose="02040503050406030204" pitchFamily="18" charset="0"/>
+                            <a:ea typeface="Cambria Math" panose="02040503050406030204" pitchFamily="18" charset="0"/>
+                          </a:rPr>
+                          <m:t>𝑽</m:t>
+                        </m:r>
+                      </m:e>
+                    </m:d>
+                  </m:oMath>
+                </a14:m>
+                <a:endParaRPr lang="en-US" sz="2400" b="1" dirty="0">
+                  <a:solidFill>
+                    <a:schemeClr val="accent5"/>
+                  </a:solidFill>
+                  <a:ea typeface="Cambria Math" panose="02040503050406030204" pitchFamily="18" charset="0"/>
+                </a:endParaRPr>
+              </a:p>
+              <a:p>
+                <a:pPr algn="r"/>
+                <a:r>
+                  <a:rPr lang="en-US" sz="2400" b="1" dirty="0">
+                    <a:solidFill>
+                      <a:schemeClr val="accent5"/>
+                    </a:solidFill>
+                  </a:rPr>
+                  <a:t>where </a:t>
+                </a:r>
+                <a14:m>
+                  <m:oMath xmlns:m="http://schemas.openxmlformats.org/officeDocument/2006/math">
+                    <m:r>
+                      <a:rPr lang="en-US" sz="2400" b="1" i="1">
+                        <a:solidFill>
+                          <a:schemeClr val="accent5"/>
+                        </a:solidFill>
+                        <a:latin typeface="Cambria Math" panose="02040503050406030204" pitchFamily="18" charset="0"/>
+                      </a:rPr>
+                      <m:t>𝑽</m:t>
+                    </m:r>
+                  </m:oMath>
+                </a14:m>
+                <a:r>
+                  <a:rPr lang="en-US" sz="2400" b="1" dirty="0">
+                    <a:solidFill>
+                      <a:schemeClr val="accent5"/>
+                    </a:solidFill>
+                  </a:rPr>
+                  <a:t> is very large</a:t>
+                </a:r>
+              </a:p>
+            </p:txBody>
+          </p:sp>
+        </mc:Choice>
+        <mc:Fallback>
+          <p:sp>
+            <p:nvSpPr>
+              <p:cNvPr id="18" name="TextBox 17">
+                <a:extLst>
+                  <a:ext uri="{FF2B5EF4-FFF2-40B4-BE49-F238E27FC236}">
+                    <a16:creationId xmlns:a16="http://schemas.microsoft.com/office/drawing/2014/main" id="{1236184B-B7CA-4CA0-92E5-576A690433D4}"/>
+                  </a:ext>
+                </a:extLst>
+              </p:cNvPr>
+              <p:cNvSpPr txBox="1">
+                <a:spLocks noRot="1" noChangeAspect="1" noMove="1" noResize="1" noEditPoints="1" noAdjustHandles="1" noChangeArrowheads="1" noChangeShapeType="1" noTextEdit="1"/>
+              </p:cNvSpPr>
+              <p:nvPr/>
+            </p:nvSpPr>
+            <p:spPr>
+              <a:xfrm>
+                <a:off x="6704495" y="1983319"/>
+                <a:ext cx="4318000" cy="830997"/>
+              </a:xfrm>
+              <a:prstGeom prst="rect">
+                <a:avLst/>
+              </a:prstGeom>
+              <a:blipFill>
+                <a:blip r:embed="rId5"/>
+                <a:stretch>
+                  <a:fillRect t="-5839" r="-2119" b="-15328"/>
+                </a:stretch>
+              </a:blipFill>
+            </p:spPr>
+            <p:txBody>
+              <a:bodyPr/>
+              <a:lstStyle/>
+              <a:p>
+                <a:r>
+                  <a:rPr lang="en-US">
+                    <a:noFill/>
+                  </a:rPr>
+                  <a:t> </a:t>
+                </a:r>
+              </a:p>
+            </p:txBody>
+          </p:sp>
+        </mc:Fallback>
+      </mc:AlternateContent>
+      <p:sp>
+        <p:nvSpPr>
+          <p:cNvPr id="19" name="TextBox 18">
+            <a:extLst>
+              <a:ext uri="{FF2B5EF4-FFF2-40B4-BE49-F238E27FC236}">
+                <a16:creationId xmlns:a16="http://schemas.microsoft.com/office/drawing/2014/main" id="{0B7B00A0-9408-4E84-8FD1-00FFFA3887D5}"/>
               </a:ext>
             </a:extLst>
           </p:cNvPr>
@@ -51682,7 +53143,7 @@
         </p:nvSpPr>
         <p:spPr>
           <a:xfrm>
-            <a:off x="5276084" y="3495409"/>
+            <a:off x="5534987" y="3782020"/>
             <a:ext cx="2029121" cy="369332"/>
           </a:xfrm>
           <a:prstGeom prst="rect">
@@ -51719,7 +53180,7 @@
     </p:spTree>
     <p:extLst>
       <p:ext uri="{BB962C8B-B14F-4D97-AF65-F5344CB8AC3E}">
-        <p14:creationId xmlns:p14="http://schemas.microsoft.com/office/powerpoint/2010/main" val="1879459574"/>
+        <p14:creationId xmlns:p14="http://schemas.microsoft.com/office/powerpoint/2010/main" val="4119168822"/>
       </p:ext>
     </p:extLst>
   </p:cSld>
@@ -51748,10 +53209,10 @@
       </p:grpSpPr>
       <p:sp>
         <p:nvSpPr>
-          <p:cNvPr id="5" name="Rectangle 4">
-            <a:extLst>
-              <a:ext uri="{FF2B5EF4-FFF2-40B4-BE49-F238E27FC236}">
-                <a16:creationId xmlns:a16="http://schemas.microsoft.com/office/drawing/2014/main" id="{544C5752-F07C-4D42-AFE9-7AC8CCDE8AF7}"/>
+          <p:cNvPr id="12" name="Rectangle 11">
+            <a:extLst>
+              <a:ext uri="{FF2B5EF4-FFF2-40B4-BE49-F238E27FC236}">
+                <a16:creationId xmlns:a16="http://schemas.microsoft.com/office/drawing/2014/main" id="{23ADB67E-7116-48E7-A675-99D608BF44F6}"/>
               </a:ext>
             </a:extLst>
           </p:cNvPr>
@@ -51760,8 +53221,8 @@
         </p:nvSpPr>
         <p:spPr>
           <a:xfrm>
-            <a:off x="253828" y="1855720"/>
-            <a:ext cx="11380959" cy="3449705"/>
+            <a:off x="253828" y="914400"/>
+            <a:ext cx="11380959" cy="4391025"/>
           </a:xfrm>
           <a:prstGeom prst="rect">
             <a:avLst/>
@@ -51795,10 +53256,10 @@
       </p:sp>
       <p:pic>
         <p:nvPicPr>
-          <p:cNvPr id="2" name="Picture 1">
-            <a:extLst>
-              <a:ext uri="{FF2B5EF4-FFF2-40B4-BE49-F238E27FC236}">
-                <a16:creationId xmlns:a16="http://schemas.microsoft.com/office/drawing/2014/main" id="{0211EAFE-AA75-44BC-A611-0311A660A1A9}"/>
+          <p:cNvPr id="13" name="Picture 12">
+            <a:extLst>
+              <a:ext uri="{FF2B5EF4-FFF2-40B4-BE49-F238E27FC236}">
+                <a16:creationId xmlns:a16="http://schemas.microsoft.com/office/drawing/2014/main" id="{894C426C-E1D4-428E-9121-D278A66248B4}"/>
               </a:ext>
             </a:extLst>
           </p:cNvPr>
@@ -51815,8 +53276,38 @@
         </p:blipFill>
         <p:spPr>
           <a:xfrm>
-            <a:off x="414641" y="2151684"/>
-            <a:ext cx="10969798" cy="2834640"/>
+            <a:off x="1864518" y="1020804"/>
+            <a:ext cx="8462963" cy="350796"/>
+          </a:xfrm>
+          <a:prstGeom prst="rect">
+            <a:avLst/>
+          </a:prstGeom>
+        </p:spPr>
+      </p:pic>
+      <p:pic>
+        <p:nvPicPr>
+          <p:cNvPr id="2" name="Picture 1">
+            <a:extLst>
+              <a:ext uri="{FF2B5EF4-FFF2-40B4-BE49-F238E27FC236}">
+                <a16:creationId xmlns:a16="http://schemas.microsoft.com/office/drawing/2014/main" id="{3B682D55-191E-439B-AF59-B22EDECED8D9}"/>
+              </a:ext>
+            </a:extLst>
+          </p:cNvPr>
+          <p:cNvPicPr>
+            <a:picLocks noChangeAspect="1"/>
+          </p:cNvPicPr>
+          <p:nvPr/>
+        </p:nvPicPr>
+        <p:blipFill>
+          <a:blip r:embed="rId3"/>
+          <a:stretch>
+            <a:fillRect/>
+          </a:stretch>
+        </p:blipFill>
+        <p:spPr>
+          <a:xfrm>
+            <a:off x="2047621" y="2011680"/>
+            <a:ext cx="8096755" cy="2834640"/>
           </a:xfrm>
           <a:prstGeom prst="rect">
             <a:avLst/>
@@ -51825,10 +53316,10 @@
       </p:pic>
       <p:sp>
         <p:nvSpPr>
-          <p:cNvPr id="4" name="TextBox 3">
-            <a:extLst>
-              <a:ext uri="{FF2B5EF4-FFF2-40B4-BE49-F238E27FC236}">
-                <a16:creationId xmlns:a16="http://schemas.microsoft.com/office/drawing/2014/main" id="{CB1C59E0-CAB7-4C10-9642-CFE6CEBD4BAA}"/>
+          <p:cNvPr id="5" name="TextBox 4">
+            <a:extLst>
+              <a:ext uri="{FF2B5EF4-FFF2-40B4-BE49-F238E27FC236}">
+                <a16:creationId xmlns:a16="http://schemas.microsoft.com/office/drawing/2014/main" id="{7733E6A0-18A0-4F3F-9211-C46AA4A6A553}"/>
               </a:ext>
             </a:extLst>
           </p:cNvPr>
@@ -51837,7 +53328,7 @@
         </p:nvSpPr>
         <p:spPr>
           <a:xfrm>
-            <a:off x="5800519" y="3580572"/>
+            <a:off x="5558472" y="3504374"/>
             <a:ext cx="2029121" cy="369332"/>
           </a:xfrm>
           <a:prstGeom prst="rect">
@@ -51871,106 +53362,10 @@
           </a:p>
         </p:txBody>
       </p:sp>
-      <p:sp>
-        <p:nvSpPr>
-          <p:cNvPr id="6" name="TextBox 5">
-            <a:extLst>
-              <a:ext uri="{FF2B5EF4-FFF2-40B4-BE49-F238E27FC236}">
-                <a16:creationId xmlns:a16="http://schemas.microsoft.com/office/drawing/2014/main" id="{A49EEF35-30B0-4841-ACE9-A279F8CBAA0F}"/>
-              </a:ext>
-            </a:extLst>
-          </p:cNvPr>
-          <p:cNvSpPr txBox="1"/>
-          <p:nvPr/>
-        </p:nvSpPr>
-        <p:spPr>
-          <a:xfrm>
-            <a:off x="892343" y="3569004"/>
-            <a:ext cx="2029121" cy="369332"/>
-          </a:xfrm>
-          <a:prstGeom prst="rect">
-            <a:avLst/>
-          </a:prstGeom>
-          <a:noFill/>
-        </p:spPr>
-        <p:txBody>
-          <a:bodyPr wrap="square" rtlCol="0">
-            <a:spAutoFit/>
-          </a:bodyPr>
-          <a:lstStyle/>
-          <a:p>
-            <a:r>
-              <a:rPr lang="en-US" dirty="0">
-                <a:solidFill>
-                  <a:schemeClr val="tx1">
-                    <a:alpha val="20000"/>
-                  </a:schemeClr>
-                </a:solidFill>
-                <a:effectLst>
-                  <a:outerShdw blurRad="50800" dist="50800" dir="5400000" algn="ctr" rotWithShape="0">
-                    <a:srgbClr val="000000">
-                      <a:alpha val="0"/>
-                    </a:srgbClr>
-                  </a:outerShdw>
-                </a:effectLst>
-              </a:rPr>
-              <a:t>aegis4048.github.io</a:t>
-            </a:r>
-          </a:p>
-        </p:txBody>
-      </p:sp>
-      <p:sp>
-        <p:nvSpPr>
-          <p:cNvPr id="7" name="TextBox 6">
-            <a:extLst>
-              <a:ext uri="{FF2B5EF4-FFF2-40B4-BE49-F238E27FC236}">
-                <a16:creationId xmlns:a16="http://schemas.microsoft.com/office/drawing/2014/main" id="{1C938A27-B0DE-4017-981B-AE09E1AC90AF}"/>
-              </a:ext>
-            </a:extLst>
-          </p:cNvPr>
-          <p:cNvSpPr txBox="1"/>
-          <p:nvPr/>
-        </p:nvSpPr>
-        <p:spPr>
-          <a:xfrm>
-            <a:off x="9018848" y="3569004"/>
-            <a:ext cx="2029121" cy="369332"/>
-          </a:xfrm>
-          <a:prstGeom prst="rect">
-            <a:avLst/>
-          </a:prstGeom>
-          <a:noFill/>
-        </p:spPr>
-        <p:txBody>
-          <a:bodyPr wrap="square" rtlCol="0">
-            <a:spAutoFit/>
-          </a:bodyPr>
-          <a:lstStyle/>
-          <a:p>
-            <a:r>
-              <a:rPr lang="en-US" dirty="0">
-                <a:solidFill>
-                  <a:schemeClr val="tx1">
-                    <a:alpha val="20000"/>
-                  </a:schemeClr>
-                </a:solidFill>
-                <a:effectLst>
-                  <a:outerShdw blurRad="50800" dist="50800" dir="5400000" algn="ctr" rotWithShape="0">
-                    <a:srgbClr val="000000">
-                      <a:alpha val="0"/>
-                    </a:srgbClr>
-                  </a:outerShdw>
-                </a:effectLst>
-              </a:rPr>
-              <a:t>aegis4048.github.io</a:t>
-            </a:r>
-          </a:p>
-        </p:txBody>
-      </p:sp>
     </p:spTree>
     <p:extLst>
       <p:ext uri="{BB962C8B-B14F-4D97-AF65-F5344CB8AC3E}">
-        <p14:creationId xmlns:p14="http://schemas.microsoft.com/office/powerpoint/2010/main" val="1434404399"/>
+        <p14:creationId xmlns:p14="http://schemas.microsoft.com/office/powerpoint/2010/main" val="412385174"/>
       </p:ext>
     </p:extLst>
   </p:cSld>
@@ -51999,10 +53394,10 @@
       </p:grpSpPr>
       <p:sp>
         <p:nvSpPr>
-          <p:cNvPr id="6" name="Rectangle 5">
-            <a:extLst>
-              <a:ext uri="{FF2B5EF4-FFF2-40B4-BE49-F238E27FC236}">
-                <a16:creationId xmlns:a16="http://schemas.microsoft.com/office/drawing/2014/main" id="{0089E516-B456-47D4-929B-7416FC965B51}"/>
+          <p:cNvPr id="5" name="Rectangle 4">
+            <a:extLst>
+              <a:ext uri="{FF2B5EF4-FFF2-40B4-BE49-F238E27FC236}">
+                <a16:creationId xmlns:a16="http://schemas.microsoft.com/office/drawing/2014/main" id="{4AFABD5C-E230-4091-B401-713D170FD526}"/>
               </a:ext>
             </a:extLst>
           </p:cNvPr>
@@ -52011,8 +53406,8 @@
         </p:nvSpPr>
         <p:spPr>
           <a:xfrm>
-            <a:off x="253828" y="0"/>
-            <a:ext cx="11380959" cy="6858000"/>
+            <a:off x="253828" y="1652588"/>
+            <a:ext cx="11380959" cy="3843337"/>
           </a:xfrm>
           <a:prstGeom prst="rect">
             <a:avLst/>
@@ -52046,10 +53441,10 @@
       </p:sp>
       <p:pic>
         <p:nvPicPr>
-          <p:cNvPr id="2" name="Picture 1">
-            <a:extLst>
-              <a:ext uri="{FF2B5EF4-FFF2-40B4-BE49-F238E27FC236}">
-                <a16:creationId xmlns:a16="http://schemas.microsoft.com/office/drawing/2014/main" id="{4E6A77AB-6FA5-44D9-A453-F35C1BC5781A}"/>
+          <p:cNvPr id="6" name="Picture 5">
+            <a:extLst>
+              <a:ext uri="{FF2B5EF4-FFF2-40B4-BE49-F238E27FC236}">
+                <a16:creationId xmlns:a16="http://schemas.microsoft.com/office/drawing/2014/main" id="{FC403CF1-BF8B-4D12-85A6-0E2CC85B1FC7}"/>
               </a:ext>
             </a:extLst>
           </p:cNvPr>
@@ -52059,15 +53454,15 @@
           <p:nvPr/>
         </p:nvPicPr>
         <p:blipFill>
-          <a:blip r:embed="rId3"/>
+          <a:blip r:embed="rId2"/>
           <a:stretch>
             <a:fillRect/>
           </a:stretch>
         </p:blipFill>
         <p:spPr>
           <a:xfrm>
-            <a:off x="1893570" y="44988"/>
-            <a:ext cx="8404860" cy="6678376"/>
+            <a:off x="1648685" y="2065496"/>
+            <a:ext cx="8591244" cy="3017520"/>
           </a:xfrm>
           <a:prstGeom prst="rect">
             <a:avLst/>
@@ -52079,7 +53474,7 @@
           <p:cNvPr id="4" name="TextBox 3">
             <a:extLst>
               <a:ext uri="{FF2B5EF4-FFF2-40B4-BE49-F238E27FC236}">
-                <a16:creationId xmlns:a16="http://schemas.microsoft.com/office/drawing/2014/main" id="{455018F5-12FE-4256-BD1F-4A828E7AC11B}"/>
+                <a16:creationId xmlns:a16="http://schemas.microsoft.com/office/drawing/2014/main" id="{8AF0EFB2-5EB3-4254-8E23-F7A5F66EC47A}"/>
               </a:ext>
             </a:extLst>
           </p:cNvPr>
@@ -52088,7 +53483,7 @@
         </p:nvSpPr>
         <p:spPr>
           <a:xfrm>
-            <a:off x="4254107" y="1762393"/>
+            <a:off x="5276084" y="3495409"/>
             <a:ext cx="2029121" cy="369332"/>
           </a:xfrm>
           <a:prstGeom prst="rect">
@@ -52122,106 +53517,10 @@
           </a:p>
         </p:txBody>
       </p:sp>
-      <p:sp>
-        <p:nvSpPr>
-          <p:cNvPr id="5" name="TextBox 4">
-            <a:extLst>
-              <a:ext uri="{FF2B5EF4-FFF2-40B4-BE49-F238E27FC236}">
-                <a16:creationId xmlns:a16="http://schemas.microsoft.com/office/drawing/2014/main" id="{E5298B15-78E5-4533-B258-41A0B95A9FC9}"/>
-              </a:ext>
-            </a:extLst>
-          </p:cNvPr>
-          <p:cNvSpPr txBox="1"/>
-          <p:nvPr/>
-        </p:nvSpPr>
-        <p:spPr>
-          <a:xfrm>
-            <a:off x="7060060" y="5095607"/>
-            <a:ext cx="2029121" cy="369332"/>
-          </a:xfrm>
-          <a:prstGeom prst="rect">
-            <a:avLst/>
-          </a:prstGeom>
-          <a:noFill/>
-        </p:spPr>
-        <p:txBody>
-          <a:bodyPr wrap="square" rtlCol="0">
-            <a:spAutoFit/>
-          </a:bodyPr>
-          <a:lstStyle/>
-          <a:p>
-            <a:r>
-              <a:rPr lang="en-US" dirty="0">
-                <a:solidFill>
-                  <a:schemeClr val="tx1">
-                    <a:alpha val="20000"/>
-                  </a:schemeClr>
-                </a:solidFill>
-                <a:effectLst>
-                  <a:outerShdw blurRad="50800" dist="50800" dir="5400000" algn="ctr" rotWithShape="0">
-                    <a:srgbClr val="000000">
-                      <a:alpha val="0"/>
-                    </a:srgbClr>
-                  </a:outerShdw>
-                </a:effectLst>
-              </a:rPr>
-              <a:t>aegis4048.github.io</a:t>
-            </a:r>
-          </a:p>
-        </p:txBody>
-      </p:sp>
-      <p:sp>
-        <p:nvSpPr>
-          <p:cNvPr id="10" name="TextBox 9">
-            <a:extLst>
-              <a:ext uri="{FF2B5EF4-FFF2-40B4-BE49-F238E27FC236}">
-                <a16:creationId xmlns:a16="http://schemas.microsoft.com/office/drawing/2014/main" id="{98C997A9-776D-4CDB-9BAB-3F52505DD813}"/>
-              </a:ext>
-            </a:extLst>
-          </p:cNvPr>
-          <p:cNvSpPr txBox="1"/>
-          <p:nvPr/>
-        </p:nvSpPr>
-        <p:spPr>
-          <a:xfrm>
-            <a:off x="3496589" y="5095607"/>
-            <a:ext cx="2029121" cy="369332"/>
-          </a:xfrm>
-          <a:prstGeom prst="rect">
-            <a:avLst/>
-          </a:prstGeom>
-          <a:noFill/>
-        </p:spPr>
-        <p:txBody>
-          <a:bodyPr wrap="square" rtlCol="0">
-            <a:spAutoFit/>
-          </a:bodyPr>
-          <a:lstStyle/>
-          <a:p>
-            <a:r>
-              <a:rPr lang="en-US" dirty="0">
-                <a:solidFill>
-                  <a:schemeClr val="tx1">
-                    <a:alpha val="20000"/>
-                  </a:schemeClr>
-                </a:solidFill>
-                <a:effectLst>
-                  <a:outerShdw blurRad="50800" dist="50800" dir="5400000" algn="ctr" rotWithShape="0">
-                    <a:srgbClr val="000000">
-                      <a:alpha val="0"/>
-                    </a:srgbClr>
-                  </a:outerShdw>
-                </a:effectLst>
-              </a:rPr>
-              <a:t>aegis4048.github.io</a:t>
-            </a:r>
-          </a:p>
-        </p:txBody>
-      </p:sp>
     </p:spTree>
     <p:extLst>
       <p:ext uri="{BB962C8B-B14F-4D97-AF65-F5344CB8AC3E}">
-        <p14:creationId xmlns:p14="http://schemas.microsoft.com/office/powerpoint/2010/main" val="3287482236"/>
+        <p14:creationId xmlns:p14="http://schemas.microsoft.com/office/powerpoint/2010/main" val="1879459574"/>
       </p:ext>
     </p:extLst>
   </p:cSld>
@@ -52297,10 +53596,10 @@
       </p:sp>
       <p:pic>
         <p:nvPicPr>
-          <p:cNvPr id="3" name="Picture 2">
-            <a:extLst>
-              <a:ext uri="{FF2B5EF4-FFF2-40B4-BE49-F238E27FC236}">
-                <a16:creationId xmlns:a16="http://schemas.microsoft.com/office/drawing/2014/main" id="{EAFE1ADA-4903-4507-9027-E2BBD3BE5B7B}"/>
+          <p:cNvPr id="2" name="Picture 1">
+            <a:extLst>
+              <a:ext uri="{FF2B5EF4-FFF2-40B4-BE49-F238E27FC236}">
+                <a16:creationId xmlns:a16="http://schemas.microsoft.com/office/drawing/2014/main" id="{0211EAFE-AA75-44BC-A611-0311A660A1A9}"/>
               </a:ext>
             </a:extLst>
           </p:cNvPr>
@@ -52317,8 +53616,8 @@
         </p:blipFill>
         <p:spPr>
           <a:xfrm>
-            <a:off x="2787015" y="2163252"/>
-            <a:ext cx="6617970" cy="2834640"/>
+            <a:off x="414641" y="2151684"/>
+            <a:ext cx="10969798" cy="2834640"/>
           </a:xfrm>
           <a:prstGeom prst="rect">
             <a:avLst/>
@@ -52330,7 +53629,7 @@
           <p:cNvPr id="4" name="TextBox 3">
             <a:extLst>
               <a:ext uri="{FF2B5EF4-FFF2-40B4-BE49-F238E27FC236}">
-                <a16:creationId xmlns:a16="http://schemas.microsoft.com/office/drawing/2014/main" id="{91096FD0-6C6D-49DC-8A63-3DC6E515AADD}"/>
+                <a16:creationId xmlns:a16="http://schemas.microsoft.com/office/drawing/2014/main" id="{CB1C59E0-CAB7-4C10-9642-CFE6CEBD4BAA}"/>
               </a:ext>
             </a:extLst>
           </p:cNvPr>
@@ -52339,7 +53638,7 @@
         </p:nvSpPr>
         <p:spPr>
           <a:xfrm>
-            <a:off x="5155061" y="3620913"/>
+            <a:off x="5800519" y="3580572"/>
             <a:ext cx="2029121" cy="369332"/>
           </a:xfrm>
           <a:prstGeom prst="rect">
@@ -52373,10 +53672,106 @@
           </a:p>
         </p:txBody>
       </p:sp>
+      <p:sp>
+        <p:nvSpPr>
+          <p:cNvPr id="6" name="TextBox 5">
+            <a:extLst>
+              <a:ext uri="{FF2B5EF4-FFF2-40B4-BE49-F238E27FC236}">
+                <a16:creationId xmlns:a16="http://schemas.microsoft.com/office/drawing/2014/main" id="{A49EEF35-30B0-4841-ACE9-A279F8CBAA0F}"/>
+              </a:ext>
+            </a:extLst>
+          </p:cNvPr>
+          <p:cNvSpPr txBox="1"/>
+          <p:nvPr/>
+        </p:nvSpPr>
+        <p:spPr>
+          <a:xfrm>
+            <a:off x="892343" y="3569004"/>
+            <a:ext cx="2029121" cy="369332"/>
+          </a:xfrm>
+          <a:prstGeom prst="rect">
+            <a:avLst/>
+          </a:prstGeom>
+          <a:noFill/>
+        </p:spPr>
+        <p:txBody>
+          <a:bodyPr wrap="square" rtlCol="0">
+            <a:spAutoFit/>
+          </a:bodyPr>
+          <a:lstStyle/>
+          <a:p>
+            <a:r>
+              <a:rPr lang="en-US" dirty="0">
+                <a:solidFill>
+                  <a:schemeClr val="tx1">
+                    <a:alpha val="20000"/>
+                  </a:schemeClr>
+                </a:solidFill>
+                <a:effectLst>
+                  <a:outerShdw blurRad="50800" dist="50800" dir="5400000" algn="ctr" rotWithShape="0">
+                    <a:srgbClr val="000000">
+                      <a:alpha val="0"/>
+                    </a:srgbClr>
+                  </a:outerShdw>
+                </a:effectLst>
+              </a:rPr>
+              <a:t>aegis4048.github.io</a:t>
+            </a:r>
+          </a:p>
+        </p:txBody>
+      </p:sp>
+      <p:sp>
+        <p:nvSpPr>
+          <p:cNvPr id="7" name="TextBox 6">
+            <a:extLst>
+              <a:ext uri="{FF2B5EF4-FFF2-40B4-BE49-F238E27FC236}">
+                <a16:creationId xmlns:a16="http://schemas.microsoft.com/office/drawing/2014/main" id="{1C938A27-B0DE-4017-981B-AE09E1AC90AF}"/>
+              </a:ext>
+            </a:extLst>
+          </p:cNvPr>
+          <p:cNvSpPr txBox="1"/>
+          <p:nvPr/>
+        </p:nvSpPr>
+        <p:spPr>
+          <a:xfrm>
+            <a:off x="9018848" y="3569004"/>
+            <a:ext cx="2029121" cy="369332"/>
+          </a:xfrm>
+          <a:prstGeom prst="rect">
+            <a:avLst/>
+          </a:prstGeom>
+          <a:noFill/>
+        </p:spPr>
+        <p:txBody>
+          <a:bodyPr wrap="square" rtlCol="0">
+            <a:spAutoFit/>
+          </a:bodyPr>
+          <a:lstStyle/>
+          <a:p>
+            <a:r>
+              <a:rPr lang="en-US" dirty="0">
+                <a:solidFill>
+                  <a:schemeClr val="tx1">
+                    <a:alpha val="20000"/>
+                  </a:schemeClr>
+                </a:solidFill>
+                <a:effectLst>
+                  <a:outerShdw blurRad="50800" dist="50800" dir="5400000" algn="ctr" rotWithShape="0">
+                    <a:srgbClr val="000000">
+                      <a:alpha val="0"/>
+                    </a:srgbClr>
+                  </a:outerShdw>
+                </a:effectLst>
+              </a:rPr>
+              <a:t>aegis4048.github.io</a:t>
+            </a:r>
+          </a:p>
+        </p:txBody>
+      </p:sp>
     </p:spTree>
     <p:extLst>
       <p:ext uri="{BB962C8B-B14F-4D97-AF65-F5344CB8AC3E}">
-        <p14:creationId xmlns:p14="http://schemas.microsoft.com/office/powerpoint/2010/main" val="2502052677"/>
+        <p14:creationId xmlns:p14="http://schemas.microsoft.com/office/powerpoint/2010/main" val="1434404399"/>
       </p:ext>
     </p:extLst>
   </p:cSld>
@@ -52405,10 +53800,10 @@
       </p:grpSpPr>
       <p:sp>
         <p:nvSpPr>
-          <p:cNvPr id="5" name="Rectangle 4">
-            <a:extLst>
-              <a:ext uri="{FF2B5EF4-FFF2-40B4-BE49-F238E27FC236}">
-                <a16:creationId xmlns:a16="http://schemas.microsoft.com/office/drawing/2014/main" id="{544C5752-F07C-4D42-AFE9-7AC8CCDE8AF7}"/>
+          <p:cNvPr id="6" name="Rectangle 5">
+            <a:extLst>
+              <a:ext uri="{FF2B5EF4-FFF2-40B4-BE49-F238E27FC236}">
+                <a16:creationId xmlns:a16="http://schemas.microsoft.com/office/drawing/2014/main" id="{0089E516-B456-47D4-929B-7416FC965B51}"/>
               </a:ext>
             </a:extLst>
           </p:cNvPr>
@@ -52417,8 +53812,8 @@
         </p:nvSpPr>
         <p:spPr>
           <a:xfrm>
-            <a:off x="253828" y="1855720"/>
-            <a:ext cx="11380959" cy="3449705"/>
+            <a:off x="253828" y="0"/>
+            <a:ext cx="11380959" cy="6858000"/>
           </a:xfrm>
           <a:prstGeom prst="rect">
             <a:avLst/>
@@ -52452,10 +53847,10 @@
       </p:sp>
       <p:pic>
         <p:nvPicPr>
-          <p:cNvPr id="3" name="Picture 2" descr="A screenshot of a cell phone&#10;&#10;Description automatically generated">
-            <a:extLst>
-              <a:ext uri="{FF2B5EF4-FFF2-40B4-BE49-F238E27FC236}">
-                <a16:creationId xmlns:a16="http://schemas.microsoft.com/office/drawing/2014/main" id="{F19C1F8E-9A1C-4DF7-8136-E4BFCC90D5C4}"/>
+          <p:cNvPr id="2" name="Picture 1">
+            <a:extLst>
+              <a:ext uri="{FF2B5EF4-FFF2-40B4-BE49-F238E27FC236}">
+                <a16:creationId xmlns:a16="http://schemas.microsoft.com/office/drawing/2014/main" id="{4E6A77AB-6FA5-44D9-A453-F35C1BC5781A}"/>
               </a:ext>
             </a:extLst>
           </p:cNvPr>
@@ -52465,21 +53860,15 @@
           <p:nvPr/>
         </p:nvPicPr>
         <p:blipFill>
-          <a:blip r:embed="rId2">
-            <a:extLst>
-              <a:ext uri="{28A0092B-C50C-407E-A947-70E740481C1C}">
-                <a14:useLocalDpi xmlns:a14="http://schemas.microsoft.com/office/drawing/2010/main" val="0"/>
-              </a:ext>
-            </a:extLst>
-          </a:blip>
+          <a:blip r:embed="rId3"/>
           <a:stretch>
             <a:fillRect/>
           </a:stretch>
         </p:blipFill>
         <p:spPr>
           <a:xfrm>
-            <a:off x="417237" y="2310041"/>
-            <a:ext cx="11054139" cy="2541061"/>
+            <a:off x="1893570" y="44988"/>
+            <a:ext cx="8404860" cy="6678376"/>
           </a:xfrm>
           <a:prstGeom prst="rect">
             <a:avLst/>
@@ -52491,7 +53880,7 @@
           <p:cNvPr id="4" name="TextBox 3">
             <a:extLst>
               <a:ext uri="{FF2B5EF4-FFF2-40B4-BE49-F238E27FC236}">
-                <a16:creationId xmlns:a16="http://schemas.microsoft.com/office/drawing/2014/main" id="{E1399587-B75B-4CF2-BF7D-B4F28BFEBECC}"/>
+                <a16:creationId xmlns:a16="http://schemas.microsoft.com/office/drawing/2014/main" id="{455018F5-12FE-4256-BD1F-4A828E7AC11B}"/>
               </a:ext>
             </a:extLst>
           </p:cNvPr>
@@ -52500,7 +53889,7 @@
         </p:nvSpPr>
         <p:spPr>
           <a:xfrm>
-            <a:off x="847520" y="3395905"/>
+            <a:off x="4254107" y="1762393"/>
             <a:ext cx="2029121" cy="369332"/>
           </a:xfrm>
           <a:prstGeom prst="rect">
@@ -52536,10 +53925,10 @@
       </p:sp>
       <p:sp>
         <p:nvSpPr>
-          <p:cNvPr id="6" name="TextBox 5">
-            <a:extLst>
-              <a:ext uri="{FF2B5EF4-FFF2-40B4-BE49-F238E27FC236}">
-                <a16:creationId xmlns:a16="http://schemas.microsoft.com/office/drawing/2014/main" id="{BEB24AA5-EBD6-4E4A-94BC-2F72D8BD9C68}"/>
+          <p:cNvPr id="5" name="TextBox 4">
+            <a:extLst>
+              <a:ext uri="{FF2B5EF4-FFF2-40B4-BE49-F238E27FC236}">
+                <a16:creationId xmlns:a16="http://schemas.microsoft.com/office/drawing/2014/main" id="{E5298B15-78E5-4533-B258-41A0B95A9FC9}"/>
               </a:ext>
             </a:extLst>
           </p:cNvPr>
@@ -52548,7 +53937,7 @@
         </p:nvSpPr>
         <p:spPr>
           <a:xfrm>
-            <a:off x="5081439" y="3395905"/>
+            <a:off x="7060060" y="5095607"/>
             <a:ext cx="2029121" cy="369332"/>
           </a:xfrm>
           <a:prstGeom prst="rect">
@@ -52584,10 +53973,10 @@
       </p:sp>
       <p:sp>
         <p:nvSpPr>
-          <p:cNvPr id="7" name="TextBox 6">
-            <a:extLst>
-              <a:ext uri="{FF2B5EF4-FFF2-40B4-BE49-F238E27FC236}">
-                <a16:creationId xmlns:a16="http://schemas.microsoft.com/office/drawing/2014/main" id="{622296BA-DBD5-4EAE-8F31-2C679CCA751D}"/>
+          <p:cNvPr id="10" name="TextBox 9">
+            <a:extLst>
+              <a:ext uri="{FF2B5EF4-FFF2-40B4-BE49-F238E27FC236}">
+                <a16:creationId xmlns:a16="http://schemas.microsoft.com/office/drawing/2014/main" id="{98C997A9-776D-4CDB-9BAB-3F52505DD813}"/>
               </a:ext>
             </a:extLst>
           </p:cNvPr>
@@ -52596,7 +53985,7 @@
         </p:nvSpPr>
         <p:spPr>
           <a:xfrm>
-            <a:off x="9315359" y="3395905"/>
+            <a:off x="3496589" y="5095607"/>
             <a:ext cx="2029121" cy="369332"/>
           </a:xfrm>
           <a:prstGeom prst="rect">
@@ -52633,7 +54022,7 @@
     </p:spTree>
     <p:extLst>
       <p:ext uri="{BB962C8B-B14F-4D97-AF65-F5344CB8AC3E}">
-        <p14:creationId xmlns:p14="http://schemas.microsoft.com/office/powerpoint/2010/main" val="1182496359"/>
+        <p14:creationId xmlns:p14="http://schemas.microsoft.com/office/powerpoint/2010/main" val="3287482236"/>
       </p:ext>
     </p:extLst>
   </p:cSld>
@@ -52712,7 +54101,7 @@
           <p:cNvPr id="3" name="Picture 2">
             <a:extLst>
               <a:ext uri="{FF2B5EF4-FFF2-40B4-BE49-F238E27FC236}">
-                <a16:creationId xmlns:a16="http://schemas.microsoft.com/office/drawing/2014/main" id="{A07363CE-289C-4213-A276-D2A28C4B3226}"/>
+                <a16:creationId xmlns:a16="http://schemas.microsoft.com/office/drawing/2014/main" id="{EAFE1ADA-4903-4507-9027-E2BBD3BE5B7B}"/>
               </a:ext>
             </a:extLst>
           </p:cNvPr>
@@ -52722,21 +54111,15 @@
           <p:nvPr/>
         </p:nvPicPr>
         <p:blipFill>
-          <a:blip r:embed="rId2">
-            <a:extLst>
-              <a:ext uri="{28A0092B-C50C-407E-A947-70E740481C1C}">
-                <a14:useLocalDpi xmlns:a14="http://schemas.microsoft.com/office/drawing/2010/main" val="0"/>
-              </a:ext>
-            </a:extLst>
-          </a:blip>
+          <a:blip r:embed="rId2"/>
           <a:stretch>
             <a:fillRect/>
           </a:stretch>
         </p:blipFill>
         <p:spPr>
           <a:xfrm>
-            <a:off x="415126" y="2309556"/>
-            <a:ext cx="11058362" cy="2542032"/>
+            <a:off x="2787015" y="2163252"/>
+            <a:ext cx="6617970" cy="2834640"/>
           </a:xfrm>
           <a:prstGeom prst="rect">
             <a:avLst/>
@@ -52748,7 +54131,7 @@
           <p:cNvPr id="4" name="TextBox 3">
             <a:extLst>
               <a:ext uri="{FF2B5EF4-FFF2-40B4-BE49-F238E27FC236}">
-                <a16:creationId xmlns:a16="http://schemas.microsoft.com/office/drawing/2014/main" id="{EC4E902F-2190-4EB4-9DF0-E3E15594178E}"/>
+                <a16:creationId xmlns:a16="http://schemas.microsoft.com/office/drawing/2014/main" id="{91096FD0-6C6D-49DC-8A63-3DC6E515AADD}"/>
               </a:ext>
             </a:extLst>
           </p:cNvPr>
@@ -52757,7 +54140,7 @@
         </p:nvSpPr>
         <p:spPr>
           <a:xfrm>
-            <a:off x="847520" y="3395905"/>
+            <a:off x="5155061" y="3620913"/>
             <a:ext cx="2029121" cy="369332"/>
           </a:xfrm>
           <a:prstGeom prst="rect">
@@ -52791,106 +54174,10 @@
           </a:p>
         </p:txBody>
       </p:sp>
-      <p:sp>
-        <p:nvSpPr>
-          <p:cNvPr id="6" name="TextBox 5">
-            <a:extLst>
-              <a:ext uri="{FF2B5EF4-FFF2-40B4-BE49-F238E27FC236}">
-                <a16:creationId xmlns:a16="http://schemas.microsoft.com/office/drawing/2014/main" id="{DFAF5A11-CFA2-4050-AFA6-B63B81CBFF46}"/>
-              </a:ext>
-            </a:extLst>
-          </p:cNvPr>
-          <p:cNvSpPr txBox="1"/>
-          <p:nvPr/>
-        </p:nvSpPr>
-        <p:spPr>
-          <a:xfrm>
-            <a:off x="5119202" y="3395905"/>
-            <a:ext cx="2029121" cy="369332"/>
-          </a:xfrm>
-          <a:prstGeom prst="rect">
-            <a:avLst/>
-          </a:prstGeom>
-          <a:noFill/>
-        </p:spPr>
-        <p:txBody>
-          <a:bodyPr wrap="square" rtlCol="0">
-            <a:spAutoFit/>
-          </a:bodyPr>
-          <a:lstStyle/>
-          <a:p>
-            <a:r>
-              <a:rPr lang="en-US" dirty="0">
-                <a:solidFill>
-                  <a:schemeClr val="tx1">
-                    <a:alpha val="20000"/>
-                  </a:schemeClr>
-                </a:solidFill>
-                <a:effectLst>
-                  <a:outerShdw blurRad="50800" dist="50800" dir="5400000" algn="ctr" rotWithShape="0">
-                    <a:srgbClr val="000000">
-                      <a:alpha val="0"/>
-                    </a:srgbClr>
-                  </a:outerShdw>
-                </a:effectLst>
-              </a:rPr>
-              <a:t>aegis4048.github.io</a:t>
-            </a:r>
-          </a:p>
-        </p:txBody>
-      </p:sp>
-      <p:sp>
-        <p:nvSpPr>
-          <p:cNvPr id="7" name="TextBox 6">
-            <a:extLst>
-              <a:ext uri="{FF2B5EF4-FFF2-40B4-BE49-F238E27FC236}">
-                <a16:creationId xmlns:a16="http://schemas.microsoft.com/office/drawing/2014/main" id="{C13BEF0F-371D-4040-9A01-68B1EEA4F3D7}"/>
-              </a:ext>
-            </a:extLst>
-          </p:cNvPr>
-          <p:cNvSpPr txBox="1"/>
-          <p:nvPr/>
-        </p:nvSpPr>
-        <p:spPr>
-          <a:xfrm>
-            <a:off x="9315359" y="3395905"/>
-            <a:ext cx="2029121" cy="369332"/>
-          </a:xfrm>
-          <a:prstGeom prst="rect">
-            <a:avLst/>
-          </a:prstGeom>
-          <a:noFill/>
-        </p:spPr>
-        <p:txBody>
-          <a:bodyPr wrap="square" rtlCol="0">
-            <a:spAutoFit/>
-          </a:bodyPr>
-          <a:lstStyle/>
-          <a:p>
-            <a:r>
-              <a:rPr lang="en-US" dirty="0">
-                <a:solidFill>
-                  <a:schemeClr val="tx1">
-                    <a:alpha val="20000"/>
-                  </a:schemeClr>
-                </a:solidFill>
-                <a:effectLst>
-                  <a:outerShdw blurRad="50800" dist="50800" dir="5400000" algn="ctr" rotWithShape="0">
-                    <a:srgbClr val="000000">
-                      <a:alpha val="0"/>
-                    </a:srgbClr>
-                  </a:outerShdw>
-                </a:effectLst>
-              </a:rPr>
-              <a:t>aegis4048.github.io</a:t>
-            </a:r>
-          </a:p>
-        </p:txBody>
-      </p:sp>
     </p:spTree>
     <p:extLst>
       <p:ext uri="{BB962C8B-B14F-4D97-AF65-F5344CB8AC3E}">
-        <p14:creationId xmlns:p14="http://schemas.microsoft.com/office/powerpoint/2010/main" val="4197040151"/>
+        <p14:creationId xmlns:p14="http://schemas.microsoft.com/office/powerpoint/2010/main" val="2502052677"/>
       </p:ext>
     </p:extLst>
   </p:cSld>

--- a/content/downloads/notebooks/spatial.pptx
+++ b/content/downloads/notebooks/spatial.pptx
@@ -5,48 +5,49 @@
     <p:sldMasterId id="2147483648" r:id="rId1"/>
   </p:sldMasterIdLst>
   <p:notesMasterIdLst>
-    <p:notesMasterId r:id="rId41"/>
+    <p:notesMasterId r:id="rId42"/>
   </p:notesMasterIdLst>
   <p:sldIdLst>
     <p:sldId id="259" r:id="rId2"/>
-    <p:sldId id="294" r:id="rId3"/>
-    <p:sldId id="293" r:id="rId4"/>
-    <p:sldId id="292" r:id="rId5"/>
-    <p:sldId id="276" r:id="rId6"/>
-    <p:sldId id="286" r:id="rId7"/>
-    <p:sldId id="285" r:id="rId8"/>
-    <p:sldId id="284" r:id="rId9"/>
-    <p:sldId id="288" r:id="rId10"/>
-    <p:sldId id="290" r:id="rId11"/>
-    <p:sldId id="291" r:id="rId12"/>
-    <p:sldId id="289" r:id="rId13"/>
-    <p:sldId id="287" r:id="rId14"/>
-    <p:sldId id="283" r:id="rId15"/>
-    <p:sldId id="282" r:id="rId16"/>
-    <p:sldId id="281" r:id="rId17"/>
-    <p:sldId id="273" r:id="rId18"/>
-    <p:sldId id="274" r:id="rId19"/>
-    <p:sldId id="280" r:id="rId20"/>
-    <p:sldId id="278" r:id="rId21"/>
-    <p:sldId id="275" r:id="rId22"/>
-    <p:sldId id="279" r:id="rId23"/>
-    <p:sldId id="277" r:id="rId24"/>
-    <p:sldId id="272" r:id="rId25"/>
-    <p:sldId id="269" r:id="rId26"/>
-    <p:sldId id="270" r:id="rId27"/>
-    <p:sldId id="271" r:id="rId28"/>
-    <p:sldId id="267" r:id="rId29"/>
-    <p:sldId id="268" r:id="rId30"/>
-    <p:sldId id="260" r:id="rId31"/>
-    <p:sldId id="261" r:id="rId32"/>
-    <p:sldId id="256" r:id="rId33"/>
-    <p:sldId id="257" r:id="rId34"/>
-    <p:sldId id="258" r:id="rId35"/>
-    <p:sldId id="262" r:id="rId36"/>
-    <p:sldId id="263" r:id="rId37"/>
-    <p:sldId id="265" r:id="rId38"/>
-    <p:sldId id="264" r:id="rId39"/>
-    <p:sldId id="266" r:id="rId40"/>
+    <p:sldId id="295" r:id="rId3"/>
+    <p:sldId id="294" r:id="rId4"/>
+    <p:sldId id="293" r:id="rId5"/>
+    <p:sldId id="292" r:id="rId6"/>
+    <p:sldId id="276" r:id="rId7"/>
+    <p:sldId id="286" r:id="rId8"/>
+    <p:sldId id="285" r:id="rId9"/>
+    <p:sldId id="284" r:id="rId10"/>
+    <p:sldId id="288" r:id="rId11"/>
+    <p:sldId id="290" r:id="rId12"/>
+    <p:sldId id="291" r:id="rId13"/>
+    <p:sldId id="289" r:id="rId14"/>
+    <p:sldId id="287" r:id="rId15"/>
+    <p:sldId id="283" r:id="rId16"/>
+    <p:sldId id="282" r:id="rId17"/>
+    <p:sldId id="281" r:id="rId18"/>
+    <p:sldId id="273" r:id="rId19"/>
+    <p:sldId id="274" r:id="rId20"/>
+    <p:sldId id="280" r:id="rId21"/>
+    <p:sldId id="278" r:id="rId22"/>
+    <p:sldId id="275" r:id="rId23"/>
+    <p:sldId id="279" r:id="rId24"/>
+    <p:sldId id="277" r:id="rId25"/>
+    <p:sldId id="272" r:id="rId26"/>
+    <p:sldId id="269" r:id="rId27"/>
+    <p:sldId id="270" r:id="rId28"/>
+    <p:sldId id="271" r:id="rId29"/>
+    <p:sldId id="267" r:id="rId30"/>
+    <p:sldId id="268" r:id="rId31"/>
+    <p:sldId id="260" r:id="rId32"/>
+    <p:sldId id="261" r:id="rId33"/>
+    <p:sldId id="256" r:id="rId34"/>
+    <p:sldId id="257" r:id="rId35"/>
+    <p:sldId id="258" r:id="rId36"/>
+    <p:sldId id="262" r:id="rId37"/>
+    <p:sldId id="263" r:id="rId38"/>
+    <p:sldId id="265" r:id="rId39"/>
+    <p:sldId id="264" r:id="rId40"/>
+    <p:sldId id="266" r:id="rId41"/>
   </p:sldIdLst>
   <p:sldSz cx="12192000" cy="6858000"/>
   <p:notesSz cx="6858000" cy="9144000"/>
@@ -235,7 +236,7 @@
           <a:p>
             <a:fld id="{9998EBF7-E37E-451A-80F7-AFA2845CD1FE}" type="datetimeFigureOut">
               <a:rPr lang="en-US" smtClean="0"/>
-              <a:t>5/23/2019</a:t>
+              <a:t>5/25/2019</a:t>
             </a:fld>
             <a:endParaRPr lang="en-US"/>
           </a:p>
@@ -567,7 +568,7 @@
           <a:p>
             <a:fld id="{4B30C246-FA32-4A68-BC2D-EA5A31DF2892}" type="slidenum">
               <a:rPr lang="en-US" smtClean="0"/>
-              <a:t>8</a:t>
+              <a:t>3</a:t>
             </a:fld>
             <a:endParaRPr lang="en-US"/>
           </a:p>
@@ -576,7 +577,7 @@
     </p:spTree>
     <p:extLst>
       <p:ext uri="{BB962C8B-B14F-4D97-AF65-F5344CB8AC3E}">
-        <p14:creationId xmlns:p14="http://schemas.microsoft.com/office/powerpoint/2010/main" val="3721584419"/>
+        <p14:creationId xmlns:p14="http://schemas.microsoft.com/office/powerpoint/2010/main" val="1667284571"/>
       </p:ext>
     </p:extLst>
   </p:cSld>
@@ -651,7 +652,7 @@
           <a:p>
             <a:fld id="{4B30C246-FA32-4A68-BC2D-EA5A31DF2892}" type="slidenum">
               <a:rPr lang="en-US" smtClean="0"/>
-              <a:t>18</a:t>
+              <a:t>9</a:t>
             </a:fld>
             <a:endParaRPr lang="en-US"/>
           </a:p>
@@ -660,7 +661,7 @@
     </p:spTree>
     <p:extLst>
       <p:ext uri="{BB962C8B-B14F-4D97-AF65-F5344CB8AC3E}">
-        <p14:creationId xmlns:p14="http://schemas.microsoft.com/office/powerpoint/2010/main" val="1325890584"/>
+        <p14:creationId xmlns:p14="http://schemas.microsoft.com/office/powerpoint/2010/main" val="3721584419"/>
       </p:ext>
     </p:extLst>
   </p:cSld>
@@ -735,7 +736,7 @@
           <a:p>
             <a:fld id="{4B30C246-FA32-4A68-BC2D-EA5A31DF2892}" type="slidenum">
               <a:rPr lang="en-US" smtClean="0"/>
-              <a:t>21</a:t>
+              <a:t>19</a:t>
             </a:fld>
             <a:endParaRPr lang="en-US"/>
           </a:p>
@@ -744,7 +745,7 @@
     </p:spTree>
     <p:extLst>
       <p:ext uri="{BB962C8B-B14F-4D97-AF65-F5344CB8AC3E}">
-        <p14:creationId xmlns:p14="http://schemas.microsoft.com/office/powerpoint/2010/main" val="39266184"/>
+        <p14:creationId xmlns:p14="http://schemas.microsoft.com/office/powerpoint/2010/main" val="1325890584"/>
       </p:ext>
     </p:extLst>
   </p:cSld>
@@ -819,7 +820,91 @@
           <a:p>
             <a:fld id="{4B30C246-FA32-4A68-BC2D-EA5A31DF2892}" type="slidenum">
               <a:rPr lang="en-US" smtClean="0"/>
-              <a:t>23</a:t>
+              <a:t>22</a:t>
+            </a:fld>
+            <a:endParaRPr lang="en-US"/>
+          </a:p>
+        </p:txBody>
+      </p:sp>
+    </p:spTree>
+    <p:extLst>
+      <p:ext uri="{BB962C8B-B14F-4D97-AF65-F5344CB8AC3E}">
+        <p14:creationId xmlns:p14="http://schemas.microsoft.com/office/powerpoint/2010/main" val="39266184"/>
+      </p:ext>
+    </p:extLst>
+  </p:cSld>
+  <p:clrMapOvr>
+    <a:masterClrMapping/>
+  </p:clrMapOvr>
+</p:notes>
+</file>
+
+<file path=ppt/notesSlides/notesSlide5.xml><?xml version="1.0" encoding="utf-8"?>
+<p:notes xmlns:a="http://schemas.openxmlformats.org/drawingml/2006/main" xmlns:r="http://schemas.openxmlformats.org/officeDocument/2006/relationships" xmlns:p="http://schemas.openxmlformats.org/presentationml/2006/main">
+  <p:cSld>
+    <p:spTree>
+      <p:nvGrpSpPr>
+        <p:cNvPr id="1" name=""/>
+        <p:cNvGrpSpPr/>
+        <p:nvPr/>
+      </p:nvGrpSpPr>
+      <p:grpSpPr>
+        <a:xfrm>
+          <a:off x="0" y="0"/>
+          <a:ext cx="0" cy="0"/>
+          <a:chOff x="0" y="0"/>
+          <a:chExt cx="0" cy="0"/>
+        </a:xfrm>
+      </p:grpSpPr>
+      <p:sp>
+        <p:nvSpPr>
+          <p:cNvPr id="2" name="Slide Image Placeholder 1"/>
+          <p:cNvSpPr>
+            <a:spLocks noGrp="1" noRot="1" noChangeAspect="1"/>
+          </p:cNvSpPr>
+          <p:nvPr>
+            <p:ph type="sldImg"/>
+          </p:nvPr>
+        </p:nvSpPr>
+        <p:spPr/>
+      </p:sp>
+      <p:sp>
+        <p:nvSpPr>
+          <p:cNvPr id="3" name="Notes Placeholder 2"/>
+          <p:cNvSpPr>
+            <a:spLocks noGrp="1"/>
+          </p:cNvSpPr>
+          <p:nvPr>
+            <p:ph type="body" idx="1"/>
+          </p:nvPr>
+        </p:nvSpPr>
+        <p:spPr/>
+        <p:txBody>
+          <a:bodyPr/>
+          <a:lstStyle/>
+          <a:p>
+            <a:endParaRPr lang="en-US" dirty="0"/>
+          </a:p>
+        </p:txBody>
+      </p:sp>
+      <p:sp>
+        <p:nvSpPr>
+          <p:cNvPr id="4" name="Slide Number Placeholder 3"/>
+          <p:cNvSpPr>
+            <a:spLocks noGrp="1"/>
+          </p:cNvSpPr>
+          <p:nvPr>
+            <p:ph type="sldNum" sz="quarter" idx="5"/>
+          </p:nvPr>
+        </p:nvSpPr>
+        <p:spPr/>
+        <p:txBody>
+          <a:bodyPr/>
+          <a:lstStyle/>
+          <a:p>
+            <a:fld id="{4B30C246-FA32-4A68-BC2D-EA5A31DF2892}" type="slidenum">
+              <a:rPr lang="en-US" smtClean="0"/>
+              <a:t>24</a:t>
             </a:fld>
             <a:endParaRPr lang="en-US"/>
           </a:p>
@@ -985,7 +1070,7 @@
           <a:p>
             <a:fld id="{ACE35D2E-2B05-4733-9312-EE9E9D5A91AC}" type="datetimeFigureOut">
               <a:rPr lang="en-US" smtClean="0"/>
-              <a:t>5/23/2019</a:t>
+              <a:t>5/25/2019</a:t>
             </a:fld>
             <a:endParaRPr lang="en-US"/>
           </a:p>
@@ -1183,7 +1268,7 @@
           <a:p>
             <a:fld id="{ACE35D2E-2B05-4733-9312-EE9E9D5A91AC}" type="datetimeFigureOut">
               <a:rPr lang="en-US" smtClean="0"/>
-              <a:t>5/23/2019</a:t>
+              <a:t>5/25/2019</a:t>
             </a:fld>
             <a:endParaRPr lang="en-US"/>
           </a:p>
@@ -1391,7 +1476,7 @@
           <a:p>
             <a:fld id="{ACE35D2E-2B05-4733-9312-EE9E9D5A91AC}" type="datetimeFigureOut">
               <a:rPr lang="en-US" smtClean="0"/>
-              <a:t>5/23/2019</a:t>
+              <a:t>5/25/2019</a:t>
             </a:fld>
             <a:endParaRPr lang="en-US"/>
           </a:p>
@@ -1589,7 +1674,7 @@
           <a:p>
             <a:fld id="{ACE35D2E-2B05-4733-9312-EE9E9D5A91AC}" type="datetimeFigureOut">
               <a:rPr lang="en-US" smtClean="0"/>
-              <a:t>5/23/2019</a:t>
+              <a:t>5/25/2019</a:t>
             </a:fld>
             <a:endParaRPr lang="en-US"/>
           </a:p>
@@ -1864,7 +1949,7 @@
           <a:p>
             <a:fld id="{ACE35D2E-2B05-4733-9312-EE9E9D5A91AC}" type="datetimeFigureOut">
               <a:rPr lang="en-US" smtClean="0"/>
-              <a:t>5/23/2019</a:t>
+              <a:t>5/25/2019</a:t>
             </a:fld>
             <a:endParaRPr lang="en-US"/>
           </a:p>
@@ -2129,7 +2214,7 @@
           <a:p>
             <a:fld id="{ACE35D2E-2B05-4733-9312-EE9E9D5A91AC}" type="datetimeFigureOut">
               <a:rPr lang="en-US" smtClean="0"/>
-              <a:t>5/23/2019</a:t>
+              <a:t>5/25/2019</a:t>
             </a:fld>
             <a:endParaRPr lang="en-US"/>
           </a:p>
@@ -2541,7 +2626,7 @@
           <a:p>
             <a:fld id="{ACE35D2E-2B05-4733-9312-EE9E9D5A91AC}" type="datetimeFigureOut">
               <a:rPr lang="en-US" smtClean="0"/>
-              <a:t>5/23/2019</a:t>
+              <a:t>5/25/2019</a:t>
             </a:fld>
             <a:endParaRPr lang="en-US"/>
           </a:p>
@@ -2682,7 +2767,7 @@
           <a:p>
             <a:fld id="{ACE35D2E-2B05-4733-9312-EE9E9D5A91AC}" type="datetimeFigureOut">
               <a:rPr lang="en-US" smtClean="0"/>
-              <a:t>5/23/2019</a:t>
+              <a:t>5/25/2019</a:t>
             </a:fld>
             <a:endParaRPr lang="en-US"/>
           </a:p>
@@ -2795,7 +2880,7 @@
           <a:p>
             <a:fld id="{ACE35D2E-2B05-4733-9312-EE9E9D5A91AC}" type="datetimeFigureOut">
               <a:rPr lang="en-US" smtClean="0"/>
-              <a:t>5/23/2019</a:t>
+              <a:t>5/25/2019</a:t>
             </a:fld>
             <a:endParaRPr lang="en-US"/>
           </a:p>
@@ -3106,7 +3191,7 @@
           <a:p>
             <a:fld id="{ACE35D2E-2B05-4733-9312-EE9E9D5A91AC}" type="datetimeFigureOut">
               <a:rPr lang="en-US" smtClean="0"/>
-              <a:t>5/23/2019</a:t>
+              <a:t>5/25/2019</a:t>
             </a:fld>
             <a:endParaRPr lang="en-US"/>
           </a:p>
@@ -3394,7 +3479,7 @@
           <a:p>
             <a:fld id="{ACE35D2E-2B05-4733-9312-EE9E9D5A91AC}" type="datetimeFigureOut">
               <a:rPr lang="en-US" smtClean="0"/>
-              <a:t>5/23/2019</a:t>
+              <a:t>5/25/2019</a:t>
             </a:fld>
             <a:endParaRPr lang="en-US"/>
           </a:p>
@@ -3635,7 +3720,7 @@
           <a:p>
             <a:fld id="{ACE35D2E-2B05-4733-9312-EE9E9D5A91AC}" type="datetimeFigureOut">
               <a:rPr lang="en-US" smtClean="0"/>
-              <a:t>5/23/2019</a:t>
+              <a:t>5/25/2019</a:t>
             </a:fld>
             <a:endParaRPr lang="en-US"/>
           </a:p>
@@ -8308,10 +8393,10 @@
       </p:sp>
       <p:pic>
         <p:nvPicPr>
-          <p:cNvPr id="3" name="Picture 2" descr="A screenshot of a cell phone&#10;&#10;Description automatically generated">
-            <a:extLst>
-              <a:ext uri="{FF2B5EF4-FFF2-40B4-BE49-F238E27FC236}">
-                <a16:creationId xmlns:a16="http://schemas.microsoft.com/office/drawing/2014/main" id="{F19C1F8E-9A1C-4DF7-8136-E4BFCC90D5C4}"/>
+          <p:cNvPr id="3" name="Picture 2">
+            <a:extLst>
+              <a:ext uri="{FF2B5EF4-FFF2-40B4-BE49-F238E27FC236}">
+                <a16:creationId xmlns:a16="http://schemas.microsoft.com/office/drawing/2014/main" id="{EAFE1ADA-4903-4507-9027-E2BBD3BE5B7B}"/>
               </a:ext>
             </a:extLst>
           </p:cNvPr>
@@ -8321,21 +8406,15 @@
           <p:nvPr/>
         </p:nvPicPr>
         <p:blipFill>
-          <a:blip r:embed="rId2">
-            <a:extLst>
-              <a:ext uri="{28A0092B-C50C-407E-A947-70E740481C1C}">
-                <a14:useLocalDpi xmlns:a14="http://schemas.microsoft.com/office/drawing/2010/main" val="0"/>
-              </a:ext>
-            </a:extLst>
-          </a:blip>
+          <a:blip r:embed="rId2"/>
           <a:stretch>
             <a:fillRect/>
           </a:stretch>
         </p:blipFill>
         <p:spPr>
           <a:xfrm>
-            <a:off x="417237" y="2310041"/>
-            <a:ext cx="11054139" cy="2541061"/>
+            <a:off x="2787015" y="2163252"/>
+            <a:ext cx="6617970" cy="2834640"/>
           </a:xfrm>
           <a:prstGeom prst="rect">
             <a:avLst/>
@@ -8347,7 +8426,7 @@
           <p:cNvPr id="4" name="TextBox 3">
             <a:extLst>
               <a:ext uri="{FF2B5EF4-FFF2-40B4-BE49-F238E27FC236}">
-                <a16:creationId xmlns:a16="http://schemas.microsoft.com/office/drawing/2014/main" id="{E1399587-B75B-4CF2-BF7D-B4F28BFEBECC}"/>
+                <a16:creationId xmlns:a16="http://schemas.microsoft.com/office/drawing/2014/main" id="{91096FD0-6C6D-49DC-8A63-3DC6E515AADD}"/>
               </a:ext>
             </a:extLst>
           </p:cNvPr>
@@ -8356,7 +8435,7 @@
         </p:nvSpPr>
         <p:spPr>
           <a:xfrm>
-            <a:off x="847520" y="3395905"/>
+            <a:off x="5155061" y="3620913"/>
             <a:ext cx="2029121" cy="369332"/>
           </a:xfrm>
           <a:prstGeom prst="rect">
@@ -8390,106 +8469,10 @@
           </a:p>
         </p:txBody>
       </p:sp>
-      <p:sp>
-        <p:nvSpPr>
-          <p:cNvPr id="6" name="TextBox 5">
-            <a:extLst>
-              <a:ext uri="{FF2B5EF4-FFF2-40B4-BE49-F238E27FC236}">
-                <a16:creationId xmlns:a16="http://schemas.microsoft.com/office/drawing/2014/main" id="{BEB24AA5-EBD6-4E4A-94BC-2F72D8BD9C68}"/>
-              </a:ext>
-            </a:extLst>
-          </p:cNvPr>
-          <p:cNvSpPr txBox="1"/>
-          <p:nvPr/>
-        </p:nvSpPr>
-        <p:spPr>
-          <a:xfrm>
-            <a:off x="5081439" y="3395905"/>
-            <a:ext cx="2029121" cy="369332"/>
-          </a:xfrm>
-          <a:prstGeom prst="rect">
-            <a:avLst/>
-          </a:prstGeom>
-          <a:noFill/>
-        </p:spPr>
-        <p:txBody>
-          <a:bodyPr wrap="square" rtlCol="0">
-            <a:spAutoFit/>
-          </a:bodyPr>
-          <a:lstStyle/>
-          <a:p>
-            <a:r>
-              <a:rPr lang="en-US" dirty="0">
-                <a:solidFill>
-                  <a:schemeClr val="tx1">
-                    <a:alpha val="20000"/>
-                  </a:schemeClr>
-                </a:solidFill>
-                <a:effectLst>
-                  <a:outerShdw blurRad="50800" dist="50800" dir="5400000" algn="ctr" rotWithShape="0">
-                    <a:srgbClr val="000000">
-                      <a:alpha val="0"/>
-                    </a:srgbClr>
-                  </a:outerShdw>
-                </a:effectLst>
-              </a:rPr>
-              <a:t>aegis4048.github.io</a:t>
-            </a:r>
-          </a:p>
-        </p:txBody>
-      </p:sp>
-      <p:sp>
-        <p:nvSpPr>
-          <p:cNvPr id="7" name="TextBox 6">
-            <a:extLst>
-              <a:ext uri="{FF2B5EF4-FFF2-40B4-BE49-F238E27FC236}">
-                <a16:creationId xmlns:a16="http://schemas.microsoft.com/office/drawing/2014/main" id="{622296BA-DBD5-4EAE-8F31-2C679CCA751D}"/>
-              </a:ext>
-            </a:extLst>
-          </p:cNvPr>
-          <p:cNvSpPr txBox="1"/>
-          <p:nvPr/>
-        </p:nvSpPr>
-        <p:spPr>
-          <a:xfrm>
-            <a:off x="9315359" y="3395905"/>
-            <a:ext cx="2029121" cy="369332"/>
-          </a:xfrm>
-          <a:prstGeom prst="rect">
-            <a:avLst/>
-          </a:prstGeom>
-          <a:noFill/>
-        </p:spPr>
-        <p:txBody>
-          <a:bodyPr wrap="square" rtlCol="0">
-            <a:spAutoFit/>
-          </a:bodyPr>
-          <a:lstStyle/>
-          <a:p>
-            <a:r>
-              <a:rPr lang="en-US" dirty="0">
-                <a:solidFill>
-                  <a:schemeClr val="tx1">
-                    <a:alpha val="20000"/>
-                  </a:schemeClr>
-                </a:solidFill>
-                <a:effectLst>
-                  <a:outerShdw blurRad="50800" dist="50800" dir="5400000" algn="ctr" rotWithShape="0">
-                    <a:srgbClr val="000000">
-                      <a:alpha val="0"/>
-                    </a:srgbClr>
-                  </a:outerShdw>
-                </a:effectLst>
-              </a:rPr>
-              <a:t>aegis4048.github.io</a:t>
-            </a:r>
-          </a:p>
-        </p:txBody>
-      </p:sp>
     </p:spTree>
     <p:extLst>
       <p:ext uri="{BB962C8B-B14F-4D97-AF65-F5344CB8AC3E}">
-        <p14:creationId xmlns:p14="http://schemas.microsoft.com/office/powerpoint/2010/main" val="1182496359"/>
+        <p14:creationId xmlns:p14="http://schemas.microsoft.com/office/powerpoint/2010/main" val="2502052677"/>
       </p:ext>
     </p:extLst>
   </p:cSld>
@@ -8565,10 +8548,10 @@
       </p:sp>
       <p:pic>
         <p:nvPicPr>
-          <p:cNvPr id="3" name="Picture 2">
-            <a:extLst>
-              <a:ext uri="{FF2B5EF4-FFF2-40B4-BE49-F238E27FC236}">
-                <a16:creationId xmlns:a16="http://schemas.microsoft.com/office/drawing/2014/main" id="{A07363CE-289C-4213-A276-D2A28C4B3226}"/>
+          <p:cNvPr id="3" name="Picture 2" descr="A screenshot of a cell phone&#10;&#10;Description automatically generated">
+            <a:extLst>
+              <a:ext uri="{FF2B5EF4-FFF2-40B4-BE49-F238E27FC236}">
+                <a16:creationId xmlns:a16="http://schemas.microsoft.com/office/drawing/2014/main" id="{F19C1F8E-9A1C-4DF7-8136-E4BFCC90D5C4}"/>
               </a:ext>
             </a:extLst>
           </p:cNvPr>
@@ -8591,8 +8574,8 @@
         </p:blipFill>
         <p:spPr>
           <a:xfrm>
-            <a:off x="415126" y="2309556"/>
-            <a:ext cx="11058362" cy="2542032"/>
+            <a:off x="417237" y="2310041"/>
+            <a:ext cx="11054139" cy="2541061"/>
           </a:xfrm>
           <a:prstGeom prst="rect">
             <a:avLst/>
@@ -8604,7 +8587,7 @@
           <p:cNvPr id="4" name="TextBox 3">
             <a:extLst>
               <a:ext uri="{FF2B5EF4-FFF2-40B4-BE49-F238E27FC236}">
-                <a16:creationId xmlns:a16="http://schemas.microsoft.com/office/drawing/2014/main" id="{EC4E902F-2190-4EB4-9DF0-E3E15594178E}"/>
+                <a16:creationId xmlns:a16="http://schemas.microsoft.com/office/drawing/2014/main" id="{E1399587-B75B-4CF2-BF7D-B4F28BFEBECC}"/>
               </a:ext>
             </a:extLst>
           </p:cNvPr>
@@ -8652,7 +8635,7 @@
           <p:cNvPr id="6" name="TextBox 5">
             <a:extLst>
               <a:ext uri="{FF2B5EF4-FFF2-40B4-BE49-F238E27FC236}">
-                <a16:creationId xmlns:a16="http://schemas.microsoft.com/office/drawing/2014/main" id="{DFAF5A11-CFA2-4050-AFA6-B63B81CBFF46}"/>
+                <a16:creationId xmlns:a16="http://schemas.microsoft.com/office/drawing/2014/main" id="{BEB24AA5-EBD6-4E4A-94BC-2F72D8BD9C68}"/>
               </a:ext>
             </a:extLst>
           </p:cNvPr>
@@ -8661,7 +8644,7 @@
         </p:nvSpPr>
         <p:spPr>
           <a:xfrm>
-            <a:off x="5119202" y="3395905"/>
+            <a:off x="5081439" y="3395905"/>
             <a:ext cx="2029121" cy="369332"/>
           </a:xfrm>
           <a:prstGeom prst="rect">
@@ -8700,7 +8683,7 @@
           <p:cNvPr id="7" name="TextBox 6">
             <a:extLst>
               <a:ext uri="{FF2B5EF4-FFF2-40B4-BE49-F238E27FC236}">
-                <a16:creationId xmlns:a16="http://schemas.microsoft.com/office/drawing/2014/main" id="{C13BEF0F-371D-4040-9A01-68B1EEA4F3D7}"/>
+                <a16:creationId xmlns:a16="http://schemas.microsoft.com/office/drawing/2014/main" id="{622296BA-DBD5-4EAE-8F31-2C679CCA751D}"/>
               </a:ext>
             </a:extLst>
           </p:cNvPr>
@@ -8746,7 +8729,7 @@
     </p:spTree>
     <p:extLst>
       <p:ext uri="{BB962C8B-B14F-4D97-AF65-F5344CB8AC3E}">
-        <p14:creationId xmlns:p14="http://schemas.microsoft.com/office/powerpoint/2010/main" val="4197040151"/>
+        <p14:creationId xmlns:p14="http://schemas.microsoft.com/office/powerpoint/2010/main" val="1182496359"/>
       </p:ext>
     </p:extLst>
   </p:cSld>
@@ -8775,6 +8758,263 @@
       </p:grpSpPr>
       <p:sp>
         <p:nvSpPr>
+          <p:cNvPr id="5" name="Rectangle 4">
+            <a:extLst>
+              <a:ext uri="{FF2B5EF4-FFF2-40B4-BE49-F238E27FC236}">
+                <a16:creationId xmlns:a16="http://schemas.microsoft.com/office/drawing/2014/main" id="{544C5752-F07C-4D42-AFE9-7AC8CCDE8AF7}"/>
+              </a:ext>
+            </a:extLst>
+          </p:cNvPr>
+          <p:cNvSpPr/>
+          <p:nvPr/>
+        </p:nvSpPr>
+        <p:spPr>
+          <a:xfrm>
+            <a:off x="253828" y="1855720"/>
+            <a:ext cx="11380959" cy="3449705"/>
+          </a:xfrm>
+          <a:prstGeom prst="rect">
+            <a:avLst/>
+          </a:prstGeom>
+          <a:noFill/>
+        </p:spPr>
+        <p:style>
+          <a:lnRef idx="2">
+            <a:schemeClr val="accent1">
+              <a:shade val="50000"/>
+            </a:schemeClr>
+          </a:lnRef>
+          <a:fillRef idx="1">
+            <a:schemeClr val="accent1"/>
+          </a:fillRef>
+          <a:effectRef idx="0">
+            <a:schemeClr val="accent1"/>
+          </a:effectRef>
+          <a:fontRef idx="minor">
+            <a:schemeClr val="lt1"/>
+          </a:fontRef>
+        </p:style>
+        <p:txBody>
+          <a:bodyPr rtlCol="0" anchor="ctr"/>
+          <a:lstStyle/>
+          <a:p>
+            <a:pPr algn="ctr"/>
+            <a:endParaRPr lang="en-US"/>
+          </a:p>
+        </p:txBody>
+      </p:sp>
+      <p:pic>
+        <p:nvPicPr>
+          <p:cNvPr id="3" name="Picture 2">
+            <a:extLst>
+              <a:ext uri="{FF2B5EF4-FFF2-40B4-BE49-F238E27FC236}">
+                <a16:creationId xmlns:a16="http://schemas.microsoft.com/office/drawing/2014/main" id="{A07363CE-289C-4213-A276-D2A28C4B3226}"/>
+              </a:ext>
+            </a:extLst>
+          </p:cNvPr>
+          <p:cNvPicPr>
+            <a:picLocks noChangeAspect="1"/>
+          </p:cNvPicPr>
+          <p:nvPr/>
+        </p:nvPicPr>
+        <p:blipFill>
+          <a:blip r:embed="rId2">
+            <a:extLst>
+              <a:ext uri="{28A0092B-C50C-407E-A947-70E740481C1C}">
+                <a14:useLocalDpi xmlns:a14="http://schemas.microsoft.com/office/drawing/2010/main" val="0"/>
+              </a:ext>
+            </a:extLst>
+          </a:blip>
+          <a:stretch>
+            <a:fillRect/>
+          </a:stretch>
+        </p:blipFill>
+        <p:spPr>
+          <a:xfrm>
+            <a:off x="415126" y="2309556"/>
+            <a:ext cx="11058362" cy="2542032"/>
+          </a:xfrm>
+          <a:prstGeom prst="rect">
+            <a:avLst/>
+          </a:prstGeom>
+        </p:spPr>
+      </p:pic>
+      <p:sp>
+        <p:nvSpPr>
+          <p:cNvPr id="4" name="TextBox 3">
+            <a:extLst>
+              <a:ext uri="{FF2B5EF4-FFF2-40B4-BE49-F238E27FC236}">
+                <a16:creationId xmlns:a16="http://schemas.microsoft.com/office/drawing/2014/main" id="{EC4E902F-2190-4EB4-9DF0-E3E15594178E}"/>
+              </a:ext>
+            </a:extLst>
+          </p:cNvPr>
+          <p:cNvSpPr txBox="1"/>
+          <p:nvPr/>
+        </p:nvSpPr>
+        <p:spPr>
+          <a:xfrm>
+            <a:off x="847520" y="3395905"/>
+            <a:ext cx="2029121" cy="369332"/>
+          </a:xfrm>
+          <a:prstGeom prst="rect">
+            <a:avLst/>
+          </a:prstGeom>
+          <a:noFill/>
+        </p:spPr>
+        <p:txBody>
+          <a:bodyPr wrap="square" rtlCol="0">
+            <a:spAutoFit/>
+          </a:bodyPr>
+          <a:lstStyle/>
+          <a:p>
+            <a:r>
+              <a:rPr lang="en-US" dirty="0">
+                <a:solidFill>
+                  <a:schemeClr val="tx1">
+                    <a:alpha val="20000"/>
+                  </a:schemeClr>
+                </a:solidFill>
+                <a:effectLst>
+                  <a:outerShdw blurRad="50800" dist="50800" dir="5400000" algn="ctr" rotWithShape="0">
+                    <a:srgbClr val="000000">
+                      <a:alpha val="0"/>
+                    </a:srgbClr>
+                  </a:outerShdw>
+                </a:effectLst>
+              </a:rPr>
+              <a:t>aegis4048.github.io</a:t>
+            </a:r>
+          </a:p>
+        </p:txBody>
+      </p:sp>
+      <p:sp>
+        <p:nvSpPr>
+          <p:cNvPr id="6" name="TextBox 5">
+            <a:extLst>
+              <a:ext uri="{FF2B5EF4-FFF2-40B4-BE49-F238E27FC236}">
+                <a16:creationId xmlns:a16="http://schemas.microsoft.com/office/drawing/2014/main" id="{DFAF5A11-CFA2-4050-AFA6-B63B81CBFF46}"/>
+              </a:ext>
+            </a:extLst>
+          </p:cNvPr>
+          <p:cNvSpPr txBox="1"/>
+          <p:nvPr/>
+        </p:nvSpPr>
+        <p:spPr>
+          <a:xfrm>
+            <a:off x="5119202" y="3395905"/>
+            <a:ext cx="2029121" cy="369332"/>
+          </a:xfrm>
+          <a:prstGeom prst="rect">
+            <a:avLst/>
+          </a:prstGeom>
+          <a:noFill/>
+        </p:spPr>
+        <p:txBody>
+          <a:bodyPr wrap="square" rtlCol="0">
+            <a:spAutoFit/>
+          </a:bodyPr>
+          <a:lstStyle/>
+          <a:p>
+            <a:r>
+              <a:rPr lang="en-US" dirty="0">
+                <a:solidFill>
+                  <a:schemeClr val="tx1">
+                    <a:alpha val="20000"/>
+                  </a:schemeClr>
+                </a:solidFill>
+                <a:effectLst>
+                  <a:outerShdw blurRad="50800" dist="50800" dir="5400000" algn="ctr" rotWithShape="0">
+                    <a:srgbClr val="000000">
+                      <a:alpha val="0"/>
+                    </a:srgbClr>
+                  </a:outerShdw>
+                </a:effectLst>
+              </a:rPr>
+              <a:t>aegis4048.github.io</a:t>
+            </a:r>
+          </a:p>
+        </p:txBody>
+      </p:sp>
+      <p:sp>
+        <p:nvSpPr>
+          <p:cNvPr id="7" name="TextBox 6">
+            <a:extLst>
+              <a:ext uri="{FF2B5EF4-FFF2-40B4-BE49-F238E27FC236}">
+                <a16:creationId xmlns:a16="http://schemas.microsoft.com/office/drawing/2014/main" id="{C13BEF0F-371D-4040-9A01-68B1EEA4F3D7}"/>
+              </a:ext>
+            </a:extLst>
+          </p:cNvPr>
+          <p:cNvSpPr txBox="1"/>
+          <p:nvPr/>
+        </p:nvSpPr>
+        <p:spPr>
+          <a:xfrm>
+            <a:off x="9315359" y="3395905"/>
+            <a:ext cx="2029121" cy="369332"/>
+          </a:xfrm>
+          <a:prstGeom prst="rect">
+            <a:avLst/>
+          </a:prstGeom>
+          <a:noFill/>
+        </p:spPr>
+        <p:txBody>
+          <a:bodyPr wrap="square" rtlCol="0">
+            <a:spAutoFit/>
+          </a:bodyPr>
+          <a:lstStyle/>
+          <a:p>
+            <a:r>
+              <a:rPr lang="en-US" dirty="0">
+                <a:solidFill>
+                  <a:schemeClr val="tx1">
+                    <a:alpha val="20000"/>
+                  </a:schemeClr>
+                </a:solidFill>
+                <a:effectLst>
+                  <a:outerShdw blurRad="50800" dist="50800" dir="5400000" algn="ctr" rotWithShape="0">
+                    <a:srgbClr val="000000">
+                      <a:alpha val="0"/>
+                    </a:srgbClr>
+                  </a:outerShdw>
+                </a:effectLst>
+              </a:rPr>
+              <a:t>aegis4048.github.io</a:t>
+            </a:r>
+          </a:p>
+        </p:txBody>
+      </p:sp>
+    </p:spTree>
+    <p:extLst>
+      <p:ext uri="{BB962C8B-B14F-4D97-AF65-F5344CB8AC3E}">
+        <p14:creationId xmlns:p14="http://schemas.microsoft.com/office/powerpoint/2010/main" val="4197040151"/>
+      </p:ext>
+    </p:extLst>
+  </p:cSld>
+  <p:clrMapOvr>
+    <a:masterClrMapping/>
+  </p:clrMapOvr>
+</p:sld>
+</file>
+
+<file path=ppt/slides/slide13.xml><?xml version="1.0" encoding="utf-8"?>
+<p:sld xmlns:a="http://schemas.openxmlformats.org/drawingml/2006/main" xmlns:r="http://schemas.openxmlformats.org/officeDocument/2006/relationships" xmlns:p="http://schemas.openxmlformats.org/presentationml/2006/main">
+  <p:cSld>
+    <p:spTree>
+      <p:nvGrpSpPr>
+        <p:cNvPr id="1" name=""/>
+        <p:cNvGrpSpPr/>
+        <p:nvPr/>
+      </p:nvGrpSpPr>
+      <p:grpSpPr>
+        <a:xfrm>
+          <a:off x="0" y="0"/>
+          <a:ext cx="0" cy="0"/>
+          <a:chOff x="0" y="0"/>
+          <a:chExt cx="0" cy="0"/>
+        </a:xfrm>
+      </p:grpSpPr>
+      <p:sp>
+        <p:nvSpPr>
           <p:cNvPr id="2" name="Title 1">
             <a:extLst>
               <a:ext uri="{FF2B5EF4-FFF2-40B4-BE49-F238E27FC236}">
@@ -8836,7 +9076,7 @@
 </p:sld>
 </file>
 
-<file path=ppt/slides/slide13.xml><?xml version="1.0" encoding="utf-8"?>
+<file path=ppt/slides/slide14.xml><?xml version="1.0" encoding="utf-8"?>
 <p:sld xmlns:a="http://schemas.openxmlformats.org/drawingml/2006/main" xmlns:r="http://schemas.openxmlformats.org/officeDocument/2006/relationships" xmlns:p="http://schemas.openxmlformats.org/presentationml/2006/main">
   <p:cSld>
     <p:spTree>
@@ -8866,7 +9106,7 @@
 </p:sld>
 </file>
 
-<file path=ppt/slides/slide14.xml><?xml version="1.0" encoding="utf-8"?>
+<file path=ppt/slides/slide15.xml><?xml version="1.0" encoding="utf-8"?>
 <p:sld xmlns:a="http://schemas.openxmlformats.org/drawingml/2006/main" xmlns:r="http://schemas.openxmlformats.org/officeDocument/2006/relationships" xmlns:p="http://schemas.openxmlformats.org/presentationml/2006/main">
   <p:cSld>
     <p:spTree>
@@ -10319,7 +10559,7 @@
 </p:sld>
 </file>
 
-<file path=ppt/slides/slide15.xml><?xml version="1.0" encoding="utf-8"?>
+<file path=ppt/slides/slide16.xml><?xml version="1.0" encoding="utf-8"?>
 <p:sld xmlns:a="http://schemas.openxmlformats.org/drawingml/2006/main" xmlns:r="http://schemas.openxmlformats.org/officeDocument/2006/relationships" xmlns:p="http://schemas.openxmlformats.org/presentationml/2006/main">
   <p:cSld>
     <p:spTree>
@@ -12328,7 +12568,7 @@
           <p:nvPr/>
         </p:nvPicPr>
         <p:blipFill>
-          <a:blip r:embed="rId7"/>
+          <a:blip r:embed="rId9"/>
           <a:stretch>
             <a:fillRect/>
           </a:stretch>
@@ -12358,7 +12598,7 @@
           <p:nvPr/>
         </p:nvPicPr>
         <p:blipFill>
-          <a:blip r:embed="rId7"/>
+          <a:blip r:embed="rId9"/>
           <a:stretch>
             <a:fillRect/>
           </a:stretch>
@@ -12388,7 +12628,7 @@
           <p:nvPr/>
         </p:nvPicPr>
         <p:blipFill>
-          <a:blip r:embed="rId7"/>
+          <a:blip r:embed="rId9"/>
           <a:stretch>
             <a:fillRect/>
           </a:stretch>
@@ -12418,7 +12658,7 @@
           <p:nvPr/>
         </p:nvPicPr>
         <p:blipFill>
-          <a:blip r:embed="rId7"/>
+          <a:blip r:embed="rId9"/>
           <a:stretch>
             <a:fillRect/>
           </a:stretch>
@@ -12448,7 +12688,7 @@
           <p:nvPr/>
         </p:nvPicPr>
         <p:blipFill>
-          <a:blip r:embed="rId7"/>
+          <a:blip r:embed="rId9"/>
           <a:stretch>
             <a:fillRect/>
           </a:stretch>
@@ -12548,7 +12788,7 @@
           <p:nvPr/>
         </p:nvPicPr>
         <p:blipFill>
-          <a:blip r:embed="rId7"/>
+          <a:blip r:embed="rId9"/>
           <a:stretch>
             <a:fillRect/>
           </a:stretch>
@@ -12624,7 +12864,7 @@
 </p:sld>
 </file>
 
-<file path=ppt/slides/slide16.xml><?xml version="1.0" encoding="utf-8"?>
+<file path=ppt/slides/slide17.xml><?xml version="1.0" encoding="utf-8"?>
 <p:sld xmlns:a="http://schemas.openxmlformats.org/drawingml/2006/main" xmlns:r="http://schemas.openxmlformats.org/officeDocument/2006/relationships" xmlns:p="http://schemas.openxmlformats.org/presentationml/2006/main">
   <p:cSld>
     <p:spTree>
@@ -13695,7 +13935,7 @@
 </p:sld>
 </file>
 
-<file path=ppt/slides/slide17.xml><?xml version="1.0" encoding="utf-8"?>
+<file path=ppt/slides/slide18.xml><?xml version="1.0" encoding="utf-8"?>
 <p:sld xmlns:a="http://schemas.openxmlformats.org/drawingml/2006/main" xmlns:r="http://schemas.openxmlformats.org/officeDocument/2006/relationships" xmlns:p="http://schemas.openxmlformats.org/presentationml/2006/main">
   <p:cSld>
     <p:spTree>
@@ -14575,7 +14815,7 @@
 </p:sld>
 </file>
 
-<file path=ppt/slides/slide18.xml><?xml version="1.0" encoding="utf-8"?>
+<file path=ppt/slides/slide19.xml><?xml version="1.0" encoding="utf-8"?>
 <p:sld xmlns:a="http://schemas.openxmlformats.org/drawingml/2006/main" xmlns:r="http://schemas.openxmlformats.org/officeDocument/2006/relationships" xmlns:p="http://schemas.openxmlformats.org/presentationml/2006/main">
   <p:cSld>
     <p:spTree>
@@ -15382,7 +15622,2682 @@
 </p:sld>
 </file>
 
-<file path=ppt/slides/slide19.xml><?xml version="1.0" encoding="utf-8"?>
+<file path=ppt/slides/slide2.xml><?xml version="1.0" encoding="utf-8"?>
+<p:sld xmlns:a="http://schemas.openxmlformats.org/drawingml/2006/main" xmlns:r="http://schemas.openxmlformats.org/officeDocument/2006/relationships" xmlns:p="http://schemas.openxmlformats.org/presentationml/2006/main">
+  <p:cSld>
+    <p:spTree>
+      <p:nvGrpSpPr>
+        <p:cNvPr id="1" name=""/>
+        <p:cNvGrpSpPr/>
+        <p:nvPr/>
+      </p:nvGrpSpPr>
+      <p:grpSpPr>
+        <a:xfrm>
+          <a:off x="0" y="0"/>
+          <a:ext cx="0" cy="0"/>
+          <a:chOff x="0" y="0"/>
+          <a:chExt cx="0" cy="0"/>
+        </a:xfrm>
+      </p:grpSpPr>
+      <p:grpSp>
+        <p:nvGrpSpPr>
+          <p:cNvPr id="33" name="Group 32">
+            <a:extLst>
+              <a:ext uri="{FF2B5EF4-FFF2-40B4-BE49-F238E27FC236}">
+                <a16:creationId xmlns:a16="http://schemas.microsoft.com/office/drawing/2014/main" id="{E726805B-171D-4F25-BFC8-38A153196A11}"/>
+              </a:ext>
+            </a:extLst>
+          </p:cNvPr>
+          <p:cNvGrpSpPr/>
+          <p:nvPr/>
+        </p:nvGrpSpPr>
+        <p:grpSpPr>
+          <a:xfrm>
+            <a:off x="1839191" y="2425345"/>
+            <a:ext cx="9887554" cy="2321859"/>
+            <a:chOff x="512809" y="2380128"/>
+            <a:chExt cx="9887554" cy="2321859"/>
+          </a:xfrm>
+        </p:grpSpPr>
+        <p:sp>
+          <p:nvSpPr>
+            <p:cNvPr id="5" name="Rectangle 4">
+              <a:extLst>
+                <a:ext uri="{FF2B5EF4-FFF2-40B4-BE49-F238E27FC236}">
+                  <a16:creationId xmlns:a16="http://schemas.microsoft.com/office/drawing/2014/main" id="{93D433DE-FAB6-47DF-8778-43BC74E03FD4}"/>
+                </a:ext>
+              </a:extLst>
+            </p:cNvPr>
+            <p:cNvSpPr/>
+            <p:nvPr/>
+          </p:nvSpPr>
+          <p:spPr>
+            <a:xfrm>
+              <a:off x="512809" y="2664281"/>
+              <a:ext cx="2886322" cy="299501"/>
+            </a:xfrm>
+            <a:prstGeom prst="rect">
+              <a:avLst/>
+            </a:prstGeom>
+            <a:solidFill>
+              <a:schemeClr val="accent2"/>
+            </a:solidFill>
+            <a:ln>
+              <a:noFill/>
+            </a:ln>
+          </p:spPr>
+          <p:style>
+            <a:lnRef idx="2">
+              <a:schemeClr val="accent1">
+                <a:shade val="50000"/>
+              </a:schemeClr>
+            </a:lnRef>
+            <a:fillRef idx="1">
+              <a:schemeClr val="accent1"/>
+            </a:fillRef>
+            <a:effectRef idx="0">
+              <a:schemeClr val="accent1"/>
+            </a:effectRef>
+            <a:fontRef idx="minor">
+              <a:schemeClr val="lt1"/>
+            </a:fontRef>
+          </p:style>
+          <p:txBody>
+            <a:bodyPr rtlCol="0" anchor="ctr"/>
+            <a:lstStyle/>
+            <a:p>
+              <a:pPr algn="ctr"/>
+              <a:endParaRPr lang="en-US" dirty="0">
+                <a:solidFill>
+                  <a:schemeClr val="accent2"/>
+                </a:solidFill>
+              </a:endParaRPr>
+            </a:p>
+          </p:txBody>
+        </p:sp>
+        <mc:AlternateContent xmlns:mc="http://schemas.openxmlformats.org/markup-compatibility/2006" xmlns:a14="http://schemas.microsoft.com/office/drawing/2010/main">
+          <mc:Choice Requires="a14">
+            <p:sp>
+              <p:nvSpPr>
+                <p:cNvPr id="11" name="Double Bracket 10">
+                  <a:extLst>
+                    <a:ext uri="{FF2B5EF4-FFF2-40B4-BE49-F238E27FC236}">
+                      <a16:creationId xmlns:a16="http://schemas.microsoft.com/office/drawing/2014/main" id="{A5D0596E-AF6F-40B6-B68B-96BA5D71955A}"/>
+                    </a:ext>
+                  </a:extLst>
+                </p:cNvPr>
+                <p:cNvSpPr/>
+                <p:nvPr/>
+              </p:nvSpPr>
+              <p:spPr>
+                <a:xfrm>
+                  <a:off x="512809" y="2380128"/>
+                  <a:ext cx="2886322" cy="2321859"/>
+                </a:xfrm>
+                <a:prstGeom prst="bracketPair">
+                  <a:avLst/>
+                </a:prstGeom>
+                <a:ln w="28575"/>
+              </p:spPr>
+              <p:style>
+                <a:lnRef idx="1">
+                  <a:schemeClr val="accent1"/>
+                </a:lnRef>
+                <a:fillRef idx="0">
+                  <a:schemeClr val="accent1"/>
+                </a:fillRef>
+                <a:effectRef idx="0">
+                  <a:schemeClr val="accent1"/>
+                </a:effectRef>
+                <a:fontRef idx="minor">
+                  <a:schemeClr val="tx1"/>
+                </a:fontRef>
+              </p:style>
+              <p:txBody>
+                <a:bodyPr rtlCol="0" anchor="ctr"/>
+                <a:lstStyle/>
+                <a:p>
+                  <a:pPr algn="ctr"/>
+                  <a14:m>
+                    <m:oMathPara xmlns:m="http://schemas.openxmlformats.org/officeDocument/2006/math">
+                      <m:oMathParaPr>
+                        <m:jc m:val="left"/>
+                      </m:oMathParaPr>
+                      <m:oMath xmlns:m="http://schemas.openxmlformats.org/officeDocument/2006/math">
+                        <m:r>
+                          <a:rPr lang="en-US" b="0" i="1" smtClean="0">
+                            <a:latin typeface="Cambria Math" panose="02040503050406030204" pitchFamily="18" charset="0"/>
+                          </a:rPr>
+                          <m:t> </m:t>
+                        </m:r>
+                        <m:r>
+                          <a:rPr lang="en-US" b="0" i="1" smtClean="0">
+                            <a:latin typeface="Cambria Math" panose="02040503050406030204" pitchFamily="18" charset="0"/>
+                          </a:rPr>
+                          <m:t>𝑝</m:t>
+                        </m:r>
+                        <m:r>
+                          <a:rPr lang="en-US" b="0" i="1" smtClean="0">
+                            <a:latin typeface="Cambria Math" panose="02040503050406030204" pitchFamily="18" charset="0"/>
+                          </a:rPr>
+                          <m:t>(</m:t>
+                        </m:r>
+                        <m:r>
+                          <a:rPr lang="en-US" b="0" i="1" smtClean="0">
+                            <a:latin typeface="Cambria Math" panose="02040503050406030204" pitchFamily="18" charset="0"/>
+                          </a:rPr>
+                          <m:t>𝐷</m:t>
+                        </m:r>
+                        <m:r>
+                          <a:rPr lang="en-US" b="0" i="1" smtClean="0">
+                            <a:latin typeface="Cambria Math" panose="02040503050406030204" pitchFamily="18" charset="0"/>
+                          </a:rPr>
+                          <m:t>=1|</m:t>
+                        </m:r>
+                        <m:sSub>
+                          <m:sSubPr>
+                            <m:ctrlPr>
+                              <a:rPr lang="en-US" b="0" i="1" smtClean="0">
+                                <a:latin typeface="Cambria Math" panose="02040503050406030204" pitchFamily="18" charset="0"/>
+                              </a:rPr>
+                            </m:ctrlPr>
+                          </m:sSubPr>
+                          <m:e>
+                            <m:r>
+                              <a:rPr lang="en-US" b="0" i="1" smtClean="0">
+                                <a:latin typeface="Cambria Math" panose="02040503050406030204" pitchFamily="18" charset="0"/>
+                              </a:rPr>
+                              <m:t>𝑤</m:t>
+                            </m:r>
+                          </m:e>
+                          <m:sub>
+                            <m:r>
+                              <a:rPr lang="en-US" b="0" i="1" smtClean="0">
+                                <a:latin typeface="Cambria Math" panose="02040503050406030204" pitchFamily="18" charset="0"/>
+                              </a:rPr>
+                              <m:t>𝑐𝑒𝑛𝑡𝑒𝑟</m:t>
+                            </m:r>
+                          </m:sub>
+                        </m:sSub>
+                        <m:r>
+                          <a:rPr lang="en-US" b="0" i="1" smtClean="0">
+                            <a:latin typeface="Cambria Math" panose="02040503050406030204" pitchFamily="18" charset="0"/>
+                          </a:rPr>
+                          <m:t>,</m:t>
+                        </m:r>
+                        <m:sSub>
+                          <m:sSubPr>
+                            <m:ctrlPr>
+                              <a:rPr lang="en-US" b="0" i="1" smtClean="0">
+                                <a:latin typeface="Cambria Math" panose="02040503050406030204" pitchFamily="18" charset="0"/>
+                              </a:rPr>
+                            </m:ctrlPr>
+                          </m:sSubPr>
+                          <m:e>
+                            <m:r>
+                              <a:rPr lang="en-US" b="0" i="1" smtClean="0">
+                                <a:latin typeface="Cambria Math" panose="02040503050406030204" pitchFamily="18" charset="0"/>
+                              </a:rPr>
+                              <m:t>𝑤</m:t>
+                            </m:r>
+                          </m:e>
+                          <m:sub>
+                            <m:r>
+                              <a:rPr lang="en-US" b="0" i="1" smtClean="0">
+                                <a:latin typeface="Cambria Math" panose="02040503050406030204" pitchFamily="18" charset="0"/>
+                              </a:rPr>
+                              <m:t>𝑝𝑜𝑠</m:t>
+                            </m:r>
+                          </m:sub>
+                        </m:sSub>
+                        <m:r>
+                          <a:rPr lang="en-US" b="0" i="1" smtClean="0">
+                            <a:latin typeface="Cambria Math" panose="02040503050406030204" pitchFamily="18" charset="0"/>
+                          </a:rPr>
+                          <m:t>)</m:t>
+                        </m:r>
+                      </m:oMath>
+                    </m:oMathPara>
+                  </a14:m>
+                  <a:endParaRPr lang="en-US" dirty="0"/>
+                </a:p>
+                <a:p>
+                  <a:pPr algn="ctr"/>
+                  <a14:m>
+                    <m:oMathPara xmlns:m="http://schemas.openxmlformats.org/officeDocument/2006/math">
+                      <m:oMathParaPr>
+                        <m:jc m:val="centerGroup"/>
+                      </m:oMathParaPr>
+                      <m:oMath xmlns:m="http://schemas.openxmlformats.org/officeDocument/2006/math">
+                        <m:r>
+                          <a:rPr lang="en-US" i="1">
+                            <a:latin typeface="Cambria Math" panose="02040503050406030204" pitchFamily="18" charset="0"/>
+                          </a:rPr>
+                          <m:t>𝑝</m:t>
+                        </m:r>
+                        <m:r>
+                          <a:rPr lang="en-US" i="1">
+                            <a:latin typeface="Cambria Math" panose="02040503050406030204" pitchFamily="18" charset="0"/>
+                          </a:rPr>
+                          <m:t>(</m:t>
+                        </m:r>
+                        <m:r>
+                          <a:rPr lang="en-US" i="1">
+                            <a:latin typeface="Cambria Math" panose="02040503050406030204" pitchFamily="18" charset="0"/>
+                          </a:rPr>
+                          <m:t>𝐷</m:t>
+                        </m:r>
+                        <m:r>
+                          <a:rPr lang="en-US" i="1">
+                            <a:latin typeface="Cambria Math" panose="02040503050406030204" pitchFamily="18" charset="0"/>
+                          </a:rPr>
+                          <m:t>=1|</m:t>
+                        </m:r>
+                        <m:sSub>
+                          <m:sSubPr>
+                            <m:ctrlPr>
+                              <a:rPr lang="en-US" i="1">
+                                <a:latin typeface="Cambria Math" panose="02040503050406030204" pitchFamily="18" charset="0"/>
+                              </a:rPr>
+                            </m:ctrlPr>
+                          </m:sSubPr>
+                          <m:e>
+                            <m:r>
+                              <a:rPr lang="en-US" i="1">
+                                <a:latin typeface="Cambria Math" panose="02040503050406030204" pitchFamily="18" charset="0"/>
+                              </a:rPr>
+                              <m:t>𝑤</m:t>
+                            </m:r>
+                          </m:e>
+                          <m:sub>
+                            <m:r>
+                              <a:rPr lang="en-US" i="1">
+                                <a:latin typeface="Cambria Math" panose="02040503050406030204" pitchFamily="18" charset="0"/>
+                              </a:rPr>
+                              <m:t>𝑐𝑒𝑛𝑡𝑒𝑟</m:t>
+                            </m:r>
+                          </m:sub>
+                        </m:sSub>
+                        <m:r>
+                          <a:rPr lang="en-US" i="1">
+                            <a:latin typeface="Cambria Math" panose="02040503050406030204" pitchFamily="18" charset="0"/>
+                          </a:rPr>
+                          <m:t>,</m:t>
+                        </m:r>
+                        <m:sSub>
+                          <m:sSubPr>
+                            <m:ctrlPr>
+                              <a:rPr lang="en-US" i="1">
+                                <a:latin typeface="Cambria Math" panose="02040503050406030204" pitchFamily="18" charset="0"/>
+                              </a:rPr>
+                            </m:ctrlPr>
+                          </m:sSubPr>
+                          <m:e>
+                            <m:r>
+                              <a:rPr lang="en-US" i="1">
+                                <a:latin typeface="Cambria Math" panose="02040503050406030204" pitchFamily="18" charset="0"/>
+                              </a:rPr>
+                              <m:t>𝑤</m:t>
+                            </m:r>
+                          </m:e>
+                          <m:sub>
+                            <m:r>
+                              <a:rPr lang="en-US" b="0" i="1" smtClean="0">
+                                <a:latin typeface="Cambria Math" panose="02040503050406030204" pitchFamily="18" charset="0"/>
+                              </a:rPr>
+                              <m:t>𝑛𝑒𝑔</m:t>
+                            </m:r>
+                            <m:r>
+                              <a:rPr lang="en-US" b="0" i="1" smtClean="0">
+                                <a:latin typeface="Cambria Math" panose="02040503050406030204" pitchFamily="18" charset="0"/>
+                              </a:rPr>
+                              <m:t>,1</m:t>
+                            </m:r>
+                          </m:sub>
+                        </m:sSub>
+                        <m:r>
+                          <a:rPr lang="en-US" i="1">
+                            <a:latin typeface="Cambria Math" panose="02040503050406030204" pitchFamily="18" charset="0"/>
+                          </a:rPr>
+                          <m:t>)</m:t>
+                        </m:r>
+                      </m:oMath>
+                    </m:oMathPara>
+                  </a14:m>
+                  <a:endParaRPr lang="en-US" dirty="0"/>
+                </a:p>
+                <a:p>
+                  <a:pPr algn="ctr"/>
+                  <a14:m>
+                    <m:oMathPara xmlns:m="http://schemas.openxmlformats.org/officeDocument/2006/math">
+                      <m:oMathParaPr>
+                        <m:jc m:val="centerGroup"/>
+                      </m:oMathParaPr>
+                      <m:oMath xmlns:m="http://schemas.openxmlformats.org/officeDocument/2006/math">
+                        <m:r>
+                          <a:rPr lang="en-US" i="1">
+                            <a:latin typeface="Cambria Math" panose="02040503050406030204" pitchFamily="18" charset="0"/>
+                          </a:rPr>
+                          <m:t>𝑝</m:t>
+                        </m:r>
+                        <m:r>
+                          <a:rPr lang="en-US" i="1">
+                            <a:latin typeface="Cambria Math" panose="02040503050406030204" pitchFamily="18" charset="0"/>
+                          </a:rPr>
+                          <m:t>(</m:t>
+                        </m:r>
+                        <m:r>
+                          <a:rPr lang="en-US" i="1">
+                            <a:latin typeface="Cambria Math" panose="02040503050406030204" pitchFamily="18" charset="0"/>
+                          </a:rPr>
+                          <m:t>𝐷</m:t>
+                        </m:r>
+                        <m:r>
+                          <a:rPr lang="en-US" i="1">
+                            <a:latin typeface="Cambria Math" panose="02040503050406030204" pitchFamily="18" charset="0"/>
+                          </a:rPr>
+                          <m:t>=1|</m:t>
+                        </m:r>
+                        <m:sSub>
+                          <m:sSubPr>
+                            <m:ctrlPr>
+                              <a:rPr lang="en-US" i="1">
+                                <a:latin typeface="Cambria Math" panose="02040503050406030204" pitchFamily="18" charset="0"/>
+                              </a:rPr>
+                            </m:ctrlPr>
+                          </m:sSubPr>
+                          <m:e>
+                            <m:r>
+                              <a:rPr lang="en-US" i="1">
+                                <a:latin typeface="Cambria Math" panose="02040503050406030204" pitchFamily="18" charset="0"/>
+                              </a:rPr>
+                              <m:t>𝑤</m:t>
+                            </m:r>
+                          </m:e>
+                          <m:sub>
+                            <m:r>
+                              <a:rPr lang="en-US" i="1">
+                                <a:latin typeface="Cambria Math" panose="02040503050406030204" pitchFamily="18" charset="0"/>
+                              </a:rPr>
+                              <m:t>𝑐𝑒𝑛𝑡𝑒𝑟</m:t>
+                            </m:r>
+                          </m:sub>
+                        </m:sSub>
+                        <m:r>
+                          <a:rPr lang="en-US" i="1">
+                            <a:latin typeface="Cambria Math" panose="02040503050406030204" pitchFamily="18" charset="0"/>
+                          </a:rPr>
+                          <m:t>,</m:t>
+                        </m:r>
+                        <m:sSub>
+                          <m:sSubPr>
+                            <m:ctrlPr>
+                              <a:rPr lang="en-US" i="1">
+                                <a:latin typeface="Cambria Math" panose="02040503050406030204" pitchFamily="18" charset="0"/>
+                              </a:rPr>
+                            </m:ctrlPr>
+                          </m:sSubPr>
+                          <m:e>
+                            <m:r>
+                              <a:rPr lang="en-US" i="1">
+                                <a:latin typeface="Cambria Math" panose="02040503050406030204" pitchFamily="18" charset="0"/>
+                              </a:rPr>
+                              <m:t>𝑤</m:t>
+                            </m:r>
+                          </m:e>
+                          <m:sub>
+                            <m:r>
+                              <a:rPr lang="en-US" i="1">
+                                <a:latin typeface="Cambria Math" panose="02040503050406030204" pitchFamily="18" charset="0"/>
+                              </a:rPr>
+                              <m:t>𝑛𝑒𝑔</m:t>
+                            </m:r>
+                            <m:r>
+                              <a:rPr lang="en-US" i="1">
+                                <a:latin typeface="Cambria Math" panose="02040503050406030204" pitchFamily="18" charset="0"/>
+                              </a:rPr>
+                              <m:t>,2</m:t>
+                            </m:r>
+                          </m:sub>
+                        </m:sSub>
+                        <m:r>
+                          <a:rPr lang="en-US" i="1">
+                            <a:latin typeface="Cambria Math" panose="02040503050406030204" pitchFamily="18" charset="0"/>
+                          </a:rPr>
+                          <m:t>)</m:t>
+                        </m:r>
+                      </m:oMath>
+                    </m:oMathPara>
+                  </a14:m>
+                  <a:endParaRPr lang="en-US" dirty="0"/>
+                </a:p>
+                <a:p>
+                  <a:pPr algn="ctr"/>
+                  <a14:m>
+                    <m:oMathPara xmlns:m="http://schemas.openxmlformats.org/officeDocument/2006/math">
+                      <m:oMathParaPr>
+                        <m:jc m:val="centerGroup"/>
+                      </m:oMathParaPr>
+                      <m:oMath xmlns:m="http://schemas.openxmlformats.org/officeDocument/2006/math">
+                        <m:r>
+                          <a:rPr lang="en-US" i="1">
+                            <a:latin typeface="Cambria Math" panose="02040503050406030204" pitchFamily="18" charset="0"/>
+                          </a:rPr>
+                          <m:t>𝑝</m:t>
+                        </m:r>
+                        <m:r>
+                          <a:rPr lang="en-US" i="1">
+                            <a:latin typeface="Cambria Math" panose="02040503050406030204" pitchFamily="18" charset="0"/>
+                          </a:rPr>
+                          <m:t>(</m:t>
+                        </m:r>
+                        <m:r>
+                          <a:rPr lang="en-US" i="1">
+                            <a:latin typeface="Cambria Math" panose="02040503050406030204" pitchFamily="18" charset="0"/>
+                          </a:rPr>
+                          <m:t>𝐷</m:t>
+                        </m:r>
+                        <m:r>
+                          <a:rPr lang="en-US" i="1">
+                            <a:latin typeface="Cambria Math" panose="02040503050406030204" pitchFamily="18" charset="0"/>
+                          </a:rPr>
+                          <m:t>=1|</m:t>
+                        </m:r>
+                        <m:sSub>
+                          <m:sSubPr>
+                            <m:ctrlPr>
+                              <a:rPr lang="en-US" i="1">
+                                <a:latin typeface="Cambria Math" panose="02040503050406030204" pitchFamily="18" charset="0"/>
+                              </a:rPr>
+                            </m:ctrlPr>
+                          </m:sSubPr>
+                          <m:e>
+                            <m:r>
+                              <a:rPr lang="en-US" i="1">
+                                <a:latin typeface="Cambria Math" panose="02040503050406030204" pitchFamily="18" charset="0"/>
+                              </a:rPr>
+                              <m:t>𝑤</m:t>
+                            </m:r>
+                          </m:e>
+                          <m:sub>
+                            <m:r>
+                              <a:rPr lang="en-US" i="1">
+                                <a:latin typeface="Cambria Math" panose="02040503050406030204" pitchFamily="18" charset="0"/>
+                              </a:rPr>
+                              <m:t>𝑐𝑒𝑛𝑡𝑒𝑟</m:t>
+                            </m:r>
+                          </m:sub>
+                        </m:sSub>
+                        <m:r>
+                          <a:rPr lang="en-US" i="1">
+                            <a:latin typeface="Cambria Math" panose="02040503050406030204" pitchFamily="18" charset="0"/>
+                          </a:rPr>
+                          <m:t>,</m:t>
+                        </m:r>
+                        <m:sSub>
+                          <m:sSubPr>
+                            <m:ctrlPr>
+                              <a:rPr lang="en-US" i="1">
+                                <a:latin typeface="Cambria Math" panose="02040503050406030204" pitchFamily="18" charset="0"/>
+                              </a:rPr>
+                            </m:ctrlPr>
+                          </m:sSubPr>
+                          <m:e>
+                            <m:r>
+                              <a:rPr lang="en-US" i="1">
+                                <a:latin typeface="Cambria Math" panose="02040503050406030204" pitchFamily="18" charset="0"/>
+                              </a:rPr>
+                              <m:t>𝑤</m:t>
+                            </m:r>
+                          </m:e>
+                          <m:sub>
+                            <m:r>
+                              <a:rPr lang="en-US" i="1">
+                                <a:latin typeface="Cambria Math" panose="02040503050406030204" pitchFamily="18" charset="0"/>
+                              </a:rPr>
+                              <m:t>𝑛𝑒𝑔</m:t>
+                            </m:r>
+                            <m:r>
+                              <a:rPr lang="en-US" i="1">
+                                <a:latin typeface="Cambria Math" panose="02040503050406030204" pitchFamily="18" charset="0"/>
+                              </a:rPr>
+                              <m:t>,3</m:t>
+                            </m:r>
+                          </m:sub>
+                        </m:sSub>
+                        <m:r>
+                          <a:rPr lang="en-US" i="1">
+                            <a:latin typeface="Cambria Math" panose="02040503050406030204" pitchFamily="18" charset="0"/>
+                          </a:rPr>
+                          <m:t>)</m:t>
+                        </m:r>
+                      </m:oMath>
+                    </m:oMathPara>
+                  </a14:m>
+                  <a:endParaRPr lang="en-US" dirty="0"/>
+                </a:p>
+                <a:p>
+                  <a:pPr algn="ctr"/>
+                  <a14:m>
+                    <m:oMathPara xmlns:m="http://schemas.openxmlformats.org/officeDocument/2006/math">
+                      <m:oMathParaPr>
+                        <m:jc m:val="centerGroup"/>
+                      </m:oMathParaPr>
+                      <m:oMath xmlns:m="http://schemas.openxmlformats.org/officeDocument/2006/math">
+                        <m:r>
+                          <a:rPr lang="en-US" i="1">
+                            <a:latin typeface="Cambria Math" panose="02040503050406030204" pitchFamily="18" charset="0"/>
+                          </a:rPr>
+                          <m:t>𝑝</m:t>
+                        </m:r>
+                        <m:d>
+                          <m:dPr>
+                            <m:ctrlPr>
+                              <a:rPr lang="en-US" i="1">
+                                <a:latin typeface="Cambria Math" panose="02040503050406030204" pitchFamily="18" charset="0"/>
+                              </a:rPr>
+                            </m:ctrlPr>
+                          </m:dPr>
+                          <m:e>
+                            <m:r>
+                              <a:rPr lang="en-US" i="1">
+                                <a:latin typeface="Cambria Math" panose="02040503050406030204" pitchFamily="18" charset="0"/>
+                              </a:rPr>
+                              <m:t>𝐷</m:t>
+                            </m:r>
+                            <m:r>
+                              <a:rPr lang="en-US" i="1">
+                                <a:latin typeface="Cambria Math" panose="02040503050406030204" pitchFamily="18" charset="0"/>
+                              </a:rPr>
+                              <m:t>=1</m:t>
+                            </m:r>
+                          </m:e>
+                          <m:e>
+                            <m:sSub>
+                              <m:sSubPr>
+                                <m:ctrlPr>
+                                  <a:rPr lang="en-US" i="1">
+                                    <a:latin typeface="Cambria Math" panose="02040503050406030204" pitchFamily="18" charset="0"/>
+                                  </a:rPr>
+                                </m:ctrlPr>
+                              </m:sSubPr>
+                              <m:e>
+                                <m:r>
+                                  <a:rPr lang="en-US" i="1">
+                                    <a:latin typeface="Cambria Math" panose="02040503050406030204" pitchFamily="18" charset="0"/>
+                                  </a:rPr>
+                                  <m:t>𝑤</m:t>
+                                </m:r>
+                              </m:e>
+                              <m:sub>
+                                <m:r>
+                                  <a:rPr lang="en-US" i="1">
+                                    <a:latin typeface="Cambria Math" panose="02040503050406030204" pitchFamily="18" charset="0"/>
+                                  </a:rPr>
+                                  <m:t>𝑐𝑒𝑛𝑡𝑒𝑟</m:t>
+                                </m:r>
+                              </m:sub>
+                            </m:sSub>
+                            <m:r>
+                              <a:rPr lang="en-US" i="1">
+                                <a:latin typeface="Cambria Math" panose="02040503050406030204" pitchFamily="18" charset="0"/>
+                              </a:rPr>
+                              <m:t>,</m:t>
+                            </m:r>
+                            <m:sSub>
+                              <m:sSubPr>
+                                <m:ctrlPr>
+                                  <a:rPr lang="en-US" i="1">
+                                    <a:latin typeface="Cambria Math" panose="02040503050406030204" pitchFamily="18" charset="0"/>
+                                  </a:rPr>
+                                </m:ctrlPr>
+                              </m:sSubPr>
+                              <m:e>
+                                <m:r>
+                                  <a:rPr lang="en-US" i="1">
+                                    <a:latin typeface="Cambria Math" panose="02040503050406030204" pitchFamily="18" charset="0"/>
+                                  </a:rPr>
+                                  <m:t>𝑤</m:t>
+                                </m:r>
+                              </m:e>
+                              <m:sub>
+                                <m:r>
+                                  <a:rPr lang="en-US" i="1">
+                                    <a:latin typeface="Cambria Math" panose="02040503050406030204" pitchFamily="18" charset="0"/>
+                                  </a:rPr>
+                                  <m:t>𝑛𝑒𝑔</m:t>
+                                </m:r>
+                                <m:r>
+                                  <a:rPr lang="en-US" i="1">
+                                    <a:latin typeface="Cambria Math" panose="02040503050406030204" pitchFamily="18" charset="0"/>
+                                  </a:rPr>
+                                  <m:t>,4</m:t>
+                                </m:r>
+                              </m:sub>
+                            </m:sSub>
+                          </m:e>
+                        </m:d>
+                      </m:oMath>
+                    </m:oMathPara>
+                  </a14:m>
+                  <a:endParaRPr lang="en-US" dirty="0"/>
+                </a:p>
+                <a:p>
+                  <a:pPr algn="ctr"/>
+                  <a14:m>
+                    <m:oMathPara xmlns:m="http://schemas.openxmlformats.org/officeDocument/2006/math">
+                      <m:oMathParaPr>
+                        <m:jc m:val="centerGroup"/>
+                      </m:oMathParaPr>
+                      <m:oMath xmlns:m="http://schemas.openxmlformats.org/officeDocument/2006/math">
+                        <m:r>
+                          <a:rPr lang="en-US" i="1">
+                            <a:latin typeface="Cambria Math" panose="02040503050406030204" pitchFamily="18" charset="0"/>
+                          </a:rPr>
+                          <m:t>𝑝</m:t>
+                        </m:r>
+                        <m:r>
+                          <a:rPr lang="en-US" i="1">
+                            <a:latin typeface="Cambria Math" panose="02040503050406030204" pitchFamily="18" charset="0"/>
+                          </a:rPr>
+                          <m:t>(</m:t>
+                        </m:r>
+                        <m:r>
+                          <a:rPr lang="en-US" i="1">
+                            <a:latin typeface="Cambria Math" panose="02040503050406030204" pitchFamily="18" charset="0"/>
+                          </a:rPr>
+                          <m:t>𝐷</m:t>
+                        </m:r>
+                        <m:r>
+                          <a:rPr lang="en-US" i="1">
+                            <a:latin typeface="Cambria Math" panose="02040503050406030204" pitchFamily="18" charset="0"/>
+                          </a:rPr>
+                          <m:t>=1|</m:t>
+                        </m:r>
+                        <m:sSub>
+                          <m:sSubPr>
+                            <m:ctrlPr>
+                              <a:rPr lang="en-US" i="1">
+                                <a:latin typeface="Cambria Math" panose="02040503050406030204" pitchFamily="18" charset="0"/>
+                              </a:rPr>
+                            </m:ctrlPr>
+                          </m:sSubPr>
+                          <m:e>
+                            <m:r>
+                              <a:rPr lang="en-US" i="1">
+                                <a:latin typeface="Cambria Math" panose="02040503050406030204" pitchFamily="18" charset="0"/>
+                              </a:rPr>
+                              <m:t>𝑤</m:t>
+                            </m:r>
+                          </m:e>
+                          <m:sub>
+                            <m:r>
+                              <a:rPr lang="en-US" i="1">
+                                <a:latin typeface="Cambria Math" panose="02040503050406030204" pitchFamily="18" charset="0"/>
+                              </a:rPr>
+                              <m:t>𝑐𝑒𝑛𝑡𝑒𝑟</m:t>
+                            </m:r>
+                          </m:sub>
+                        </m:sSub>
+                        <m:r>
+                          <a:rPr lang="en-US" i="1">
+                            <a:latin typeface="Cambria Math" panose="02040503050406030204" pitchFamily="18" charset="0"/>
+                          </a:rPr>
+                          <m:t>,</m:t>
+                        </m:r>
+                        <m:sSub>
+                          <m:sSubPr>
+                            <m:ctrlPr>
+                              <a:rPr lang="en-US" i="1">
+                                <a:latin typeface="Cambria Math" panose="02040503050406030204" pitchFamily="18" charset="0"/>
+                              </a:rPr>
+                            </m:ctrlPr>
+                          </m:sSubPr>
+                          <m:e>
+                            <m:r>
+                              <a:rPr lang="en-US" i="1">
+                                <a:latin typeface="Cambria Math" panose="02040503050406030204" pitchFamily="18" charset="0"/>
+                              </a:rPr>
+                              <m:t>𝑤</m:t>
+                            </m:r>
+                          </m:e>
+                          <m:sub>
+                            <m:r>
+                              <a:rPr lang="en-US" i="1">
+                                <a:latin typeface="Cambria Math" panose="02040503050406030204" pitchFamily="18" charset="0"/>
+                              </a:rPr>
+                              <m:t>𝑛𝑒𝑔</m:t>
+                            </m:r>
+                            <m:r>
+                              <a:rPr lang="en-US" i="1">
+                                <a:latin typeface="Cambria Math" panose="02040503050406030204" pitchFamily="18" charset="0"/>
+                              </a:rPr>
+                              <m:t>,5</m:t>
+                            </m:r>
+                          </m:sub>
+                        </m:sSub>
+                        <m:r>
+                          <a:rPr lang="en-US" i="1">
+                            <a:latin typeface="Cambria Math" panose="02040503050406030204" pitchFamily="18" charset="0"/>
+                          </a:rPr>
+                          <m:t>)</m:t>
+                        </m:r>
+                      </m:oMath>
+                    </m:oMathPara>
+                  </a14:m>
+                  <a:endParaRPr lang="en-US" dirty="0"/>
+                </a:p>
+              </p:txBody>
+            </p:sp>
+          </mc:Choice>
+          <mc:Fallback xmlns="">
+            <p:sp>
+              <p:nvSpPr>
+                <p:cNvPr id="11" name="Double Bracket 10">
+                  <a:extLst>
+                    <a:ext uri="{FF2B5EF4-FFF2-40B4-BE49-F238E27FC236}">
+                      <a16:creationId xmlns:a16="http://schemas.microsoft.com/office/drawing/2014/main" id="{A5D0596E-AF6F-40B6-B68B-96BA5D71955A}"/>
+                    </a:ext>
+                  </a:extLst>
+                </p:cNvPr>
+                <p:cNvSpPr>
+                  <a:spLocks noRot="1" noChangeAspect="1" noMove="1" noResize="1" noEditPoints="1" noAdjustHandles="1" noChangeArrowheads="1" noChangeShapeType="1" noTextEdit="1"/>
+                </p:cNvSpPr>
+                <p:nvPr/>
+              </p:nvSpPr>
+              <p:spPr>
+                <a:xfrm>
+                  <a:off x="512809" y="2380128"/>
+                  <a:ext cx="2886322" cy="2321859"/>
+                </a:xfrm>
+                <a:prstGeom prst="bracketPair">
+                  <a:avLst/>
+                </a:prstGeom>
+                <a:blipFill>
+                  <a:blip r:embed="rId2"/>
+                  <a:stretch>
+                    <a:fillRect/>
+                  </a:stretch>
+                </a:blipFill>
+                <a:ln w="28575"/>
+              </p:spPr>
+              <p:txBody>
+                <a:bodyPr/>
+                <a:lstStyle/>
+                <a:p>
+                  <a:r>
+                    <a:rPr lang="en-US">
+                      <a:noFill/>
+                    </a:rPr>
+                    <a:t> </a:t>
+                  </a:r>
+                </a:p>
+              </p:txBody>
+            </p:sp>
+          </mc:Fallback>
+        </mc:AlternateContent>
+        <p:grpSp>
+          <p:nvGrpSpPr>
+            <p:cNvPr id="16" name="Group 15">
+              <a:extLst>
+                <a:ext uri="{FF2B5EF4-FFF2-40B4-BE49-F238E27FC236}">
+                  <a16:creationId xmlns:a16="http://schemas.microsoft.com/office/drawing/2014/main" id="{F877D8EB-FC9A-4E97-B547-04A776E2E7E8}"/>
+                </a:ext>
+              </a:extLst>
+            </p:cNvPr>
+            <p:cNvGrpSpPr/>
+            <p:nvPr/>
+          </p:nvGrpSpPr>
+          <p:grpSpPr>
+            <a:xfrm>
+              <a:off x="4104860" y="2380129"/>
+              <a:ext cx="818451" cy="2321858"/>
+              <a:chOff x="4784491" y="2380128"/>
+              <a:chExt cx="818451" cy="2321858"/>
+            </a:xfrm>
+          </p:grpSpPr>
+          <p:sp>
+            <p:nvSpPr>
+              <p:cNvPr id="14" name="Rectangle 13">
+                <a:extLst>
+                  <a:ext uri="{FF2B5EF4-FFF2-40B4-BE49-F238E27FC236}">
+                    <a16:creationId xmlns:a16="http://schemas.microsoft.com/office/drawing/2014/main" id="{5BED4880-6BBF-494B-AC11-75A4A4E245E0}"/>
+                  </a:ext>
+                </a:extLst>
+              </p:cNvPr>
+              <p:cNvSpPr/>
+              <p:nvPr/>
+            </p:nvSpPr>
+            <p:spPr>
+              <a:xfrm>
+                <a:off x="4793455" y="2752164"/>
+                <a:ext cx="809487" cy="221667"/>
+              </a:xfrm>
+              <a:prstGeom prst="rect">
+                <a:avLst/>
+              </a:prstGeom>
+              <a:solidFill>
+                <a:schemeClr val="accent2"/>
+              </a:solidFill>
+              <a:ln>
+                <a:noFill/>
+              </a:ln>
+            </p:spPr>
+            <p:style>
+              <a:lnRef idx="2">
+                <a:schemeClr val="accent1">
+                  <a:shade val="50000"/>
+                </a:schemeClr>
+              </a:lnRef>
+              <a:fillRef idx="1">
+                <a:schemeClr val="accent1"/>
+              </a:fillRef>
+              <a:effectRef idx="0">
+                <a:schemeClr val="accent1"/>
+              </a:effectRef>
+              <a:fontRef idx="minor">
+                <a:schemeClr val="lt1"/>
+              </a:fontRef>
+            </p:style>
+            <p:txBody>
+              <a:bodyPr rtlCol="0" anchor="ctr"/>
+              <a:lstStyle/>
+              <a:p>
+                <a:pPr algn="ctr"/>
+                <a:endParaRPr lang="en-US" dirty="0">
+                  <a:solidFill>
+                    <a:schemeClr val="accent2"/>
+                  </a:solidFill>
+                </a:endParaRPr>
+              </a:p>
+            </p:txBody>
+          </p:sp>
+          <p:sp>
+            <p:nvSpPr>
+              <p:cNvPr id="13" name="Double Bracket 12">
+                <a:extLst>
+                  <a:ext uri="{FF2B5EF4-FFF2-40B4-BE49-F238E27FC236}">
+                    <a16:creationId xmlns:a16="http://schemas.microsoft.com/office/drawing/2014/main" id="{499AF717-0E9C-45CC-84AF-F3ABA886F4C0}"/>
+                  </a:ext>
+                </a:extLst>
+              </p:cNvPr>
+              <p:cNvSpPr/>
+              <p:nvPr/>
+            </p:nvSpPr>
+            <p:spPr>
+              <a:xfrm>
+                <a:off x="4784491" y="2380128"/>
+                <a:ext cx="818451" cy="2321858"/>
+              </a:xfrm>
+              <a:prstGeom prst="bracketPair">
+                <a:avLst/>
+              </a:prstGeom>
+              <a:ln w="28575"/>
+            </p:spPr>
+            <p:style>
+              <a:lnRef idx="1">
+                <a:schemeClr val="accent1"/>
+              </a:lnRef>
+              <a:fillRef idx="0">
+                <a:schemeClr val="accent1"/>
+              </a:fillRef>
+              <a:effectRef idx="0">
+                <a:schemeClr val="accent1"/>
+              </a:effectRef>
+              <a:fontRef idx="minor">
+                <a:schemeClr val="tx1"/>
+              </a:fontRef>
+            </p:style>
+            <p:txBody>
+              <a:bodyPr rtlCol="0" anchor="ctr"/>
+              <a:lstStyle/>
+              <a:p>
+                <a:pPr algn="ctr"/>
+                <a:r>
+                  <a:rPr lang="en-US" dirty="0"/>
+                  <a:t>0.432</a:t>
+                </a:r>
+              </a:p>
+              <a:p>
+                <a:pPr algn="ctr"/>
+                <a:r>
+                  <a:rPr lang="en-US" dirty="0"/>
+                  <a:t>0.312</a:t>
+                </a:r>
+              </a:p>
+              <a:p>
+                <a:pPr algn="ctr"/>
+                <a:r>
+                  <a:rPr lang="en-US" dirty="0"/>
+                  <a:t>0.565</a:t>
+                </a:r>
+              </a:p>
+              <a:p>
+                <a:pPr algn="ctr"/>
+                <a:r>
+                  <a:rPr lang="en-US" dirty="0"/>
+                  <a:t>0.102</a:t>
+                </a:r>
+              </a:p>
+              <a:p>
+                <a:pPr algn="ctr"/>
+                <a:r>
+                  <a:rPr lang="en-US" dirty="0"/>
+                  <a:t>0.853</a:t>
+                </a:r>
+              </a:p>
+              <a:p>
+                <a:pPr algn="ctr"/>
+                <a:r>
+                  <a:rPr lang="en-US" dirty="0"/>
+                  <a:t>0.642</a:t>
+                </a:r>
+              </a:p>
+            </p:txBody>
+          </p:sp>
+        </p:grpSp>
+        <mc:AlternateContent xmlns:mc="http://schemas.openxmlformats.org/markup-compatibility/2006" xmlns:a14="http://schemas.microsoft.com/office/drawing/2010/main">
+          <mc:Choice Requires="a14">
+            <p:sp>
+              <p:nvSpPr>
+                <p:cNvPr id="15" name="Rectangle 14">
+                  <a:extLst>
+                    <a:ext uri="{FF2B5EF4-FFF2-40B4-BE49-F238E27FC236}">
+                      <a16:creationId xmlns:a16="http://schemas.microsoft.com/office/drawing/2014/main" id="{84137E64-AC43-46E8-BB4F-E47185B9A964}"/>
+                    </a:ext>
+                  </a:extLst>
+                </p:cNvPr>
+                <p:cNvSpPr/>
+                <p:nvPr/>
+              </p:nvSpPr>
+              <p:spPr>
+                <a:xfrm>
+                  <a:off x="3546651" y="3356391"/>
+                  <a:ext cx="410689" cy="369332"/>
+                </a:xfrm>
+                <a:prstGeom prst="rect">
+                  <a:avLst/>
+                </a:prstGeom>
+              </p:spPr>
+              <p:txBody>
+                <a:bodyPr wrap="none">
+                  <a:spAutoFit/>
+                </a:bodyPr>
+                <a:lstStyle/>
+                <a:p>
+                  <a:pPr/>
+                  <a14:m>
+                    <m:oMathPara xmlns:m="http://schemas.openxmlformats.org/officeDocument/2006/math">
+                      <m:oMathParaPr>
+                        <m:jc m:val="centerGroup"/>
+                      </m:oMathParaPr>
+                      <m:oMath xmlns:m="http://schemas.openxmlformats.org/officeDocument/2006/math">
+                        <m:r>
+                          <a:rPr lang="en-US" i="1">
+                            <a:latin typeface="Cambria Math" panose="02040503050406030204" pitchFamily="18" charset="0"/>
+                          </a:rPr>
+                          <m:t>=</m:t>
+                        </m:r>
+                      </m:oMath>
+                    </m:oMathPara>
+                  </a14:m>
+                  <a:endParaRPr lang="en-US" dirty="0"/>
+                </a:p>
+              </p:txBody>
+            </p:sp>
+          </mc:Choice>
+          <mc:Fallback xmlns="">
+            <p:sp>
+              <p:nvSpPr>
+                <p:cNvPr id="15" name="Rectangle 14">
+                  <a:extLst>
+                    <a:ext uri="{FF2B5EF4-FFF2-40B4-BE49-F238E27FC236}">
+                      <a16:creationId xmlns:a16="http://schemas.microsoft.com/office/drawing/2014/main" id="{84137E64-AC43-46E8-BB4F-E47185B9A964}"/>
+                    </a:ext>
+                  </a:extLst>
+                </p:cNvPr>
+                <p:cNvSpPr>
+                  <a:spLocks noRot="1" noChangeAspect="1" noMove="1" noResize="1" noEditPoints="1" noAdjustHandles="1" noChangeArrowheads="1" noChangeShapeType="1" noTextEdit="1"/>
+                </p:cNvSpPr>
+                <p:nvPr/>
+              </p:nvSpPr>
+              <p:spPr>
+                <a:xfrm>
+                  <a:off x="3546651" y="3356391"/>
+                  <a:ext cx="410689" cy="369332"/>
+                </a:xfrm>
+                <a:prstGeom prst="rect">
+                  <a:avLst/>
+                </a:prstGeom>
+                <a:blipFill>
+                  <a:blip r:embed="rId3"/>
+                  <a:stretch>
+                    <a:fillRect/>
+                  </a:stretch>
+                </a:blipFill>
+              </p:spPr>
+              <p:txBody>
+                <a:bodyPr/>
+                <a:lstStyle/>
+                <a:p>
+                  <a:r>
+                    <a:rPr lang="en-US">
+                      <a:noFill/>
+                    </a:rPr>
+                    <a:t> </a:t>
+                  </a:r>
+                </a:p>
+              </p:txBody>
+            </p:sp>
+          </mc:Fallback>
+        </mc:AlternateContent>
+        <p:sp>
+          <p:nvSpPr>
+            <p:cNvPr id="20" name="Arrow: Right 19">
+              <a:extLst>
+                <a:ext uri="{FF2B5EF4-FFF2-40B4-BE49-F238E27FC236}">
+                  <a16:creationId xmlns:a16="http://schemas.microsoft.com/office/drawing/2014/main" id="{4071A033-44AF-4597-ABF6-8A2E5A448B19}"/>
+                </a:ext>
+              </a:extLst>
+            </p:cNvPr>
+            <p:cNvSpPr/>
+            <p:nvPr/>
+          </p:nvSpPr>
+          <p:spPr>
+            <a:xfrm>
+              <a:off x="5178408" y="3394935"/>
+              <a:ext cx="488576" cy="292244"/>
+            </a:xfrm>
+            <a:prstGeom prst="rightArrow">
+              <a:avLst/>
+            </a:prstGeom>
+          </p:spPr>
+          <p:style>
+            <a:lnRef idx="2">
+              <a:schemeClr val="accent1">
+                <a:shade val="50000"/>
+              </a:schemeClr>
+            </a:lnRef>
+            <a:fillRef idx="1">
+              <a:schemeClr val="accent1"/>
+            </a:fillRef>
+            <a:effectRef idx="0">
+              <a:schemeClr val="accent1"/>
+            </a:effectRef>
+            <a:fontRef idx="minor">
+              <a:schemeClr val="lt1"/>
+            </a:fontRef>
+          </p:style>
+          <p:txBody>
+            <a:bodyPr rtlCol="0" anchor="ctr"/>
+            <a:lstStyle/>
+            <a:p>
+              <a:pPr algn="ctr"/>
+              <a:endParaRPr lang="en-US"/>
+            </a:p>
+          </p:txBody>
+        </p:sp>
+        <p:grpSp>
+          <p:nvGrpSpPr>
+            <p:cNvPr id="21" name="Group 20">
+              <a:extLst>
+                <a:ext uri="{FF2B5EF4-FFF2-40B4-BE49-F238E27FC236}">
+                  <a16:creationId xmlns:a16="http://schemas.microsoft.com/office/drawing/2014/main" id="{7026FB15-DABC-49AC-8982-DCF6067B6C5C}"/>
+                </a:ext>
+              </a:extLst>
+            </p:cNvPr>
+            <p:cNvGrpSpPr/>
+            <p:nvPr/>
+          </p:nvGrpSpPr>
+          <p:grpSpPr>
+            <a:xfrm>
+              <a:off x="5922081" y="2380129"/>
+              <a:ext cx="818451" cy="2321858"/>
+              <a:chOff x="4784491" y="2380128"/>
+              <a:chExt cx="818451" cy="2321858"/>
+            </a:xfrm>
+          </p:grpSpPr>
+          <p:sp>
+            <p:nvSpPr>
+              <p:cNvPr id="22" name="Rectangle 21">
+                <a:extLst>
+                  <a:ext uri="{FF2B5EF4-FFF2-40B4-BE49-F238E27FC236}">
+                    <a16:creationId xmlns:a16="http://schemas.microsoft.com/office/drawing/2014/main" id="{888A97C3-DE25-431F-B814-B8886E620A82}"/>
+                  </a:ext>
+                </a:extLst>
+              </p:cNvPr>
+              <p:cNvSpPr/>
+              <p:nvPr/>
+            </p:nvSpPr>
+            <p:spPr>
+              <a:xfrm>
+                <a:off x="4793455" y="2752164"/>
+                <a:ext cx="809487" cy="221667"/>
+              </a:xfrm>
+              <a:prstGeom prst="rect">
+                <a:avLst/>
+              </a:prstGeom>
+              <a:solidFill>
+                <a:schemeClr val="accent2"/>
+              </a:solidFill>
+              <a:ln>
+                <a:noFill/>
+              </a:ln>
+            </p:spPr>
+            <p:style>
+              <a:lnRef idx="2">
+                <a:schemeClr val="accent1">
+                  <a:shade val="50000"/>
+                </a:schemeClr>
+              </a:lnRef>
+              <a:fillRef idx="1">
+                <a:schemeClr val="accent1"/>
+              </a:fillRef>
+              <a:effectRef idx="0">
+                <a:schemeClr val="accent1"/>
+              </a:effectRef>
+              <a:fontRef idx="minor">
+                <a:schemeClr val="lt1"/>
+              </a:fontRef>
+            </p:style>
+            <p:txBody>
+              <a:bodyPr rtlCol="0" anchor="ctr"/>
+              <a:lstStyle/>
+              <a:p>
+                <a:pPr algn="ctr"/>
+                <a:endParaRPr lang="en-US" dirty="0">
+                  <a:solidFill>
+                    <a:schemeClr val="accent2"/>
+                  </a:solidFill>
+                </a:endParaRPr>
+              </a:p>
+            </p:txBody>
+          </p:sp>
+          <p:sp>
+            <p:nvSpPr>
+              <p:cNvPr id="23" name="Double Bracket 22">
+                <a:extLst>
+                  <a:ext uri="{FF2B5EF4-FFF2-40B4-BE49-F238E27FC236}">
+                    <a16:creationId xmlns:a16="http://schemas.microsoft.com/office/drawing/2014/main" id="{B8605E15-F872-49A4-B34E-BB85269ECA97}"/>
+                  </a:ext>
+                </a:extLst>
+              </p:cNvPr>
+              <p:cNvSpPr/>
+              <p:nvPr/>
+            </p:nvSpPr>
+            <p:spPr>
+              <a:xfrm>
+                <a:off x="4784491" y="2380128"/>
+                <a:ext cx="818451" cy="2321858"/>
+              </a:xfrm>
+              <a:prstGeom prst="bracketPair">
+                <a:avLst/>
+              </a:prstGeom>
+              <a:ln w="28575"/>
+            </p:spPr>
+            <p:style>
+              <a:lnRef idx="1">
+                <a:schemeClr val="accent1"/>
+              </a:lnRef>
+              <a:fillRef idx="0">
+                <a:schemeClr val="accent1"/>
+              </a:fillRef>
+              <a:effectRef idx="0">
+                <a:schemeClr val="accent1"/>
+              </a:effectRef>
+              <a:fontRef idx="minor">
+                <a:schemeClr val="tx1"/>
+              </a:fontRef>
+            </p:style>
+            <p:txBody>
+              <a:bodyPr rtlCol="0" anchor="ctr"/>
+              <a:lstStyle/>
+              <a:p>
+                <a:pPr algn="ctr"/>
+                <a:r>
+                  <a:rPr lang="en-US" dirty="0"/>
+                  <a:t>0.653</a:t>
+                </a:r>
+              </a:p>
+              <a:p>
+                <a:pPr algn="ctr"/>
+                <a:r>
+                  <a:rPr lang="en-US" dirty="0"/>
+                  <a:t>0.169</a:t>
+                </a:r>
+              </a:p>
+              <a:p>
+                <a:pPr algn="ctr"/>
+                <a:r>
+                  <a:rPr lang="en-US" dirty="0"/>
+                  <a:t>0.221</a:t>
+                </a:r>
+              </a:p>
+              <a:p>
+                <a:pPr algn="ctr"/>
+                <a:r>
+                  <a:rPr lang="en-US" dirty="0"/>
+                  <a:t>0.043</a:t>
+                </a:r>
+              </a:p>
+              <a:p>
+                <a:pPr algn="ctr"/>
+                <a:r>
+                  <a:rPr lang="en-US" dirty="0"/>
+                  <a:t>0.532</a:t>
+                </a:r>
+              </a:p>
+              <a:p>
+                <a:pPr algn="ctr"/>
+                <a:r>
+                  <a:rPr lang="en-US" dirty="0"/>
+                  <a:t>0.380</a:t>
+                </a:r>
+              </a:p>
+            </p:txBody>
+          </p:sp>
+        </p:grpSp>
+        <p:sp>
+          <p:nvSpPr>
+            <p:cNvPr id="24" name="Arrow: Right 23">
+              <a:extLst>
+                <a:ext uri="{FF2B5EF4-FFF2-40B4-BE49-F238E27FC236}">
+                  <a16:creationId xmlns:a16="http://schemas.microsoft.com/office/drawing/2014/main" id="{27D7FC55-9A6A-49EF-9626-CCEB55C9C289}"/>
+                </a:ext>
+              </a:extLst>
+            </p:cNvPr>
+            <p:cNvSpPr/>
+            <p:nvPr/>
+          </p:nvSpPr>
+          <p:spPr>
+            <a:xfrm>
+              <a:off x="6995629" y="3394935"/>
+              <a:ext cx="488576" cy="292244"/>
+            </a:xfrm>
+            <a:prstGeom prst="rightArrow">
+              <a:avLst/>
+            </a:prstGeom>
+          </p:spPr>
+          <p:style>
+            <a:lnRef idx="2">
+              <a:schemeClr val="accent1">
+                <a:shade val="50000"/>
+              </a:schemeClr>
+            </a:lnRef>
+            <a:fillRef idx="1">
+              <a:schemeClr val="accent1"/>
+            </a:fillRef>
+            <a:effectRef idx="0">
+              <a:schemeClr val="accent1"/>
+            </a:effectRef>
+            <a:fontRef idx="minor">
+              <a:schemeClr val="lt1"/>
+            </a:fontRef>
+          </p:style>
+          <p:txBody>
+            <a:bodyPr rtlCol="0" anchor="ctr"/>
+            <a:lstStyle/>
+            <a:p>
+              <a:pPr algn="ctr"/>
+              <a:endParaRPr lang="en-US"/>
+            </a:p>
+          </p:txBody>
+        </p:sp>
+        <p:grpSp>
+          <p:nvGrpSpPr>
+            <p:cNvPr id="25" name="Group 24">
+              <a:extLst>
+                <a:ext uri="{FF2B5EF4-FFF2-40B4-BE49-F238E27FC236}">
+                  <a16:creationId xmlns:a16="http://schemas.microsoft.com/office/drawing/2014/main" id="{37174456-A5FB-489F-B081-786263BEDF56}"/>
+                </a:ext>
+              </a:extLst>
+            </p:cNvPr>
+            <p:cNvGrpSpPr/>
+            <p:nvPr/>
+          </p:nvGrpSpPr>
+          <p:grpSpPr>
+            <a:xfrm>
+              <a:off x="7739302" y="2380129"/>
+              <a:ext cx="818451" cy="2321858"/>
+              <a:chOff x="4784491" y="2380128"/>
+              <a:chExt cx="818451" cy="2321858"/>
+            </a:xfrm>
+          </p:grpSpPr>
+          <p:sp>
+            <p:nvSpPr>
+              <p:cNvPr id="26" name="Rectangle 25">
+                <a:extLst>
+                  <a:ext uri="{FF2B5EF4-FFF2-40B4-BE49-F238E27FC236}">
+                    <a16:creationId xmlns:a16="http://schemas.microsoft.com/office/drawing/2014/main" id="{B67CC374-6B48-4B91-A878-55913170A1BA}"/>
+                  </a:ext>
+                </a:extLst>
+              </p:cNvPr>
+              <p:cNvSpPr/>
+              <p:nvPr/>
+            </p:nvSpPr>
+            <p:spPr>
+              <a:xfrm>
+                <a:off x="4793455" y="2752164"/>
+                <a:ext cx="809487" cy="221667"/>
+              </a:xfrm>
+              <a:prstGeom prst="rect">
+                <a:avLst/>
+              </a:prstGeom>
+              <a:solidFill>
+                <a:schemeClr val="accent2"/>
+              </a:solidFill>
+              <a:ln>
+                <a:noFill/>
+              </a:ln>
+            </p:spPr>
+            <p:style>
+              <a:lnRef idx="2">
+                <a:schemeClr val="accent1">
+                  <a:shade val="50000"/>
+                </a:schemeClr>
+              </a:lnRef>
+              <a:fillRef idx="1">
+                <a:schemeClr val="accent1"/>
+              </a:fillRef>
+              <a:effectRef idx="0">
+                <a:schemeClr val="accent1"/>
+              </a:effectRef>
+              <a:fontRef idx="minor">
+                <a:schemeClr val="lt1"/>
+              </a:fontRef>
+            </p:style>
+            <p:txBody>
+              <a:bodyPr rtlCol="0" anchor="ctr"/>
+              <a:lstStyle/>
+              <a:p>
+                <a:pPr algn="ctr"/>
+                <a:endParaRPr lang="en-US" dirty="0">
+                  <a:solidFill>
+                    <a:schemeClr val="accent2"/>
+                  </a:solidFill>
+                </a:endParaRPr>
+              </a:p>
+            </p:txBody>
+          </p:sp>
+          <p:sp>
+            <p:nvSpPr>
+              <p:cNvPr id="27" name="Double Bracket 26">
+                <a:extLst>
+                  <a:ext uri="{FF2B5EF4-FFF2-40B4-BE49-F238E27FC236}">
+                    <a16:creationId xmlns:a16="http://schemas.microsoft.com/office/drawing/2014/main" id="{5B4FE134-3C2B-4169-BE4F-AF8C951BA0AC}"/>
+                  </a:ext>
+                </a:extLst>
+              </p:cNvPr>
+              <p:cNvSpPr/>
+              <p:nvPr/>
+            </p:nvSpPr>
+            <p:spPr>
+              <a:xfrm>
+                <a:off x="4784491" y="2380128"/>
+                <a:ext cx="818451" cy="2321858"/>
+              </a:xfrm>
+              <a:prstGeom prst="bracketPair">
+                <a:avLst/>
+              </a:prstGeom>
+              <a:ln w="28575"/>
+            </p:spPr>
+            <p:style>
+              <a:lnRef idx="1">
+                <a:schemeClr val="accent1"/>
+              </a:lnRef>
+              <a:fillRef idx="0">
+                <a:schemeClr val="accent1"/>
+              </a:fillRef>
+              <a:effectRef idx="0">
+                <a:schemeClr val="accent1"/>
+              </a:effectRef>
+              <a:fontRef idx="minor">
+                <a:schemeClr val="tx1"/>
+              </a:fontRef>
+            </p:style>
+            <p:txBody>
+              <a:bodyPr rtlCol="0" anchor="ctr"/>
+              <a:lstStyle/>
+              <a:p>
+                <a:pPr algn="ctr"/>
+                <a:r>
+                  <a:rPr lang="en-US" dirty="0"/>
+                  <a:t>0.853</a:t>
+                </a:r>
+              </a:p>
+              <a:p>
+                <a:pPr algn="ctr"/>
+                <a:r>
+                  <a:rPr lang="en-US" dirty="0"/>
+                  <a:t>0.042</a:t>
+                </a:r>
+              </a:p>
+              <a:p>
+                <a:pPr algn="ctr"/>
+                <a:r>
+                  <a:rPr lang="en-US" dirty="0"/>
+                  <a:t>0.083</a:t>
+                </a:r>
+              </a:p>
+              <a:p>
+                <a:pPr algn="ctr"/>
+                <a:r>
+                  <a:rPr lang="en-US" dirty="0"/>
+                  <a:t>0.009</a:t>
+                </a:r>
+              </a:p>
+              <a:p>
+                <a:pPr algn="ctr"/>
+                <a:r>
+                  <a:rPr lang="en-US" dirty="0"/>
+                  <a:t>0.115</a:t>
+                </a:r>
+              </a:p>
+              <a:p>
+                <a:pPr algn="ctr"/>
+                <a:r>
+                  <a:rPr lang="en-US" dirty="0"/>
+                  <a:t>0.101</a:t>
+                </a:r>
+              </a:p>
+            </p:txBody>
+          </p:sp>
+        </p:grpSp>
+        <p:sp>
+          <p:nvSpPr>
+            <p:cNvPr id="28" name="Arrow: Right 27">
+              <a:extLst>
+                <a:ext uri="{FF2B5EF4-FFF2-40B4-BE49-F238E27FC236}">
+                  <a16:creationId xmlns:a16="http://schemas.microsoft.com/office/drawing/2014/main" id="{A28E38B1-DFD5-4652-BFD6-4C88C85318DD}"/>
+                </a:ext>
+              </a:extLst>
+            </p:cNvPr>
+            <p:cNvSpPr/>
+            <p:nvPr/>
+          </p:nvSpPr>
+          <p:spPr>
+            <a:xfrm>
+              <a:off x="8838239" y="3394934"/>
+              <a:ext cx="488576" cy="292244"/>
+            </a:xfrm>
+            <a:prstGeom prst="rightArrow">
+              <a:avLst/>
+            </a:prstGeom>
+          </p:spPr>
+          <p:style>
+            <a:lnRef idx="2">
+              <a:schemeClr val="accent1">
+                <a:shade val="50000"/>
+              </a:schemeClr>
+            </a:lnRef>
+            <a:fillRef idx="1">
+              <a:schemeClr val="accent1"/>
+            </a:fillRef>
+            <a:effectRef idx="0">
+              <a:schemeClr val="accent1"/>
+            </a:effectRef>
+            <a:fontRef idx="minor">
+              <a:schemeClr val="lt1"/>
+            </a:fontRef>
+          </p:style>
+          <p:txBody>
+            <a:bodyPr rtlCol="0" anchor="ctr"/>
+            <a:lstStyle/>
+            <a:p>
+              <a:pPr algn="ctr"/>
+              <a:endParaRPr lang="en-US"/>
+            </a:p>
+          </p:txBody>
+        </p:sp>
+        <p:grpSp>
+          <p:nvGrpSpPr>
+            <p:cNvPr id="29" name="Group 28">
+              <a:extLst>
+                <a:ext uri="{FF2B5EF4-FFF2-40B4-BE49-F238E27FC236}">
+                  <a16:creationId xmlns:a16="http://schemas.microsoft.com/office/drawing/2014/main" id="{10DBE55C-5A93-4574-AB24-5FB0A12A9A8D}"/>
+                </a:ext>
+              </a:extLst>
+            </p:cNvPr>
+            <p:cNvGrpSpPr/>
+            <p:nvPr/>
+          </p:nvGrpSpPr>
+          <p:grpSpPr>
+            <a:xfrm>
+              <a:off x="9581912" y="2380128"/>
+              <a:ext cx="818451" cy="2321858"/>
+              <a:chOff x="4784491" y="2380128"/>
+              <a:chExt cx="818451" cy="2321858"/>
+            </a:xfrm>
+          </p:grpSpPr>
+          <p:sp>
+            <p:nvSpPr>
+              <p:cNvPr id="30" name="Rectangle 29">
+                <a:extLst>
+                  <a:ext uri="{FF2B5EF4-FFF2-40B4-BE49-F238E27FC236}">
+                    <a16:creationId xmlns:a16="http://schemas.microsoft.com/office/drawing/2014/main" id="{1BE54B37-CC7B-47ED-9F18-D7F30D8D1D88}"/>
+                  </a:ext>
+                </a:extLst>
+              </p:cNvPr>
+              <p:cNvSpPr/>
+              <p:nvPr/>
+            </p:nvSpPr>
+            <p:spPr>
+              <a:xfrm>
+                <a:off x="4793455" y="2752164"/>
+                <a:ext cx="809487" cy="221667"/>
+              </a:xfrm>
+              <a:prstGeom prst="rect">
+                <a:avLst/>
+              </a:prstGeom>
+              <a:solidFill>
+                <a:schemeClr val="accent2"/>
+              </a:solidFill>
+              <a:ln>
+                <a:noFill/>
+              </a:ln>
+            </p:spPr>
+            <p:style>
+              <a:lnRef idx="2">
+                <a:schemeClr val="accent1">
+                  <a:shade val="50000"/>
+                </a:schemeClr>
+              </a:lnRef>
+              <a:fillRef idx="1">
+                <a:schemeClr val="accent1"/>
+              </a:fillRef>
+              <a:effectRef idx="0">
+                <a:schemeClr val="accent1"/>
+              </a:effectRef>
+              <a:fontRef idx="minor">
+                <a:schemeClr val="lt1"/>
+              </a:fontRef>
+            </p:style>
+            <p:txBody>
+              <a:bodyPr rtlCol="0" anchor="ctr"/>
+              <a:lstStyle/>
+              <a:p>
+                <a:pPr algn="ctr"/>
+                <a:endParaRPr lang="en-US" dirty="0">
+                  <a:solidFill>
+                    <a:schemeClr val="accent2"/>
+                  </a:solidFill>
+                </a:endParaRPr>
+              </a:p>
+            </p:txBody>
+          </p:sp>
+          <p:sp>
+            <p:nvSpPr>
+              <p:cNvPr id="31" name="Double Bracket 30">
+                <a:extLst>
+                  <a:ext uri="{FF2B5EF4-FFF2-40B4-BE49-F238E27FC236}">
+                    <a16:creationId xmlns:a16="http://schemas.microsoft.com/office/drawing/2014/main" id="{8CB80C81-E011-4DA1-A72D-25D3A6FA222D}"/>
+                  </a:ext>
+                </a:extLst>
+              </p:cNvPr>
+              <p:cNvSpPr/>
+              <p:nvPr/>
+            </p:nvSpPr>
+            <p:spPr>
+              <a:xfrm>
+                <a:off x="4784491" y="2380128"/>
+                <a:ext cx="818451" cy="2321858"/>
+              </a:xfrm>
+              <a:prstGeom prst="bracketPair">
+                <a:avLst/>
+              </a:prstGeom>
+              <a:ln w="28575"/>
+            </p:spPr>
+            <p:style>
+              <a:lnRef idx="1">
+                <a:schemeClr val="accent1"/>
+              </a:lnRef>
+              <a:fillRef idx="0">
+                <a:schemeClr val="accent1"/>
+              </a:fillRef>
+              <a:effectRef idx="0">
+                <a:schemeClr val="accent1"/>
+              </a:effectRef>
+              <a:fontRef idx="minor">
+                <a:schemeClr val="tx1"/>
+              </a:fontRef>
+            </p:style>
+            <p:txBody>
+              <a:bodyPr rtlCol="0" anchor="ctr"/>
+              <a:lstStyle/>
+              <a:p>
+                <a:pPr algn="ctr"/>
+                <a:r>
+                  <a:rPr lang="en-US" dirty="0"/>
+                  <a:t>0.998</a:t>
+                </a:r>
+              </a:p>
+              <a:p>
+                <a:pPr algn="ctr"/>
+                <a:r>
+                  <a:rPr lang="en-US" dirty="0"/>
+                  <a:t>0.001</a:t>
+                </a:r>
+              </a:p>
+              <a:p>
+                <a:pPr algn="ctr"/>
+                <a:r>
+                  <a:rPr lang="en-US" dirty="0"/>
+                  <a:t>0.001</a:t>
+                </a:r>
+              </a:p>
+              <a:p>
+                <a:pPr algn="ctr"/>
+                <a:r>
+                  <a:rPr lang="en-US" dirty="0"/>
+                  <a:t>0.000</a:t>
+                </a:r>
+              </a:p>
+              <a:p>
+                <a:pPr algn="ctr"/>
+                <a:r>
+                  <a:rPr lang="en-US" dirty="0"/>
+                  <a:t>0.002</a:t>
+                </a:r>
+              </a:p>
+              <a:p>
+                <a:pPr algn="ctr"/>
+                <a:r>
+                  <a:rPr lang="en-US" dirty="0"/>
+                  <a:t>0.004</a:t>
+                </a:r>
+              </a:p>
+            </p:txBody>
+          </p:sp>
+        </p:grpSp>
+      </p:grpSp>
+      <p:sp>
+        <p:nvSpPr>
+          <p:cNvPr id="34" name="TextBox 33">
+            <a:extLst>
+              <a:ext uri="{FF2B5EF4-FFF2-40B4-BE49-F238E27FC236}">
+                <a16:creationId xmlns:a16="http://schemas.microsoft.com/office/drawing/2014/main" id="{A134A145-B059-43CD-BE3E-AC3ECD776B4D}"/>
+              </a:ext>
+            </a:extLst>
+          </p:cNvPr>
+          <p:cNvSpPr txBox="1"/>
+          <p:nvPr/>
+        </p:nvSpPr>
+        <p:spPr>
+          <a:xfrm>
+            <a:off x="774067" y="2719546"/>
+            <a:ext cx="878238" cy="307777"/>
+          </a:xfrm>
+          <a:prstGeom prst="rect">
+            <a:avLst/>
+          </a:prstGeom>
+          <a:noFill/>
+        </p:spPr>
+        <p:txBody>
+          <a:bodyPr wrap="square" rtlCol="0">
+            <a:spAutoFit/>
+          </a:bodyPr>
+          <a:lstStyle/>
+          <a:p>
+            <a:r>
+              <a:rPr lang="en-US" sz="1400" b="1" dirty="0">
+                <a:solidFill>
+                  <a:schemeClr val="accent2"/>
+                </a:solidFill>
+              </a:rPr>
+              <a:t>engineer</a:t>
+            </a:r>
+          </a:p>
+        </p:txBody>
+      </p:sp>
+      <p:sp>
+        <p:nvSpPr>
+          <p:cNvPr id="35" name="TextBox 34">
+            <a:extLst>
+              <a:ext uri="{FF2B5EF4-FFF2-40B4-BE49-F238E27FC236}">
+                <a16:creationId xmlns:a16="http://schemas.microsoft.com/office/drawing/2014/main" id="{C497C758-14B5-490E-8F1F-B2BBF6EB6C06}"/>
+              </a:ext>
+            </a:extLst>
+          </p:cNvPr>
+          <p:cNvSpPr txBox="1"/>
+          <p:nvPr/>
+        </p:nvSpPr>
+        <p:spPr>
+          <a:xfrm>
+            <a:off x="774067" y="2978156"/>
+            <a:ext cx="954596" cy="307777"/>
+          </a:xfrm>
+          <a:prstGeom prst="rect">
+            <a:avLst/>
+          </a:prstGeom>
+          <a:noFill/>
+        </p:spPr>
+        <p:txBody>
+          <a:bodyPr wrap="square" rtlCol="0">
+            <a:spAutoFit/>
+          </a:bodyPr>
+          <a:lstStyle/>
+          <a:p>
+            <a:r>
+              <a:rPr lang="en-US" sz="1400" b="1" dirty="0">
+                <a:highlight>
+                  <a:srgbClr val="FFFF00"/>
+                </a:highlight>
+              </a:rPr>
+              <a:t>minimized</a:t>
+            </a:r>
+          </a:p>
+        </p:txBody>
+      </p:sp>
+      <p:sp>
+        <p:nvSpPr>
+          <p:cNvPr id="37" name="TextBox 36">
+            <a:extLst>
+              <a:ext uri="{FF2B5EF4-FFF2-40B4-BE49-F238E27FC236}">
+                <a16:creationId xmlns:a16="http://schemas.microsoft.com/office/drawing/2014/main" id="{FD36CCBC-EA9E-4E3F-AFBD-B8F385B988DF}"/>
+              </a:ext>
+            </a:extLst>
+          </p:cNvPr>
+          <p:cNvSpPr txBox="1"/>
+          <p:nvPr/>
+        </p:nvSpPr>
+        <p:spPr>
+          <a:xfrm>
+            <a:off x="774067" y="3578902"/>
+            <a:ext cx="878238" cy="307777"/>
+          </a:xfrm>
+          <a:prstGeom prst="rect">
+            <a:avLst/>
+          </a:prstGeom>
+          <a:noFill/>
+        </p:spPr>
+        <p:txBody>
+          <a:bodyPr wrap="square" rtlCol="0">
+            <a:spAutoFit/>
+          </a:bodyPr>
+          <a:lstStyle/>
+          <a:p>
+            <a:r>
+              <a:rPr lang="en-US" sz="1400" b="1" dirty="0">
+                <a:highlight>
+                  <a:srgbClr val="FFFF00"/>
+                </a:highlight>
+              </a:rPr>
+              <a:t>concerns</a:t>
+            </a:r>
+          </a:p>
+        </p:txBody>
+      </p:sp>
+      <p:sp>
+        <p:nvSpPr>
+          <p:cNvPr id="39" name="TextBox 38">
+            <a:extLst>
+              <a:ext uri="{FF2B5EF4-FFF2-40B4-BE49-F238E27FC236}">
+                <a16:creationId xmlns:a16="http://schemas.microsoft.com/office/drawing/2014/main" id="{821E5F47-1163-46BD-B226-B899253D0C38}"/>
+              </a:ext>
+            </a:extLst>
+          </p:cNvPr>
+          <p:cNvSpPr txBox="1"/>
+          <p:nvPr/>
+        </p:nvSpPr>
+        <p:spPr>
+          <a:xfrm>
+            <a:off x="768871" y="3274849"/>
+            <a:ext cx="842181" cy="307777"/>
+          </a:xfrm>
+          <a:prstGeom prst="rect">
+            <a:avLst/>
+          </a:prstGeom>
+          <a:noFill/>
+        </p:spPr>
+        <p:txBody>
+          <a:bodyPr wrap="square" rtlCol="0">
+            <a:spAutoFit/>
+          </a:bodyPr>
+          <a:lstStyle/>
+          <a:p>
+            <a:r>
+              <a:rPr lang="en-US" sz="1400" b="1" dirty="0">
+                <a:highlight>
+                  <a:srgbClr val="FFFF00"/>
+                </a:highlight>
+              </a:rPr>
+              <a:t>primary</a:t>
+            </a:r>
+          </a:p>
+        </p:txBody>
+      </p:sp>
+      <p:sp>
+        <p:nvSpPr>
+          <p:cNvPr id="41" name="TextBox 40">
+            <a:extLst>
+              <a:ext uri="{FF2B5EF4-FFF2-40B4-BE49-F238E27FC236}">
+                <a16:creationId xmlns:a16="http://schemas.microsoft.com/office/drawing/2014/main" id="{517CA33A-59D1-43E5-B7FB-F384CAFA47B5}"/>
+              </a:ext>
+            </a:extLst>
+          </p:cNvPr>
+          <p:cNvSpPr txBox="1"/>
+          <p:nvPr/>
+        </p:nvSpPr>
+        <p:spPr>
+          <a:xfrm>
+            <a:off x="768871" y="3875595"/>
+            <a:ext cx="878238" cy="307777"/>
+          </a:xfrm>
+          <a:prstGeom prst="rect">
+            <a:avLst/>
+          </a:prstGeom>
+          <a:noFill/>
+        </p:spPr>
+        <p:txBody>
+          <a:bodyPr wrap="square" rtlCol="0">
+            <a:spAutoFit/>
+          </a:bodyPr>
+          <a:lstStyle/>
+          <a:p>
+            <a:r>
+              <a:rPr lang="en-US" sz="1400" b="1" dirty="0">
+                <a:highlight>
+                  <a:srgbClr val="FFFF00"/>
+                </a:highlight>
+              </a:rPr>
+              <a:t>led</a:t>
+            </a:r>
+          </a:p>
+        </p:txBody>
+      </p:sp>
+      <p:sp>
+        <p:nvSpPr>
+          <p:cNvPr id="42" name="TextBox 41">
+            <a:extLst>
+              <a:ext uri="{FF2B5EF4-FFF2-40B4-BE49-F238E27FC236}">
+                <a16:creationId xmlns:a16="http://schemas.microsoft.com/office/drawing/2014/main" id="{446C1B2B-F95A-44CD-8FAD-3E7B4D94FCA5}"/>
+              </a:ext>
+            </a:extLst>
+          </p:cNvPr>
+          <p:cNvSpPr txBox="1"/>
+          <p:nvPr/>
+        </p:nvSpPr>
+        <p:spPr>
+          <a:xfrm>
+            <a:off x="774067" y="4179648"/>
+            <a:ext cx="878238" cy="307777"/>
+          </a:xfrm>
+          <a:prstGeom prst="rect">
+            <a:avLst/>
+          </a:prstGeom>
+          <a:noFill/>
+        </p:spPr>
+        <p:txBody>
+          <a:bodyPr wrap="square" rtlCol="0">
+            <a:spAutoFit/>
+          </a:bodyPr>
+          <a:lstStyle/>
+          <a:p>
+            <a:r>
+              <a:rPr lang="en-US" sz="1400" b="1" dirty="0">
+                <a:highlight>
+                  <a:srgbClr val="FFFF00"/>
+                </a:highlight>
+              </a:rPr>
+              <a:t>page</a:t>
+            </a:r>
+          </a:p>
+        </p:txBody>
+      </p:sp>
+      <mc:AlternateContent xmlns:mc="http://schemas.openxmlformats.org/markup-compatibility/2006">
+        <mc:Choice xmlns:a14="http://schemas.microsoft.com/office/drawing/2010/main" Requires="a14">
+          <p:sp>
+            <p:nvSpPr>
+              <p:cNvPr id="43" name="TextBox 42">
+                <a:extLst>
+                  <a:ext uri="{FF2B5EF4-FFF2-40B4-BE49-F238E27FC236}">
+                    <a16:creationId xmlns:a16="http://schemas.microsoft.com/office/drawing/2014/main" id="{51783905-A86C-4379-AF04-11B6E006502D}"/>
+                  </a:ext>
+                </a:extLst>
+              </p:cNvPr>
+              <p:cNvSpPr txBox="1"/>
+              <p:nvPr/>
+            </p:nvSpPr>
+            <p:spPr>
+              <a:xfrm>
+                <a:off x="5345936" y="1760842"/>
+                <a:ext cx="1039839" cy="369332"/>
+              </a:xfrm>
+              <a:prstGeom prst="rect">
+                <a:avLst/>
+              </a:prstGeom>
+              <a:noFill/>
+            </p:spPr>
+            <p:txBody>
+              <a:bodyPr wrap="square" rtlCol="0">
+                <a:spAutoFit/>
+              </a:bodyPr>
+              <a:lstStyle/>
+              <a:p>
+                <a:pPr/>
+                <a14:m>
+                  <m:oMathPara xmlns:m="http://schemas.openxmlformats.org/officeDocument/2006/math">
+                    <m:oMathParaPr>
+                      <m:jc m:val="centerGroup"/>
+                    </m:oMathParaPr>
+                    <m:oMath xmlns:m="http://schemas.openxmlformats.org/officeDocument/2006/math">
+                      <m:r>
+                        <a:rPr lang="en-US" b="0" i="1" smtClean="0">
+                          <a:latin typeface="Cambria Math" panose="02040503050406030204" pitchFamily="18" charset="0"/>
+                        </a:rPr>
+                        <m:t>𝑖𝑡𝑒𝑟</m:t>
+                      </m:r>
+                      <m:r>
+                        <a:rPr lang="en-US" b="0" i="1" smtClean="0">
+                          <a:latin typeface="Cambria Math" panose="02040503050406030204" pitchFamily="18" charset="0"/>
+                        </a:rPr>
+                        <m:t>=1</m:t>
+                      </m:r>
+                    </m:oMath>
+                  </m:oMathPara>
+                </a14:m>
+                <a:endParaRPr lang="en-US" dirty="0"/>
+              </a:p>
+            </p:txBody>
+          </p:sp>
+        </mc:Choice>
+        <mc:Fallback>
+          <p:sp>
+            <p:nvSpPr>
+              <p:cNvPr id="43" name="TextBox 42">
+                <a:extLst>
+                  <a:ext uri="{FF2B5EF4-FFF2-40B4-BE49-F238E27FC236}">
+                    <a16:creationId xmlns:a16="http://schemas.microsoft.com/office/drawing/2014/main" id="{51783905-A86C-4379-AF04-11B6E006502D}"/>
+                  </a:ext>
+                </a:extLst>
+              </p:cNvPr>
+              <p:cNvSpPr txBox="1">
+                <a:spLocks noRot="1" noChangeAspect="1" noMove="1" noResize="1" noEditPoints="1" noAdjustHandles="1" noChangeArrowheads="1" noChangeShapeType="1" noTextEdit="1"/>
+              </p:cNvSpPr>
+              <p:nvPr/>
+            </p:nvSpPr>
+            <p:spPr>
+              <a:xfrm>
+                <a:off x="5345936" y="1760842"/>
+                <a:ext cx="1039839" cy="369332"/>
+              </a:xfrm>
+              <a:prstGeom prst="rect">
+                <a:avLst/>
+              </a:prstGeom>
+              <a:blipFill>
+                <a:blip r:embed="rId4"/>
+                <a:stretch>
+                  <a:fillRect/>
+                </a:stretch>
+              </a:blipFill>
+            </p:spPr>
+            <p:txBody>
+              <a:bodyPr/>
+              <a:lstStyle/>
+              <a:p>
+                <a:r>
+                  <a:rPr lang="en-US">
+                    <a:noFill/>
+                  </a:rPr>
+                  <a:t> </a:t>
+                </a:r>
+              </a:p>
+            </p:txBody>
+          </p:sp>
+        </mc:Fallback>
+      </mc:AlternateContent>
+      <mc:AlternateContent xmlns:mc="http://schemas.openxmlformats.org/markup-compatibility/2006">
+        <mc:Choice xmlns:a14="http://schemas.microsoft.com/office/drawing/2010/main" Requires="a14">
+          <p:sp>
+            <p:nvSpPr>
+              <p:cNvPr id="44" name="TextBox 43">
+                <a:extLst>
+                  <a:ext uri="{FF2B5EF4-FFF2-40B4-BE49-F238E27FC236}">
+                    <a16:creationId xmlns:a16="http://schemas.microsoft.com/office/drawing/2014/main" id="{CF4E22BE-96A5-47FA-A06A-DEAC71429D60}"/>
+                  </a:ext>
+                </a:extLst>
+              </p:cNvPr>
+              <p:cNvSpPr txBox="1"/>
+              <p:nvPr/>
+            </p:nvSpPr>
+            <p:spPr>
+              <a:xfrm>
+                <a:off x="7163157" y="1760842"/>
+                <a:ext cx="1039839" cy="369332"/>
+              </a:xfrm>
+              <a:prstGeom prst="rect">
+                <a:avLst/>
+              </a:prstGeom>
+              <a:noFill/>
+            </p:spPr>
+            <p:txBody>
+              <a:bodyPr wrap="square" rtlCol="0">
+                <a:spAutoFit/>
+              </a:bodyPr>
+              <a:lstStyle/>
+              <a:p>
+                <a:pPr/>
+                <a14:m>
+                  <m:oMathPara xmlns:m="http://schemas.openxmlformats.org/officeDocument/2006/math">
+                    <m:oMathParaPr>
+                      <m:jc m:val="centerGroup"/>
+                    </m:oMathParaPr>
+                    <m:oMath xmlns:m="http://schemas.openxmlformats.org/officeDocument/2006/math">
+                      <m:r>
+                        <a:rPr lang="en-US" b="0" i="1" smtClean="0">
+                          <a:latin typeface="Cambria Math" panose="02040503050406030204" pitchFamily="18" charset="0"/>
+                        </a:rPr>
+                        <m:t>𝑖𝑡𝑒𝑟</m:t>
+                      </m:r>
+                      <m:r>
+                        <a:rPr lang="en-US" b="0" i="1" smtClean="0">
+                          <a:latin typeface="Cambria Math" panose="02040503050406030204" pitchFamily="18" charset="0"/>
+                        </a:rPr>
+                        <m:t>=2</m:t>
+                      </m:r>
+                    </m:oMath>
+                  </m:oMathPara>
+                </a14:m>
+                <a:endParaRPr lang="en-US" dirty="0"/>
+              </a:p>
+            </p:txBody>
+          </p:sp>
+        </mc:Choice>
+        <mc:Fallback>
+          <p:sp>
+            <p:nvSpPr>
+              <p:cNvPr id="44" name="TextBox 43">
+                <a:extLst>
+                  <a:ext uri="{FF2B5EF4-FFF2-40B4-BE49-F238E27FC236}">
+                    <a16:creationId xmlns:a16="http://schemas.microsoft.com/office/drawing/2014/main" id="{CF4E22BE-96A5-47FA-A06A-DEAC71429D60}"/>
+                  </a:ext>
+                </a:extLst>
+              </p:cNvPr>
+              <p:cNvSpPr txBox="1">
+                <a:spLocks noRot="1" noChangeAspect="1" noMove="1" noResize="1" noEditPoints="1" noAdjustHandles="1" noChangeArrowheads="1" noChangeShapeType="1" noTextEdit="1"/>
+              </p:cNvSpPr>
+              <p:nvPr/>
+            </p:nvSpPr>
+            <p:spPr>
+              <a:xfrm>
+                <a:off x="7163157" y="1760842"/>
+                <a:ext cx="1039839" cy="369332"/>
+              </a:xfrm>
+              <a:prstGeom prst="rect">
+                <a:avLst/>
+              </a:prstGeom>
+              <a:blipFill>
+                <a:blip r:embed="rId5"/>
+                <a:stretch>
+                  <a:fillRect/>
+                </a:stretch>
+              </a:blipFill>
+            </p:spPr>
+            <p:txBody>
+              <a:bodyPr/>
+              <a:lstStyle/>
+              <a:p>
+                <a:r>
+                  <a:rPr lang="en-US">
+                    <a:noFill/>
+                  </a:rPr>
+                  <a:t> </a:t>
+                </a:r>
+              </a:p>
+            </p:txBody>
+          </p:sp>
+        </mc:Fallback>
+      </mc:AlternateContent>
+      <mc:AlternateContent xmlns:mc="http://schemas.openxmlformats.org/markup-compatibility/2006">
+        <mc:Choice xmlns:a14="http://schemas.microsoft.com/office/drawing/2010/main" Requires="a14">
+          <p:sp>
+            <p:nvSpPr>
+              <p:cNvPr id="47" name="TextBox 46">
+                <a:extLst>
+                  <a:ext uri="{FF2B5EF4-FFF2-40B4-BE49-F238E27FC236}">
+                    <a16:creationId xmlns:a16="http://schemas.microsoft.com/office/drawing/2014/main" id="{778645A5-E09E-4E2B-94FB-4CFA9ED20A08}"/>
+                  </a:ext>
+                </a:extLst>
+              </p:cNvPr>
+              <p:cNvSpPr txBox="1"/>
+              <p:nvPr/>
+            </p:nvSpPr>
+            <p:spPr>
+              <a:xfrm>
+                <a:off x="8980378" y="1760842"/>
+                <a:ext cx="1039839" cy="369332"/>
+              </a:xfrm>
+              <a:prstGeom prst="rect">
+                <a:avLst/>
+              </a:prstGeom>
+              <a:noFill/>
+            </p:spPr>
+            <p:txBody>
+              <a:bodyPr wrap="square" rtlCol="0">
+                <a:spAutoFit/>
+              </a:bodyPr>
+              <a:lstStyle/>
+              <a:p>
+                <a:pPr/>
+                <a14:m>
+                  <m:oMathPara xmlns:m="http://schemas.openxmlformats.org/officeDocument/2006/math">
+                    <m:oMathParaPr>
+                      <m:jc m:val="centerGroup"/>
+                    </m:oMathParaPr>
+                    <m:oMath xmlns:m="http://schemas.openxmlformats.org/officeDocument/2006/math">
+                      <m:r>
+                        <a:rPr lang="en-US" b="0" i="1" smtClean="0">
+                          <a:latin typeface="Cambria Math" panose="02040503050406030204" pitchFamily="18" charset="0"/>
+                        </a:rPr>
+                        <m:t>𝑖𝑡𝑒𝑟</m:t>
+                      </m:r>
+                      <m:r>
+                        <a:rPr lang="en-US" b="0" i="1" smtClean="0">
+                          <a:latin typeface="Cambria Math" panose="02040503050406030204" pitchFamily="18" charset="0"/>
+                        </a:rPr>
+                        <m:t>=3</m:t>
+                      </m:r>
+                    </m:oMath>
+                  </m:oMathPara>
+                </a14:m>
+                <a:endParaRPr lang="en-US" dirty="0"/>
+              </a:p>
+            </p:txBody>
+          </p:sp>
+        </mc:Choice>
+        <mc:Fallback>
+          <p:sp>
+            <p:nvSpPr>
+              <p:cNvPr id="47" name="TextBox 46">
+                <a:extLst>
+                  <a:ext uri="{FF2B5EF4-FFF2-40B4-BE49-F238E27FC236}">
+                    <a16:creationId xmlns:a16="http://schemas.microsoft.com/office/drawing/2014/main" id="{778645A5-E09E-4E2B-94FB-4CFA9ED20A08}"/>
+                  </a:ext>
+                </a:extLst>
+              </p:cNvPr>
+              <p:cNvSpPr txBox="1">
+                <a:spLocks noRot="1" noChangeAspect="1" noMove="1" noResize="1" noEditPoints="1" noAdjustHandles="1" noChangeArrowheads="1" noChangeShapeType="1" noTextEdit="1"/>
+              </p:cNvSpPr>
+              <p:nvPr/>
+            </p:nvSpPr>
+            <p:spPr>
+              <a:xfrm>
+                <a:off x="8980378" y="1760842"/>
+                <a:ext cx="1039839" cy="369332"/>
+              </a:xfrm>
+              <a:prstGeom prst="rect">
+                <a:avLst/>
+              </a:prstGeom>
+              <a:blipFill>
+                <a:blip r:embed="rId6"/>
+                <a:stretch>
+                  <a:fillRect/>
+                </a:stretch>
+              </a:blipFill>
+            </p:spPr>
+            <p:txBody>
+              <a:bodyPr/>
+              <a:lstStyle/>
+              <a:p>
+                <a:r>
+                  <a:rPr lang="en-US">
+                    <a:noFill/>
+                  </a:rPr>
+                  <a:t> </a:t>
+                </a:r>
+              </a:p>
+            </p:txBody>
+          </p:sp>
+        </mc:Fallback>
+      </mc:AlternateContent>
+      <mc:AlternateContent xmlns:mc="http://schemas.openxmlformats.org/markup-compatibility/2006">
+        <mc:Choice xmlns:a14="http://schemas.microsoft.com/office/drawing/2010/main" Requires="a14">
+          <p:sp>
+            <p:nvSpPr>
+              <p:cNvPr id="48" name="TextBox 47">
+                <a:extLst>
+                  <a:ext uri="{FF2B5EF4-FFF2-40B4-BE49-F238E27FC236}">
+                    <a16:creationId xmlns:a16="http://schemas.microsoft.com/office/drawing/2014/main" id="{65EAE00A-EE90-4579-9931-021016B12852}"/>
+                  </a:ext>
+                </a:extLst>
+              </p:cNvPr>
+              <p:cNvSpPr txBox="1"/>
+              <p:nvPr/>
+            </p:nvSpPr>
+            <p:spPr>
+              <a:xfrm>
+                <a:off x="10797599" y="1760842"/>
+                <a:ext cx="1039839" cy="369332"/>
+              </a:xfrm>
+              <a:prstGeom prst="rect">
+                <a:avLst/>
+              </a:prstGeom>
+              <a:noFill/>
+            </p:spPr>
+            <p:txBody>
+              <a:bodyPr wrap="square" rtlCol="0">
+                <a:spAutoFit/>
+              </a:bodyPr>
+              <a:lstStyle/>
+              <a:p>
+                <a:pPr/>
+                <a14:m>
+                  <m:oMathPara xmlns:m="http://schemas.openxmlformats.org/officeDocument/2006/math">
+                    <m:oMathParaPr>
+                      <m:jc m:val="centerGroup"/>
+                    </m:oMathParaPr>
+                    <m:oMath xmlns:m="http://schemas.openxmlformats.org/officeDocument/2006/math">
+                      <m:r>
+                        <a:rPr lang="en-US" b="0" i="1" smtClean="0">
+                          <a:latin typeface="Cambria Math" panose="02040503050406030204" pitchFamily="18" charset="0"/>
+                        </a:rPr>
+                        <m:t>𝑖𝑡𝑒𝑟</m:t>
+                      </m:r>
+                      <m:r>
+                        <a:rPr lang="en-US" b="0" i="1" smtClean="0">
+                          <a:latin typeface="Cambria Math" panose="02040503050406030204" pitchFamily="18" charset="0"/>
+                        </a:rPr>
+                        <m:t>=4</m:t>
+                      </m:r>
+                    </m:oMath>
+                  </m:oMathPara>
+                </a14:m>
+                <a:endParaRPr lang="en-US" dirty="0"/>
+              </a:p>
+            </p:txBody>
+          </p:sp>
+        </mc:Choice>
+        <mc:Fallback>
+          <p:sp>
+            <p:nvSpPr>
+              <p:cNvPr id="48" name="TextBox 47">
+                <a:extLst>
+                  <a:ext uri="{FF2B5EF4-FFF2-40B4-BE49-F238E27FC236}">
+                    <a16:creationId xmlns:a16="http://schemas.microsoft.com/office/drawing/2014/main" id="{65EAE00A-EE90-4579-9931-021016B12852}"/>
+                  </a:ext>
+                </a:extLst>
+              </p:cNvPr>
+              <p:cNvSpPr txBox="1">
+                <a:spLocks noRot="1" noChangeAspect="1" noMove="1" noResize="1" noEditPoints="1" noAdjustHandles="1" noChangeArrowheads="1" noChangeShapeType="1" noTextEdit="1"/>
+              </p:cNvSpPr>
+              <p:nvPr/>
+            </p:nvSpPr>
+            <p:spPr>
+              <a:xfrm>
+                <a:off x="10797599" y="1760842"/>
+                <a:ext cx="1039839" cy="369332"/>
+              </a:xfrm>
+              <a:prstGeom prst="rect">
+                <a:avLst/>
+              </a:prstGeom>
+              <a:blipFill>
+                <a:blip r:embed="rId7"/>
+                <a:stretch>
+                  <a:fillRect/>
+                </a:stretch>
+              </a:blipFill>
+            </p:spPr>
+            <p:txBody>
+              <a:bodyPr/>
+              <a:lstStyle/>
+              <a:p>
+                <a:r>
+                  <a:rPr lang="en-US">
+                    <a:noFill/>
+                  </a:rPr>
+                  <a:t> </a:t>
+                </a:r>
+              </a:p>
+            </p:txBody>
+          </p:sp>
+        </mc:Fallback>
+      </mc:AlternateContent>
+      <p:sp>
+        <p:nvSpPr>
+          <p:cNvPr id="49" name="TextBox 48">
+            <a:extLst>
+              <a:ext uri="{FF2B5EF4-FFF2-40B4-BE49-F238E27FC236}">
+                <a16:creationId xmlns:a16="http://schemas.microsoft.com/office/drawing/2014/main" id="{4B72A82E-BD1B-42B2-A922-BDBAD5810BBA}"/>
+              </a:ext>
+            </a:extLst>
+          </p:cNvPr>
+          <p:cNvSpPr txBox="1"/>
+          <p:nvPr/>
+        </p:nvSpPr>
+        <p:spPr>
+          <a:xfrm>
+            <a:off x="985413" y="3994982"/>
+            <a:ext cx="2029121" cy="369332"/>
+          </a:xfrm>
+          <a:prstGeom prst="rect">
+            <a:avLst/>
+          </a:prstGeom>
+          <a:noFill/>
+        </p:spPr>
+        <p:txBody>
+          <a:bodyPr wrap="square" rtlCol="0">
+            <a:spAutoFit/>
+          </a:bodyPr>
+          <a:lstStyle/>
+          <a:p>
+            <a:r>
+              <a:rPr lang="en-US" dirty="0">
+                <a:solidFill>
+                  <a:schemeClr val="tx1">
+                    <a:alpha val="20000"/>
+                  </a:schemeClr>
+                </a:solidFill>
+                <a:effectLst>
+                  <a:outerShdw blurRad="50800" dist="50800" dir="5400000" algn="ctr" rotWithShape="0">
+                    <a:srgbClr val="000000">
+                      <a:alpha val="0"/>
+                    </a:srgbClr>
+                  </a:outerShdw>
+                </a:effectLst>
+              </a:rPr>
+              <a:t>aegis4048.github.io</a:t>
+            </a:r>
+          </a:p>
+        </p:txBody>
+      </p:sp>
+      <p:sp>
+        <p:nvSpPr>
+          <p:cNvPr id="50" name="TextBox 49">
+            <a:extLst>
+              <a:ext uri="{FF2B5EF4-FFF2-40B4-BE49-F238E27FC236}">
+                <a16:creationId xmlns:a16="http://schemas.microsoft.com/office/drawing/2014/main" id="{8ED37A0C-6B4E-436A-B059-1377475A1802}"/>
+              </a:ext>
+            </a:extLst>
+          </p:cNvPr>
+          <p:cNvSpPr txBox="1"/>
+          <p:nvPr/>
+        </p:nvSpPr>
+        <p:spPr>
+          <a:xfrm>
+            <a:off x="9474908" y="3994982"/>
+            <a:ext cx="2029121" cy="369332"/>
+          </a:xfrm>
+          <a:prstGeom prst="rect">
+            <a:avLst/>
+          </a:prstGeom>
+          <a:noFill/>
+        </p:spPr>
+        <p:txBody>
+          <a:bodyPr wrap="square" rtlCol="0">
+            <a:spAutoFit/>
+          </a:bodyPr>
+          <a:lstStyle/>
+          <a:p>
+            <a:r>
+              <a:rPr lang="en-US" dirty="0">
+                <a:solidFill>
+                  <a:schemeClr val="tx1">
+                    <a:alpha val="20000"/>
+                  </a:schemeClr>
+                </a:solidFill>
+                <a:effectLst>
+                  <a:outerShdw blurRad="50800" dist="50800" dir="5400000" algn="ctr" rotWithShape="0">
+                    <a:srgbClr val="000000">
+                      <a:alpha val="0"/>
+                    </a:srgbClr>
+                  </a:outerShdw>
+                </a:effectLst>
+              </a:rPr>
+              <a:t>aegis4048.github.io</a:t>
+            </a:r>
+          </a:p>
+        </p:txBody>
+      </p:sp>
+      <p:sp>
+        <p:nvSpPr>
+          <p:cNvPr id="51" name="TextBox 50">
+            <a:extLst>
+              <a:ext uri="{FF2B5EF4-FFF2-40B4-BE49-F238E27FC236}">
+                <a16:creationId xmlns:a16="http://schemas.microsoft.com/office/drawing/2014/main" id="{8FE17E60-F15C-463B-93D6-F10BA48A6B99}"/>
+              </a:ext>
+            </a:extLst>
+          </p:cNvPr>
+          <p:cNvSpPr txBox="1"/>
+          <p:nvPr/>
+        </p:nvSpPr>
+        <p:spPr>
+          <a:xfrm>
+            <a:off x="5283722" y="3964204"/>
+            <a:ext cx="2029121" cy="369332"/>
+          </a:xfrm>
+          <a:prstGeom prst="rect">
+            <a:avLst/>
+          </a:prstGeom>
+          <a:noFill/>
+        </p:spPr>
+        <p:txBody>
+          <a:bodyPr wrap="square" rtlCol="0">
+            <a:spAutoFit/>
+          </a:bodyPr>
+          <a:lstStyle/>
+          <a:p>
+            <a:r>
+              <a:rPr lang="en-US" dirty="0">
+                <a:solidFill>
+                  <a:schemeClr val="tx1">
+                    <a:alpha val="20000"/>
+                  </a:schemeClr>
+                </a:solidFill>
+                <a:effectLst>
+                  <a:outerShdw blurRad="50800" dist="50800" dir="5400000" algn="ctr" rotWithShape="0">
+                    <a:srgbClr val="000000">
+                      <a:alpha val="0"/>
+                    </a:srgbClr>
+                  </a:outerShdw>
+                </a:effectLst>
+              </a:rPr>
+              <a:t>aegis4048.github.io</a:t>
+            </a:r>
+          </a:p>
+        </p:txBody>
+      </p:sp>
+      <p:sp>
+        <p:nvSpPr>
+          <p:cNvPr id="52" name="TextBox 51">
+            <a:extLst>
+              <a:ext uri="{FF2B5EF4-FFF2-40B4-BE49-F238E27FC236}">
+                <a16:creationId xmlns:a16="http://schemas.microsoft.com/office/drawing/2014/main" id="{2DE56A2B-885A-426A-A745-432545272515}"/>
+              </a:ext>
+            </a:extLst>
+          </p:cNvPr>
+          <p:cNvSpPr txBox="1"/>
+          <p:nvPr/>
+        </p:nvSpPr>
+        <p:spPr>
+          <a:xfrm>
+            <a:off x="768871" y="1760842"/>
+            <a:ext cx="1855428" cy="307777"/>
+          </a:xfrm>
+          <a:prstGeom prst="rect">
+            <a:avLst/>
+          </a:prstGeom>
+          <a:noFill/>
+        </p:spPr>
+        <p:txBody>
+          <a:bodyPr wrap="square" rtlCol="0">
+            <a:spAutoFit/>
+          </a:bodyPr>
+          <a:lstStyle/>
+          <a:p>
+            <a:r>
+              <a:rPr lang="en-US" sz="1400" b="1" dirty="0"/>
+              <a:t>Center word: </a:t>
+            </a:r>
+            <a:r>
+              <a:rPr lang="en-US" sz="1400" b="1" dirty="0">
+                <a:solidFill>
+                  <a:schemeClr val="accent6"/>
+                </a:solidFill>
+              </a:rPr>
+              <a:t>drilling</a:t>
+            </a:r>
+          </a:p>
+        </p:txBody>
+      </p:sp>
+      <mc:AlternateContent xmlns:mc="http://schemas.openxmlformats.org/markup-compatibility/2006">
+        <mc:Choice xmlns:a14="http://schemas.microsoft.com/office/drawing/2010/main" Requires="a14">
+          <p:sp>
+            <p:nvSpPr>
+              <p:cNvPr id="55" name="TextBox 54">
+                <a:extLst>
+                  <a:ext uri="{FF2B5EF4-FFF2-40B4-BE49-F238E27FC236}">
+                    <a16:creationId xmlns:a16="http://schemas.microsoft.com/office/drawing/2014/main" id="{44C4F8C3-808D-4C3A-AA3B-14E5906F09A5}"/>
+                  </a:ext>
+                </a:extLst>
+              </p:cNvPr>
+              <p:cNvSpPr txBox="1"/>
+              <p:nvPr/>
+            </p:nvSpPr>
+            <p:spPr>
+              <a:xfrm>
+                <a:off x="3858871" y="1766367"/>
+                <a:ext cx="1039839" cy="369332"/>
+              </a:xfrm>
+              <a:prstGeom prst="rect">
+                <a:avLst/>
+              </a:prstGeom>
+              <a:noFill/>
+            </p:spPr>
+            <p:txBody>
+              <a:bodyPr wrap="square" rtlCol="0">
+                <a:spAutoFit/>
+              </a:bodyPr>
+              <a:lstStyle/>
+              <a:p>
+                <a:pPr/>
+                <a14:m>
+                  <m:oMathPara xmlns:m="http://schemas.openxmlformats.org/officeDocument/2006/math">
+                    <m:oMathParaPr>
+                      <m:jc m:val="centerGroup"/>
+                    </m:oMathParaPr>
+                    <m:oMath xmlns:m="http://schemas.openxmlformats.org/officeDocument/2006/math">
+                      <m:r>
+                        <a:rPr lang="en-US" b="0" i="1" smtClean="0">
+                          <a:latin typeface="Cambria Math" panose="02040503050406030204" pitchFamily="18" charset="0"/>
+                        </a:rPr>
+                        <m:t>𝐾</m:t>
+                      </m:r>
+                      <m:r>
+                        <a:rPr lang="en-US" b="0" i="1" smtClean="0">
+                          <a:latin typeface="Cambria Math" panose="02040503050406030204" pitchFamily="18" charset="0"/>
+                        </a:rPr>
+                        <m:t>=5</m:t>
+                      </m:r>
+                    </m:oMath>
+                  </m:oMathPara>
+                </a14:m>
+                <a:endParaRPr lang="en-US" dirty="0"/>
+              </a:p>
+            </p:txBody>
+          </p:sp>
+        </mc:Choice>
+        <mc:Fallback>
+          <p:sp>
+            <p:nvSpPr>
+              <p:cNvPr id="55" name="TextBox 54">
+                <a:extLst>
+                  <a:ext uri="{FF2B5EF4-FFF2-40B4-BE49-F238E27FC236}">
+                    <a16:creationId xmlns:a16="http://schemas.microsoft.com/office/drawing/2014/main" id="{44C4F8C3-808D-4C3A-AA3B-14E5906F09A5}"/>
+                  </a:ext>
+                </a:extLst>
+              </p:cNvPr>
+              <p:cNvSpPr txBox="1">
+                <a:spLocks noRot="1" noChangeAspect="1" noMove="1" noResize="1" noEditPoints="1" noAdjustHandles="1" noChangeArrowheads="1" noChangeShapeType="1" noTextEdit="1"/>
+              </p:cNvSpPr>
+              <p:nvPr/>
+            </p:nvSpPr>
+            <p:spPr>
+              <a:xfrm>
+                <a:off x="3858871" y="1766367"/>
+                <a:ext cx="1039839" cy="369332"/>
+              </a:xfrm>
+              <a:prstGeom prst="rect">
+                <a:avLst/>
+              </a:prstGeom>
+              <a:blipFill>
+                <a:blip r:embed="rId8"/>
+                <a:stretch>
+                  <a:fillRect/>
+                </a:stretch>
+              </a:blipFill>
+            </p:spPr>
+            <p:txBody>
+              <a:bodyPr/>
+              <a:lstStyle/>
+              <a:p>
+                <a:r>
+                  <a:rPr lang="en-US">
+                    <a:noFill/>
+                  </a:rPr>
+                  <a:t> </a:t>
+                </a:r>
+              </a:p>
+            </p:txBody>
+          </p:sp>
+        </mc:Fallback>
+      </mc:AlternateContent>
+      <p:sp>
+        <p:nvSpPr>
+          <p:cNvPr id="36" name="TextBox 35">
+            <a:extLst>
+              <a:ext uri="{FF2B5EF4-FFF2-40B4-BE49-F238E27FC236}">
+                <a16:creationId xmlns:a16="http://schemas.microsoft.com/office/drawing/2014/main" id="{DC8C665F-2BD5-4F90-8486-2EFA48F30A79}"/>
+              </a:ext>
+            </a:extLst>
+          </p:cNvPr>
+          <p:cNvSpPr txBox="1"/>
+          <p:nvPr/>
+        </p:nvSpPr>
+        <p:spPr>
+          <a:xfrm>
+            <a:off x="768871" y="2025865"/>
+            <a:ext cx="2666092" cy="307777"/>
+          </a:xfrm>
+          <a:prstGeom prst="rect">
+            <a:avLst/>
+          </a:prstGeom>
+          <a:noFill/>
+        </p:spPr>
+        <p:txBody>
+          <a:bodyPr wrap="square" rtlCol="0">
+            <a:spAutoFit/>
+          </a:bodyPr>
+          <a:lstStyle/>
+          <a:p>
+            <a:r>
+              <a:rPr lang="en-US" sz="1400" b="1" dirty="0"/>
+              <a:t>Current context word: </a:t>
+            </a:r>
+            <a:r>
+              <a:rPr lang="en-US" sz="1400" b="1" dirty="0">
+                <a:solidFill>
+                  <a:schemeClr val="accent2"/>
+                </a:solidFill>
+              </a:rPr>
+              <a:t>engineer</a:t>
+            </a:r>
+          </a:p>
+        </p:txBody>
+      </p:sp>
+    </p:spTree>
+    <p:extLst>
+      <p:ext uri="{BB962C8B-B14F-4D97-AF65-F5344CB8AC3E}">
+        <p14:creationId xmlns:p14="http://schemas.microsoft.com/office/powerpoint/2010/main" val="3529165550"/>
+      </p:ext>
+    </p:extLst>
+  </p:cSld>
+  <p:clrMapOvr>
+    <a:masterClrMapping/>
+  </p:clrMapOvr>
+</p:sld>
+</file>
+
+<file path=ppt/slides/slide20.xml><?xml version="1.0" encoding="utf-8"?>
 <p:sld xmlns:a="http://schemas.openxmlformats.org/drawingml/2006/main" xmlns:r="http://schemas.openxmlformats.org/officeDocument/2006/relationships" xmlns:p="http://schemas.openxmlformats.org/presentationml/2006/main">
   <p:cSld>
     <p:spTree>
@@ -17121,873 +20036,7 @@
 </p:sld>
 </file>
 
-<file path=ppt/slides/slide2.xml><?xml version="1.0" encoding="utf-8"?>
-<p:sld xmlns:a="http://schemas.openxmlformats.org/drawingml/2006/main" xmlns:r="http://schemas.openxmlformats.org/officeDocument/2006/relationships" xmlns:p="http://schemas.openxmlformats.org/presentationml/2006/main">
-  <p:cSld>
-    <p:spTree>
-      <p:nvGrpSpPr>
-        <p:cNvPr id="1" name=""/>
-        <p:cNvGrpSpPr/>
-        <p:nvPr/>
-      </p:nvGrpSpPr>
-      <p:grpSpPr>
-        <a:xfrm>
-          <a:off x="0" y="0"/>
-          <a:ext cx="0" cy="0"/>
-          <a:chOff x="0" y="0"/>
-          <a:chExt cx="0" cy="0"/>
-        </a:xfrm>
-      </p:grpSpPr>
-      <p:sp>
-        <p:nvSpPr>
-          <p:cNvPr id="17" name="Rectangle 16">
-            <a:extLst>
-              <a:ext uri="{FF2B5EF4-FFF2-40B4-BE49-F238E27FC236}">
-                <a16:creationId xmlns:a16="http://schemas.microsoft.com/office/drawing/2014/main" id="{98E19B69-8DC4-400A-BA56-380FB0B89E26}"/>
-              </a:ext>
-            </a:extLst>
-          </p:cNvPr>
-          <p:cNvSpPr/>
-          <p:nvPr/>
-        </p:nvSpPr>
-        <p:spPr>
-          <a:xfrm>
-            <a:off x="8361979" y="4261034"/>
-            <a:ext cx="1019586" cy="319034"/>
-          </a:xfrm>
-          <a:prstGeom prst="rect">
-            <a:avLst/>
-          </a:prstGeom>
-          <a:solidFill>
-            <a:srgbClr val="FFFF00"/>
-          </a:solidFill>
-          <a:ln>
-            <a:solidFill>
-              <a:schemeClr val="tx1"/>
-            </a:solidFill>
-          </a:ln>
-        </p:spPr>
-        <p:style>
-          <a:lnRef idx="2">
-            <a:schemeClr val="accent1">
-              <a:shade val="50000"/>
-            </a:schemeClr>
-          </a:lnRef>
-          <a:fillRef idx="1">
-            <a:schemeClr val="accent1"/>
-          </a:fillRef>
-          <a:effectRef idx="0">
-            <a:schemeClr val="accent1"/>
-          </a:effectRef>
-          <a:fontRef idx="minor">
-            <a:schemeClr val="lt1"/>
-          </a:fontRef>
-        </p:style>
-        <p:txBody>
-          <a:bodyPr rtlCol="0" anchor="ctr"/>
-          <a:lstStyle/>
-          <a:p>
-            <a:pPr algn="ctr"/>
-            <a:endParaRPr lang="en-US" dirty="0">
-              <a:solidFill>
-                <a:schemeClr val="tx1"/>
-              </a:solidFill>
-              <a:highlight>
-                <a:srgbClr val="FFFF00"/>
-              </a:highlight>
-            </a:endParaRPr>
-          </a:p>
-        </p:txBody>
-      </p:sp>
-      <p:sp>
-        <p:nvSpPr>
-          <p:cNvPr id="16" name="Rectangle 15">
-            <a:extLst>
-              <a:ext uri="{FF2B5EF4-FFF2-40B4-BE49-F238E27FC236}">
-                <a16:creationId xmlns:a16="http://schemas.microsoft.com/office/drawing/2014/main" id="{2B725696-6BF8-4B5B-BA3F-025252F468B5}"/>
-              </a:ext>
-            </a:extLst>
-          </p:cNvPr>
-          <p:cNvSpPr/>
-          <p:nvPr/>
-        </p:nvSpPr>
-        <p:spPr>
-          <a:xfrm>
-            <a:off x="6175936" y="5290739"/>
-            <a:ext cx="924111" cy="319034"/>
-          </a:xfrm>
-          <a:prstGeom prst="rect">
-            <a:avLst/>
-          </a:prstGeom>
-          <a:solidFill>
-            <a:srgbClr val="FFFF00"/>
-          </a:solidFill>
-          <a:ln>
-            <a:solidFill>
-              <a:schemeClr val="tx1"/>
-            </a:solidFill>
-          </a:ln>
-        </p:spPr>
-        <p:style>
-          <a:lnRef idx="2">
-            <a:schemeClr val="accent1">
-              <a:shade val="50000"/>
-            </a:schemeClr>
-          </a:lnRef>
-          <a:fillRef idx="1">
-            <a:schemeClr val="accent1"/>
-          </a:fillRef>
-          <a:effectRef idx="0">
-            <a:schemeClr val="accent1"/>
-          </a:effectRef>
-          <a:fontRef idx="minor">
-            <a:schemeClr val="lt1"/>
-          </a:fontRef>
-        </p:style>
-        <p:txBody>
-          <a:bodyPr rtlCol="0" anchor="ctr"/>
-          <a:lstStyle/>
-          <a:p>
-            <a:pPr algn="ctr"/>
-            <a:endParaRPr lang="en-US" dirty="0">
-              <a:solidFill>
-                <a:schemeClr val="tx1"/>
-              </a:solidFill>
-              <a:highlight>
-                <a:srgbClr val="FFFF00"/>
-              </a:highlight>
-            </a:endParaRPr>
-          </a:p>
-        </p:txBody>
-      </p:sp>
-      <p:sp>
-        <p:nvSpPr>
-          <p:cNvPr id="18" name="Rectangle 17">
-            <a:extLst>
-              <a:ext uri="{FF2B5EF4-FFF2-40B4-BE49-F238E27FC236}">
-                <a16:creationId xmlns:a16="http://schemas.microsoft.com/office/drawing/2014/main" id="{8E5AC9B8-5766-428F-BDA2-527CDA93DBC2}"/>
-              </a:ext>
-            </a:extLst>
-          </p:cNvPr>
-          <p:cNvSpPr/>
-          <p:nvPr/>
-        </p:nvSpPr>
-        <p:spPr>
-          <a:xfrm>
-            <a:off x="2882153" y="5290739"/>
-            <a:ext cx="609600" cy="319034"/>
-          </a:xfrm>
-          <a:prstGeom prst="rect">
-            <a:avLst/>
-          </a:prstGeom>
-          <a:solidFill>
-            <a:srgbClr val="FFFF00"/>
-          </a:solidFill>
-          <a:ln>
-            <a:solidFill>
-              <a:schemeClr val="tx1"/>
-            </a:solidFill>
-          </a:ln>
-        </p:spPr>
-        <p:style>
-          <a:lnRef idx="2">
-            <a:schemeClr val="accent1">
-              <a:shade val="50000"/>
-            </a:schemeClr>
-          </a:lnRef>
-          <a:fillRef idx="1">
-            <a:schemeClr val="accent1"/>
-          </a:fillRef>
-          <a:effectRef idx="0">
-            <a:schemeClr val="accent1"/>
-          </a:effectRef>
-          <a:fontRef idx="minor">
-            <a:schemeClr val="lt1"/>
-          </a:fontRef>
-        </p:style>
-        <p:txBody>
-          <a:bodyPr rtlCol="0" anchor="ctr"/>
-          <a:lstStyle/>
-          <a:p>
-            <a:pPr algn="ctr"/>
-            <a:endParaRPr lang="en-US" dirty="0">
-              <a:solidFill>
-                <a:schemeClr val="tx1"/>
-              </a:solidFill>
-              <a:highlight>
-                <a:srgbClr val="FFFF00"/>
-              </a:highlight>
-            </a:endParaRPr>
-          </a:p>
-        </p:txBody>
-      </p:sp>
-      <p:sp>
-        <p:nvSpPr>
-          <p:cNvPr id="14" name="Rectangle 13">
-            <a:extLst>
-              <a:ext uri="{FF2B5EF4-FFF2-40B4-BE49-F238E27FC236}">
-                <a16:creationId xmlns:a16="http://schemas.microsoft.com/office/drawing/2014/main" id="{CB27E0B3-99E8-4D10-BA4F-582388D4EB9D}"/>
-              </a:ext>
-            </a:extLst>
-          </p:cNvPr>
-          <p:cNvSpPr/>
-          <p:nvPr/>
-        </p:nvSpPr>
-        <p:spPr>
-          <a:xfrm>
-            <a:off x="9520518" y="4929995"/>
-            <a:ext cx="1178858" cy="319034"/>
-          </a:xfrm>
-          <a:prstGeom prst="rect">
-            <a:avLst/>
-          </a:prstGeom>
-          <a:solidFill>
-            <a:srgbClr val="FFFF00"/>
-          </a:solidFill>
-          <a:ln>
-            <a:solidFill>
-              <a:schemeClr val="tx1"/>
-            </a:solidFill>
-          </a:ln>
-        </p:spPr>
-        <p:style>
-          <a:lnRef idx="2">
-            <a:schemeClr val="accent1">
-              <a:shade val="50000"/>
-            </a:schemeClr>
-          </a:lnRef>
-          <a:fillRef idx="1">
-            <a:schemeClr val="accent1"/>
-          </a:fillRef>
-          <a:effectRef idx="0">
-            <a:schemeClr val="accent1"/>
-          </a:effectRef>
-          <a:fontRef idx="minor">
-            <a:schemeClr val="lt1"/>
-          </a:fontRef>
-        </p:style>
-        <p:txBody>
-          <a:bodyPr rtlCol="0" anchor="ctr"/>
-          <a:lstStyle/>
-          <a:p>
-            <a:pPr algn="ctr"/>
-            <a:endParaRPr lang="en-US" dirty="0">
-              <a:solidFill>
-                <a:schemeClr val="tx1"/>
-              </a:solidFill>
-              <a:highlight>
-                <a:srgbClr val="FFFF00"/>
-              </a:highlight>
-            </a:endParaRPr>
-          </a:p>
-        </p:txBody>
-      </p:sp>
-      <p:sp>
-        <p:nvSpPr>
-          <p:cNvPr id="15" name="Rectangle 14">
-            <a:extLst>
-              <a:ext uri="{FF2B5EF4-FFF2-40B4-BE49-F238E27FC236}">
-                <a16:creationId xmlns:a16="http://schemas.microsoft.com/office/drawing/2014/main" id="{8F72D39E-6FD9-4107-8809-7A3FC5B68626}"/>
-              </a:ext>
-            </a:extLst>
-          </p:cNvPr>
-          <p:cNvSpPr/>
-          <p:nvPr/>
-        </p:nvSpPr>
-        <p:spPr>
-          <a:xfrm>
-            <a:off x="2109096" y="3589616"/>
-            <a:ext cx="1261633" cy="319034"/>
-          </a:xfrm>
-          <a:prstGeom prst="rect">
-            <a:avLst/>
-          </a:prstGeom>
-          <a:solidFill>
-            <a:srgbClr val="FFFF00"/>
-          </a:solidFill>
-          <a:ln>
-            <a:solidFill>
-              <a:schemeClr val="tx1"/>
-            </a:solidFill>
-          </a:ln>
-        </p:spPr>
-        <p:style>
-          <a:lnRef idx="2">
-            <a:schemeClr val="accent1">
-              <a:shade val="50000"/>
-            </a:schemeClr>
-          </a:lnRef>
-          <a:fillRef idx="1">
-            <a:schemeClr val="accent1"/>
-          </a:fillRef>
-          <a:effectRef idx="0">
-            <a:schemeClr val="accent1"/>
-          </a:effectRef>
-          <a:fontRef idx="minor">
-            <a:schemeClr val="lt1"/>
-          </a:fontRef>
-        </p:style>
-        <p:txBody>
-          <a:bodyPr rtlCol="0" anchor="ctr"/>
-          <a:lstStyle/>
-          <a:p>
-            <a:pPr algn="ctr"/>
-            <a:endParaRPr lang="en-US" dirty="0">
-              <a:solidFill>
-                <a:schemeClr val="tx1"/>
-              </a:solidFill>
-              <a:highlight>
-                <a:srgbClr val="FFFF00"/>
-              </a:highlight>
-            </a:endParaRPr>
-          </a:p>
-        </p:txBody>
-      </p:sp>
-      <p:sp>
-        <p:nvSpPr>
-          <p:cNvPr id="13" name="Rectangle 12">
-            <a:extLst>
-              <a:ext uri="{FF2B5EF4-FFF2-40B4-BE49-F238E27FC236}">
-                <a16:creationId xmlns:a16="http://schemas.microsoft.com/office/drawing/2014/main" id="{ACAE0EA5-DEC1-4E78-BF53-F21BA6887383}"/>
-              </a:ext>
-            </a:extLst>
-          </p:cNvPr>
-          <p:cNvSpPr/>
-          <p:nvPr/>
-        </p:nvSpPr>
-        <p:spPr>
-          <a:xfrm>
-            <a:off x="9950824" y="1595525"/>
-            <a:ext cx="1017494" cy="319034"/>
-          </a:xfrm>
-          <a:prstGeom prst="rect">
-            <a:avLst/>
-          </a:prstGeom>
-          <a:solidFill>
-            <a:schemeClr val="accent2"/>
-          </a:solidFill>
-          <a:ln>
-            <a:solidFill>
-              <a:schemeClr val="tx1"/>
-            </a:solidFill>
-          </a:ln>
-        </p:spPr>
-        <p:style>
-          <a:lnRef idx="2">
-            <a:schemeClr val="accent1">
-              <a:shade val="50000"/>
-            </a:schemeClr>
-          </a:lnRef>
-          <a:fillRef idx="1">
-            <a:schemeClr val="accent1"/>
-          </a:fillRef>
-          <a:effectRef idx="0">
-            <a:schemeClr val="accent1"/>
-          </a:effectRef>
-          <a:fontRef idx="minor">
-            <a:schemeClr val="lt1"/>
-          </a:fontRef>
-        </p:style>
-        <p:txBody>
-          <a:bodyPr rtlCol="0" anchor="ctr"/>
-          <a:lstStyle/>
-          <a:p>
-            <a:pPr algn="ctr"/>
-            <a:endParaRPr lang="en-US" dirty="0">
-              <a:solidFill>
-                <a:schemeClr val="tx1"/>
-              </a:solidFill>
-            </a:endParaRPr>
-          </a:p>
-        </p:txBody>
-      </p:sp>
-      <p:sp>
-        <p:nvSpPr>
-          <p:cNvPr id="12" name="Rectangle 11">
-            <a:extLst>
-              <a:ext uri="{FF2B5EF4-FFF2-40B4-BE49-F238E27FC236}">
-                <a16:creationId xmlns:a16="http://schemas.microsoft.com/office/drawing/2014/main" id="{40AF1CEA-91E6-4A55-9D5A-90B2DE2F50C6}"/>
-              </a:ext>
-            </a:extLst>
-          </p:cNvPr>
-          <p:cNvSpPr/>
-          <p:nvPr/>
-        </p:nvSpPr>
-        <p:spPr>
-          <a:xfrm>
-            <a:off x="1322294" y="1916166"/>
-            <a:ext cx="1445706" cy="319034"/>
-          </a:xfrm>
-          <a:prstGeom prst="rect">
-            <a:avLst/>
-          </a:prstGeom>
-          <a:solidFill>
-            <a:schemeClr val="accent2"/>
-          </a:solidFill>
-          <a:ln>
-            <a:solidFill>
-              <a:schemeClr val="tx1"/>
-            </a:solidFill>
-          </a:ln>
-        </p:spPr>
-        <p:style>
-          <a:lnRef idx="2">
-            <a:schemeClr val="accent1">
-              <a:shade val="50000"/>
-            </a:schemeClr>
-          </a:lnRef>
-          <a:fillRef idx="1">
-            <a:schemeClr val="accent1"/>
-          </a:fillRef>
-          <a:effectRef idx="0">
-            <a:schemeClr val="accent1"/>
-          </a:effectRef>
-          <a:fontRef idx="minor">
-            <a:schemeClr val="lt1"/>
-          </a:fontRef>
-        </p:style>
-        <p:txBody>
-          <a:bodyPr rtlCol="0" anchor="ctr"/>
-          <a:lstStyle/>
-          <a:p>
-            <a:pPr algn="ctr"/>
-            <a:endParaRPr lang="en-US" dirty="0">
-              <a:solidFill>
-                <a:schemeClr val="tx1"/>
-              </a:solidFill>
-            </a:endParaRPr>
-          </a:p>
-        </p:txBody>
-      </p:sp>
-      <p:sp>
-        <p:nvSpPr>
-          <p:cNvPr id="11" name="Rectangle 10">
-            <a:extLst>
-              <a:ext uri="{FF2B5EF4-FFF2-40B4-BE49-F238E27FC236}">
-                <a16:creationId xmlns:a16="http://schemas.microsoft.com/office/drawing/2014/main" id="{A6C87710-3FE4-427F-85BA-E25A9D68C369}"/>
-              </a:ext>
-            </a:extLst>
-          </p:cNvPr>
-          <p:cNvSpPr/>
-          <p:nvPr/>
-        </p:nvSpPr>
-        <p:spPr>
-          <a:xfrm>
-            <a:off x="2768000" y="1916166"/>
-            <a:ext cx="889300" cy="319034"/>
-          </a:xfrm>
-          <a:prstGeom prst="rect">
-            <a:avLst/>
-          </a:prstGeom>
-          <a:solidFill>
-            <a:schemeClr val="accent2"/>
-          </a:solidFill>
-          <a:ln>
-            <a:solidFill>
-              <a:schemeClr val="tx1"/>
-            </a:solidFill>
-          </a:ln>
-        </p:spPr>
-        <p:style>
-          <a:lnRef idx="2">
-            <a:schemeClr val="accent1">
-              <a:shade val="50000"/>
-            </a:schemeClr>
-          </a:lnRef>
-          <a:fillRef idx="1">
-            <a:schemeClr val="accent1"/>
-          </a:fillRef>
-          <a:effectRef idx="0">
-            <a:schemeClr val="accent1"/>
-          </a:effectRef>
-          <a:fontRef idx="minor">
-            <a:schemeClr val="lt1"/>
-          </a:fontRef>
-        </p:style>
-        <p:txBody>
-          <a:bodyPr rtlCol="0" anchor="ctr"/>
-          <a:lstStyle/>
-          <a:p>
-            <a:pPr algn="ctr"/>
-            <a:endParaRPr lang="en-US" dirty="0">
-              <a:solidFill>
-                <a:schemeClr val="tx1"/>
-              </a:solidFill>
-            </a:endParaRPr>
-          </a:p>
-        </p:txBody>
-      </p:sp>
-      <p:sp>
-        <p:nvSpPr>
-          <p:cNvPr id="10" name="Rectangle 9">
-            <a:extLst>
-              <a:ext uri="{FF2B5EF4-FFF2-40B4-BE49-F238E27FC236}">
-                <a16:creationId xmlns:a16="http://schemas.microsoft.com/office/drawing/2014/main" id="{5824A383-DAC2-4875-B0FC-2149733A2D52}"/>
-              </a:ext>
-            </a:extLst>
-          </p:cNvPr>
-          <p:cNvSpPr/>
-          <p:nvPr/>
-        </p:nvSpPr>
-        <p:spPr>
-          <a:xfrm>
-            <a:off x="5821680" y="1916166"/>
-            <a:ext cx="476026" cy="319034"/>
-          </a:xfrm>
-          <a:prstGeom prst="rect">
-            <a:avLst/>
-          </a:prstGeom>
-          <a:solidFill>
-            <a:schemeClr val="accent2"/>
-          </a:solidFill>
-          <a:ln>
-            <a:solidFill>
-              <a:schemeClr val="tx1"/>
-            </a:solidFill>
-          </a:ln>
-        </p:spPr>
-        <p:style>
-          <a:lnRef idx="2">
-            <a:schemeClr val="accent1">
-              <a:shade val="50000"/>
-            </a:schemeClr>
-          </a:lnRef>
-          <a:fillRef idx="1">
-            <a:schemeClr val="accent1"/>
-          </a:fillRef>
-          <a:effectRef idx="0">
-            <a:schemeClr val="accent1"/>
-          </a:effectRef>
-          <a:fontRef idx="minor">
-            <a:schemeClr val="lt1"/>
-          </a:fontRef>
-        </p:style>
-        <p:txBody>
-          <a:bodyPr rtlCol="0" anchor="ctr"/>
-          <a:lstStyle/>
-          <a:p>
-            <a:pPr algn="ctr"/>
-            <a:endParaRPr lang="en-US" dirty="0">
-              <a:solidFill>
-                <a:schemeClr val="tx1"/>
-              </a:solidFill>
-            </a:endParaRPr>
-          </a:p>
-        </p:txBody>
-      </p:sp>
-      <p:sp>
-        <p:nvSpPr>
-          <p:cNvPr id="8" name="Rectangle 7">
-            <a:extLst>
-              <a:ext uri="{FF2B5EF4-FFF2-40B4-BE49-F238E27FC236}">
-                <a16:creationId xmlns:a16="http://schemas.microsoft.com/office/drawing/2014/main" id="{C371C2CC-7DB7-457A-A303-5BDB7A21C322}"/>
-              </a:ext>
-            </a:extLst>
-          </p:cNvPr>
-          <p:cNvSpPr/>
-          <p:nvPr/>
-        </p:nvSpPr>
-        <p:spPr>
-          <a:xfrm>
-            <a:off x="5247640" y="1916166"/>
-            <a:ext cx="574040" cy="319034"/>
-          </a:xfrm>
-          <a:prstGeom prst="rect">
-            <a:avLst/>
-          </a:prstGeom>
-          <a:solidFill>
-            <a:schemeClr val="accent2"/>
-          </a:solidFill>
-          <a:ln>
-            <a:solidFill>
-              <a:schemeClr val="tx1"/>
-            </a:solidFill>
-          </a:ln>
-        </p:spPr>
-        <p:style>
-          <a:lnRef idx="2">
-            <a:schemeClr val="accent1">
-              <a:shade val="50000"/>
-            </a:schemeClr>
-          </a:lnRef>
-          <a:fillRef idx="1">
-            <a:schemeClr val="accent1"/>
-          </a:fillRef>
-          <a:effectRef idx="0">
-            <a:schemeClr val="accent1"/>
-          </a:effectRef>
-          <a:fontRef idx="minor">
-            <a:schemeClr val="lt1"/>
-          </a:fontRef>
-        </p:style>
-        <p:txBody>
-          <a:bodyPr rtlCol="0" anchor="ctr"/>
-          <a:lstStyle/>
-          <a:p>
-            <a:pPr algn="ctr"/>
-            <a:endParaRPr lang="en-US" dirty="0">
-              <a:solidFill>
-                <a:schemeClr val="tx1"/>
-              </a:solidFill>
-            </a:endParaRPr>
-          </a:p>
-        </p:txBody>
-      </p:sp>
-      <p:sp>
-        <p:nvSpPr>
-          <p:cNvPr id="6" name="Rectangle 5">
-            <a:extLst>
-              <a:ext uri="{FF2B5EF4-FFF2-40B4-BE49-F238E27FC236}">
-                <a16:creationId xmlns:a16="http://schemas.microsoft.com/office/drawing/2014/main" id="{11546E2A-C09E-4768-8139-D6F54BDE7949}"/>
-              </a:ext>
-            </a:extLst>
-          </p:cNvPr>
-          <p:cNvSpPr/>
-          <p:nvPr/>
-        </p:nvSpPr>
-        <p:spPr>
-          <a:xfrm>
-            <a:off x="4546600" y="1916167"/>
-            <a:ext cx="701040" cy="319034"/>
-          </a:xfrm>
-          <a:prstGeom prst="rect">
-            <a:avLst/>
-          </a:prstGeom>
-          <a:solidFill>
-            <a:schemeClr val="accent2"/>
-          </a:solidFill>
-          <a:ln>
-            <a:solidFill>
-              <a:schemeClr val="tx1"/>
-            </a:solidFill>
-          </a:ln>
-        </p:spPr>
-        <p:style>
-          <a:lnRef idx="2">
-            <a:schemeClr val="accent1">
-              <a:shade val="50000"/>
-            </a:schemeClr>
-          </a:lnRef>
-          <a:fillRef idx="1">
-            <a:schemeClr val="accent1"/>
-          </a:fillRef>
-          <a:effectRef idx="0">
-            <a:schemeClr val="accent1"/>
-          </a:effectRef>
-          <a:fontRef idx="minor">
-            <a:schemeClr val="lt1"/>
-          </a:fontRef>
-        </p:style>
-        <p:txBody>
-          <a:bodyPr rtlCol="0" anchor="ctr"/>
-          <a:lstStyle/>
-          <a:p>
-            <a:pPr algn="ctr"/>
-            <a:endParaRPr lang="en-US" dirty="0">
-              <a:solidFill>
-                <a:schemeClr val="tx1"/>
-              </a:solidFill>
-            </a:endParaRPr>
-          </a:p>
-        </p:txBody>
-      </p:sp>
-      <p:sp>
-        <p:nvSpPr>
-          <p:cNvPr id="5" name="Rectangle 4">
-            <a:extLst>
-              <a:ext uri="{FF2B5EF4-FFF2-40B4-BE49-F238E27FC236}">
-                <a16:creationId xmlns:a16="http://schemas.microsoft.com/office/drawing/2014/main" id="{923D5A0C-7104-4B7B-B64B-F1C23AE8C07A}"/>
-              </a:ext>
-            </a:extLst>
-          </p:cNvPr>
-          <p:cNvSpPr/>
-          <p:nvPr/>
-        </p:nvSpPr>
-        <p:spPr>
-          <a:xfrm>
-            <a:off x="3657300" y="1914559"/>
-            <a:ext cx="889300" cy="320641"/>
-          </a:xfrm>
-          <a:prstGeom prst="rect">
-            <a:avLst/>
-          </a:prstGeom>
-          <a:solidFill>
-            <a:schemeClr val="accent6"/>
-          </a:solidFill>
-          <a:ln>
-            <a:solidFill>
-              <a:schemeClr val="tx1"/>
-            </a:solidFill>
-          </a:ln>
-        </p:spPr>
-        <p:style>
-          <a:lnRef idx="2">
-            <a:schemeClr val="accent1">
-              <a:shade val="50000"/>
-            </a:schemeClr>
-          </a:lnRef>
-          <a:fillRef idx="1">
-            <a:schemeClr val="accent1"/>
-          </a:fillRef>
-          <a:effectRef idx="0">
-            <a:schemeClr val="accent1"/>
-          </a:effectRef>
-          <a:fontRef idx="minor">
-            <a:schemeClr val="lt1"/>
-          </a:fontRef>
-        </p:style>
-        <p:txBody>
-          <a:bodyPr rtlCol="0" anchor="ctr"/>
-          <a:lstStyle/>
-          <a:p>
-            <a:pPr algn="ctr"/>
-            <a:endParaRPr lang="en-US" dirty="0">
-              <a:solidFill>
-                <a:schemeClr val="tx1"/>
-              </a:solidFill>
-            </a:endParaRPr>
-          </a:p>
-        </p:txBody>
-      </p:sp>
-      <p:sp>
-        <p:nvSpPr>
-          <p:cNvPr id="4" name="Rectangle 3">
-            <a:extLst>
-              <a:ext uri="{FF2B5EF4-FFF2-40B4-BE49-F238E27FC236}">
-                <a16:creationId xmlns:a16="http://schemas.microsoft.com/office/drawing/2014/main" id="{B4D14C07-06E9-4B91-841A-570E26C18489}"/>
-              </a:ext>
-            </a:extLst>
-          </p:cNvPr>
-          <p:cNvSpPr/>
-          <p:nvPr/>
-        </p:nvSpPr>
-        <p:spPr>
-          <a:xfrm>
-            <a:off x="1259989" y="1169444"/>
-            <a:ext cx="10012680" cy="4832092"/>
-          </a:xfrm>
-          <a:prstGeom prst="rect">
-            <a:avLst/>
-          </a:prstGeom>
-        </p:spPr>
-        <p:txBody>
-          <a:bodyPr wrap="square">
-            <a:spAutoFit/>
-          </a:bodyPr>
-          <a:lstStyle/>
-          <a:p>
-            <a:r>
-              <a:rPr lang="en-US" sz="2200" dirty="0">
-                <a:latin typeface="Times New Roman" panose="02020603050405020304" pitchFamily="18" charset="0"/>
-                <a:cs typeface="Times New Roman" panose="02020603050405020304" pitchFamily="18" charset="0"/>
-              </a:rPr>
-              <a:t>Drilling fluids serve to balance formation pressures while drilling to ensure wellbore stability. They also carry cuttings to the surface and cool the bit. The drilling engineer traditionally designs drilling fluids with two primary goals in mind:</a:t>
-            </a:r>
-          </a:p>
-          <a:p>
-            <a:endParaRPr lang="en-US" sz="2200" dirty="0">
-              <a:latin typeface="Times New Roman" panose="02020603050405020304" pitchFamily="18" charset="0"/>
-              <a:cs typeface="Times New Roman" panose="02020603050405020304" pitchFamily="18" charset="0"/>
-            </a:endParaRPr>
-          </a:p>
-          <a:p>
-            <a:pPr marL="800100" lvl="1" indent="-342900">
-              <a:buFont typeface="Arial" panose="020B0604020202020204" pitchFamily="34" charset="0"/>
-              <a:buChar char="•"/>
-            </a:pPr>
-            <a:r>
-              <a:rPr lang="en-US" sz="2200" dirty="0">
-                <a:latin typeface="Times New Roman" panose="02020603050405020304" pitchFamily="18" charset="0"/>
-                <a:cs typeface="Times New Roman" panose="02020603050405020304" pitchFamily="18" charset="0"/>
-              </a:rPr>
-              <a:t>To ensure safe, stable boreholes, which is accomplished by operating within an acceptable mud-weight window</a:t>
-            </a:r>
-          </a:p>
-          <a:p>
-            <a:pPr marL="800100" lvl="1" indent="-342900">
-              <a:buFont typeface="Arial" panose="020B0604020202020204" pitchFamily="34" charset="0"/>
-              <a:buChar char="•"/>
-            </a:pPr>
-            <a:r>
-              <a:rPr lang="en-US" sz="2200" dirty="0">
-                <a:latin typeface="Times New Roman" panose="02020603050405020304" pitchFamily="18" charset="0"/>
-                <a:cs typeface="Times New Roman" panose="02020603050405020304" pitchFamily="18" charset="0"/>
-              </a:rPr>
-              <a:t>To achieve high rates of penetration so that rig time and well cost can be minimized</a:t>
-            </a:r>
-          </a:p>
-          <a:p>
-            <a:pPr marL="800100" lvl="1" indent="-342900">
-              <a:buFont typeface="Arial" panose="020B0604020202020204" pitchFamily="34" charset="0"/>
-              <a:buChar char="•"/>
-            </a:pPr>
-            <a:endParaRPr lang="en-US" sz="2200" dirty="0">
-              <a:latin typeface="Times New Roman" panose="02020603050405020304" pitchFamily="18" charset="0"/>
-              <a:cs typeface="Times New Roman" panose="02020603050405020304" pitchFamily="18" charset="0"/>
-            </a:endParaRPr>
-          </a:p>
-          <a:p>
-            <a:r>
-              <a:rPr lang="en-US" sz="2200" dirty="0">
-                <a:latin typeface="Times New Roman" panose="02020603050405020304" pitchFamily="18" charset="0"/>
-                <a:cs typeface="Times New Roman" panose="02020603050405020304" pitchFamily="18" charset="0"/>
-              </a:rPr>
-              <a:t>These primary considerations do not include well productivity concerns. A growing recognition of the importance of drilling-induced formation damage has led to the use of drill-in fluids (fluids used to drill through the pay zone) that minimize formation damage. This page discusses the formation damage that may be associated with various types of drilling fluids.</a:t>
-            </a:r>
-          </a:p>
-        </p:txBody>
-      </p:sp>
-      <p:sp>
-        <p:nvSpPr>
-          <p:cNvPr id="19" name="Rectangle 18">
-            <a:extLst>
-              <a:ext uri="{FF2B5EF4-FFF2-40B4-BE49-F238E27FC236}">
-                <a16:creationId xmlns:a16="http://schemas.microsoft.com/office/drawing/2014/main" id="{9A036AC1-7E41-466B-B032-7675F577A3BD}"/>
-              </a:ext>
-            </a:extLst>
-          </p:cNvPr>
-          <p:cNvSpPr/>
-          <p:nvPr/>
-        </p:nvSpPr>
-        <p:spPr>
-          <a:xfrm>
-            <a:off x="5534660" y="5902869"/>
-            <a:ext cx="5705216" cy="369332"/>
-          </a:xfrm>
-          <a:prstGeom prst="rect">
-            <a:avLst/>
-          </a:prstGeom>
-        </p:spPr>
-        <p:txBody>
-          <a:bodyPr wrap="none">
-            <a:spAutoFit/>
-          </a:bodyPr>
-          <a:lstStyle/>
-          <a:p>
-            <a:r>
-              <a:rPr lang="en-US" dirty="0">
-                <a:hlinkClick r:id="rId2"/>
-              </a:rPr>
-              <a:t>https://petrowiki.org/Drilling_induced_formation_damage</a:t>
-            </a:r>
-            <a:endParaRPr lang="en-US" dirty="0"/>
-          </a:p>
-        </p:txBody>
-      </p:sp>
-    </p:spTree>
-    <p:extLst>
-      <p:ext uri="{BB962C8B-B14F-4D97-AF65-F5344CB8AC3E}">
-        <p14:creationId xmlns:p14="http://schemas.microsoft.com/office/powerpoint/2010/main" val="2092424893"/>
-      </p:ext>
-    </p:extLst>
-  </p:cSld>
-  <p:clrMapOvr>
-    <a:masterClrMapping/>
-  </p:clrMapOvr>
-</p:sld>
-</file>
-
-<file path=ppt/slides/slide20.xml><?xml version="1.0" encoding="utf-8"?>
+<file path=ppt/slides/slide21.xml><?xml version="1.0" encoding="utf-8"?>
 <p:sld xmlns:a="http://schemas.openxmlformats.org/drawingml/2006/main" xmlns:r="http://schemas.openxmlformats.org/officeDocument/2006/relationships" xmlns:p="http://schemas.openxmlformats.org/presentationml/2006/main">
   <p:cSld>
     <p:spTree>
@@ -18700,7 +20749,7 @@
 </p:sld>
 </file>
 
-<file path=ppt/slides/slide21.xml><?xml version="1.0" encoding="utf-8"?>
+<file path=ppt/slides/slide22.xml><?xml version="1.0" encoding="utf-8"?>
 <p:sld xmlns:a="http://schemas.openxmlformats.org/drawingml/2006/main" xmlns:r="http://schemas.openxmlformats.org/officeDocument/2006/relationships" xmlns:p="http://schemas.openxmlformats.org/presentationml/2006/main">
   <p:cSld>
     <p:spTree>
@@ -22786,7 +24835,7 @@
 </p:sld>
 </file>
 
-<file path=ppt/slides/slide22.xml><?xml version="1.0" encoding="utf-8"?>
+<file path=ppt/slides/slide23.xml><?xml version="1.0" encoding="utf-8"?>
 <p:sld xmlns:a="http://schemas.openxmlformats.org/drawingml/2006/main" xmlns:r="http://schemas.openxmlformats.org/officeDocument/2006/relationships" xmlns:p="http://schemas.openxmlformats.org/presentationml/2006/main">
   <p:cSld>
     <p:spTree>
@@ -24213,7 +26262,7 @@
 </p:sld>
 </file>
 
-<file path=ppt/slides/slide23.xml><?xml version="1.0" encoding="utf-8"?>
+<file path=ppt/slides/slide24.xml><?xml version="1.0" encoding="utf-8"?>
 <p:sld xmlns:a="http://schemas.openxmlformats.org/drawingml/2006/main" xmlns:r="http://schemas.openxmlformats.org/officeDocument/2006/relationships" xmlns:p="http://schemas.openxmlformats.org/presentationml/2006/main">
   <p:cSld>
     <p:spTree>
@@ -27102,7 +29151,7 @@
 </p:sld>
 </file>
 
-<file path=ppt/slides/slide24.xml><?xml version="1.0" encoding="utf-8"?>
+<file path=ppt/slides/slide25.xml><?xml version="1.0" encoding="utf-8"?>
 <p:sld xmlns:a="http://schemas.openxmlformats.org/drawingml/2006/main" xmlns:r="http://schemas.openxmlformats.org/officeDocument/2006/relationships" xmlns:p="http://schemas.openxmlformats.org/presentationml/2006/main">
   <p:cSld>
     <p:spTree>
@@ -27203,7 +29252,7 @@
 </p:sld>
 </file>
 
-<file path=ppt/slides/slide25.xml><?xml version="1.0" encoding="utf-8"?>
+<file path=ppt/slides/slide26.xml><?xml version="1.0" encoding="utf-8"?>
 <p:sld xmlns:a="http://schemas.openxmlformats.org/drawingml/2006/main" xmlns:r="http://schemas.openxmlformats.org/officeDocument/2006/relationships" xmlns:p="http://schemas.openxmlformats.org/presentationml/2006/main">
   <p:cSld>
     <p:spTree>
@@ -27930,7 +29979,7 @@
 </p:sld>
 </file>
 
-<file path=ppt/slides/slide26.xml><?xml version="1.0" encoding="utf-8"?>
+<file path=ppt/slides/slide27.xml><?xml version="1.0" encoding="utf-8"?>
 <p:sld xmlns:a="http://schemas.openxmlformats.org/drawingml/2006/main" xmlns:r="http://schemas.openxmlformats.org/officeDocument/2006/relationships" xmlns:p="http://schemas.openxmlformats.org/presentationml/2006/main">
   <p:cSld>
     <p:spTree>
@@ -28560,7 +30609,7 @@
 </p:sld>
 </file>
 
-<file path=ppt/slides/slide27.xml><?xml version="1.0" encoding="utf-8"?>
+<file path=ppt/slides/slide28.xml><?xml version="1.0" encoding="utf-8"?>
 <p:sld xmlns:a="http://schemas.openxmlformats.org/drawingml/2006/main" xmlns:r="http://schemas.openxmlformats.org/officeDocument/2006/relationships" xmlns:p="http://schemas.openxmlformats.org/presentationml/2006/main">
   <p:cSld>
     <p:spTree>
@@ -29190,7 +31239,7 @@
 </p:sld>
 </file>
 
-<file path=ppt/slides/slide28.xml><?xml version="1.0" encoding="utf-8"?>
+<file path=ppt/slides/slide29.xml><?xml version="1.0" encoding="utf-8"?>
 <p:sld xmlns:a="http://schemas.openxmlformats.org/drawingml/2006/main" xmlns:r="http://schemas.openxmlformats.org/officeDocument/2006/relationships" xmlns:p="http://schemas.openxmlformats.org/presentationml/2006/main">
   <p:cSld>
     <p:spTree>
@@ -30457,7 +32506,927 @@
 </p:sld>
 </file>
 
-<file path=ppt/slides/slide29.xml><?xml version="1.0" encoding="utf-8"?>
+<file path=ppt/slides/slide3.xml><?xml version="1.0" encoding="utf-8"?>
+<p:sld xmlns:a="http://schemas.openxmlformats.org/drawingml/2006/main" xmlns:r="http://schemas.openxmlformats.org/officeDocument/2006/relationships" xmlns:p="http://schemas.openxmlformats.org/presentationml/2006/main">
+  <p:cSld>
+    <p:spTree>
+      <p:nvGrpSpPr>
+        <p:cNvPr id="1" name=""/>
+        <p:cNvGrpSpPr/>
+        <p:nvPr/>
+      </p:nvGrpSpPr>
+      <p:grpSpPr>
+        <a:xfrm>
+          <a:off x="0" y="0"/>
+          <a:ext cx="0" cy="0"/>
+          <a:chOff x="0" y="0"/>
+          <a:chExt cx="0" cy="0"/>
+        </a:xfrm>
+      </p:grpSpPr>
+      <p:sp>
+        <p:nvSpPr>
+          <p:cNvPr id="14" name="Rectangle 13">
+            <a:extLst>
+              <a:ext uri="{FF2B5EF4-FFF2-40B4-BE49-F238E27FC236}">
+                <a16:creationId xmlns:a16="http://schemas.microsoft.com/office/drawing/2014/main" id="{CB27E0B3-99E8-4D10-BA4F-582388D4EB9D}"/>
+              </a:ext>
+            </a:extLst>
+          </p:cNvPr>
+          <p:cNvSpPr/>
+          <p:nvPr/>
+        </p:nvSpPr>
+        <p:spPr>
+          <a:xfrm>
+            <a:off x="2045147" y="4261034"/>
+            <a:ext cx="962512" cy="319034"/>
+          </a:xfrm>
+          <a:prstGeom prst="rect">
+            <a:avLst/>
+          </a:prstGeom>
+          <a:solidFill>
+            <a:srgbClr val="FFFF00"/>
+          </a:solidFill>
+          <a:ln>
+            <a:solidFill>
+              <a:schemeClr val="tx1"/>
+            </a:solidFill>
+          </a:ln>
+        </p:spPr>
+        <p:style>
+          <a:lnRef idx="2">
+            <a:schemeClr val="accent1">
+              <a:shade val="50000"/>
+            </a:schemeClr>
+          </a:lnRef>
+          <a:fillRef idx="1">
+            <a:schemeClr val="accent1"/>
+          </a:fillRef>
+          <a:effectRef idx="0">
+            <a:schemeClr val="accent1"/>
+          </a:effectRef>
+          <a:fontRef idx="minor">
+            <a:schemeClr val="lt1"/>
+          </a:fontRef>
+        </p:style>
+        <p:txBody>
+          <a:bodyPr rtlCol="0" anchor="ctr"/>
+          <a:lstStyle/>
+          <a:p>
+            <a:pPr algn="ctr"/>
+            <a:endParaRPr lang="en-US" dirty="0">
+              <a:solidFill>
+                <a:schemeClr val="tx1"/>
+              </a:solidFill>
+              <a:highlight>
+                <a:srgbClr val="FFFF00"/>
+              </a:highlight>
+            </a:endParaRPr>
+          </a:p>
+        </p:txBody>
+      </p:sp>
+      <p:sp>
+        <p:nvSpPr>
+          <p:cNvPr id="16" name="Rectangle 15">
+            <a:extLst>
+              <a:ext uri="{FF2B5EF4-FFF2-40B4-BE49-F238E27FC236}">
+                <a16:creationId xmlns:a16="http://schemas.microsoft.com/office/drawing/2014/main" id="{2B725696-6BF8-4B5B-BA3F-025252F468B5}"/>
+              </a:ext>
+            </a:extLst>
+          </p:cNvPr>
+          <p:cNvSpPr/>
+          <p:nvPr/>
+        </p:nvSpPr>
+        <p:spPr>
+          <a:xfrm>
+            <a:off x="9425642" y="4606480"/>
+            <a:ext cx="417605" cy="319034"/>
+          </a:xfrm>
+          <a:prstGeom prst="rect">
+            <a:avLst/>
+          </a:prstGeom>
+          <a:solidFill>
+            <a:srgbClr val="FFFF00"/>
+          </a:solidFill>
+          <a:ln>
+            <a:solidFill>
+              <a:schemeClr val="tx1"/>
+            </a:solidFill>
+          </a:ln>
+        </p:spPr>
+        <p:style>
+          <a:lnRef idx="2">
+            <a:schemeClr val="accent1">
+              <a:shade val="50000"/>
+            </a:schemeClr>
+          </a:lnRef>
+          <a:fillRef idx="1">
+            <a:schemeClr val="accent1"/>
+          </a:fillRef>
+          <a:effectRef idx="0">
+            <a:schemeClr val="accent1"/>
+          </a:effectRef>
+          <a:fontRef idx="minor">
+            <a:schemeClr val="lt1"/>
+          </a:fontRef>
+        </p:style>
+        <p:txBody>
+          <a:bodyPr rtlCol="0" anchor="ctr"/>
+          <a:lstStyle/>
+          <a:p>
+            <a:pPr algn="ctr"/>
+            <a:endParaRPr lang="en-US" dirty="0">
+              <a:solidFill>
+                <a:schemeClr val="tx1"/>
+              </a:solidFill>
+              <a:highlight>
+                <a:srgbClr val="FFFF00"/>
+              </a:highlight>
+            </a:endParaRPr>
+          </a:p>
+        </p:txBody>
+      </p:sp>
+      <p:sp>
+        <p:nvSpPr>
+          <p:cNvPr id="17" name="Rectangle 16">
+            <a:extLst>
+              <a:ext uri="{FF2B5EF4-FFF2-40B4-BE49-F238E27FC236}">
+                <a16:creationId xmlns:a16="http://schemas.microsoft.com/office/drawing/2014/main" id="{98E19B69-8DC4-400A-BA56-380FB0B89E26}"/>
+              </a:ext>
+            </a:extLst>
+          </p:cNvPr>
+          <p:cNvSpPr/>
+          <p:nvPr/>
+        </p:nvSpPr>
+        <p:spPr>
+          <a:xfrm>
+            <a:off x="8361979" y="4261034"/>
+            <a:ext cx="1019586" cy="319034"/>
+          </a:xfrm>
+          <a:prstGeom prst="rect">
+            <a:avLst/>
+          </a:prstGeom>
+          <a:solidFill>
+            <a:srgbClr val="FFFF00"/>
+          </a:solidFill>
+          <a:ln>
+            <a:solidFill>
+              <a:schemeClr val="tx1"/>
+            </a:solidFill>
+          </a:ln>
+        </p:spPr>
+        <p:style>
+          <a:lnRef idx="2">
+            <a:schemeClr val="accent1">
+              <a:shade val="50000"/>
+            </a:schemeClr>
+          </a:lnRef>
+          <a:fillRef idx="1">
+            <a:schemeClr val="accent1"/>
+          </a:fillRef>
+          <a:effectRef idx="0">
+            <a:schemeClr val="accent1"/>
+          </a:effectRef>
+          <a:fontRef idx="minor">
+            <a:schemeClr val="lt1"/>
+          </a:fontRef>
+        </p:style>
+        <p:txBody>
+          <a:bodyPr rtlCol="0" anchor="ctr"/>
+          <a:lstStyle/>
+          <a:p>
+            <a:pPr algn="ctr"/>
+            <a:endParaRPr lang="en-US" dirty="0">
+              <a:solidFill>
+                <a:schemeClr val="tx1"/>
+              </a:solidFill>
+              <a:highlight>
+                <a:srgbClr val="FFFF00"/>
+              </a:highlight>
+            </a:endParaRPr>
+          </a:p>
+        </p:txBody>
+      </p:sp>
+      <p:sp>
+        <p:nvSpPr>
+          <p:cNvPr id="18" name="Rectangle 17">
+            <a:extLst>
+              <a:ext uri="{FF2B5EF4-FFF2-40B4-BE49-F238E27FC236}">
+                <a16:creationId xmlns:a16="http://schemas.microsoft.com/office/drawing/2014/main" id="{8E5AC9B8-5766-428F-BDA2-527CDA93DBC2}"/>
+              </a:ext>
+            </a:extLst>
+          </p:cNvPr>
+          <p:cNvSpPr/>
+          <p:nvPr/>
+        </p:nvSpPr>
+        <p:spPr>
+          <a:xfrm>
+            <a:off x="2882153" y="5290739"/>
+            <a:ext cx="609600" cy="319034"/>
+          </a:xfrm>
+          <a:prstGeom prst="rect">
+            <a:avLst/>
+          </a:prstGeom>
+          <a:solidFill>
+            <a:srgbClr val="FFFF00"/>
+          </a:solidFill>
+          <a:ln>
+            <a:solidFill>
+              <a:schemeClr val="tx1"/>
+            </a:solidFill>
+          </a:ln>
+        </p:spPr>
+        <p:style>
+          <a:lnRef idx="2">
+            <a:schemeClr val="accent1">
+              <a:shade val="50000"/>
+            </a:schemeClr>
+          </a:lnRef>
+          <a:fillRef idx="1">
+            <a:schemeClr val="accent1"/>
+          </a:fillRef>
+          <a:effectRef idx="0">
+            <a:schemeClr val="accent1"/>
+          </a:effectRef>
+          <a:fontRef idx="minor">
+            <a:schemeClr val="lt1"/>
+          </a:fontRef>
+        </p:style>
+        <p:txBody>
+          <a:bodyPr rtlCol="0" anchor="ctr"/>
+          <a:lstStyle/>
+          <a:p>
+            <a:pPr algn="ctr"/>
+            <a:endParaRPr lang="en-US" dirty="0">
+              <a:solidFill>
+                <a:schemeClr val="tx1"/>
+              </a:solidFill>
+              <a:highlight>
+                <a:srgbClr val="FFFF00"/>
+              </a:highlight>
+            </a:endParaRPr>
+          </a:p>
+        </p:txBody>
+      </p:sp>
+      <p:sp>
+        <p:nvSpPr>
+          <p:cNvPr id="15" name="Rectangle 14">
+            <a:extLst>
+              <a:ext uri="{FF2B5EF4-FFF2-40B4-BE49-F238E27FC236}">
+                <a16:creationId xmlns:a16="http://schemas.microsoft.com/office/drawing/2014/main" id="{8F72D39E-6FD9-4107-8809-7A3FC5B68626}"/>
+              </a:ext>
+            </a:extLst>
+          </p:cNvPr>
+          <p:cNvSpPr/>
+          <p:nvPr/>
+        </p:nvSpPr>
+        <p:spPr>
+          <a:xfrm>
+            <a:off x="2109096" y="3589616"/>
+            <a:ext cx="1261633" cy="319034"/>
+          </a:xfrm>
+          <a:prstGeom prst="rect">
+            <a:avLst/>
+          </a:prstGeom>
+          <a:solidFill>
+            <a:srgbClr val="FFFF00"/>
+          </a:solidFill>
+          <a:ln>
+            <a:solidFill>
+              <a:schemeClr val="tx1"/>
+            </a:solidFill>
+          </a:ln>
+        </p:spPr>
+        <p:style>
+          <a:lnRef idx="2">
+            <a:schemeClr val="accent1">
+              <a:shade val="50000"/>
+            </a:schemeClr>
+          </a:lnRef>
+          <a:fillRef idx="1">
+            <a:schemeClr val="accent1"/>
+          </a:fillRef>
+          <a:effectRef idx="0">
+            <a:schemeClr val="accent1"/>
+          </a:effectRef>
+          <a:fontRef idx="minor">
+            <a:schemeClr val="lt1"/>
+          </a:fontRef>
+        </p:style>
+        <p:txBody>
+          <a:bodyPr rtlCol="0" anchor="ctr"/>
+          <a:lstStyle/>
+          <a:p>
+            <a:pPr algn="ctr"/>
+            <a:endParaRPr lang="en-US" dirty="0">
+              <a:solidFill>
+                <a:schemeClr val="tx1"/>
+              </a:solidFill>
+              <a:highlight>
+                <a:srgbClr val="FFFF00"/>
+              </a:highlight>
+            </a:endParaRPr>
+          </a:p>
+        </p:txBody>
+      </p:sp>
+      <p:sp>
+        <p:nvSpPr>
+          <p:cNvPr id="13" name="Rectangle 12">
+            <a:extLst>
+              <a:ext uri="{FF2B5EF4-FFF2-40B4-BE49-F238E27FC236}">
+                <a16:creationId xmlns:a16="http://schemas.microsoft.com/office/drawing/2014/main" id="{ACAE0EA5-DEC1-4E78-BF53-F21BA6887383}"/>
+              </a:ext>
+            </a:extLst>
+          </p:cNvPr>
+          <p:cNvSpPr/>
+          <p:nvPr/>
+        </p:nvSpPr>
+        <p:spPr>
+          <a:xfrm>
+            <a:off x="9950824" y="1595525"/>
+            <a:ext cx="1017494" cy="319034"/>
+          </a:xfrm>
+          <a:prstGeom prst="rect">
+            <a:avLst/>
+          </a:prstGeom>
+          <a:solidFill>
+            <a:schemeClr val="accent2"/>
+          </a:solidFill>
+          <a:ln>
+            <a:solidFill>
+              <a:schemeClr val="tx1"/>
+            </a:solidFill>
+          </a:ln>
+        </p:spPr>
+        <p:style>
+          <a:lnRef idx="2">
+            <a:schemeClr val="accent1">
+              <a:shade val="50000"/>
+            </a:schemeClr>
+          </a:lnRef>
+          <a:fillRef idx="1">
+            <a:schemeClr val="accent1"/>
+          </a:fillRef>
+          <a:effectRef idx="0">
+            <a:schemeClr val="accent1"/>
+          </a:effectRef>
+          <a:fontRef idx="minor">
+            <a:schemeClr val="lt1"/>
+          </a:fontRef>
+        </p:style>
+        <p:txBody>
+          <a:bodyPr rtlCol="0" anchor="ctr"/>
+          <a:lstStyle/>
+          <a:p>
+            <a:pPr algn="ctr"/>
+            <a:endParaRPr lang="en-US" dirty="0">
+              <a:solidFill>
+                <a:schemeClr val="tx1"/>
+              </a:solidFill>
+            </a:endParaRPr>
+          </a:p>
+        </p:txBody>
+      </p:sp>
+      <p:sp>
+        <p:nvSpPr>
+          <p:cNvPr id="12" name="Rectangle 11">
+            <a:extLst>
+              <a:ext uri="{FF2B5EF4-FFF2-40B4-BE49-F238E27FC236}">
+                <a16:creationId xmlns:a16="http://schemas.microsoft.com/office/drawing/2014/main" id="{40AF1CEA-91E6-4A55-9D5A-90B2DE2F50C6}"/>
+              </a:ext>
+            </a:extLst>
+          </p:cNvPr>
+          <p:cNvSpPr/>
+          <p:nvPr/>
+        </p:nvSpPr>
+        <p:spPr>
+          <a:xfrm>
+            <a:off x="1322294" y="1916166"/>
+            <a:ext cx="1445706" cy="319034"/>
+          </a:xfrm>
+          <a:prstGeom prst="rect">
+            <a:avLst/>
+          </a:prstGeom>
+          <a:solidFill>
+            <a:schemeClr val="accent2"/>
+          </a:solidFill>
+          <a:ln>
+            <a:solidFill>
+              <a:schemeClr val="tx1"/>
+            </a:solidFill>
+          </a:ln>
+        </p:spPr>
+        <p:style>
+          <a:lnRef idx="2">
+            <a:schemeClr val="accent1">
+              <a:shade val="50000"/>
+            </a:schemeClr>
+          </a:lnRef>
+          <a:fillRef idx="1">
+            <a:schemeClr val="accent1"/>
+          </a:fillRef>
+          <a:effectRef idx="0">
+            <a:schemeClr val="accent1"/>
+          </a:effectRef>
+          <a:fontRef idx="minor">
+            <a:schemeClr val="lt1"/>
+          </a:fontRef>
+        </p:style>
+        <p:txBody>
+          <a:bodyPr rtlCol="0" anchor="ctr"/>
+          <a:lstStyle/>
+          <a:p>
+            <a:pPr algn="ctr"/>
+            <a:endParaRPr lang="en-US" dirty="0">
+              <a:solidFill>
+                <a:schemeClr val="tx1"/>
+              </a:solidFill>
+            </a:endParaRPr>
+          </a:p>
+        </p:txBody>
+      </p:sp>
+      <p:sp>
+        <p:nvSpPr>
+          <p:cNvPr id="11" name="Rectangle 10">
+            <a:extLst>
+              <a:ext uri="{FF2B5EF4-FFF2-40B4-BE49-F238E27FC236}">
+                <a16:creationId xmlns:a16="http://schemas.microsoft.com/office/drawing/2014/main" id="{A6C87710-3FE4-427F-85BA-E25A9D68C369}"/>
+              </a:ext>
+            </a:extLst>
+          </p:cNvPr>
+          <p:cNvSpPr/>
+          <p:nvPr/>
+        </p:nvSpPr>
+        <p:spPr>
+          <a:xfrm>
+            <a:off x="2768000" y="1916166"/>
+            <a:ext cx="889300" cy="319034"/>
+          </a:xfrm>
+          <a:prstGeom prst="rect">
+            <a:avLst/>
+          </a:prstGeom>
+          <a:solidFill>
+            <a:schemeClr val="accent2"/>
+          </a:solidFill>
+          <a:ln>
+            <a:solidFill>
+              <a:schemeClr val="tx1"/>
+            </a:solidFill>
+          </a:ln>
+        </p:spPr>
+        <p:style>
+          <a:lnRef idx="2">
+            <a:schemeClr val="accent1">
+              <a:shade val="50000"/>
+            </a:schemeClr>
+          </a:lnRef>
+          <a:fillRef idx="1">
+            <a:schemeClr val="accent1"/>
+          </a:fillRef>
+          <a:effectRef idx="0">
+            <a:schemeClr val="accent1"/>
+          </a:effectRef>
+          <a:fontRef idx="minor">
+            <a:schemeClr val="lt1"/>
+          </a:fontRef>
+        </p:style>
+        <p:txBody>
+          <a:bodyPr rtlCol="0" anchor="ctr"/>
+          <a:lstStyle/>
+          <a:p>
+            <a:pPr algn="ctr"/>
+            <a:endParaRPr lang="en-US" dirty="0">
+              <a:solidFill>
+                <a:schemeClr val="tx1"/>
+              </a:solidFill>
+            </a:endParaRPr>
+          </a:p>
+        </p:txBody>
+      </p:sp>
+      <p:sp>
+        <p:nvSpPr>
+          <p:cNvPr id="10" name="Rectangle 9">
+            <a:extLst>
+              <a:ext uri="{FF2B5EF4-FFF2-40B4-BE49-F238E27FC236}">
+                <a16:creationId xmlns:a16="http://schemas.microsoft.com/office/drawing/2014/main" id="{5824A383-DAC2-4875-B0FC-2149733A2D52}"/>
+              </a:ext>
+            </a:extLst>
+          </p:cNvPr>
+          <p:cNvSpPr/>
+          <p:nvPr/>
+        </p:nvSpPr>
+        <p:spPr>
+          <a:xfrm>
+            <a:off x="5821680" y="1916166"/>
+            <a:ext cx="476026" cy="319034"/>
+          </a:xfrm>
+          <a:prstGeom prst="rect">
+            <a:avLst/>
+          </a:prstGeom>
+          <a:solidFill>
+            <a:schemeClr val="accent2"/>
+          </a:solidFill>
+          <a:ln>
+            <a:solidFill>
+              <a:schemeClr val="tx1"/>
+            </a:solidFill>
+          </a:ln>
+        </p:spPr>
+        <p:style>
+          <a:lnRef idx="2">
+            <a:schemeClr val="accent1">
+              <a:shade val="50000"/>
+            </a:schemeClr>
+          </a:lnRef>
+          <a:fillRef idx="1">
+            <a:schemeClr val="accent1"/>
+          </a:fillRef>
+          <a:effectRef idx="0">
+            <a:schemeClr val="accent1"/>
+          </a:effectRef>
+          <a:fontRef idx="minor">
+            <a:schemeClr val="lt1"/>
+          </a:fontRef>
+        </p:style>
+        <p:txBody>
+          <a:bodyPr rtlCol="0" anchor="ctr"/>
+          <a:lstStyle/>
+          <a:p>
+            <a:pPr algn="ctr"/>
+            <a:endParaRPr lang="en-US" dirty="0">
+              <a:solidFill>
+                <a:schemeClr val="tx1"/>
+              </a:solidFill>
+            </a:endParaRPr>
+          </a:p>
+        </p:txBody>
+      </p:sp>
+      <p:sp>
+        <p:nvSpPr>
+          <p:cNvPr id="8" name="Rectangle 7">
+            <a:extLst>
+              <a:ext uri="{FF2B5EF4-FFF2-40B4-BE49-F238E27FC236}">
+                <a16:creationId xmlns:a16="http://schemas.microsoft.com/office/drawing/2014/main" id="{C371C2CC-7DB7-457A-A303-5BDB7A21C322}"/>
+              </a:ext>
+            </a:extLst>
+          </p:cNvPr>
+          <p:cNvSpPr/>
+          <p:nvPr/>
+        </p:nvSpPr>
+        <p:spPr>
+          <a:xfrm>
+            <a:off x="5247640" y="1916166"/>
+            <a:ext cx="574040" cy="319034"/>
+          </a:xfrm>
+          <a:prstGeom prst="rect">
+            <a:avLst/>
+          </a:prstGeom>
+          <a:solidFill>
+            <a:schemeClr val="accent2"/>
+          </a:solidFill>
+          <a:ln>
+            <a:solidFill>
+              <a:schemeClr val="tx1"/>
+            </a:solidFill>
+          </a:ln>
+        </p:spPr>
+        <p:style>
+          <a:lnRef idx="2">
+            <a:schemeClr val="accent1">
+              <a:shade val="50000"/>
+            </a:schemeClr>
+          </a:lnRef>
+          <a:fillRef idx="1">
+            <a:schemeClr val="accent1"/>
+          </a:fillRef>
+          <a:effectRef idx="0">
+            <a:schemeClr val="accent1"/>
+          </a:effectRef>
+          <a:fontRef idx="minor">
+            <a:schemeClr val="lt1"/>
+          </a:fontRef>
+        </p:style>
+        <p:txBody>
+          <a:bodyPr rtlCol="0" anchor="ctr"/>
+          <a:lstStyle/>
+          <a:p>
+            <a:pPr algn="ctr"/>
+            <a:endParaRPr lang="en-US" dirty="0">
+              <a:solidFill>
+                <a:schemeClr val="tx1"/>
+              </a:solidFill>
+            </a:endParaRPr>
+          </a:p>
+        </p:txBody>
+      </p:sp>
+      <p:sp>
+        <p:nvSpPr>
+          <p:cNvPr id="6" name="Rectangle 5">
+            <a:extLst>
+              <a:ext uri="{FF2B5EF4-FFF2-40B4-BE49-F238E27FC236}">
+                <a16:creationId xmlns:a16="http://schemas.microsoft.com/office/drawing/2014/main" id="{11546E2A-C09E-4768-8139-D6F54BDE7949}"/>
+              </a:ext>
+            </a:extLst>
+          </p:cNvPr>
+          <p:cNvSpPr/>
+          <p:nvPr/>
+        </p:nvSpPr>
+        <p:spPr>
+          <a:xfrm>
+            <a:off x="4546600" y="1916167"/>
+            <a:ext cx="701040" cy="319034"/>
+          </a:xfrm>
+          <a:prstGeom prst="rect">
+            <a:avLst/>
+          </a:prstGeom>
+          <a:solidFill>
+            <a:schemeClr val="accent2"/>
+          </a:solidFill>
+          <a:ln>
+            <a:solidFill>
+              <a:schemeClr val="tx1"/>
+            </a:solidFill>
+          </a:ln>
+        </p:spPr>
+        <p:style>
+          <a:lnRef idx="2">
+            <a:schemeClr val="accent1">
+              <a:shade val="50000"/>
+            </a:schemeClr>
+          </a:lnRef>
+          <a:fillRef idx="1">
+            <a:schemeClr val="accent1"/>
+          </a:fillRef>
+          <a:effectRef idx="0">
+            <a:schemeClr val="accent1"/>
+          </a:effectRef>
+          <a:fontRef idx="minor">
+            <a:schemeClr val="lt1"/>
+          </a:fontRef>
+        </p:style>
+        <p:txBody>
+          <a:bodyPr rtlCol="0" anchor="ctr"/>
+          <a:lstStyle/>
+          <a:p>
+            <a:pPr algn="ctr"/>
+            <a:endParaRPr lang="en-US" dirty="0">
+              <a:solidFill>
+                <a:schemeClr val="tx1"/>
+              </a:solidFill>
+            </a:endParaRPr>
+          </a:p>
+        </p:txBody>
+      </p:sp>
+      <p:sp>
+        <p:nvSpPr>
+          <p:cNvPr id="5" name="Rectangle 4">
+            <a:extLst>
+              <a:ext uri="{FF2B5EF4-FFF2-40B4-BE49-F238E27FC236}">
+                <a16:creationId xmlns:a16="http://schemas.microsoft.com/office/drawing/2014/main" id="{923D5A0C-7104-4B7B-B64B-F1C23AE8C07A}"/>
+              </a:ext>
+            </a:extLst>
+          </p:cNvPr>
+          <p:cNvSpPr/>
+          <p:nvPr/>
+        </p:nvSpPr>
+        <p:spPr>
+          <a:xfrm>
+            <a:off x="3657300" y="1914559"/>
+            <a:ext cx="889300" cy="320641"/>
+          </a:xfrm>
+          <a:prstGeom prst="rect">
+            <a:avLst/>
+          </a:prstGeom>
+          <a:solidFill>
+            <a:schemeClr val="accent6"/>
+          </a:solidFill>
+          <a:ln>
+            <a:solidFill>
+              <a:schemeClr val="tx1"/>
+            </a:solidFill>
+          </a:ln>
+        </p:spPr>
+        <p:style>
+          <a:lnRef idx="2">
+            <a:schemeClr val="accent1">
+              <a:shade val="50000"/>
+            </a:schemeClr>
+          </a:lnRef>
+          <a:fillRef idx="1">
+            <a:schemeClr val="accent1"/>
+          </a:fillRef>
+          <a:effectRef idx="0">
+            <a:schemeClr val="accent1"/>
+          </a:effectRef>
+          <a:fontRef idx="minor">
+            <a:schemeClr val="lt1"/>
+          </a:fontRef>
+        </p:style>
+        <p:txBody>
+          <a:bodyPr rtlCol="0" anchor="ctr"/>
+          <a:lstStyle/>
+          <a:p>
+            <a:pPr algn="ctr"/>
+            <a:endParaRPr lang="en-US" dirty="0">
+              <a:solidFill>
+                <a:schemeClr val="tx1"/>
+              </a:solidFill>
+            </a:endParaRPr>
+          </a:p>
+        </p:txBody>
+      </p:sp>
+      <p:sp>
+        <p:nvSpPr>
+          <p:cNvPr id="4" name="Rectangle 3">
+            <a:extLst>
+              <a:ext uri="{FF2B5EF4-FFF2-40B4-BE49-F238E27FC236}">
+                <a16:creationId xmlns:a16="http://schemas.microsoft.com/office/drawing/2014/main" id="{B4D14C07-06E9-4B91-841A-570E26C18489}"/>
+              </a:ext>
+            </a:extLst>
+          </p:cNvPr>
+          <p:cNvSpPr/>
+          <p:nvPr/>
+        </p:nvSpPr>
+        <p:spPr>
+          <a:xfrm>
+            <a:off x="1264020" y="1173570"/>
+            <a:ext cx="10012680" cy="4832092"/>
+          </a:xfrm>
+          <a:prstGeom prst="rect">
+            <a:avLst/>
+          </a:prstGeom>
+        </p:spPr>
+        <p:txBody>
+          <a:bodyPr wrap="square">
+            <a:spAutoFit/>
+          </a:bodyPr>
+          <a:lstStyle/>
+          <a:p>
+            <a:r>
+              <a:rPr lang="en-US" sz="2200" dirty="0">
+                <a:latin typeface="Times New Roman" panose="02020603050405020304" pitchFamily="18" charset="0"/>
+                <a:cs typeface="Times New Roman" panose="02020603050405020304" pitchFamily="18" charset="0"/>
+              </a:rPr>
+              <a:t>Drilling fluids serve to balance formation pressures while drilling to ensure wellbore stability. They also carry cuttings to the surface and cool the bit. The drilling engineer traditionally designs drilling fluids with two primary goals in mind:</a:t>
+            </a:r>
+          </a:p>
+          <a:p>
+            <a:endParaRPr lang="en-US" sz="2200" dirty="0">
+              <a:latin typeface="Times New Roman" panose="02020603050405020304" pitchFamily="18" charset="0"/>
+              <a:cs typeface="Times New Roman" panose="02020603050405020304" pitchFamily="18" charset="0"/>
+            </a:endParaRPr>
+          </a:p>
+          <a:p>
+            <a:pPr marL="800100" lvl="1" indent="-342900">
+              <a:buFont typeface="Arial" panose="020B0604020202020204" pitchFamily="34" charset="0"/>
+              <a:buChar char="•"/>
+            </a:pPr>
+            <a:r>
+              <a:rPr lang="en-US" sz="2200" dirty="0">
+                <a:latin typeface="Times New Roman" panose="02020603050405020304" pitchFamily="18" charset="0"/>
+                <a:cs typeface="Times New Roman" panose="02020603050405020304" pitchFamily="18" charset="0"/>
+              </a:rPr>
+              <a:t>To ensure safe, stable boreholes, which is accomplished by operating within an acceptable mud-weight window</a:t>
+            </a:r>
+          </a:p>
+          <a:p>
+            <a:pPr marL="800100" lvl="1" indent="-342900">
+              <a:buFont typeface="Arial" panose="020B0604020202020204" pitchFamily="34" charset="0"/>
+              <a:buChar char="•"/>
+            </a:pPr>
+            <a:r>
+              <a:rPr lang="en-US" sz="2200" dirty="0">
+                <a:latin typeface="Times New Roman" panose="02020603050405020304" pitchFamily="18" charset="0"/>
+                <a:cs typeface="Times New Roman" panose="02020603050405020304" pitchFamily="18" charset="0"/>
+              </a:rPr>
+              <a:t>To achieve high rates of penetration so that rig time and well cost can be minimized</a:t>
+            </a:r>
+          </a:p>
+          <a:p>
+            <a:pPr marL="800100" lvl="1" indent="-342900">
+              <a:buFont typeface="Arial" panose="020B0604020202020204" pitchFamily="34" charset="0"/>
+              <a:buChar char="•"/>
+            </a:pPr>
+            <a:endParaRPr lang="en-US" sz="2200" dirty="0">
+              <a:latin typeface="Times New Roman" panose="02020603050405020304" pitchFamily="18" charset="0"/>
+              <a:cs typeface="Times New Roman" panose="02020603050405020304" pitchFamily="18" charset="0"/>
+            </a:endParaRPr>
+          </a:p>
+          <a:p>
+            <a:r>
+              <a:rPr lang="en-US" sz="2200" dirty="0">
+                <a:latin typeface="Times New Roman" panose="02020603050405020304" pitchFamily="18" charset="0"/>
+                <a:cs typeface="Times New Roman" panose="02020603050405020304" pitchFamily="18" charset="0"/>
+              </a:rPr>
+              <a:t>These primary considerations do not include well productivity concerns. A growing recognition of the importance of drilling-induced formation damage has led to the use of drill-in fluids (fluids used to drill through the pay zone) that minimize formation damage. This page discusses the formation damage that may be associated with various types of drilling fluids.</a:t>
+            </a:r>
+          </a:p>
+        </p:txBody>
+      </p:sp>
+      <p:cxnSp>
+        <p:nvCxnSpPr>
+          <p:cNvPr id="3" name="Straight Arrow Connector 2">
+            <a:extLst>
+              <a:ext uri="{FF2B5EF4-FFF2-40B4-BE49-F238E27FC236}">
+                <a16:creationId xmlns:a16="http://schemas.microsoft.com/office/drawing/2014/main" id="{421D3EA0-FF11-46BC-84F3-D195BDAF7F07}"/>
+              </a:ext>
+            </a:extLst>
+          </p:cNvPr>
+          <p:cNvCxnSpPr>
+            <a:cxnSpLocks/>
+          </p:cNvCxnSpPr>
+          <p:nvPr/>
+        </p:nvCxnSpPr>
+        <p:spPr>
+          <a:xfrm flipV="1">
+            <a:off x="10367682" y="1981202"/>
+            <a:ext cx="0" cy="380998"/>
+          </a:xfrm>
+          <a:prstGeom prst="straightConnector1">
+            <a:avLst/>
+          </a:prstGeom>
+          <a:ln w="34925">
+            <a:tailEnd type="triangle"/>
+          </a:ln>
+        </p:spPr>
+        <p:style>
+          <a:lnRef idx="1">
+            <a:schemeClr val="accent1"/>
+          </a:lnRef>
+          <a:fillRef idx="0">
+            <a:schemeClr val="accent1"/>
+          </a:fillRef>
+          <a:effectRef idx="0">
+            <a:schemeClr val="accent1"/>
+          </a:effectRef>
+          <a:fontRef idx="minor">
+            <a:schemeClr val="tx1"/>
+          </a:fontRef>
+        </p:style>
+      </p:cxnSp>
+      <p:sp>
+        <p:nvSpPr>
+          <p:cNvPr id="20" name="TextBox 19">
+            <a:extLst>
+              <a:ext uri="{FF2B5EF4-FFF2-40B4-BE49-F238E27FC236}">
+                <a16:creationId xmlns:a16="http://schemas.microsoft.com/office/drawing/2014/main" id="{63EB4F33-6DD7-45DF-893D-6A3E4F81FABE}"/>
+              </a:ext>
+            </a:extLst>
+          </p:cNvPr>
+          <p:cNvSpPr txBox="1"/>
+          <p:nvPr/>
+        </p:nvSpPr>
+        <p:spPr>
+          <a:xfrm>
+            <a:off x="8260979" y="2358436"/>
+            <a:ext cx="2958348" cy="430887"/>
+          </a:xfrm>
+          <a:prstGeom prst="rect">
+            <a:avLst/>
+          </a:prstGeom>
+          <a:solidFill>
+            <a:schemeClr val="accent5">
+              <a:lumMod val="20000"/>
+              <a:lumOff val="80000"/>
+            </a:schemeClr>
+          </a:solidFill>
+          <a:ln w="22225">
+            <a:solidFill>
+              <a:schemeClr val="accent1"/>
+            </a:solidFill>
+          </a:ln>
+        </p:spPr>
+        <p:txBody>
+          <a:bodyPr wrap="square" rtlCol="0">
+            <a:spAutoFit/>
+          </a:bodyPr>
+          <a:lstStyle/>
+          <a:p>
+            <a:pPr algn="ctr"/>
+            <a:r>
+              <a:rPr lang="en-US" sz="2200" dirty="0">
+                <a:solidFill>
+                  <a:schemeClr val="accent5"/>
+                </a:solidFill>
+              </a:rPr>
+              <a:t>current context word</a:t>
+            </a:r>
+          </a:p>
+        </p:txBody>
+      </p:sp>
+    </p:spTree>
+    <p:extLst>
+      <p:ext uri="{BB962C8B-B14F-4D97-AF65-F5344CB8AC3E}">
+        <p14:creationId xmlns:p14="http://schemas.microsoft.com/office/powerpoint/2010/main" val="2092424893"/>
+      </p:ext>
+    </p:extLst>
+  </p:cSld>
+  <p:clrMapOvr>
+    <a:masterClrMapping/>
+  </p:clrMapOvr>
+</p:sld>
+</file>
+
+<file path=ppt/slides/slide30.xml><?xml version="1.0" encoding="utf-8"?>
 <p:sld xmlns:a="http://schemas.openxmlformats.org/drawingml/2006/main" xmlns:r="http://schemas.openxmlformats.org/officeDocument/2006/relationships" xmlns:p="http://schemas.openxmlformats.org/presentationml/2006/main">
   <p:cSld>
     <p:spTree>
@@ -31439,378 +34408,7 @@
 </p:sld>
 </file>
 
-<file path=ppt/slides/slide3.xml><?xml version="1.0" encoding="utf-8"?>
-<p:sld xmlns:a="http://schemas.openxmlformats.org/drawingml/2006/main" xmlns:r="http://schemas.openxmlformats.org/officeDocument/2006/relationships" xmlns:p="http://schemas.openxmlformats.org/presentationml/2006/main">
-  <p:cSld>
-    <p:spTree>
-      <p:nvGrpSpPr>
-        <p:cNvPr id="1" name=""/>
-        <p:cNvGrpSpPr/>
-        <p:nvPr/>
-      </p:nvGrpSpPr>
-      <p:grpSpPr>
-        <a:xfrm>
-          <a:off x="0" y="0"/>
-          <a:ext cx="0" cy="0"/>
-          <a:chOff x="0" y="0"/>
-          <a:chExt cx="0" cy="0"/>
-        </a:xfrm>
-      </p:grpSpPr>
-      <p:grpSp>
-        <p:nvGrpSpPr>
-          <p:cNvPr id="14" name="Group 13">
-            <a:extLst>
-              <a:ext uri="{FF2B5EF4-FFF2-40B4-BE49-F238E27FC236}">
-                <a16:creationId xmlns:a16="http://schemas.microsoft.com/office/drawing/2014/main" id="{EF455317-A20E-4A03-A713-4BB97A67DC86}"/>
-              </a:ext>
-            </a:extLst>
-          </p:cNvPr>
-          <p:cNvGrpSpPr/>
-          <p:nvPr/>
-        </p:nvGrpSpPr>
-        <p:grpSpPr>
-          <a:xfrm>
-            <a:off x="177717" y="458732"/>
-            <a:ext cx="11836566" cy="5940535"/>
-            <a:chOff x="175177" y="861584"/>
-            <a:chExt cx="11836566" cy="5940535"/>
-          </a:xfrm>
-        </p:grpSpPr>
-        <p:pic>
-          <p:nvPicPr>
-            <p:cNvPr id="13" name="Picture 12">
-              <a:extLst>
-                <a:ext uri="{FF2B5EF4-FFF2-40B4-BE49-F238E27FC236}">
-                  <a16:creationId xmlns:a16="http://schemas.microsoft.com/office/drawing/2014/main" id="{D1985D08-355F-47FD-9A4F-F2D89B73FA37}"/>
-                </a:ext>
-              </a:extLst>
-            </p:cNvPr>
-            <p:cNvPicPr>
-              <a:picLocks noChangeAspect="1"/>
-            </p:cNvPicPr>
-            <p:nvPr/>
-          </p:nvPicPr>
-          <p:blipFill>
-            <a:blip r:embed="rId2"/>
-            <a:stretch>
-              <a:fillRect/>
-            </a:stretch>
-          </p:blipFill>
-          <p:spPr>
-            <a:xfrm>
-              <a:off x="2077874" y="861584"/>
-              <a:ext cx="9933869" cy="5940535"/>
-            </a:xfrm>
-            <a:prstGeom prst="rect">
-              <a:avLst/>
-            </a:prstGeom>
-          </p:spPr>
-        </p:pic>
-        <p:sp>
-          <p:nvSpPr>
-            <p:cNvPr id="6" name="TextBox 5">
-              <a:extLst>
-                <a:ext uri="{FF2B5EF4-FFF2-40B4-BE49-F238E27FC236}">
-                  <a16:creationId xmlns:a16="http://schemas.microsoft.com/office/drawing/2014/main" id="{C3FDA68F-0AC0-4D51-9FA9-DF90ACB3C35B}"/>
-                </a:ext>
-              </a:extLst>
-            </p:cNvPr>
-            <p:cNvSpPr txBox="1"/>
-            <p:nvPr/>
-          </p:nvSpPr>
-          <p:spPr>
-            <a:xfrm>
-              <a:off x="175177" y="1656401"/>
-              <a:ext cx="1665109" cy="830997"/>
-            </a:xfrm>
-            <a:prstGeom prst="rect">
-              <a:avLst/>
-            </a:prstGeom>
-            <a:noFill/>
-          </p:spPr>
-          <p:txBody>
-            <a:bodyPr wrap="square" rtlCol="0">
-              <a:spAutoFit/>
-            </a:bodyPr>
-            <a:lstStyle/>
-            <a:p>
-              <a:pPr algn="ctr"/>
-              <a:r>
-                <a:rPr lang="en-US" sz="2400" b="1" dirty="0">
-                  <a:solidFill>
-                    <a:schemeClr val="accent1">
-                      <a:lumMod val="75000"/>
-                    </a:schemeClr>
-                  </a:solidFill>
-                  <a:effectLst>
-                    <a:outerShdw blurRad="38100" dist="38100" dir="2700000" algn="tl">
-                      <a:srgbClr val="000000">
-                        <a:alpha val="43137"/>
-                      </a:srgbClr>
-                    </a:outerShdw>
-                  </a:effectLst>
-                </a:rPr>
-                <a:t>Vanilla Skip-Gram</a:t>
-              </a:r>
-            </a:p>
-          </p:txBody>
-        </p:sp>
-        <p:sp>
-          <p:nvSpPr>
-            <p:cNvPr id="7" name="TextBox 6">
-              <a:extLst>
-                <a:ext uri="{FF2B5EF4-FFF2-40B4-BE49-F238E27FC236}">
-                  <a16:creationId xmlns:a16="http://schemas.microsoft.com/office/drawing/2014/main" id="{25718F77-8CA2-4AEF-8DAD-24E8F306B60E}"/>
-                </a:ext>
-              </a:extLst>
-            </p:cNvPr>
-            <p:cNvSpPr txBox="1"/>
-            <p:nvPr/>
-          </p:nvSpPr>
-          <p:spPr>
-            <a:xfrm>
-              <a:off x="180257" y="4745041"/>
-              <a:ext cx="1665109" cy="830997"/>
-            </a:xfrm>
-            <a:prstGeom prst="rect">
-              <a:avLst/>
-            </a:prstGeom>
-            <a:noFill/>
-          </p:spPr>
-          <p:txBody>
-            <a:bodyPr wrap="square" rtlCol="0">
-              <a:spAutoFit/>
-            </a:bodyPr>
-            <a:lstStyle/>
-            <a:p>
-              <a:pPr algn="ctr"/>
-              <a:r>
-                <a:rPr lang="en-US" sz="2400" b="1" dirty="0">
-                  <a:solidFill>
-                    <a:schemeClr val="accent1">
-                      <a:lumMod val="75000"/>
-                    </a:schemeClr>
-                  </a:solidFill>
-                  <a:effectLst>
-                    <a:outerShdw blurRad="38100" dist="38100" dir="2700000" algn="tl">
-                      <a:srgbClr val="000000">
-                        <a:alpha val="43137"/>
-                      </a:srgbClr>
-                    </a:outerShdw>
-                  </a:effectLst>
-                </a:rPr>
-                <a:t>Negative Sampling</a:t>
-              </a:r>
-            </a:p>
-          </p:txBody>
-        </p:sp>
-        <p:sp>
-          <p:nvSpPr>
-            <p:cNvPr id="8" name="TextBox 7">
-              <a:extLst>
-                <a:ext uri="{FF2B5EF4-FFF2-40B4-BE49-F238E27FC236}">
-                  <a16:creationId xmlns:a16="http://schemas.microsoft.com/office/drawing/2014/main" id="{C1578F27-A1CB-4A2C-A19F-087FD99F2108}"/>
-                </a:ext>
-              </a:extLst>
-            </p:cNvPr>
-            <p:cNvSpPr txBox="1"/>
-            <p:nvPr/>
-          </p:nvSpPr>
-          <p:spPr>
-            <a:xfrm>
-              <a:off x="3821112" y="2118066"/>
-              <a:ext cx="2029121" cy="369332"/>
-            </a:xfrm>
-            <a:prstGeom prst="rect">
-              <a:avLst/>
-            </a:prstGeom>
-            <a:noFill/>
-          </p:spPr>
-          <p:txBody>
-            <a:bodyPr wrap="square" rtlCol="0">
-              <a:spAutoFit/>
-            </a:bodyPr>
-            <a:lstStyle/>
-            <a:p>
-              <a:r>
-                <a:rPr lang="en-US" dirty="0">
-                  <a:solidFill>
-                    <a:schemeClr val="tx1">
-                      <a:alpha val="20000"/>
-                    </a:schemeClr>
-                  </a:solidFill>
-                  <a:effectLst>
-                    <a:outerShdw blurRad="50800" dist="50800" dir="5400000" algn="ctr" rotWithShape="0">
-                      <a:srgbClr val="000000">
-                        <a:alpha val="0"/>
-                      </a:srgbClr>
-                    </a:outerShdw>
-                  </a:effectLst>
-                </a:rPr>
-                <a:t>aegis4048.github.io</a:t>
-              </a:r>
-            </a:p>
-          </p:txBody>
-        </p:sp>
-        <p:sp>
-          <p:nvSpPr>
-            <p:cNvPr id="9" name="TextBox 8">
-              <a:extLst>
-                <a:ext uri="{FF2B5EF4-FFF2-40B4-BE49-F238E27FC236}">
-                  <a16:creationId xmlns:a16="http://schemas.microsoft.com/office/drawing/2014/main" id="{CDFB8791-0E89-4E17-8B64-2D4FB5FBC946}"/>
-                </a:ext>
-              </a:extLst>
-            </p:cNvPr>
-            <p:cNvSpPr txBox="1"/>
-            <p:nvPr/>
-          </p:nvSpPr>
-          <p:spPr>
-            <a:xfrm>
-              <a:off x="8266713" y="2118066"/>
-              <a:ext cx="2029121" cy="369332"/>
-            </a:xfrm>
-            <a:prstGeom prst="rect">
-              <a:avLst/>
-            </a:prstGeom>
-            <a:noFill/>
-          </p:spPr>
-          <p:txBody>
-            <a:bodyPr wrap="square" rtlCol="0">
-              <a:spAutoFit/>
-            </a:bodyPr>
-            <a:lstStyle/>
-            <a:p>
-              <a:r>
-                <a:rPr lang="en-US" dirty="0">
-                  <a:solidFill>
-                    <a:schemeClr val="tx1">
-                      <a:alpha val="20000"/>
-                    </a:schemeClr>
-                  </a:solidFill>
-                  <a:effectLst>
-                    <a:outerShdw blurRad="50800" dist="50800" dir="5400000" algn="ctr" rotWithShape="0">
-                      <a:srgbClr val="000000">
-                        <a:alpha val="0"/>
-                      </a:srgbClr>
-                    </a:outerShdw>
-                  </a:effectLst>
-                </a:rPr>
-                <a:t>aegis4048.github.io</a:t>
-              </a:r>
-            </a:p>
-          </p:txBody>
-        </p:sp>
-        <p:sp>
-          <p:nvSpPr>
-            <p:cNvPr id="10" name="TextBox 9">
-              <a:extLst>
-                <a:ext uri="{FF2B5EF4-FFF2-40B4-BE49-F238E27FC236}">
-                  <a16:creationId xmlns:a16="http://schemas.microsoft.com/office/drawing/2014/main" id="{8EFB85E2-AEF1-4DEC-B65B-B8749D2B7A3E}"/>
-                </a:ext>
-              </a:extLst>
-            </p:cNvPr>
-            <p:cNvSpPr txBox="1"/>
-            <p:nvPr/>
-          </p:nvSpPr>
-          <p:spPr>
-            <a:xfrm>
-              <a:off x="3821112" y="5206706"/>
-              <a:ext cx="2029121" cy="369332"/>
-            </a:xfrm>
-            <a:prstGeom prst="rect">
-              <a:avLst/>
-            </a:prstGeom>
-            <a:noFill/>
-          </p:spPr>
-          <p:txBody>
-            <a:bodyPr wrap="square" rtlCol="0">
-              <a:spAutoFit/>
-            </a:bodyPr>
-            <a:lstStyle/>
-            <a:p>
-              <a:r>
-                <a:rPr lang="en-US" dirty="0">
-                  <a:solidFill>
-                    <a:schemeClr val="tx1">
-                      <a:alpha val="20000"/>
-                    </a:schemeClr>
-                  </a:solidFill>
-                  <a:effectLst>
-                    <a:outerShdw blurRad="50800" dist="50800" dir="5400000" algn="ctr" rotWithShape="0">
-                      <a:srgbClr val="000000">
-                        <a:alpha val="0"/>
-                      </a:srgbClr>
-                    </a:outerShdw>
-                  </a:effectLst>
-                </a:rPr>
-                <a:t>aegis4048.github.io</a:t>
-              </a:r>
-            </a:p>
-          </p:txBody>
-        </p:sp>
-        <p:sp>
-          <p:nvSpPr>
-            <p:cNvPr id="11" name="TextBox 10">
-              <a:extLst>
-                <a:ext uri="{FF2B5EF4-FFF2-40B4-BE49-F238E27FC236}">
-                  <a16:creationId xmlns:a16="http://schemas.microsoft.com/office/drawing/2014/main" id="{DB803BBC-9139-4AE7-ACCF-459B8CD0B520}"/>
-                </a:ext>
-              </a:extLst>
-            </p:cNvPr>
-            <p:cNvSpPr txBox="1"/>
-            <p:nvPr/>
-          </p:nvSpPr>
-          <p:spPr>
-            <a:xfrm>
-              <a:off x="8266713" y="5206706"/>
-              <a:ext cx="2029121" cy="369332"/>
-            </a:xfrm>
-            <a:prstGeom prst="rect">
-              <a:avLst/>
-            </a:prstGeom>
-            <a:noFill/>
-          </p:spPr>
-          <p:txBody>
-            <a:bodyPr wrap="square" rtlCol="0">
-              <a:spAutoFit/>
-            </a:bodyPr>
-            <a:lstStyle/>
-            <a:p>
-              <a:r>
-                <a:rPr lang="en-US" dirty="0">
-                  <a:solidFill>
-                    <a:schemeClr val="tx1">
-                      <a:alpha val="20000"/>
-                    </a:schemeClr>
-                  </a:solidFill>
-                  <a:effectLst>
-                    <a:outerShdw blurRad="50800" dist="50800" dir="5400000" algn="ctr" rotWithShape="0">
-                      <a:srgbClr val="000000">
-                        <a:alpha val="0"/>
-                      </a:srgbClr>
-                    </a:outerShdw>
-                  </a:effectLst>
-                </a:rPr>
-                <a:t>aegis4048.github.io</a:t>
-              </a:r>
-            </a:p>
-          </p:txBody>
-        </p:sp>
-      </p:grpSp>
-    </p:spTree>
-    <p:extLst>
-      <p:ext uri="{BB962C8B-B14F-4D97-AF65-F5344CB8AC3E}">
-        <p14:creationId xmlns:p14="http://schemas.microsoft.com/office/powerpoint/2010/main" val="3917071733"/>
-      </p:ext>
-    </p:extLst>
-  </p:cSld>
-  <p:clrMapOvr>
-    <a:masterClrMapping/>
-  </p:clrMapOvr>
-</p:sld>
-</file>
-
-<file path=ppt/slides/slide30.xml><?xml version="1.0" encoding="utf-8"?>
+<file path=ppt/slides/slide31.xml><?xml version="1.0" encoding="utf-8"?>
 <p:sld xmlns:a="http://schemas.openxmlformats.org/drawingml/2006/main" xmlns:r="http://schemas.openxmlformats.org/officeDocument/2006/relationships" xmlns:p="http://schemas.openxmlformats.org/presentationml/2006/main">
   <p:cSld>
     <p:spTree>
@@ -36030,7 +38628,7 @@
 </p:sld>
 </file>
 
-<file path=ppt/slides/slide31.xml><?xml version="1.0" encoding="utf-8"?>
+<file path=ppt/slides/slide32.xml><?xml version="1.0" encoding="utf-8"?>
 <p:sld xmlns:a="http://schemas.openxmlformats.org/drawingml/2006/main" xmlns:r="http://schemas.openxmlformats.org/officeDocument/2006/relationships" xmlns:p="http://schemas.openxmlformats.org/presentationml/2006/main">
   <p:cSld>
     <p:spTree>
@@ -39671,7 +42269,7 @@
 </p:sld>
 </file>
 
-<file path=ppt/slides/slide32.xml><?xml version="1.0" encoding="utf-8"?>
+<file path=ppt/slides/slide33.xml><?xml version="1.0" encoding="utf-8"?>
 <p:sld xmlns:a="http://schemas.openxmlformats.org/drawingml/2006/main" xmlns:r="http://schemas.openxmlformats.org/officeDocument/2006/relationships" xmlns:p="http://schemas.openxmlformats.org/presentationml/2006/main">
   <p:cSld>
     <p:bg>
@@ -41295,7 +43893,7 @@
 </p:sld>
 </file>
 
-<file path=ppt/slides/slide33.xml><?xml version="1.0" encoding="utf-8"?>
+<file path=ppt/slides/slide34.xml><?xml version="1.0" encoding="utf-8"?>
 <p:sld xmlns:a="http://schemas.openxmlformats.org/drawingml/2006/main" xmlns:r="http://schemas.openxmlformats.org/officeDocument/2006/relationships" xmlns:p="http://schemas.openxmlformats.org/presentationml/2006/main">
   <p:cSld>
     <p:spTree>
@@ -41848,7 +44446,7 @@
 </p:sld>
 </file>
 
-<file path=ppt/slides/slide34.xml><?xml version="1.0" encoding="utf-8"?>
+<file path=ppt/slides/slide35.xml><?xml version="1.0" encoding="utf-8"?>
 <p:sld xmlns:a="http://schemas.openxmlformats.org/drawingml/2006/main" xmlns:r="http://schemas.openxmlformats.org/officeDocument/2006/relationships" xmlns:p="http://schemas.openxmlformats.org/presentationml/2006/main">
   <p:cSld>
     <p:spTree>
@@ -43887,7 +46485,7 @@
 </p:sld>
 </file>
 
-<file path=ppt/slides/slide35.xml><?xml version="1.0" encoding="utf-8"?>
+<file path=ppt/slides/slide36.xml><?xml version="1.0" encoding="utf-8"?>
 <p:sld xmlns:a="http://schemas.openxmlformats.org/drawingml/2006/main" xmlns:r="http://schemas.openxmlformats.org/officeDocument/2006/relationships" xmlns:p="http://schemas.openxmlformats.org/presentationml/2006/main">
   <p:cSld>
     <p:spTree>
@@ -49192,7 +51790,7 @@
 </p:sld>
 </file>
 
-<file path=ppt/slides/slide36.xml><?xml version="1.0" encoding="utf-8"?>
+<file path=ppt/slides/slide37.xml><?xml version="1.0" encoding="utf-8"?>
 <p:sld xmlns:a="http://schemas.openxmlformats.org/drawingml/2006/main" xmlns:r="http://schemas.openxmlformats.org/officeDocument/2006/relationships" xmlns:p="http://schemas.openxmlformats.org/presentationml/2006/main">
   <p:cSld>
     <p:spTree>
@@ -50510,7 +53108,7 @@
 </p:sld>
 </file>
 
-<file path=ppt/slides/slide37.xml><?xml version="1.0" encoding="utf-8"?>
+<file path=ppt/slides/slide38.xml><?xml version="1.0" encoding="utf-8"?>
 <p:sld xmlns:a="http://schemas.openxmlformats.org/drawingml/2006/main" xmlns:r="http://schemas.openxmlformats.org/officeDocument/2006/relationships" xmlns:p="http://schemas.openxmlformats.org/presentationml/2006/main">
   <p:cSld>
     <p:spTree>
@@ -51353,7 +53951,7 @@
 </p:sld>
 </file>
 
-<file path=ppt/slides/slide38.xml><?xml version="1.0" encoding="utf-8"?>
+<file path=ppt/slides/slide39.xml><?xml version="1.0" encoding="utf-8"?>
 <p:sld xmlns:a="http://schemas.openxmlformats.org/drawingml/2006/main" xmlns:r="http://schemas.openxmlformats.org/officeDocument/2006/relationships" xmlns:p="http://schemas.openxmlformats.org/presentationml/2006/main">
   <p:cSld>
     <p:spTree>
@@ -52428,7 +55026,378 @@
 </p:sld>
 </file>
 
-<file path=ppt/slides/slide39.xml><?xml version="1.0" encoding="utf-8"?>
+<file path=ppt/slides/slide4.xml><?xml version="1.0" encoding="utf-8"?>
+<p:sld xmlns:a="http://schemas.openxmlformats.org/drawingml/2006/main" xmlns:r="http://schemas.openxmlformats.org/officeDocument/2006/relationships" xmlns:p="http://schemas.openxmlformats.org/presentationml/2006/main">
+  <p:cSld>
+    <p:spTree>
+      <p:nvGrpSpPr>
+        <p:cNvPr id="1" name=""/>
+        <p:cNvGrpSpPr/>
+        <p:nvPr/>
+      </p:nvGrpSpPr>
+      <p:grpSpPr>
+        <a:xfrm>
+          <a:off x="0" y="0"/>
+          <a:ext cx="0" cy="0"/>
+          <a:chOff x="0" y="0"/>
+          <a:chExt cx="0" cy="0"/>
+        </a:xfrm>
+      </p:grpSpPr>
+      <p:grpSp>
+        <p:nvGrpSpPr>
+          <p:cNvPr id="14" name="Group 13">
+            <a:extLst>
+              <a:ext uri="{FF2B5EF4-FFF2-40B4-BE49-F238E27FC236}">
+                <a16:creationId xmlns:a16="http://schemas.microsoft.com/office/drawing/2014/main" id="{EF455317-A20E-4A03-A713-4BB97A67DC86}"/>
+              </a:ext>
+            </a:extLst>
+          </p:cNvPr>
+          <p:cNvGrpSpPr/>
+          <p:nvPr/>
+        </p:nvGrpSpPr>
+        <p:grpSpPr>
+          <a:xfrm>
+            <a:off x="177717" y="458732"/>
+            <a:ext cx="11836566" cy="5940535"/>
+            <a:chOff x="175177" y="861584"/>
+            <a:chExt cx="11836566" cy="5940535"/>
+          </a:xfrm>
+        </p:grpSpPr>
+        <p:pic>
+          <p:nvPicPr>
+            <p:cNvPr id="13" name="Picture 12">
+              <a:extLst>
+                <a:ext uri="{FF2B5EF4-FFF2-40B4-BE49-F238E27FC236}">
+                  <a16:creationId xmlns:a16="http://schemas.microsoft.com/office/drawing/2014/main" id="{D1985D08-355F-47FD-9A4F-F2D89B73FA37}"/>
+                </a:ext>
+              </a:extLst>
+            </p:cNvPr>
+            <p:cNvPicPr>
+              <a:picLocks noChangeAspect="1"/>
+            </p:cNvPicPr>
+            <p:nvPr/>
+          </p:nvPicPr>
+          <p:blipFill>
+            <a:blip r:embed="rId2"/>
+            <a:stretch>
+              <a:fillRect/>
+            </a:stretch>
+          </p:blipFill>
+          <p:spPr>
+            <a:xfrm>
+              <a:off x="2077874" y="861584"/>
+              <a:ext cx="9933869" cy="5940535"/>
+            </a:xfrm>
+            <a:prstGeom prst="rect">
+              <a:avLst/>
+            </a:prstGeom>
+          </p:spPr>
+        </p:pic>
+        <p:sp>
+          <p:nvSpPr>
+            <p:cNvPr id="6" name="TextBox 5">
+              <a:extLst>
+                <a:ext uri="{FF2B5EF4-FFF2-40B4-BE49-F238E27FC236}">
+                  <a16:creationId xmlns:a16="http://schemas.microsoft.com/office/drawing/2014/main" id="{C3FDA68F-0AC0-4D51-9FA9-DF90ACB3C35B}"/>
+                </a:ext>
+              </a:extLst>
+            </p:cNvPr>
+            <p:cNvSpPr txBox="1"/>
+            <p:nvPr/>
+          </p:nvSpPr>
+          <p:spPr>
+            <a:xfrm>
+              <a:off x="175177" y="1656401"/>
+              <a:ext cx="1665109" cy="830997"/>
+            </a:xfrm>
+            <a:prstGeom prst="rect">
+              <a:avLst/>
+            </a:prstGeom>
+            <a:noFill/>
+          </p:spPr>
+          <p:txBody>
+            <a:bodyPr wrap="square" rtlCol="0">
+              <a:spAutoFit/>
+            </a:bodyPr>
+            <a:lstStyle/>
+            <a:p>
+              <a:pPr algn="ctr"/>
+              <a:r>
+                <a:rPr lang="en-US" sz="2400" b="1" dirty="0">
+                  <a:solidFill>
+                    <a:schemeClr val="accent1">
+                      <a:lumMod val="75000"/>
+                    </a:schemeClr>
+                  </a:solidFill>
+                  <a:effectLst>
+                    <a:outerShdw blurRad="38100" dist="38100" dir="2700000" algn="tl">
+                      <a:srgbClr val="000000">
+                        <a:alpha val="43137"/>
+                      </a:srgbClr>
+                    </a:outerShdw>
+                  </a:effectLst>
+                </a:rPr>
+                <a:t>Vanilla Skip-Gram</a:t>
+              </a:r>
+            </a:p>
+          </p:txBody>
+        </p:sp>
+        <p:sp>
+          <p:nvSpPr>
+            <p:cNvPr id="7" name="TextBox 6">
+              <a:extLst>
+                <a:ext uri="{FF2B5EF4-FFF2-40B4-BE49-F238E27FC236}">
+                  <a16:creationId xmlns:a16="http://schemas.microsoft.com/office/drawing/2014/main" id="{25718F77-8CA2-4AEF-8DAD-24E8F306B60E}"/>
+                </a:ext>
+              </a:extLst>
+            </p:cNvPr>
+            <p:cNvSpPr txBox="1"/>
+            <p:nvPr/>
+          </p:nvSpPr>
+          <p:spPr>
+            <a:xfrm>
+              <a:off x="180257" y="4745041"/>
+              <a:ext cx="1665109" cy="830997"/>
+            </a:xfrm>
+            <a:prstGeom prst="rect">
+              <a:avLst/>
+            </a:prstGeom>
+            <a:noFill/>
+          </p:spPr>
+          <p:txBody>
+            <a:bodyPr wrap="square" rtlCol="0">
+              <a:spAutoFit/>
+            </a:bodyPr>
+            <a:lstStyle/>
+            <a:p>
+              <a:pPr algn="ctr"/>
+              <a:r>
+                <a:rPr lang="en-US" sz="2400" b="1" dirty="0">
+                  <a:solidFill>
+                    <a:schemeClr val="accent1">
+                      <a:lumMod val="75000"/>
+                    </a:schemeClr>
+                  </a:solidFill>
+                  <a:effectLst>
+                    <a:outerShdw blurRad="38100" dist="38100" dir="2700000" algn="tl">
+                      <a:srgbClr val="000000">
+                        <a:alpha val="43137"/>
+                      </a:srgbClr>
+                    </a:outerShdw>
+                  </a:effectLst>
+                </a:rPr>
+                <a:t>Negative Sampling</a:t>
+              </a:r>
+            </a:p>
+          </p:txBody>
+        </p:sp>
+        <p:sp>
+          <p:nvSpPr>
+            <p:cNvPr id="8" name="TextBox 7">
+              <a:extLst>
+                <a:ext uri="{FF2B5EF4-FFF2-40B4-BE49-F238E27FC236}">
+                  <a16:creationId xmlns:a16="http://schemas.microsoft.com/office/drawing/2014/main" id="{C1578F27-A1CB-4A2C-A19F-087FD99F2108}"/>
+                </a:ext>
+              </a:extLst>
+            </p:cNvPr>
+            <p:cNvSpPr txBox="1"/>
+            <p:nvPr/>
+          </p:nvSpPr>
+          <p:spPr>
+            <a:xfrm>
+              <a:off x="3821112" y="2118066"/>
+              <a:ext cx="2029121" cy="369332"/>
+            </a:xfrm>
+            <a:prstGeom prst="rect">
+              <a:avLst/>
+            </a:prstGeom>
+            <a:noFill/>
+          </p:spPr>
+          <p:txBody>
+            <a:bodyPr wrap="square" rtlCol="0">
+              <a:spAutoFit/>
+            </a:bodyPr>
+            <a:lstStyle/>
+            <a:p>
+              <a:r>
+                <a:rPr lang="en-US" dirty="0">
+                  <a:solidFill>
+                    <a:schemeClr val="tx1">
+                      <a:alpha val="20000"/>
+                    </a:schemeClr>
+                  </a:solidFill>
+                  <a:effectLst>
+                    <a:outerShdw blurRad="50800" dist="50800" dir="5400000" algn="ctr" rotWithShape="0">
+                      <a:srgbClr val="000000">
+                        <a:alpha val="0"/>
+                      </a:srgbClr>
+                    </a:outerShdw>
+                  </a:effectLst>
+                </a:rPr>
+                <a:t>aegis4048.github.io</a:t>
+              </a:r>
+            </a:p>
+          </p:txBody>
+        </p:sp>
+        <p:sp>
+          <p:nvSpPr>
+            <p:cNvPr id="9" name="TextBox 8">
+              <a:extLst>
+                <a:ext uri="{FF2B5EF4-FFF2-40B4-BE49-F238E27FC236}">
+                  <a16:creationId xmlns:a16="http://schemas.microsoft.com/office/drawing/2014/main" id="{CDFB8791-0E89-4E17-8B64-2D4FB5FBC946}"/>
+                </a:ext>
+              </a:extLst>
+            </p:cNvPr>
+            <p:cNvSpPr txBox="1"/>
+            <p:nvPr/>
+          </p:nvSpPr>
+          <p:spPr>
+            <a:xfrm>
+              <a:off x="8266713" y="2118066"/>
+              <a:ext cx="2029121" cy="369332"/>
+            </a:xfrm>
+            <a:prstGeom prst="rect">
+              <a:avLst/>
+            </a:prstGeom>
+            <a:noFill/>
+          </p:spPr>
+          <p:txBody>
+            <a:bodyPr wrap="square" rtlCol="0">
+              <a:spAutoFit/>
+            </a:bodyPr>
+            <a:lstStyle/>
+            <a:p>
+              <a:r>
+                <a:rPr lang="en-US" dirty="0">
+                  <a:solidFill>
+                    <a:schemeClr val="tx1">
+                      <a:alpha val="20000"/>
+                    </a:schemeClr>
+                  </a:solidFill>
+                  <a:effectLst>
+                    <a:outerShdw blurRad="50800" dist="50800" dir="5400000" algn="ctr" rotWithShape="0">
+                      <a:srgbClr val="000000">
+                        <a:alpha val="0"/>
+                      </a:srgbClr>
+                    </a:outerShdw>
+                  </a:effectLst>
+                </a:rPr>
+                <a:t>aegis4048.github.io</a:t>
+              </a:r>
+            </a:p>
+          </p:txBody>
+        </p:sp>
+        <p:sp>
+          <p:nvSpPr>
+            <p:cNvPr id="10" name="TextBox 9">
+              <a:extLst>
+                <a:ext uri="{FF2B5EF4-FFF2-40B4-BE49-F238E27FC236}">
+                  <a16:creationId xmlns:a16="http://schemas.microsoft.com/office/drawing/2014/main" id="{8EFB85E2-AEF1-4DEC-B65B-B8749D2B7A3E}"/>
+                </a:ext>
+              </a:extLst>
+            </p:cNvPr>
+            <p:cNvSpPr txBox="1"/>
+            <p:nvPr/>
+          </p:nvSpPr>
+          <p:spPr>
+            <a:xfrm>
+              <a:off x="3821112" y="5206706"/>
+              <a:ext cx="2029121" cy="369332"/>
+            </a:xfrm>
+            <a:prstGeom prst="rect">
+              <a:avLst/>
+            </a:prstGeom>
+            <a:noFill/>
+          </p:spPr>
+          <p:txBody>
+            <a:bodyPr wrap="square" rtlCol="0">
+              <a:spAutoFit/>
+            </a:bodyPr>
+            <a:lstStyle/>
+            <a:p>
+              <a:r>
+                <a:rPr lang="en-US" dirty="0">
+                  <a:solidFill>
+                    <a:schemeClr val="tx1">
+                      <a:alpha val="20000"/>
+                    </a:schemeClr>
+                  </a:solidFill>
+                  <a:effectLst>
+                    <a:outerShdw blurRad="50800" dist="50800" dir="5400000" algn="ctr" rotWithShape="0">
+                      <a:srgbClr val="000000">
+                        <a:alpha val="0"/>
+                      </a:srgbClr>
+                    </a:outerShdw>
+                  </a:effectLst>
+                </a:rPr>
+                <a:t>aegis4048.github.io</a:t>
+              </a:r>
+            </a:p>
+          </p:txBody>
+        </p:sp>
+        <p:sp>
+          <p:nvSpPr>
+            <p:cNvPr id="11" name="TextBox 10">
+              <a:extLst>
+                <a:ext uri="{FF2B5EF4-FFF2-40B4-BE49-F238E27FC236}">
+                  <a16:creationId xmlns:a16="http://schemas.microsoft.com/office/drawing/2014/main" id="{DB803BBC-9139-4AE7-ACCF-459B8CD0B520}"/>
+                </a:ext>
+              </a:extLst>
+            </p:cNvPr>
+            <p:cNvSpPr txBox="1"/>
+            <p:nvPr/>
+          </p:nvSpPr>
+          <p:spPr>
+            <a:xfrm>
+              <a:off x="8266713" y="5206706"/>
+              <a:ext cx="2029121" cy="369332"/>
+            </a:xfrm>
+            <a:prstGeom prst="rect">
+              <a:avLst/>
+            </a:prstGeom>
+            <a:noFill/>
+          </p:spPr>
+          <p:txBody>
+            <a:bodyPr wrap="square" rtlCol="0">
+              <a:spAutoFit/>
+            </a:bodyPr>
+            <a:lstStyle/>
+            <a:p>
+              <a:r>
+                <a:rPr lang="en-US" dirty="0">
+                  <a:solidFill>
+                    <a:schemeClr val="tx1">
+                      <a:alpha val="20000"/>
+                    </a:schemeClr>
+                  </a:solidFill>
+                  <a:effectLst>
+                    <a:outerShdw blurRad="50800" dist="50800" dir="5400000" algn="ctr" rotWithShape="0">
+                      <a:srgbClr val="000000">
+                        <a:alpha val="0"/>
+                      </a:srgbClr>
+                    </a:outerShdw>
+                  </a:effectLst>
+                </a:rPr>
+                <a:t>aegis4048.github.io</a:t>
+              </a:r>
+            </a:p>
+          </p:txBody>
+        </p:sp>
+      </p:grpSp>
+    </p:spTree>
+    <p:extLst>
+      <p:ext uri="{BB962C8B-B14F-4D97-AF65-F5344CB8AC3E}">
+        <p14:creationId xmlns:p14="http://schemas.microsoft.com/office/powerpoint/2010/main" val="3917071733"/>
+      </p:ext>
+    </p:extLst>
+  </p:cSld>
+  <p:clrMapOvr>
+    <a:masterClrMapping/>
+  </p:clrMapOvr>
+</p:sld>
+</file>
+
+<file path=ppt/slides/slide40.xml><?xml version="1.0" encoding="utf-8"?>
 <p:sld xmlns:a="http://schemas.openxmlformats.org/drawingml/2006/main" xmlns:r="http://schemas.openxmlformats.org/officeDocument/2006/relationships" xmlns:p="http://schemas.openxmlformats.org/presentationml/2006/main">
   <p:cSld>
     <p:spTree>
@@ -52488,7 +55457,7 @@
 </p:sld>
 </file>
 
-<file path=ppt/slides/slide4.xml><?xml version="1.0" encoding="utf-8"?>
+<file path=ppt/slides/slide5.xml><?xml version="1.0" encoding="utf-8"?>
 <p:sld xmlns:a="http://schemas.openxmlformats.org/drawingml/2006/main" xmlns:r="http://schemas.openxmlformats.org/officeDocument/2006/relationships" xmlns:p="http://schemas.openxmlformats.org/presentationml/2006/main">
   <p:cSld>
     <p:spTree>
@@ -52587,8 +55556,8 @@
           </a:p>
         </p:txBody>
       </p:sp>
-      <mc:AlternateContent xmlns:mc="http://schemas.openxmlformats.org/markup-compatibility/2006">
-        <mc:Choice xmlns:a14="http://schemas.microsoft.com/office/drawing/2010/main" Requires="a14">
+      <mc:AlternateContent xmlns:mc="http://schemas.openxmlformats.org/markup-compatibility/2006" xmlns:a14="http://schemas.microsoft.com/office/drawing/2010/main">
+        <mc:Choice Requires="a14">
           <p:sp>
             <p:nvSpPr>
               <p:cNvPr id="9" name="TextBox 8">
@@ -52662,7 +55631,7 @@
             </p:txBody>
           </p:sp>
         </mc:Choice>
-        <mc:Fallback>
+        <mc:Fallback xmlns="">
           <p:sp>
             <p:nvSpPr>
               <p:cNvPr id="9" name="TextBox 8">
@@ -52804,8 +55773,8 @@
           </a:fontRef>
         </p:style>
       </p:cxnSp>
-      <mc:AlternateContent xmlns:mc="http://schemas.openxmlformats.org/markup-compatibility/2006">
-        <mc:Choice xmlns:a14="http://schemas.microsoft.com/office/drawing/2010/main" Requires="a14">
+      <mc:AlternateContent xmlns:mc="http://schemas.openxmlformats.org/markup-compatibility/2006" xmlns:a14="http://schemas.microsoft.com/office/drawing/2010/main">
+        <mc:Choice Requires="a14">
           <p:sp>
             <p:nvSpPr>
               <p:cNvPr id="12" name="TextBox 11">
@@ -52859,7 +55828,7 @@
             </p:txBody>
           </p:sp>
         </mc:Choice>
-        <mc:Fallback>
+        <mc:Fallback xmlns="">
           <p:sp>
             <p:nvSpPr>
               <p:cNvPr id="12" name="TextBox 11">
@@ -52904,8 +55873,8 @@
           </p:sp>
         </mc:Fallback>
       </mc:AlternateContent>
-      <mc:AlternateContent xmlns:mc="http://schemas.openxmlformats.org/markup-compatibility/2006">
-        <mc:Choice xmlns:a14="http://schemas.microsoft.com/office/drawing/2010/main" Requires="a14">
+      <mc:AlternateContent xmlns:mc="http://schemas.openxmlformats.org/markup-compatibility/2006" xmlns:a14="http://schemas.microsoft.com/office/drawing/2010/main">
+        <mc:Choice Requires="a14">
           <p:sp>
             <p:nvSpPr>
               <p:cNvPr id="18" name="TextBox 17">
@@ -53084,7 +56053,7 @@
             </p:txBody>
           </p:sp>
         </mc:Choice>
-        <mc:Fallback>
+        <mc:Fallback xmlns="">
           <p:sp>
             <p:nvSpPr>
               <p:cNvPr id="18" name="TextBox 17">
@@ -53190,7 +56159,7 @@
 </p:sld>
 </file>
 
-<file path=ppt/slides/slide5.xml><?xml version="1.0" encoding="utf-8"?>
+<file path=ppt/slides/slide6.xml><?xml version="1.0" encoding="utf-8"?>
 <p:sld xmlns:a="http://schemas.openxmlformats.org/drawingml/2006/main" xmlns:r="http://schemas.openxmlformats.org/officeDocument/2006/relationships" xmlns:p="http://schemas.openxmlformats.org/presentationml/2006/main">
   <p:cSld>
     <p:spTree>
@@ -53366,161 +56335,6 @@
     <p:extLst>
       <p:ext uri="{BB962C8B-B14F-4D97-AF65-F5344CB8AC3E}">
         <p14:creationId xmlns:p14="http://schemas.microsoft.com/office/powerpoint/2010/main" val="412385174"/>
-      </p:ext>
-    </p:extLst>
-  </p:cSld>
-  <p:clrMapOvr>
-    <a:masterClrMapping/>
-  </p:clrMapOvr>
-</p:sld>
-</file>
-
-<file path=ppt/slides/slide6.xml><?xml version="1.0" encoding="utf-8"?>
-<p:sld xmlns:a="http://schemas.openxmlformats.org/drawingml/2006/main" xmlns:r="http://schemas.openxmlformats.org/officeDocument/2006/relationships" xmlns:p="http://schemas.openxmlformats.org/presentationml/2006/main">
-  <p:cSld>
-    <p:spTree>
-      <p:nvGrpSpPr>
-        <p:cNvPr id="1" name=""/>
-        <p:cNvGrpSpPr/>
-        <p:nvPr/>
-      </p:nvGrpSpPr>
-      <p:grpSpPr>
-        <a:xfrm>
-          <a:off x="0" y="0"/>
-          <a:ext cx="0" cy="0"/>
-          <a:chOff x="0" y="0"/>
-          <a:chExt cx="0" cy="0"/>
-        </a:xfrm>
-      </p:grpSpPr>
-      <p:sp>
-        <p:nvSpPr>
-          <p:cNvPr id="5" name="Rectangle 4">
-            <a:extLst>
-              <a:ext uri="{FF2B5EF4-FFF2-40B4-BE49-F238E27FC236}">
-                <a16:creationId xmlns:a16="http://schemas.microsoft.com/office/drawing/2014/main" id="{4AFABD5C-E230-4091-B401-713D170FD526}"/>
-              </a:ext>
-            </a:extLst>
-          </p:cNvPr>
-          <p:cNvSpPr/>
-          <p:nvPr/>
-        </p:nvSpPr>
-        <p:spPr>
-          <a:xfrm>
-            <a:off x="253828" y="1652588"/>
-            <a:ext cx="11380959" cy="3843337"/>
-          </a:xfrm>
-          <a:prstGeom prst="rect">
-            <a:avLst/>
-          </a:prstGeom>
-          <a:noFill/>
-        </p:spPr>
-        <p:style>
-          <a:lnRef idx="2">
-            <a:schemeClr val="accent1">
-              <a:shade val="50000"/>
-            </a:schemeClr>
-          </a:lnRef>
-          <a:fillRef idx="1">
-            <a:schemeClr val="accent1"/>
-          </a:fillRef>
-          <a:effectRef idx="0">
-            <a:schemeClr val="accent1"/>
-          </a:effectRef>
-          <a:fontRef idx="minor">
-            <a:schemeClr val="lt1"/>
-          </a:fontRef>
-        </p:style>
-        <p:txBody>
-          <a:bodyPr rtlCol="0" anchor="ctr"/>
-          <a:lstStyle/>
-          <a:p>
-            <a:pPr algn="ctr"/>
-            <a:endParaRPr lang="en-US"/>
-          </a:p>
-        </p:txBody>
-      </p:sp>
-      <p:pic>
-        <p:nvPicPr>
-          <p:cNvPr id="6" name="Picture 5">
-            <a:extLst>
-              <a:ext uri="{FF2B5EF4-FFF2-40B4-BE49-F238E27FC236}">
-                <a16:creationId xmlns:a16="http://schemas.microsoft.com/office/drawing/2014/main" id="{FC403CF1-BF8B-4D12-85A6-0E2CC85B1FC7}"/>
-              </a:ext>
-            </a:extLst>
-          </p:cNvPr>
-          <p:cNvPicPr>
-            <a:picLocks noChangeAspect="1"/>
-          </p:cNvPicPr>
-          <p:nvPr/>
-        </p:nvPicPr>
-        <p:blipFill>
-          <a:blip r:embed="rId2"/>
-          <a:stretch>
-            <a:fillRect/>
-          </a:stretch>
-        </p:blipFill>
-        <p:spPr>
-          <a:xfrm>
-            <a:off x="1648685" y="2065496"/>
-            <a:ext cx="8591244" cy="3017520"/>
-          </a:xfrm>
-          <a:prstGeom prst="rect">
-            <a:avLst/>
-          </a:prstGeom>
-        </p:spPr>
-      </p:pic>
-      <p:sp>
-        <p:nvSpPr>
-          <p:cNvPr id="4" name="TextBox 3">
-            <a:extLst>
-              <a:ext uri="{FF2B5EF4-FFF2-40B4-BE49-F238E27FC236}">
-                <a16:creationId xmlns:a16="http://schemas.microsoft.com/office/drawing/2014/main" id="{8AF0EFB2-5EB3-4254-8E23-F7A5F66EC47A}"/>
-              </a:ext>
-            </a:extLst>
-          </p:cNvPr>
-          <p:cNvSpPr txBox="1"/>
-          <p:nvPr/>
-        </p:nvSpPr>
-        <p:spPr>
-          <a:xfrm>
-            <a:off x="5276084" y="3495409"/>
-            <a:ext cx="2029121" cy="369332"/>
-          </a:xfrm>
-          <a:prstGeom prst="rect">
-            <a:avLst/>
-          </a:prstGeom>
-          <a:noFill/>
-        </p:spPr>
-        <p:txBody>
-          <a:bodyPr wrap="square" rtlCol="0">
-            <a:spAutoFit/>
-          </a:bodyPr>
-          <a:lstStyle/>
-          <a:p>
-            <a:r>
-              <a:rPr lang="en-US" dirty="0">
-                <a:solidFill>
-                  <a:schemeClr val="tx1">
-                    <a:alpha val="20000"/>
-                  </a:schemeClr>
-                </a:solidFill>
-                <a:effectLst>
-                  <a:outerShdw blurRad="50800" dist="50800" dir="5400000" algn="ctr" rotWithShape="0">
-                    <a:srgbClr val="000000">
-                      <a:alpha val="0"/>
-                    </a:srgbClr>
-                  </a:outerShdw>
-                </a:effectLst>
-              </a:rPr>
-              <a:t>aegis4048.github.io</a:t>
-            </a:r>
-          </a:p>
-        </p:txBody>
-      </p:sp>
-    </p:spTree>
-    <p:extLst>
-      <p:ext uri="{BB962C8B-B14F-4D97-AF65-F5344CB8AC3E}">
-        <p14:creationId xmlns:p14="http://schemas.microsoft.com/office/powerpoint/2010/main" val="1879459574"/>
       </p:ext>
     </p:extLst>
   </p:cSld>
@@ -53552,7 +56366,7 @@
           <p:cNvPr id="5" name="Rectangle 4">
             <a:extLst>
               <a:ext uri="{FF2B5EF4-FFF2-40B4-BE49-F238E27FC236}">
-                <a16:creationId xmlns:a16="http://schemas.microsoft.com/office/drawing/2014/main" id="{544C5752-F07C-4D42-AFE9-7AC8CCDE8AF7}"/>
+                <a16:creationId xmlns:a16="http://schemas.microsoft.com/office/drawing/2014/main" id="{4AFABD5C-E230-4091-B401-713D170FD526}"/>
               </a:ext>
             </a:extLst>
           </p:cNvPr>
@@ -53561,8 +56375,8 @@
         </p:nvSpPr>
         <p:spPr>
           <a:xfrm>
-            <a:off x="253828" y="1855720"/>
-            <a:ext cx="11380959" cy="3449705"/>
+            <a:off x="253828" y="1652588"/>
+            <a:ext cx="11380959" cy="3843337"/>
           </a:xfrm>
           <a:prstGeom prst="rect">
             <a:avLst/>
@@ -53596,10 +56410,10 @@
       </p:sp>
       <p:pic>
         <p:nvPicPr>
-          <p:cNvPr id="2" name="Picture 1">
-            <a:extLst>
-              <a:ext uri="{FF2B5EF4-FFF2-40B4-BE49-F238E27FC236}">
-                <a16:creationId xmlns:a16="http://schemas.microsoft.com/office/drawing/2014/main" id="{0211EAFE-AA75-44BC-A611-0311A660A1A9}"/>
+          <p:cNvPr id="6" name="Picture 5">
+            <a:extLst>
+              <a:ext uri="{FF2B5EF4-FFF2-40B4-BE49-F238E27FC236}">
+                <a16:creationId xmlns:a16="http://schemas.microsoft.com/office/drawing/2014/main" id="{FC403CF1-BF8B-4D12-85A6-0E2CC85B1FC7}"/>
               </a:ext>
             </a:extLst>
           </p:cNvPr>
@@ -53616,8 +56430,8 @@
         </p:blipFill>
         <p:spPr>
           <a:xfrm>
-            <a:off x="414641" y="2151684"/>
-            <a:ext cx="10969798" cy="2834640"/>
+            <a:off x="1648685" y="2065496"/>
+            <a:ext cx="8591244" cy="3017520"/>
           </a:xfrm>
           <a:prstGeom prst="rect">
             <a:avLst/>
@@ -53629,7 +56443,7 @@
           <p:cNvPr id="4" name="TextBox 3">
             <a:extLst>
               <a:ext uri="{FF2B5EF4-FFF2-40B4-BE49-F238E27FC236}">
-                <a16:creationId xmlns:a16="http://schemas.microsoft.com/office/drawing/2014/main" id="{CB1C59E0-CAB7-4C10-9642-CFE6CEBD4BAA}"/>
+                <a16:creationId xmlns:a16="http://schemas.microsoft.com/office/drawing/2014/main" id="{8AF0EFB2-5EB3-4254-8E23-F7A5F66EC47A}"/>
               </a:ext>
             </a:extLst>
           </p:cNvPr>
@@ -53638,7 +56452,7 @@
         </p:nvSpPr>
         <p:spPr>
           <a:xfrm>
-            <a:off x="5800519" y="3580572"/>
+            <a:off x="5276084" y="3495409"/>
             <a:ext cx="2029121" cy="369332"/>
           </a:xfrm>
           <a:prstGeom prst="rect">
@@ -53672,106 +56486,10 @@
           </a:p>
         </p:txBody>
       </p:sp>
-      <p:sp>
-        <p:nvSpPr>
-          <p:cNvPr id="6" name="TextBox 5">
-            <a:extLst>
-              <a:ext uri="{FF2B5EF4-FFF2-40B4-BE49-F238E27FC236}">
-                <a16:creationId xmlns:a16="http://schemas.microsoft.com/office/drawing/2014/main" id="{A49EEF35-30B0-4841-ACE9-A279F8CBAA0F}"/>
-              </a:ext>
-            </a:extLst>
-          </p:cNvPr>
-          <p:cNvSpPr txBox="1"/>
-          <p:nvPr/>
-        </p:nvSpPr>
-        <p:spPr>
-          <a:xfrm>
-            <a:off x="892343" y="3569004"/>
-            <a:ext cx="2029121" cy="369332"/>
-          </a:xfrm>
-          <a:prstGeom prst="rect">
-            <a:avLst/>
-          </a:prstGeom>
-          <a:noFill/>
-        </p:spPr>
-        <p:txBody>
-          <a:bodyPr wrap="square" rtlCol="0">
-            <a:spAutoFit/>
-          </a:bodyPr>
-          <a:lstStyle/>
-          <a:p>
-            <a:r>
-              <a:rPr lang="en-US" dirty="0">
-                <a:solidFill>
-                  <a:schemeClr val="tx1">
-                    <a:alpha val="20000"/>
-                  </a:schemeClr>
-                </a:solidFill>
-                <a:effectLst>
-                  <a:outerShdw blurRad="50800" dist="50800" dir="5400000" algn="ctr" rotWithShape="0">
-                    <a:srgbClr val="000000">
-                      <a:alpha val="0"/>
-                    </a:srgbClr>
-                  </a:outerShdw>
-                </a:effectLst>
-              </a:rPr>
-              <a:t>aegis4048.github.io</a:t>
-            </a:r>
-          </a:p>
-        </p:txBody>
-      </p:sp>
-      <p:sp>
-        <p:nvSpPr>
-          <p:cNvPr id="7" name="TextBox 6">
-            <a:extLst>
-              <a:ext uri="{FF2B5EF4-FFF2-40B4-BE49-F238E27FC236}">
-                <a16:creationId xmlns:a16="http://schemas.microsoft.com/office/drawing/2014/main" id="{1C938A27-B0DE-4017-981B-AE09E1AC90AF}"/>
-              </a:ext>
-            </a:extLst>
-          </p:cNvPr>
-          <p:cNvSpPr txBox="1"/>
-          <p:nvPr/>
-        </p:nvSpPr>
-        <p:spPr>
-          <a:xfrm>
-            <a:off x="9018848" y="3569004"/>
-            <a:ext cx="2029121" cy="369332"/>
-          </a:xfrm>
-          <a:prstGeom prst="rect">
-            <a:avLst/>
-          </a:prstGeom>
-          <a:noFill/>
-        </p:spPr>
-        <p:txBody>
-          <a:bodyPr wrap="square" rtlCol="0">
-            <a:spAutoFit/>
-          </a:bodyPr>
-          <a:lstStyle/>
-          <a:p>
-            <a:r>
-              <a:rPr lang="en-US" dirty="0">
-                <a:solidFill>
-                  <a:schemeClr val="tx1">
-                    <a:alpha val="20000"/>
-                  </a:schemeClr>
-                </a:solidFill>
-                <a:effectLst>
-                  <a:outerShdw blurRad="50800" dist="50800" dir="5400000" algn="ctr" rotWithShape="0">
-                    <a:srgbClr val="000000">
-                      <a:alpha val="0"/>
-                    </a:srgbClr>
-                  </a:outerShdw>
-                </a:effectLst>
-              </a:rPr>
-              <a:t>aegis4048.github.io</a:t>
-            </a:r>
-          </a:p>
-        </p:txBody>
-      </p:sp>
     </p:spTree>
     <p:extLst>
       <p:ext uri="{BB962C8B-B14F-4D97-AF65-F5344CB8AC3E}">
-        <p14:creationId xmlns:p14="http://schemas.microsoft.com/office/powerpoint/2010/main" val="1434404399"/>
+        <p14:creationId xmlns:p14="http://schemas.microsoft.com/office/powerpoint/2010/main" val="1879459574"/>
       </p:ext>
     </p:extLst>
   </p:cSld>
@@ -53800,10 +56518,10 @@
       </p:grpSpPr>
       <p:sp>
         <p:nvSpPr>
-          <p:cNvPr id="6" name="Rectangle 5">
-            <a:extLst>
-              <a:ext uri="{FF2B5EF4-FFF2-40B4-BE49-F238E27FC236}">
-                <a16:creationId xmlns:a16="http://schemas.microsoft.com/office/drawing/2014/main" id="{0089E516-B456-47D4-929B-7416FC965B51}"/>
+          <p:cNvPr id="5" name="Rectangle 4">
+            <a:extLst>
+              <a:ext uri="{FF2B5EF4-FFF2-40B4-BE49-F238E27FC236}">
+                <a16:creationId xmlns:a16="http://schemas.microsoft.com/office/drawing/2014/main" id="{544C5752-F07C-4D42-AFE9-7AC8CCDE8AF7}"/>
               </a:ext>
             </a:extLst>
           </p:cNvPr>
@@ -53812,8 +56530,8 @@
         </p:nvSpPr>
         <p:spPr>
           <a:xfrm>
-            <a:off x="253828" y="0"/>
-            <a:ext cx="11380959" cy="6858000"/>
+            <a:off x="253828" y="1855720"/>
+            <a:ext cx="11380959" cy="3449705"/>
           </a:xfrm>
           <a:prstGeom prst="rect">
             <a:avLst/>
@@ -53850,7 +56568,7 @@
           <p:cNvPr id="2" name="Picture 1">
             <a:extLst>
               <a:ext uri="{FF2B5EF4-FFF2-40B4-BE49-F238E27FC236}">
-                <a16:creationId xmlns:a16="http://schemas.microsoft.com/office/drawing/2014/main" id="{4E6A77AB-6FA5-44D9-A453-F35C1BC5781A}"/>
+                <a16:creationId xmlns:a16="http://schemas.microsoft.com/office/drawing/2014/main" id="{0211EAFE-AA75-44BC-A611-0311A660A1A9}"/>
               </a:ext>
             </a:extLst>
           </p:cNvPr>
@@ -53860,15 +56578,15 @@
           <p:nvPr/>
         </p:nvPicPr>
         <p:blipFill>
-          <a:blip r:embed="rId3"/>
+          <a:blip r:embed="rId2"/>
           <a:stretch>
             <a:fillRect/>
           </a:stretch>
         </p:blipFill>
         <p:spPr>
           <a:xfrm>
-            <a:off x="1893570" y="44988"/>
-            <a:ext cx="8404860" cy="6678376"/>
+            <a:off x="414641" y="2151684"/>
+            <a:ext cx="10969798" cy="2834640"/>
           </a:xfrm>
           <a:prstGeom prst="rect">
             <a:avLst/>
@@ -53880,7 +56598,7 @@
           <p:cNvPr id="4" name="TextBox 3">
             <a:extLst>
               <a:ext uri="{FF2B5EF4-FFF2-40B4-BE49-F238E27FC236}">
-                <a16:creationId xmlns:a16="http://schemas.microsoft.com/office/drawing/2014/main" id="{455018F5-12FE-4256-BD1F-4A828E7AC11B}"/>
+                <a16:creationId xmlns:a16="http://schemas.microsoft.com/office/drawing/2014/main" id="{CB1C59E0-CAB7-4C10-9642-CFE6CEBD4BAA}"/>
               </a:ext>
             </a:extLst>
           </p:cNvPr>
@@ -53889,7 +56607,7 @@
         </p:nvSpPr>
         <p:spPr>
           <a:xfrm>
-            <a:off x="4254107" y="1762393"/>
+            <a:off x="5800519" y="3580572"/>
             <a:ext cx="2029121" cy="369332"/>
           </a:xfrm>
           <a:prstGeom prst="rect">
@@ -53925,10 +56643,10 @@
       </p:sp>
       <p:sp>
         <p:nvSpPr>
-          <p:cNvPr id="5" name="TextBox 4">
-            <a:extLst>
-              <a:ext uri="{FF2B5EF4-FFF2-40B4-BE49-F238E27FC236}">
-                <a16:creationId xmlns:a16="http://schemas.microsoft.com/office/drawing/2014/main" id="{E5298B15-78E5-4533-B258-41A0B95A9FC9}"/>
+          <p:cNvPr id="6" name="TextBox 5">
+            <a:extLst>
+              <a:ext uri="{FF2B5EF4-FFF2-40B4-BE49-F238E27FC236}">
+                <a16:creationId xmlns:a16="http://schemas.microsoft.com/office/drawing/2014/main" id="{A49EEF35-30B0-4841-ACE9-A279F8CBAA0F}"/>
               </a:ext>
             </a:extLst>
           </p:cNvPr>
@@ -53937,7 +56655,7 @@
         </p:nvSpPr>
         <p:spPr>
           <a:xfrm>
-            <a:off x="7060060" y="5095607"/>
+            <a:off x="892343" y="3569004"/>
             <a:ext cx="2029121" cy="369332"/>
           </a:xfrm>
           <a:prstGeom prst="rect">
@@ -53973,10 +56691,10 @@
       </p:sp>
       <p:sp>
         <p:nvSpPr>
-          <p:cNvPr id="10" name="TextBox 9">
-            <a:extLst>
-              <a:ext uri="{FF2B5EF4-FFF2-40B4-BE49-F238E27FC236}">
-                <a16:creationId xmlns:a16="http://schemas.microsoft.com/office/drawing/2014/main" id="{98C997A9-776D-4CDB-9BAB-3F52505DD813}"/>
+          <p:cNvPr id="7" name="TextBox 6">
+            <a:extLst>
+              <a:ext uri="{FF2B5EF4-FFF2-40B4-BE49-F238E27FC236}">
+                <a16:creationId xmlns:a16="http://schemas.microsoft.com/office/drawing/2014/main" id="{1C938A27-B0DE-4017-981B-AE09E1AC90AF}"/>
               </a:ext>
             </a:extLst>
           </p:cNvPr>
@@ -53985,7 +56703,7 @@
         </p:nvSpPr>
         <p:spPr>
           <a:xfrm>
-            <a:off x="3496589" y="5095607"/>
+            <a:off x="9018848" y="3569004"/>
             <a:ext cx="2029121" cy="369332"/>
           </a:xfrm>
           <a:prstGeom prst="rect">
@@ -54022,7 +56740,7 @@
     </p:spTree>
     <p:extLst>
       <p:ext uri="{BB962C8B-B14F-4D97-AF65-F5344CB8AC3E}">
-        <p14:creationId xmlns:p14="http://schemas.microsoft.com/office/powerpoint/2010/main" val="3287482236"/>
+        <p14:creationId xmlns:p14="http://schemas.microsoft.com/office/powerpoint/2010/main" val="1434404399"/>
       </p:ext>
     </p:extLst>
   </p:cSld>
@@ -54051,10 +56769,10 @@
       </p:grpSpPr>
       <p:sp>
         <p:nvSpPr>
-          <p:cNvPr id="5" name="Rectangle 4">
-            <a:extLst>
-              <a:ext uri="{FF2B5EF4-FFF2-40B4-BE49-F238E27FC236}">
-                <a16:creationId xmlns:a16="http://schemas.microsoft.com/office/drawing/2014/main" id="{544C5752-F07C-4D42-AFE9-7AC8CCDE8AF7}"/>
+          <p:cNvPr id="6" name="Rectangle 5">
+            <a:extLst>
+              <a:ext uri="{FF2B5EF4-FFF2-40B4-BE49-F238E27FC236}">
+                <a16:creationId xmlns:a16="http://schemas.microsoft.com/office/drawing/2014/main" id="{0089E516-B456-47D4-929B-7416FC965B51}"/>
               </a:ext>
             </a:extLst>
           </p:cNvPr>
@@ -54063,8 +56781,8 @@
         </p:nvSpPr>
         <p:spPr>
           <a:xfrm>
-            <a:off x="253828" y="1855720"/>
-            <a:ext cx="11380959" cy="3449705"/>
+            <a:off x="253828" y="0"/>
+            <a:ext cx="11380959" cy="6858000"/>
           </a:xfrm>
           <a:prstGeom prst="rect">
             <a:avLst/>
@@ -54098,10 +56816,10 @@
       </p:sp>
       <p:pic>
         <p:nvPicPr>
-          <p:cNvPr id="3" name="Picture 2">
-            <a:extLst>
-              <a:ext uri="{FF2B5EF4-FFF2-40B4-BE49-F238E27FC236}">
-                <a16:creationId xmlns:a16="http://schemas.microsoft.com/office/drawing/2014/main" id="{EAFE1ADA-4903-4507-9027-E2BBD3BE5B7B}"/>
+          <p:cNvPr id="2" name="Picture 1">
+            <a:extLst>
+              <a:ext uri="{FF2B5EF4-FFF2-40B4-BE49-F238E27FC236}">
+                <a16:creationId xmlns:a16="http://schemas.microsoft.com/office/drawing/2014/main" id="{4E6A77AB-6FA5-44D9-A453-F35C1BC5781A}"/>
               </a:ext>
             </a:extLst>
           </p:cNvPr>
@@ -54111,15 +56829,15 @@
           <p:nvPr/>
         </p:nvPicPr>
         <p:blipFill>
-          <a:blip r:embed="rId2"/>
+          <a:blip r:embed="rId3"/>
           <a:stretch>
             <a:fillRect/>
           </a:stretch>
         </p:blipFill>
         <p:spPr>
           <a:xfrm>
-            <a:off x="2787015" y="2163252"/>
-            <a:ext cx="6617970" cy="2834640"/>
+            <a:off x="1893570" y="44988"/>
+            <a:ext cx="8404860" cy="6678376"/>
           </a:xfrm>
           <a:prstGeom prst="rect">
             <a:avLst/>
@@ -54131,7 +56849,7 @@
           <p:cNvPr id="4" name="TextBox 3">
             <a:extLst>
               <a:ext uri="{FF2B5EF4-FFF2-40B4-BE49-F238E27FC236}">
-                <a16:creationId xmlns:a16="http://schemas.microsoft.com/office/drawing/2014/main" id="{91096FD0-6C6D-49DC-8A63-3DC6E515AADD}"/>
+                <a16:creationId xmlns:a16="http://schemas.microsoft.com/office/drawing/2014/main" id="{455018F5-12FE-4256-BD1F-4A828E7AC11B}"/>
               </a:ext>
             </a:extLst>
           </p:cNvPr>
@@ -54140,7 +56858,7 @@
         </p:nvSpPr>
         <p:spPr>
           <a:xfrm>
-            <a:off x="5155061" y="3620913"/>
+            <a:off x="4254107" y="1762393"/>
             <a:ext cx="2029121" cy="369332"/>
           </a:xfrm>
           <a:prstGeom prst="rect">
@@ -54174,10 +56892,106 @@
           </a:p>
         </p:txBody>
       </p:sp>
+      <p:sp>
+        <p:nvSpPr>
+          <p:cNvPr id="5" name="TextBox 4">
+            <a:extLst>
+              <a:ext uri="{FF2B5EF4-FFF2-40B4-BE49-F238E27FC236}">
+                <a16:creationId xmlns:a16="http://schemas.microsoft.com/office/drawing/2014/main" id="{E5298B15-78E5-4533-B258-41A0B95A9FC9}"/>
+              </a:ext>
+            </a:extLst>
+          </p:cNvPr>
+          <p:cNvSpPr txBox="1"/>
+          <p:nvPr/>
+        </p:nvSpPr>
+        <p:spPr>
+          <a:xfrm>
+            <a:off x="7060060" y="5095607"/>
+            <a:ext cx="2029121" cy="369332"/>
+          </a:xfrm>
+          <a:prstGeom prst="rect">
+            <a:avLst/>
+          </a:prstGeom>
+          <a:noFill/>
+        </p:spPr>
+        <p:txBody>
+          <a:bodyPr wrap="square" rtlCol="0">
+            <a:spAutoFit/>
+          </a:bodyPr>
+          <a:lstStyle/>
+          <a:p>
+            <a:r>
+              <a:rPr lang="en-US" dirty="0">
+                <a:solidFill>
+                  <a:schemeClr val="tx1">
+                    <a:alpha val="20000"/>
+                  </a:schemeClr>
+                </a:solidFill>
+                <a:effectLst>
+                  <a:outerShdw blurRad="50800" dist="50800" dir="5400000" algn="ctr" rotWithShape="0">
+                    <a:srgbClr val="000000">
+                      <a:alpha val="0"/>
+                    </a:srgbClr>
+                  </a:outerShdw>
+                </a:effectLst>
+              </a:rPr>
+              <a:t>aegis4048.github.io</a:t>
+            </a:r>
+          </a:p>
+        </p:txBody>
+      </p:sp>
+      <p:sp>
+        <p:nvSpPr>
+          <p:cNvPr id="10" name="TextBox 9">
+            <a:extLst>
+              <a:ext uri="{FF2B5EF4-FFF2-40B4-BE49-F238E27FC236}">
+                <a16:creationId xmlns:a16="http://schemas.microsoft.com/office/drawing/2014/main" id="{98C997A9-776D-4CDB-9BAB-3F52505DD813}"/>
+              </a:ext>
+            </a:extLst>
+          </p:cNvPr>
+          <p:cNvSpPr txBox="1"/>
+          <p:nvPr/>
+        </p:nvSpPr>
+        <p:spPr>
+          <a:xfrm>
+            <a:off x="3496589" y="5095607"/>
+            <a:ext cx="2029121" cy="369332"/>
+          </a:xfrm>
+          <a:prstGeom prst="rect">
+            <a:avLst/>
+          </a:prstGeom>
+          <a:noFill/>
+        </p:spPr>
+        <p:txBody>
+          <a:bodyPr wrap="square" rtlCol="0">
+            <a:spAutoFit/>
+          </a:bodyPr>
+          <a:lstStyle/>
+          <a:p>
+            <a:r>
+              <a:rPr lang="en-US" dirty="0">
+                <a:solidFill>
+                  <a:schemeClr val="tx1">
+                    <a:alpha val="20000"/>
+                  </a:schemeClr>
+                </a:solidFill>
+                <a:effectLst>
+                  <a:outerShdw blurRad="50800" dist="50800" dir="5400000" algn="ctr" rotWithShape="0">
+                    <a:srgbClr val="000000">
+                      <a:alpha val="0"/>
+                    </a:srgbClr>
+                  </a:outerShdw>
+                </a:effectLst>
+              </a:rPr>
+              <a:t>aegis4048.github.io</a:t>
+            </a:r>
+          </a:p>
+        </p:txBody>
+      </p:sp>
     </p:spTree>
     <p:extLst>
       <p:ext uri="{BB962C8B-B14F-4D97-AF65-F5344CB8AC3E}">
-        <p14:creationId xmlns:p14="http://schemas.microsoft.com/office/powerpoint/2010/main" val="2502052677"/>
+        <p14:creationId xmlns:p14="http://schemas.microsoft.com/office/powerpoint/2010/main" val="3287482236"/>
       </p:ext>
     </p:extLst>
   </p:cSld>
